--- a/slides/virtual_memory_intro.pptx
+++ b/slides/virtual_memory_intro.pptx
@@ -21,12 +21,12 @@
     <p:sldId id="266" r:id="rId12"/>
     <p:sldId id="267" r:id="rId13"/>
     <p:sldId id="268" r:id="rId14"/>
-    <p:sldId id="269" r:id="rId15"/>
-    <p:sldId id="270" r:id="rId16"/>
-    <p:sldId id="271" r:id="rId17"/>
-    <p:sldId id="272" r:id="rId18"/>
-    <p:sldId id="273" r:id="rId19"/>
-    <p:sldId id="274" r:id="rId20"/>
+    <p:sldId id="274" r:id="rId15"/>
+    <p:sldId id="269" r:id="rId16"/>
+    <p:sldId id="270" r:id="rId17"/>
+    <p:sldId id="271" r:id="rId18"/>
+    <p:sldId id="272" r:id="rId19"/>
+    <p:sldId id="273" r:id="rId20"/>
     <p:sldId id="275" r:id="rId21"/>
     <p:sldId id="276" r:id="rId22"/>
     <p:sldId id="277" r:id="rId23"/>
@@ -334,6 +334,11 @@
       </a:defRPr>
     </a:lvl9pPr>
   </p:defaultTextStyle>
+  <p:extLst>
+    <p:ext uri="{EFAFB233-063F-42B5-8137-9DF3F51BA10A}">
+      <p15:sldGuideLst xmlns:p15="http://schemas.microsoft.com/office/powerpoint/2012/main"/>
+    </p:ext>
+  </p:extLst>
 </p:presentation>
 </file>
 
@@ -4606,7 +4611,7 @@
       </p:grpSpPr>
       <p:sp>
         <p:nvSpPr>
-          <p:cNvPr id="173" name="Shape 173"/>
+          <p:cNvPr id="196" name="Shape 196"/>
           <p:cNvSpPr>
             <a:spLocks noGrp="1"/>
           </p:cNvSpPr>
@@ -4631,43 +4636,19 @@
           <a:lstStyle/>
           <a:p>
             <a:pPr>
-              <a:defRPr sz="2400" b="0">
-                <a:solidFill>
-                  <a:srgbClr val="EAEAEA"/>
-                </a:solidFill>
-                <a:latin typeface="Times New Roman"/>
-                <a:ea typeface="Times New Roman"/>
-                <a:cs typeface="Times New Roman"/>
-                <a:sym typeface="Times New Roman"/>
-              </a:defRPr>
+              <a:defRPr sz="2400"/>
             </a:pPr>
             <a:fld id="{86CB4B4D-7CA3-9044-876B-883B54F8677D}" type="slidenum">
-              <a:rPr sz="1400" b="1">
-                <a:solidFill>
-                  <a:srgbClr val="5F72D4"/>
-                </a:solidFill>
-                <a:latin typeface="Arial Narrow"/>
-                <a:ea typeface="Arial Narrow"/>
-                <a:cs typeface="Arial Narrow"/>
-                <a:sym typeface="Arial Narrow"/>
-              </a:rPr>
+              <a:rPr sz="1400"/>
               <a:t>14</a:t>
             </a:fld>
-            <a:endParaRPr sz="1400" b="1">
-              <a:solidFill>
-                <a:srgbClr val="5F72D4"/>
-              </a:solidFill>
-              <a:latin typeface="Arial Narrow"/>
-              <a:ea typeface="Arial Narrow"/>
-              <a:cs typeface="Arial Narrow"/>
-              <a:sym typeface="Arial Narrow"/>
-            </a:endParaRPr>
-          </a:p>
-        </p:txBody>
-      </p:sp>
-      <p:sp>
-        <p:nvSpPr>
-          <p:cNvPr id="174" name="Shape 174"/>
+            <a:endParaRPr sz="1400"/>
+          </a:p>
+        </p:txBody>
+      </p:sp>
+      <p:sp>
+        <p:nvSpPr>
+          <p:cNvPr id="197" name="Shape 197"/>
           <p:cNvSpPr>
             <a:spLocks noGrp="1"/>
           </p:cNvSpPr>
@@ -4677,8 +4658,8 @@
         </p:nvSpPr>
         <p:spPr>
           <a:xfrm>
-            <a:off x="-20638" y="-12700"/>
-            <a:ext cx="9185276" cy="844550"/>
+            <a:off x="657225" y="0"/>
+            <a:ext cx="7772400" cy="762000"/>
           </a:xfrm>
           <a:prstGeom prst="rect">
             <a:avLst/>
@@ -4689,29 +4670,24 @@
             <a:normAutofit/>
           </a:bodyPr>
           <a:lstStyle>
-            <a:lvl1pPr algn="ctr">
-              <a:defRPr>
-                <a:solidFill>
-                  <a:srgbClr val="FF2600"/>
-                </a:solidFill>
-              </a:defRPr>
+            <a:lvl1pPr>
+              <a:defRPr sz="4000"/>
             </a:lvl1pPr>
           </a:lstStyle>
           <a:p>
-            <a:r>
-              <a:rPr dirty="0">
-                <a:solidFill>
-                  <a:schemeClr val="tx1"/>
-                </a:solidFill>
-              </a:rPr>
-              <a:t>Translation look-aside buffer</a:t>
-            </a:r>
-          </a:p>
-        </p:txBody>
-      </p:sp>
-      <p:sp>
-        <p:nvSpPr>
-          <p:cNvPr id="175" name="Shape 175"/>
+            <a:pPr>
+              <a:defRPr sz="4400"/>
+            </a:pPr>
+            <a:r>
+              <a:rPr sz="4000"/>
+              <a:t>Impact of Page Size on Page tables</a:t>
+            </a:r>
+          </a:p>
+        </p:txBody>
+      </p:sp>
+      <p:sp>
+        <p:nvSpPr>
+          <p:cNvPr id="198" name="Shape 198"/>
           <p:cNvSpPr>
             <a:spLocks noGrp="1"/>
           </p:cNvSpPr>
@@ -4721,8 +4697,8 @@
         </p:nvSpPr>
         <p:spPr>
           <a:xfrm>
-            <a:off x="578643" y="1181100"/>
-            <a:ext cx="7986714" cy="4495800"/>
+            <a:off x="381000" y="1295400"/>
+            <a:ext cx="8401050" cy="5105400"/>
           </a:xfrm>
           <a:prstGeom prst="rect">
             <a:avLst/>
@@ -4730,127 +4706,100 @@
         </p:spPr>
         <p:txBody>
           <a:bodyPr>
-            <a:normAutofit lnSpcReduction="10000"/>
+            <a:normAutofit/>
           </a:bodyPr>
           <a:lstStyle/>
           <a:p>
-            <a:pPr marL="271779" indent="-271779" defTabSz="731520">
+            <a:pPr algn="ctr">
+              <a:buSzTx/>
+              <a:buNone/>
+            </a:pPr>
+            <a:r>
+              <a:t>Small page size</a:t>
+            </a:r>
+          </a:p>
+          <a:p>
+            <a:pPr>
+              <a:buChar char="•"/>
+            </a:pPr>
+            <a:r>
+              <a:t>Advantages</a:t>
+            </a:r>
+          </a:p>
+          <a:p>
+            <a:pPr marL="742950" lvl="1" indent="-285750">
               <a:spcBef>
                 <a:spcPts val="600"/>
               </a:spcBef>
-              <a:buChar char="⬥"/>
-              <a:defRPr sz="2480">
-                <a:effectLst>
-                  <a:outerShdw blurRad="10160" dist="20320" dir="2700000" rotWithShape="0">
-                    <a:srgbClr val="DDDDDD"/>
-                  </a:outerShdw>
-                </a:effectLst>
-              </a:defRPr>
-            </a:pPr>
-            <a:r>
-              <a:t>TLB caches virtual-to-physical address translations</a:t>
-            </a:r>
-          </a:p>
-          <a:p>
-            <a:pPr marL="271779" indent="-271779" defTabSz="731520">
+              <a:defRPr sz="2800">
+                <a:solidFill>
+                  <a:srgbClr val="000000"/>
+                </a:solidFill>
+              </a:defRPr>
+            </a:pPr>
+            <a:r>
+              <a:t>less internal fragmentation </a:t>
+            </a:r>
+          </a:p>
+          <a:p>
+            <a:pPr marL="742950" lvl="1" indent="-285750">
               <a:spcBef>
                 <a:spcPts val="600"/>
               </a:spcBef>
-              <a:buChar char="⬥"/>
-              <a:defRPr sz="2480">
-                <a:effectLst>
-                  <a:outerShdw blurRad="10160" dist="20320" dir="2700000" rotWithShape="0">
-                    <a:srgbClr val="DDDDDD"/>
-                  </a:outerShdw>
-                </a:effectLst>
-              </a:defRPr>
-            </a:pPr>
-            <a:endParaRPr/>
-          </a:p>
-          <a:p>
-            <a:pPr marL="271779" indent="-271779" defTabSz="731520">
+              <a:defRPr sz="2800">
+                <a:solidFill>
+                  <a:srgbClr val="000000"/>
+                </a:solidFill>
+              </a:defRPr>
+            </a:pPr>
+            <a:r>
+              <a:t>page-in/page-out less expensive</a:t>
+            </a:r>
+          </a:p>
+          <a:p>
+            <a:pPr marL="742950" lvl="1" indent="-285750">
               <a:spcBef>
                 <a:spcPts val="600"/>
               </a:spcBef>
-              <a:buChar char="⬥"/>
-              <a:defRPr sz="2480">
-                <a:effectLst>
-                  <a:outerShdw blurRad="10160" dist="20320" dir="2700000" rotWithShape="0">
-                    <a:srgbClr val="DDDDDD"/>
-                  </a:outerShdw>
-                </a:effectLst>
-              </a:defRPr>
-            </a:pPr>
-            <a:r>
-              <a:t>TLB is a small cache that speeds up the translation of virtual addresses to physical addresses.</a:t>
-            </a:r>
-          </a:p>
-          <a:p>
-            <a:pPr marL="271779" indent="-271779" defTabSz="731520">
+              <a:defRPr sz="2800">
+                <a:solidFill>
+                  <a:srgbClr val="000000"/>
+                </a:solidFill>
+              </a:defRPr>
+            </a:pPr>
+            <a:endParaRPr/>
+          </a:p>
+          <a:p>
+            <a:pPr>
+              <a:buChar char="•"/>
+            </a:pPr>
+            <a:endParaRPr sz="2800">
+              <a:solidFill>
+                <a:srgbClr val="000000"/>
+              </a:solidFill>
+            </a:endParaRPr>
+          </a:p>
+          <a:p>
+            <a:pPr>
+              <a:buChar char="•"/>
+            </a:pPr>
+            <a:r>
+              <a:t>Disadvantages</a:t>
+            </a:r>
+          </a:p>
+          <a:p>
+            <a:pPr marL="742950" lvl="1" indent="-285750">
               <a:spcBef>
                 <a:spcPts val="600"/>
               </a:spcBef>
-              <a:buChar char="⬥"/>
-              <a:defRPr sz="2480">
-                <a:effectLst>
-                  <a:outerShdw blurRad="10160" dist="20320" dir="2700000" rotWithShape="0">
-                    <a:srgbClr val="DDDDDD"/>
-                  </a:outerShdw>
-                </a:effectLst>
-              </a:defRPr>
-            </a:pPr>
-            <a:endParaRPr/>
-          </a:p>
-          <a:p>
-            <a:pPr marL="271779" indent="-271779" defTabSz="731520">
-              <a:spcBef>
-                <a:spcPts val="600"/>
-              </a:spcBef>
-              <a:buChar char="⬥"/>
-              <a:defRPr sz="2480">
-                <a:effectLst>
-                  <a:outerShdw blurRad="10160" dist="20320" dir="2700000" rotWithShape="0">
-                    <a:srgbClr val="DDDDDD"/>
-                  </a:outerShdw>
-                </a:effectLst>
-              </a:defRPr>
-            </a:pPr>
-            <a:r>
-              <a:t>It is not a Data Cache or Instruction Cache. Those are separate.</a:t>
-            </a:r>
-          </a:p>
-          <a:p>
-            <a:pPr marL="271779" indent="-271779" defTabSz="731520">
-              <a:spcBef>
-                <a:spcPts val="600"/>
-              </a:spcBef>
-              <a:buChar char="⬥"/>
-              <a:defRPr sz="2480">
-                <a:effectLst>
-                  <a:outerShdw blurRad="10160" dist="20320" dir="2700000" rotWithShape="0">
-                    <a:srgbClr val="DDDDDD"/>
-                  </a:outerShdw>
-                </a:effectLst>
-              </a:defRPr>
-            </a:pPr>
-            <a:endParaRPr/>
-          </a:p>
-          <a:p>
-            <a:pPr marL="271779" indent="-271779" defTabSz="731520">
-              <a:spcBef>
-                <a:spcPts val="600"/>
-              </a:spcBef>
-              <a:buChar char="⬥"/>
-              <a:defRPr sz="2480">
-                <a:effectLst>
-                  <a:outerShdw blurRad="10160" dist="20320" dir="2700000" rotWithShape="0">
-                    <a:srgbClr val="DDDDDD"/>
-                  </a:outerShdw>
-                </a:effectLst>
-              </a:defRPr>
-            </a:pPr>
-            <a:r>
-              <a:t>TLB simply caches translations from virtual page number to physical page number so that the MMU don’t have to access page-table in memory too often.</a:t>
+              <a:defRPr sz="2800">
+                <a:solidFill>
+                  <a:srgbClr val="000000"/>
+                </a:solidFill>
+              </a:defRPr>
+            </a:pPr>
+            <a:r>
+              <a:t>process that needs more pages has larger page table</a:t>
             </a:r>
           </a:p>
         </p:txBody>
@@ -4883,7 +4832,7 @@
       </p:grpSpPr>
       <p:sp>
         <p:nvSpPr>
-          <p:cNvPr id="179" name="Shape 179"/>
+          <p:cNvPr id="173" name="Shape 173"/>
           <p:cNvSpPr>
             <a:spLocks noGrp="1"/>
           </p:cNvSpPr>
@@ -4908,19 +4857,43 @@
           <a:lstStyle/>
           <a:p>
             <a:pPr>
-              <a:defRPr sz="2400"/>
+              <a:defRPr sz="2400" b="0">
+                <a:solidFill>
+                  <a:srgbClr val="EAEAEA"/>
+                </a:solidFill>
+                <a:latin typeface="Times New Roman"/>
+                <a:ea typeface="Times New Roman"/>
+                <a:cs typeface="Times New Roman"/>
+                <a:sym typeface="Times New Roman"/>
+              </a:defRPr>
             </a:pPr>
             <a:fld id="{86CB4B4D-7CA3-9044-876B-883B54F8677D}" type="slidenum">
-              <a:rPr sz="1400"/>
+              <a:rPr sz="1400" b="1">
+                <a:solidFill>
+                  <a:srgbClr val="5F72D4"/>
+                </a:solidFill>
+                <a:latin typeface="Arial Narrow"/>
+                <a:ea typeface="Arial Narrow"/>
+                <a:cs typeface="Arial Narrow"/>
+                <a:sym typeface="Arial Narrow"/>
+              </a:rPr>
               <a:t>15</a:t>
             </a:fld>
-            <a:endParaRPr sz="1400"/>
-          </a:p>
-        </p:txBody>
-      </p:sp>
-      <p:sp>
-        <p:nvSpPr>
-          <p:cNvPr id="180" name="Shape 180"/>
+            <a:endParaRPr sz="1400" b="1">
+              <a:solidFill>
+                <a:srgbClr val="5F72D4"/>
+              </a:solidFill>
+              <a:latin typeface="Arial Narrow"/>
+              <a:ea typeface="Arial Narrow"/>
+              <a:cs typeface="Arial Narrow"/>
+              <a:sym typeface="Arial Narrow"/>
+            </a:endParaRPr>
+          </a:p>
+        </p:txBody>
+      </p:sp>
+      <p:sp>
+        <p:nvSpPr>
+          <p:cNvPr id="174" name="Shape 174"/>
           <p:cNvSpPr>
             <a:spLocks noGrp="1"/>
           </p:cNvSpPr>
@@ -4930,8 +4903,8 @@
         </p:nvSpPr>
         <p:spPr>
           <a:xfrm>
-            <a:off x="292100" y="-1"/>
-            <a:ext cx="8458200" cy="1143002"/>
+            <a:off x="-20638" y="-12700"/>
+            <a:ext cx="9185276" cy="844550"/>
           </a:xfrm>
           <a:prstGeom prst="rect">
             <a:avLst/>
@@ -4942,35 +4915,40 @@
             <a:normAutofit/>
           </a:bodyPr>
           <a:lstStyle>
-            <a:lvl1pPr>
-              <a:defRPr sz="4000"/>
+            <a:lvl1pPr algn="ctr">
+              <a:defRPr>
+                <a:solidFill>
+                  <a:srgbClr val="FF2600"/>
+                </a:solidFill>
+              </a:defRPr>
             </a:lvl1pPr>
           </a:lstStyle>
           <a:p>
-            <a:pPr>
-              <a:defRPr sz="4400"/>
-            </a:pPr>
-            <a:r>
-              <a:rPr sz="4000"/>
-              <a:t>TLBs – Translation Lookaside Buffers</a:t>
-            </a:r>
-          </a:p>
-        </p:txBody>
-      </p:sp>
-      <p:sp>
-        <p:nvSpPr>
-          <p:cNvPr id="181" name="Shape 181"/>
+            <a:r>
+              <a:rPr dirty="0">
+                <a:solidFill>
+                  <a:schemeClr val="tx1"/>
+                </a:solidFill>
+              </a:rPr>
+              <a:t>Translation look-aside buffer</a:t>
+            </a:r>
+          </a:p>
+        </p:txBody>
+      </p:sp>
+      <p:sp>
+        <p:nvSpPr>
+          <p:cNvPr id="175" name="Shape 175"/>
           <p:cNvSpPr>
             <a:spLocks noGrp="1"/>
           </p:cNvSpPr>
           <p:nvPr>
-            <p:ph type="body" sz="half" idx="1"/>
+            <p:ph type="body" idx="1"/>
           </p:nvPr>
         </p:nvSpPr>
         <p:spPr>
           <a:xfrm>
-            <a:off x="685800" y="4254500"/>
-            <a:ext cx="7772400" cy="2603500"/>
+            <a:off x="578643" y="1181100"/>
+            <a:ext cx="7986714" cy="4495800"/>
           </a:xfrm>
           <a:prstGeom prst="rect">
             <a:avLst/>
@@ -4978,67 +4956,131 @@
         </p:spPr>
         <p:txBody>
           <a:bodyPr>
-            <a:normAutofit/>
+            <a:normAutofit lnSpcReduction="10000"/>
           </a:bodyPr>
           <a:lstStyle/>
           <a:p>
-            <a:pPr marL="214312" indent="-214312">
-              <a:lnSpc>
-                <a:spcPct val="80000"/>
-              </a:lnSpc>
+            <a:pPr marL="271779" indent="-271779" defTabSz="731520">
               <a:spcBef>
-                <a:spcPts val="400"/>
+                <a:spcPts val="600"/>
               </a:spcBef>
-              <a:buChar char="•"/>
-            </a:pPr>
-            <a:r>
-              <a:rPr sz="2000"/>
-              <a:t>TLB is part of the MMU hardware (comes with CPU)</a:t>
-            </a:r>
-          </a:p>
-          <a:p>
-            <a:pPr>
-              <a:lnSpc>
-                <a:spcPct val="80000"/>
-              </a:lnSpc>
+              <a:buChar char="⬥"/>
+              <a:defRPr sz="2480">
+                <a:effectLst>
+                  <a:outerShdw blurRad="10160" dist="20320" dir="2700000" rotWithShape="0">
+                    <a:srgbClr val="DDDDDD"/>
+                  </a:outerShdw>
+                </a:effectLst>
+              </a:defRPr>
+            </a:pPr>
+            <a:r>
+              <a:t>TLB caches virtual-to-physical address translations</a:t>
+            </a:r>
+          </a:p>
+          <a:p>
+            <a:pPr marL="271779" indent="-271779" defTabSz="731520">
               <a:spcBef>
-                <a:spcPts val="400"/>
+                <a:spcPts val="600"/>
               </a:spcBef>
-              <a:buChar char="•"/>
-            </a:pPr>
-            <a:endParaRPr sz="2000"/>
-          </a:p>
-        </p:txBody>
-      </p:sp>
-      <p:pic>
-        <p:nvPicPr>
-          <p:cNvPr id="182" name="image.png"/>
-          <p:cNvPicPr>
-            <a:picLocks noChangeAspect="1"/>
-          </p:cNvPicPr>
-          <p:nvPr/>
-        </p:nvPicPr>
-        <p:blipFill>
-          <a:blip r:embed="rId2">
-            <a:extLst/>
-          </a:blip>
-          <a:stretch>
-            <a:fillRect/>
-          </a:stretch>
-        </p:blipFill>
-        <p:spPr>
-          <a:xfrm>
-            <a:off x="909637" y="893762"/>
-            <a:ext cx="7667626" cy="3149601"/>
-          </a:xfrm>
-          <a:prstGeom prst="rect">
-            <a:avLst/>
-          </a:prstGeom>
-          <a:ln w="12700">
-            <a:miter lim="400000"/>
-          </a:ln>
-        </p:spPr>
-      </p:pic>
+              <a:buChar char="⬥"/>
+              <a:defRPr sz="2480">
+                <a:effectLst>
+                  <a:outerShdw blurRad="10160" dist="20320" dir="2700000" rotWithShape="0">
+                    <a:srgbClr val="DDDDDD"/>
+                  </a:outerShdw>
+                </a:effectLst>
+              </a:defRPr>
+            </a:pPr>
+            <a:endParaRPr/>
+          </a:p>
+          <a:p>
+            <a:pPr marL="271779" indent="-271779" defTabSz="731520">
+              <a:spcBef>
+                <a:spcPts val="600"/>
+              </a:spcBef>
+              <a:buChar char="⬥"/>
+              <a:defRPr sz="2480">
+                <a:effectLst>
+                  <a:outerShdw blurRad="10160" dist="20320" dir="2700000" rotWithShape="0">
+                    <a:srgbClr val="DDDDDD"/>
+                  </a:outerShdw>
+                </a:effectLst>
+              </a:defRPr>
+            </a:pPr>
+            <a:r>
+              <a:t>TLB is a small cache that speeds up the translation of virtual addresses to physical addresses.</a:t>
+            </a:r>
+          </a:p>
+          <a:p>
+            <a:pPr marL="271779" indent="-271779" defTabSz="731520">
+              <a:spcBef>
+                <a:spcPts val="600"/>
+              </a:spcBef>
+              <a:buChar char="⬥"/>
+              <a:defRPr sz="2480">
+                <a:effectLst>
+                  <a:outerShdw blurRad="10160" dist="20320" dir="2700000" rotWithShape="0">
+                    <a:srgbClr val="DDDDDD"/>
+                  </a:outerShdw>
+                </a:effectLst>
+              </a:defRPr>
+            </a:pPr>
+            <a:endParaRPr/>
+          </a:p>
+          <a:p>
+            <a:pPr marL="271779" indent="-271779" defTabSz="731520">
+              <a:spcBef>
+                <a:spcPts val="600"/>
+              </a:spcBef>
+              <a:buChar char="⬥"/>
+              <a:defRPr sz="2480">
+                <a:effectLst>
+                  <a:outerShdw blurRad="10160" dist="20320" dir="2700000" rotWithShape="0">
+                    <a:srgbClr val="DDDDDD"/>
+                  </a:outerShdw>
+                </a:effectLst>
+              </a:defRPr>
+            </a:pPr>
+            <a:r>
+              <a:t>It is not a Data Cache or Instruction Cache. Those are separate.</a:t>
+            </a:r>
+          </a:p>
+          <a:p>
+            <a:pPr marL="271779" indent="-271779" defTabSz="731520">
+              <a:spcBef>
+                <a:spcPts val="600"/>
+              </a:spcBef>
+              <a:buChar char="⬥"/>
+              <a:defRPr sz="2480">
+                <a:effectLst>
+                  <a:outerShdw blurRad="10160" dist="20320" dir="2700000" rotWithShape="0">
+                    <a:srgbClr val="DDDDDD"/>
+                  </a:outerShdw>
+                </a:effectLst>
+              </a:defRPr>
+            </a:pPr>
+            <a:endParaRPr/>
+          </a:p>
+          <a:p>
+            <a:pPr marL="271779" indent="-271779" defTabSz="731520">
+              <a:spcBef>
+                <a:spcPts val="600"/>
+              </a:spcBef>
+              <a:buChar char="⬥"/>
+              <a:defRPr sz="2480">
+                <a:effectLst>
+                  <a:outerShdw blurRad="10160" dist="20320" dir="2700000" rotWithShape="0">
+                    <a:srgbClr val="DDDDDD"/>
+                  </a:outerShdw>
+                </a:effectLst>
+              </a:defRPr>
+            </a:pPr>
+            <a:r>
+              <a:t>TLB simply caches translations from virtual page number to physical page number so that the MMU don’t have to access page-table in memory too often.</a:t>
+            </a:r>
+          </a:p>
+        </p:txBody>
+      </p:sp>
     </p:spTree>
   </p:cSld>
   <p:clrMapOvr>
@@ -5067,21 +5109,18 @@
       </p:grpSpPr>
       <p:sp>
         <p:nvSpPr>
-          <p:cNvPr id="184" name="Shape 184"/>
-          <p:cNvSpPr/>
-          <p:nvPr/>
-        </p:nvSpPr>
-        <p:spPr>
-          <a:xfrm>
-            <a:off x="0" y="6616700"/>
-            <a:ext cx="2895600" cy="287087"/>
-          </a:xfrm>
-          <a:prstGeom prst="rect">
-            <a:avLst/>
-          </a:prstGeom>
-          <a:ln w="12700">
-            <a:miter lim="400000"/>
-          </a:ln>
+          <p:cNvPr id="179" name="Shape 179"/>
+          <p:cNvSpPr>
+            <a:spLocks noGrp="1"/>
+          </p:cNvSpPr>
+          <p:nvPr>
+            <p:ph type="sldNum" sz="quarter" idx="2"/>
+          </p:nvPr>
+        </p:nvSpPr>
+        <p:spPr>
+          <a:prstGeom prst="rect">
+            <a:avLst/>
+          </a:prstGeom>
           <a:extLst>
             <a:ext uri="{C572A759-6A51-4108-AA02-DFA0A04FC94B}">
               <ma14:wrappingTextBoxFlag xmlns:ma14="http://schemas.microsoft.com/office/mac/drawingml/2011/main" val="1"/>
@@ -5089,28 +5128,25 @@
           </a:extLst>
         </p:spPr>
         <p:txBody>
-          <a:bodyPr lIns="45719" rIns="45719">
-            <a:spAutoFit/>
+          <a:bodyPr>
+            <a:normAutofit lnSpcReduction="10000"/>
           </a:bodyPr>
-          <a:lstStyle>
-            <a:lvl1pPr>
-              <a:defRPr sz="1400" b="1" i="1"/>
-            </a:lvl1pPr>
-          </a:lstStyle>
+          <a:lstStyle/>
           <a:p>
             <a:pPr>
-              <a:defRPr sz="2400" b="0" i="0"/>
-            </a:pPr>
-            <a:r>
-              <a:rPr sz="1400" b="1" i="1"/>
-              <a:t>CS552/BU</a:t>
-            </a:r>
-          </a:p>
-        </p:txBody>
-      </p:sp>
-      <p:sp>
-        <p:nvSpPr>
-          <p:cNvPr id="185" name="Shape 185"/>
+              <a:defRPr sz="2400"/>
+            </a:pPr>
+            <a:fld id="{86CB4B4D-7CA3-9044-876B-883B54F8677D}" type="slidenum">
+              <a:rPr sz="1400"/>
+              <a:t>16</a:t>
+            </a:fld>
+            <a:endParaRPr sz="1400"/>
+          </a:p>
+        </p:txBody>
+      </p:sp>
+      <p:sp>
+        <p:nvSpPr>
+          <p:cNvPr id="180" name="Shape 180"/>
           <p:cNvSpPr>
             <a:spLocks noGrp="1"/>
           </p:cNvSpPr>
@@ -5120,8 +5156,8 @@
         </p:nvSpPr>
         <p:spPr>
           <a:xfrm>
-            <a:off x="533400" y="228599"/>
-            <a:ext cx="7772400" cy="1143002"/>
+            <a:off x="292100" y="-1"/>
+            <a:ext cx="8458200" cy="1143002"/>
           </a:xfrm>
           <a:prstGeom prst="rect">
             <a:avLst/>
@@ -5132,35 +5168,35 @@
             <a:normAutofit/>
           </a:bodyPr>
           <a:lstStyle>
-            <a:lvl1pPr defTabSz="740663">
-              <a:defRPr sz="2916"/>
+            <a:lvl1pPr>
+              <a:defRPr sz="4000"/>
             </a:lvl1pPr>
           </a:lstStyle>
           <a:p>
             <a:pPr>
-              <a:defRPr sz="3240"/>
-            </a:pPr>
-            <a:r>
-              <a:rPr sz="2916"/>
-              <a:t>Two types of memory translation architectures</a:t>
-            </a:r>
-          </a:p>
-        </p:txBody>
-      </p:sp>
-      <p:sp>
-        <p:nvSpPr>
-          <p:cNvPr id="186" name="Shape 186"/>
+              <a:defRPr sz="4400"/>
+            </a:pPr>
+            <a:r>
+              <a:rPr sz="4000"/>
+              <a:t>TLBs – Translation Lookaside Buffers</a:t>
+            </a:r>
+          </a:p>
+        </p:txBody>
+      </p:sp>
+      <p:sp>
+        <p:nvSpPr>
+          <p:cNvPr id="181" name="Shape 181"/>
           <p:cNvSpPr>
             <a:spLocks noGrp="1"/>
           </p:cNvSpPr>
           <p:nvPr>
-            <p:ph type="body" idx="1"/>
+            <p:ph type="body" sz="half" idx="1"/>
           </p:nvPr>
         </p:nvSpPr>
         <p:spPr>
           <a:xfrm>
-            <a:off x="533400" y="1475730"/>
-            <a:ext cx="7772400" cy="5036841"/>
+            <a:off x="685800" y="4254500"/>
+            <a:ext cx="7772400" cy="2603500"/>
           </a:xfrm>
           <a:prstGeom prst="rect">
             <a:avLst/>
@@ -5172,149 +5208,63 @@
           </a:bodyPr>
           <a:lstStyle/>
           <a:p>
-            <a:pPr marL="264032" indent="-264032" defTabSz="704087">
-              <a:spcBef>
-                <a:spcPts val="500"/>
-              </a:spcBef>
-              <a:buChar char="❑"/>
-              <a:defRPr sz="2156"/>
-            </a:pPr>
-            <a:r>
-              <a:t>Architected Page Tables</a:t>
-            </a:r>
-          </a:p>
-          <a:p>
-            <a:pPr marL="572071" lvl="1" indent="-220027" defTabSz="704087">
+            <a:pPr marL="214312" indent="-214312">
+              <a:lnSpc>
+                <a:spcPct val="80000"/>
+              </a:lnSpc>
               <a:spcBef>
                 <a:spcPts val="400"/>
               </a:spcBef>
-              <a:buFont typeface="Zapf Dingbats"/>
-              <a:defRPr sz="1848"/>
-            </a:pPr>
-            <a:r>
-              <a:t>Page table interface defined by ISA and understood by memory translation hardware</a:t>
-            </a:r>
-          </a:p>
-          <a:p>
-            <a:pPr marL="572071" lvl="1" indent="-220027" defTabSz="704087">
+              <a:buChar char="•"/>
+            </a:pPr>
+            <a:r>
+              <a:rPr sz="2000"/>
+              <a:t>TLB is part of the MMU hardware (comes with CPU)</a:t>
+            </a:r>
+          </a:p>
+          <a:p>
+            <a:pPr>
+              <a:lnSpc>
+                <a:spcPct val="80000"/>
+              </a:lnSpc>
               <a:spcBef>
                 <a:spcPts val="400"/>
               </a:spcBef>
-              <a:buFont typeface="Zapf Dingbats"/>
-              <a:defRPr sz="1848"/>
-            </a:pPr>
-            <a:r>
-              <a:t>E.g. x86 architecture</a:t>
-            </a:r>
-          </a:p>
-          <a:p>
-            <a:pPr marL="572071" lvl="1" indent="-220027" defTabSz="704087">
-              <a:spcBef>
-                <a:spcPts val="400"/>
-              </a:spcBef>
-              <a:buFont typeface="Zapf Dingbats"/>
-              <a:defRPr sz="1848"/>
-            </a:pPr>
-            <a:r>
-              <a:t>MMU handles TLB miss (in hardware)</a:t>
-            </a:r>
-          </a:p>
-          <a:p>
-            <a:pPr marL="572071" lvl="1" indent="-220027" defTabSz="704087">
-              <a:spcBef>
-                <a:spcPts val="400"/>
-              </a:spcBef>
-              <a:buFont typeface="Zapf Dingbats"/>
-              <a:defRPr sz="1848"/>
-            </a:pPr>
-            <a:r>
-              <a:t>OS handles page faults (in software)</a:t>
-            </a:r>
-          </a:p>
-          <a:p>
-            <a:pPr marL="572071" lvl="1" indent="-220027" defTabSz="704087">
-              <a:spcBef>
-                <a:spcPts val="400"/>
-              </a:spcBef>
-              <a:buFont typeface="Zapf Dingbats"/>
-              <a:defRPr sz="1848"/>
-            </a:pPr>
-            <a:r>
-              <a:t>ISA specifies page table format</a:t>
-            </a:r>
-          </a:p>
-          <a:p>
-            <a:pPr marL="572071" lvl="1" indent="-220027" defTabSz="704087">
-              <a:spcBef>
-                <a:spcPts val="400"/>
-              </a:spcBef>
-              <a:buFont typeface="Zapf Dingbats"/>
-              <a:defRPr sz="1848"/>
-            </a:pPr>
-            <a:endParaRPr/>
-          </a:p>
-          <a:p>
-            <a:pPr marL="264032" indent="-264032" defTabSz="704087">
-              <a:spcBef>
-                <a:spcPts val="500"/>
-              </a:spcBef>
-              <a:buChar char="❑"/>
-              <a:defRPr sz="2156"/>
-            </a:pPr>
-            <a:r>
-              <a:t>Architected TLBs</a:t>
-            </a:r>
-          </a:p>
-          <a:p>
-            <a:pPr marL="572071" lvl="1" indent="-220027" defTabSz="704087">
-              <a:spcBef>
-                <a:spcPts val="400"/>
-              </a:spcBef>
-              <a:buFont typeface="Zapf Dingbats"/>
-              <a:defRPr sz="1848"/>
-            </a:pPr>
-            <a:r>
-              <a:t>TLB interface defined by ISA and understood by MMU</a:t>
-            </a:r>
-          </a:p>
-          <a:p>
-            <a:pPr marL="572071" lvl="1" indent="-220027" defTabSz="704087">
-              <a:spcBef>
-                <a:spcPts val="400"/>
-              </a:spcBef>
-              <a:buFont typeface="Zapf Dingbats"/>
-              <a:defRPr sz="1848"/>
-            </a:pPr>
-            <a:r>
-              <a:t>E.g. alpha architecture</a:t>
-            </a:r>
-          </a:p>
-          <a:p>
-            <a:pPr marL="572071" lvl="1" indent="-220027" defTabSz="704087">
-              <a:spcBef>
-                <a:spcPts val="400"/>
-              </a:spcBef>
-              <a:buFont typeface="Zapf Dingbats"/>
-              <a:defRPr sz="1848"/>
-            </a:pPr>
-            <a:r>
-              <a:t>TLB miss handled by OS (in software)</a:t>
-            </a:r>
-          </a:p>
-          <a:p>
-            <a:pPr marL="572071" lvl="1" indent="-220027" defTabSz="704087">
-              <a:spcBef>
-                <a:spcPts val="400"/>
-              </a:spcBef>
-              <a:buFont typeface="Zapf Dingbats"/>
-              <a:defRPr sz="1848"/>
-            </a:pPr>
-            <a:r>
-              <a:t>ISA does not specify page table format</a:t>
-            </a:r>
-          </a:p>
-        </p:txBody>
-      </p:sp>
+              <a:buChar char="•"/>
+            </a:pPr>
+            <a:endParaRPr sz="2000"/>
+          </a:p>
+        </p:txBody>
+      </p:sp>
+      <p:pic>
+        <p:nvPicPr>
+          <p:cNvPr id="182" name="image.png"/>
+          <p:cNvPicPr>
+            <a:picLocks noChangeAspect="1"/>
+          </p:cNvPicPr>
+          <p:nvPr/>
+        </p:nvPicPr>
+        <p:blipFill>
+          <a:blip r:embed="rId2">
+            <a:extLst/>
+          </a:blip>
+          <a:stretch>
+            <a:fillRect/>
+          </a:stretch>
+        </p:blipFill>
+        <p:spPr>
+          <a:xfrm>
+            <a:off x="909637" y="893762"/>
+            <a:ext cx="7667626" cy="3149601"/>
+          </a:xfrm>
+          <a:prstGeom prst="rect">
+            <a:avLst/>
+          </a:prstGeom>
+          <a:ln w="12700">
+            <a:miter lim="400000"/>
+          </a:ln>
+        </p:spPr>
+      </p:pic>
     </p:spTree>
   </p:cSld>
   <p:clrMapOvr>
@@ -5343,18 +5293,21 @@
       </p:grpSpPr>
       <p:sp>
         <p:nvSpPr>
-          <p:cNvPr id="188" name="Shape 188"/>
-          <p:cNvSpPr>
-            <a:spLocks noGrp="1"/>
-          </p:cNvSpPr>
-          <p:nvPr>
-            <p:ph type="sldNum" sz="quarter" idx="2"/>
-          </p:nvPr>
-        </p:nvSpPr>
-        <p:spPr>
-          <a:prstGeom prst="rect">
-            <a:avLst/>
-          </a:prstGeom>
+          <p:cNvPr id="184" name="Shape 184"/>
+          <p:cNvSpPr/>
+          <p:nvPr/>
+        </p:nvSpPr>
+        <p:spPr>
+          <a:xfrm>
+            <a:off x="0" y="6616700"/>
+            <a:ext cx="2895600" cy="287087"/>
+          </a:xfrm>
+          <a:prstGeom prst="rect">
+            <a:avLst/>
+          </a:prstGeom>
+          <a:ln w="12700">
+            <a:miter lim="400000"/>
+          </a:ln>
           <a:extLst>
             <a:ext uri="{C572A759-6A51-4108-AA02-DFA0A04FC94B}">
               <ma14:wrappingTextBoxFlag xmlns:ma14="http://schemas.microsoft.com/office/mac/drawingml/2011/main" val="1"/>
@@ -5362,19 +5315,28 @@
           </a:extLst>
         </p:spPr>
         <p:txBody>
-          <a:bodyPr/>
-          <a:lstStyle/>
-          <a:p>
-            <a:fld id="{86CB4B4D-7CA3-9044-876B-883B54F8677D}" type="slidenum">
-              <a:t>17</a:t>
-            </a:fld>
-            <a:endParaRPr/>
-          </a:p>
-        </p:txBody>
-      </p:sp>
-      <p:sp>
-        <p:nvSpPr>
-          <p:cNvPr id="189" name="Shape 189"/>
+          <a:bodyPr lIns="45719" rIns="45719">
+            <a:spAutoFit/>
+          </a:bodyPr>
+          <a:lstStyle>
+            <a:lvl1pPr>
+              <a:defRPr sz="1400" b="1" i="1"/>
+            </a:lvl1pPr>
+          </a:lstStyle>
+          <a:p>
+            <a:pPr>
+              <a:defRPr sz="2400" b="0" i="0"/>
+            </a:pPr>
+            <a:r>
+              <a:rPr sz="1400" b="1" i="1"/>
+              <a:t>CS552/BU</a:t>
+            </a:r>
+          </a:p>
+        </p:txBody>
+      </p:sp>
+      <p:sp>
+        <p:nvSpPr>
+          <p:cNvPr id="185" name="Shape 185"/>
           <p:cNvSpPr>
             <a:spLocks noGrp="1"/>
           </p:cNvSpPr>
@@ -5383,23 +5345,37 @@
           </p:nvPr>
         </p:nvSpPr>
         <p:spPr>
-          <a:prstGeom prst="rect">
-            <a:avLst/>
-          </a:prstGeom>
-        </p:spPr>
-        <p:txBody>
-          <a:bodyPr/>
-          <a:lstStyle/>
-          <a:p>
-            <a:r>
-              <a:t>Cold Start Penalty</a:t>
-            </a:r>
-          </a:p>
-        </p:txBody>
-      </p:sp>
-      <p:sp>
-        <p:nvSpPr>
-          <p:cNvPr id="190" name="Shape 190"/>
+          <a:xfrm>
+            <a:off x="533400" y="228599"/>
+            <a:ext cx="7772400" cy="1143002"/>
+          </a:xfrm>
+          <a:prstGeom prst="rect">
+            <a:avLst/>
+          </a:prstGeom>
+        </p:spPr>
+        <p:txBody>
+          <a:bodyPr>
+            <a:normAutofit/>
+          </a:bodyPr>
+          <a:lstStyle>
+            <a:lvl1pPr defTabSz="740663">
+              <a:defRPr sz="2916"/>
+            </a:lvl1pPr>
+          </a:lstStyle>
+          <a:p>
+            <a:pPr>
+              <a:defRPr sz="3240"/>
+            </a:pPr>
+            <a:r>
+              <a:rPr sz="2916"/>
+              <a:t>Two types of memory translation architectures</a:t>
+            </a:r>
+          </a:p>
+        </p:txBody>
+      </p:sp>
+      <p:sp>
+        <p:nvSpPr>
+          <p:cNvPr id="186" name="Shape 186"/>
           <p:cNvSpPr>
             <a:spLocks noGrp="1"/>
           </p:cNvSpPr>
@@ -5409,79 +5385,158 @@
         </p:nvSpPr>
         <p:spPr>
           <a:xfrm>
-            <a:off x="477986" y="1308100"/>
-            <a:ext cx="8188028" cy="5390555"/>
+            <a:off x="533400" y="1475730"/>
+            <a:ext cx="7772400" cy="5036841"/>
           </a:xfrm>
           <a:prstGeom prst="rect">
             <a:avLst/>
           </a:prstGeom>
         </p:spPr>
         <p:txBody>
-          <a:bodyPr/>
+          <a:bodyPr>
+            <a:normAutofit/>
+          </a:bodyPr>
           <a:lstStyle/>
           <a:p>
-            <a:pPr marL="285750" indent="-285750">
-              <a:defRPr sz="2500"/>
-            </a:pPr>
-            <a:r>
-              <a:t>Immediately after a context switch, the incoming process may find that all (or majority) of TLB entries are invalid.</a:t>
-            </a:r>
-          </a:p>
-          <a:p>
-            <a:pPr marL="682228" lvl="1" indent="-225028">
-              <a:lnSpc>
-                <a:spcPct val="80000"/>
-              </a:lnSpc>
+            <a:pPr marL="264032" indent="-264032" defTabSz="704087">
+              <a:spcBef>
+                <a:spcPts val="500"/>
+              </a:spcBef>
+              <a:buChar char="❑"/>
+              <a:defRPr sz="2156"/>
+            </a:pPr>
+            <a:r>
+              <a:t>Architected Page Tables</a:t>
+            </a:r>
+          </a:p>
+          <a:p>
+            <a:pPr marL="572071" lvl="1" indent="-220027" defTabSz="704087">
               <a:spcBef>
                 <a:spcPts val="400"/>
               </a:spcBef>
-              <a:buChar char="•"/>
-              <a:defRPr sz="2100"/>
-            </a:pPr>
-            <a:r>
-              <a:t>On some x86 processors, TLB has to be “flushed” upon every context switch because there is no field in TLB to identify the process context.</a:t>
-            </a:r>
-            <a:endParaRPr sz="3300"/>
-          </a:p>
-          <a:p>
-            <a:pPr marL="125729" indent="-125729">
-              <a:defRPr sz="1100"/>
-            </a:pPr>
-            <a:endParaRPr sz="3300"/>
-          </a:p>
-          <a:p>
-            <a:pPr marL="285750" indent="-285750">
-              <a:defRPr sz="2500"/>
-            </a:pPr>
-            <a:r>
-              <a:t>Cold Start Penalty = Cost of repopulating the TLB (and other caches) upon a context  switch.</a:t>
-            </a:r>
-          </a:p>
-          <a:p>
-            <a:pPr marL="742950" lvl="1" indent="-285750">
-              <a:buChar char="»"/>
-              <a:defRPr sz="2500"/>
-            </a:pPr>
-            <a:r>
-              <a:t>Every memory access results in a TLB miss.</a:t>
-            </a:r>
-          </a:p>
-          <a:p>
-            <a:pPr marL="742950" lvl="1" indent="-285750">
-              <a:buChar char="»"/>
-              <a:defRPr sz="2500"/>
-            </a:pPr>
-            <a:r>
-              <a:t>MMU walks the page-table to repopulate the missing TLB entry.</a:t>
-            </a:r>
-          </a:p>
-          <a:p>
-            <a:pPr marL="742950" lvl="1" indent="-285750">
-              <a:buChar char="»"/>
-              <a:defRPr sz="2500"/>
-            </a:pPr>
-            <a:r>
-              <a:t>Handling a TLB miss has a high latency, affecting the performance of incoming process, hence the term “penalty”.</a:t>
+              <a:buFont typeface="Zapf Dingbats"/>
+              <a:defRPr sz="1848"/>
+            </a:pPr>
+            <a:r>
+              <a:t>Page table interface defined by ISA and understood by memory translation hardware</a:t>
+            </a:r>
+          </a:p>
+          <a:p>
+            <a:pPr marL="572071" lvl="1" indent="-220027" defTabSz="704087">
+              <a:spcBef>
+                <a:spcPts val="400"/>
+              </a:spcBef>
+              <a:buFont typeface="Zapf Dingbats"/>
+              <a:defRPr sz="1848"/>
+            </a:pPr>
+            <a:r>
+              <a:t>E.g. x86 architecture</a:t>
+            </a:r>
+          </a:p>
+          <a:p>
+            <a:pPr marL="572071" lvl="1" indent="-220027" defTabSz="704087">
+              <a:spcBef>
+                <a:spcPts val="400"/>
+              </a:spcBef>
+              <a:buFont typeface="Zapf Dingbats"/>
+              <a:defRPr sz="1848"/>
+            </a:pPr>
+            <a:r>
+              <a:t>MMU handles TLB miss (in hardware)</a:t>
+            </a:r>
+          </a:p>
+          <a:p>
+            <a:pPr marL="572071" lvl="1" indent="-220027" defTabSz="704087">
+              <a:spcBef>
+                <a:spcPts val="400"/>
+              </a:spcBef>
+              <a:buFont typeface="Zapf Dingbats"/>
+              <a:defRPr sz="1848"/>
+            </a:pPr>
+            <a:r>
+              <a:t>OS handles page faults (in software)</a:t>
+            </a:r>
+          </a:p>
+          <a:p>
+            <a:pPr marL="572071" lvl="1" indent="-220027" defTabSz="704087">
+              <a:spcBef>
+                <a:spcPts val="400"/>
+              </a:spcBef>
+              <a:buFont typeface="Zapf Dingbats"/>
+              <a:defRPr sz="1848"/>
+            </a:pPr>
+            <a:r>
+              <a:t>ISA specifies page table format</a:t>
+            </a:r>
+          </a:p>
+          <a:p>
+            <a:pPr marL="572071" lvl="1" indent="-220027" defTabSz="704087">
+              <a:spcBef>
+                <a:spcPts val="400"/>
+              </a:spcBef>
+              <a:buFont typeface="Zapf Dingbats"/>
+              <a:defRPr sz="1848"/>
+            </a:pPr>
+            <a:endParaRPr/>
+          </a:p>
+          <a:p>
+            <a:pPr marL="264032" indent="-264032" defTabSz="704087">
+              <a:spcBef>
+                <a:spcPts val="500"/>
+              </a:spcBef>
+              <a:buChar char="❑"/>
+              <a:defRPr sz="2156"/>
+            </a:pPr>
+            <a:r>
+              <a:t>Architected TLBs</a:t>
+            </a:r>
+          </a:p>
+          <a:p>
+            <a:pPr marL="572071" lvl="1" indent="-220027" defTabSz="704087">
+              <a:spcBef>
+                <a:spcPts val="400"/>
+              </a:spcBef>
+              <a:buFont typeface="Zapf Dingbats"/>
+              <a:defRPr sz="1848"/>
+            </a:pPr>
+            <a:r>
+              <a:t>TLB interface defined by ISA and understood by MMU</a:t>
+            </a:r>
+          </a:p>
+          <a:p>
+            <a:pPr marL="572071" lvl="1" indent="-220027" defTabSz="704087">
+              <a:spcBef>
+                <a:spcPts val="400"/>
+              </a:spcBef>
+              <a:buFont typeface="Zapf Dingbats"/>
+              <a:defRPr sz="1848"/>
+            </a:pPr>
+            <a:r>
+              <a:t>E.g. alpha architecture</a:t>
+            </a:r>
+          </a:p>
+          <a:p>
+            <a:pPr marL="572071" lvl="1" indent="-220027" defTabSz="704087">
+              <a:spcBef>
+                <a:spcPts val="400"/>
+              </a:spcBef>
+              <a:buFont typeface="Zapf Dingbats"/>
+              <a:defRPr sz="1848"/>
+            </a:pPr>
+            <a:r>
+              <a:t>TLB miss handled by OS (in software)</a:t>
+            </a:r>
+          </a:p>
+          <a:p>
+            <a:pPr marL="572071" lvl="1" indent="-220027" defTabSz="704087">
+              <a:spcBef>
+                <a:spcPts val="400"/>
+              </a:spcBef>
+              <a:buFont typeface="Zapf Dingbats"/>
+              <a:defRPr sz="1848"/>
+            </a:pPr>
+            <a:r>
+              <a:t>ISA does not specify page table format</a:t>
             </a:r>
           </a:p>
         </p:txBody>
@@ -5514,7 +5569,7 @@
       </p:grpSpPr>
       <p:sp>
         <p:nvSpPr>
-          <p:cNvPr id="192" name="Shape 192"/>
+          <p:cNvPr id="188" name="Shape 188"/>
           <p:cNvSpPr>
             <a:spLocks noGrp="1"/>
           </p:cNvSpPr>
@@ -5545,7 +5600,7 @@
       </p:sp>
       <p:sp>
         <p:nvSpPr>
-          <p:cNvPr id="193" name="Shape 193"/>
+          <p:cNvPr id="189" name="Shape 189"/>
           <p:cNvSpPr>
             <a:spLocks noGrp="1"/>
           </p:cNvSpPr>
@@ -5563,14 +5618,14 @@
           <a:lstStyle/>
           <a:p>
             <a:r>
-              <a:t>Tagged TLB</a:t>
-            </a:r>
-          </a:p>
-        </p:txBody>
-      </p:sp>
-      <p:sp>
-        <p:nvSpPr>
-          <p:cNvPr id="194" name="Shape 194"/>
+              <a:t>Cold Start Penalty</a:t>
+            </a:r>
+          </a:p>
+        </p:txBody>
+      </p:sp>
+      <p:sp>
+        <p:nvSpPr>
+          <p:cNvPr id="190" name="Shape 190"/>
           <p:cNvSpPr>
             <a:spLocks noGrp="1"/>
           </p:cNvSpPr>
@@ -5580,8 +5635,8 @@
         </p:nvSpPr>
         <p:spPr>
           <a:xfrm>
-            <a:off x="699293" y="939800"/>
-            <a:ext cx="7745414" cy="5685086"/>
+            <a:off x="468351" y="1037064"/>
+            <a:ext cx="8197663" cy="5661592"/>
           </a:xfrm>
           <a:prstGeom prst="rect">
             <a:avLst/>
@@ -5591,67 +5646,168 @@
           <a:bodyPr/>
           <a:lstStyle/>
           <a:p>
-            <a:pPr marL="286642" indent="-286642">
-              <a:defRPr sz="2700"/>
-            </a:pPr>
-            <a:r>
-              <a:t>One “tag” is stored with each TLB entry</a:t>
-            </a:r>
-          </a:p>
-          <a:p>
-            <a:pPr marL="740667" lvl="1" indent="-286642">
-              <a:buChar char="»"/>
-              <a:defRPr sz="2700"/>
-            </a:pPr>
-            <a:r>
-              <a:t>Tag identifies the process/thread/execution context to which the TLB entry belongs</a:t>
-            </a:r>
-          </a:p>
-          <a:p>
-            <a:pPr marL="286642" indent="-286642">
-              <a:defRPr sz="2700"/>
-            </a:pPr>
-            <a:endParaRPr/>
-          </a:p>
-          <a:p>
-            <a:pPr marL="286642" indent="-286642">
-              <a:defRPr sz="2700"/>
-            </a:pPr>
-            <a:r>
-              <a:t>Thus TLB entries for more than one execution context can be stored simultaneously in the TLB.</a:t>
-            </a:r>
-          </a:p>
-          <a:p>
-            <a:pPr marL="740667" lvl="1" indent="-286642">
-              <a:buChar char="»"/>
-              <a:defRPr sz="2700"/>
-            </a:pPr>
-            <a:r>
-              <a:t>TLB lookup hardware matches the tag in addition to the virtual page #.</a:t>
-            </a:r>
-          </a:p>
-          <a:p>
-            <a:pPr marL="286642" indent="-286642">
-              <a:defRPr sz="2700"/>
-            </a:pPr>
-            <a:endParaRPr/>
-          </a:p>
-          <a:p>
-            <a:pPr marL="286642" indent="-286642">
-              <a:defRPr sz="2700"/>
-            </a:pPr>
-            <a:r>
-              <a:t>With tagged TLB, context switch does no longer requires a complete TLB flush.</a:t>
-            </a:r>
-          </a:p>
-          <a:p>
-            <a:pPr marL="740667" lvl="1" indent="-286642">
-              <a:buChar char="»"/>
-              <a:defRPr sz="2700"/>
-            </a:pPr>
-            <a:r>
-              <a:t>Greatly reduces cold-start penalty.</a:t>
-            </a:r>
+            <a:pPr marL="285750" indent="-285750">
+              <a:defRPr sz="2500"/>
+            </a:pPr>
+            <a:r>
+              <a:rPr lang="en-US" dirty="0"/>
+              <a:t>Cost of repopulating the TLB (and other caches) upon a context  switch.</a:t>
+            </a:r>
+          </a:p>
+          <a:p>
+            <a:pPr marL="285750" indent="-285750">
+              <a:defRPr sz="2500"/>
+            </a:pPr>
+            <a:endParaRPr lang="en-US" dirty="0" smtClean="0"/>
+          </a:p>
+          <a:p>
+            <a:pPr marL="285750" indent="-285750">
+              <a:defRPr sz="2500"/>
+            </a:pPr>
+            <a:r>
+              <a:rPr dirty="0" smtClean="0"/>
+              <a:t>Immediately </a:t>
+            </a:r>
+            <a:r>
+              <a:rPr dirty="0"/>
+              <a:t>after a context switch, </a:t>
+            </a:r>
+            <a:r>
+              <a:rPr dirty="0" smtClean="0"/>
+              <a:t>all </a:t>
+            </a:r>
+            <a:r>
+              <a:rPr dirty="0"/>
+              <a:t>(or </a:t>
+            </a:r>
+            <a:r>
+              <a:rPr lang="en-US" dirty="0" smtClean="0"/>
+              <a:t>many</a:t>
+            </a:r>
+            <a:r>
+              <a:rPr dirty="0" smtClean="0"/>
+              <a:t>) </a:t>
+            </a:r>
+            <a:r>
+              <a:rPr dirty="0"/>
+              <a:t>of TLB entries are </a:t>
+            </a:r>
+            <a:r>
+              <a:rPr dirty="0" smtClean="0"/>
+              <a:t>invalid</a:t>
+            </a:r>
+            <a:r>
+              <a:rPr lang="en-US" dirty="0" smtClean="0"/>
+              <a:t>ated</a:t>
+            </a:r>
+            <a:r>
+              <a:rPr dirty="0" smtClean="0"/>
+              <a:t>.</a:t>
+            </a:r>
+            <a:endParaRPr dirty="0"/>
+          </a:p>
+          <a:p>
+            <a:pPr marL="682228" lvl="1" indent="-225028">
+              <a:lnSpc>
+                <a:spcPct val="80000"/>
+              </a:lnSpc>
+              <a:spcBef>
+                <a:spcPts val="400"/>
+              </a:spcBef>
+              <a:buChar char="•"/>
+              <a:defRPr sz="2100"/>
+            </a:pPr>
+            <a:r>
+              <a:rPr dirty="0"/>
+              <a:t>On some x86 processors, TLB has to be “flushed” upon every context switch because there is no field in TLB to identify the process context</a:t>
+            </a:r>
+            <a:r>
+              <a:rPr dirty="0" smtClean="0"/>
+              <a:t>.</a:t>
+            </a:r>
+            <a:endParaRPr lang="en-US" dirty="0" smtClean="0"/>
+          </a:p>
+          <a:p>
+            <a:pPr marL="285750" indent="-285750">
+              <a:defRPr sz="2500"/>
+            </a:pPr>
+            <a:r>
+              <a:rPr lang="en-US" dirty="0" smtClean="0"/>
+              <a:t>E</a:t>
+            </a:r>
+            <a:r>
+              <a:rPr dirty="0" smtClean="0"/>
+              <a:t>very </a:t>
+            </a:r>
+            <a:r>
+              <a:rPr dirty="0"/>
+              <a:t>memory access </a:t>
+            </a:r>
+            <a:r>
+              <a:rPr lang="en-US" dirty="0" smtClean="0"/>
+              <a:t>by the newly scheduled process may </a:t>
+            </a:r>
+            <a:r>
+              <a:rPr dirty="0" smtClean="0"/>
+              <a:t>results </a:t>
+            </a:r>
+            <a:r>
+              <a:rPr dirty="0"/>
+              <a:t>in a TLB </a:t>
+            </a:r>
+            <a:r>
+              <a:rPr dirty="0" smtClean="0"/>
+              <a:t>miss.</a:t>
+            </a:r>
+            <a:endParaRPr lang="en-US" dirty="0" smtClean="0"/>
+          </a:p>
+          <a:p>
+            <a:pPr marL="285750" indent="-285750">
+              <a:defRPr sz="2500"/>
+            </a:pPr>
+            <a:endParaRPr lang="en-US" dirty="0" smtClean="0"/>
+          </a:p>
+          <a:p>
+            <a:pPr marL="285750" indent="-285750">
+              <a:defRPr sz="2500"/>
+            </a:pPr>
+            <a:r>
+              <a:rPr dirty="0" smtClean="0"/>
+              <a:t>MMU </a:t>
+            </a:r>
+            <a:r>
+              <a:rPr lang="en-US" dirty="0" smtClean="0"/>
+              <a:t>must then </a:t>
+            </a:r>
+            <a:r>
+              <a:rPr dirty="0" smtClean="0"/>
+              <a:t>walk </a:t>
+            </a:r>
+            <a:r>
+              <a:rPr dirty="0"/>
+              <a:t>the page-table </a:t>
+            </a:r>
+            <a:r>
+              <a:rPr lang="en-US" dirty="0" smtClean="0"/>
+              <a:t>in main memory </a:t>
+            </a:r>
+            <a:r>
+              <a:rPr dirty="0" smtClean="0"/>
+              <a:t>to </a:t>
+            </a:r>
+            <a:r>
+              <a:rPr dirty="0"/>
+              <a:t>repopulate the missing TLB </a:t>
+            </a:r>
+            <a:r>
+              <a:rPr dirty="0" smtClean="0"/>
+              <a:t>entry</a:t>
+            </a:r>
+            <a:r>
+              <a:rPr lang="en-US" dirty="0" smtClean="0"/>
+              <a:t>, which takes longer than a cache hit.</a:t>
+            </a:r>
+            <a:endParaRPr dirty="0"/>
           </a:p>
         </p:txBody>
       </p:sp>
@@ -5683,7 +5839,7 @@
       </p:grpSpPr>
       <p:sp>
         <p:nvSpPr>
-          <p:cNvPr id="196" name="Shape 196"/>
+          <p:cNvPr id="192" name="Shape 192"/>
           <p:cNvSpPr>
             <a:spLocks noGrp="1"/>
           </p:cNvSpPr>
@@ -5702,25 +5858,19 @@
           </a:extLst>
         </p:spPr>
         <p:txBody>
-          <a:bodyPr>
-            <a:normAutofit lnSpcReduction="10000"/>
-          </a:bodyPr>
+          <a:bodyPr/>
           <a:lstStyle/>
           <a:p>
-            <a:pPr>
-              <a:defRPr sz="2400"/>
-            </a:pPr>
             <a:fld id="{86CB4B4D-7CA3-9044-876B-883B54F8677D}" type="slidenum">
-              <a:rPr sz="1400"/>
               <a:t>19</a:t>
             </a:fld>
-            <a:endParaRPr sz="1400"/>
-          </a:p>
-        </p:txBody>
-      </p:sp>
-      <p:sp>
-        <p:nvSpPr>
-          <p:cNvPr id="197" name="Shape 197"/>
+            <a:endParaRPr/>
+          </a:p>
+        </p:txBody>
+      </p:sp>
+      <p:sp>
+        <p:nvSpPr>
+          <p:cNvPr id="193" name="Shape 193"/>
           <p:cNvSpPr>
             <a:spLocks noGrp="1"/>
           </p:cNvSpPr>
@@ -5729,37 +5879,23 @@
           </p:nvPr>
         </p:nvSpPr>
         <p:spPr>
-          <a:xfrm>
-            <a:off x="657225" y="0"/>
-            <a:ext cx="7772400" cy="762000"/>
-          </a:xfrm>
-          <a:prstGeom prst="rect">
-            <a:avLst/>
-          </a:prstGeom>
-        </p:spPr>
-        <p:txBody>
-          <a:bodyPr>
-            <a:normAutofit/>
-          </a:bodyPr>
-          <a:lstStyle>
-            <a:lvl1pPr>
-              <a:defRPr sz="4000"/>
-            </a:lvl1pPr>
-          </a:lstStyle>
-          <a:p>
-            <a:pPr>
-              <a:defRPr sz="4400"/>
-            </a:pPr>
-            <a:r>
-              <a:rPr sz="4000"/>
-              <a:t>Impact of Page Size on Page tables</a:t>
-            </a:r>
-          </a:p>
-        </p:txBody>
-      </p:sp>
-      <p:sp>
-        <p:nvSpPr>
-          <p:cNvPr id="198" name="Shape 198"/>
+          <a:prstGeom prst="rect">
+            <a:avLst/>
+          </a:prstGeom>
+        </p:spPr>
+        <p:txBody>
+          <a:bodyPr/>
+          <a:lstStyle/>
+          <a:p>
+            <a:r>
+              <a:t>Tagged TLB</a:t>
+            </a:r>
+          </a:p>
+        </p:txBody>
+      </p:sp>
+      <p:sp>
+        <p:nvSpPr>
+          <p:cNvPr id="194" name="Shape 194"/>
           <p:cNvSpPr>
             <a:spLocks noGrp="1"/>
           </p:cNvSpPr>
@@ -5769,109 +5905,173 @@
         </p:nvSpPr>
         <p:spPr>
           <a:xfrm>
-            <a:off x="381000" y="1295400"/>
-            <a:ext cx="8401050" cy="5105400"/>
+            <a:off x="323385" y="857250"/>
+            <a:ext cx="8121322" cy="5767636"/>
           </a:xfrm>
           <a:prstGeom prst="rect">
             <a:avLst/>
           </a:prstGeom>
         </p:spPr>
         <p:txBody>
-          <a:bodyPr>
-            <a:normAutofit/>
-          </a:bodyPr>
+          <a:bodyPr/>
           <a:lstStyle/>
           <a:p>
-            <a:pPr algn="ctr">
-              <a:buSzTx/>
-              <a:buNone/>
-            </a:pPr>
-            <a:r>
-              <a:t>Small page size</a:t>
-            </a:r>
-          </a:p>
-          <a:p>
             <a:pPr>
-              <a:buChar char="•"/>
-            </a:pPr>
-            <a:r>
-              <a:t>Advantages</a:t>
-            </a:r>
-          </a:p>
-          <a:p>
-            <a:pPr marL="742950" lvl="1" indent="-285750">
-              <a:spcBef>
-                <a:spcPts val="600"/>
-              </a:spcBef>
-              <a:defRPr sz="2800">
-                <a:solidFill>
-                  <a:srgbClr val="000000"/>
-                </a:solidFill>
-              </a:defRPr>
-            </a:pPr>
-            <a:r>
-              <a:t>less internal fragmentation </a:t>
-            </a:r>
-          </a:p>
-          <a:p>
-            <a:pPr marL="742950" lvl="1" indent="-285750">
-              <a:spcBef>
-                <a:spcPts val="600"/>
-              </a:spcBef>
-              <a:defRPr sz="2800">
-                <a:solidFill>
-                  <a:srgbClr val="000000"/>
-                </a:solidFill>
-              </a:defRPr>
-            </a:pPr>
-            <a:r>
-              <a:t>page-in/page-out less expensive</a:t>
-            </a:r>
-          </a:p>
-          <a:p>
-            <a:pPr marL="742950" lvl="1" indent="-285750">
-              <a:spcBef>
-                <a:spcPts val="600"/>
-              </a:spcBef>
-              <a:defRPr sz="2800">
-                <a:solidFill>
-                  <a:srgbClr val="000000"/>
-                </a:solidFill>
-              </a:defRPr>
-            </a:pPr>
-            <a:endParaRPr/>
+              <a:buClr>
+                <a:schemeClr val="tx1"/>
+              </a:buClr>
+              <a:defRPr sz="2700"/>
+            </a:pPr>
+            <a:r>
+              <a:rPr lang="en-US" dirty="0" err="1" smtClean="0"/>
+              <a:t>A</a:t>
+            </a:r>
+            <a:r>
+              <a:rPr dirty="0" err="1" smtClean="0"/>
+              <a:t>“tag</a:t>
+            </a:r>
+            <a:r>
+              <a:rPr dirty="0"/>
+              <a:t>” </a:t>
+            </a:r>
+            <a:r>
+              <a:rPr lang="en-US" dirty="0" smtClean="0"/>
+              <a:t>in </a:t>
+            </a:r>
+            <a:r>
+              <a:rPr dirty="0" smtClean="0"/>
+              <a:t>each </a:t>
+            </a:r>
+            <a:r>
+              <a:rPr dirty="0"/>
+              <a:t>TLB </a:t>
+            </a:r>
+            <a:r>
+              <a:rPr dirty="0" smtClean="0"/>
+              <a:t>entry</a:t>
+            </a:r>
+            <a:r>
+              <a:rPr lang="en-US" dirty="0" smtClean="0"/>
+              <a:t> </a:t>
+            </a:r>
+            <a:r>
+              <a:rPr dirty="0" smtClean="0"/>
+              <a:t>identifies </a:t>
+            </a:r>
+            <a:r>
+              <a:rPr dirty="0"/>
+              <a:t>the </a:t>
+            </a:r>
+            <a:r>
+              <a:rPr dirty="0" smtClean="0"/>
+              <a:t>process/thread context </a:t>
+            </a:r>
+            <a:r>
+              <a:rPr dirty="0"/>
+              <a:t>to which the TLB entry belongs</a:t>
+            </a:r>
           </a:p>
           <a:p>
             <a:pPr>
-              <a:buChar char="•"/>
-            </a:pPr>
-            <a:endParaRPr sz="2800">
-              <a:solidFill>
-                <a:srgbClr val="000000"/>
-              </a:solidFill>
-            </a:endParaRPr>
+              <a:buClr>
+                <a:schemeClr val="tx1"/>
+              </a:buClr>
+              <a:defRPr sz="2700"/>
+            </a:pPr>
+            <a:endParaRPr dirty="0"/>
           </a:p>
           <a:p>
             <a:pPr>
-              <a:buChar char="•"/>
-            </a:pPr>
-            <a:r>
-              <a:t>Disadvantages</a:t>
-            </a:r>
-          </a:p>
-          <a:p>
-            <a:pPr marL="742950" lvl="1" indent="-285750">
-              <a:spcBef>
-                <a:spcPts val="600"/>
-              </a:spcBef>
-              <a:defRPr sz="2800">
-                <a:solidFill>
-                  <a:srgbClr val="000000"/>
-                </a:solidFill>
-              </a:defRPr>
-            </a:pPr>
-            <a:r>
-              <a:t>process that needs more pages has larger page table</a:t>
+              <a:buClr>
+                <a:schemeClr val="tx1"/>
+              </a:buClr>
+              <a:defRPr sz="2700"/>
+            </a:pPr>
+            <a:r>
+              <a:rPr dirty="0"/>
+              <a:t>Thus TLB entries for more than one execution context can be stored simultaneously in the TLB.</a:t>
+            </a:r>
+          </a:p>
+          <a:p>
+            <a:pPr lvl="1">
+              <a:buClr>
+                <a:schemeClr val="tx1"/>
+              </a:buClr>
+              <a:defRPr sz="2700"/>
+            </a:pPr>
+            <a:r>
+              <a:rPr dirty="0"/>
+              <a:t>TLB lookup hardware matches the tag in addition to the virtual </a:t>
+            </a:r>
+            <a:r>
+              <a:rPr dirty="0" smtClean="0"/>
+              <a:t>page</a:t>
+            </a:r>
+            <a:r>
+              <a:rPr lang="en-US" dirty="0" smtClean="0"/>
+              <a:t> number</a:t>
+            </a:r>
+            <a:r>
+              <a:rPr dirty="0" smtClean="0"/>
+              <a:t>.</a:t>
+            </a:r>
+            <a:endParaRPr dirty="0"/>
+          </a:p>
+          <a:p>
+            <a:pPr>
+              <a:buClr>
+                <a:schemeClr val="tx1"/>
+              </a:buClr>
+              <a:defRPr sz="2700"/>
+            </a:pPr>
+            <a:endParaRPr dirty="0"/>
+          </a:p>
+          <a:p>
+            <a:pPr>
+              <a:buClr>
+                <a:schemeClr val="tx1"/>
+              </a:buClr>
+              <a:defRPr sz="2700"/>
+            </a:pPr>
+            <a:r>
+              <a:rPr lang="en-US" dirty="0" smtClean="0"/>
+              <a:t>With tags, c</a:t>
+            </a:r>
+            <a:r>
+              <a:rPr dirty="0" smtClean="0"/>
+              <a:t>ontext </a:t>
+            </a:r>
+            <a:r>
+              <a:rPr dirty="0"/>
+              <a:t>switch </a:t>
+            </a:r>
+            <a:r>
+              <a:rPr dirty="0" smtClean="0"/>
+              <a:t>no </a:t>
+            </a:r>
+            <a:r>
+              <a:rPr dirty="0"/>
+              <a:t>longer requires a complete TLB flush.</a:t>
+            </a:r>
+          </a:p>
+          <a:p>
+            <a:pPr lvl="1">
+              <a:buClr>
+                <a:schemeClr val="tx1"/>
+              </a:buClr>
+              <a:defRPr sz="2700"/>
+            </a:pPr>
+            <a:r>
+              <a:rPr lang="en-US" dirty="0" smtClean="0"/>
+              <a:t>R</a:t>
+            </a:r>
+            <a:r>
+              <a:rPr dirty="0" smtClean="0"/>
+              <a:t>educes </a:t>
+            </a:r>
+            <a:r>
+              <a:rPr dirty="0"/>
+              <a:t>cold-start penalty.</a:t>
             </a:r>
           </a:p>
         </p:txBody>
@@ -10618,15 +10818,39 @@
           <a:lstStyle/>
           <a:p>
             <a:r>
-              <a:rPr sz="3200"/>
+              <a:rPr sz="3200" dirty="0"/>
               <a:t>Basic Memory Management</a:t>
             </a:r>
             <a:br>
-              <a:rPr sz="3200"/>
+              <a:rPr sz="3200" dirty="0"/>
             </a:br>
             <a:r>
-              <a:rPr sz="2400"/>
-              <a:t>Monoprogramming without Swapping or Paging</a:t>
+              <a:rPr lang="en-US" sz="3200" dirty="0" smtClean="0"/>
+              <a:t>"</a:t>
+            </a:r>
+            <a:r>
+              <a:rPr sz="2400" dirty="0" smtClean="0"/>
+              <a:t>Mono</a:t>
+            </a:r>
+            <a:r>
+              <a:rPr lang="en-US" sz="2400" dirty="0" smtClean="0"/>
+              <a:t>-</a:t>
+            </a:r>
+            <a:r>
+              <a:rPr sz="2400" dirty="0" smtClean="0"/>
+              <a:t>programming</a:t>
+            </a:r>
+            <a:r>
+              <a:rPr lang="en-US" sz="2400" dirty="0" smtClean="0"/>
+              <a:t>"</a:t>
+            </a:r>
+            <a:r>
+              <a:rPr sz="2400" dirty="0" smtClean="0"/>
+              <a:t> </a:t>
+            </a:r>
+            <a:r>
+              <a:rPr sz="2400" dirty="0"/>
+              <a:t>without Swapping or Paging</a:t>
             </a:r>
           </a:p>
         </p:txBody>

--- a/slides/virtual_memory_intro.pptx
+++ b/slides/virtual_memory_intro.pptx
@@ -3360,8 +3360,8 @@
         </p:nvSpPr>
         <p:spPr>
           <a:xfrm>
-            <a:off x="3680892" y="4797881"/>
-            <a:ext cx="1991579" cy="764293"/>
+            <a:off x="3678333" y="4797881"/>
+            <a:ext cx="1996698" cy="461665"/>
           </a:xfrm>
           <a:prstGeom prst="rect">
             <a:avLst/>
@@ -3383,13 +3383,12 @@
           <a:p>
             <a:pPr algn="ctr"/>
             <a:r>
-              <a:t>CS350</a:t>
-            </a:r>
-          </a:p>
-          <a:p>
-            <a:pPr algn="ctr"/>
-            <a:r>
-              <a:t>Kartik Gopalan</a:t>
+              <a:rPr dirty="0" smtClean="0"/>
+              <a:t>Kartik </a:t>
+            </a:r>
+            <a:r>
+              <a:rPr dirty="0"/>
+              <a:t>Gopalan</a:t>
             </a:r>
           </a:p>
         </p:txBody>

--- a/slides/virtual_memory_intro.pptx
+++ b/slides/virtual_memory_intro.pptx
@@ -5299,7 +5299,7 @@
         <p:spPr>
           <a:xfrm>
             <a:off x="0" y="6616700"/>
-            <a:ext cx="2895600" cy="287087"/>
+            <a:ext cx="2895600" cy="307777"/>
           </a:xfrm>
           <a:prstGeom prst="rect">
             <a:avLst/>
@@ -5326,10 +5326,7 @@
             <a:pPr>
               <a:defRPr sz="2400" b="0" i="0"/>
             </a:pPr>
-            <a:r>
-              <a:rPr sz="1400" b="1" i="1"/>
-              <a:t>CS552/BU</a:t>
-            </a:r>
+            <a:endParaRPr sz="1400" b="1" i="1" dirty="0"/>
           </a:p>
         </p:txBody>
       </p:sp>

--- a/slides/virtual_memory_intro.pptx
+++ b/slides/virtual_memory_intro.pptx
@@ -5,7 +5,7 @@
     <p:sldMasterId id="2147483648" r:id="rId1"/>
   </p:sldMasterIdLst>
   <p:notesMasterIdLst>
-    <p:notesMasterId r:id="rId27"/>
+    <p:notesMasterId r:id="rId26"/>
   </p:notesMasterIdLst>
   <p:sldIdLst>
     <p:sldId id="256" r:id="rId2"/>
@@ -21,18 +21,17 @@
     <p:sldId id="266" r:id="rId12"/>
     <p:sldId id="267" r:id="rId13"/>
     <p:sldId id="268" r:id="rId14"/>
-    <p:sldId id="274" r:id="rId15"/>
-    <p:sldId id="269" r:id="rId16"/>
-    <p:sldId id="270" r:id="rId17"/>
+    <p:sldId id="281" r:id="rId15"/>
+    <p:sldId id="272" r:id="rId16"/>
+    <p:sldId id="273" r:id="rId17"/>
     <p:sldId id="271" r:id="rId18"/>
-    <p:sldId id="272" r:id="rId19"/>
-    <p:sldId id="273" r:id="rId20"/>
-    <p:sldId id="275" r:id="rId21"/>
-    <p:sldId id="276" r:id="rId22"/>
-    <p:sldId id="277" r:id="rId23"/>
-    <p:sldId id="278" r:id="rId24"/>
-    <p:sldId id="279" r:id="rId25"/>
-    <p:sldId id="280" r:id="rId26"/>
+    <p:sldId id="274" r:id="rId19"/>
+    <p:sldId id="275" r:id="rId20"/>
+    <p:sldId id="276" r:id="rId21"/>
+    <p:sldId id="277" r:id="rId22"/>
+    <p:sldId id="278" r:id="rId23"/>
+    <p:sldId id="279" r:id="rId24"/>
+    <p:sldId id="282" r:id="rId25"/>
   </p:sldIdLst>
   <p:sldSz cx="9144000" cy="6858000" type="screen4x3"/>
   <p:notesSz cx="6858000" cy="9144000"/>
@@ -544,94 +543,6 @@
       </p:grpSpPr>
       <p:sp>
         <p:nvSpPr>
-          <p:cNvPr id="176" name="Shape 176"/>
-          <p:cNvSpPr>
-            <a:spLocks noGrp="1" noRot="1" noChangeAspect="1"/>
-          </p:cNvSpPr>
-          <p:nvPr>
-            <p:ph type="sldImg"/>
-          </p:nvPr>
-        </p:nvSpPr>
-        <p:spPr>
-          <a:prstGeom prst="rect">
-            <a:avLst/>
-          </a:prstGeom>
-        </p:spPr>
-        <p:txBody>
-          <a:bodyPr/>
-          <a:lstStyle/>
-          <a:p>
-            <a:endParaRPr/>
-          </a:p>
-        </p:txBody>
-      </p:sp>
-      <p:sp>
-        <p:nvSpPr>
-          <p:cNvPr id="177" name="Shape 177"/>
-          <p:cNvSpPr>
-            <a:spLocks noGrp="1"/>
-          </p:cNvSpPr>
-          <p:nvPr>
-            <p:ph type="body" sz="quarter" idx="1"/>
-          </p:nvPr>
-        </p:nvSpPr>
-        <p:spPr>
-          <a:prstGeom prst="rect">
-            <a:avLst/>
-          </a:prstGeom>
-        </p:spPr>
-        <p:txBody>
-          <a:bodyPr/>
-          <a:lstStyle>
-            <a:lvl1pPr defTabSz="914400">
-              <a:lnSpc>
-                <a:spcPct val="100000"/>
-              </a:lnSpc>
-              <a:spcBef>
-                <a:spcPts val="400"/>
-              </a:spcBef>
-              <a:defRPr sz="1200">
-                <a:latin typeface="Times New Roman"/>
-                <a:ea typeface="Times New Roman"/>
-                <a:cs typeface="Times New Roman"/>
-                <a:sym typeface="Times New Roman"/>
-              </a:defRPr>
-            </a:lvl1pPr>
-          </a:lstStyle>
-          <a:p>
-            <a:r>
-              <a:t>Application with working sets larger than 1MB will pay the cost of TLB misses</a:t>
-            </a:r>
-          </a:p>
-        </p:txBody>
-      </p:sp>
-    </p:spTree>
-  </p:cSld>
-  <p:clrMapOvr>
-    <a:masterClrMapping/>
-  </p:clrMapOvr>
-</p:notes>
-</file>
-
-<file path=ppt/notesSlides/notesSlide2.xml><?xml version="1.0" encoding="utf-8"?>
-<p:notes xmlns:a="http://schemas.openxmlformats.org/drawingml/2006/main" xmlns:r="http://schemas.openxmlformats.org/officeDocument/2006/relationships" xmlns:p="http://schemas.openxmlformats.org/presentationml/2006/main">
-  <p:cSld>
-    <p:spTree>
-      <p:nvGrpSpPr>
-        <p:cNvPr id="1" name=""/>
-        <p:cNvGrpSpPr/>
-        <p:nvPr/>
-      </p:nvGrpSpPr>
-      <p:grpSpPr>
-        <a:xfrm>
-          <a:off x="0" y="0"/>
-          <a:ext cx="0" cy="0"/>
-          <a:chOff x="0" y="0"/>
-          <a:chExt cx="0" cy="0"/>
-        </a:xfrm>
-      </p:grpSpPr>
-      <p:sp>
-        <p:nvSpPr>
           <p:cNvPr id="203" name="Shape 203"/>
           <p:cNvSpPr>
             <a:spLocks noGrp="1" noRot="1" noChangeAspect="1"/>
@@ -1175,7 +1086,7 @@
       </p:grpSpPr>
       <p:sp>
         <p:nvSpPr>
-          <p:cNvPr id="38" name="Shape 38"/>
+          <p:cNvPr id="47" name="Shape 47"/>
           <p:cNvSpPr>
             <a:spLocks noGrp="1"/>
           </p:cNvSpPr>
@@ -1220,7 +1131,7 @@
       </p:sp>
       <p:sp>
         <p:nvSpPr>
-          <p:cNvPr id="39" name="Shape 39"/>
+          <p:cNvPr id="48" name="Shape 48"/>
           <p:cNvSpPr>
             <a:spLocks noGrp="1"/>
           </p:cNvSpPr>
@@ -1230,7 +1141,7 @@
         </p:nvSpPr>
         <p:spPr>
           <a:xfrm>
-            <a:off x="-20638" y="0"/>
+            <a:off x="-20638" y="12700"/>
             <a:ext cx="9185276" cy="844550"/>
           </a:xfrm>
           <a:prstGeom prst="rect">
@@ -1240,13 +1151,13 @@
         <p:txBody>
           <a:bodyPr anchor="b"/>
           <a:lstStyle>
-            <a:lvl1pPr algn="l">
+            <a:lvl1pPr>
               <a:lnSpc>
                 <a:spcPct val="80000"/>
               </a:lnSpc>
               <a:defRPr sz="4200">
                 <a:solidFill>
-                  <a:srgbClr val="000000"/>
+                  <a:schemeClr val="tx1"/>
                 </a:solidFill>
                 <a:effectLst>
                   <a:outerShdw blurRad="12700" dist="25400" dir="2700000" rotWithShape="0">
@@ -1262,6 +1173,7 @@
           </a:lstStyle>
           <a:p>
             <a:r>
+              <a:rPr dirty="0"/>
               <a:t>Title Text</a:t>
             </a:r>
           </a:p>
@@ -1269,7 +1181,7 @@
       </p:sp>
       <p:sp>
         <p:nvSpPr>
-          <p:cNvPr id="40" name="Shape 40"/>
+          <p:cNvPr id="49" name="Shape 49"/>
           <p:cNvSpPr>
             <a:spLocks noGrp="1"/>
           </p:cNvSpPr>
@@ -1289,11 +1201,12 @@
         <p:txBody>
           <a:bodyPr/>
           <a:lstStyle>
-            <a:lvl1pPr marL="339725" indent="-339725">
+            <a:lvl1pPr marL="457200" indent="-457200">
               <a:buClr>
                 <a:srgbClr val="9FC880"/>
               </a:buClr>
-              <a:buFont typeface="Wingdings"/>
+              <a:buFont typeface="Arial" charset="0"/>
+              <a:buChar char="•"/>
               <a:defRPr>
                 <a:solidFill>
                   <a:srgbClr val="000000"/>
@@ -1309,12 +1222,12 @@
                 <a:sym typeface="Arial"/>
               </a:defRPr>
             </a:lvl1pPr>
-            <a:lvl2pPr marL="782410" indent="-328385">
+            <a:lvl2pPr marL="911225" indent="-457200">
               <a:buClr>
                 <a:srgbClr val="9FC880"/>
               </a:buClr>
-              <a:buFont typeface="Wingdings"/>
-              <a:buChar char="▪"/>
+              <a:buFont typeface="Arial" charset="0"/>
+              <a:buChar char="•"/>
               <a:defRPr>
                 <a:solidFill>
                   <a:srgbClr val="000000"/>
@@ -1330,11 +1243,12 @@
                 <a:sym typeface="Arial"/>
               </a:defRPr>
             </a:lvl2pPr>
-            <a:lvl3pPr marL="1122362" indent="-266700">
+            <a:lvl3pPr marL="1312862" indent="-457200">
               <a:buClr>
                 <a:srgbClr val="9FC880"/>
               </a:buClr>
-              <a:buFont typeface="Wingdings"/>
+              <a:buFont typeface="Arial" charset="0"/>
+              <a:buChar char="•"/>
               <a:defRPr>
                 <a:solidFill>
                   <a:srgbClr val="000000"/>
@@ -1350,12 +1264,12 @@
                 <a:sym typeface="Arial"/>
               </a:defRPr>
             </a:lvl3pPr>
-            <a:lvl4pPr marL="1484947" indent="-314960">
+            <a:lvl4pPr marL="1627187" indent="-457200">
               <a:buClr>
                 <a:srgbClr val="9FC880"/>
               </a:buClr>
-              <a:buFont typeface="Wingdings"/>
-              <a:buChar char="⬧"/>
+              <a:buFont typeface="Arial" charset="0"/>
+              <a:buChar char="•"/>
               <a:defRPr>
                 <a:solidFill>
                   <a:srgbClr val="000000"/>
@@ -1371,11 +1285,12 @@
                 <a:sym typeface="Arial"/>
               </a:defRPr>
             </a:lvl4pPr>
-            <a:lvl5pPr marL="1949450">
+            <a:lvl5pPr marL="2000250" indent="-457200">
               <a:buClr>
                 <a:srgbClr val="9FC880"/>
               </a:buClr>
-              <a:buFont typeface="Wingdings"/>
+              <a:buFont typeface="Arial" charset="0"/>
+              <a:buChar char="•"/>
               <a:defRPr>
                 <a:solidFill>
                   <a:srgbClr val="000000"/>
@@ -1394,30 +1309,35 @@
           </a:lstStyle>
           <a:p>
             <a:r>
+              <a:rPr dirty="0"/>
               <a:t>Body Level One</a:t>
             </a:r>
           </a:p>
           <a:p>
             <a:pPr lvl="1"/>
             <a:r>
+              <a:rPr dirty="0"/>
               <a:t>Body Level Two</a:t>
             </a:r>
           </a:p>
           <a:p>
             <a:pPr lvl="2"/>
             <a:r>
+              <a:rPr dirty="0"/>
               <a:t>Body Level Three</a:t>
             </a:r>
           </a:p>
           <a:p>
             <a:pPr lvl="3"/>
             <a:r>
+              <a:rPr dirty="0"/>
               <a:t>Body Level Four</a:t>
             </a:r>
           </a:p>
           <a:p>
             <a:pPr lvl="4"/>
             <a:r>
+              <a:rPr dirty="0"/>
               <a:t>Body Level Five</a:t>
             </a:r>
           </a:p>
@@ -1451,291 +1371,6 @@
       </p:grpSpPr>
       <p:sp>
         <p:nvSpPr>
-          <p:cNvPr id="47" name="Shape 47"/>
-          <p:cNvSpPr>
-            <a:spLocks noGrp="1"/>
-          </p:cNvSpPr>
-          <p:nvPr>
-            <p:ph type="sldNum" sz="quarter" idx="2"/>
-          </p:nvPr>
-        </p:nvSpPr>
-        <p:spPr>
-          <a:xfrm>
-            <a:off x="8775700" y="6553200"/>
-            <a:ext cx="457200" cy="294640"/>
-          </a:xfrm>
-          <a:prstGeom prst="rect">
-            <a:avLst/>
-          </a:prstGeom>
-        </p:spPr>
-        <p:txBody>
-          <a:bodyPr/>
-          <a:lstStyle>
-            <a:lvl1pPr algn="ctr">
-              <a:spcBef>
-                <a:spcPts val="800"/>
-              </a:spcBef>
-              <a:defRPr b="1">
-                <a:solidFill>
-                  <a:srgbClr val="5F72D4"/>
-                </a:solidFill>
-                <a:latin typeface="Arial Narrow"/>
-                <a:ea typeface="Arial Narrow"/>
-                <a:cs typeface="Arial Narrow"/>
-                <a:sym typeface="Arial Narrow"/>
-              </a:defRPr>
-            </a:lvl1pPr>
-          </a:lstStyle>
-          <a:p>
-            <a:fld id="{86CB4B4D-7CA3-9044-876B-883B54F8677D}" type="slidenum">
-              <a:t>‹#›</a:t>
-            </a:fld>
-            <a:endParaRPr/>
-          </a:p>
-        </p:txBody>
-      </p:sp>
-      <p:sp>
-        <p:nvSpPr>
-          <p:cNvPr id="48" name="Shape 48"/>
-          <p:cNvSpPr>
-            <a:spLocks noGrp="1"/>
-          </p:cNvSpPr>
-          <p:nvPr>
-            <p:ph type="title"/>
-          </p:nvPr>
-        </p:nvSpPr>
-        <p:spPr>
-          <a:xfrm>
-            <a:off x="-20638" y="12700"/>
-            <a:ext cx="9185276" cy="844550"/>
-          </a:xfrm>
-          <a:prstGeom prst="rect">
-            <a:avLst/>
-          </a:prstGeom>
-        </p:spPr>
-        <p:txBody>
-          <a:bodyPr anchor="b"/>
-          <a:lstStyle>
-            <a:lvl1pPr>
-              <a:lnSpc>
-                <a:spcPct val="80000"/>
-              </a:lnSpc>
-              <a:defRPr sz="4200">
-                <a:solidFill>
-                  <a:schemeClr val="tx1"/>
-                </a:solidFill>
-                <a:effectLst>
-                  <a:outerShdw blurRad="12700" dist="25400" dir="2700000" rotWithShape="0">
-                    <a:srgbClr val="DDDDDD"/>
-                  </a:outerShdw>
-                </a:effectLst>
-                <a:latin typeface="Cooper Md BT"/>
-                <a:ea typeface="Cooper Md BT"/>
-                <a:cs typeface="Cooper Md BT"/>
-                <a:sym typeface="Cooper Md BT"/>
-              </a:defRPr>
-            </a:lvl1pPr>
-          </a:lstStyle>
-          <a:p>
-            <a:r>
-              <a:rPr dirty="0"/>
-              <a:t>Title Text</a:t>
-            </a:r>
-          </a:p>
-        </p:txBody>
-      </p:sp>
-      <p:sp>
-        <p:nvSpPr>
-          <p:cNvPr id="49" name="Shape 49"/>
-          <p:cNvSpPr>
-            <a:spLocks noGrp="1"/>
-          </p:cNvSpPr>
-          <p:nvPr>
-            <p:ph type="body" idx="1"/>
-          </p:nvPr>
-        </p:nvSpPr>
-        <p:spPr>
-          <a:xfrm>
-            <a:off x="776287" y="1600200"/>
-            <a:ext cx="7745413" cy="5257800"/>
-          </a:xfrm>
-          <a:prstGeom prst="rect">
-            <a:avLst/>
-          </a:prstGeom>
-        </p:spPr>
-        <p:txBody>
-          <a:bodyPr/>
-          <a:lstStyle>
-            <a:lvl1pPr marL="457200" indent="-457200">
-              <a:buClr>
-                <a:srgbClr val="9FC880"/>
-              </a:buClr>
-              <a:buFont typeface="Arial" charset="0"/>
-              <a:buChar char="•"/>
-              <a:defRPr>
-                <a:solidFill>
-                  <a:srgbClr val="000000"/>
-                </a:solidFill>
-                <a:effectLst>
-                  <a:outerShdw blurRad="12700" dist="25400" dir="2700000" rotWithShape="0">
-                    <a:srgbClr val="DDDDDD"/>
-                  </a:outerShdw>
-                </a:effectLst>
-                <a:latin typeface="Arial"/>
-                <a:ea typeface="Arial"/>
-                <a:cs typeface="Arial"/>
-                <a:sym typeface="Arial"/>
-              </a:defRPr>
-            </a:lvl1pPr>
-            <a:lvl2pPr marL="911225" indent="-457200">
-              <a:buClr>
-                <a:srgbClr val="9FC880"/>
-              </a:buClr>
-              <a:buFont typeface="Arial" charset="0"/>
-              <a:buChar char="•"/>
-              <a:defRPr>
-                <a:solidFill>
-                  <a:srgbClr val="000000"/>
-                </a:solidFill>
-                <a:effectLst>
-                  <a:outerShdw blurRad="12700" dist="25400" dir="2700000" rotWithShape="0">
-                    <a:srgbClr val="DDDDDD"/>
-                  </a:outerShdw>
-                </a:effectLst>
-                <a:latin typeface="Arial"/>
-                <a:ea typeface="Arial"/>
-                <a:cs typeface="Arial"/>
-                <a:sym typeface="Arial"/>
-              </a:defRPr>
-            </a:lvl2pPr>
-            <a:lvl3pPr marL="1312862" indent="-457200">
-              <a:buClr>
-                <a:srgbClr val="9FC880"/>
-              </a:buClr>
-              <a:buFont typeface="Arial" charset="0"/>
-              <a:buChar char="•"/>
-              <a:defRPr>
-                <a:solidFill>
-                  <a:srgbClr val="000000"/>
-                </a:solidFill>
-                <a:effectLst>
-                  <a:outerShdw blurRad="12700" dist="25400" dir="2700000" rotWithShape="0">
-                    <a:srgbClr val="DDDDDD"/>
-                  </a:outerShdw>
-                </a:effectLst>
-                <a:latin typeface="Arial"/>
-                <a:ea typeface="Arial"/>
-                <a:cs typeface="Arial"/>
-                <a:sym typeface="Arial"/>
-              </a:defRPr>
-            </a:lvl3pPr>
-            <a:lvl4pPr marL="1627187" indent="-457200">
-              <a:buClr>
-                <a:srgbClr val="9FC880"/>
-              </a:buClr>
-              <a:buFont typeface="Arial" charset="0"/>
-              <a:buChar char="•"/>
-              <a:defRPr>
-                <a:solidFill>
-                  <a:srgbClr val="000000"/>
-                </a:solidFill>
-                <a:effectLst>
-                  <a:outerShdw blurRad="12700" dist="25400" dir="2700000" rotWithShape="0">
-                    <a:srgbClr val="DDDDDD"/>
-                  </a:outerShdw>
-                </a:effectLst>
-                <a:latin typeface="Arial"/>
-                <a:ea typeface="Arial"/>
-                <a:cs typeface="Arial"/>
-                <a:sym typeface="Arial"/>
-              </a:defRPr>
-            </a:lvl4pPr>
-            <a:lvl5pPr marL="2000250" indent="-457200">
-              <a:buClr>
-                <a:srgbClr val="9FC880"/>
-              </a:buClr>
-              <a:buFont typeface="Arial" charset="0"/>
-              <a:buChar char="•"/>
-              <a:defRPr>
-                <a:solidFill>
-                  <a:srgbClr val="000000"/>
-                </a:solidFill>
-                <a:effectLst>
-                  <a:outerShdw blurRad="12700" dist="25400" dir="2700000" rotWithShape="0">
-                    <a:srgbClr val="DDDDDD"/>
-                  </a:outerShdw>
-                </a:effectLst>
-                <a:latin typeface="Arial"/>
-                <a:ea typeface="Arial"/>
-                <a:cs typeface="Arial"/>
-                <a:sym typeface="Arial"/>
-              </a:defRPr>
-            </a:lvl5pPr>
-          </a:lstStyle>
-          <a:p>
-            <a:r>
-              <a:rPr dirty="0"/>
-              <a:t>Body Level One</a:t>
-            </a:r>
-          </a:p>
-          <a:p>
-            <a:pPr lvl="1"/>
-            <a:r>
-              <a:rPr dirty="0"/>
-              <a:t>Body Level Two</a:t>
-            </a:r>
-          </a:p>
-          <a:p>
-            <a:pPr lvl="2"/>
-            <a:r>
-              <a:rPr dirty="0"/>
-              <a:t>Body Level Three</a:t>
-            </a:r>
-          </a:p>
-          <a:p>
-            <a:pPr lvl="3"/>
-            <a:r>
-              <a:rPr dirty="0"/>
-              <a:t>Body Level Four</a:t>
-            </a:r>
-          </a:p>
-          <a:p>
-            <a:pPr lvl="4"/>
-            <a:r>
-              <a:rPr dirty="0"/>
-              <a:t>Body Level Five</a:t>
-            </a:r>
-          </a:p>
-        </p:txBody>
-      </p:sp>
-    </p:spTree>
-  </p:cSld>
-  <p:clrMapOvr>
-    <a:masterClrMapping/>
-  </p:clrMapOvr>
-  <p:transition spd="med"/>
-</p:sldLayout>
-</file>
-
-<file path=ppt/slideLayouts/slideLayout6.xml><?xml version="1.0" encoding="utf-8"?>
-<p:sldLayout xmlns:a="http://schemas.openxmlformats.org/drawingml/2006/main" xmlns:r="http://schemas.openxmlformats.org/officeDocument/2006/relationships" xmlns:p="http://schemas.openxmlformats.org/presentationml/2006/main" type="tx">
-  <p:cSld name="Default">
-    <p:spTree>
-      <p:nvGrpSpPr>
-        <p:cNvPr id="1" name=""/>
-        <p:cNvGrpSpPr/>
-        <p:nvPr/>
-      </p:nvGrpSpPr>
-      <p:grpSpPr>
-        <a:xfrm>
-          <a:off x="0" y="0"/>
-          <a:ext cx="0" cy="0"/>
-          <a:chOff x="0" y="0"/>
-          <a:chExt cx="0" cy="0"/>
-        </a:xfrm>
-      </p:grpSpPr>
-      <p:sp>
-        <p:nvSpPr>
           <p:cNvPr id="56" name="Shape 56"/>
           <p:cNvSpPr>
             <a:spLocks noGrp="1"/>
@@ -1960,7 +1595,7 @@
 </p:sldLayout>
 </file>
 
-<file path=ppt/slideLayouts/slideLayout7.xml><?xml version="1.0" encoding="utf-8"?>
+<file path=ppt/slideLayouts/slideLayout6.xml><?xml version="1.0" encoding="utf-8"?>
 <p:sldLayout xmlns:a="http://schemas.openxmlformats.org/drawingml/2006/main" xmlns:r="http://schemas.openxmlformats.org/officeDocument/2006/relationships" xmlns:p="http://schemas.openxmlformats.org/presentationml/2006/main" type="tx">
   <p:cSld name="Default">
     <p:spTree>
@@ -2413,10 +2048,9 @@
     <p:sldLayoutId id="2147483649" r:id="rId1"/>
     <p:sldLayoutId id="2147483650" r:id="rId2"/>
     <p:sldLayoutId id="2147483651" r:id="rId3"/>
-    <p:sldLayoutId id="2147483652" r:id="rId4"/>
-    <p:sldLayoutId id="2147483653" r:id="rId5"/>
-    <p:sldLayoutId id="2147483654" r:id="rId6"/>
-    <p:sldLayoutId id="2147483655" r:id="rId7"/>
+    <p:sldLayoutId id="2147483653" r:id="rId4"/>
+    <p:sldLayoutId id="2147483654" r:id="rId5"/>
+    <p:sldLayoutId id="2147483655" r:id="rId6"/>
   </p:sldLayoutIdLst>
   <p:transition spd="med"/>
   <p:txStyles>
@@ -3924,6 +3558,7 @@
               </a:defRPr>
             </a:pPr>
             <a:r>
+              <a:rPr dirty="0"/>
               <a:t>32 bit address with 2 page table fields</a:t>
             </a:r>
           </a:p>
@@ -3939,7 +3574,7 @@
                 </a:solidFill>
               </a:defRPr>
             </a:pPr>
-            <a:endParaRPr/>
+            <a:endParaRPr dirty="0"/>
           </a:p>
           <a:p>
             <a:pPr marL="308609" indent="-308609" defTabSz="822959">
@@ -3954,6 +3589,7 @@
               </a:defRPr>
             </a:pPr>
             <a:r>
+              <a:rPr dirty="0"/>
               <a:t>Two-level page tables</a:t>
             </a:r>
           </a:p>
@@ -3969,7 +3605,7 @@
                 </a:solidFill>
               </a:defRPr>
             </a:pPr>
-            <a:endParaRPr/>
+            <a:endParaRPr dirty="0"/>
           </a:p>
           <a:p>
             <a:pPr marL="308609" indent="-308609" defTabSz="822959">
@@ -3984,6 +3620,7 @@
               </a:defRPr>
             </a:pPr>
             <a:r>
+              <a:rPr dirty="0"/>
               <a:t>PT too Big for MMU</a:t>
             </a:r>
           </a:p>
@@ -3999,6 +3636,7 @@
               </a:defRPr>
             </a:pPr>
             <a:r>
+              <a:rPr dirty="0"/>
               <a:t>Keep it in main memory</a:t>
             </a:r>
           </a:p>
@@ -4014,7 +3652,7 @@
                 </a:solidFill>
               </a:defRPr>
             </a:pPr>
-            <a:endParaRPr/>
+            <a:endParaRPr dirty="0"/>
           </a:p>
           <a:p>
             <a:pPr marL="308609" indent="-308609" defTabSz="822959">
@@ -4029,6 +3667,7 @@
               </a:defRPr>
             </a:pPr>
             <a:r>
+              <a:rPr dirty="0"/>
               <a:t>But how does MMU know where to find PT?</a:t>
             </a:r>
           </a:p>
@@ -4044,7 +3683,26 @@
               </a:defRPr>
             </a:pPr>
             <a:r>
-              <a:t>Registers (CR3 on Intel)</a:t>
+              <a:t>Registers </a:t>
+            </a:r>
+            <a:r>
+              <a:rPr/>
+              <a:t>(</a:t>
+            </a:r>
+            <a:r>
+              <a:rPr smtClean="0"/>
+              <a:t>CR</a:t>
+            </a:r>
+            <a:r>
+              <a:rPr lang="en-US" smtClean="0"/>
+              <a:t>2</a:t>
+            </a:r>
+            <a:r>
+              <a:rPr smtClean="0"/>
+              <a:t> </a:t>
+            </a:r>
+            <a:r>
+              <a:t>on Intel)</a:t>
             </a:r>
           </a:p>
         </p:txBody>
@@ -4610,7 +4268,7 @@
       </p:grpSpPr>
       <p:sp>
         <p:nvSpPr>
-          <p:cNvPr id="196" name="Shape 196"/>
+          <p:cNvPr id="104" name="Shape 104"/>
           <p:cNvSpPr>
             <a:spLocks noGrp="1"/>
           </p:cNvSpPr>
@@ -4635,19 +4293,43 @@
           <a:lstStyle/>
           <a:p>
             <a:pPr>
-              <a:defRPr sz="2400"/>
+              <a:defRPr sz="2400" b="0">
+                <a:solidFill>
+                  <a:srgbClr val="EAEAEA"/>
+                </a:solidFill>
+                <a:latin typeface="Times New Roman"/>
+                <a:ea typeface="Times New Roman"/>
+                <a:cs typeface="Times New Roman"/>
+                <a:sym typeface="Times New Roman"/>
+              </a:defRPr>
             </a:pPr>
             <a:fld id="{86CB4B4D-7CA3-9044-876B-883B54F8677D}" type="slidenum">
-              <a:rPr sz="1400"/>
+              <a:rPr sz="1400" b="1">
+                <a:solidFill>
+                  <a:schemeClr val="accent2"/>
+                </a:solidFill>
+                <a:latin typeface="Arial Narrow"/>
+                <a:ea typeface="Arial Narrow"/>
+                <a:cs typeface="Arial Narrow"/>
+                <a:sym typeface="Arial Narrow"/>
+              </a:rPr>
               <a:t>14</a:t>
             </a:fld>
-            <a:endParaRPr sz="1400"/>
-          </a:p>
-        </p:txBody>
-      </p:sp>
-      <p:sp>
-        <p:nvSpPr>
-          <p:cNvPr id="197" name="Shape 197"/>
+            <a:endParaRPr sz="1400" b="1">
+              <a:solidFill>
+                <a:schemeClr val="accent2"/>
+              </a:solidFill>
+              <a:latin typeface="Arial Narrow"/>
+              <a:ea typeface="Arial Narrow"/>
+              <a:cs typeface="Arial Narrow"/>
+              <a:sym typeface="Arial Narrow"/>
+            </a:endParaRPr>
+          </a:p>
+        </p:txBody>
+      </p:sp>
+      <p:sp>
+        <p:nvSpPr>
+          <p:cNvPr id="105" name="Shape 105"/>
           <p:cNvSpPr>
             <a:spLocks noGrp="1"/>
           </p:cNvSpPr>
@@ -4657,8 +4339,8 @@
         </p:nvSpPr>
         <p:spPr>
           <a:xfrm>
-            <a:off x="657225" y="0"/>
-            <a:ext cx="7772400" cy="762000"/>
+            <a:off x="292100" y="0"/>
+            <a:ext cx="8458200" cy="838200"/>
           </a:xfrm>
           <a:prstGeom prst="rect">
             <a:avLst/>
@@ -4670,34 +4352,34 @@
           </a:bodyPr>
           <a:lstStyle>
             <a:lvl1pPr>
-              <a:defRPr sz="4000"/>
+              <a:defRPr sz="3800"/>
             </a:lvl1pPr>
           </a:lstStyle>
           <a:p>
             <a:pPr>
-              <a:defRPr sz="4400"/>
-            </a:pPr>
-            <a:r>
-              <a:rPr sz="4000"/>
-              <a:t>Impact of Page Size on Page tables</a:t>
-            </a:r>
-          </a:p>
-        </p:txBody>
-      </p:sp>
-      <p:sp>
-        <p:nvSpPr>
-          <p:cNvPr id="198" name="Shape 198"/>
+              <a:defRPr sz="4200"/>
+            </a:pPr>
+            <a:r>
+              <a:rPr sz="3800"/>
+              <a:t>TLBs – Translation Lookaside Buffers</a:t>
+            </a:r>
+          </a:p>
+        </p:txBody>
+      </p:sp>
+      <p:sp>
+        <p:nvSpPr>
+          <p:cNvPr id="106" name="Shape 106"/>
           <p:cNvSpPr>
             <a:spLocks noGrp="1"/>
           </p:cNvSpPr>
           <p:nvPr>
-            <p:ph type="body" idx="1"/>
+            <p:ph type="body" sz="half" idx="1"/>
           </p:nvPr>
         </p:nvSpPr>
         <p:spPr>
           <a:xfrm>
-            <a:off x="381000" y="1295400"/>
-            <a:ext cx="8401050" cy="5105400"/>
+            <a:off x="685800" y="4114800"/>
+            <a:ext cx="7772400" cy="2603500"/>
           </a:xfrm>
           <a:prstGeom prst="rect">
             <a:avLst/>
@@ -4709,101 +4391,152 @@
           </a:bodyPr>
           <a:lstStyle/>
           <a:p>
-            <a:pPr algn="ctr">
-              <a:buSzTx/>
-              <a:buNone/>
-            </a:pPr>
-            <a:r>
-              <a:t>Small page size</a:t>
-            </a:r>
-          </a:p>
-          <a:p>
-            <a:pPr>
-              <a:buChar char="•"/>
-            </a:pPr>
-            <a:r>
-              <a:t>Advantages</a:t>
-            </a:r>
-          </a:p>
-          <a:p>
-            <a:pPr marL="742950" lvl="1" indent="-285750">
+            <a:pPr marL="199588" indent="-199588" algn="l" defTabSz="859536">
+              <a:lnSpc>
+                <a:spcPct val="80000"/>
+              </a:lnSpc>
               <a:spcBef>
-                <a:spcPts val="600"/>
+                <a:spcPts val="400"/>
               </a:spcBef>
-              <a:defRPr sz="2800">
-                <a:solidFill>
-                  <a:srgbClr val="000000"/>
-                </a:solidFill>
-              </a:defRPr>
-            </a:pPr>
-            <a:r>
-              <a:t>less internal fragmentation </a:t>
-            </a:r>
-          </a:p>
-          <a:p>
-            <a:pPr marL="742950" lvl="1" indent="-285750">
+              <a:buChar char="⬥"/>
+              <a:defRPr sz="3008">
+                <a:effectLst>
+                  <a:outerShdw blurRad="11938" dist="23876" dir="2700000" rotWithShape="0">
+                    <a:srgbClr val="DDDDDD"/>
+                  </a:outerShdw>
+                </a:effectLst>
+              </a:defRPr>
+            </a:pPr>
+            <a:r>
+              <a:rPr sz="1879" dirty="0"/>
+              <a:t>TLB is a small cache that speeds up the translation of virtual addresses to physical addresses.</a:t>
+            </a:r>
+          </a:p>
+          <a:p>
+            <a:pPr marL="199588" indent="-199588" algn="l" defTabSz="859536">
+              <a:lnSpc>
+                <a:spcPct val="80000"/>
+              </a:lnSpc>
               <a:spcBef>
-                <a:spcPts val="600"/>
+                <a:spcPts val="400"/>
               </a:spcBef>
-              <a:defRPr sz="2800">
-                <a:solidFill>
-                  <a:srgbClr val="000000"/>
-                </a:solidFill>
-              </a:defRPr>
-            </a:pPr>
-            <a:r>
-              <a:t>page-in/page-out less expensive</a:t>
-            </a:r>
-          </a:p>
-          <a:p>
-            <a:pPr marL="742950" lvl="1" indent="-285750">
+              <a:buChar char="⬥"/>
+              <a:defRPr sz="3008">
+                <a:effectLst>
+                  <a:outerShdw blurRad="11938" dist="23876" dir="2700000" rotWithShape="0">
+                    <a:srgbClr val="DDDDDD"/>
+                  </a:outerShdw>
+                </a:effectLst>
+              </a:defRPr>
+            </a:pPr>
+            <a:r>
+              <a:rPr sz="1879" dirty="0"/>
+              <a:t>TLB is part of the MMU hardware (comes with CPU)</a:t>
+            </a:r>
+          </a:p>
+          <a:p>
+            <a:pPr marL="199588" indent="-199588" algn="l" defTabSz="859536">
+              <a:lnSpc>
+                <a:spcPct val="80000"/>
+              </a:lnSpc>
               <a:spcBef>
-                <a:spcPts val="600"/>
+                <a:spcPts val="400"/>
               </a:spcBef>
-              <a:defRPr sz="2800">
-                <a:solidFill>
-                  <a:srgbClr val="000000"/>
-                </a:solidFill>
-              </a:defRPr>
-            </a:pPr>
-            <a:endParaRPr/>
-          </a:p>
-          <a:p>
-            <a:pPr>
-              <a:buChar char="•"/>
-            </a:pPr>
-            <a:endParaRPr sz="2800">
-              <a:solidFill>
-                <a:srgbClr val="000000"/>
-              </a:solidFill>
-            </a:endParaRPr>
-          </a:p>
-          <a:p>
-            <a:pPr>
-              <a:buChar char="•"/>
-            </a:pPr>
-            <a:r>
-              <a:t>Disadvantages</a:t>
-            </a:r>
-          </a:p>
-          <a:p>
-            <a:pPr marL="742950" lvl="1" indent="-285750">
+              <a:buChar char="⬥"/>
+              <a:defRPr sz="3008">
+                <a:effectLst>
+                  <a:outerShdw blurRad="11938" dist="23876" dir="2700000" rotWithShape="0">
+                    <a:srgbClr val="DDDDDD"/>
+                  </a:outerShdw>
+                </a:effectLst>
+              </a:defRPr>
+            </a:pPr>
+            <a:r>
+              <a:rPr sz="1879" dirty="0"/>
+              <a:t>It is not a Data Cache or Instruction Cache. Those are separate.</a:t>
+            </a:r>
+          </a:p>
+          <a:p>
+            <a:pPr marL="199588" indent="-199588" algn="l" defTabSz="859536">
+              <a:lnSpc>
+                <a:spcPct val="80000"/>
+              </a:lnSpc>
               <a:spcBef>
-                <a:spcPts val="600"/>
+                <a:spcPts val="400"/>
               </a:spcBef>
-              <a:defRPr sz="2800">
-                <a:solidFill>
-                  <a:srgbClr val="000000"/>
-                </a:solidFill>
-              </a:defRPr>
-            </a:pPr>
-            <a:r>
-              <a:t>process that needs more pages has larger page table</a:t>
-            </a:r>
-          </a:p>
-        </p:txBody>
-      </p:sp>
+              <a:buChar char="⬥"/>
+              <a:defRPr sz="3008">
+                <a:effectLst>
+                  <a:outerShdw blurRad="11938" dist="23876" dir="2700000" rotWithShape="0">
+                    <a:srgbClr val="DDDDDD"/>
+                  </a:outerShdw>
+                </a:effectLst>
+              </a:defRPr>
+            </a:pPr>
+            <a:r>
+              <a:rPr sz="1879" dirty="0"/>
+              <a:t>TLB simply caches translations from virtual page number to physical page number so that the MMU don’t have to access page-table in memory too often.</a:t>
+            </a:r>
+          </a:p>
+          <a:p>
+            <a:pPr marL="199588" indent="-199588" algn="l" defTabSz="859536">
+              <a:lnSpc>
+                <a:spcPct val="80000"/>
+              </a:lnSpc>
+              <a:spcBef>
+                <a:spcPts val="400"/>
+              </a:spcBef>
+              <a:buChar char="⬥"/>
+              <a:defRPr sz="3008">
+                <a:effectLst>
+                  <a:outerShdw blurRad="11938" dist="23876" dir="2700000" rotWithShape="0">
+                    <a:srgbClr val="DDDDDD"/>
+                  </a:outerShdw>
+                </a:effectLst>
+              </a:defRPr>
+            </a:pPr>
+            <a:r>
+              <a:rPr sz="1879" dirty="0"/>
+              <a:t>On x86 architecture, TLB has to be “flushed” upon every context switch because there is no field in TLB to identify the process context.</a:t>
+            </a:r>
+          </a:p>
+        </p:txBody>
+      </p:sp>
+      <p:pic>
+        <p:nvPicPr>
+          <p:cNvPr id="107" name="image.png"/>
+          <p:cNvPicPr>
+            <a:picLocks noChangeAspect="1"/>
+          </p:cNvPicPr>
+          <p:nvPr/>
+        </p:nvPicPr>
+        <p:blipFill>
+          <a:blip r:embed="rId2">
+            <a:extLst/>
+          </a:blip>
+          <a:stretch>
+            <a:fillRect/>
+          </a:stretch>
+        </p:blipFill>
+        <p:spPr>
+          <a:xfrm>
+            <a:off x="909637" y="893762"/>
+            <a:ext cx="7667626" cy="3149601"/>
+          </a:xfrm>
+          <a:prstGeom prst="rect">
+            <a:avLst/>
+          </a:prstGeom>
+          <a:ln w="12700">
+            <a:miter lim="400000"/>
+          </a:ln>
+        </p:spPr>
+      </p:pic>
     </p:spTree>
+    <p:extLst>
+      <p:ext uri="{BB962C8B-B14F-4D97-AF65-F5344CB8AC3E}">
+        <p14:creationId xmlns:p14="http://schemas.microsoft.com/office/powerpoint/2010/main" val="411487387"/>
+      </p:ext>
+    </p:extLst>
   </p:cSld>
   <p:clrMapOvr>
     <a:masterClrMapping/>
@@ -4831,7 +4564,7 @@
       </p:grpSpPr>
       <p:sp>
         <p:nvSpPr>
-          <p:cNvPr id="173" name="Shape 173"/>
+          <p:cNvPr id="188" name="Shape 188"/>
           <p:cNvSpPr>
             <a:spLocks noGrp="1"/>
           </p:cNvSpPr>
@@ -4850,49 +4583,19 @@
           </a:extLst>
         </p:spPr>
         <p:txBody>
-          <a:bodyPr>
-            <a:normAutofit lnSpcReduction="10000"/>
-          </a:bodyPr>
+          <a:bodyPr/>
           <a:lstStyle/>
           <a:p>
-            <a:pPr>
-              <a:defRPr sz="2400" b="0">
-                <a:solidFill>
-                  <a:srgbClr val="EAEAEA"/>
-                </a:solidFill>
-                <a:latin typeface="Times New Roman"/>
-                <a:ea typeface="Times New Roman"/>
-                <a:cs typeface="Times New Roman"/>
-                <a:sym typeface="Times New Roman"/>
-              </a:defRPr>
-            </a:pPr>
             <a:fld id="{86CB4B4D-7CA3-9044-876B-883B54F8677D}" type="slidenum">
-              <a:rPr sz="1400" b="1">
-                <a:solidFill>
-                  <a:srgbClr val="5F72D4"/>
-                </a:solidFill>
-                <a:latin typeface="Arial Narrow"/>
-                <a:ea typeface="Arial Narrow"/>
-                <a:cs typeface="Arial Narrow"/>
-                <a:sym typeface="Arial Narrow"/>
-              </a:rPr>
               <a:t>15</a:t>
             </a:fld>
-            <a:endParaRPr sz="1400" b="1">
-              <a:solidFill>
-                <a:srgbClr val="5F72D4"/>
-              </a:solidFill>
-              <a:latin typeface="Arial Narrow"/>
-              <a:ea typeface="Arial Narrow"/>
-              <a:cs typeface="Arial Narrow"/>
-              <a:sym typeface="Arial Narrow"/>
-            </a:endParaRPr>
-          </a:p>
-        </p:txBody>
-      </p:sp>
-      <p:sp>
-        <p:nvSpPr>
-          <p:cNvPr id="174" name="Shape 174"/>
+            <a:endParaRPr/>
+          </a:p>
+        </p:txBody>
+      </p:sp>
+      <p:sp>
+        <p:nvSpPr>
+          <p:cNvPr id="189" name="Shape 189"/>
           <p:cNvSpPr>
             <a:spLocks noGrp="1"/>
           </p:cNvSpPr>
@@ -4901,42 +4604,23 @@
           </p:nvPr>
         </p:nvSpPr>
         <p:spPr>
-          <a:xfrm>
-            <a:off x="-20638" y="-12700"/>
-            <a:ext cx="9185276" cy="844550"/>
-          </a:xfrm>
           <a:prstGeom prst="rect">
             <a:avLst/>
           </a:prstGeom>
         </p:spPr>
         <p:txBody>
-          <a:bodyPr>
-            <a:normAutofit/>
-          </a:bodyPr>
-          <a:lstStyle>
-            <a:lvl1pPr algn="ctr">
-              <a:defRPr>
-                <a:solidFill>
-                  <a:srgbClr val="FF2600"/>
-                </a:solidFill>
-              </a:defRPr>
-            </a:lvl1pPr>
-          </a:lstStyle>
-          <a:p>
-            <a:r>
-              <a:rPr dirty="0">
-                <a:solidFill>
-                  <a:schemeClr val="tx1"/>
-                </a:solidFill>
-              </a:rPr>
-              <a:t>Translation look-aside buffer</a:t>
-            </a:r>
-          </a:p>
-        </p:txBody>
-      </p:sp>
-      <p:sp>
-        <p:nvSpPr>
-          <p:cNvPr id="175" name="Shape 175"/>
+          <a:bodyPr/>
+          <a:lstStyle/>
+          <a:p>
+            <a:r>
+              <a:t>Cold Start Penalty</a:t>
+            </a:r>
+          </a:p>
+        </p:txBody>
+      </p:sp>
+      <p:sp>
+        <p:nvSpPr>
+          <p:cNvPr id="190" name="Shape 190"/>
           <p:cNvSpPr>
             <a:spLocks noGrp="1"/>
           </p:cNvSpPr>
@@ -4946,137 +4630,179 @@
         </p:nvSpPr>
         <p:spPr>
           <a:xfrm>
-            <a:off x="578643" y="1181100"/>
-            <a:ext cx="7986714" cy="4495800"/>
+            <a:off x="468351" y="1037064"/>
+            <a:ext cx="8197663" cy="5661592"/>
           </a:xfrm>
           <a:prstGeom prst="rect">
             <a:avLst/>
           </a:prstGeom>
         </p:spPr>
         <p:txBody>
-          <a:bodyPr>
-            <a:normAutofit lnSpcReduction="10000"/>
-          </a:bodyPr>
+          <a:bodyPr/>
           <a:lstStyle/>
           <a:p>
-            <a:pPr marL="271779" indent="-271779" defTabSz="731520">
+            <a:pPr marL="285750" indent="-285750">
+              <a:defRPr sz="2500"/>
+            </a:pPr>
+            <a:r>
+              <a:rPr lang="en-US" dirty="0"/>
+              <a:t>Cost of repopulating the TLB (and other caches) upon a context  switch.</a:t>
+            </a:r>
+          </a:p>
+          <a:p>
+            <a:pPr marL="285750" indent="-285750">
+              <a:defRPr sz="2500"/>
+            </a:pPr>
+            <a:endParaRPr lang="en-US" dirty="0" smtClean="0"/>
+          </a:p>
+          <a:p>
+            <a:pPr marL="285750" indent="-285750">
+              <a:defRPr sz="2500"/>
+            </a:pPr>
+            <a:r>
+              <a:rPr dirty="0" smtClean="0"/>
+              <a:t>Immediately </a:t>
+            </a:r>
+            <a:r>
+              <a:rPr dirty="0"/>
+              <a:t>after a context switch, </a:t>
+            </a:r>
+            <a:r>
+              <a:rPr dirty="0" smtClean="0"/>
+              <a:t>all </a:t>
+            </a:r>
+            <a:r>
+              <a:rPr dirty="0"/>
+              <a:t>(or </a:t>
+            </a:r>
+            <a:r>
+              <a:rPr lang="en-US" dirty="0" smtClean="0"/>
+              <a:t>many</a:t>
+            </a:r>
+            <a:r>
+              <a:rPr dirty="0" smtClean="0"/>
+              <a:t>) </a:t>
+            </a:r>
+            <a:r>
+              <a:rPr dirty="0"/>
+              <a:t>of TLB entries are </a:t>
+            </a:r>
+            <a:r>
+              <a:rPr dirty="0" smtClean="0"/>
+              <a:t>invalid</a:t>
+            </a:r>
+            <a:r>
+              <a:rPr lang="en-US" dirty="0" smtClean="0"/>
+              <a:t>ated</a:t>
+            </a:r>
+            <a:r>
+              <a:rPr dirty="0" smtClean="0"/>
+              <a:t>.</a:t>
+            </a:r>
+            <a:endParaRPr dirty="0"/>
+          </a:p>
+          <a:p>
+            <a:pPr marL="682228" lvl="1" indent="-225028">
+              <a:lnSpc>
+                <a:spcPct val="80000"/>
+              </a:lnSpc>
               <a:spcBef>
-                <a:spcPts val="600"/>
+                <a:spcPts val="400"/>
               </a:spcBef>
-              <a:buChar char="⬥"/>
-              <a:defRPr sz="2480">
-                <a:effectLst>
-                  <a:outerShdw blurRad="10160" dist="20320" dir="2700000" rotWithShape="0">
-                    <a:srgbClr val="DDDDDD"/>
-                  </a:outerShdw>
-                </a:effectLst>
-              </a:defRPr>
-            </a:pPr>
-            <a:r>
-              <a:t>TLB caches virtual-to-physical address translations</a:t>
-            </a:r>
-          </a:p>
-          <a:p>
-            <a:pPr marL="271779" indent="-271779" defTabSz="731520">
-              <a:spcBef>
-                <a:spcPts val="600"/>
-              </a:spcBef>
-              <a:buChar char="⬥"/>
-              <a:defRPr sz="2480">
-                <a:effectLst>
-                  <a:outerShdw blurRad="10160" dist="20320" dir="2700000" rotWithShape="0">
-                    <a:srgbClr val="DDDDDD"/>
-                  </a:outerShdw>
-                </a:effectLst>
-              </a:defRPr>
-            </a:pPr>
-            <a:endParaRPr/>
-          </a:p>
-          <a:p>
-            <a:pPr marL="271779" indent="-271779" defTabSz="731520">
-              <a:spcBef>
-                <a:spcPts val="600"/>
-              </a:spcBef>
-              <a:buChar char="⬥"/>
-              <a:defRPr sz="2480">
-                <a:effectLst>
-                  <a:outerShdw blurRad="10160" dist="20320" dir="2700000" rotWithShape="0">
-                    <a:srgbClr val="DDDDDD"/>
-                  </a:outerShdw>
-                </a:effectLst>
-              </a:defRPr>
-            </a:pPr>
-            <a:r>
-              <a:t>TLB is a small cache that speeds up the translation of virtual addresses to physical addresses.</a:t>
-            </a:r>
-          </a:p>
-          <a:p>
-            <a:pPr marL="271779" indent="-271779" defTabSz="731520">
-              <a:spcBef>
-                <a:spcPts val="600"/>
-              </a:spcBef>
-              <a:buChar char="⬥"/>
-              <a:defRPr sz="2480">
-                <a:effectLst>
-                  <a:outerShdw blurRad="10160" dist="20320" dir="2700000" rotWithShape="0">
-                    <a:srgbClr val="DDDDDD"/>
-                  </a:outerShdw>
-                </a:effectLst>
-              </a:defRPr>
-            </a:pPr>
-            <a:endParaRPr/>
-          </a:p>
-          <a:p>
-            <a:pPr marL="271779" indent="-271779" defTabSz="731520">
-              <a:spcBef>
-                <a:spcPts val="600"/>
-              </a:spcBef>
-              <a:buChar char="⬥"/>
-              <a:defRPr sz="2480">
-                <a:effectLst>
-                  <a:outerShdw blurRad="10160" dist="20320" dir="2700000" rotWithShape="0">
-                    <a:srgbClr val="DDDDDD"/>
-                  </a:outerShdw>
-                </a:effectLst>
-              </a:defRPr>
-            </a:pPr>
-            <a:r>
-              <a:t>It is not a Data Cache or Instruction Cache. Those are separate.</a:t>
-            </a:r>
-          </a:p>
-          <a:p>
-            <a:pPr marL="271779" indent="-271779" defTabSz="731520">
-              <a:spcBef>
-                <a:spcPts val="600"/>
-              </a:spcBef>
-              <a:buChar char="⬥"/>
-              <a:defRPr sz="2480">
-                <a:effectLst>
-                  <a:outerShdw blurRad="10160" dist="20320" dir="2700000" rotWithShape="0">
-                    <a:srgbClr val="DDDDDD"/>
-                  </a:outerShdw>
-                </a:effectLst>
-              </a:defRPr>
-            </a:pPr>
-            <a:endParaRPr/>
-          </a:p>
-          <a:p>
-            <a:pPr marL="271779" indent="-271779" defTabSz="731520">
-              <a:spcBef>
-                <a:spcPts val="600"/>
-              </a:spcBef>
-              <a:buChar char="⬥"/>
-              <a:defRPr sz="2480">
-                <a:effectLst>
-                  <a:outerShdw blurRad="10160" dist="20320" dir="2700000" rotWithShape="0">
-                    <a:srgbClr val="DDDDDD"/>
-                  </a:outerShdw>
-                </a:effectLst>
-              </a:defRPr>
-            </a:pPr>
-            <a:r>
-              <a:t>TLB simply caches translations from virtual page number to physical page number so that the MMU don’t have to access page-table in memory too often.</a:t>
-            </a:r>
+              <a:buChar char="•"/>
+              <a:defRPr sz="2100"/>
+            </a:pPr>
+            <a:r>
+              <a:rPr dirty="0"/>
+              <a:t>On some x86 processors, TLB has to be “flushed” upon every context switch because there is no field in TLB to identify the process context</a:t>
+            </a:r>
+            <a:r>
+              <a:rPr dirty="0" smtClean="0"/>
+              <a:t>.</a:t>
+            </a:r>
+            <a:endParaRPr lang="en-US" dirty="0" smtClean="0"/>
+          </a:p>
+          <a:p>
+            <a:pPr marL="285750" indent="-285750">
+              <a:defRPr sz="2500"/>
+            </a:pPr>
+            <a:r>
+              <a:rPr lang="en-US" dirty="0" smtClean="0"/>
+              <a:t>E</a:t>
+            </a:r>
+            <a:r>
+              <a:rPr dirty="0" smtClean="0"/>
+              <a:t>very </a:t>
+            </a:r>
+            <a:r>
+              <a:rPr dirty="0"/>
+              <a:t>memory access </a:t>
+            </a:r>
+            <a:r>
+              <a:rPr lang="en-US" dirty="0" smtClean="0"/>
+              <a:t>by the newly scheduled process may </a:t>
+            </a:r>
+            <a:r>
+              <a:rPr dirty="0" smtClean="0"/>
+              <a:t>results </a:t>
+            </a:r>
+            <a:r>
+              <a:rPr dirty="0"/>
+              <a:t>in a TLB </a:t>
+            </a:r>
+            <a:r>
+              <a:rPr dirty="0" smtClean="0"/>
+              <a:t>miss.</a:t>
+            </a:r>
+            <a:endParaRPr lang="en-US" dirty="0" smtClean="0"/>
+          </a:p>
+          <a:p>
+            <a:pPr marL="285750" indent="-285750">
+              <a:defRPr sz="2500"/>
+            </a:pPr>
+            <a:endParaRPr lang="en-US" dirty="0" smtClean="0"/>
+          </a:p>
+          <a:p>
+            <a:pPr marL="285750" indent="-285750">
+              <a:defRPr sz="2500"/>
+            </a:pPr>
+            <a:r>
+              <a:rPr dirty="0" smtClean="0"/>
+              <a:t>MMU </a:t>
+            </a:r>
+            <a:r>
+              <a:rPr lang="en-US" dirty="0" smtClean="0"/>
+              <a:t>must then </a:t>
+            </a:r>
+            <a:r>
+              <a:rPr dirty="0" smtClean="0"/>
+              <a:t>walk </a:t>
+            </a:r>
+            <a:r>
+              <a:rPr dirty="0"/>
+              <a:t>the page-table </a:t>
+            </a:r>
+            <a:r>
+              <a:rPr lang="en-US" dirty="0" smtClean="0"/>
+              <a:t>in main memory </a:t>
+            </a:r>
+            <a:r>
+              <a:rPr dirty="0" smtClean="0"/>
+              <a:t>to </a:t>
+            </a:r>
+            <a:r>
+              <a:rPr dirty="0"/>
+              <a:t>repopulate the missing TLB </a:t>
+            </a:r>
+            <a:r>
+              <a:rPr dirty="0" smtClean="0"/>
+              <a:t>entry</a:t>
+            </a:r>
+            <a:r>
+              <a:rPr lang="en-US" dirty="0" smtClean="0"/>
+              <a:t>, which takes longer than a cache hit.</a:t>
+            </a:r>
+            <a:endParaRPr dirty="0"/>
           </a:p>
         </p:txBody>
       </p:sp>
@@ -5108,7 +4834,7 @@
       </p:grpSpPr>
       <p:sp>
         <p:nvSpPr>
-          <p:cNvPr id="179" name="Shape 179"/>
+          <p:cNvPr id="192" name="Shape 192"/>
           <p:cNvSpPr>
             <a:spLocks noGrp="1"/>
           </p:cNvSpPr>
@@ -5127,25 +4853,19 @@
           </a:extLst>
         </p:spPr>
         <p:txBody>
-          <a:bodyPr>
-            <a:normAutofit lnSpcReduction="10000"/>
-          </a:bodyPr>
+          <a:bodyPr/>
           <a:lstStyle/>
           <a:p>
-            <a:pPr>
-              <a:defRPr sz="2400"/>
-            </a:pPr>
             <a:fld id="{86CB4B4D-7CA3-9044-876B-883B54F8677D}" type="slidenum">
-              <a:rPr sz="1400"/>
               <a:t>16</a:t>
             </a:fld>
-            <a:endParaRPr sz="1400"/>
-          </a:p>
-        </p:txBody>
-      </p:sp>
-      <p:sp>
-        <p:nvSpPr>
-          <p:cNvPr id="180" name="Shape 180"/>
+            <a:endParaRPr/>
+          </a:p>
+        </p:txBody>
+      </p:sp>
+      <p:sp>
+        <p:nvSpPr>
+          <p:cNvPr id="193" name="Shape 193"/>
           <p:cNvSpPr>
             <a:spLocks noGrp="1"/>
           </p:cNvSpPr>
@@ -5154,116 +4874,203 @@
           </p:nvPr>
         </p:nvSpPr>
         <p:spPr>
-          <a:xfrm>
-            <a:off x="292100" y="-1"/>
-            <a:ext cx="8458200" cy="1143002"/>
-          </a:xfrm>
           <a:prstGeom prst="rect">
             <a:avLst/>
           </a:prstGeom>
         </p:spPr>
         <p:txBody>
-          <a:bodyPr>
-            <a:normAutofit/>
-          </a:bodyPr>
-          <a:lstStyle>
-            <a:lvl1pPr>
-              <a:defRPr sz="4000"/>
-            </a:lvl1pPr>
-          </a:lstStyle>
-          <a:p>
-            <a:pPr>
-              <a:defRPr sz="4400"/>
-            </a:pPr>
-            <a:r>
-              <a:rPr sz="4000"/>
-              <a:t>TLBs – Translation Lookaside Buffers</a:t>
-            </a:r>
-          </a:p>
-        </p:txBody>
-      </p:sp>
-      <p:sp>
-        <p:nvSpPr>
-          <p:cNvPr id="181" name="Shape 181"/>
+          <a:bodyPr/>
+          <a:lstStyle/>
+          <a:p>
+            <a:r>
+              <a:t>Tagged TLB</a:t>
+            </a:r>
+          </a:p>
+        </p:txBody>
+      </p:sp>
+      <p:sp>
+        <p:nvSpPr>
+          <p:cNvPr id="194" name="Shape 194"/>
           <p:cNvSpPr>
             <a:spLocks noGrp="1"/>
           </p:cNvSpPr>
           <p:nvPr>
-            <p:ph type="body" sz="half" idx="1"/>
+            <p:ph type="body" idx="1"/>
           </p:nvPr>
         </p:nvSpPr>
         <p:spPr>
           <a:xfrm>
-            <a:off x="685800" y="4254500"/>
-            <a:ext cx="7772400" cy="2603500"/>
+            <a:off x="323385" y="857250"/>
+            <a:ext cx="8121322" cy="5767636"/>
           </a:xfrm>
           <a:prstGeom prst="rect">
             <a:avLst/>
           </a:prstGeom>
         </p:spPr>
         <p:txBody>
-          <a:bodyPr>
-            <a:normAutofit/>
-          </a:bodyPr>
+          <a:bodyPr/>
           <a:lstStyle/>
           <a:p>
-            <a:pPr marL="214312" indent="-214312">
-              <a:lnSpc>
-                <a:spcPct val="80000"/>
-              </a:lnSpc>
-              <a:spcBef>
-                <a:spcPts val="400"/>
-              </a:spcBef>
-              <a:buChar char="•"/>
-            </a:pPr>
-            <a:r>
-              <a:rPr sz="2000"/>
-              <a:t>TLB is part of the MMU hardware (comes with CPU)</a:t>
-            </a:r>
-          </a:p>
-          <a:p>
             <a:pPr>
-              <a:lnSpc>
-                <a:spcPct val="80000"/>
-              </a:lnSpc>
-              <a:spcBef>
-                <a:spcPts val="400"/>
-              </a:spcBef>
-              <a:buChar char="•"/>
-            </a:pPr>
-            <a:endParaRPr sz="2000"/>
-          </a:p>
-        </p:txBody>
-      </p:sp>
-      <p:pic>
-        <p:nvPicPr>
-          <p:cNvPr id="182" name="image.png"/>
-          <p:cNvPicPr>
-            <a:picLocks noChangeAspect="1"/>
-          </p:cNvPicPr>
-          <p:nvPr/>
-        </p:nvPicPr>
-        <p:blipFill>
-          <a:blip r:embed="rId2">
-            <a:extLst/>
-          </a:blip>
-          <a:stretch>
-            <a:fillRect/>
-          </a:stretch>
-        </p:blipFill>
-        <p:spPr>
-          <a:xfrm>
-            <a:off x="909637" y="893762"/>
-            <a:ext cx="7667626" cy="3149601"/>
-          </a:xfrm>
-          <a:prstGeom prst="rect">
-            <a:avLst/>
-          </a:prstGeom>
-          <a:ln w="12700">
-            <a:miter lim="400000"/>
-          </a:ln>
-        </p:spPr>
-      </p:pic>
+              <a:buClr>
+                <a:schemeClr val="tx1"/>
+              </a:buClr>
+              <a:defRPr sz="2700"/>
+            </a:pPr>
+            <a:r>
+              <a:rPr lang="en-US" dirty="0" err="1" smtClean="0"/>
+              <a:t>A</a:t>
+            </a:r>
+            <a:r>
+              <a:rPr dirty="0" err="1" smtClean="0"/>
+              <a:t>“tag</a:t>
+            </a:r>
+            <a:r>
+              <a:rPr dirty="0"/>
+              <a:t>” </a:t>
+            </a:r>
+            <a:r>
+              <a:rPr lang="en-US" dirty="0" smtClean="0"/>
+              <a:t>in </a:t>
+            </a:r>
+            <a:r>
+              <a:rPr dirty="0" smtClean="0"/>
+              <a:t>each </a:t>
+            </a:r>
+            <a:r>
+              <a:rPr dirty="0"/>
+              <a:t>TLB </a:t>
+            </a:r>
+            <a:r>
+              <a:rPr dirty="0" smtClean="0"/>
+              <a:t>entry</a:t>
+            </a:r>
+            <a:r>
+              <a:rPr lang="en-US" dirty="0" smtClean="0"/>
+              <a:t> </a:t>
+            </a:r>
+            <a:r>
+              <a:rPr dirty="0" smtClean="0"/>
+              <a:t>identifies </a:t>
+            </a:r>
+            <a:r>
+              <a:rPr dirty="0"/>
+              <a:t>the </a:t>
+            </a:r>
+            <a:r>
+              <a:rPr dirty="0" smtClean="0"/>
+              <a:t>process/thread context </a:t>
+            </a:r>
+            <a:r>
+              <a:rPr dirty="0"/>
+              <a:t>to which the TLB entry belongs</a:t>
+            </a:r>
+          </a:p>
+          <a:p>
+            <a:pPr>
+              <a:buClr>
+                <a:schemeClr val="tx1"/>
+              </a:buClr>
+              <a:defRPr sz="2700"/>
+            </a:pPr>
+            <a:endParaRPr dirty="0"/>
+          </a:p>
+          <a:p>
+            <a:pPr>
+              <a:buClr>
+                <a:schemeClr val="tx1"/>
+              </a:buClr>
+              <a:defRPr sz="2700"/>
+            </a:pPr>
+            <a:r>
+              <a:rPr dirty="0"/>
+              <a:t>Thus TLB entries for more than one execution context can be stored simultaneously in the TLB.</a:t>
+            </a:r>
+          </a:p>
+          <a:p>
+            <a:pPr lvl="1">
+              <a:buClr>
+                <a:schemeClr val="tx1"/>
+              </a:buClr>
+              <a:defRPr sz="2700"/>
+            </a:pPr>
+            <a:r>
+              <a:rPr dirty="0"/>
+              <a:t>TLB lookup hardware matches the tag in addition to the virtual </a:t>
+            </a:r>
+            <a:r>
+              <a:rPr dirty="0" smtClean="0"/>
+              <a:t>page</a:t>
+            </a:r>
+            <a:r>
+              <a:rPr lang="en-US" dirty="0" smtClean="0"/>
+              <a:t> number</a:t>
+            </a:r>
+            <a:r>
+              <a:rPr dirty="0" smtClean="0"/>
+              <a:t>.</a:t>
+            </a:r>
+            <a:endParaRPr dirty="0"/>
+          </a:p>
+          <a:p>
+            <a:pPr>
+              <a:buClr>
+                <a:schemeClr val="tx1"/>
+              </a:buClr>
+              <a:defRPr sz="2700"/>
+            </a:pPr>
+            <a:endParaRPr dirty="0"/>
+          </a:p>
+          <a:p>
+            <a:pPr>
+              <a:buClr>
+                <a:schemeClr val="tx1"/>
+              </a:buClr>
+              <a:defRPr sz="2700"/>
+            </a:pPr>
+            <a:r>
+              <a:rPr lang="en-US" dirty="0" smtClean="0"/>
+              <a:t>With tags, c</a:t>
+            </a:r>
+            <a:r>
+              <a:rPr dirty="0" smtClean="0"/>
+              <a:t>ontext </a:t>
+            </a:r>
+            <a:r>
+              <a:rPr dirty="0"/>
+              <a:t>switch </a:t>
+            </a:r>
+            <a:r>
+              <a:rPr dirty="0" smtClean="0"/>
+              <a:t>no </a:t>
+            </a:r>
+            <a:r>
+              <a:rPr dirty="0"/>
+              <a:t>longer requires a complete TLB flush.</a:t>
+            </a:r>
+          </a:p>
+          <a:p>
+            <a:pPr lvl="1">
+              <a:buClr>
+                <a:schemeClr val="tx1"/>
+              </a:buClr>
+              <a:defRPr sz="2700"/>
+            </a:pPr>
+            <a:r>
+              <a:rPr lang="en-US" dirty="0" smtClean="0"/>
+              <a:t>R</a:t>
+            </a:r>
+            <a:r>
+              <a:rPr dirty="0" smtClean="0"/>
+              <a:t>educes </a:t>
+            </a:r>
+            <a:r>
+              <a:rPr dirty="0"/>
+              <a:t>cold-start penalty.</a:t>
+            </a:r>
+          </a:p>
+        </p:txBody>
+      </p:sp>
     </p:spTree>
   </p:cSld>
   <p:clrMapOvr>
@@ -5565,7 +5372,7 @@
       </p:grpSpPr>
       <p:sp>
         <p:nvSpPr>
-          <p:cNvPr id="188" name="Shape 188"/>
+          <p:cNvPr id="196" name="Shape 196"/>
           <p:cNvSpPr>
             <a:spLocks noGrp="1"/>
           </p:cNvSpPr>
@@ -5584,19 +5391,25 @@
           </a:extLst>
         </p:spPr>
         <p:txBody>
-          <a:bodyPr/>
+          <a:bodyPr>
+            <a:normAutofit lnSpcReduction="10000"/>
+          </a:bodyPr>
           <a:lstStyle/>
           <a:p>
+            <a:pPr>
+              <a:defRPr sz="2400"/>
+            </a:pPr>
             <a:fld id="{86CB4B4D-7CA3-9044-876B-883B54F8677D}" type="slidenum">
+              <a:rPr sz="1400"/>
               <a:t>18</a:t>
             </a:fld>
-            <a:endParaRPr/>
-          </a:p>
-        </p:txBody>
-      </p:sp>
-      <p:sp>
-        <p:nvSpPr>
-          <p:cNvPr id="189" name="Shape 189"/>
+            <a:endParaRPr sz="1400"/>
+          </a:p>
+        </p:txBody>
+      </p:sp>
+      <p:sp>
+        <p:nvSpPr>
+          <p:cNvPr id="197" name="Shape 197"/>
           <p:cNvSpPr>
             <a:spLocks noGrp="1"/>
           </p:cNvSpPr>
@@ -5605,23 +5418,37 @@
           </p:nvPr>
         </p:nvSpPr>
         <p:spPr>
+          <a:xfrm>
+            <a:off x="657225" y="0"/>
+            <a:ext cx="7772400" cy="762000"/>
+          </a:xfrm>
           <a:prstGeom prst="rect">
             <a:avLst/>
           </a:prstGeom>
         </p:spPr>
         <p:txBody>
-          <a:bodyPr/>
-          <a:lstStyle/>
-          <a:p>
-            <a:r>
-              <a:t>Cold Start Penalty</a:t>
-            </a:r>
-          </a:p>
-        </p:txBody>
-      </p:sp>
-      <p:sp>
-        <p:nvSpPr>
-          <p:cNvPr id="190" name="Shape 190"/>
+          <a:bodyPr>
+            <a:normAutofit/>
+          </a:bodyPr>
+          <a:lstStyle>
+            <a:lvl1pPr>
+              <a:defRPr sz="4000"/>
+            </a:lvl1pPr>
+          </a:lstStyle>
+          <a:p>
+            <a:pPr>
+              <a:defRPr sz="4400"/>
+            </a:pPr>
+            <a:r>
+              <a:rPr sz="4000"/>
+              <a:t>Impact of Page Size on Page tables</a:t>
+            </a:r>
+          </a:p>
+        </p:txBody>
+      </p:sp>
+      <p:sp>
+        <p:nvSpPr>
+          <p:cNvPr id="198" name="Shape 198"/>
           <p:cNvSpPr>
             <a:spLocks noGrp="1"/>
           </p:cNvSpPr>
@@ -5631,179 +5458,116 @@
         </p:nvSpPr>
         <p:spPr>
           <a:xfrm>
-            <a:off x="468351" y="1037064"/>
-            <a:ext cx="8197663" cy="5661592"/>
+            <a:off x="381000" y="1295400"/>
+            <a:ext cx="8401050" cy="5105400"/>
           </a:xfrm>
           <a:prstGeom prst="rect">
             <a:avLst/>
           </a:prstGeom>
         </p:spPr>
         <p:txBody>
-          <a:bodyPr/>
+          <a:bodyPr>
+            <a:normAutofit/>
+          </a:bodyPr>
           <a:lstStyle/>
           <a:p>
-            <a:pPr marL="285750" indent="-285750">
-              <a:defRPr sz="2500"/>
-            </a:pPr>
-            <a:r>
-              <a:rPr lang="en-US" dirty="0"/>
-              <a:t>Cost of repopulating the TLB (and other caches) upon a context  switch.</a:t>
-            </a:r>
-          </a:p>
-          <a:p>
-            <a:pPr marL="285750" indent="-285750">
-              <a:defRPr sz="2500"/>
-            </a:pPr>
-            <a:endParaRPr lang="en-US" dirty="0" smtClean="0"/>
-          </a:p>
-          <a:p>
-            <a:pPr marL="285750" indent="-285750">
-              <a:defRPr sz="2500"/>
-            </a:pPr>
-            <a:r>
-              <a:rPr dirty="0" smtClean="0"/>
-              <a:t>Immediately </a:t>
-            </a:r>
+            <a:pPr algn="ctr">
+              <a:buSzTx/>
+              <a:buNone/>
+            </a:pPr>
             <a:r>
               <a:rPr dirty="0"/>
-              <a:t>after a context switch, </a:t>
-            </a:r>
-            <a:r>
-              <a:rPr dirty="0" smtClean="0"/>
-              <a:t>all </a:t>
-            </a:r>
+              <a:t>Small page size</a:t>
+            </a:r>
+          </a:p>
+          <a:p>
+            <a:pPr>
+              <a:buChar char="•"/>
+            </a:pPr>
             <a:r>
               <a:rPr dirty="0"/>
-              <a:t>(or </a:t>
-            </a:r>
-            <a:r>
-              <a:rPr lang="en-US" dirty="0" smtClean="0"/>
-              <a:t>many</a:t>
-            </a:r>
-            <a:r>
-              <a:rPr dirty="0" smtClean="0"/>
-              <a:t>) </a:t>
-            </a:r>
+              <a:t>Advantages</a:t>
+            </a:r>
+          </a:p>
+          <a:p>
+            <a:pPr marL="742950" lvl="1" indent="-285750">
+              <a:spcBef>
+                <a:spcPts val="600"/>
+              </a:spcBef>
+              <a:defRPr sz="2800">
+                <a:solidFill>
+                  <a:srgbClr val="000000"/>
+                </a:solidFill>
+              </a:defRPr>
+            </a:pPr>
             <a:r>
               <a:rPr dirty="0"/>
-              <a:t>of TLB entries are </a:t>
-            </a:r>
-            <a:r>
-              <a:rPr dirty="0" smtClean="0"/>
-              <a:t>invalid</a:t>
-            </a:r>
-            <a:r>
-              <a:rPr lang="en-US" dirty="0" smtClean="0"/>
-              <a:t>ated</a:t>
-            </a:r>
-            <a:r>
-              <a:rPr dirty="0" smtClean="0"/>
-              <a:t>.</a:t>
-            </a:r>
+              <a:t>less internal fragmentation </a:t>
+            </a:r>
+          </a:p>
+          <a:p>
+            <a:pPr marL="742950" lvl="1" indent="-285750">
+              <a:spcBef>
+                <a:spcPts val="600"/>
+              </a:spcBef>
+              <a:defRPr sz="2800">
+                <a:solidFill>
+                  <a:srgbClr val="000000"/>
+                </a:solidFill>
+              </a:defRPr>
+            </a:pPr>
+            <a:r>
+              <a:rPr dirty="0"/>
+              <a:t>page-in/page-out less expensive</a:t>
+            </a:r>
+          </a:p>
+          <a:p>
+            <a:pPr marL="742950" lvl="1" indent="-285750">
+              <a:spcBef>
+                <a:spcPts val="600"/>
+              </a:spcBef>
+              <a:defRPr sz="2800">
+                <a:solidFill>
+                  <a:srgbClr val="000000"/>
+                </a:solidFill>
+              </a:defRPr>
+            </a:pPr>
             <a:endParaRPr dirty="0"/>
           </a:p>
           <a:p>
-            <a:pPr marL="682228" lvl="1" indent="-225028">
-              <a:lnSpc>
-                <a:spcPct val="80000"/>
-              </a:lnSpc>
+            <a:pPr>
+              <a:buChar char="•"/>
+            </a:pPr>
+            <a:endParaRPr sz="2800" dirty="0">
+              <a:solidFill>
+                <a:srgbClr val="000000"/>
+              </a:solidFill>
+            </a:endParaRPr>
+          </a:p>
+          <a:p>
+            <a:pPr>
+              <a:buChar char="•"/>
+            </a:pPr>
+            <a:r>
+              <a:rPr dirty="0"/>
+              <a:t>Disadvantages</a:t>
+            </a:r>
+          </a:p>
+          <a:p>
+            <a:pPr marL="742950" lvl="1" indent="-285750">
               <a:spcBef>
-                <a:spcPts val="400"/>
+                <a:spcPts val="600"/>
               </a:spcBef>
-              <a:buChar char="•"/>
-              <a:defRPr sz="2100"/>
+              <a:defRPr sz="2800">
+                <a:solidFill>
+                  <a:srgbClr val="000000"/>
+                </a:solidFill>
+              </a:defRPr>
             </a:pPr>
             <a:r>
               <a:rPr dirty="0"/>
-              <a:t>On some x86 processors, TLB has to be “flushed” upon every context switch because there is no field in TLB to identify the process context</a:t>
-            </a:r>
-            <a:r>
-              <a:rPr dirty="0" smtClean="0"/>
-              <a:t>.</a:t>
-            </a:r>
-            <a:endParaRPr lang="en-US" dirty="0" smtClean="0"/>
-          </a:p>
-          <a:p>
-            <a:pPr marL="285750" indent="-285750">
-              <a:defRPr sz="2500"/>
-            </a:pPr>
-            <a:r>
-              <a:rPr lang="en-US" dirty="0" smtClean="0"/>
-              <a:t>E</a:t>
-            </a:r>
-            <a:r>
-              <a:rPr dirty="0" smtClean="0"/>
-              <a:t>very </a:t>
-            </a:r>
-            <a:r>
-              <a:rPr dirty="0"/>
-              <a:t>memory access </a:t>
-            </a:r>
-            <a:r>
-              <a:rPr lang="en-US" dirty="0" smtClean="0"/>
-              <a:t>by the newly scheduled process may </a:t>
-            </a:r>
-            <a:r>
-              <a:rPr dirty="0" smtClean="0"/>
-              <a:t>results </a:t>
-            </a:r>
-            <a:r>
-              <a:rPr dirty="0"/>
-              <a:t>in a TLB </a:t>
-            </a:r>
-            <a:r>
-              <a:rPr dirty="0" smtClean="0"/>
-              <a:t>miss.</a:t>
-            </a:r>
-            <a:endParaRPr lang="en-US" dirty="0" smtClean="0"/>
-          </a:p>
-          <a:p>
-            <a:pPr marL="285750" indent="-285750">
-              <a:defRPr sz="2500"/>
-            </a:pPr>
-            <a:endParaRPr lang="en-US" dirty="0" smtClean="0"/>
-          </a:p>
-          <a:p>
-            <a:pPr marL="285750" indent="-285750">
-              <a:defRPr sz="2500"/>
-            </a:pPr>
-            <a:r>
-              <a:rPr dirty="0" smtClean="0"/>
-              <a:t>MMU </a:t>
-            </a:r>
-            <a:r>
-              <a:rPr lang="en-US" dirty="0" smtClean="0"/>
-              <a:t>must then </a:t>
-            </a:r>
-            <a:r>
-              <a:rPr dirty="0" smtClean="0"/>
-              <a:t>walk </a:t>
-            </a:r>
-            <a:r>
-              <a:rPr dirty="0"/>
-              <a:t>the page-table </a:t>
-            </a:r>
-            <a:r>
-              <a:rPr lang="en-US" dirty="0" smtClean="0"/>
-              <a:t>in main memory </a:t>
-            </a:r>
-            <a:r>
-              <a:rPr dirty="0" smtClean="0"/>
-              <a:t>to </a:t>
-            </a:r>
-            <a:r>
-              <a:rPr dirty="0"/>
-              <a:t>repopulate the missing TLB </a:t>
-            </a:r>
-            <a:r>
-              <a:rPr dirty="0" smtClean="0"/>
-              <a:t>entry</a:t>
-            </a:r>
-            <a:r>
-              <a:rPr lang="en-US" dirty="0" smtClean="0"/>
-              <a:t>, which takes longer than a cache hit.</a:t>
-            </a:r>
-            <a:endParaRPr dirty="0"/>
+              <a:t>process that needs more pages has larger page table</a:t>
+            </a:r>
           </a:p>
         </p:txBody>
       </p:sp>
@@ -5835,7 +5599,7 @@
       </p:grpSpPr>
       <p:sp>
         <p:nvSpPr>
-          <p:cNvPr id="192" name="Shape 192"/>
+          <p:cNvPr id="200" name="Shape 200"/>
           <p:cNvSpPr>
             <a:spLocks noGrp="1"/>
           </p:cNvSpPr>
@@ -5854,19 +5618,49 @@
           </a:extLst>
         </p:spPr>
         <p:txBody>
-          <a:bodyPr/>
+          <a:bodyPr>
+            <a:normAutofit lnSpcReduction="10000"/>
+          </a:bodyPr>
           <a:lstStyle/>
           <a:p>
+            <a:pPr>
+              <a:defRPr sz="2400" b="0">
+                <a:solidFill>
+                  <a:srgbClr val="EAEAEA"/>
+                </a:solidFill>
+                <a:latin typeface="Times New Roman"/>
+                <a:ea typeface="Times New Roman"/>
+                <a:cs typeface="Times New Roman"/>
+                <a:sym typeface="Times New Roman"/>
+              </a:defRPr>
+            </a:pPr>
             <a:fld id="{86CB4B4D-7CA3-9044-876B-883B54F8677D}" type="slidenum">
+              <a:rPr sz="1400" b="1">
+                <a:solidFill>
+                  <a:srgbClr val="5F72D4"/>
+                </a:solidFill>
+                <a:latin typeface="Arial Narrow"/>
+                <a:ea typeface="Arial Narrow"/>
+                <a:cs typeface="Arial Narrow"/>
+                <a:sym typeface="Arial Narrow"/>
+              </a:rPr>
               <a:t>19</a:t>
             </a:fld>
-            <a:endParaRPr/>
-          </a:p>
-        </p:txBody>
-      </p:sp>
-      <p:sp>
-        <p:nvSpPr>
-          <p:cNvPr id="193" name="Shape 193"/>
+            <a:endParaRPr sz="1400" b="1">
+              <a:solidFill>
+                <a:srgbClr val="5F72D4"/>
+              </a:solidFill>
+              <a:latin typeface="Arial Narrow"/>
+              <a:ea typeface="Arial Narrow"/>
+              <a:cs typeface="Arial Narrow"/>
+              <a:sym typeface="Arial Narrow"/>
+            </a:endParaRPr>
+          </a:p>
+        </p:txBody>
+      </p:sp>
+      <p:sp>
+        <p:nvSpPr>
+          <p:cNvPr id="201" name="Shape 201"/>
           <p:cNvSpPr>
             <a:spLocks noGrp="1"/>
           </p:cNvSpPr>
@@ -5875,23 +5669,42 @@
           </p:nvPr>
         </p:nvSpPr>
         <p:spPr>
+          <a:xfrm>
+            <a:off x="-140494" y="12700"/>
+            <a:ext cx="9185276" cy="844550"/>
+          </a:xfrm>
           <a:prstGeom prst="rect">
             <a:avLst/>
           </a:prstGeom>
         </p:spPr>
         <p:txBody>
-          <a:bodyPr/>
-          <a:lstStyle/>
-          <a:p>
-            <a:r>
-              <a:t>Tagged TLB</a:t>
-            </a:r>
-          </a:p>
-        </p:txBody>
-      </p:sp>
-      <p:sp>
-        <p:nvSpPr>
-          <p:cNvPr id="194" name="Shape 194"/>
+          <a:bodyPr>
+            <a:normAutofit/>
+          </a:bodyPr>
+          <a:lstStyle>
+            <a:lvl1pPr algn="ctr">
+              <a:defRPr>
+                <a:solidFill>
+                  <a:srgbClr val="FF2600"/>
+                </a:solidFill>
+              </a:defRPr>
+            </a:lvl1pPr>
+          </a:lstStyle>
+          <a:p>
+            <a:r>
+              <a:rPr dirty="0">
+                <a:solidFill>
+                  <a:schemeClr val="tx1"/>
+                </a:solidFill>
+              </a:rPr>
+              <a:t>TLB Coverage</a:t>
+            </a:r>
+          </a:p>
+        </p:txBody>
+      </p:sp>
+      <p:sp>
+        <p:nvSpPr>
+          <p:cNvPr id="202" name="Shape 202"/>
           <p:cNvSpPr>
             <a:spLocks noGrp="1"/>
           </p:cNvSpPr>
@@ -5901,173 +5714,460 @@
         </p:nvSpPr>
         <p:spPr>
           <a:xfrm>
-            <a:off x="323385" y="857250"/>
-            <a:ext cx="8121322" cy="5767636"/>
+            <a:off x="381000" y="843756"/>
+            <a:ext cx="8382000" cy="5885558"/>
           </a:xfrm>
           <a:prstGeom prst="rect">
             <a:avLst/>
           </a:prstGeom>
         </p:spPr>
         <p:txBody>
-          <a:bodyPr/>
+          <a:bodyPr>
+            <a:normAutofit lnSpcReduction="10000"/>
+          </a:bodyPr>
           <a:lstStyle/>
           <a:p>
-            <a:pPr>
+            <a:pPr defTabSz="457200">
+              <a:spcBef>
+                <a:spcPts val="300"/>
+              </a:spcBef>
               <a:buClr>
                 <a:schemeClr val="tx1"/>
               </a:buClr>
-              <a:defRPr sz="2700"/>
-            </a:pPr>
-            <a:r>
-              <a:rPr lang="en-US" dirty="0" err="1" smtClean="0"/>
-              <a:t>A</a:t>
-            </a:r>
-            <a:r>
-              <a:rPr dirty="0" err="1" smtClean="0"/>
-              <a:t>“tag</a:t>
-            </a:r>
+              <a:defRPr sz="1600">
+                <a:effectLst>
+                  <a:outerShdw blurRad="6350" dist="12700" dir="2700000" rotWithShape="0">
+                    <a:srgbClr val="DDDDDD"/>
+                  </a:outerShdw>
+                </a:effectLst>
+              </a:defRPr>
+            </a:pPr>
             <a:r>
               <a:rPr dirty="0"/>
-              <a:t>” </a:t>
-            </a:r>
-            <a:r>
-              <a:rPr lang="en-US" dirty="0" smtClean="0"/>
-              <a:t>in </a:t>
-            </a:r>
-            <a:r>
-              <a:rPr dirty="0" smtClean="0"/>
-              <a:t>each </a:t>
-            </a:r>
-            <a:r>
-              <a:rPr dirty="0"/>
-              <a:t>TLB </a:t>
-            </a:r>
-            <a:r>
-              <a:rPr dirty="0" smtClean="0"/>
-              <a:t>entry</a:t>
-            </a:r>
-            <a:r>
-              <a:rPr lang="en-US" dirty="0" smtClean="0"/>
-              <a:t> </a:t>
-            </a:r>
-            <a:r>
-              <a:rPr dirty="0" smtClean="0"/>
-              <a:t>identifies </a:t>
-            </a:r>
-            <a:r>
-              <a:rPr dirty="0"/>
-              <a:t>the </a:t>
-            </a:r>
-            <a:r>
-              <a:rPr dirty="0" smtClean="0"/>
-              <a:t>process/thread context </a:t>
-            </a:r>
-            <a:r>
-              <a:rPr dirty="0"/>
-              <a:t>to which the TLB entry belongs</a:t>
-            </a:r>
-          </a:p>
-          <a:p>
-            <a:pPr>
+              <a:t>Max amount of memory mapped by TLB</a:t>
+            </a:r>
+            <a:endParaRPr sz="1400" dirty="0"/>
+          </a:p>
+          <a:p>
+            <a:pPr marL="512763" lvl="1" indent="-285750" defTabSz="457200">
+              <a:spcBef>
+                <a:spcPts val="300"/>
+              </a:spcBef>
               <a:buClr>
                 <a:schemeClr val="tx1"/>
               </a:buClr>
-              <a:defRPr sz="2700"/>
-            </a:pPr>
-            <a:endParaRPr dirty="0"/>
-          </a:p>
-          <a:p>
-            <a:pPr>
+              <a:defRPr sz="1400">
+                <a:effectLst>
+                  <a:outerShdw blurRad="6350" dist="12700" dir="2700000" rotWithShape="0">
+                    <a:srgbClr val="DDDDDD"/>
+                  </a:outerShdw>
+                </a:effectLst>
+              </a:defRPr>
+            </a:pPr>
+            <a:r>
+              <a:rPr dirty="0"/>
+              <a:t>Max mount of memory that can be accessed without TLB misses</a:t>
+            </a:r>
+          </a:p>
+          <a:p>
+            <a:pPr defTabSz="457200">
+              <a:spcBef>
+                <a:spcPts val="300"/>
+              </a:spcBef>
               <a:buClr>
                 <a:schemeClr val="tx1"/>
               </a:buClr>
-              <a:defRPr sz="2700"/>
-            </a:pPr>
-            <a:r>
-              <a:rPr dirty="0"/>
-              <a:t>Thus TLB entries for more than one execution context can be stored simultaneously in the TLB.</a:t>
-            </a:r>
-          </a:p>
-          <a:p>
-            <a:pPr lvl="1">
+              <a:defRPr sz="1600">
+                <a:effectLst>
+                  <a:outerShdw blurRad="6350" dist="12700" dir="2700000" rotWithShape="0">
+                    <a:srgbClr val="DDDDDD"/>
+                  </a:outerShdw>
+                </a:effectLst>
+              </a:defRPr>
+            </a:pPr>
+            <a:endParaRPr dirty="0"/>
+          </a:p>
+          <a:p>
+            <a:pPr defTabSz="457200">
+              <a:spcBef>
+                <a:spcPts val="300"/>
+              </a:spcBef>
               <a:buClr>
                 <a:schemeClr val="tx1"/>
               </a:buClr>
-              <a:defRPr sz="2700"/>
+              <a:defRPr sz="1600">
+                <a:effectLst>
+                  <a:outerShdw blurRad="6350" dist="12700" dir="2700000" rotWithShape="0">
+                    <a:srgbClr val="DDDDDD"/>
+                  </a:outerShdw>
+                </a:effectLst>
+              </a:defRPr>
             </a:pPr>
             <a:r>
               <a:rPr dirty="0"/>
-              <a:t>TLB lookup hardware matches the tag in addition to the virtual </a:t>
-            </a:r>
-            <a:r>
-              <a:rPr dirty="0" smtClean="0"/>
-              <a:t>page</a:t>
-            </a:r>
-            <a:r>
-              <a:rPr lang="en-US" dirty="0" smtClean="0"/>
-              <a:t> number</a:t>
-            </a:r>
-            <a:r>
-              <a:rPr dirty="0" smtClean="0"/>
-              <a:t>.</a:t>
-            </a:r>
-            <a:endParaRPr dirty="0"/>
-          </a:p>
-          <a:p>
-            <a:pPr>
+              <a:t>TLB Coverage = N x P bytes</a:t>
+            </a:r>
+          </a:p>
+          <a:p>
+            <a:pPr marL="512763" lvl="1" indent="-285750" defTabSz="457200">
+              <a:spcBef>
+                <a:spcPts val="300"/>
+              </a:spcBef>
               <a:buClr>
                 <a:schemeClr val="tx1"/>
               </a:buClr>
-              <a:defRPr sz="2700"/>
-            </a:pPr>
-            <a:endParaRPr dirty="0"/>
-          </a:p>
-          <a:p>
-            <a:pPr>
+              <a:defRPr sz="1600">
+                <a:effectLst>
+                  <a:outerShdw blurRad="6350" dist="12700" dir="2700000" rotWithShape="0">
+                    <a:srgbClr val="DDDDDD"/>
+                  </a:outerShdw>
+                </a:effectLst>
+              </a:defRPr>
+            </a:pPr>
+            <a:r>
+              <a:rPr dirty="0"/>
+              <a:t>N = Number of entries in TLB</a:t>
+            </a:r>
+          </a:p>
+          <a:p>
+            <a:pPr marL="512763" lvl="1" indent="-285750" defTabSz="457200">
+              <a:spcBef>
+                <a:spcPts val="300"/>
+              </a:spcBef>
               <a:buClr>
                 <a:schemeClr val="tx1"/>
               </a:buClr>
-              <a:defRPr sz="2700"/>
-            </a:pPr>
-            <a:r>
-              <a:rPr lang="en-US" dirty="0" smtClean="0"/>
-              <a:t>With tags, c</a:t>
-            </a:r>
-            <a:r>
-              <a:rPr dirty="0" smtClean="0"/>
-              <a:t>ontext </a:t>
-            </a:r>
+              <a:defRPr sz="1600">
+                <a:effectLst>
+                  <a:outerShdw blurRad="6350" dist="12700" dir="2700000" rotWithShape="0">
+                    <a:srgbClr val="DDDDDD"/>
+                  </a:outerShdw>
+                </a:effectLst>
+              </a:defRPr>
+            </a:pPr>
             <a:r>
               <a:rPr dirty="0"/>
-              <a:t>switch </a:t>
-            </a:r>
-            <a:r>
-              <a:rPr dirty="0" smtClean="0"/>
-              <a:t>no </a:t>
-            </a:r>
-            <a:r>
-              <a:rPr dirty="0"/>
-              <a:t>longer requires a complete TLB flush.</a:t>
-            </a:r>
-          </a:p>
-          <a:p>
-            <a:pPr lvl="1">
+              <a:t>P = Page size in bytes</a:t>
+            </a:r>
+          </a:p>
+          <a:p>
+            <a:pPr marL="512763" lvl="1" indent="-285750" defTabSz="457200">
+              <a:spcBef>
+                <a:spcPts val="300"/>
+              </a:spcBef>
               <a:buClr>
                 <a:schemeClr val="tx1"/>
               </a:buClr>
-              <a:defRPr sz="2700"/>
-            </a:pPr>
+              <a:defRPr sz="1600">
+                <a:effectLst>
+                  <a:outerShdw blurRad="6350" dist="12700" dir="2700000" rotWithShape="0">
+                    <a:srgbClr val="DDDDDD"/>
+                  </a:outerShdw>
+                </a:effectLst>
+              </a:defRPr>
+            </a:pPr>
+            <a:r>
+              <a:rPr dirty="0"/>
+              <a:t>N is fixed by hardware constraints</a:t>
+            </a:r>
+          </a:p>
+          <a:p>
+            <a:pPr marL="512763" lvl="1" indent="-285750" defTabSz="457200">
+              <a:spcBef>
+                <a:spcPts val="300"/>
+              </a:spcBef>
+              <a:buClr>
+                <a:schemeClr val="tx1"/>
+              </a:buClr>
+              <a:defRPr sz="1600">
+                <a:effectLst>
+                  <a:outerShdw blurRad="6350" dist="12700" dir="2700000" rotWithShape="0">
+                    <a:srgbClr val="DDDDDD"/>
+                  </a:outerShdw>
+                </a:effectLst>
+              </a:defRPr>
+            </a:pPr>
+            <a:r>
+              <a:rPr dirty="0"/>
+              <a:t>So, to increase TLB Coverage, we must increase P.</a:t>
+            </a:r>
+          </a:p>
+          <a:p>
+            <a:pPr marL="512763" lvl="1" indent="-285750" defTabSz="457200">
+              <a:spcBef>
+                <a:spcPts val="300"/>
+              </a:spcBef>
+              <a:buClr>
+                <a:schemeClr val="tx1"/>
+              </a:buClr>
+              <a:defRPr sz="1600">
+                <a:effectLst>
+                  <a:outerShdw blurRad="6350" dist="12700" dir="2700000" rotWithShape="0">
+                    <a:srgbClr val="DDDDDD"/>
+                  </a:outerShdw>
+                </a:effectLst>
+              </a:defRPr>
+            </a:pPr>
+            <a:endParaRPr dirty="0"/>
+          </a:p>
+          <a:p>
+            <a:pPr defTabSz="457200">
+              <a:spcBef>
+                <a:spcPts val="300"/>
+              </a:spcBef>
+              <a:buClr>
+                <a:schemeClr val="tx1"/>
+              </a:buClr>
+              <a:defRPr sz="1600">
+                <a:effectLst>
+                  <a:outerShdw blurRad="6350" dist="12700" dir="2700000" rotWithShape="0">
+                    <a:srgbClr val="DDDDDD"/>
+                  </a:outerShdw>
+                </a:effectLst>
+              </a:defRPr>
+            </a:pPr>
+            <a:r>
+              <a:rPr dirty="0"/>
+              <a:t>Consider these extreme examples</a:t>
+            </a:r>
+          </a:p>
+          <a:p>
+            <a:pPr marL="512763" lvl="1" indent="-285750" defTabSz="457200">
+              <a:spcBef>
+                <a:spcPts val="300"/>
+              </a:spcBef>
+              <a:buClr>
+                <a:schemeClr val="tx1"/>
+              </a:buClr>
+              <a:defRPr sz="1600">
+                <a:effectLst>
+                  <a:outerShdw blurRad="6350" dist="12700" dir="2700000" rotWithShape="0">
+                    <a:srgbClr val="DDDDDD"/>
+                  </a:outerShdw>
+                </a:effectLst>
+              </a:defRPr>
+            </a:pPr>
+            <a:r>
+              <a:rPr dirty="0"/>
+              <a:t>Suppose P = 1 byte</a:t>
+            </a:r>
+          </a:p>
+          <a:p>
+            <a:pPr marL="713581" lvl="2" indent="-285750" defTabSz="457200">
+              <a:spcBef>
+                <a:spcPts val="300"/>
+              </a:spcBef>
+              <a:buClr>
+                <a:schemeClr val="tx1"/>
+              </a:buClr>
+              <a:defRPr sz="1600">
+                <a:effectLst>
+                  <a:outerShdw blurRad="6350" dist="12700" dir="2700000" rotWithShape="0">
+                    <a:srgbClr val="DDDDDD"/>
+                  </a:outerShdw>
+                </a:effectLst>
+              </a:defRPr>
+            </a:pPr>
+            <a:r>
+              <a:rPr dirty="0"/>
+              <a:t>TLB Coverage = N bytes only</a:t>
+            </a:r>
+          </a:p>
+          <a:p>
+            <a:pPr marL="512763" lvl="1" indent="-285750" defTabSz="457200">
+              <a:spcBef>
+                <a:spcPts val="300"/>
+              </a:spcBef>
+              <a:buClr>
+                <a:schemeClr val="tx1"/>
+              </a:buClr>
+              <a:defRPr sz="1600">
+                <a:effectLst>
+                  <a:outerShdw blurRad="6350" dist="12700" dir="2700000" rotWithShape="0">
+                    <a:srgbClr val="DDDDDD"/>
+                  </a:outerShdw>
+                </a:effectLst>
+              </a:defRPr>
+            </a:pPr>
+            <a:r>
+              <a:rPr dirty="0"/>
+              <a:t>Suppose P = 2^64 bytes (on a 64-bit ISA)</a:t>
+            </a:r>
+          </a:p>
+          <a:p>
+            <a:pPr marL="713581" lvl="2" indent="-285750" defTabSz="457200">
+              <a:spcBef>
+                <a:spcPts val="300"/>
+              </a:spcBef>
+              <a:buClr>
+                <a:schemeClr val="tx1"/>
+              </a:buClr>
+              <a:defRPr sz="1600">
+                <a:effectLst>
+                  <a:outerShdw blurRad="6350" dist="12700" dir="2700000" rotWithShape="0">
+                    <a:srgbClr val="DDDDDD"/>
+                  </a:outerShdw>
+                </a:effectLst>
+              </a:defRPr>
+            </a:pPr>
+            <a:r>
+              <a:rPr dirty="0" smtClean="0"/>
+              <a:t>TLB </a:t>
+            </a:r>
+            <a:r>
+              <a:rPr dirty="0"/>
+              <a:t>Coverage = N x2^64bytes</a:t>
+            </a:r>
+          </a:p>
+          <a:p>
+            <a:pPr marL="713581" lvl="2" indent="-285750" defTabSz="457200">
+              <a:spcBef>
+                <a:spcPts val="300"/>
+              </a:spcBef>
+              <a:buClr>
+                <a:schemeClr val="tx1"/>
+              </a:buClr>
+              <a:defRPr sz="1600">
+                <a:effectLst>
+                  <a:outerShdw blurRad="6350" dist="12700" dir="2700000" rotWithShape="0">
+                    <a:srgbClr val="DDDDDD"/>
+                  </a:outerShdw>
+                </a:effectLst>
+              </a:defRPr>
+            </a:pPr>
+            <a:r>
+              <a:rPr dirty="0"/>
+              <a:t>TLB can perform translations for N processes without any TLB misses!</a:t>
+            </a:r>
+          </a:p>
+          <a:p>
+            <a:pPr defTabSz="457200">
+              <a:spcBef>
+                <a:spcPts val="300"/>
+              </a:spcBef>
+              <a:buClr>
+                <a:schemeClr val="tx1"/>
+              </a:buClr>
+              <a:defRPr sz="1600">
+                <a:effectLst>
+                  <a:outerShdw blurRad="6350" dist="12700" dir="2700000" rotWithShape="0">
+                    <a:srgbClr val="DDDDDD"/>
+                  </a:outerShdw>
+                </a:effectLst>
+              </a:defRPr>
+            </a:pPr>
+            <a:endParaRPr dirty="0"/>
+          </a:p>
+          <a:p>
+            <a:pPr defTabSz="457200">
+              <a:spcBef>
+                <a:spcPts val="300"/>
+              </a:spcBef>
+              <a:buClr>
+                <a:schemeClr val="tx1"/>
+              </a:buClr>
+              <a:defRPr sz="1600">
+                <a:effectLst>
+                  <a:outerShdw blurRad="6350" dist="12700" dir="2700000" rotWithShape="0">
+                    <a:srgbClr val="DDDDDD"/>
+                  </a:outerShdw>
+                </a:effectLst>
+              </a:defRPr>
+            </a:pPr>
+            <a:r>
+              <a:rPr dirty="0"/>
+              <a:t>Of course, both examples above are </a:t>
+            </a:r>
+            <a:r>
+              <a:rPr dirty="0" smtClean="0"/>
+              <a:t>impractical</a:t>
+            </a:r>
+            <a:r>
+              <a:rPr lang="en-US" dirty="0"/>
+              <a:t> </a:t>
+            </a:r>
             <a:r>
               <a:rPr lang="en-US" dirty="0" smtClean="0"/>
-              <a:t>R</a:t>
-            </a:r>
-            <a:r>
-              <a:rPr dirty="0" smtClean="0"/>
-              <a:t>educes </a:t>
-            </a:r>
+              <a:t>and meant to illustrate the tradeoffs.</a:t>
+            </a:r>
+            <a:endParaRPr dirty="0"/>
+          </a:p>
+          <a:p>
+            <a:pPr defTabSz="457200">
+              <a:spcBef>
+                <a:spcPts val="300"/>
+              </a:spcBef>
+              <a:buClr>
+                <a:schemeClr val="tx1"/>
+              </a:buClr>
+              <a:defRPr sz="1600">
+                <a:effectLst>
+                  <a:outerShdw blurRad="6350" dist="12700" dir="2700000" rotWithShape="0">
+                    <a:srgbClr val="DDDDDD"/>
+                  </a:outerShdw>
+                </a:effectLst>
+              </a:defRPr>
+            </a:pPr>
+            <a:endParaRPr dirty="0"/>
+          </a:p>
+          <a:p>
+            <a:pPr defTabSz="457200">
+              <a:spcBef>
+                <a:spcPts val="300"/>
+              </a:spcBef>
+              <a:buClr>
+                <a:schemeClr val="tx1"/>
+              </a:buClr>
+              <a:defRPr sz="1600">
+                <a:effectLst>
+                  <a:outerShdw blurRad="6350" dist="12700" dir="2700000" rotWithShape="0">
+                    <a:srgbClr val="DDDDDD"/>
+                  </a:outerShdw>
+                </a:effectLst>
+              </a:defRPr>
+            </a:pPr>
             <a:r>
               <a:rPr dirty="0"/>
-              <a:t>cold-start penalty.</a:t>
+              <a:t>But what if P is something reasonable, but greater than than the standard 4KB?</a:t>
+            </a:r>
+          </a:p>
+          <a:p>
+            <a:pPr marL="512763" lvl="1" indent="-285750" defTabSz="457200">
+              <a:spcBef>
+                <a:spcPts val="300"/>
+              </a:spcBef>
+              <a:buClr>
+                <a:schemeClr val="tx1"/>
+              </a:buClr>
+              <a:defRPr sz="1600">
+                <a:effectLst>
+                  <a:outerShdw blurRad="6350" dist="12700" dir="2700000" rotWithShape="0">
+                    <a:srgbClr val="DDDDDD"/>
+                  </a:outerShdw>
+                </a:effectLst>
+              </a:defRPr>
+            </a:pPr>
+            <a:endParaRPr dirty="0"/>
+          </a:p>
+          <a:p>
+            <a:pPr defTabSz="457200">
+              <a:spcBef>
+                <a:spcPts val="300"/>
+              </a:spcBef>
+              <a:buClr>
+                <a:schemeClr val="tx1"/>
+              </a:buClr>
+              <a:defRPr sz="1600">
+                <a:effectLst>
+                  <a:outerShdw blurRad="6350" dist="12700" dir="2700000" rotWithShape="0">
+                    <a:srgbClr val="DDDDDD"/>
+                  </a:outerShdw>
+                </a:effectLst>
+              </a:defRPr>
+            </a:pPr>
+            <a:r>
+              <a:rPr dirty="0"/>
+              <a:t>This brings us next to superpages.</a:t>
             </a:r>
           </a:p>
         </p:txBody>
@@ -6374,68 +6474,7 @@
       </p:grpSpPr>
       <p:sp>
         <p:nvSpPr>
-          <p:cNvPr id="200" name="Shape 200"/>
-          <p:cNvSpPr>
-            <a:spLocks noGrp="1"/>
-          </p:cNvSpPr>
-          <p:nvPr>
-            <p:ph type="sldNum" sz="quarter" idx="2"/>
-          </p:nvPr>
-        </p:nvSpPr>
-        <p:spPr>
-          <a:prstGeom prst="rect">
-            <a:avLst/>
-          </a:prstGeom>
-          <a:extLst>
-            <a:ext uri="{C572A759-6A51-4108-AA02-DFA0A04FC94B}">
-              <ma14:wrappingTextBoxFlag xmlns:ma14="http://schemas.microsoft.com/office/mac/drawingml/2011/main" val="1"/>
-            </a:ext>
-          </a:extLst>
-        </p:spPr>
-        <p:txBody>
-          <a:bodyPr>
-            <a:normAutofit lnSpcReduction="10000"/>
-          </a:bodyPr>
-          <a:lstStyle/>
-          <a:p>
-            <a:pPr>
-              <a:defRPr sz="2400" b="0">
-                <a:solidFill>
-                  <a:srgbClr val="EAEAEA"/>
-                </a:solidFill>
-                <a:latin typeface="Times New Roman"/>
-                <a:ea typeface="Times New Roman"/>
-                <a:cs typeface="Times New Roman"/>
-                <a:sym typeface="Times New Roman"/>
-              </a:defRPr>
-            </a:pPr>
-            <a:fld id="{86CB4B4D-7CA3-9044-876B-883B54F8677D}" type="slidenum">
-              <a:rPr sz="1400" b="1">
-                <a:solidFill>
-                  <a:srgbClr val="5F72D4"/>
-                </a:solidFill>
-                <a:latin typeface="Arial Narrow"/>
-                <a:ea typeface="Arial Narrow"/>
-                <a:cs typeface="Arial Narrow"/>
-                <a:sym typeface="Arial Narrow"/>
-              </a:rPr>
-              <a:t>20</a:t>
-            </a:fld>
-            <a:endParaRPr sz="1400" b="1">
-              <a:solidFill>
-                <a:srgbClr val="5F72D4"/>
-              </a:solidFill>
-              <a:latin typeface="Arial Narrow"/>
-              <a:ea typeface="Arial Narrow"/>
-              <a:cs typeface="Arial Narrow"/>
-              <a:sym typeface="Arial Narrow"/>
-            </a:endParaRPr>
-          </a:p>
-        </p:txBody>
-      </p:sp>
-      <p:sp>
-        <p:nvSpPr>
-          <p:cNvPr id="201" name="Shape 201"/>
+          <p:cNvPr id="206" name="Shape 206"/>
           <p:cNvSpPr>
             <a:spLocks noGrp="1"/>
           </p:cNvSpPr>
@@ -6445,8 +6484,8 @@
         </p:nvSpPr>
         <p:spPr>
           <a:xfrm>
-            <a:off x="-140494" y="12700"/>
-            <a:ext cx="9185276" cy="844550"/>
+            <a:off x="-380206" y="-63500"/>
+            <a:ext cx="10058400" cy="844550"/>
           </a:xfrm>
           <a:prstGeom prst="rect">
             <a:avLst/>
@@ -6456,30 +6495,17 @@
           <a:bodyPr>
             <a:normAutofit/>
           </a:bodyPr>
-          <a:lstStyle>
-            <a:lvl1pPr algn="ctr">
-              <a:defRPr>
-                <a:solidFill>
-                  <a:srgbClr val="FF2600"/>
-                </a:solidFill>
-              </a:defRPr>
-            </a:lvl1pPr>
-          </a:lstStyle>
-          <a:p>
-            <a:r>
-              <a:rPr dirty="0">
-                <a:solidFill>
-                  <a:schemeClr val="tx1"/>
-                </a:solidFill>
-              </a:rPr>
-              <a:t>TLB Coverage</a:t>
-            </a:r>
-          </a:p>
-        </p:txBody>
-      </p:sp>
-      <p:sp>
-        <p:nvSpPr>
-          <p:cNvPr id="202" name="Shape 202"/>
+          <a:lstStyle/>
+          <a:p>
+            <a:r>
+              <a:t>Superpages</a:t>
+            </a:r>
+          </a:p>
+        </p:txBody>
+      </p:sp>
+      <p:sp>
+        <p:nvSpPr>
+          <p:cNvPr id="207" name="Shape 207"/>
           <p:cNvSpPr>
             <a:spLocks noGrp="1"/>
           </p:cNvSpPr>
@@ -6489,8 +6515,8 @@
         </p:nvSpPr>
         <p:spPr>
           <a:xfrm>
-            <a:off x="381000" y="843756"/>
-            <a:ext cx="8382000" cy="5885558"/>
+            <a:off x="389532" y="801836"/>
+            <a:ext cx="8364936" cy="5727701"/>
           </a:xfrm>
           <a:prstGeom prst="rect">
             <a:avLst/>
@@ -6502,38 +6528,32 @@
           </a:bodyPr>
           <a:lstStyle/>
           <a:p>
-            <a:pPr defTabSz="457200">
+            <a:pPr marL="251396" indent="-251396" defTabSz="676655">
               <a:spcBef>
-                <a:spcPts val="300"/>
+                <a:spcPts val="500"/>
               </a:spcBef>
-              <a:buClr>
-                <a:schemeClr val="tx1"/>
-              </a:buClr>
-              <a:defRPr sz="1600">
+              <a:buChar char="⬥"/>
+              <a:defRPr sz="2368">
                 <a:effectLst>
-                  <a:outerShdw blurRad="6350" dist="12700" dir="2700000" rotWithShape="0">
+                  <a:outerShdw blurRad="9398" dist="18796" dir="2700000" rotWithShape="0">
                     <a:srgbClr val="DDDDDD"/>
                   </a:outerShdw>
                 </a:effectLst>
               </a:defRPr>
             </a:pPr>
             <a:r>
-              <a:rPr dirty="0"/>
-              <a:t>Max amount of memory mapped by TLB</a:t>
-            </a:r>
-            <a:endParaRPr sz="1400" dirty="0"/>
-          </a:p>
-          <a:p>
-            <a:pPr marL="512763" lvl="1" indent="-285750" defTabSz="457200">
+              <a:t>Memory pages of larger sizes than standard pages</a:t>
+            </a:r>
+          </a:p>
+          <a:p>
+            <a:pPr marL="587375" lvl="1" indent="-251396" defTabSz="676655">
               <a:spcBef>
-                <a:spcPts val="300"/>
+                <a:spcPts val="500"/>
               </a:spcBef>
-              <a:buClr>
-                <a:schemeClr val="tx1"/>
-              </a:buClr>
-              <a:defRPr sz="1400">
+              <a:buChar char="⬥"/>
+              <a:defRPr sz="2368">
                 <a:effectLst>
-                  <a:outerShdw blurRad="6350" dist="12700" dir="2700000" rotWithShape="0">
+                  <a:outerShdw blurRad="9398" dist="18796" dir="2700000" rotWithShape="0">
                     <a:srgbClr val="DDDDDD"/>
                   </a:outerShdw>
                 </a:effectLst>
@@ -6541,20 +6561,18 @@
             </a:pPr>
             <a:r>
               <a:rPr dirty="0"/>
-              <a:t>Max mount of memory that can be accessed without TLB misses</a:t>
-            </a:r>
-          </a:p>
-          <a:p>
-            <a:pPr defTabSz="457200">
+              <a:t>supported by most modern CPUs</a:t>
+            </a:r>
+          </a:p>
+          <a:p>
+            <a:pPr marL="251396" indent="-251396" defTabSz="676655">
               <a:spcBef>
-                <a:spcPts val="300"/>
+                <a:spcPts val="500"/>
               </a:spcBef>
-              <a:buClr>
-                <a:schemeClr val="tx1"/>
-              </a:buClr>
-              <a:defRPr sz="1600">
+              <a:buChar char="⬥"/>
+              <a:defRPr sz="2368">
                 <a:effectLst>
-                  <a:outerShdw blurRad="6350" dist="12700" dir="2700000" rotWithShape="0">
+                  <a:outerShdw blurRad="9398" dist="18796" dir="2700000" rotWithShape="0">
                     <a:srgbClr val="DDDDDD"/>
                   </a:outerShdw>
                 </a:effectLst>
@@ -6563,16 +6581,14 @@
             <a:endParaRPr dirty="0"/>
           </a:p>
           <a:p>
-            <a:pPr defTabSz="457200">
+            <a:pPr marL="251396" indent="-251396" defTabSz="676655">
               <a:spcBef>
-                <a:spcPts val="300"/>
+                <a:spcPts val="500"/>
               </a:spcBef>
-              <a:buClr>
-                <a:schemeClr val="tx1"/>
-              </a:buClr>
-              <a:defRPr sz="1600">
+              <a:buChar char="⬥"/>
+              <a:defRPr sz="2368">
                 <a:effectLst>
-                  <a:outerShdw blurRad="6350" dist="12700" dir="2700000" rotWithShape="0">
+                  <a:outerShdw blurRad="9398" dist="18796" dir="2700000" rotWithShape="0">
                     <a:srgbClr val="DDDDDD"/>
                   </a:outerShdw>
                 </a:effectLst>
@@ -6580,41 +6596,35 @@
             </a:pPr>
             <a:r>
               <a:rPr dirty="0"/>
-              <a:t>TLB Coverage = N x P bytes</a:t>
-            </a:r>
-          </a:p>
-          <a:p>
-            <a:pPr marL="512763" lvl="1" indent="-285750" defTabSz="457200">
+              <a:t>Superpage size = power of 2 x the base page size</a:t>
+            </a:r>
+            <a:endParaRPr sz="2072" dirty="0"/>
+          </a:p>
+          <a:p>
+            <a:pPr marL="251396" indent="-251396" defTabSz="676655">
               <a:spcBef>
-                <a:spcPts val="300"/>
+                <a:spcPts val="500"/>
               </a:spcBef>
-              <a:buClr>
-                <a:schemeClr val="tx1"/>
-              </a:buClr>
-              <a:defRPr sz="1600">
+              <a:buChar char="⬥"/>
+              <a:defRPr sz="2368">
                 <a:effectLst>
-                  <a:outerShdw blurRad="6350" dist="12700" dir="2700000" rotWithShape="0">
+                  <a:outerShdw blurRad="9398" dist="18796" dir="2700000" rotWithShape="0">
                     <a:srgbClr val="DDDDDD"/>
                   </a:outerShdw>
                 </a:effectLst>
               </a:defRPr>
             </a:pPr>
-            <a:r>
-              <a:rPr dirty="0"/>
-              <a:t>N = Number of entries in TLB</a:t>
-            </a:r>
-          </a:p>
-          <a:p>
-            <a:pPr marL="512763" lvl="1" indent="-285750" defTabSz="457200">
+            <a:endParaRPr sz="2072" dirty="0"/>
+          </a:p>
+          <a:p>
+            <a:pPr marL="251396" indent="-251396" defTabSz="676655">
               <a:spcBef>
-                <a:spcPts val="300"/>
+                <a:spcPts val="500"/>
               </a:spcBef>
-              <a:buClr>
-                <a:schemeClr val="tx1"/>
-              </a:buClr>
-              <a:defRPr sz="1600">
+              <a:buChar char="⬥"/>
+              <a:defRPr sz="2368">
                 <a:effectLst>
-                  <a:outerShdw blurRad="6350" dist="12700" dir="2700000" rotWithShape="0">
+                  <a:outerShdw blurRad="9398" dist="18796" dir="2700000" rotWithShape="0">
                     <a:srgbClr val="DDDDDD"/>
                   </a:outerShdw>
                 </a:effectLst>
@@ -6622,20 +6632,18 @@
             </a:pPr>
             <a:r>
               <a:rPr dirty="0"/>
-              <a:t>P = Page size in bytes</a:t>
-            </a:r>
-          </a:p>
-          <a:p>
-            <a:pPr marL="512763" lvl="1" indent="-285750" defTabSz="457200">
+              <a:t>Only one TLB entry per superpage</a:t>
+            </a:r>
+          </a:p>
+          <a:p>
+            <a:pPr marL="587375" lvl="1" indent="-251396" defTabSz="676655">
               <a:spcBef>
-                <a:spcPts val="300"/>
+                <a:spcPts val="500"/>
               </a:spcBef>
-              <a:buClr>
-                <a:schemeClr val="tx1"/>
-              </a:buClr>
-              <a:defRPr sz="1600">
+              <a:buChar char="⬥"/>
+              <a:defRPr sz="2368">
                 <a:effectLst>
-                  <a:outerShdw blurRad="6350" dist="12700" dir="2700000" rotWithShape="0">
+                  <a:outerShdw blurRad="9398" dist="18796" dir="2700000" rotWithShape="0">
                     <a:srgbClr val="DDDDDD"/>
                   </a:outerShdw>
                 </a:effectLst>
@@ -6643,59 +6651,54 @@
             </a:pPr>
             <a:r>
               <a:rPr dirty="0"/>
-              <a:t>N is fixed by hardware constraints</a:t>
-            </a:r>
-          </a:p>
-          <a:p>
-            <a:pPr marL="512763" lvl="1" indent="-285750" defTabSz="457200">
+              <a:t>But multiple (identical) page-table entries, one per base page</a:t>
+            </a:r>
+            <a:endParaRPr sz="2072" dirty="0"/>
+          </a:p>
+          <a:p>
+            <a:pPr marL="251396" indent="-251396" defTabSz="676655">
               <a:spcBef>
-                <a:spcPts val="300"/>
+                <a:spcPts val="500"/>
               </a:spcBef>
-              <a:buClr>
-                <a:schemeClr val="tx1"/>
-              </a:buClr>
-              <a:defRPr sz="1600">
+              <a:buChar char="⬥"/>
+              <a:defRPr sz="2368">
                 <a:effectLst>
-                  <a:outerShdw blurRad="6350" dist="12700" dir="2700000" rotWithShape="0">
+                  <a:outerShdw blurRad="9398" dist="18796" dir="2700000" rotWithShape="0">
                     <a:srgbClr val="DDDDDD"/>
                   </a:outerShdw>
                 </a:effectLst>
               </a:defRPr>
             </a:pPr>
-            <a:r>
-              <a:rPr dirty="0"/>
-              <a:t>So, to increase TLB Coverage, we must increase P.</a:t>
-            </a:r>
-          </a:p>
-          <a:p>
-            <a:pPr marL="512763" lvl="1" indent="-285750" defTabSz="457200">
+            <a:endParaRPr sz="2072" dirty="0"/>
+          </a:p>
+          <a:p>
+            <a:pPr marL="219971" indent="-219971" defTabSz="676655">
               <a:spcBef>
-                <a:spcPts val="300"/>
+                <a:spcPts val="500"/>
               </a:spcBef>
-              <a:buClr>
-                <a:schemeClr val="tx1"/>
-              </a:buClr>
-              <a:defRPr sz="1600">
+              <a:buChar char="⬥"/>
+              <a:defRPr sz="2368">
                 <a:effectLst>
-                  <a:outerShdw blurRad="6350" dist="12700" dir="2700000" rotWithShape="0">
+                  <a:outerShdw blurRad="9398" dist="18796" dir="2700000" rotWithShape="0">
                     <a:srgbClr val="DDDDDD"/>
                   </a:outerShdw>
                 </a:effectLst>
               </a:defRPr>
             </a:pPr>
-            <a:endParaRPr dirty="0"/>
-          </a:p>
-          <a:p>
-            <a:pPr defTabSz="457200">
+            <a:r>
+              <a:rPr sz="2072" dirty="0"/>
+              <a:t>Constraints:</a:t>
+            </a:r>
+          </a:p>
+          <a:p>
+            <a:pPr marL="587375" lvl="1" indent="-251396" defTabSz="676655">
               <a:spcBef>
-                <a:spcPts val="300"/>
+                <a:spcPts val="500"/>
               </a:spcBef>
-              <a:buClr>
-                <a:schemeClr val="tx1"/>
-              </a:buClr>
-              <a:defRPr sz="1600">
+              <a:buChar char="⬥"/>
+              <a:defRPr sz="2368">
                 <a:effectLst>
-                  <a:outerShdw blurRad="6350" dist="12700" dir="2700000" rotWithShape="0">
+                  <a:outerShdw blurRad="9398" dist="18796" dir="2700000" rotWithShape="0">
                     <a:srgbClr val="DDDDDD"/>
                   </a:outerShdw>
                 </a:effectLst>
@@ -6703,20 +6706,19 @@
             </a:pPr>
             <a:r>
               <a:rPr dirty="0"/>
-              <a:t>Consider these extreme examples</a:t>
-            </a:r>
-          </a:p>
-          <a:p>
-            <a:pPr marL="512763" lvl="1" indent="-285750" defTabSz="457200">
+              <a:t>contiguous (physically and virtually)</a:t>
+            </a:r>
+            <a:endParaRPr sz="2072" dirty="0"/>
+          </a:p>
+          <a:p>
+            <a:pPr marL="587375" lvl="1" indent="-251396" defTabSz="676655">
               <a:spcBef>
-                <a:spcPts val="300"/>
+                <a:spcPts val="500"/>
               </a:spcBef>
-              <a:buClr>
-                <a:schemeClr val="tx1"/>
-              </a:buClr>
-              <a:defRPr sz="1600">
+              <a:buChar char="⬥"/>
+              <a:defRPr sz="2368">
                 <a:effectLst>
-                  <a:outerShdw blurRad="6350" dist="12700" dir="2700000" rotWithShape="0">
+                  <a:outerShdw blurRad="9398" dist="18796" dir="2700000" rotWithShape="0">
                     <a:srgbClr val="DDDDDD"/>
                   </a:outerShdw>
                 </a:effectLst>
@@ -6724,20 +6726,19 @@
             </a:pPr>
             <a:r>
               <a:rPr dirty="0"/>
-              <a:t>Suppose P = 1 byte</a:t>
-            </a:r>
-          </a:p>
-          <a:p>
-            <a:pPr marL="713581" lvl="2" indent="-285750" defTabSz="457200">
+              <a:t>aligned (physically and virtually)</a:t>
+            </a:r>
+            <a:endParaRPr sz="2072" dirty="0"/>
+          </a:p>
+          <a:p>
+            <a:pPr marL="587375" lvl="1" indent="-251396" defTabSz="676655">
               <a:spcBef>
-                <a:spcPts val="300"/>
+                <a:spcPts val="500"/>
               </a:spcBef>
-              <a:buClr>
-                <a:schemeClr val="tx1"/>
-              </a:buClr>
-              <a:defRPr sz="1600">
+              <a:buChar char="⬥"/>
+              <a:defRPr sz="2368">
                 <a:effectLst>
-                  <a:outerShdw blurRad="6350" dist="12700" dir="2700000" rotWithShape="0">
+                  <a:outerShdw blurRad="9398" dist="18796" dir="2700000" rotWithShape="0">
                     <a:srgbClr val="DDDDDD"/>
                   </a:outerShdw>
                 </a:effectLst>
@@ -6745,20 +6746,19 @@
             </a:pPr>
             <a:r>
               <a:rPr dirty="0"/>
-              <a:t>TLB Coverage = N bytes only</a:t>
-            </a:r>
-          </a:p>
-          <a:p>
-            <a:pPr marL="512763" lvl="1" indent="-285750" defTabSz="457200">
+              <a:t>uniform protection attributes</a:t>
+            </a:r>
+            <a:endParaRPr sz="2072" dirty="0"/>
+          </a:p>
+          <a:p>
+            <a:pPr marL="587375" lvl="1" indent="-251396" defTabSz="676655">
               <a:spcBef>
-                <a:spcPts val="300"/>
+                <a:spcPts val="500"/>
               </a:spcBef>
-              <a:buClr>
-                <a:schemeClr val="tx1"/>
-              </a:buClr>
-              <a:defRPr sz="1600">
+              <a:buChar char="⬥"/>
+              <a:defRPr sz="2368">
                 <a:effectLst>
-                  <a:outerShdw blurRad="6350" dist="12700" dir="2700000" rotWithShape="0">
+                  <a:outerShdw blurRad="9398" dist="18796" dir="2700000" rotWithShape="0">
                     <a:srgbClr val="DDDDDD"/>
                   </a:outerShdw>
                 </a:effectLst>
@@ -6766,166 +6766,7 @@
             </a:pPr>
             <a:r>
               <a:rPr dirty="0"/>
-              <a:t>Suppose P = 2^64 bytes (on a 64-bit ISA)</a:t>
-            </a:r>
-          </a:p>
-          <a:p>
-            <a:pPr marL="713581" lvl="2" indent="-285750" defTabSz="457200">
-              <a:spcBef>
-                <a:spcPts val="300"/>
-              </a:spcBef>
-              <a:buClr>
-                <a:schemeClr val="tx1"/>
-              </a:buClr>
-              <a:defRPr sz="1600">
-                <a:effectLst>
-                  <a:outerShdw blurRad="6350" dist="12700" dir="2700000" rotWithShape="0">
-                    <a:srgbClr val="DDDDDD"/>
-                  </a:outerShdw>
-                </a:effectLst>
-              </a:defRPr>
-            </a:pPr>
-            <a:r>
-              <a:rPr dirty="0"/>
-              <a:t> TLB Coverage = N x2^64bytes</a:t>
-            </a:r>
-          </a:p>
-          <a:p>
-            <a:pPr marL="713581" lvl="2" indent="-285750" defTabSz="457200">
-              <a:spcBef>
-                <a:spcPts val="300"/>
-              </a:spcBef>
-              <a:buClr>
-                <a:schemeClr val="tx1"/>
-              </a:buClr>
-              <a:defRPr sz="1600">
-                <a:effectLst>
-                  <a:outerShdw blurRad="6350" dist="12700" dir="2700000" rotWithShape="0">
-                    <a:srgbClr val="DDDDDD"/>
-                  </a:outerShdw>
-                </a:effectLst>
-              </a:defRPr>
-            </a:pPr>
-            <a:r>
-              <a:rPr dirty="0"/>
-              <a:t>TLB can perform translations for N processes without any TLB misses!</a:t>
-            </a:r>
-          </a:p>
-          <a:p>
-            <a:pPr defTabSz="457200">
-              <a:spcBef>
-                <a:spcPts val="300"/>
-              </a:spcBef>
-              <a:buClr>
-                <a:schemeClr val="tx1"/>
-              </a:buClr>
-              <a:defRPr sz="1600">
-                <a:effectLst>
-                  <a:outerShdw blurRad="6350" dist="12700" dir="2700000" rotWithShape="0">
-                    <a:srgbClr val="DDDDDD"/>
-                  </a:outerShdw>
-                </a:effectLst>
-              </a:defRPr>
-            </a:pPr>
-            <a:endParaRPr dirty="0"/>
-          </a:p>
-          <a:p>
-            <a:pPr defTabSz="457200">
-              <a:spcBef>
-                <a:spcPts val="300"/>
-              </a:spcBef>
-              <a:buClr>
-                <a:schemeClr val="tx1"/>
-              </a:buClr>
-              <a:defRPr sz="1600">
-                <a:effectLst>
-                  <a:outerShdw blurRad="6350" dist="12700" dir="2700000" rotWithShape="0">
-                    <a:srgbClr val="DDDDDD"/>
-                  </a:outerShdw>
-                </a:effectLst>
-              </a:defRPr>
-            </a:pPr>
-            <a:r>
-              <a:rPr dirty="0"/>
-              <a:t>Of course, both examples above are impractical.</a:t>
-            </a:r>
-          </a:p>
-          <a:p>
-            <a:pPr defTabSz="457200">
-              <a:spcBef>
-                <a:spcPts val="300"/>
-              </a:spcBef>
-              <a:buClr>
-                <a:schemeClr val="tx1"/>
-              </a:buClr>
-              <a:defRPr sz="1600">
-                <a:effectLst>
-                  <a:outerShdw blurRad="6350" dist="12700" dir="2700000" rotWithShape="0">
-                    <a:srgbClr val="DDDDDD"/>
-                  </a:outerShdw>
-                </a:effectLst>
-              </a:defRPr>
-            </a:pPr>
-            <a:endParaRPr dirty="0"/>
-          </a:p>
-          <a:p>
-            <a:pPr defTabSz="457200">
-              <a:spcBef>
-                <a:spcPts val="300"/>
-              </a:spcBef>
-              <a:buClr>
-                <a:schemeClr val="tx1"/>
-              </a:buClr>
-              <a:defRPr sz="1600">
-                <a:effectLst>
-                  <a:outerShdw blurRad="6350" dist="12700" dir="2700000" rotWithShape="0">
-                    <a:srgbClr val="DDDDDD"/>
-                  </a:outerShdw>
-                </a:effectLst>
-              </a:defRPr>
-            </a:pPr>
-            <a:r>
-              <a:rPr dirty="0"/>
-              <a:t>But what if P is something reasonable, but greater than than the standard 4KB?</a:t>
-            </a:r>
-          </a:p>
-          <a:p>
-            <a:pPr marL="512763" lvl="1" indent="-285750" defTabSz="457200">
-              <a:spcBef>
-                <a:spcPts val="300"/>
-              </a:spcBef>
-              <a:buClr>
-                <a:schemeClr val="tx1"/>
-              </a:buClr>
-              <a:defRPr sz="1600">
-                <a:effectLst>
-                  <a:outerShdw blurRad="6350" dist="12700" dir="2700000" rotWithShape="0">
-                    <a:srgbClr val="DDDDDD"/>
-                  </a:outerShdw>
-                </a:effectLst>
-              </a:defRPr>
-            </a:pPr>
-            <a:endParaRPr dirty="0"/>
-          </a:p>
-          <a:p>
-            <a:pPr defTabSz="457200">
-              <a:spcBef>
-                <a:spcPts val="300"/>
-              </a:spcBef>
-              <a:buClr>
-                <a:schemeClr val="tx1"/>
-              </a:buClr>
-              <a:defRPr sz="1600">
-                <a:effectLst>
-                  <a:outerShdw blurRad="6350" dist="12700" dir="2700000" rotWithShape="0">
-                    <a:srgbClr val="DDDDDD"/>
-                  </a:outerShdw>
-                </a:effectLst>
-              </a:defRPr>
-            </a:pPr>
-            <a:r>
-              <a:rPr dirty="0"/>
-              <a:t>This brings us next to superpages.</a:t>
+              <a:t>one reference bit, one dirty bit</a:t>
             </a:r>
           </a:p>
         </p:txBody>
@@ -6958,323 +6799,6 @@
       </p:grpSpPr>
       <p:sp>
         <p:nvSpPr>
-          <p:cNvPr id="206" name="Shape 206"/>
-          <p:cNvSpPr>
-            <a:spLocks noGrp="1"/>
-          </p:cNvSpPr>
-          <p:nvPr>
-            <p:ph type="title"/>
-          </p:nvPr>
-        </p:nvSpPr>
-        <p:spPr>
-          <a:xfrm>
-            <a:off x="-380206" y="-63500"/>
-            <a:ext cx="10058400" cy="844550"/>
-          </a:xfrm>
-          <a:prstGeom prst="rect">
-            <a:avLst/>
-          </a:prstGeom>
-        </p:spPr>
-        <p:txBody>
-          <a:bodyPr>
-            <a:normAutofit/>
-          </a:bodyPr>
-          <a:lstStyle/>
-          <a:p>
-            <a:r>
-              <a:t>Superpages</a:t>
-            </a:r>
-          </a:p>
-        </p:txBody>
-      </p:sp>
-      <p:sp>
-        <p:nvSpPr>
-          <p:cNvPr id="207" name="Shape 207"/>
-          <p:cNvSpPr>
-            <a:spLocks noGrp="1"/>
-          </p:cNvSpPr>
-          <p:nvPr>
-            <p:ph type="body" idx="1"/>
-          </p:nvPr>
-        </p:nvSpPr>
-        <p:spPr>
-          <a:xfrm>
-            <a:off x="389532" y="801836"/>
-            <a:ext cx="8364936" cy="5727701"/>
-          </a:xfrm>
-          <a:prstGeom prst="rect">
-            <a:avLst/>
-          </a:prstGeom>
-        </p:spPr>
-        <p:txBody>
-          <a:bodyPr>
-            <a:normAutofit lnSpcReduction="10000"/>
-          </a:bodyPr>
-          <a:lstStyle/>
-          <a:p>
-            <a:pPr marL="251396" indent="-251396" defTabSz="676655">
-              <a:spcBef>
-                <a:spcPts val="500"/>
-              </a:spcBef>
-              <a:buChar char="⬥"/>
-              <a:defRPr sz="2368">
-                <a:effectLst>
-                  <a:outerShdw blurRad="9398" dist="18796" dir="2700000" rotWithShape="0">
-                    <a:srgbClr val="DDDDDD"/>
-                  </a:outerShdw>
-                </a:effectLst>
-              </a:defRPr>
-            </a:pPr>
-            <a:r>
-              <a:t>Memory pages of larger sizes than standard pages</a:t>
-            </a:r>
-          </a:p>
-          <a:p>
-            <a:pPr marL="587375" lvl="1" indent="-251396" defTabSz="676655">
-              <a:spcBef>
-                <a:spcPts val="500"/>
-              </a:spcBef>
-              <a:buChar char="⬥"/>
-              <a:defRPr sz="2368">
-                <a:effectLst>
-                  <a:outerShdw blurRad="9398" dist="18796" dir="2700000" rotWithShape="0">
-                    <a:srgbClr val="DDDDDD"/>
-                  </a:outerShdw>
-                </a:effectLst>
-              </a:defRPr>
-            </a:pPr>
-            <a:r>
-              <a:t>supported by most modern CPUs</a:t>
-            </a:r>
-          </a:p>
-          <a:p>
-            <a:pPr marL="251396" indent="-251396" defTabSz="676655">
-              <a:spcBef>
-                <a:spcPts val="500"/>
-              </a:spcBef>
-              <a:buChar char="⬥"/>
-              <a:defRPr sz="2368">
-                <a:effectLst>
-                  <a:outerShdw blurRad="9398" dist="18796" dir="2700000" rotWithShape="0">
-                    <a:srgbClr val="DDDDDD"/>
-                  </a:outerShdw>
-                </a:effectLst>
-              </a:defRPr>
-            </a:pPr>
-            <a:endParaRPr/>
-          </a:p>
-          <a:p>
-            <a:pPr marL="251396" indent="-251396" defTabSz="676655">
-              <a:spcBef>
-                <a:spcPts val="500"/>
-              </a:spcBef>
-              <a:buChar char="⬥"/>
-              <a:defRPr sz="2368">
-                <a:effectLst>
-                  <a:outerShdw blurRad="9398" dist="18796" dir="2700000" rotWithShape="0">
-                    <a:srgbClr val="DDDDDD"/>
-                  </a:outerShdw>
-                </a:effectLst>
-              </a:defRPr>
-            </a:pPr>
-            <a:r>
-              <a:t>Superpage size = power of 2 x the base page size</a:t>
-            </a:r>
-            <a:endParaRPr sz="2072"/>
-          </a:p>
-          <a:p>
-            <a:pPr marL="251396" indent="-251396" defTabSz="676655">
-              <a:spcBef>
-                <a:spcPts val="500"/>
-              </a:spcBef>
-              <a:buChar char="⬥"/>
-              <a:defRPr sz="2368">
-                <a:effectLst>
-                  <a:outerShdw blurRad="9398" dist="18796" dir="2700000" rotWithShape="0">
-                    <a:srgbClr val="DDDDDD"/>
-                  </a:outerShdw>
-                </a:effectLst>
-              </a:defRPr>
-            </a:pPr>
-            <a:endParaRPr sz="2072"/>
-          </a:p>
-          <a:p>
-            <a:pPr marL="251396" indent="-251396" defTabSz="676655">
-              <a:spcBef>
-                <a:spcPts val="500"/>
-              </a:spcBef>
-              <a:buChar char="⬥"/>
-              <a:defRPr sz="2368">
-                <a:effectLst>
-                  <a:outerShdw blurRad="9398" dist="18796" dir="2700000" rotWithShape="0">
-                    <a:srgbClr val="DDDDDD"/>
-                  </a:outerShdw>
-                </a:effectLst>
-              </a:defRPr>
-            </a:pPr>
-            <a:r>
-              <a:t>Only one TLB entry per superpage</a:t>
-            </a:r>
-          </a:p>
-          <a:p>
-            <a:pPr marL="587375" lvl="1" indent="-251396" defTabSz="676655">
-              <a:spcBef>
-                <a:spcPts val="500"/>
-              </a:spcBef>
-              <a:buChar char="⬥"/>
-              <a:defRPr sz="2368">
-                <a:effectLst>
-                  <a:outerShdw blurRad="9398" dist="18796" dir="2700000" rotWithShape="0">
-                    <a:srgbClr val="DDDDDD"/>
-                  </a:outerShdw>
-                </a:effectLst>
-              </a:defRPr>
-            </a:pPr>
-            <a:r>
-              <a:t>But multiple (identical) page-table entries, one per base page</a:t>
-            </a:r>
-            <a:endParaRPr sz="2072"/>
-          </a:p>
-          <a:p>
-            <a:pPr marL="251396" indent="-251396" defTabSz="676655">
-              <a:spcBef>
-                <a:spcPts val="500"/>
-              </a:spcBef>
-              <a:buChar char="⬥"/>
-              <a:defRPr sz="2368">
-                <a:effectLst>
-                  <a:outerShdw blurRad="9398" dist="18796" dir="2700000" rotWithShape="0">
-                    <a:srgbClr val="DDDDDD"/>
-                  </a:outerShdw>
-                </a:effectLst>
-              </a:defRPr>
-            </a:pPr>
-            <a:endParaRPr sz="2072"/>
-          </a:p>
-          <a:p>
-            <a:pPr marL="219971" indent="-219971" defTabSz="676655">
-              <a:spcBef>
-                <a:spcPts val="500"/>
-              </a:spcBef>
-              <a:buChar char="⬥"/>
-              <a:defRPr sz="2368">
-                <a:effectLst>
-                  <a:outerShdw blurRad="9398" dist="18796" dir="2700000" rotWithShape="0">
-                    <a:srgbClr val="DDDDDD"/>
-                  </a:outerShdw>
-                </a:effectLst>
-              </a:defRPr>
-            </a:pPr>
-            <a:r>
-              <a:rPr sz="2072"/>
-              <a:t>Constraints:</a:t>
-            </a:r>
-          </a:p>
-          <a:p>
-            <a:pPr marL="587375" lvl="1" indent="-251396" defTabSz="676655">
-              <a:spcBef>
-                <a:spcPts val="500"/>
-              </a:spcBef>
-              <a:buChar char="⬥"/>
-              <a:defRPr sz="2368">
-                <a:effectLst>
-                  <a:outerShdw blurRad="9398" dist="18796" dir="2700000" rotWithShape="0">
-                    <a:srgbClr val="DDDDDD"/>
-                  </a:outerShdw>
-                </a:effectLst>
-              </a:defRPr>
-            </a:pPr>
-            <a:r>
-              <a:t>contiguous (physically and virtually)</a:t>
-            </a:r>
-            <a:endParaRPr sz="2072"/>
-          </a:p>
-          <a:p>
-            <a:pPr marL="587375" lvl="1" indent="-251396" defTabSz="676655">
-              <a:spcBef>
-                <a:spcPts val="500"/>
-              </a:spcBef>
-              <a:buChar char="⬥"/>
-              <a:defRPr sz="2368">
-                <a:effectLst>
-                  <a:outerShdw blurRad="9398" dist="18796" dir="2700000" rotWithShape="0">
-                    <a:srgbClr val="DDDDDD"/>
-                  </a:outerShdw>
-                </a:effectLst>
-              </a:defRPr>
-            </a:pPr>
-            <a:r>
-              <a:t>aligned (physically and virtually)</a:t>
-            </a:r>
-            <a:endParaRPr sz="2072"/>
-          </a:p>
-          <a:p>
-            <a:pPr marL="587375" lvl="1" indent="-251396" defTabSz="676655">
-              <a:spcBef>
-                <a:spcPts val="500"/>
-              </a:spcBef>
-              <a:buChar char="⬥"/>
-              <a:defRPr sz="2368">
-                <a:effectLst>
-                  <a:outerShdw blurRad="9398" dist="18796" dir="2700000" rotWithShape="0">
-                    <a:srgbClr val="DDDDDD"/>
-                  </a:outerShdw>
-                </a:effectLst>
-              </a:defRPr>
-            </a:pPr>
-            <a:r>
-              <a:t>uniform protection attributes</a:t>
-            </a:r>
-            <a:endParaRPr sz="2072"/>
-          </a:p>
-          <a:p>
-            <a:pPr marL="587375" lvl="1" indent="-251396" defTabSz="676655">
-              <a:spcBef>
-                <a:spcPts val="500"/>
-              </a:spcBef>
-              <a:buChar char="⬥"/>
-              <a:defRPr sz="2368">
-                <a:effectLst>
-                  <a:outerShdw blurRad="9398" dist="18796" dir="2700000" rotWithShape="0">
-                    <a:srgbClr val="DDDDDD"/>
-                  </a:outerShdw>
-                </a:effectLst>
-              </a:defRPr>
-            </a:pPr>
-            <a:r>
-              <a:t>one reference bit, one dirty bit</a:t>
-            </a:r>
-          </a:p>
-        </p:txBody>
-      </p:sp>
-    </p:spTree>
-  </p:cSld>
-  <p:clrMapOvr>
-    <a:masterClrMapping/>
-  </p:clrMapOvr>
-  <p:transition spd="med"/>
-</p:sld>
-</file>
-
-<file path=ppt/slides/slide22.xml><?xml version="1.0" encoding="utf-8"?>
-<p:sld xmlns:a="http://schemas.openxmlformats.org/drawingml/2006/main" xmlns:r="http://schemas.openxmlformats.org/officeDocument/2006/relationships" xmlns:p="http://schemas.openxmlformats.org/presentationml/2006/main">
-  <p:cSld>
-    <p:spTree>
-      <p:nvGrpSpPr>
-        <p:cNvPr id="1" name=""/>
-        <p:cNvGrpSpPr/>
-        <p:nvPr/>
-      </p:nvGrpSpPr>
-      <p:grpSpPr>
-        <a:xfrm>
-          <a:off x="0" y="0"/>
-          <a:ext cx="0" cy="0"/>
-          <a:chOff x="0" y="0"/>
-          <a:chExt cx="0" cy="0"/>
-        </a:xfrm>
-      </p:grpSpPr>
-      <p:sp>
-        <p:nvSpPr>
           <p:cNvPr id="209" name="Shape 209"/>
           <p:cNvSpPr>
             <a:spLocks noGrp="1"/>
@@ -7320,7 +6844,7 @@
                 <a:cs typeface="Arial Narrow"/>
                 <a:sym typeface="Arial Narrow"/>
               </a:rPr>
-              <a:t>22</a:t>
+              <a:t>21</a:t>
             </a:fld>
             <a:endParaRPr sz="1400" b="1">
               <a:solidFill>
@@ -9414,6 +8938,237 @@
 </p:sld>
 </file>
 
+<file path=ppt/slides/slide22.xml><?xml version="1.0" encoding="utf-8"?>
+<p:sld xmlns:a="http://schemas.openxmlformats.org/drawingml/2006/main" xmlns:r="http://schemas.openxmlformats.org/officeDocument/2006/relationships" xmlns:p="http://schemas.openxmlformats.org/presentationml/2006/main">
+  <p:cSld>
+    <p:spTree>
+      <p:nvGrpSpPr>
+        <p:cNvPr id="1" name=""/>
+        <p:cNvGrpSpPr/>
+        <p:nvPr/>
+      </p:nvGrpSpPr>
+      <p:grpSpPr>
+        <a:xfrm>
+          <a:off x="0" y="0"/>
+          <a:ext cx="0" cy="0"/>
+          <a:chOff x="0" y="0"/>
+          <a:chExt cx="0" cy="0"/>
+        </a:xfrm>
+      </p:grpSpPr>
+      <p:sp>
+        <p:nvSpPr>
+          <p:cNvPr id="254" name="Shape 254"/>
+          <p:cNvSpPr>
+            <a:spLocks noGrp="1"/>
+          </p:cNvSpPr>
+          <p:nvPr>
+            <p:ph type="sldNum" sz="quarter" idx="2"/>
+          </p:nvPr>
+        </p:nvSpPr>
+        <p:spPr>
+          <a:prstGeom prst="rect">
+            <a:avLst/>
+          </a:prstGeom>
+          <a:extLst>
+            <a:ext uri="{C572A759-6A51-4108-AA02-DFA0A04FC94B}">
+              <ma14:wrappingTextBoxFlag xmlns:ma14="http://schemas.microsoft.com/office/mac/drawingml/2011/main" val="1"/>
+            </a:ext>
+          </a:extLst>
+        </p:spPr>
+        <p:txBody>
+          <a:bodyPr>
+            <a:normAutofit lnSpcReduction="10000"/>
+          </a:bodyPr>
+          <a:lstStyle/>
+          <a:p>
+            <a:pPr>
+              <a:defRPr sz="2400"/>
+            </a:pPr>
+            <a:fld id="{86CB4B4D-7CA3-9044-876B-883B54F8677D}" type="slidenum">
+              <a:rPr sz="1400"/>
+              <a:t>22</a:t>
+            </a:fld>
+            <a:endParaRPr sz="1400"/>
+          </a:p>
+        </p:txBody>
+      </p:sp>
+      <p:sp>
+        <p:nvSpPr>
+          <p:cNvPr id="255" name="Shape 255"/>
+          <p:cNvSpPr>
+            <a:spLocks noGrp="1"/>
+          </p:cNvSpPr>
+          <p:nvPr>
+            <p:ph type="title"/>
+          </p:nvPr>
+        </p:nvSpPr>
+        <p:spPr>
+          <a:xfrm>
+            <a:off x="657225" y="-1"/>
+            <a:ext cx="7772400" cy="1143002"/>
+          </a:xfrm>
+          <a:prstGeom prst="rect">
+            <a:avLst/>
+          </a:prstGeom>
+        </p:spPr>
+        <p:txBody>
+          <a:bodyPr>
+            <a:normAutofit/>
+          </a:bodyPr>
+          <a:lstStyle/>
+          <a:p>
+            <a:r>
+              <a:t>Quiz</a:t>
+            </a:r>
+          </a:p>
+        </p:txBody>
+      </p:sp>
+      <p:sp>
+        <p:nvSpPr>
+          <p:cNvPr id="256" name="Shape 256"/>
+          <p:cNvSpPr>
+            <a:spLocks noGrp="1"/>
+          </p:cNvSpPr>
+          <p:nvPr>
+            <p:ph type="body" idx="1"/>
+          </p:nvPr>
+        </p:nvSpPr>
+        <p:spPr>
+          <a:xfrm>
+            <a:off x="685800" y="1155699"/>
+            <a:ext cx="7772400" cy="5422902"/>
+          </a:xfrm>
+          <a:prstGeom prst="rect">
+            <a:avLst/>
+          </a:prstGeom>
+        </p:spPr>
+        <p:txBody>
+          <a:bodyPr>
+            <a:normAutofit/>
+          </a:bodyPr>
+          <a:lstStyle/>
+          <a:p>
+            <a:pPr>
+              <a:lnSpc>
+                <a:spcPct val="90000"/>
+              </a:lnSpc>
+              <a:spcBef>
+                <a:spcPts val="500"/>
+              </a:spcBef>
+              <a:buChar char="•"/>
+            </a:pPr>
+            <a:r>
+              <a:rPr sz="2400"/>
+              <a:t>Consider a machine that has a 32-bit virtual address space and 8KByte page size.</a:t>
+            </a:r>
+          </a:p>
+          <a:p>
+            <a:pPr marL="457200" indent="-457200">
+              <a:lnSpc>
+                <a:spcPct val="90000"/>
+              </a:lnSpc>
+              <a:buChar char="•"/>
+            </a:pPr>
+            <a:endParaRPr sz="2400"/>
+          </a:p>
+          <a:p>
+            <a:pPr>
+              <a:lnSpc>
+                <a:spcPct val="90000"/>
+              </a:lnSpc>
+              <a:spcBef>
+                <a:spcPts val="500"/>
+              </a:spcBef>
+              <a:buAutoNum type="arabicPeriod"/>
+            </a:pPr>
+            <a:r>
+              <a:rPr sz="2400"/>
+              <a:t>What is the total size (in bytes) of the virtual address space for each process? </a:t>
+            </a:r>
+          </a:p>
+          <a:p>
+            <a:pPr marL="457200" indent="-457200">
+              <a:lnSpc>
+                <a:spcPct val="90000"/>
+              </a:lnSpc>
+              <a:buAutoNum type="arabicPeriod"/>
+            </a:pPr>
+            <a:endParaRPr sz="2400"/>
+          </a:p>
+          <a:p>
+            <a:pPr>
+              <a:lnSpc>
+                <a:spcPct val="90000"/>
+              </a:lnSpc>
+              <a:spcBef>
+                <a:spcPts val="500"/>
+              </a:spcBef>
+              <a:buAutoNum type="arabicPeriod" startAt="2"/>
+            </a:pPr>
+            <a:r>
+              <a:rPr sz="2400"/>
+              <a:t>How many bits in a 32-bit address are needed to determine the page number of the address?</a:t>
+            </a:r>
+          </a:p>
+          <a:p>
+            <a:pPr marL="457200" indent="-457200">
+              <a:lnSpc>
+                <a:spcPct val="90000"/>
+              </a:lnSpc>
+              <a:buAutoNum type="arabicPeriod" startAt="2"/>
+            </a:pPr>
+            <a:endParaRPr sz="2400"/>
+          </a:p>
+          <a:p>
+            <a:pPr>
+              <a:lnSpc>
+                <a:spcPct val="90000"/>
+              </a:lnSpc>
+              <a:spcBef>
+                <a:spcPts val="500"/>
+              </a:spcBef>
+              <a:buAutoNum type="arabicPeriod" startAt="3"/>
+            </a:pPr>
+            <a:r>
+              <a:rPr sz="2400"/>
+              <a:t>How many bits in a 32-bit address represent the byte offset into a page?</a:t>
+            </a:r>
+          </a:p>
+          <a:p>
+            <a:pPr marL="457200" indent="-457200">
+              <a:lnSpc>
+                <a:spcPct val="90000"/>
+              </a:lnSpc>
+              <a:buAutoNum type="arabicPeriod" startAt="3"/>
+            </a:pPr>
+            <a:endParaRPr sz="2400"/>
+          </a:p>
+          <a:p>
+            <a:pPr>
+              <a:lnSpc>
+                <a:spcPct val="90000"/>
+              </a:lnSpc>
+              <a:spcBef>
+                <a:spcPts val="500"/>
+              </a:spcBef>
+              <a:buAutoNum type="arabicPeriod" startAt="4"/>
+            </a:pPr>
+            <a:r>
+              <a:rPr sz="2400"/>
+              <a:t>How many page-table entries are present in the page table?</a:t>
+            </a:r>
+          </a:p>
+        </p:txBody>
+      </p:sp>
+    </p:spTree>
+  </p:cSld>
+  <p:clrMapOvr>
+    <a:masterClrMapping/>
+  </p:clrMapOvr>
+  <p:transition spd="med"/>
+</p:sld>
+</file>
+
 <file path=ppt/slides/slide23.xml><?xml version="1.0" encoding="utf-8"?>
 <p:sld xmlns:a="http://schemas.openxmlformats.org/drawingml/2006/main" xmlns:r="http://schemas.openxmlformats.org/officeDocument/2006/relationships" xmlns:p="http://schemas.openxmlformats.org/presentationml/2006/main">
   <p:cSld>
@@ -9433,7 +9188,7 @@
       </p:grpSpPr>
       <p:sp>
         <p:nvSpPr>
-          <p:cNvPr id="254" name="Shape 254"/>
+          <p:cNvPr id="258" name="Shape 258"/>
           <p:cNvSpPr>
             <a:spLocks noGrp="1"/>
           </p:cNvSpPr>
@@ -9470,7 +9225,7 @@
       </p:sp>
       <p:sp>
         <p:nvSpPr>
-          <p:cNvPr id="255" name="Shape 255"/>
+          <p:cNvPr id="259" name="Shape 259"/>
           <p:cNvSpPr>
             <a:spLocks noGrp="1"/>
           </p:cNvSpPr>
@@ -9494,14 +9249,14 @@
           <a:lstStyle/>
           <a:p>
             <a:r>
-              <a:t>Quiz</a:t>
-            </a:r>
-          </a:p>
-        </p:txBody>
-      </p:sp>
-      <p:sp>
-        <p:nvSpPr>
-          <p:cNvPr id="256" name="Shape 256"/>
+              <a:t>Quiz Answers</a:t>
+            </a:r>
+          </a:p>
+        </p:txBody>
+      </p:sp>
+      <p:sp>
+        <p:nvSpPr>
+          <p:cNvPr id="260" name="Shape 260"/>
           <p:cNvSpPr>
             <a:spLocks noGrp="1"/>
           </p:cNvSpPr>
@@ -9524,114 +9279,194 @@
           </a:bodyPr>
           <a:lstStyle/>
           <a:p>
-            <a:pPr>
+            <a:pPr marL="285750" indent="-285750">
               <a:lnSpc>
-                <a:spcPct val="90000"/>
+                <a:spcPct val="80000"/>
               </a:lnSpc>
               <a:spcBef>
-                <a:spcPts val="500"/>
+                <a:spcPts val="400"/>
               </a:spcBef>
               <a:buChar char="•"/>
             </a:pPr>
             <a:r>
-              <a:rPr sz="2400"/>
-              <a:t>Consider a machine that has a 32-bit virtual address space and 8KByte page size.</a:t>
+              <a:rPr sz="2000"/>
+              <a:t>Consider a machine that has a 32-bit virtual address space and 4KByte page size.</a:t>
             </a:r>
           </a:p>
           <a:p>
             <a:pPr marL="457200" indent="-457200">
               <a:lnSpc>
-                <a:spcPct val="90000"/>
+                <a:spcPct val="80000"/>
               </a:lnSpc>
               <a:buChar char="•"/>
             </a:pPr>
-            <a:endParaRPr sz="2400"/>
-          </a:p>
-          <a:p>
-            <a:pPr>
+            <a:endParaRPr sz="2000"/>
+          </a:p>
+          <a:p>
+            <a:pPr marL="285750" indent="-285750">
               <a:lnSpc>
-                <a:spcPct val="90000"/>
+                <a:spcPct val="80000"/>
               </a:lnSpc>
               <a:spcBef>
-                <a:spcPts val="500"/>
+                <a:spcPts val="400"/>
               </a:spcBef>
               <a:buAutoNum type="arabicPeriod"/>
             </a:pPr>
             <a:r>
-              <a:rPr sz="2400"/>
-              <a:t>What is the total size (in bytes) of the virtual address space for each process? </a:t>
+              <a:rPr sz="2000"/>
+              <a:t>Total size (in bytes) of the virtual address space for each process = 2^32 = 4 * 1024 * 1024 *1024 bytes = 4 GB</a:t>
             </a:r>
           </a:p>
           <a:p>
             <a:pPr marL="457200" indent="-457200">
               <a:lnSpc>
-                <a:spcPct val="90000"/>
+                <a:spcPct val="80000"/>
               </a:lnSpc>
               <a:buAutoNum type="arabicPeriod"/>
             </a:pPr>
-            <a:endParaRPr sz="2400"/>
-          </a:p>
-          <a:p>
-            <a:pPr>
+            <a:endParaRPr sz="2000"/>
+          </a:p>
+          <a:p>
+            <a:pPr marL="285750" indent="-285750">
               <a:lnSpc>
-                <a:spcPct val="90000"/>
+                <a:spcPct val="80000"/>
               </a:lnSpc>
               <a:spcBef>
-                <a:spcPts val="500"/>
+                <a:spcPts val="400"/>
               </a:spcBef>
               <a:buAutoNum type="arabicPeriod" startAt="2"/>
             </a:pPr>
             <a:r>
-              <a:rPr sz="2400"/>
-              <a:t>How many bits in a 32-bit address are needed to determine the page number of the address?</a:t>
+              <a:rPr sz="2000"/>
+              <a:t>Number of pages in virtual address space = 4GB/8KB = 512*1024 = 2^9*2^10 = 2^19</a:t>
+            </a:r>
+          </a:p>
+          <a:p>
+            <a:pPr marL="702128" lvl="1" indent="-244928">
+              <a:lnSpc>
+                <a:spcPct val="80000"/>
+              </a:lnSpc>
+              <a:spcBef>
+                <a:spcPts val="400"/>
+              </a:spcBef>
+              <a:buChar char="•"/>
+              <a:defRPr sz="2800">
+                <a:solidFill>
+                  <a:srgbClr val="000000"/>
+                </a:solidFill>
+              </a:defRPr>
+            </a:pPr>
+            <a:r>
+              <a:rPr sz="1800"/>
+              <a:t>So the number of bits in a 32-bit address are needed to determine the page number of the address = log2(4GB/8KB) = log2(2^19) = 19 bits</a:t>
             </a:r>
           </a:p>
           <a:p>
             <a:pPr marL="457200" indent="-457200">
               <a:lnSpc>
-                <a:spcPct val="90000"/>
+                <a:spcPct val="80000"/>
               </a:lnSpc>
               <a:buAutoNum type="arabicPeriod" startAt="2"/>
             </a:pPr>
-            <a:endParaRPr sz="2400"/>
-          </a:p>
-          <a:p>
-            <a:pPr>
+            <a:endParaRPr sz="2000"/>
+          </a:p>
+          <a:p>
+            <a:pPr marL="285750" indent="-285750">
               <a:lnSpc>
-                <a:spcPct val="90000"/>
+                <a:spcPct val="80000"/>
               </a:lnSpc>
               <a:spcBef>
-                <a:spcPts val="500"/>
+                <a:spcPts val="400"/>
               </a:spcBef>
               <a:buAutoNum type="arabicPeriod" startAt="3"/>
             </a:pPr>
             <a:r>
-              <a:rPr sz="2400"/>
+              <a:rPr sz="2000"/>
               <a:t>How many bits in a 32-bit address represent the byte offset into a page?</a:t>
+            </a:r>
+          </a:p>
+          <a:p>
+            <a:pPr marL="702128" lvl="1" indent="-244928">
+              <a:lnSpc>
+                <a:spcPct val="80000"/>
+              </a:lnSpc>
+              <a:spcBef>
+                <a:spcPts val="400"/>
+              </a:spcBef>
+              <a:buChar char="•"/>
+              <a:defRPr sz="2800">
+                <a:solidFill>
+                  <a:srgbClr val="000000"/>
+                </a:solidFill>
+              </a:defRPr>
+            </a:pPr>
+            <a:r>
+              <a:rPr sz="1800"/>
+              <a:t>log2(8KB) = log2(2^13) = 13</a:t>
+            </a:r>
+          </a:p>
+          <a:p>
+            <a:pPr marL="702128" lvl="1" indent="-244928">
+              <a:lnSpc>
+                <a:spcPct val="80000"/>
+              </a:lnSpc>
+              <a:spcBef>
+                <a:spcPts val="400"/>
+              </a:spcBef>
+              <a:buChar char="•"/>
+              <a:defRPr sz="2800">
+                <a:solidFill>
+                  <a:srgbClr val="000000"/>
+                </a:solidFill>
+              </a:defRPr>
+            </a:pPr>
+            <a:r>
+              <a:rPr sz="1800"/>
+              <a:t>Also, 32 – 19 = 13 bits</a:t>
             </a:r>
           </a:p>
           <a:p>
             <a:pPr marL="457200" indent="-457200">
               <a:lnSpc>
-                <a:spcPct val="90000"/>
+                <a:spcPct val="80000"/>
               </a:lnSpc>
               <a:buAutoNum type="arabicPeriod" startAt="3"/>
             </a:pPr>
-            <a:endParaRPr sz="2400"/>
-          </a:p>
-          <a:p>
-            <a:pPr>
+            <a:endParaRPr sz="2000"/>
+          </a:p>
+          <a:p>
+            <a:pPr marL="285750" indent="-285750">
               <a:lnSpc>
-                <a:spcPct val="90000"/>
+                <a:spcPct val="80000"/>
               </a:lnSpc>
               <a:spcBef>
-                <a:spcPts val="500"/>
+                <a:spcPts val="400"/>
               </a:spcBef>
               <a:buAutoNum type="arabicPeriod" startAt="4"/>
             </a:pPr>
             <a:r>
-              <a:rPr sz="2400"/>
+              <a:rPr sz="2000"/>
               <a:t>How many page-table entries are present in the page table?</a:t>
+            </a:r>
+          </a:p>
+          <a:p>
+            <a:pPr marL="702128" lvl="1" indent="-244928">
+              <a:lnSpc>
+                <a:spcPct val="80000"/>
+              </a:lnSpc>
+              <a:spcBef>
+                <a:spcPts val="400"/>
+              </a:spcBef>
+              <a:buChar char="•"/>
+              <a:defRPr sz="2800">
+                <a:solidFill>
+                  <a:srgbClr val="000000"/>
+                </a:solidFill>
+              </a:defRPr>
+            </a:pPr>
+            <a:r>
+              <a:rPr sz="1800"/>
+              <a:t>Number of PTEs = Number of pages in virtual address = 4GB/8KB = 2^19 pages</a:t>
             </a:r>
           </a:p>
         </p:txBody>
@@ -9664,317 +9499,6 @@
       </p:grpSpPr>
       <p:sp>
         <p:nvSpPr>
-          <p:cNvPr id="258" name="Shape 258"/>
-          <p:cNvSpPr>
-            <a:spLocks noGrp="1"/>
-          </p:cNvSpPr>
-          <p:nvPr>
-            <p:ph type="sldNum" sz="quarter" idx="2"/>
-          </p:nvPr>
-        </p:nvSpPr>
-        <p:spPr>
-          <a:prstGeom prst="rect">
-            <a:avLst/>
-          </a:prstGeom>
-          <a:extLst>
-            <a:ext uri="{C572A759-6A51-4108-AA02-DFA0A04FC94B}">
-              <ma14:wrappingTextBoxFlag xmlns:ma14="http://schemas.microsoft.com/office/mac/drawingml/2011/main" val="1"/>
-            </a:ext>
-          </a:extLst>
-        </p:spPr>
-        <p:txBody>
-          <a:bodyPr>
-            <a:normAutofit lnSpcReduction="10000"/>
-          </a:bodyPr>
-          <a:lstStyle/>
-          <a:p>
-            <a:pPr>
-              <a:defRPr sz="2400"/>
-            </a:pPr>
-            <a:fld id="{86CB4B4D-7CA3-9044-876B-883B54F8677D}" type="slidenum">
-              <a:rPr sz="1400"/>
-              <a:t>24</a:t>
-            </a:fld>
-            <a:endParaRPr sz="1400"/>
-          </a:p>
-        </p:txBody>
-      </p:sp>
-      <p:sp>
-        <p:nvSpPr>
-          <p:cNvPr id="259" name="Shape 259"/>
-          <p:cNvSpPr>
-            <a:spLocks noGrp="1"/>
-          </p:cNvSpPr>
-          <p:nvPr>
-            <p:ph type="title"/>
-          </p:nvPr>
-        </p:nvSpPr>
-        <p:spPr>
-          <a:xfrm>
-            <a:off x="657225" y="-1"/>
-            <a:ext cx="7772400" cy="1143002"/>
-          </a:xfrm>
-          <a:prstGeom prst="rect">
-            <a:avLst/>
-          </a:prstGeom>
-        </p:spPr>
-        <p:txBody>
-          <a:bodyPr>
-            <a:normAutofit/>
-          </a:bodyPr>
-          <a:lstStyle/>
-          <a:p>
-            <a:r>
-              <a:t>Quiz Answers</a:t>
-            </a:r>
-          </a:p>
-        </p:txBody>
-      </p:sp>
-      <p:sp>
-        <p:nvSpPr>
-          <p:cNvPr id="260" name="Shape 260"/>
-          <p:cNvSpPr>
-            <a:spLocks noGrp="1"/>
-          </p:cNvSpPr>
-          <p:nvPr>
-            <p:ph type="body" idx="1"/>
-          </p:nvPr>
-        </p:nvSpPr>
-        <p:spPr>
-          <a:xfrm>
-            <a:off x="685800" y="1155699"/>
-            <a:ext cx="7772400" cy="5422902"/>
-          </a:xfrm>
-          <a:prstGeom prst="rect">
-            <a:avLst/>
-          </a:prstGeom>
-        </p:spPr>
-        <p:txBody>
-          <a:bodyPr>
-            <a:normAutofit/>
-          </a:bodyPr>
-          <a:lstStyle/>
-          <a:p>
-            <a:pPr marL="285750" indent="-285750">
-              <a:lnSpc>
-                <a:spcPct val="80000"/>
-              </a:lnSpc>
-              <a:spcBef>
-                <a:spcPts val="400"/>
-              </a:spcBef>
-              <a:buChar char="•"/>
-            </a:pPr>
-            <a:r>
-              <a:rPr sz="2000"/>
-              <a:t>Consider a machine that has a 32-bit virtual address space and 4KByte page size.</a:t>
-            </a:r>
-          </a:p>
-          <a:p>
-            <a:pPr marL="457200" indent="-457200">
-              <a:lnSpc>
-                <a:spcPct val="80000"/>
-              </a:lnSpc>
-              <a:buChar char="•"/>
-            </a:pPr>
-            <a:endParaRPr sz="2000"/>
-          </a:p>
-          <a:p>
-            <a:pPr marL="285750" indent="-285750">
-              <a:lnSpc>
-                <a:spcPct val="80000"/>
-              </a:lnSpc>
-              <a:spcBef>
-                <a:spcPts val="400"/>
-              </a:spcBef>
-              <a:buAutoNum type="arabicPeriod"/>
-            </a:pPr>
-            <a:r>
-              <a:rPr sz="2000"/>
-              <a:t>Total size (in bytes) of the virtual address space for each process = 2^32 = 4 * 1024 * 1024 *1024 bytes = 4 GB</a:t>
-            </a:r>
-          </a:p>
-          <a:p>
-            <a:pPr marL="457200" indent="-457200">
-              <a:lnSpc>
-                <a:spcPct val="80000"/>
-              </a:lnSpc>
-              <a:buAutoNum type="arabicPeriod"/>
-            </a:pPr>
-            <a:endParaRPr sz="2000"/>
-          </a:p>
-          <a:p>
-            <a:pPr marL="285750" indent="-285750">
-              <a:lnSpc>
-                <a:spcPct val="80000"/>
-              </a:lnSpc>
-              <a:spcBef>
-                <a:spcPts val="400"/>
-              </a:spcBef>
-              <a:buAutoNum type="arabicPeriod" startAt="2"/>
-            </a:pPr>
-            <a:r>
-              <a:rPr sz="2000"/>
-              <a:t>Number of pages in virtual address space = 4GB/8KB = 512*1024 = 2^9*2^10 = 2^19</a:t>
-            </a:r>
-          </a:p>
-          <a:p>
-            <a:pPr marL="702128" lvl="1" indent="-244928">
-              <a:lnSpc>
-                <a:spcPct val="80000"/>
-              </a:lnSpc>
-              <a:spcBef>
-                <a:spcPts val="400"/>
-              </a:spcBef>
-              <a:buChar char="•"/>
-              <a:defRPr sz="2800">
-                <a:solidFill>
-                  <a:srgbClr val="000000"/>
-                </a:solidFill>
-              </a:defRPr>
-            </a:pPr>
-            <a:r>
-              <a:rPr sz="1800"/>
-              <a:t>So the number of bits in a 32-bit address are needed to determine the page number of the address = log2(4GB/8KB) = log2(2^19) = 19 bits</a:t>
-            </a:r>
-          </a:p>
-          <a:p>
-            <a:pPr marL="457200" indent="-457200">
-              <a:lnSpc>
-                <a:spcPct val="80000"/>
-              </a:lnSpc>
-              <a:buAutoNum type="arabicPeriod" startAt="2"/>
-            </a:pPr>
-            <a:endParaRPr sz="2000"/>
-          </a:p>
-          <a:p>
-            <a:pPr marL="285750" indent="-285750">
-              <a:lnSpc>
-                <a:spcPct val="80000"/>
-              </a:lnSpc>
-              <a:spcBef>
-                <a:spcPts val="400"/>
-              </a:spcBef>
-              <a:buAutoNum type="arabicPeriod" startAt="3"/>
-            </a:pPr>
-            <a:r>
-              <a:rPr sz="2000"/>
-              <a:t>How many bits in a 32-bit address represent the byte offset into a page?</a:t>
-            </a:r>
-          </a:p>
-          <a:p>
-            <a:pPr marL="702128" lvl="1" indent="-244928">
-              <a:lnSpc>
-                <a:spcPct val="80000"/>
-              </a:lnSpc>
-              <a:spcBef>
-                <a:spcPts val="400"/>
-              </a:spcBef>
-              <a:buChar char="•"/>
-              <a:defRPr sz="2800">
-                <a:solidFill>
-                  <a:srgbClr val="000000"/>
-                </a:solidFill>
-              </a:defRPr>
-            </a:pPr>
-            <a:r>
-              <a:rPr sz="1800"/>
-              <a:t>log2(8KB) = log2(2^13) = 13</a:t>
-            </a:r>
-          </a:p>
-          <a:p>
-            <a:pPr marL="702128" lvl="1" indent="-244928">
-              <a:lnSpc>
-                <a:spcPct val="80000"/>
-              </a:lnSpc>
-              <a:spcBef>
-                <a:spcPts val="400"/>
-              </a:spcBef>
-              <a:buChar char="•"/>
-              <a:defRPr sz="2800">
-                <a:solidFill>
-                  <a:srgbClr val="000000"/>
-                </a:solidFill>
-              </a:defRPr>
-            </a:pPr>
-            <a:r>
-              <a:rPr sz="1800"/>
-              <a:t>Also, 32 – 19 = 13 bits</a:t>
-            </a:r>
-          </a:p>
-          <a:p>
-            <a:pPr marL="457200" indent="-457200">
-              <a:lnSpc>
-                <a:spcPct val="80000"/>
-              </a:lnSpc>
-              <a:buAutoNum type="arabicPeriod" startAt="3"/>
-            </a:pPr>
-            <a:endParaRPr sz="2000"/>
-          </a:p>
-          <a:p>
-            <a:pPr marL="285750" indent="-285750">
-              <a:lnSpc>
-                <a:spcPct val="80000"/>
-              </a:lnSpc>
-              <a:spcBef>
-                <a:spcPts val="400"/>
-              </a:spcBef>
-              <a:buAutoNum type="arabicPeriod" startAt="4"/>
-            </a:pPr>
-            <a:r>
-              <a:rPr sz="2000"/>
-              <a:t>How many page-table entries are present in the page table?</a:t>
-            </a:r>
-          </a:p>
-          <a:p>
-            <a:pPr marL="702128" lvl="1" indent="-244928">
-              <a:lnSpc>
-                <a:spcPct val="80000"/>
-              </a:lnSpc>
-              <a:spcBef>
-                <a:spcPts val="400"/>
-              </a:spcBef>
-              <a:buChar char="•"/>
-              <a:defRPr sz="2800">
-                <a:solidFill>
-                  <a:srgbClr val="000000"/>
-                </a:solidFill>
-              </a:defRPr>
-            </a:pPr>
-            <a:r>
-              <a:rPr sz="1800"/>
-              <a:t>Number of PTEs = Number of pages in virtual address = 4GB/8KB = 2^19 pages</a:t>
-            </a:r>
-          </a:p>
-        </p:txBody>
-      </p:sp>
-    </p:spTree>
-  </p:cSld>
-  <p:clrMapOvr>
-    <a:masterClrMapping/>
-  </p:clrMapOvr>
-  <p:transition spd="med"/>
-</p:sld>
-</file>
-
-<file path=ppt/slides/slide25.xml><?xml version="1.0" encoding="utf-8"?>
-<p:sld xmlns:a="http://schemas.openxmlformats.org/drawingml/2006/main" xmlns:r="http://schemas.openxmlformats.org/officeDocument/2006/relationships" xmlns:p="http://schemas.openxmlformats.org/presentationml/2006/main">
-  <p:cSld>
-    <p:spTree>
-      <p:nvGrpSpPr>
-        <p:cNvPr id="1" name=""/>
-        <p:cNvGrpSpPr/>
-        <p:nvPr/>
-      </p:nvGrpSpPr>
-      <p:grpSpPr>
-        <a:xfrm>
-          <a:off x="0" y="0"/>
-          <a:ext cx="0" cy="0"/>
-          <a:chOff x="0" y="0"/>
-          <a:chExt cx="0" cy="0"/>
-        </a:xfrm>
-      </p:grpSpPr>
-      <p:sp>
-        <p:nvSpPr>
           <p:cNvPr id="262" name="Shape 262"/>
           <p:cNvSpPr>
             <a:spLocks noGrp="1"/>
@@ -10004,7 +9528,7 @@
             </a:pPr>
             <a:fld id="{86CB4B4D-7CA3-9044-876B-883B54F8677D}" type="slidenum">
               <a:rPr sz="1400"/>
-              <a:t>25</a:t>
+              <a:t>24</a:t>
             </a:fld>
             <a:endParaRPr sz="1400"/>
           </a:p>
@@ -10036,6 +9560,7 @@
           <a:lstStyle/>
           <a:p>
             <a:r>
+              <a:rPr dirty="0"/>
               <a:t>References</a:t>
             </a:r>
           </a:p>
@@ -10066,17 +9591,17 @@
           </a:bodyPr>
           <a:lstStyle/>
           <a:p>
-            <a:pPr marL="336042" indent="-336042" defTabSz="896111">
+            <a:pPr marL="336042" indent="-336042" algn="l" defTabSz="896111">
               <a:lnSpc>
                 <a:spcPct val="80000"/>
               </a:lnSpc>
               <a:buChar char="•"/>
               <a:defRPr sz="3136"/>
             </a:pPr>
-            <a:endParaRPr sz="1960" b="1"/>
-          </a:p>
-          <a:p>
-            <a:pPr marL="210026" indent="-210026" defTabSz="896111">
+            <a:endParaRPr sz="1960" b="1" dirty="0"/>
+          </a:p>
+          <a:p>
+            <a:pPr marL="210026" indent="-210026" algn="l" defTabSz="896111">
               <a:lnSpc>
                 <a:spcPct val="80000"/>
               </a:lnSpc>
@@ -10087,22 +9612,22 @@
               <a:defRPr sz="3136"/>
             </a:pPr>
             <a:r>
-              <a:rPr sz="1960" b="1"/>
+              <a:rPr sz="1960" b="1" dirty="0"/>
               <a:t>Chapter 3: Modern Operating Systems, Andrew S. Tanenbaum</a:t>
             </a:r>
           </a:p>
           <a:p>
-            <a:pPr marL="336042" indent="-336042" defTabSz="896111">
+            <a:pPr marL="336042" indent="-336042" algn="l" defTabSz="896111">
               <a:lnSpc>
                 <a:spcPct val="80000"/>
               </a:lnSpc>
               <a:buChar char="•"/>
               <a:defRPr sz="3136"/>
             </a:pPr>
-            <a:endParaRPr sz="1960" b="1"/>
-          </a:p>
-          <a:p>
-            <a:pPr marL="210026" indent="-210026" defTabSz="896111">
+            <a:endParaRPr sz="1960" b="1" dirty="0"/>
+          </a:p>
+          <a:p>
+            <a:pPr marL="210026" indent="-210026" algn="l" defTabSz="896111">
               <a:lnSpc>
                 <a:spcPct val="80000"/>
               </a:lnSpc>
@@ -10113,12 +9638,75 @@
               <a:defRPr sz="3136"/>
             </a:pPr>
             <a:r>
-              <a:rPr sz="1960" b="1"/>
+              <a:rPr sz="1960" b="1" dirty="0"/>
               <a:t>X86 architecture</a:t>
             </a:r>
           </a:p>
           <a:p>
-            <a:pPr marL="628078" lvl="1" indent="-180022" defTabSz="896111">
+            <a:pPr marL="728091" lvl="1" indent="-280035" algn="l" defTabSz="896111">
+              <a:lnSpc>
+                <a:spcPct val="80000"/>
+              </a:lnSpc>
+              <a:spcBef>
+                <a:spcPts val="600"/>
+              </a:spcBef>
+              <a:defRPr sz="2744">
+                <a:solidFill>
+                  <a:srgbClr val="000000"/>
+                </a:solidFill>
+              </a:defRPr>
+            </a:pPr>
+            <a:r>
+              <a:rPr lang="en-US" sz="1764" dirty="0"/>
+              <a:t>http://</a:t>
+            </a:r>
+            <a:r>
+              <a:rPr lang="en-US" sz="1764" dirty="0" err="1"/>
+              <a:t>en.wikipedia.org</a:t>
+            </a:r>
+            <a:r>
+              <a:rPr lang="en-US" sz="1764" dirty="0"/>
+              <a:t>/wiki/X86</a:t>
+            </a:r>
+          </a:p>
+          <a:p>
+            <a:pPr marL="728091" lvl="1" indent="-280035" algn="l" defTabSz="896111">
+              <a:lnSpc>
+                <a:spcPct val="80000"/>
+              </a:lnSpc>
+              <a:spcBef>
+                <a:spcPts val="600"/>
+              </a:spcBef>
+              <a:defRPr sz="2744">
+                <a:solidFill>
+                  <a:srgbClr val="000000"/>
+                </a:solidFill>
+              </a:defRPr>
+            </a:pPr>
+            <a:endParaRPr sz="1764" b="1" dirty="0" smtClean="0"/>
+          </a:p>
+          <a:p>
+            <a:pPr marL="210026" indent="-210026" algn="l" defTabSz="896111">
+              <a:lnSpc>
+                <a:spcPct val="80000"/>
+              </a:lnSpc>
+              <a:spcBef>
+                <a:spcPts val="400"/>
+              </a:spcBef>
+              <a:buChar char="•"/>
+              <a:defRPr sz="3136"/>
+            </a:pPr>
+            <a:r>
+              <a:rPr sz="1960" b="1" dirty="0" smtClean="0"/>
+              <a:t>Memory </a:t>
+            </a:r>
+            <a:r>
+              <a:rPr sz="1960" b="1" dirty="0"/>
+              <a:t>segment</a:t>
+            </a:r>
+          </a:p>
+          <a:p>
+            <a:pPr marL="628078" lvl="1" indent="-180022" algn="l" defTabSz="896111">
               <a:lnSpc>
                 <a:spcPct val="80000"/>
               </a:lnSpc>
@@ -10132,28 +9720,35 @@
               </a:defRPr>
             </a:pPr>
             <a:r>
-              <a:rPr sz="1764"/>
-              <a:t>http://en.wikipedia.org/wiki/Memory_segment</a:t>
-            </a:r>
-          </a:p>
-          <a:p>
-            <a:pPr marL="728091" lvl="1" indent="-280035" defTabSz="896111">
+              <a:rPr lang="en-US" sz="1764" dirty="0"/>
+              <a:t>http://</a:t>
+            </a:r>
+            <a:r>
+              <a:rPr lang="en-US" sz="1764" dirty="0" err="1"/>
+              <a:t>en.wikipedia.org</a:t>
+            </a:r>
+            <a:r>
+              <a:rPr lang="en-US" sz="1764" dirty="0"/>
+              <a:t>/wiki/</a:t>
+            </a:r>
+            <a:r>
+              <a:rPr lang="en-US" sz="1764" dirty="0" err="1"/>
+              <a:t>Memory_segment</a:t>
+            </a:r>
+            <a:endParaRPr lang="en-US" sz="1764" dirty="0"/>
+          </a:p>
+          <a:p>
+            <a:pPr marL="336042" indent="-336042" algn="l" defTabSz="896111">
               <a:lnSpc>
                 <a:spcPct val="80000"/>
               </a:lnSpc>
-              <a:spcBef>
-                <a:spcPts val="600"/>
-              </a:spcBef>
-              <a:defRPr sz="2744">
-                <a:solidFill>
-                  <a:srgbClr val="000000"/>
-                </a:solidFill>
-              </a:defRPr>
-            </a:pPr>
-            <a:endParaRPr sz="1764" b="1"/>
-          </a:p>
-          <a:p>
-            <a:pPr marL="210026" indent="-210026" defTabSz="896111">
+              <a:buChar char="•"/>
+              <a:defRPr sz="3136"/>
+            </a:pPr>
+            <a:endParaRPr sz="1960" b="1" dirty="0"/>
+          </a:p>
+          <a:p>
+            <a:pPr marL="210026" indent="-210026" algn="l" defTabSz="896111">
               <a:lnSpc>
                 <a:spcPct val="80000"/>
               </a:lnSpc>
@@ -10164,12 +9759,17 @@
               <a:defRPr sz="3136"/>
             </a:pPr>
             <a:r>
-              <a:rPr sz="1960" b="1"/>
-              <a:t>Memory segment</a:t>
-            </a:r>
-          </a:p>
-          <a:p>
-            <a:pPr marL="628078" lvl="1" indent="-180022" defTabSz="896111">
+              <a:rPr sz="1960" b="1" dirty="0"/>
+              <a:t>Memory model</a:t>
+            </a:r>
+            <a:endParaRPr sz="1960" dirty="0">
+              <a:solidFill>
+                <a:srgbClr val="000000"/>
+              </a:solidFill>
+            </a:endParaRPr>
+          </a:p>
+          <a:p>
+            <a:pPr marL="628078" lvl="1" indent="-180022" algn="l" defTabSz="896111">
               <a:lnSpc>
                 <a:spcPct val="80000"/>
               </a:lnSpc>
@@ -10183,22 +9783,22 @@
               </a:defRPr>
             </a:pPr>
             <a:r>
-              <a:rPr sz="1764"/>
-              <a:t>http://en.wikipedia.org/wiki/X86</a:t>
-            </a:r>
-          </a:p>
-          <a:p>
-            <a:pPr marL="336042" indent="-336042" defTabSz="896111">
+              <a:rPr sz="1764" dirty="0"/>
+              <a:t>http://en.wikipedia.org/wiki/Memory_model</a:t>
+            </a:r>
+          </a:p>
+          <a:p>
+            <a:pPr marL="336042" indent="-336042" algn="l" defTabSz="896111">
               <a:lnSpc>
                 <a:spcPct val="80000"/>
               </a:lnSpc>
               <a:buChar char="•"/>
               <a:defRPr sz="3136"/>
             </a:pPr>
-            <a:endParaRPr sz="1960" b="1"/>
-          </a:p>
-          <a:p>
-            <a:pPr marL="210026" indent="-210026" defTabSz="896111">
+            <a:endParaRPr sz="1960" dirty="0"/>
+          </a:p>
+          <a:p>
+            <a:pPr marL="210026" indent="-210026" algn="l" defTabSz="896111">
               <a:lnSpc>
                 <a:spcPct val="80000"/>
               </a:lnSpc>
@@ -10209,92 +9809,22 @@
               <a:defRPr sz="3136"/>
             </a:pPr>
             <a:r>
-              <a:rPr sz="1960" b="1"/>
-              <a:t>Memory model</a:t>
-            </a:r>
-            <a:endParaRPr sz="1960">
-              <a:solidFill>
-                <a:srgbClr val="000000"/>
-              </a:solidFill>
-            </a:endParaRPr>
-          </a:p>
-          <a:p>
-            <a:pPr marL="628078" lvl="1" indent="-180022" defTabSz="896111">
-              <a:lnSpc>
-                <a:spcPct val="80000"/>
-              </a:lnSpc>
-              <a:spcBef>
-                <a:spcPts val="400"/>
-              </a:spcBef>
-              <a:defRPr sz="2744">
-                <a:solidFill>
-                  <a:srgbClr val="000000"/>
-                </a:solidFill>
-              </a:defRPr>
-            </a:pPr>
-            <a:r>
-              <a:rPr sz="1764"/>
-              <a:t>http://en.wikipedia.org/wiki/Memory_model</a:t>
-            </a:r>
-          </a:p>
-          <a:p>
-            <a:pPr marL="336042" indent="-336042" defTabSz="896111">
-              <a:lnSpc>
-                <a:spcPct val="80000"/>
-              </a:lnSpc>
-              <a:buChar char="•"/>
-              <a:defRPr sz="3136"/>
-            </a:pPr>
-            <a:endParaRPr sz="1960"/>
-          </a:p>
-          <a:p>
-            <a:pPr marL="210026" indent="-210026" defTabSz="896111">
-              <a:lnSpc>
-                <a:spcPct val="80000"/>
-              </a:lnSpc>
-              <a:spcBef>
-                <a:spcPts val="400"/>
-              </a:spcBef>
-              <a:buChar char="•"/>
-              <a:defRPr sz="3136"/>
-            </a:pPr>
-            <a:r>
-              <a:rPr sz="1960" b="1"/>
-              <a:t>IA-32 Intel Architecture Software Developer’s Manual, Volume 1: Basic Architecture</a:t>
-            </a:r>
-          </a:p>
-          <a:p>
-            <a:pPr marL="728091" lvl="1" indent="-280035" defTabSz="896111">
-              <a:lnSpc>
-                <a:spcPct val="80000"/>
-              </a:lnSpc>
-              <a:spcBef>
-                <a:spcPts val="400"/>
-              </a:spcBef>
-              <a:defRPr sz="2744">
-                <a:solidFill>
-                  <a:srgbClr val="000000"/>
-                </a:solidFill>
-              </a:defRPr>
-            </a:pPr>
-            <a:r>
-              <a:rPr u="sng">
-                <a:solidFill>
-                  <a:srgbClr val="CCCCFF"/>
-                </a:solidFill>
-                <a:uFill>
-                  <a:solidFill>
-                    <a:srgbClr val="CCCCFF"/>
-                  </a:solidFill>
-                </a:uFill>
-                <a:hlinkClick r:id="rId2"/>
-              </a:rPr>
-              <a:t>http://www.intel.com/design/pentium4/manuals/index_new.htm</a:t>
+              <a:rPr sz="1960" b="1" dirty="0"/>
+              <a:t>IA-32 Intel Architecture Software Developer’s Manual, Volume 1: Basic </a:t>
+            </a:r>
+            <a:r>
+              <a:rPr sz="1960" b="1" dirty="0" smtClean="0"/>
+              <a:t>Architecture</a:t>
             </a:r>
           </a:p>
         </p:txBody>
       </p:sp>
     </p:spTree>
+    <p:extLst>
+      <p:ext uri="{BB962C8B-B14F-4D97-AF65-F5344CB8AC3E}">
+        <p14:creationId xmlns:p14="http://schemas.microsoft.com/office/powerpoint/2010/main" val="1056863429"/>
+      </p:ext>
+    </p:extLst>
   </p:cSld>
   <p:clrMapOvr>
     <a:masterClrMapping/>

--- a/slides/virtual_memory_intro.pptx
+++ b/slides/virtual_memory_intro.pptx
@@ -5,7 +5,7 @@
     <p:sldMasterId id="2147483648" r:id="rId1"/>
   </p:sldMasterIdLst>
   <p:notesMasterIdLst>
-    <p:notesMasterId r:id="rId26"/>
+    <p:notesMasterId r:id="rId27"/>
   </p:notesMasterIdLst>
   <p:sldIdLst>
     <p:sldId id="256" r:id="rId2"/>
@@ -17,21 +17,22 @@
     <p:sldId id="262" r:id="rId8"/>
     <p:sldId id="263" r:id="rId9"/>
     <p:sldId id="264" r:id="rId10"/>
-    <p:sldId id="265" r:id="rId11"/>
-    <p:sldId id="266" r:id="rId12"/>
-    <p:sldId id="267" r:id="rId13"/>
-    <p:sldId id="268" r:id="rId14"/>
-    <p:sldId id="281" r:id="rId15"/>
-    <p:sldId id="272" r:id="rId16"/>
-    <p:sldId id="273" r:id="rId17"/>
-    <p:sldId id="271" r:id="rId18"/>
-    <p:sldId id="274" r:id="rId19"/>
-    <p:sldId id="275" r:id="rId20"/>
-    <p:sldId id="276" r:id="rId21"/>
-    <p:sldId id="277" r:id="rId22"/>
-    <p:sldId id="278" r:id="rId23"/>
-    <p:sldId id="279" r:id="rId24"/>
-    <p:sldId id="282" r:id="rId25"/>
+    <p:sldId id="283" r:id="rId11"/>
+    <p:sldId id="265" r:id="rId12"/>
+    <p:sldId id="266" r:id="rId13"/>
+    <p:sldId id="267" r:id="rId14"/>
+    <p:sldId id="268" r:id="rId15"/>
+    <p:sldId id="281" r:id="rId16"/>
+    <p:sldId id="272" r:id="rId17"/>
+    <p:sldId id="273" r:id="rId18"/>
+    <p:sldId id="271" r:id="rId19"/>
+    <p:sldId id="274" r:id="rId20"/>
+    <p:sldId id="275" r:id="rId21"/>
+    <p:sldId id="276" r:id="rId22"/>
+    <p:sldId id="277" r:id="rId23"/>
+    <p:sldId id="278" r:id="rId24"/>
+    <p:sldId id="279" r:id="rId25"/>
+    <p:sldId id="282" r:id="rId26"/>
   </p:sldIdLst>
   <p:sldSz cx="9144000" cy="6858000" type="screen4x3"/>
   <p:notesSz cx="6858000" cy="9144000"/>
@@ -3055,44 +3056,7 @@
       </p:grpSpPr>
       <p:sp>
         <p:nvSpPr>
-          <p:cNvPr id="148" name="Shape 148"/>
-          <p:cNvSpPr>
-            <a:spLocks noGrp="1"/>
-          </p:cNvSpPr>
-          <p:nvPr>
-            <p:ph type="sldNum" sz="quarter" idx="2"/>
-          </p:nvPr>
-        </p:nvSpPr>
-        <p:spPr>
-          <a:prstGeom prst="rect">
-            <a:avLst/>
-          </a:prstGeom>
-          <a:extLst>
-            <a:ext uri="{C572A759-6A51-4108-AA02-DFA0A04FC94B}">
-              <ma14:wrappingTextBoxFlag xmlns:ma14="http://schemas.microsoft.com/office/mac/drawingml/2011/main" val="1"/>
-            </a:ext>
-          </a:extLst>
-        </p:spPr>
-        <p:txBody>
-          <a:bodyPr>
-            <a:normAutofit lnSpcReduction="10000"/>
-          </a:bodyPr>
-          <a:lstStyle/>
-          <a:p>
-            <a:pPr>
-              <a:defRPr sz="2400"/>
-            </a:pPr>
-            <a:fld id="{86CB4B4D-7CA3-9044-876B-883B54F8677D}" type="slidenum">
-              <a:rPr sz="1400"/>
-              <a:t>10</a:t>
-            </a:fld>
-            <a:endParaRPr sz="1400"/>
-          </a:p>
-        </p:txBody>
-      </p:sp>
-      <p:sp>
-        <p:nvSpPr>
-          <p:cNvPr id="149" name="Shape 149"/>
+          <p:cNvPr id="2" name="Title 1"/>
           <p:cNvSpPr>
             <a:spLocks noGrp="1"/>
           </p:cNvSpPr>
@@ -3100,153 +3064,84 @@
             <p:ph type="title"/>
           </p:nvPr>
         </p:nvSpPr>
-        <p:spPr>
-          <a:xfrm>
-            <a:off x="657225" y="-1"/>
-            <a:ext cx="7772400" cy="1143002"/>
-          </a:xfrm>
-          <a:prstGeom prst="rect">
-            <a:avLst/>
-          </a:prstGeom>
-        </p:spPr>
-        <p:txBody>
-          <a:bodyPr>
-            <a:normAutofit/>
-          </a:bodyPr>
-          <a:lstStyle>
-            <a:lvl1pPr algn="l"/>
-          </a:lstStyle>
-          <a:p>
-            <a:r>
-              <a:t>Page Tables</a:t>
-            </a:r>
-          </a:p>
-        </p:txBody>
-      </p:sp>
-      <p:sp>
-        <p:nvSpPr>
-          <p:cNvPr id="150" name="Shape 150"/>
+        <p:spPr/>
+        <p:txBody>
+          <a:bodyPr/>
+          <a:lstStyle/>
+          <a:p>
+            <a:r>
+              <a:rPr lang="en-US" dirty="0" smtClean="0"/>
+              <a:t>Recap: Powers of 2 !</a:t>
+            </a:r>
+            <a:endParaRPr lang="en-US" dirty="0"/>
+          </a:p>
+        </p:txBody>
+      </p:sp>
+      <p:sp>
+        <p:nvSpPr>
+          <p:cNvPr id="3" name="Text Placeholder 2"/>
           <p:cNvSpPr>
             <a:spLocks noGrp="1"/>
           </p:cNvSpPr>
           <p:nvPr>
-            <p:ph type="body" sz="half" idx="1"/>
+            <p:ph type="body" idx="1"/>
           </p:nvPr>
         </p:nvSpPr>
-        <p:spPr>
-          <a:xfrm>
-            <a:off x="71519" y="1840793"/>
-            <a:ext cx="4435394" cy="4114801"/>
-          </a:xfrm>
-          <a:prstGeom prst="rect">
-            <a:avLst/>
-          </a:prstGeom>
-        </p:spPr>
-        <p:txBody>
-          <a:bodyPr>
-            <a:normAutofit/>
-          </a:bodyPr>
+        <p:spPr/>
+        <p:txBody>
+          <a:bodyPr/>
           <a:lstStyle/>
           <a:p>
-            <a:pPr>
-              <a:spcBef>
-                <a:spcPts val="600"/>
-              </a:spcBef>
-              <a:buSzTx/>
-              <a:buNone/>
-              <a:defRPr sz="2500">
-                <a:solidFill>
-                  <a:srgbClr val="000000"/>
-                </a:solidFill>
-              </a:defRPr>
-            </a:pPr>
-            <a:endParaRPr/>
-          </a:p>
-          <a:p>
-            <a:pPr marL="250657" indent="-250657">
-              <a:spcBef>
-                <a:spcPts val="600"/>
-              </a:spcBef>
-              <a:buClrTx/>
-              <a:buChar char="•"/>
-              <a:defRPr>
-                <a:solidFill>
-                  <a:srgbClr val="000000"/>
-                </a:solidFill>
-              </a:defRPr>
-            </a:pPr>
-            <a:r>
-              <a:rPr sz="2500"/>
-              <a:t>Stores the </a:t>
-            </a:r>
-            <a:r>
-              <a:rPr sz="2100"/>
-              <a:t>mapping between</a:t>
-            </a:r>
-            <a:br>
-              <a:rPr sz="2100"/>
-            </a:br>
-            <a:r>
-              <a:rPr sz="2100"/>
-              <a:t>virtual addresses and physical </a:t>
-            </a:r>
-            <a:br>
-              <a:rPr sz="2100"/>
-            </a:br>
-            <a:r>
-              <a:rPr sz="2100"/>
-              <a:t>addresses </a:t>
-            </a:r>
-          </a:p>
-          <a:p>
-            <a:pPr>
-              <a:spcBef>
-                <a:spcPts val="600"/>
-              </a:spcBef>
-              <a:buSzTx/>
-              <a:buNone/>
-              <a:defRPr sz="2100">
-                <a:solidFill>
-                  <a:srgbClr val="000000"/>
-                </a:solidFill>
-              </a:defRPr>
-            </a:pPr>
-            <a:r>
-              <a:t>	</a:t>
-            </a:r>
-          </a:p>
-        </p:txBody>
-      </p:sp>
-      <p:pic>
-        <p:nvPicPr>
-          <p:cNvPr id="151" name="4-10.jpg"/>
-          <p:cNvPicPr>
-            <a:picLocks noChangeAspect="1"/>
-          </p:cNvPicPr>
-          <p:nvPr/>
-        </p:nvPicPr>
-        <p:blipFill>
-          <a:blip r:embed="rId2">
-            <a:extLst/>
-          </a:blip>
-          <a:stretch>
-            <a:fillRect/>
-          </a:stretch>
-        </p:blipFill>
-        <p:spPr>
-          <a:xfrm>
-            <a:off x="4572000" y="787400"/>
-            <a:ext cx="3998913" cy="5710238"/>
-          </a:xfrm>
-          <a:prstGeom prst="rect">
-            <a:avLst/>
-          </a:prstGeom>
-          <a:ln w="12700">
-            <a:miter lim="400000"/>
-          </a:ln>
-        </p:spPr>
-      </p:pic>
+            <a:r>
+              <a:rPr lang="en-US" dirty="0" smtClean="0"/>
+              <a:t>2^0 = 1</a:t>
+            </a:r>
+          </a:p>
+          <a:p>
+            <a:r>
+              <a:rPr lang="en-US" dirty="0" smtClean="0"/>
+              <a:t>2^10 = 1024</a:t>
+            </a:r>
+          </a:p>
+          <a:p>
+            <a:r>
+              <a:rPr lang="en-US" dirty="0" smtClean="0"/>
+              <a:t>2^12 = 4096</a:t>
+            </a:r>
+          </a:p>
+          <a:p>
+            <a:r>
+              <a:rPr lang="en-US" dirty="0" smtClean="0"/>
+              <a:t>2^13 = 8192</a:t>
+            </a:r>
+          </a:p>
+          <a:p>
+            <a:r>
+              <a:rPr lang="en-US" dirty="0" smtClean="0"/>
+              <a:t>2^20 = 1024x1024 = 1M</a:t>
+            </a:r>
+          </a:p>
+          <a:p>
+            <a:r>
+              <a:rPr lang="en-US" dirty="0" smtClean="0"/>
+              <a:t>2^30 </a:t>
+            </a:r>
+            <a:r>
+              <a:rPr lang="en-US" smtClean="0"/>
+              <a:t>= 1G</a:t>
+            </a:r>
+          </a:p>
+          <a:p>
+            <a:endParaRPr lang="en-US" dirty="0"/>
+          </a:p>
+        </p:txBody>
+      </p:sp>
     </p:spTree>
+    <p:extLst>
+      <p:ext uri="{BB962C8B-B14F-4D97-AF65-F5344CB8AC3E}">
+        <p14:creationId xmlns:p14="http://schemas.microsoft.com/office/powerpoint/2010/main" val="55676178"/>
+      </p:ext>
+    </p:extLst>
   </p:cSld>
   <p:clrMapOvr>
     <a:masterClrMapping/>
@@ -3274,7 +3169,7 @@
       </p:grpSpPr>
       <p:sp>
         <p:nvSpPr>
-          <p:cNvPr id="153" name="Shape 153"/>
+          <p:cNvPr id="148" name="Shape 148"/>
           <p:cNvSpPr>
             <a:spLocks noGrp="1"/>
           </p:cNvSpPr>
@@ -3311,7 +3206,7 @@
       </p:sp>
       <p:sp>
         <p:nvSpPr>
-          <p:cNvPr id="154" name="Shape 154"/>
+          <p:cNvPr id="149" name="Shape 149"/>
           <p:cNvSpPr>
             <a:spLocks noGrp="1"/>
           </p:cNvSpPr>
@@ -3321,8 +3216,8 @@
         </p:nvSpPr>
         <p:spPr>
           <a:xfrm>
-            <a:off x="471642" y="184722"/>
-            <a:ext cx="8458201" cy="1050117"/>
+            <a:off x="657225" y="-1"/>
+            <a:ext cx="7772400" cy="1143002"/>
           </a:xfrm>
           <a:prstGeom prst="rect">
             <a:avLst/>
@@ -3330,41 +3225,32 @@
         </p:spPr>
         <p:txBody>
           <a:bodyPr>
-            <a:normAutofit fontScale="90000"/>
+            <a:normAutofit/>
           </a:bodyPr>
-          <a:lstStyle/>
-          <a:p>
-            <a:pPr defTabSz="704087">
-              <a:defRPr sz="3387"/>
-            </a:pPr>
-            <a:r>
-              <a:t>Virtual Address Translation</a:t>
-            </a:r>
-          </a:p>
-          <a:p>
-            <a:pPr defTabSz="704087">
-              <a:defRPr sz="3387"/>
-            </a:pPr>
-            <a:r>
-              <a:t>For Small Address Space</a:t>
-            </a:r>
-          </a:p>
-        </p:txBody>
-      </p:sp>
-      <p:sp>
-        <p:nvSpPr>
-          <p:cNvPr id="155" name="Shape 155"/>
+          <a:lstStyle>
+            <a:lvl1pPr algn="l"/>
+          </a:lstStyle>
+          <a:p>
+            <a:r>
+              <a:t>Page Tables</a:t>
+            </a:r>
+          </a:p>
+        </p:txBody>
+      </p:sp>
+      <p:sp>
+        <p:nvSpPr>
+          <p:cNvPr id="150" name="Shape 150"/>
           <p:cNvSpPr>
             <a:spLocks noGrp="1"/>
           </p:cNvSpPr>
           <p:nvPr>
-            <p:ph type="body" sz="quarter" idx="1"/>
+            <p:ph type="body" sz="half" idx="1"/>
           </p:nvPr>
         </p:nvSpPr>
         <p:spPr>
           <a:xfrm>
-            <a:off x="685800" y="6172200"/>
-            <a:ext cx="8458200" cy="685800"/>
+            <a:off x="71519" y="1840793"/>
+            <a:ext cx="4435394" cy="4114801"/>
           </a:xfrm>
           <a:prstGeom prst="rect">
             <a:avLst/>
@@ -3374,22 +3260,80 @@
           <a:bodyPr>
             <a:normAutofit/>
           </a:bodyPr>
-          <a:lstStyle>
-            <a:lvl1pPr>
+          <a:lstStyle/>
+          <a:p>
+            <a:pPr>
+              <a:spcBef>
+                <a:spcPts val="600"/>
+              </a:spcBef>
               <a:buSzTx/>
               <a:buNone/>
-            </a:lvl1pPr>
-          </a:lstStyle>
-          <a:p>
-            <a:r>
-              <a:t>Internal operation of MMU with 16 4 KB pages</a:t>
+              <a:defRPr sz="2500">
+                <a:solidFill>
+                  <a:srgbClr val="000000"/>
+                </a:solidFill>
+              </a:defRPr>
+            </a:pPr>
+            <a:endParaRPr/>
+          </a:p>
+          <a:p>
+            <a:pPr marL="250657" indent="-250657">
+              <a:spcBef>
+                <a:spcPts val="600"/>
+              </a:spcBef>
+              <a:buClrTx/>
+              <a:buChar char="•"/>
+              <a:defRPr>
+                <a:solidFill>
+                  <a:srgbClr val="000000"/>
+                </a:solidFill>
+              </a:defRPr>
+            </a:pPr>
+            <a:r>
+              <a:rPr sz="2500"/>
+              <a:t>Stores the </a:t>
+            </a:r>
+            <a:r>
+              <a:rPr sz="2100"/>
+              <a:t>mapping between</a:t>
+            </a:r>
+            <a:br>
+              <a:rPr sz="2100"/>
+            </a:br>
+            <a:r>
+              <a:rPr sz="2100"/>
+              <a:t>virtual addresses and physical </a:t>
+            </a:r>
+            <a:br>
+              <a:rPr sz="2100"/>
+            </a:br>
+            <a:r>
+              <a:rPr sz="2100"/>
+              <a:t>addresses </a:t>
+            </a:r>
+          </a:p>
+          <a:p>
+            <a:pPr>
+              <a:spcBef>
+                <a:spcPts val="600"/>
+              </a:spcBef>
+              <a:buSzTx/>
+              <a:buNone/>
+              <a:defRPr sz="2100">
+                <a:solidFill>
+                  <a:srgbClr val="000000"/>
+                </a:solidFill>
+              </a:defRPr>
+            </a:pPr>
+            <a:r>
+              <a:t>	</a:t>
             </a:r>
           </a:p>
         </p:txBody>
       </p:sp>
       <p:pic>
         <p:nvPicPr>
-          <p:cNvPr id="156" name="4-11.jpg"/>
+          <p:cNvPr id="151" name="4-10.jpg"/>
           <p:cNvPicPr>
             <a:picLocks noChangeAspect="1"/>
           </p:cNvPicPr>
@@ -3405,8 +3349,8 @@
         </p:blipFill>
         <p:spPr>
           <a:xfrm>
-            <a:off x="2956272" y="1422163"/>
-            <a:ext cx="4130328" cy="4562712"/>
+            <a:off x="4572000" y="787400"/>
+            <a:ext cx="3998913" cy="5710238"/>
           </a:xfrm>
           <a:prstGeom prst="rect">
             <a:avLst/>
@@ -3444,7 +3388,7 @@
       </p:grpSpPr>
       <p:sp>
         <p:nvSpPr>
-          <p:cNvPr id="158" name="Shape 158"/>
+          <p:cNvPr id="153" name="Shape 153"/>
           <p:cNvSpPr>
             <a:spLocks noGrp="1"/>
           </p:cNvSpPr>
@@ -3481,7 +3425,7 @@
       </p:sp>
       <p:sp>
         <p:nvSpPr>
-          <p:cNvPr id="159" name="Shape 159"/>
+          <p:cNvPr id="154" name="Shape 154"/>
           <p:cNvSpPr>
             <a:spLocks noGrp="1"/>
           </p:cNvSpPr>
@@ -3491,8 +3435,8 @@
         </p:nvSpPr>
         <p:spPr>
           <a:xfrm>
-            <a:off x="657225" y="-1"/>
-            <a:ext cx="7772400" cy="1143002"/>
+            <a:off x="471642" y="184722"/>
+            <a:ext cx="8458201" cy="1050117"/>
           </a:xfrm>
           <a:prstGeom prst="rect">
             <a:avLst/>
@@ -3504,37 +3448,37 @@
           </a:bodyPr>
           <a:lstStyle/>
           <a:p>
-            <a:pPr defTabSz="749808">
-              <a:defRPr sz="3607"/>
+            <a:pPr defTabSz="704087">
+              <a:defRPr sz="3387"/>
             </a:pPr>
             <a:r>
               <a:t>Virtual Address Translation</a:t>
             </a:r>
           </a:p>
           <a:p>
-            <a:pPr defTabSz="749808">
-              <a:defRPr sz="3607"/>
-            </a:pPr>
-            <a:r>
-              <a:t>For Large Address Space</a:t>
-            </a:r>
-          </a:p>
-        </p:txBody>
-      </p:sp>
-      <p:sp>
-        <p:nvSpPr>
-          <p:cNvPr id="160" name="Shape 160"/>
+            <a:pPr defTabSz="704087">
+              <a:defRPr sz="3387"/>
+            </a:pPr>
+            <a:r>
+              <a:t>For Small Address Space</a:t>
+            </a:r>
+          </a:p>
+        </p:txBody>
+      </p:sp>
+      <p:sp>
+        <p:nvSpPr>
+          <p:cNvPr id="155" name="Shape 155"/>
           <p:cNvSpPr>
             <a:spLocks noGrp="1"/>
           </p:cNvSpPr>
           <p:nvPr>
-            <p:ph type="body" sz="half" idx="1"/>
+            <p:ph type="body" sz="quarter" idx="1"/>
           </p:nvPr>
         </p:nvSpPr>
         <p:spPr>
           <a:xfrm>
-            <a:off x="5173574" y="1425623"/>
-            <a:ext cx="4219576" cy="4505326"/>
+            <a:off x="685800" y="6172200"/>
+            <a:ext cx="8458200" cy="685800"/>
           </a:xfrm>
           <a:prstGeom prst="rect">
             <a:avLst/>
@@ -3542,288 +3486,24 @@
         </p:spPr>
         <p:txBody>
           <a:bodyPr>
-            <a:normAutofit lnSpcReduction="10000"/>
+            <a:normAutofit/>
           </a:bodyPr>
-          <a:lstStyle/>
-          <a:p>
-            <a:pPr marL="308609" indent="-308609" defTabSz="822959">
-              <a:spcBef>
-                <a:spcPts val="600"/>
-              </a:spcBef>
-              <a:buChar char="•"/>
-              <a:defRPr sz="2520">
-                <a:solidFill>
-                  <a:srgbClr val="000000"/>
-                </a:solidFill>
-              </a:defRPr>
-            </a:pPr>
-            <a:r>
-              <a:rPr dirty="0"/>
-              <a:t>32 bit address with 2 page table fields</a:t>
-            </a:r>
-          </a:p>
-          <a:p>
-            <a:pPr marL="308609" indent="-308609" defTabSz="822959">
-              <a:spcBef>
-                <a:spcPts val="600"/>
-              </a:spcBef>
-              <a:buChar char="•"/>
-              <a:defRPr sz="2520">
-                <a:solidFill>
-                  <a:srgbClr val="000000"/>
-                </a:solidFill>
-              </a:defRPr>
-            </a:pPr>
-            <a:endParaRPr dirty="0"/>
-          </a:p>
-          <a:p>
-            <a:pPr marL="308609" indent="-308609" defTabSz="822959">
-              <a:spcBef>
-                <a:spcPts val="600"/>
-              </a:spcBef>
-              <a:buChar char="•"/>
-              <a:defRPr sz="2520">
-                <a:solidFill>
-                  <a:srgbClr val="000000"/>
-                </a:solidFill>
-              </a:defRPr>
-            </a:pPr>
-            <a:r>
-              <a:rPr dirty="0"/>
-              <a:t>Two-level page tables</a:t>
-            </a:r>
-          </a:p>
-          <a:p>
-            <a:pPr marL="308609" indent="-308609" defTabSz="822959">
-              <a:spcBef>
-                <a:spcPts val="600"/>
-              </a:spcBef>
-              <a:buChar char="•"/>
-              <a:defRPr sz="2520">
-                <a:solidFill>
-                  <a:srgbClr val="000000"/>
-                </a:solidFill>
-              </a:defRPr>
-            </a:pPr>
-            <a:endParaRPr dirty="0"/>
-          </a:p>
-          <a:p>
-            <a:pPr marL="308609" indent="-308609" defTabSz="822959">
-              <a:spcBef>
-                <a:spcPts val="600"/>
-              </a:spcBef>
-              <a:buChar char="•"/>
-              <a:defRPr sz="2520">
-                <a:solidFill>
-                  <a:srgbClr val="000000"/>
-                </a:solidFill>
-              </a:defRPr>
-            </a:pPr>
-            <a:r>
-              <a:rPr dirty="0"/>
-              <a:t>PT too Big for MMU</a:t>
-            </a:r>
-          </a:p>
-          <a:p>
-            <a:pPr marL="668654" lvl="1" indent="-257175" defTabSz="822959">
-              <a:spcBef>
-                <a:spcPts val="500"/>
-              </a:spcBef>
-              <a:defRPr sz="2159">
-                <a:solidFill>
-                  <a:srgbClr val="000000"/>
-                </a:solidFill>
-              </a:defRPr>
-            </a:pPr>
-            <a:r>
-              <a:rPr dirty="0"/>
-              <a:t>Keep it in main memory</a:t>
-            </a:r>
-          </a:p>
-          <a:p>
-            <a:pPr marL="308609" indent="-308609" defTabSz="822959">
-              <a:spcBef>
-                <a:spcPts val="600"/>
-              </a:spcBef>
-              <a:buChar char="•"/>
-              <a:defRPr sz="2520">
-                <a:solidFill>
-                  <a:srgbClr val="000000"/>
-                </a:solidFill>
-              </a:defRPr>
-            </a:pPr>
-            <a:endParaRPr dirty="0"/>
-          </a:p>
-          <a:p>
-            <a:pPr marL="308609" indent="-308609" defTabSz="822959">
-              <a:spcBef>
-                <a:spcPts val="600"/>
-              </a:spcBef>
-              <a:buChar char="•"/>
-              <a:defRPr sz="2520">
-                <a:solidFill>
-                  <a:srgbClr val="000000"/>
-                </a:solidFill>
-              </a:defRPr>
-            </a:pPr>
-            <a:r>
-              <a:rPr dirty="0"/>
-              <a:t>But how does MMU know where to find PT?</a:t>
-            </a:r>
-          </a:p>
-          <a:p>
-            <a:pPr marL="668654" lvl="1" indent="-257175" defTabSz="822959">
-              <a:spcBef>
-                <a:spcPts val="500"/>
-              </a:spcBef>
-              <a:defRPr sz="2159">
-                <a:solidFill>
-                  <a:srgbClr val="000000"/>
-                </a:solidFill>
-              </a:defRPr>
-            </a:pPr>
-            <a:r>
-              <a:t>Registers </a:t>
-            </a:r>
-            <a:r>
-              <a:rPr/>
-              <a:t>(</a:t>
-            </a:r>
-            <a:r>
-              <a:rPr smtClean="0"/>
-              <a:t>CR</a:t>
-            </a:r>
-            <a:r>
-              <a:rPr lang="en-US" smtClean="0"/>
-              <a:t>2</a:t>
-            </a:r>
-            <a:r>
-              <a:rPr smtClean="0"/>
-              <a:t> </a:t>
-            </a:r>
-            <a:r>
-              <a:t>on Intel)</a:t>
-            </a:r>
-          </a:p>
-        </p:txBody>
-      </p:sp>
-      <p:sp>
-        <p:nvSpPr>
-          <p:cNvPr id="161" name="Shape 161"/>
-          <p:cNvSpPr/>
-          <p:nvPr/>
-        </p:nvSpPr>
-        <p:spPr>
-          <a:xfrm>
-            <a:off x="4089400" y="4965700"/>
-            <a:ext cx="482600" cy="266700"/>
-          </a:xfrm>
-          <a:prstGeom prst="rect">
-            <a:avLst/>
-          </a:prstGeom>
-          <a:solidFill>
-            <a:schemeClr val="accent3">
-              <a:lumOff val="44000"/>
-            </a:schemeClr>
-          </a:solidFill>
-          <a:ln w="12700">
-            <a:miter lim="400000"/>
-          </a:ln>
-        </p:spPr>
-        <p:txBody>
-          <a:bodyPr lIns="45719" rIns="45719" anchor="ctr"/>
-          <a:lstStyle/>
-          <a:p>
-            <a:endParaRPr/>
-          </a:p>
-        </p:txBody>
-      </p:sp>
-      <p:sp>
-        <p:nvSpPr>
-          <p:cNvPr id="162" name="Shape 162"/>
-          <p:cNvSpPr/>
-          <p:nvPr/>
-        </p:nvSpPr>
-        <p:spPr>
-          <a:xfrm>
-            <a:off x="3695700" y="2565400"/>
-            <a:ext cx="444500" cy="215900"/>
-          </a:xfrm>
-          <a:prstGeom prst="rect">
-            <a:avLst/>
-          </a:prstGeom>
-          <a:solidFill>
-            <a:schemeClr val="accent3">
-              <a:lumOff val="44000"/>
-            </a:schemeClr>
-          </a:solidFill>
-          <a:ln w="12700">
-            <a:miter lim="400000"/>
-          </a:ln>
-        </p:spPr>
-        <p:txBody>
-          <a:bodyPr lIns="45719" rIns="45719" anchor="ctr"/>
-          <a:lstStyle/>
-          <a:p>
-            <a:endParaRPr/>
-          </a:p>
-        </p:txBody>
-      </p:sp>
-      <p:sp>
-        <p:nvSpPr>
-          <p:cNvPr id="163" name="Shape 163"/>
-          <p:cNvSpPr/>
-          <p:nvPr/>
-        </p:nvSpPr>
-        <p:spPr>
-          <a:xfrm>
-            <a:off x="3514725" y="2403475"/>
-            <a:ext cx="697345" cy="396240"/>
-          </a:xfrm>
-          <a:prstGeom prst="rect">
-            <a:avLst/>
-          </a:prstGeom>
-          <a:ln w="12700">
-            <a:miter lim="400000"/>
-          </a:ln>
-          <a:extLst>
-            <a:ext uri="{C572A759-6A51-4108-AA02-DFA0A04FC94B}">
-              <ma14:wrappingTextBoxFlag xmlns:ma14="http://schemas.microsoft.com/office/mac/drawingml/2011/main" val="1"/>
-            </a:ext>
-          </a:extLst>
-        </p:spPr>
-        <p:txBody>
-          <a:bodyPr wrap="none" lIns="45719" rIns="45719">
-            <a:spAutoFit/>
-          </a:bodyPr>
-          <a:lstStyle/>
-          <a:p>
-            <a:r>
-              <a:rPr sz="1000">
-                <a:latin typeface="+mj-lt"/>
-                <a:ea typeface="+mj-ea"/>
-                <a:cs typeface="+mj-cs"/>
-                <a:sym typeface="Helvetica"/>
-              </a:rPr>
-              <a:t>Top-level </a:t>
-            </a:r>
-          </a:p>
-          <a:p>
-            <a:r>
-              <a:rPr sz="1000">
-                <a:latin typeface="+mj-lt"/>
-                <a:ea typeface="+mj-ea"/>
-                <a:cs typeface="+mj-cs"/>
-                <a:sym typeface="Helvetica"/>
-              </a:rPr>
-              <a:t>page table</a:t>
+          <a:lstStyle>
+            <a:lvl1pPr>
+              <a:buSzTx/>
+              <a:buNone/>
+            </a:lvl1pPr>
+          </a:lstStyle>
+          <a:p>
+            <a:r>
+              <a:t>Internal operation of MMU with 16 4 KB pages</a:t>
             </a:r>
           </a:p>
         </p:txBody>
       </p:sp>
       <p:pic>
         <p:nvPicPr>
-          <p:cNvPr id="164" name="4-12.jpg"/>
+          <p:cNvPr id="156" name="4-11.jpg"/>
           <p:cNvPicPr>
             <a:picLocks noChangeAspect="1"/>
           </p:cNvPicPr>
@@ -3839,8 +3519,8 @@
         </p:blipFill>
         <p:spPr>
           <a:xfrm>
-            <a:off x="17462" y="1301750"/>
-            <a:ext cx="5146676" cy="5281613"/>
+            <a:off x="2956272" y="1422163"/>
+            <a:ext cx="4130328" cy="4562712"/>
           </a:xfrm>
           <a:prstGeom prst="rect">
             <a:avLst/>
@@ -3850,102 +3530,6 @@
           </a:ln>
         </p:spPr>
       </p:pic>
-      <p:sp>
-        <p:nvSpPr>
-          <p:cNvPr id="165" name="Shape 165"/>
-          <p:cNvSpPr/>
-          <p:nvPr/>
-        </p:nvSpPr>
-        <p:spPr>
-          <a:xfrm>
-            <a:off x="3105150" y="1266825"/>
-            <a:ext cx="1530348" cy="243840"/>
-          </a:xfrm>
-          <a:prstGeom prst="rect">
-            <a:avLst/>
-          </a:prstGeom>
-          <a:solidFill>
-            <a:schemeClr val="accent3">
-              <a:lumOff val="44000"/>
-            </a:schemeClr>
-          </a:solidFill>
-          <a:ln w="12700">
-            <a:miter lim="400000"/>
-          </a:ln>
-          <a:extLst>
-            <a:ext uri="{C572A759-6A51-4108-AA02-DFA0A04FC94B}">
-              <ma14:wrappingTextBoxFlag xmlns:ma14="http://schemas.microsoft.com/office/mac/drawingml/2011/main" val="1"/>
-            </a:ext>
-          </a:extLst>
-        </p:spPr>
-        <p:txBody>
-          <a:bodyPr wrap="none" lIns="45719" rIns="45719">
-            <a:spAutoFit/>
-          </a:bodyPr>
-          <a:lstStyle>
-            <a:lvl1pPr>
-              <a:defRPr sz="1000">
-                <a:latin typeface="+mj-lt"/>
-                <a:ea typeface="+mj-ea"/>
-                <a:cs typeface="+mj-cs"/>
-                <a:sym typeface="Helvetica"/>
-              </a:defRPr>
-            </a:lvl1pPr>
-          </a:lstStyle>
-          <a:p>
-            <a:pPr>
-              <a:defRPr sz="2400">
-                <a:latin typeface="Times New Roman"/>
-                <a:ea typeface="Times New Roman"/>
-                <a:cs typeface="Times New Roman"/>
-                <a:sym typeface="Times New Roman"/>
-              </a:defRPr>
-            </a:pPr>
-            <a:r>
-              <a:rPr sz="1000">
-                <a:latin typeface="+mj-lt"/>
-                <a:ea typeface="+mj-ea"/>
-                <a:cs typeface="+mj-cs"/>
-                <a:sym typeface="Helvetica"/>
-              </a:rPr>
-              <a:t>Second-level page tables</a:t>
-            </a:r>
-          </a:p>
-        </p:txBody>
-      </p:sp>
-      <p:sp>
-        <p:nvSpPr>
-          <p:cNvPr id="166" name="Shape 166"/>
-          <p:cNvSpPr/>
-          <p:nvPr/>
-        </p:nvSpPr>
-        <p:spPr>
-          <a:xfrm>
-            <a:off x="4660900" y="3759200"/>
-            <a:ext cx="508000" cy="292101"/>
-          </a:xfrm>
-          <a:prstGeom prst="rect">
-            <a:avLst/>
-          </a:prstGeom>
-          <a:solidFill>
-            <a:schemeClr val="accent3">
-              <a:lumOff val="44000"/>
-            </a:schemeClr>
-          </a:solidFill>
-          <a:ln>
-            <a:solidFill>
-              <a:srgbClr val="000000"/>
-            </a:solidFill>
-          </a:ln>
-        </p:spPr>
-        <p:txBody>
-          <a:bodyPr lIns="45719" rIns="45719" anchor="ctr"/>
-          <a:lstStyle/>
-          <a:p>
-            <a:endParaRPr/>
-          </a:p>
-        </p:txBody>
-      </p:sp>
     </p:spTree>
   </p:cSld>
   <p:clrMapOvr>
@@ -3974,7 +3558,7 @@
       </p:grpSpPr>
       <p:sp>
         <p:nvSpPr>
-          <p:cNvPr id="168" name="Shape 168"/>
+          <p:cNvPr id="158" name="Shape 158"/>
           <p:cNvSpPr>
             <a:spLocks noGrp="1"/>
           </p:cNvSpPr>
@@ -4011,7 +3595,7 @@
       </p:sp>
       <p:sp>
         <p:nvSpPr>
-          <p:cNvPr id="169" name="Shape 169"/>
+          <p:cNvPr id="159" name="Shape 159"/>
           <p:cNvSpPr>
             <a:spLocks noGrp="1"/>
           </p:cNvSpPr>
@@ -4030,19 +3614,330 @@
         </p:spPr>
         <p:txBody>
           <a:bodyPr>
-            <a:normAutofit/>
+            <a:normAutofit fontScale="90000"/>
           </a:bodyPr>
           <a:lstStyle/>
           <a:p>
-            <a:r>
-              <a:t>Typical Page Table Entry (PTE)</a:t>
+            <a:pPr defTabSz="749808">
+              <a:defRPr sz="3607"/>
+            </a:pPr>
+            <a:r>
+              <a:t>Virtual Address Translation</a:t>
+            </a:r>
+          </a:p>
+          <a:p>
+            <a:pPr defTabSz="749808">
+              <a:defRPr sz="3607"/>
+            </a:pPr>
+            <a:r>
+              <a:t>For Large Address Space</a:t>
+            </a:r>
+          </a:p>
+        </p:txBody>
+      </p:sp>
+      <p:sp>
+        <p:nvSpPr>
+          <p:cNvPr id="160" name="Shape 160"/>
+          <p:cNvSpPr>
+            <a:spLocks noGrp="1"/>
+          </p:cNvSpPr>
+          <p:nvPr>
+            <p:ph type="body" sz="half" idx="1"/>
+          </p:nvPr>
+        </p:nvSpPr>
+        <p:spPr>
+          <a:xfrm>
+            <a:off x="5173574" y="1425623"/>
+            <a:ext cx="4219576" cy="4505326"/>
+          </a:xfrm>
+          <a:prstGeom prst="rect">
+            <a:avLst/>
+          </a:prstGeom>
+        </p:spPr>
+        <p:txBody>
+          <a:bodyPr>
+            <a:normAutofit lnSpcReduction="10000"/>
+          </a:bodyPr>
+          <a:lstStyle/>
+          <a:p>
+            <a:pPr marL="308609" indent="-308609" defTabSz="822959">
+              <a:spcBef>
+                <a:spcPts val="600"/>
+              </a:spcBef>
+              <a:buChar char="•"/>
+              <a:defRPr sz="2520">
+                <a:solidFill>
+                  <a:srgbClr val="000000"/>
+                </a:solidFill>
+              </a:defRPr>
+            </a:pPr>
+            <a:r>
+              <a:rPr dirty="0"/>
+              <a:t>32 bit address with 2 page table fields</a:t>
+            </a:r>
+          </a:p>
+          <a:p>
+            <a:pPr marL="308609" indent="-308609" defTabSz="822959">
+              <a:spcBef>
+                <a:spcPts val="600"/>
+              </a:spcBef>
+              <a:buChar char="•"/>
+              <a:defRPr sz="2520">
+                <a:solidFill>
+                  <a:srgbClr val="000000"/>
+                </a:solidFill>
+              </a:defRPr>
+            </a:pPr>
+            <a:endParaRPr dirty="0"/>
+          </a:p>
+          <a:p>
+            <a:pPr marL="308609" indent="-308609" defTabSz="822959">
+              <a:spcBef>
+                <a:spcPts val="600"/>
+              </a:spcBef>
+              <a:buChar char="•"/>
+              <a:defRPr sz="2520">
+                <a:solidFill>
+                  <a:srgbClr val="000000"/>
+                </a:solidFill>
+              </a:defRPr>
+            </a:pPr>
+            <a:r>
+              <a:rPr dirty="0"/>
+              <a:t>Two-level page tables</a:t>
+            </a:r>
+          </a:p>
+          <a:p>
+            <a:pPr marL="308609" indent="-308609" defTabSz="822959">
+              <a:spcBef>
+                <a:spcPts val="600"/>
+              </a:spcBef>
+              <a:buChar char="•"/>
+              <a:defRPr sz="2520">
+                <a:solidFill>
+                  <a:srgbClr val="000000"/>
+                </a:solidFill>
+              </a:defRPr>
+            </a:pPr>
+            <a:endParaRPr dirty="0"/>
+          </a:p>
+          <a:p>
+            <a:pPr marL="308609" indent="-308609" defTabSz="822959">
+              <a:spcBef>
+                <a:spcPts val="600"/>
+              </a:spcBef>
+              <a:buChar char="•"/>
+              <a:defRPr sz="2520">
+                <a:solidFill>
+                  <a:srgbClr val="000000"/>
+                </a:solidFill>
+              </a:defRPr>
+            </a:pPr>
+            <a:r>
+              <a:rPr dirty="0"/>
+              <a:t>PT too Big for MMU</a:t>
+            </a:r>
+          </a:p>
+          <a:p>
+            <a:pPr marL="668654" lvl="1" indent="-257175" defTabSz="822959">
+              <a:spcBef>
+                <a:spcPts val="500"/>
+              </a:spcBef>
+              <a:defRPr sz="2159">
+                <a:solidFill>
+                  <a:srgbClr val="000000"/>
+                </a:solidFill>
+              </a:defRPr>
+            </a:pPr>
+            <a:r>
+              <a:rPr dirty="0"/>
+              <a:t>Keep it in main memory</a:t>
+            </a:r>
+          </a:p>
+          <a:p>
+            <a:pPr marL="308609" indent="-308609" defTabSz="822959">
+              <a:spcBef>
+                <a:spcPts val="600"/>
+              </a:spcBef>
+              <a:buChar char="•"/>
+              <a:defRPr sz="2520">
+                <a:solidFill>
+                  <a:srgbClr val="000000"/>
+                </a:solidFill>
+              </a:defRPr>
+            </a:pPr>
+            <a:endParaRPr dirty="0"/>
+          </a:p>
+          <a:p>
+            <a:pPr marL="308609" indent="-308609" defTabSz="822959">
+              <a:spcBef>
+                <a:spcPts val="600"/>
+              </a:spcBef>
+              <a:buChar char="•"/>
+              <a:defRPr sz="2520">
+                <a:solidFill>
+                  <a:srgbClr val="000000"/>
+                </a:solidFill>
+              </a:defRPr>
+            </a:pPr>
+            <a:r>
+              <a:rPr dirty="0"/>
+              <a:t>But how does MMU know where to find PT?</a:t>
+            </a:r>
+          </a:p>
+          <a:p>
+            <a:pPr marL="668654" lvl="1" indent="-257175" defTabSz="822959">
+              <a:spcBef>
+                <a:spcPts val="500"/>
+              </a:spcBef>
+              <a:defRPr sz="2159">
+                <a:solidFill>
+                  <a:srgbClr val="000000"/>
+                </a:solidFill>
+              </a:defRPr>
+            </a:pPr>
+            <a:r>
+              <a:t>Registers </a:t>
+            </a:r>
+            <a:r>
+              <a:rPr/>
+              <a:t>(</a:t>
+            </a:r>
+            <a:r>
+              <a:rPr smtClean="0"/>
+              <a:t>CR</a:t>
+            </a:r>
+            <a:r>
+              <a:rPr lang="en-US" smtClean="0"/>
+              <a:t>2</a:t>
+            </a:r>
+            <a:r>
+              <a:rPr smtClean="0"/>
+              <a:t> </a:t>
+            </a:r>
+            <a:r>
+              <a:t>on Intel)</a:t>
+            </a:r>
+          </a:p>
+        </p:txBody>
+      </p:sp>
+      <p:sp>
+        <p:nvSpPr>
+          <p:cNvPr id="161" name="Shape 161"/>
+          <p:cNvSpPr/>
+          <p:nvPr/>
+        </p:nvSpPr>
+        <p:spPr>
+          <a:xfrm>
+            <a:off x="4089400" y="4965700"/>
+            <a:ext cx="482600" cy="266700"/>
+          </a:xfrm>
+          <a:prstGeom prst="rect">
+            <a:avLst/>
+          </a:prstGeom>
+          <a:solidFill>
+            <a:schemeClr val="accent3">
+              <a:lumOff val="44000"/>
+            </a:schemeClr>
+          </a:solidFill>
+          <a:ln w="12700">
+            <a:miter lim="400000"/>
+          </a:ln>
+        </p:spPr>
+        <p:txBody>
+          <a:bodyPr lIns="45719" rIns="45719" anchor="ctr"/>
+          <a:lstStyle/>
+          <a:p>
+            <a:endParaRPr/>
+          </a:p>
+        </p:txBody>
+      </p:sp>
+      <p:sp>
+        <p:nvSpPr>
+          <p:cNvPr id="162" name="Shape 162"/>
+          <p:cNvSpPr/>
+          <p:nvPr/>
+        </p:nvSpPr>
+        <p:spPr>
+          <a:xfrm>
+            <a:off x="3695700" y="2565400"/>
+            <a:ext cx="444500" cy="215900"/>
+          </a:xfrm>
+          <a:prstGeom prst="rect">
+            <a:avLst/>
+          </a:prstGeom>
+          <a:solidFill>
+            <a:schemeClr val="accent3">
+              <a:lumOff val="44000"/>
+            </a:schemeClr>
+          </a:solidFill>
+          <a:ln w="12700">
+            <a:miter lim="400000"/>
+          </a:ln>
+        </p:spPr>
+        <p:txBody>
+          <a:bodyPr lIns="45719" rIns="45719" anchor="ctr"/>
+          <a:lstStyle/>
+          <a:p>
+            <a:endParaRPr/>
+          </a:p>
+        </p:txBody>
+      </p:sp>
+      <p:sp>
+        <p:nvSpPr>
+          <p:cNvPr id="163" name="Shape 163"/>
+          <p:cNvSpPr/>
+          <p:nvPr/>
+        </p:nvSpPr>
+        <p:spPr>
+          <a:xfrm>
+            <a:off x="3514725" y="2403475"/>
+            <a:ext cx="697345" cy="396240"/>
+          </a:xfrm>
+          <a:prstGeom prst="rect">
+            <a:avLst/>
+          </a:prstGeom>
+          <a:ln w="12700">
+            <a:miter lim="400000"/>
+          </a:ln>
+          <a:extLst>
+            <a:ext uri="{C572A759-6A51-4108-AA02-DFA0A04FC94B}">
+              <ma14:wrappingTextBoxFlag xmlns:ma14="http://schemas.microsoft.com/office/mac/drawingml/2011/main" val="1"/>
+            </a:ext>
+          </a:extLst>
+        </p:spPr>
+        <p:txBody>
+          <a:bodyPr wrap="none" lIns="45719" rIns="45719">
+            <a:spAutoFit/>
+          </a:bodyPr>
+          <a:lstStyle/>
+          <a:p>
+            <a:r>
+              <a:rPr sz="1000">
+                <a:latin typeface="+mj-lt"/>
+                <a:ea typeface="+mj-ea"/>
+                <a:cs typeface="+mj-cs"/>
+                <a:sym typeface="Helvetica"/>
+              </a:rPr>
+              <a:t>Top-level </a:t>
+            </a:r>
+          </a:p>
+          <a:p>
+            <a:r>
+              <a:rPr sz="1000">
+                <a:latin typeface="+mj-lt"/>
+                <a:ea typeface="+mj-ea"/>
+                <a:cs typeface="+mj-cs"/>
+                <a:sym typeface="Helvetica"/>
+              </a:rPr>
+              <a:t>page table</a:t>
             </a:r>
           </a:p>
         </p:txBody>
       </p:sp>
       <p:pic>
         <p:nvPicPr>
-          <p:cNvPr id="170" name="4-13.jpg"/>
+          <p:cNvPr id="164" name="4-12.jpg"/>
           <p:cNvPicPr>
             <a:picLocks noChangeAspect="1"/>
           </p:cNvPicPr>
@@ -4058,8 +3953,8 @@
         </p:blipFill>
         <p:spPr>
           <a:xfrm>
-            <a:off x="320675" y="1017587"/>
-            <a:ext cx="8502650" cy="2286001"/>
+            <a:off x="17462" y="1301750"/>
+            <a:ext cx="5146676" cy="5281613"/>
           </a:xfrm>
           <a:prstGeom prst="rect">
             <a:avLst/>
@@ -4071,172 +3966,97 @@
       </p:pic>
       <p:sp>
         <p:nvSpPr>
-          <p:cNvPr id="171" name="Shape 171"/>
-          <p:cNvSpPr>
-            <a:spLocks noGrp="1"/>
-          </p:cNvSpPr>
-          <p:nvPr>
-            <p:ph type="body" idx="1"/>
-          </p:nvPr>
+          <p:cNvPr id="165" name="Shape 165"/>
+          <p:cNvSpPr/>
+          <p:nvPr/>
         </p:nvSpPr>
         <p:spPr>
           <a:xfrm>
-            <a:off x="468758" y="3289746"/>
-            <a:ext cx="7975949" cy="3263454"/>
+            <a:off x="3105150" y="1266825"/>
+            <a:ext cx="1530348" cy="243840"/>
           </a:xfrm>
           <a:prstGeom prst="rect">
             <a:avLst/>
           </a:prstGeom>
-        </p:spPr>
-        <p:txBody>
-          <a:bodyPr>
-            <a:normAutofit lnSpcReduction="10000"/>
+          <a:solidFill>
+            <a:schemeClr val="accent3">
+              <a:lumOff val="44000"/>
+            </a:schemeClr>
+          </a:solidFill>
+          <a:ln w="12700">
+            <a:miter lim="400000"/>
+          </a:ln>
+          <a:extLst>
+            <a:ext uri="{C572A759-6A51-4108-AA02-DFA0A04FC94B}">
+              <ma14:wrappingTextBoxFlag xmlns:ma14="http://schemas.microsoft.com/office/mac/drawingml/2011/main" val="1"/>
+            </a:ext>
+          </a:extLst>
+        </p:spPr>
+        <p:txBody>
+          <a:bodyPr wrap="none" lIns="45719" rIns="45719">
+            <a:spAutoFit/>
           </a:bodyPr>
+          <a:lstStyle>
+            <a:lvl1pPr>
+              <a:defRPr sz="1000">
+                <a:latin typeface="+mj-lt"/>
+                <a:ea typeface="+mj-ea"/>
+                <a:cs typeface="+mj-cs"/>
+                <a:sym typeface="Helvetica"/>
+              </a:defRPr>
+            </a:lvl1pPr>
+          </a:lstStyle>
+          <a:p>
+            <a:pPr>
+              <a:defRPr sz="2400">
+                <a:latin typeface="Times New Roman"/>
+                <a:ea typeface="Times New Roman"/>
+                <a:cs typeface="Times New Roman"/>
+                <a:sym typeface="Times New Roman"/>
+              </a:defRPr>
+            </a:pPr>
+            <a:r>
+              <a:rPr sz="1000">
+                <a:latin typeface="+mj-lt"/>
+                <a:ea typeface="+mj-ea"/>
+                <a:cs typeface="+mj-cs"/>
+                <a:sym typeface="Helvetica"/>
+              </a:rPr>
+              <a:t>Second-level page tables</a:t>
+            </a:r>
+          </a:p>
+        </p:txBody>
+      </p:sp>
+      <p:sp>
+        <p:nvSpPr>
+          <p:cNvPr id="166" name="Shape 166"/>
+          <p:cNvSpPr/>
+          <p:nvPr/>
+        </p:nvSpPr>
+        <p:spPr>
+          <a:xfrm>
+            <a:off x="4660900" y="3759200"/>
+            <a:ext cx="508000" cy="292101"/>
+          </a:xfrm>
+          <a:prstGeom prst="rect">
+            <a:avLst/>
+          </a:prstGeom>
+          <a:solidFill>
+            <a:schemeClr val="accent3">
+              <a:lumOff val="44000"/>
+            </a:schemeClr>
+          </a:solidFill>
+          <a:ln>
+            <a:solidFill>
+              <a:srgbClr val="000000"/>
+            </a:solidFill>
+          </a:ln>
+        </p:spPr>
+        <p:txBody>
+          <a:bodyPr lIns="45719" rIns="45719" anchor="ctr"/>
           <a:lstStyle/>
           <a:p>
-            <a:pPr marL="214026" indent="-214026" defTabSz="576072">
-              <a:spcBef>
-                <a:spcPts val="400"/>
-              </a:spcBef>
-              <a:buClr>
-                <a:srgbClr val="9FC880"/>
-              </a:buClr>
-              <a:buFont typeface="Wingdings"/>
-              <a:buChar char="⬥"/>
-              <a:defRPr sz="2016">
-                <a:solidFill>
-                  <a:srgbClr val="000000"/>
-                </a:solidFill>
-                <a:effectLst>
-                  <a:outerShdw blurRad="8001" dist="16002" dir="2700000" rotWithShape="0">
-                    <a:srgbClr val="DDDDDD"/>
-                  </a:outerShdw>
-                </a:effectLst>
-                <a:latin typeface="Arial"/>
-                <a:ea typeface="Arial"/>
-                <a:cs typeface="Arial"/>
-                <a:sym typeface="Arial"/>
-              </a:defRPr>
-            </a:pPr>
-            <a:r>
-              <a:t>Page Frame number = physical page number for the virtual page represented by the PTE</a:t>
-            </a:r>
-          </a:p>
-          <a:p>
-            <a:pPr marL="214026" indent="-214026" defTabSz="576072">
-              <a:spcBef>
-                <a:spcPts val="400"/>
-              </a:spcBef>
-              <a:buClr>
-                <a:srgbClr val="9FC880"/>
-              </a:buClr>
-              <a:buFont typeface="Wingdings"/>
-              <a:buChar char="⬥"/>
-              <a:defRPr sz="2016">
-                <a:solidFill>
-                  <a:srgbClr val="000000"/>
-                </a:solidFill>
-                <a:effectLst>
-                  <a:outerShdw blurRad="8001" dist="16002" dir="2700000" rotWithShape="0">
-                    <a:srgbClr val="DDDDDD"/>
-                  </a:outerShdw>
-                </a:effectLst>
-                <a:latin typeface="Arial"/>
-                <a:ea typeface="Arial"/>
-                <a:cs typeface="Arial"/>
-                <a:sym typeface="Arial"/>
-              </a:defRPr>
-            </a:pPr>
-            <a:r>
-              <a:t>Referenced bit: Whether the page was accessed since last time the bit was reset.</a:t>
-            </a:r>
-          </a:p>
-          <a:p>
-            <a:pPr marL="214026" indent="-214026" defTabSz="576072">
-              <a:spcBef>
-                <a:spcPts val="400"/>
-              </a:spcBef>
-              <a:buClr>
-                <a:srgbClr val="9FC880"/>
-              </a:buClr>
-              <a:buFont typeface="Wingdings"/>
-              <a:buChar char="⬥"/>
-              <a:defRPr sz="2016">
-                <a:solidFill>
-                  <a:srgbClr val="000000"/>
-                </a:solidFill>
-                <a:effectLst>
-                  <a:outerShdw blurRad="8001" dist="16002" dir="2700000" rotWithShape="0">
-                    <a:srgbClr val="DDDDDD"/>
-                  </a:outerShdw>
-                </a:effectLst>
-                <a:latin typeface="Arial"/>
-                <a:ea typeface="Arial"/>
-                <a:cs typeface="Arial"/>
-                <a:sym typeface="Arial"/>
-              </a:defRPr>
-            </a:pPr>
-            <a:r>
-              <a:t>Modified bit: Also called “Dirty” bit. Whether the page was written to, since the last time the bit was reset.</a:t>
-            </a:r>
-          </a:p>
-          <a:p>
-            <a:pPr marL="214026" indent="-214026" defTabSz="576072">
-              <a:spcBef>
-                <a:spcPts val="400"/>
-              </a:spcBef>
-              <a:buClr>
-                <a:srgbClr val="9FC880"/>
-              </a:buClr>
-              <a:buFont typeface="Wingdings"/>
-              <a:buChar char="⬥"/>
-              <a:defRPr sz="2016">
-                <a:solidFill>
-                  <a:srgbClr val="000000"/>
-                </a:solidFill>
-                <a:effectLst>
-                  <a:outerShdw blurRad="8001" dist="16002" dir="2700000" rotWithShape="0">
-                    <a:srgbClr val="DDDDDD"/>
-                  </a:outerShdw>
-                </a:effectLst>
-                <a:latin typeface="Arial"/>
-                <a:ea typeface="Arial"/>
-                <a:cs typeface="Arial"/>
-                <a:sym typeface="Arial"/>
-              </a:defRPr>
-            </a:pPr>
-            <a:r>
-              <a:t>Protection bits: Whether the page is readable? writeable? executable?  contains higher privilege code/data?</a:t>
-            </a:r>
-          </a:p>
-          <a:p>
-            <a:pPr marL="214026" indent="-214026" defTabSz="576072">
-              <a:spcBef>
-                <a:spcPts val="400"/>
-              </a:spcBef>
-              <a:buClr>
-                <a:srgbClr val="9FC880"/>
-              </a:buClr>
-              <a:buFont typeface="Wingdings"/>
-              <a:buChar char="⬥"/>
-              <a:defRPr sz="2016">
-                <a:solidFill>
-                  <a:srgbClr val="000000"/>
-                </a:solidFill>
-                <a:effectLst>
-                  <a:outerShdw blurRad="8001" dist="16002" dir="2700000" rotWithShape="0">
-                    <a:srgbClr val="DDDDDD"/>
-                  </a:outerShdw>
-                </a:effectLst>
-                <a:latin typeface="Arial"/>
-                <a:ea typeface="Arial"/>
-                <a:cs typeface="Arial"/>
-                <a:sym typeface="Arial"/>
-              </a:defRPr>
-            </a:pPr>
-            <a:r>
-              <a:t>Present/Absent bit: Whether the PTE contains a valid page frame #. Used for marking swapped/unallocated pages.</a:t>
-            </a:r>
+            <a:endParaRPr/>
           </a:p>
         </p:txBody>
       </p:sp>
@@ -4268,7 +4088,7 @@
       </p:grpSpPr>
       <p:sp>
         <p:nvSpPr>
-          <p:cNvPr id="104" name="Shape 104"/>
+          <p:cNvPr id="168" name="Shape 168"/>
           <p:cNvSpPr>
             <a:spLocks noGrp="1"/>
           </p:cNvSpPr>
@@ -4293,43 +4113,19 @@
           <a:lstStyle/>
           <a:p>
             <a:pPr>
-              <a:defRPr sz="2400" b="0">
-                <a:solidFill>
-                  <a:srgbClr val="EAEAEA"/>
-                </a:solidFill>
-                <a:latin typeface="Times New Roman"/>
-                <a:ea typeface="Times New Roman"/>
-                <a:cs typeface="Times New Roman"/>
-                <a:sym typeface="Times New Roman"/>
-              </a:defRPr>
+              <a:defRPr sz="2400"/>
             </a:pPr>
             <a:fld id="{86CB4B4D-7CA3-9044-876B-883B54F8677D}" type="slidenum">
-              <a:rPr sz="1400" b="1">
-                <a:solidFill>
-                  <a:schemeClr val="accent2"/>
-                </a:solidFill>
-                <a:latin typeface="Arial Narrow"/>
-                <a:ea typeface="Arial Narrow"/>
-                <a:cs typeface="Arial Narrow"/>
-                <a:sym typeface="Arial Narrow"/>
-              </a:rPr>
+              <a:rPr sz="1400"/>
               <a:t>14</a:t>
             </a:fld>
-            <a:endParaRPr sz="1400" b="1">
-              <a:solidFill>
-                <a:schemeClr val="accent2"/>
-              </a:solidFill>
-              <a:latin typeface="Arial Narrow"/>
-              <a:ea typeface="Arial Narrow"/>
-              <a:cs typeface="Arial Narrow"/>
-              <a:sym typeface="Arial Narrow"/>
-            </a:endParaRPr>
-          </a:p>
-        </p:txBody>
-      </p:sp>
-      <p:sp>
-        <p:nvSpPr>
-          <p:cNvPr id="105" name="Shape 105"/>
+            <a:endParaRPr sz="1400"/>
+          </a:p>
+        </p:txBody>
+      </p:sp>
+      <p:sp>
+        <p:nvSpPr>
+          <p:cNvPr id="169" name="Shape 169"/>
           <p:cNvSpPr>
             <a:spLocks noGrp="1"/>
           </p:cNvSpPr>
@@ -4339,47 +4135,8 @@
         </p:nvSpPr>
         <p:spPr>
           <a:xfrm>
-            <a:off x="292100" y="0"/>
-            <a:ext cx="8458200" cy="838200"/>
-          </a:xfrm>
-          <a:prstGeom prst="rect">
-            <a:avLst/>
-          </a:prstGeom>
-        </p:spPr>
-        <p:txBody>
-          <a:bodyPr>
-            <a:normAutofit/>
-          </a:bodyPr>
-          <a:lstStyle>
-            <a:lvl1pPr>
-              <a:defRPr sz="3800"/>
-            </a:lvl1pPr>
-          </a:lstStyle>
-          <a:p>
-            <a:pPr>
-              <a:defRPr sz="4200"/>
-            </a:pPr>
-            <a:r>
-              <a:rPr sz="3800"/>
-              <a:t>TLBs – Translation Lookaside Buffers</a:t>
-            </a:r>
-          </a:p>
-        </p:txBody>
-      </p:sp>
-      <p:sp>
-        <p:nvSpPr>
-          <p:cNvPr id="106" name="Shape 106"/>
-          <p:cNvSpPr>
-            <a:spLocks noGrp="1"/>
-          </p:cNvSpPr>
-          <p:nvPr>
-            <p:ph type="body" sz="half" idx="1"/>
-          </p:nvPr>
-        </p:nvSpPr>
-        <p:spPr>
-          <a:xfrm>
-            <a:off x="685800" y="4114800"/>
-            <a:ext cx="7772400" cy="2603500"/>
+            <a:off x="657225" y="-1"/>
+            <a:ext cx="7772400" cy="1143002"/>
           </a:xfrm>
           <a:prstGeom prst="rect">
             <a:avLst/>
@@ -4391,120 +4148,15 @@
           </a:bodyPr>
           <a:lstStyle/>
           <a:p>
-            <a:pPr marL="199588" indent="-199588" algn="l" defTabSz="859536">
-              <a:lnSpc>
-                <a:spcPct val="80000"/>
-              </a:lnSpc>
-              <a:spcBef>
-                <a:spcPts val="400"/>
-              </a:spcBef>
-              <a:buChar char="⬥"/>
-              <a:defRPr sz="3008">
-                <a:effectLst>
-                  <a:outerShdw blurRad="11938" dist="23876" dir="2700000" rotWithShape="0">
-                    <a:srgbClr val="DDDDDD"/>
-                  </a:outerShdw>
-                </a:effectLst>
-              </a:defRPr>
-            </a:pPr>
-            <a:r>
-              <a:rPr sz="1879" dirty="0"/>
-              <a:t>TLB is a small cache that speeds up the translation of virtual addresses to physical addresses.</a:t>
-            </a:r>
-          </a:p>
-          <a:p>
-            <a:pPr marL="199588" indent="-199588" algn="l" defTabSz="859536">
-              <a:lnSpc>
-                <a:spcPct val="80000"/>
-              </a:lnSpc>
-              <a:spcBef>
-                <a:spcPts val="400"/>
-              </a:spcBef>
-              <a:buChar char="⬥"/>
-              <a:defRPr sz="3008">
-                <a:effectLst>
-                  <a:outerShdw blurRad="11938" dist="23876" dir="2700000" rotWithShape="0">
-                    <a:srgbClr val="DDDDDD"/>
-                  </a:outerShdw>
-                </a:effectLst>
-              </a:defRPr>
-            </a:pPr>
-            <a:r>
-              <a:rPr sz="1879" dirty="0"/>
-              <a:t>TLB is part of the MMU hardware (comes with CPU)</a:t>
-            </a:r>
-          </a:p>
-          <a:p>
-            <a:pPr marL="199588" indent="-199588" algn="l" defTabSz="859536">
-              <a:lnSpc>
-                <a:spcPct val="80000"/>
-              </a:lnSpc>
-              <a:spcBef>
-                <a:spcPts val="400"/>
-              </a:spcBef>
-              <a:buChar char="⬥"/>
-              <a:defRPr sz="3008">
-                <a:effectLst>
-                  <a:outerShdw blurRad="11938" dist="23876" dir="2700000" rotWithShape="0">
-                    <a:srgbClr val="DDDDDD"/>
-                  </a:outerShdw>
-                </a:effectLst>
-              </a:defRPr>
-            </a:pPr>
-            <a:r>
-              <a:rPr sz="1879" dirty="0"/>
-              <a:t>It is not a Data Cache or Instruction Cache. Those are separate.</a:t>
-            </a:r>
-          </a:p>
-          <a:p>
-            <a:pPr marL="199588" indent="-199588" algn="l" defTabSz="859536">
-              <a:lnSpc>
-                <a:spcPct val="80000"/>
-              </a:lnSpc>
-              <a:spcBef>
-                <a:spcPts val="400"/>
-              </a:spcBef>
-              <a:buChar char="⬥"/>
-              <a:defRPr sz="3008">
-                <a:effectLst>
-                  <a:outerShdw blurRad="11938" dist="23876" dir="2700000" rotWithShape="0">
-                    <a:srgbClr val="DDDDDD"/>
-                  </a:outerShdw>
-                </a:effectLst>
-              </a:defRPr>
-            </a:pPr>
-            <a:r>
-              <a:rPr sz="1879" dirty="0"/>
-              <a:t>TLB simply caches translations from virtual page number to physical page number so that the MMU don’t have to access page-table in memory too often.</a:t>
-            </a:r>
-          </a:p>
-          <a:p>
-            <a:pPr marL="199588" indent="-199588" algn="l" defTabSz="859536">
-              <a:lnSpc>
-                <a:spcPct val="80000"/>
-              </a:lnSpc>
-              <a:spcBef>
-                <a:spcPts val="400"/>
-              </a:spcBef>
-              <a:buChar char="⬥"/>
-              <a:defRPr sz="3008">
-                <a:effectLst>
-                  <a:outerShdw blurRad="11938" dist="23876" dir="2700000" rotWithShape="0">
-                    <a:srgbClr val="DDDDDD"/>
-                  </a:outerShdw>
-                </a:effectLst>
-              </a:defRPr>
-            </a:pPr>
-            <a:r>
-              <a:rPr sz="1879" dirty="0"/>
-              <a:t>On x86 architecture, TLB has to be “flushed” upon every context switch because there is no field in TLB to identify the process context.</a:t>
+            <a:r>
+              <a:t>Typical Page Table Entry (PTE)</a:t>
             </a:r>
           </a:p>
         </p:txBody>
       </p:sp>
       <p:pic>
         <p:nvPicPr>
-          <p:cNvPr id="107" name="image.png"/>
+          <p:cNvPr id="170" name="4-13.jpg"/>
           <p:cNvPicPr>
             <a:picLocks noChangeAspect="1"/>
           </p:cNvPicPr>
@@ -4520,8 +4172,8 @@
         </p:blipFill>
         <p:spPr>
           <a:xfrm>
-            <a:off x="909637" y="893762"/>
-            <a:ext cx="7667626" cy="3149601"/>
+            <a:off x="320675" y="1017587"/>
+            <a:ext cx="8502650" cy="2286001"/>
           </a:xfrm>
           <a:prstGeom prst="rect">
             <a:avLst/>
@@ -4531,12 +4183,178 @@
           </a:ln>
         </p:spPr>
       </p:pic>
+      <p:sp>
+        <p:nvSpPr>
+          <p:cNvPr id="171" name="Shape 171"/>
+          <p:cNvSpPr>
+            <a:spLocks noGrp="1"/>
+          </p:cNvSpPr>
+          <p:nvPr>
+            <p:ph type="body" idx="1"/>
+          </p:nvPr>
+        </p:nvSpPr>
+        <p:spPr>
+          <a:xfrm>
+            <a:off x="468758" y="3289746"/>
+            <a:ext cx="7975949" cy="3263454"/>
+          </a:xfrm>
+          <a:prstGeom prst="rect">
+            <a:avLst/>
+          </a:prstGeom>
+        </p:spPr>
+        <p:txBody>
+          <a:bodyPr>
+            <a:normAutofit lnSpcReduction="10000"/>
+          </a:bodyPr>
+          <a:lstStyle/>
+          <a:p>
+            <a:pPr marL="214026" indent="-214026" defTabSz="576072">
+              <a:spcBef>
+                <a:spcPts val="400"/>
+              </a:spcBef>
+              <a:buClr>
+                <a:srgbClr val="9FC880"/>
+              </a:buClr>
+              <a:buFont typeface="Wingdings"/>
+              <a:buChar char="⬥"/>
+              <a:defRPr sz="2016">
+                <a:solidFill>
+                  <a:srgbClr val="000000"/>
+                </a:solidFill>
+                <a:effectLst>
+                  <a:outerShdw blurRad="8001" dist="16002" dir="2700000" rotWithShape="0">
+                    <a:srgbClr val="DDDDDD"/>
+                  </a:outerShdw>
+                </a:effectLst>
+                <a:latin typeface="Arial"/>
+                <a:ea typeface="Arial"/>
+                <a:cs typeface="Arial"/>
+                <a:sym typeface="Arial"/>
+              </a:defRPr>
+            </a:pPr>
+            <a:r>
+              <a:t>Page Frame number = physical page number for the virtual page represented by the PTE</a:t>
+            </a:r>
+          </a:p>
+          <a:p>
+            <a:pPr marL="214026" indent="-214026" defTabSz="576072">
+              <a:spcBef>
+                <a:spcPts val="400"/>
+              </a:spcBef>
+              <a:buClr>
+                <a:srgbClr val="9FC880"/>
+              </a:buClr>
+              <a:buFont typeface="Wingdings"/>
+              <a:buChar char="⬥"/>
+              <a:defRPr sz="2016">
+                <a:solidFill>
+                  <a:srgbClr val="000000"/>
+                </a:solidFill>
+                <a:effectLst>
+                  <a:outerShdw blurRad="8001" dist="16002" dir="2700000" rotWithShape="0">
+                    <a:srgbClr val="DDDDDD"/>
+                  </a:outerShdw>
+                </a:effectLst>
+                <a:latin typeface="Arial"/>
+                <a:ea typeface="Arial"/>
+                <a:cs typeface="Arial"/>
+                <a:sym typeface="Arial"/>
+              </a:defRPr>
+            </a:pPr>
+            <a:r>
+              <a:t>Referenced bit: Whether the page was accessed since last time the bit was reset.</a:t>
+            </a:r>
+          </a:p>
+          <a:p>
+            <a:pPr marL="214026" indent="-214026" defTabSz="576072">
+              <a:spcBef>
+                <a:spcPts val="400"/>
+              </a:spcBef>
+              <a:buClr>
+                <a:srgbClr val="9FC880"/>
+              </a:buClr>
+              <a:buFont typeface="Wingdings"/>
+              <a:buChar char="⬥"/>
+              <a:defRPr sz="2016">
+                <a:solidFill>
+                  <a:srgbClr val="000000"/>
+                </a:solidFill>
+                <a:effectLst>
+                  <a:outerShdw blurRad="8001" dist="16002" dir="2700000" rotWithShape="0">
+                    <a:srgbClr val="DDDDDD"/>
+                  </a:outerShdw>
+                </a:effectLst>
+                <a:latin typeface="Arial"/>
+                <a:ea typeface="Arial"/>
+                <a:cs typeface="Arial"/>
+                <a:sym typeface="Arial"/>
+              </a:defRPr>
+            </a:pPr>
+            <a:r>
+              <a:t>Modified bit: Also called “Dirty” bit. Whether the page was written to, since the last time the bit was reset.</a:t>
+            </a:r>
+          </a:p>
+          <a:p>
+            <a:pPr marL="214026" indent="-214026" defTabSz="576072">
+              <a:spcBef>
+                <a:spcPts val="400"/>
+              </a:spcBef>
+              <a:buClr>
+                <a:srgbClr val="9FC880"/>
+              </a:buClr>
+              <a:buFont typeface="Wingdings"/>
+              <a:buChar char="⬥"/>
+              <a:defRPr sz="2016">
+                <a:solidFill>
+                  <a:srgbClr val="000000"/>
+                </a:solidFill>
+                <a:effectLst>
+                  <a:outerShdw blurRad="8001" dist="16002" dir="2700000" rotWithShape="0">
+                    <a:srgbClr val="DDDDDD"/>
+                  </a:outerShdw>
+                </a:effectLst>
+                <a:latin typeface="Arial"/>
+                <a:ea typeface="Arial"/>
+                <a:cs typeface="Arial"/>
+                <a:sym typeface="Arial"/>
+              </a:defRPr>
+            </a:pPr>
+            <a:r>
+              <a:t>Protection bits: Whether the page is readable? writeable? executable?  contains higher privilege code/data?</a:t>
+            </a:r>
+          </a:p>
+          <a:p>
+            <a:pPr marL="214026" indent="-214026" defTabSz="576072">
+              <a:spcBef>
+                <a:spcPts val="400"/>
+              </a:spcBef>
+              <a:buClr>
+                <a:srgbClr val="9FC880"/>
+              </a:buClr>
+              <a:buFont typeface="Wingdings"/>
+              <a:buChar char="⬥"/>
+              <a:defRPr sz="2016">
+                <a:solidFill>
+                  <a:srgbClr val="000000"/>
+                </a:solidFill>
+                <a:effectLst>
+                  <a:outerShdw blurRad="8001" dist="16002" dir="2700000" rotWithShape="0">
+                    <a:srgbClr val="DDDDDD"/>
+                  </a:outerShdw>
+                </a:effectLst>
+                <a:latin typeface="Arial"/>
+                <a:ea typeface="Arial"/>
+                <a:cs typeface="Arial"/>
+                <a:sym typeface="Arial"/>
+              </a:defRPr>
+            </a:pPr>
+            <a:r>
+              <a:t>Present/Absent bit: Whether the PTE contains a valid page frame #. Used for marking swapped/unallocated pages.</a:t>
+            </a:r>
+          </a:p>
+        </p:txBody>
+      </p:sp>
     </p:spTree>
-    <p:extLst>
-      <p:ext uri="{BB962C8B-B14F-4D97-AF65-F5344CB8AC3E}">
-        <p14:creationId xmlns:p14="http://schemas.microsoft.com/office/powerpoint/2010/main" val="411487387"/>
-      </p:ext>
-    </p:extLst>
   </p:cSld>
   <p:clrMapOvr>
     <a:masterClrMapping/>
@@ -4564,7 +4382,7 @@
       </p:grpSpPr>
       <p:sp>
         <p:nvSpPr>
-          <p:cNvPr id="188" name="Shape 188"/>
+          <p:cNvPr id="104" name="Shape 104"/>
           <p:cNvSpPr>
             <a:spLocks noGrp="1"/>
           </p:cNvSpPr>
@@ -4583,19 +4401,49 @@
           </a:extLst>
         </p:spPr>
         <p:txBody>
-          <a:bodyPr/>
+          <a:bodyPr>
+            <a:normAutofit lnSpcReduction="10000"/>
+          </a:bodyPr>
           <a:lstStyle/>
           <a:p>
+            <a:pPr>
+              <a:defRPr sz="2400" b="0">
+                <a:solidFill>
+                  <a:srgbClr val="EAEAEA"/>
+                </a:solidFill>
+                <a:latin typeface="Times New Roman"/>
+                <a:ea typeface="Times New Roman"/>
+                <a:cs typeface="Times New Roman"/>
+                <a:sym typeface="Times New Roman"/>
+              </a:defRPr>
+            </a:pPr>
             <a:fld id="{86CB4B4D-7CA3-9044-876B-883B54F8677D}" type="slidenum">
+              <a:rPr sz="1400" b="1">
+                <a:solidFill>
+                  <a:schemeClr val="accent2"/>
+                </a:solidFill>
+                <a:latin typeface="Arial Narrow"/>
+                <a:ea typeface="Arial Narrow"/>
+                <a:cs typeface="Arial Narrow"/>
+                <a:sym typeface="Arial Narrow"/>
+              </a:rPr>
               <a:t>15</a:t>
             </a:fld>
-            <a:endParaRPr/>
-          </a:p>
-        </p:txBody>
-      </p:sp>
-      <p:sp>
-        <p:nvSpPr>
-          <p:cNvPr id="189" name="Shape 189"/>
+            <a:endParaRPr sz="1400" b="1">
+              <a:solidFill>
+                <a:schemeClr val="accent2"/>
+              </a:solidFill>
+              <a:latin typeface="Arial Narrow"/>
+              <a:ea typeface="Arial Narrow"/>
+              <a:cs typeface="Arial Narrow"/>
+              <a:sym typeface="Arial Narrow"/>
+            </a:endParaRPr>
+          </a:p>
+        </p:txBody>
+      </p:sp>
+      <p:sp>
+        <p:nvSpPr>
+          <p:cNvPr id="105" name="Shape 105"/>
           <p:cNvSpPr>
             <a:spLocks noGrp="1"/>
           </p:cNvSpPr>
@@ -4604,209 +4452,205 @@
           </p:nvPr>
         </p:nvSpPr>
         <p:spPr>
+          <a:xfrm>
+            <a:off x="292100" y="0"/>
+            <a:ext cx="8458200" cy="838200"/>
+          </a:xfrm>
           <a:prstGeom prst="rect">
             <a:avLst/>
           </a:prstGeom>
         </p:spPr>
         <p:txBody>
-          <a:bodyPr/>
-          <a:lstStyle/>
-          <a:p>
-            <a:r>
-              <a:t>Cold Start Penalty</a:t>
-            </a:r>
-          </a:p>
-        </p:txBody>
-      </p:sp>
-      <p:sp>
-        <p:nvSpPr>
-          <p:cNvPr id="190" name="Shape 190"/>
+          <a:bodyPr>
+            <a:normAutofit/>
+          </a:bodyPr>
+          <a:lstStyle>
+            <a:lvl1pPr>
+              <a:defRPr sz="3800"/>
+            </a:lvl1pPr>
+          </a:lstStyle>
+          <a:p>
+            <a:pPr>
+              <a:defRPr sz="4200"/>
+            </a:pPr>
+            <a:r>
+              <a:rPr sz="3800"/>
+              <a:t>TLBs – Translation Lookaside Buffers</a:t>
+            </a:r>
+          </a:p>
+        </p:txBody>
+      </p:sp>
+      <p:sp>
+        <p:nvSpPr>
+          <p:cNvPr id="106" name="Shape 106"/>
           <p:cNvSpPr>
             <a:spLocks noGrp="1"/>
           </p:cNvSpPr>
           <p:nvPr>
-            <p:ph type="body" idx="1"/>
+            <p:ph type="body" sz="half" idx="1"/>
           </p:nvPr>
         </p:nvSpPr>
         <p:spPr>
           <a:xfrm>
-            <a:off x="468351" y="1037064"/>
-            <a:ext cx="8197663" cy="5661592"/>
+            <a:off x="685800" y="4114800"/>
+            <a:ext cx="7772400" cy="2603500"/>
           </a:xfrm>
           <a:prstGeom prst="rect">
             <a:avLst/>
           </a:prstGeom>
         </p:spPr>
         <p:txBody>
-          <a:bodyPr/>
+          <a:bodyPr>
+            <a:normAutofit/>
+          </a:bodyPr>
           <a:lstStyle/>
           <a:p>
-            <a:pPr marL="285750" indent="-285750">
-              <a:defRPr sz="2500"/>
-            </a:pPr>
-            <a:r>
-              <a:rPr lang="en-US" dirty="0"/>
-              <a:t>Cost of repopulating the TLB (and other caches) upon a context  switch.</a:t>
-            </a:r>
-          </a:p>
-          <a:p>
-            <a:pPr marL="285750" indent="-285750">
-              <a:defRPr sz="2500"/>
-            </a:pPr>
-            <a:endParaRPr lang="en-US" dirty="0" smtClean="0"/>
-          </a:p>
-          <a:p>
-            <a:pPr marL="285750" indent="-285750">
-              <a:defRPr sz="2500"/>
-            </a:pPr>
-            <a:r>
-              <a:rPr dirty="0" smtClean="0"/>
-              <a:t>Immediately </a:t>
-            </a:r>
-            <a:r>
-              <a:rPr dirty="0"/>
-              <a:t>after a context switch, </a:t>
-            </a:r>
-            <a:r>
-              <a:rPr dirty="0" smtClean="0"/>
-              <a:t>all </a:t>
-            </a:r>
-            <a:r>
-              <a:rPr dirty="0"/>
-              <a:t>(or </a:t>
-            </a:r>
-            <a:r>
-              <a:rPr lang="en-US" dirty="0" smtClean="0"/>
-              <a:t>many</a:t>
-            </a:r>
-            <a:r>
-              <a:rPr dirty="0" smtClean="0"/>
-              <a:t>) </a:t>
-            </a:r>
-            <a:r>
-              <a:rPr dirty="0"/>
-              <a:t>of TLB entries are </a:t>
-            </a:r>
-            <a:r>
-              <a:rPr dirty="0" smtClean="0"/>
-              <a:t>invalid</a:t>
-            </a:r>
-            <a:r>
-              <a:rPr lang="en-US" dirty="0" smtClean="0"/>
-              <a:t>ated</a:t>
-            </a:r>
-            <a:r>
-              <a:rPr dirty="0" smtClean="0"/>
-              <a:t>.</a:t>
-            </a:r>
-            <a:endParaRPr dirty="0"/>
-          </a:p>
-          <a:p>
-            <a:pPr marL="682228" lvl="1" indent="-225028">
+            <a:pPr marL="199588" indent="-199588" algn="l" defTabSz="859536">
               <a:lnSpc>
                 <a:spcPct val="80000"/>
               </a:lnSpc>
               <a:spcBef>
                 <a:spcPts val="400"/>
               </a:spcBef>
-              <a:buChar char="•"/>
-              <a:defRPr sz="2100"/>
-            </a:pPr>
-            <a:r>
-              <a:rPr dirty="0"/>
-              <a:t>On some x86 processors, TLB has to be “flushed” upon every context switch because there is no field in TLB to identify the process context</a:t>
-            </a:r>
-            <a:r>
-              <a:rPr dirty="0" smtClean="0"/>
-              <a:t>.</a:t>
-            </a:r>
-            <a:endParaRPr lang="en-US" dirty="0" smtClean="0"/>
-          </a:p>
-          <a:p>
-            <a:pPr marL="285750" indent="-285750">
-              <a:defRPr sz="2500"/>
-            </a:pPr>
-            <a:r>
-              <a:rPr lang="en-US" dirty="0" smtClean="0"/>
-              <a:t>E</a:t>
-            </a:r>
-            <a:r>
-              <a:rPr dirty="0" smtClean="0"/>
-              <a:t>very </a:t>
-            </a:r>
-            <a:r>
-              <a:rPr dirty="0"/>
-              <a:t>memory access </a:t>
-            </a:r>
-            <a:r>
-              <a:rPr lang="en-US" dirty="0" smtClean="0"/>
-              <a:t>by the newly scheduled process may </a:t>
-            </a:r>
-            <a:r>
-              <a:rPr dirty="0" smtClean="0"/>
-              <a:t>results </a:t>
-            </a:r>
-            <a:r>
-              <a:rPr dirty="0"/>
-              <a:t>in a TLB </a:t>
-            </a:r>
-            <a:r>
-              <a:rPr dirty="0" smtClean="0"/>
-              <a:t>miss.</a:t>
-            </a:r>
-            <a:endParaRPr lang="en-US" dirty="0" smtClean="0"/>
-          </a:p>
-          <a:p>
-            <a:pPr marL="285750" indent="-285750">
-              <a:defRPr sz="2500"/>
-            </a:pPr>
-            <a:endParaRPr lang="en-US" dirty="0" smtClean="0"/>
-          </a:p>
-          <a:p>
-            <a:pPr marL="285750" indent="-285750">
-              <a:defRPr sz="2500"/>
-            </a:pPr>
-            <a:r>
-              <a:rPr dirty="0" smtClean="0"/>
-              <a:t>MMU </a:t>
-            </a:r>
-            <a:r>
-              <a:rPr lang="en-US" dirty="0" smtClean="0"/>
-              <a:t>must then </a:t>
-            </a:r>
-            <a:r>
-              <a:rPr dirty="0" smtClean="0"/>
-              <a:t>walk </a:t>
-            </a:r>
-            <a:r>
-              <a:rPr dirty="0"/>
-              <a:t>the page-table </a:t>
-            </a:r>
-            <a:r>
-              <a:rPr lang="en-US" dirty="0" smtClean="0"/>
-              <a:t>in main memory </a:t>
-            </a:r>
-            <a:r>
-              <a:rPr dirty="0" smtClean="0"/>
-              <a:t>to </a:t>
-            </a:r>
-            <a:r>
-              <a:rPr dirty="0"/>
-              <a:t>repopulate the missing TLB </a:t>
-            </a:r>
-            <a:r>
-              <a:rPr dirty="0" smtClean="0"/>
-              <a:t>entry</a:t>
-            </a:r>
-            <a:r>
-              <a:rPr lang="en-US" dirty="0" smtClean="0"/>
-              <a:t>, which takes longer than a cache hit.</a:t>
-            </a:r>
-            <a:endParaRPr dirty="0"/>
-          </a:p>
-        </p:txBody>
-      </p:sp>
+              <a:buChar char="⬥"/>
+              <a:defRPr sz="3008">
+                <a:effectLst>
+                  <a:outerShdw blurRad="11938" dist="23876" dir="2700000" rotWithShape="0">
+                    <a:srgbClr val="DDDDDD"/>
+                  </a:outerShdw>
+                </a:effectLst>
+              </a:defRPr>
+            </a:pPr>
+            <a:r>
+              <a:rPr sz="1879" dirty="0"/>
+              <a:t>TLB is a small cache that speeds up the translation of virtual addresses to physical addresses.</a:t>
+            </a:r>
+          </a:p>
+          <a:p>
+            <a:pPr marL="199588" indent="-199588" algn="l" defTabSz="859536">
+              <a:lnSpc>
+                <a:spcPct val="80000"/>
+              </a:lnSpc>
+              <a:spcBef>
+                <a:spcPts val="400"/>
+              </a:spcBef>
+              <a:buChar char="⬥"/>
+              <a:defRPr sz="3008">
+                <a:effectLst>
+                  <a:outerShdw blurRad="11938" dist="23876" dir="2700000" rotWithShape="0">
+                    <a:srgbClr val="DDDDDD"/>
+                  </a:outerShdw>
+                </a:effectLst>
+              </a:defRPr>
+            </a:pPr>
+            <a:r>
+              <a:rPr sz="1879" dirty="0"/>
+              <a:t>TLB is part of the MMU hardware (comes with CPU)</a:t>
+            </a:r>
+          </a:p>
+          <a:p>
+            <a:pPr marL="199588" indent="-199588" algn="l" defTabSz="859536">
+              <a:lnSpc>
+                <a:spcPct val="80000"/>
+              </a:lnSpc>
+              <a:spcBef>
+                <a:spcPts val="400"/>
+              </a:spcBef>
+              <a:buChar char="⬥"/>
+              <a:defRPr sz="3008">
+                <a:effectLst>
+                  <a:outerShdw blurRad="11938" dist="23876" dir="2700000" rotWithShape="0">
+                    <a:srgbClr val="DDDDDD"/>
+                  </a:outerShdw>
+                </a:effectLst>
+              </a:defRPr>
+            </a:pPr>
+            <a:r>
+              <a:rPr sz="1879" dirty="0"/>
+              <a:t>It is not a Data Cache or Instruction Cache. Those are separate.</a:t>
+            </a:r>
+          </a:p>
+          <a:p>
+            <a:pPr marL="199588" indent="-199588" algn="l" defTabSz="859536">
+              <a:lnSpc>
+                <a:spcPct val="80000"/>
+              </a:lnSpc>
+              <a:spcBef>
+                <a:spcPts val="400"/>
+              </a:spcBef>
+              <a:buChar char="⬥"/>
+              <a:defRPr sz="3008">
+                <a:effectLst>
+                  <a:outerShdw blurRad="11938" dist="23876" dir="2700000" rotWithShape="0">
+                    <a:srgbClr val="DDDDDD"/>
+                  </a:outerShdw>
+                </a:effectLst>
+              </a:defRPr>
+            </a:pPr>
+            <a:r>
+              <a:rPr sz="1879" dirty="0"/>
+              <a:t>TLB simply caches translations from virtual page number to physical page number so that the MMU don’t have to access page-table in memory too often.</a:t>
+            </a:r>
+          </a:p>
+          <a:p>
+            <a:pPr marL="199588" indent="-199588" algn="l" defTabSz="859536">
+              <a:lnSpc>
+                <a:spcPct val="80000"/>
+              </a:lnSpc>
+              <a:spcBef>
+                <a:spcPts val="400"/>
+              </a:spcBef>
+              <a:buChar char="⬥"/>
+              <a:defRPr sz="3008">
+                <a:effectLst>
+                  <a:outerShdw blurRad="11938" dist="23876" dir="2700000" rotWithShape="0">
+                    <a:srgbClr val="DDDDDD"/>
+                  </a:outerShdw>
+                </a:effectLst>
+              </a:defRPr>
+            </a:pPr>
+            <a:r>
+              <a:rPr sz="1879" dirty="0"/>
+              <a:t>On x86 architecture, TLB has to be “flushed” upon every context switch because there is no field in TLB to identify the process context.</a:t>
+            </a:r>
+          </a:p>
+        </p:txBody>
+      </p:sp>
+      <p:pic>
+        <p:nvPicPr>
+          <p:cNvPr id="107" name="image.png"/>
+          <p:cNvPicPr>
+            <a:picLocks noChangeAspect="1"/>
+          </p:cNvPicPr>
+          <p:nvPr/>
+        </p:nvPicPr>
+        <p:blipFill>
+          <a:blip r:embed="rId2">
+            <a:extLst/>
+          </a:blip>
+          <a:stretch>
+            <a:fillRect/>
+          </a:stretch>
+        </p:blipFill>
+        <p:spPr>
+          <a:xfrm>
+            <a:off x="909637" y="893762"/>
+            <a:ext cx="7667626" cy="3149601"/>
+          </a:xfrm>
+          <a:prstGeom prst="rect">
+            <a:avLst/>
+          </a:prstGeom>
+          <a:ln w="12700">
+            <a:miter lim="400000"/>
+          </a:ln>
+        </p:spPr>
+      </p:pic>
     </p:spTree>
+    <p:extLst>
+      <p:ext uri="{BB962C8B-B14F-4D97-AF65-F5344CB8AC3E}">
+        <p14:creationId xmlns:p14="http://schemas.microsoft.com/office/powerpoint/2010/main" val="411487387"/>
+      </p:ext>
+    </p:extLst>
   </p:cSld>
   <p:clrMapOvr>
     <a:masterClrMapping/>
@@ -4834,7 +4678,7 @@
       </p:grpSpPr>
       <p:sp>
         <p:nvSpPr>
-          <p:cNvPr id="192" name="Shape 192"/>
+          <p:cNvPr id="188" name="Shape 188"/>
           <p:cNvSpPr>
             <a:spLocks noGrp="1"/>
           </p:cNvSpPr>
@@ -4865,7 +4709,7 @@
       </p:sp>
       <p:sp>
         <p:nvSpPr>
-          <p:cNvPr id="193" name="Shape 193"/>
+          <p:cNvPr id="189" name="Shape 189"/>
           <p:cNvSpPr>
             <a:spLocks noGrp="1"/>
           </p:cNvSpPr>
@@ -4883,14 +4727,14 @@
           <a:lstStyle/>
           <a:p>
             <a:r>
-              <a:t>Tagged TLB</a:t>
-            </a:r>
-          </a:p>
-        </p:txBody>
-      </p:sp>
-      <p:sp>
-        <p:nvSpPr>
-          <p:cNvPr id="194" name="Shape 194"/>
+              <a:t>Cold Start Penalty</a:t>
+            </a:r>
+          </a:p>
+        </p:txBody>
+      </p:sp>
+      <p:sp>
+        <p:nvSpPr>
+          <p:cNvPr id="190" name="Shape 190"/>
           <p:cNvSpPr>
             <a:spLocks noGrp="1"/>
           </p:cNvSpPr>
@@ -4900,8 +4744,8 @@
         </p:nvSpPr>
         <p:spPr>
           <a:xfrm>
-            <a:off x="323385" y="857250"/>
-            <a:ext cx="8121322" cy="5767636"/>
+            <a:off x="468351" y="1037064"/>
+            <a:ext cx="8197663" cy="5661592"/>
           </a:xfrm>
           <a:prstGeom prst="rect">
             <a:avLst/>
@@ -4911,35 +4755,158 @@
           <a:bodyPr/>
           <a:lstStyle/>
           <a:p>
-            <a:pPr>
-              <a:buClr>
-                <a:schemeClr val="tx1"/>
-              </a:buClr>
-              <a:defRPr sz="2700"/>
-            </a:pPr>
-            <a:r>
-              <a:rPr lang="en-US" dirty="0" err="1" smtClean="0"/>
-              <a:t>A</a:t>
-            </a:r>
-            <a:r>
-              <a:rPr dirty="0" err="1" smtClean="0"/>
-              <a:t>“tag</a:t>
+            <a:pPr marL="285750" indent="-285750">
+              <a:defRPr sz="2500"/>
+            </a:pPr>
+            <a:r>
+              <a:rPr lang="en-US" dirty="0"/>
+              <a:t>Cost of repopulating the TLB (and other caches) upon a context  switch.</a:t>
+            </a:r>
+          </a:p>
+          <a:p>
+            <a:pPr marL="285750" indent="-285750">
+              <a:defRPr sz="2500"/>
+            </a:pPr>
+            <a:endParaRPr lang="en-US" dirty="0" smtClean="0"/>
+          </a:p>
+          <a:p>
+            <a:pPr marL="285750" indent="-285750">
+              <a:defRPr sz="2500"/>
+            </a:pPr>
+            <a:r>
+              <a:rPr dirty="0" smtClean="0"/>
+              <a:t>Immediately </a:t>
             </a:r>
             <a:r>
               <a:rPr dirty="0"/>
-              <a:t>” </a:t>
+              <a:t>after a context switch, </a:t>
+            </a:r>
+            <a:r>
+              <a:rPr dirty="0" smtClean="0"/>
+              <a:t>all </a:t>
+            </a:r>
+            <a:r>
+              <a:rPr dirty="0"/>
+              <a:t>(or </a:t>
             </a:r>
             <a:r>
               <a:rPr lang="en-US" dirty="0" smtClean="0"/>
-              <a:t>in </a:t>
+              <a:t>many</a:t>
             </a:r>
             <a:r>
               <a:rPr dirty="0" smtClean="0"/>
-              <a:t>each </a:t>
+              <a:t>) </a:t>
             </a:r>
             <a:r>
               <a:rPr dirty="0"/>
-              <a:t>TLB </a:t>
+              <a:t>of TLB entries are </a:t>
+            </a:r>
+            <a:r>
+              <a:rPr dirty="0" smtClean="0"/>
+              <a:t>invalid</a:t>
+            </a:r>
+            <a:r>
+              <a:rPr lang="en-US" dirty="0" smtClean="0"/>
+              <a:t>ated</a:t>
+            </a:r>
+            <a:r>
+              <a:rPr dirty="0" smtClean="0"/>
+              <a:t>.</a:t>
+            </a:r>
+            <a:endParaRPr dirty="0"/>
+          </a:p>
+          <a:p>
+            <a:pPr marL="682228" lvl="1" indent="-225028">
+              <a:lnSpc>
+                <a:spcPct val="80000"/>
+              </a:lnSpc>
+              <a:spcBef>
+                <a:spcPts val="400"/>
+              </a:spcBef>
+              <a:buChar char="•"/>
+              <a:defRPr sz="2100"/>
+            </a:pPr>
+            <a:r>
+              <a:rPr dirty="0"/>
+              <a:t>On some x86 processors, TLB has to be “flushed” upon every context switch because there is no field in TLB to identify the process context</a:t>
+            </a:r>
+            <a:r>
+              <a:rPr dirty="0" smtClean="0"/>
+              <a:t>.</a:t>
+            </a:r>
+            <a:endParaRPr lang="en-US" dirty="0" smtClean="0"/>
+          </a:p>
+          <a:p>
+            <a:pPr marL="285750" indent="-285750">
+              <a:defRPr sz="2500"/>
+            </a:pPr>
+            <a:r>
+              <a:rPr lang="en-US" dirty="0" smtClean="0"/>
+              <a:t>E</a:t>
+            </a:r>
+            <a:r>
+              <a:rPr dirty="0" smtClean="0"/>
+              <a:t>very </a:t>
+            </a:r>
+            <a:r>
+              <a:rPr dirty="0"/>
+              <a:t>memory access </a:t>
+            </a:r>
+            <a:r>
+              <a:rPr lang="en-US" dirty="0" smtClean="0"/>
+              <a:t>by the newly scheduled process may </a:t>
+            </a:r>
+            <a:r>
+              <a:rPr dirty="0" smtClean="0"/>
+              <a:t>results </a:t>
+            </a:r>
+            <a:r>
+              <a:rPr dirty="0"/>
+              <a:t>in a TLB </a:t>
+            </a:r>
+            <a:r>
+              <a:rPr dirty="0" smtClean="0"/>
+              <a:t>miss.</a:t>
+            </a:r>
+            <a:endParaRPr lang="en-US" dirty="0" smtClean="0"/>
+          </a:p>
+          <a:p>
+            <a:pPr marL="285750" indent="-285750">
+              <a:defRPr sz="2500"/>
+            </a:pPr>
+            <a:endParaRPr lang="en-US" dirty="0" smtClean="0"/>
+          </a:p>
+          <a:p>
+            <a:pPr marL="285750" indent="-285750">
+              <a:defRPr sz="2500"/>
+            </a:pPr>
+            <a:r>
+              <a:rPr dirty="0" smtClean="0"/>
+              <a:t>MMU </a:t>
+            </a:r>
+            <a:r>
+              <a:rPr lang="en-US" dirty="0" smtClean="0"/>
+              <a:t>must then </a:t>
+            </a:r>
+            <a:r>
+              <a:rPr dirty="0" smtClean="0"/>
+              <a:t>walk </a:t>
+            </a:r>
+            <a:r>
+              <a:rPr dirty="0"/>
+              <a:t>the page-table </a:t>
+            </a:r>
+            <a:r>
+              <a:rPr lang="en-US" dirty="0" smtClean="0"/>
+              <a:t>in main memory </a:t>
+            </a:r>
+            <a:r>
+              <a:rPr dirty="0" smtClean="0"/>
+              <a:t>to </a:t>
+            </a:r>
+            <a:r>
+              <a:rPr dirty="0"/>
+              <a:t>repopulate the missing TLB </a:t>
             </a:r>
             <a:r>
               <a:rPr dirty="0" smtClean="0"/>
@@ -4947,127 +4914,9 @@
             </a:r>
             <a:r>
               <a:rPr lang="en-US" dirty="0" smtClean="0"/>
-              <a:t> </a:t>
-            </a:r>
-            <a:r>
-              <a:rPr dirty="0" smtClean="0"/>
-              <a:t>identifies </a:t>
-            </a:r>
-            <a:r>
-              <a:rPr dirty="0"/>
-              <a:t>the </a:t>
-            </a:r>
-            <a:r>
-              <a:rPr dirty="0" smtClean="0"/>
-              <a:t>process/thread context </a:t>
-            </a:r>
-            <a:r>
-              <a:rPr dirty="0"/>
-              <a:t>to which the TLB entry belongs</a:t>
-            </a:r>
-          </a:p>
-          <a:p>
-            <a:pPr>
-              <a:buClr>
-                <a:schemeClr val="tx1"/>
-              </a:buClr>
-              <a:defRPr sz="2700"/>
-            </a:pPr>
+              <a:t>, which takes longer than a cache hit.</a:t>
+            </a:r>
             <a:endParaRPr dirty="0"/>
-          </a:p>
-          <a:p>
-            <a:pPr>
-              <a:buClr>
-                <a:schemeClr val="tx1"/>
-              </a:buClr>
-              <a:defRPr sz="2700"/>
-            </a:pPr>
-            <a:r>
-              <a:rPr dirty="0"/>
-              <a:t>Thus TLB entries for more than one execution context can be stored simultaneously in the TLB.</a:t>
-            </a:r>
-          </a:p>
-          <a:p>
-            <a:pPr lvl="1">
-              <a:buClr>
-                <a:schemeClr val="tx1"/>
-              </a:buClr>
-              <a:defRPr sz="2700"/>
-            </a:pPr>
-            <a:r>
-              <a:rPr dirty="0"/>
-              <a:t>TLB lookup hardware matches the tag in addition to the virtual </a:t>
-            </a:r>
-            <a:r>
-              <a:rPr dirty="0" smtClean="0"/>
-              <a:t>page</a:t>
-            </a:r>
-            <a:r>
-              <a:rPr lang="en-US" dirty="0" smtClean="0"/>
-              <a:t> number</a:t>
-            </a:r>
-            <a:r>
-              <a:rPr dirty="0" smtClean="0"/>
-              <a:t>.</a:t>
-            </a:r>
-            <a:endParaRPr dirty="0"/>
-          </a:p>
-          <a:p>
-            <a:pPr>
-              <a:buClr>
-                <a:schemeClr val="tx1"/>
-              </a:buClr>
-              <a:defRPr sz="2700"/>
-            </a:pPr>
-            <a:endParaRPr dirty="0"/>
-          </a:p>
-          <a:p>
-            <a:pPr>
-              <a:buClr>
-                <a:schemeClr val="tx1"/>
-              </a:buClr>
-              <a:defRPr sz="2700"/>
-            </a:pPr>
-            <a:r>
-              <a:rPr lang="en-US" dirty="0" smtClean="0"/>
-              <a:t>With tags, c</a:t>
-            </a:r>
-            <a:r>
-              <a:rPr dirty="0" smtClean="0"/>
-              <a:t>ontext </a:t>
-            </a:r>
-            <a:r>
-              <a:rPr dirty="0"/>
-              <a:t>switch </a:t>
-            </a:r>
-            <a:r>
-              <a:rPr dirty="0" smtClean="0"/>
-              <a:t>no </a:t>
-            </a:r>
-            <a:r>
-              <a:rPr dirty="0"/>
-              <a:t>longer requires a complete TLB flush.</a:t>
-            </a:r>
-          </a:p>
-          <a:p>
-            <a:pPr lvl="1">
-              <a:buClr>
-                <a:schemeClr val="tx1"/>
-              </a:buClr>
-              <a:defRPr sz="2700"/>
-            </a:pPr>
-            <a:r>
-              <a:rPr lang="en-US" dirty="0" smtClean="0"/>
-              <a:t>R</a:t>
-            </a:r>
-            <a:r>
-              <a:rPr dirty="0" smtClean="0"/>
-              <a:t>educes </a:t>
-            </a:r>
-            <a:r>
-              <a:rPr dirty="0"/>
-              <a:t>cold-start penalty.</a:t>
-            </a:r>
           </a:p>
         </p:txBody>
       </p:sp>
@@ -5099,21 +4948,18 @@
       </p:grpSpPr>
       <p:sp>
         <p:nvSpPr>
-          <p:cNvPr id="184" name="Shape 184"/>
-          <p:cNvSpPr/>
-          <p:nvPr/>
-        </p:nvSpPr>
-        <p:spPr>
-          <a:xfrm>
-            <a:off x="0" y="6616700"/>
-            <a:ext cx="2895600" cy="307777"/>
-          </a:xfrm>
+          <p:cNvPr id="192" name="Shape 192"/>
+          <p:cNvSpPr>
+            <a:spLocks noGrp="1"/>
+          </p:cNvSpPr>
+          <p:nvPr>
+            <p:ph type="sldNum" sz="quarter" idx="2"/>
+          </p:nvPr>
+        </p:nvSpPr>
+        <p:spPr>
           <a:prstGeom prst="rect">
             <a:avLst/>
           </a:prstGeom>
-          <a:ln w="12700">
-            <a:miter lim="400000"/>
-          </a:ln>
           <a:extLst>
             <a:ext uri="{C572A759-6A51-4108-AA02-DFA0A04FC94B}">
               <ma14:wrappingTextBoxFlag xmlns:ma14="http://schemas.microsoft.com/office/mac/drawingml/2011/main" val="1"/>
@@ -5121,25 +4967,19 @@
           </a:extLst>
         </p:spPr>
         <p:txBody>
-          <a:bodyPr lIns="45719" rIns="45719">
-            <a:spAutoFit/>
-          </a:bodyPr>
-          <a:lstStyle>
-            <a:lvl1pPr>
-              <a:defRPr sz="1400" b="1" i="1"/>
-            </a:lvl1pPr>
-          </a:lstStyle>
-          <a:p>
-            <a:pPr>
-              <a:defRPr sz="2400" b="0" i="0"/>
-            </a:pPr>
-            <a:endParaRPr sz="1400" b="1" i="1" dirty="0"/>
-          </a:p>
-        </p:txBody>
-      </p:sp>
-      <p:sp>
-        <p:nvSpPr>
-          <p:cNvPr id="185" name="Shape 185"/>
+          <a:bodyPr/>
+          <a:lstStyle/>
+          <a:p>
+            <a:fld id="{86CB4B4D-7CA3-9044-876B-883B54F8677D}" type="slidenum">
+              <a:t>17</a:t>
+            </a:fld>
+            <a:endParaRPr/>
+          </a:p>
+        </p:txBody>
+      </p:sp>
+      <p:sp>
+        <p:nvSpPr>
+          <p:cNvPr id="193" name="Shape 193"/>
           <p:cNvSpPr>
             <a:spLocks noGrp="1"/>
           </p:cNvSpPr>
@@ -5148,37 +4988,23 @@
           </p:nvPr>
         </p:nvSpPr>
         <p:spPr>
-          <a:xfrm>
-            <a:off x="533400" y="228599"/>
-            <a:ext cx="7772400" cy="1143002"/>
-          </a:xfrm>
           <a:prstGeom prst="rect">
             <a:avLst/>
           </a:prstGeom>
         </p:spPr>
         <p:txBody>
-          <a:bodyPr>
-            <a:normAutofit/>
-          </a:bodyPr>
-          <a:lstStyle>
-            <a:lvl1pPr defTabSz="740663">
-              <a:defRPr sz="2916"/>
-            </a:lvl1pPr>
-          </a:lstStyle>
-          <a:p>
-            <a:pPr>
-              <a:defRPr sz="3240"/>
-            </a:pPr>
-            <a:r>
-              <a:rPr sz="2916"/>
-              <a:t>Two types of memory translation architectures</a:t>
-            </a:r>
-          </a:p>
-        </p:txBody>
-      </p:sp>
-      <p:sp>
-        <p:nvSpPr>
-          <p:cNvPr id="186" name="Shape 186"/>
+          <a:bodyPr/>
+          <a:lstStyle/>
+          <a:p>
+            <a:r>
+              <a:t>Tagged TLB</a:t>
+            </a:r>
+          </a:p>
+        </p:txBody>
+      </p:sp>
+      <p:sp>
+        <p:nvSpPr>
+          <p:cNvPr id="194" name="Shape 194"/>
           <p:cNvSpPr>
             <a:spLocks noGrp="1"/>
           </p:cNvSpPr>
@@ -5188,158 +5014,173 @@
         </p:nvSpPr>
         <p:spPr>
           <a:xfrm>
-            <a:off x="533400" y="1475730"/>
-            <a:ext cx="7772400" cy="5036841"/>
+            <a:off x="323385" y="857250"/>
+            <a:ext cx="8121322" cy="5767636"/>
           </a:xfrm>
           <a:prstGeom prst="rect">
             <a:avLst/>
           </a:prstGeom>
         </p:spPr>
         <p:txBody>
-          <a:bodyPr>
-            <a:normAutofit/>
-          </a:bodyPr>
+          <a:bodyPr/>
           <a:lstStyle/>
           <a:p>
-            <a:pPr marL="264032" indent="-264032" defTabSz="704087">
-              <a:spcBef>
-                <a:spcPts val="500"/>
-              </a:spcBef>
-              <a:buChar char="❑"/>
-              <a:defRPr sz="2156"/>
-            </a:pPr>
-            <a:r>
-              <a:t>Architected Page Tables</a:t>
-            </a:r>
-          </a:p>
-          <a:p>
-            <a:pPr marL="572071" lvl="1" indent="-220027" defTabSz="704087">
-              <a:spcBef>
-                <a:spcPts val="400"/>
-              </a:spcBef>
-              <a:buFont typeface="Zapf Dingbats"/>
-              <a:defRPr sz="1848"/>
-            </a:pPr>
-            <a:r>
-              <a:t>Page table interface defined by ISA and understood by memory translation hardware</a:t>
-            </a:r>
-          </a:p>
-          <a:p>
-            <a:pPr marL="572071" lvl="1" indent="-220027" defTabSz="704087">
-              <a:spcBef>
-                <a:spcPts val="400"/>
-              </a:spcBef>
-              <a:buFont typeface="Zapf Dingbats"/>
-              <a:defRPr sz="1848"/>
-            </a:pPr>
-            <a:r>
-              <a:t>E.g. x86 architecture</a:t>
-            </a:r>
-          </a:p>
-          <a:p>
-            <a:pPr marL="572071" lvl="1" indent="-220027" defTabSz="704087">
-              <a:spcBef>
-                <a:spcPts val="400"/>
-              </a:spcBef>
-              <a:buFont typeface="Zapf Dingbats"/>
-              <a:defRPr sz="1848"/>
-            </a:pPr>
-            <a:r>
-              <a:t>MMU handles TLB miss (in hardware)</a:t>
-            </a:r>
-          </a:p>
-          <a:p>
-            <a:pPr marL="572071" lvl="1" indent="-220027" defTabSz="704087">
-              <a:spcBef>
-                <a:spcPts val="400"/>
-              </a:spcBef>
-              <a:buFont typeface="Zapf Dingbats"/>
-              <a:defRPr sz="1848"/>
-            </a:pPr>
-            <a:r>
-              <a:t>OS handles page faults (in software)</a:t>
-            </a:r>
-          </a:p>
-          <a:p>
-            <a:pPr marL="572071" lvl="1" indent="-220027" defTabSz="704087">
-              <a:spcBef>
-                <a:spcPts val="400"/>
-              </a:spcBef>
-              <a:buFont typeface="Zapf Dingbats"/>
-              <a:defRPr sz="1848"/>
-            </a:pPr>
-            <a:r>
-              <a:t>ISA specifies page table format</a:t>
-            </a:r>
-          </a:p>
-          <a:p>
-            <a:pPr marL="572071" lvl="1" indent="-220027" defTabSz="704087">
-              <a:spcBef>
-                <a:spcPts val="400"/>
-              </a:spcBef>
-              <a:buFont typeface="Zapf Dingbats"/>
-              <a:defRPr sz="1848"/>
-            </a:pPr>
-            <a:endParaRPr/>
-          </a:p>
-          <a:p>
-            <a:pPr marL="264032" indent="-264032" defTabSz="704087">
-              <a:spcBef>
-                <a:spcPts val="500"/>
-              </a:spcBef>
-              <a:buChar char="❑"/>
-              <a:defRPr sz="2156"/>
-            </a:pPr>
-            <a:r>
-              <a:t>Architected TLBs</a:t>
-            </a:r>
-          </a:p>
-          <a:p>
-            <a:pPr marL="572071" lvl="1" indent="-220027" defTabSz="704087">
-              <a:spcBef>
-                <a:spcPts val="400"/>
-              </a:spcBef>
-              <a:buFont typeface="Zapf Dingbats"/>
-              <a:defRPr sz="1848"/>
-            </a:pPr>
-            <a:r>
-              <a:t>TLB interface defined by ISA and understood by MMU</a:t>
-            </a:r>
-          </a:p>
-          <a:p>
-            <a:pPr marL="572071" lvl="1" indent="-220027" defTabSz="704087">
-              <a:spcBef>
-                <a:spcPts val="400"/>
-              </a:spcBef>
-              <a:buFont typeface="Zapf Dingbats"/>
-              <a:defRPr sz="1848"/>
-            </a:pPr>
-            <a:r>
-              <a:t>E.g. alpha architecture</a:t>
-            </a:r>
-          </a:p>
-          <a:p>
-            <a:pPr marL="572071" lvl="1" indent="-220027" defTabSz="704087">
-              <a:spcBef>
-                <a:spcPts val="400"/>
-              </a:spcBef>
-              <a:buFont typeface="Zapf Dingbats"/>
-              <a:defRPr sz="1848"/>
-            </a:pPr>
-            <a:r>
-              <a:t>TLB miss handled by OS (in software)</a:t>
-            </a:r>
-          </a:p>
-          <a:p>
-            <a:pPr marL="572071" lvl="1" indent="-220027" defTabSz="704087">
-              <a:spcBef>
-                <a:spcPts val="400"/>
-              </a:spcBef>
-              <a:buFont typeface="Zapf Dingbats"/>
-              <a:defRPr sz="1848"/>
-            </a:pPr>
-            <a:r>
-              <a:t>ISA does not specify page table format</a:t>
+            <a:pPr>
+              <a:buClr>
+                <a:schemeClr val="tx1"/>
+              </a:buClr>
+              <a:defRPr sz="2700"/>
+            </a:pPr>
+            <a:r>
+              <a:rPr lang="en-US" dirty="0" err="1" smtClean="0"/>
+              <a:t>A</a:t>
+            </a:r>
+            <a:r>
+              <a:rPr dirty="0" err="1" smtClean="0"/>
+              <a:t>“tag</a:t>
+            </a:r>
+            <a:r>
+              <a:rPr dirty="0"/>
+              <a:t>” </a:t>
+            </a:r>
+            <a:r>
+              <a:rPr lang="en-US" dirty="0" smtClean="0"/>
+              <a:t>in </a:t>
+            </a:r>
+            <a:r>
+              <a:rPr dirty="0" smtClean="0"/>
+              <a:t>each </a:t>
+            </a:r>
+            <a:r>
+              <a:rPr dirty="0"/>
+              <a:t>TLB </a:t>
+            </a:r>
+            <a:r>
+              <a:rPr dirty="0" smtClean="0"/>
+              <a:t>entry</a:t>
+            </a:r>
+            <a:r>
+              <a:rPr lang="en-US" dirty="0" smtClean="0"/>
+              <a:t> </a:t>
+            </a:r>
+            <a:r>
+              <a:rPr dirty="0" smtClean="0"/>
+              <a:t>identifies </a:t>
+            </a:r>
+            <a:r>
+              <a:rPr dirty="0"/>
+              <a:t>the </a:t>
+            </a:r>
+            <a:r>
+              <a:rPr dirty="0" smtClean="0"/>
+              <a:t>process/thread context </a:t>
+            </a:r>
+            <a:r>
+              <a:rPr dirty="0"/>
+              <a:t>to which the TLB entry belongs</a:t>
+            </a:r>
+          </a:p>
+          <a:p>
+            <a:pPr>
+              <a:buClr>
+                <a:schemeClr val="tx1"/>
+              </a:buClr>
+              <a:defRPr sz="2700"/>
+            </a:pPr>
+            <a:endParaRPr dirty="0"/>
+          </a:p>
+          <a:p>
+            <a:pPr>
+              <a:buClr>
+                <a:schemeClr val="tx1"/>
+              </a:buClr>
+              <a:defRPr sz="2700"/>
+            </a:pPr>
+            <a:r>
+              <a:rPr dirty="0"/>
+              <a:t>Thus TLB entries for more than one execution context can be stored simultaneously in the TLB.</a:t>
+            </a:r>
+          </a:p>
+          <a:p>
+            <a:pPr lvl="1">
+              <a:buClr>
+                <a:schemeClr val="tx1"/>
+              </a:buClr>
+              <a:defRPr sz="2700"/>
+            </a:pPr>
+            <a:r>
+              <a:rPr dirty="0"/>
+              <a:t>TLB lookup hardware matches the tag in addition to the virtual </a:t>
+            </a:r>
+            <a:r>
+              <a:rPr dirty="0" smtClean="0"/>
+              <a:t>page</a:t>
+            </a:r>
+            <a:r>
+              <a:rPr lang="en-US" dirty="0" smtClean="0"/>
+              <a:t> number</a:t>
+            </a:r>
+            <a:r>
+              <a:rPr dirty="0" smtClean="0"/>
+              <a:t>.</a:t>
+            </a:r>
+            <a:endParaRPr dirty="0"/>
+          </a:p>
+          <a:p>
+            <a:pPr>
+              <a:buClr>
+                <a:schemeClr val="tx1"/>
+              </a:buClr>
+              <a:defRPr sz="2700"/>
+            </a:pPr>
+            <a:endParaRPr dirty="0"/>
+          </a:p>
+          <a:p>
+            <a:pPr>
+              <a:buClr>
+                <a:schemeClr val="tx1"/>
+              </a:buClr>
+              <a:defRPr sz="2700"/>
+            </a:pPr>
+            <a:r>
+              <a:rPr lang="en-US" dirty="0" smtClean="0"/>
+              <a:t>With tags, c</a:t>
+            </a:r>
+            <a:r>
+              <a:rPr dirty="0" smtClean="0"/>
+              <a:t>ontext </a:t>
+            </a:r>
+            <a:r>
+              <a:rPr dirty="0"/>
+              <a:t>switch </a:t>
+            </a:r>
+            <a:r>
+              <a:rPr dirty="0" smtClean="0"/>
+              <a:t>no </a:t>
+            </a:r>
+            <a:r>
+              <a:rPr dirty="0"/>
+              <a:t>longer requires a complete TLB flush.</a:t>
+            </a:r>
+          </a:p>
+          <a:p>
+            <a:pPr lvl="1">
+              <a:buClr>
+                <a:schemeClr val="tx1"/>
+              </a:buClr>
+              <a:defRPr sz="2700"/>
+            </a:pPr>
+            <a:r>
+              <a:rPr lang="en-US" dirty="0" smtClean="0"/>
+              <a:t>R</a:t>
+            </a:r>
+            <a:r>
+              <a:rPr dirty="0" smtClean="0"/>
+              <a:t>educes </a:t>
+            </a:r>
+            <a:r>
+              <a:rPr dirty="0"/>
+              <a:t>cold-start penalty.</a:t>
             </a:r>
           </a:p>
         </p:txBody>
@@ -5372,18 +5213,21 @@
       </p:grpSpPr>
       <p:sp>
         <p:nvSpPr>
-          <p:cNvPr id="196" name="Shape 196"/>
-          <p:cNvSpPr>
-            <a:spLocks noGrp="1"/>
-          </p:cNvSpPr>
-          <p:nvPr>
-            <p:ph type="sldNum" sz="quarter" idx="2"/>
-          </p:nvPr>
-        </p:nvSpPr>
-        <p:spPr>
+          <p:cNvPr id="184" name="Shape 184"/>
+          <p:cNvSpPr/>
+          <p:nvPr/>
+        </p:nvSpPr>
+        <p:spPr>
+          <a:xfrm>
+            <a:off x="0" y="6616700"/>
+            <a:ext cx="2895600" cy="307777"/>
+          </a:xfrm>
           <a:prstGeom prst="rect">
             <a:avLst/>
           </a:prstGeom>
+          <a:ln w="12700">
+            <a:miter lim="400000"/>
+          </a:ln>
           <a:extLst>
             <a:ext uri="{C572A759-6A51-4108-AA02-DFA0A04FC94B}">
               <ma14:wrappingTextBoxFlag xmlns:ma14="http://schemas.microsoft.com/office/mac/drawingml/2011/main" val="1"/>
@@ -5391,25 +5235,25 @@
           </a:extLst>
         </p:spPr>
         <p:txBody>
-          <a:bodyPr>
-            <a:normAutofit lnSpcReduction="10000"/>
+          <a:bodyPr lIns="45719" rIns="45719">
+            <a:spAutoFit/>
           </a:bodyPr>
-          <a:lstStyle/>
+          <a:lstStyle>
+            <a:lvl1pPr>
+              <a:defRPr sz="1400" b="1" i="1"/>
+            </a:lvl1pPr>
+          </a:lstStyle>
           <a:p>
             <a:pPr>
-              <a:defRPr sz="2400"/>
-            </a:pPr>
-            <a:fld id="{86CB4B4D-7CA3-9044-876B-883B54F8677D}" type="slidenum">
-              <a:rPr sz="1400"/>
-              <a:t>18</a:t>
-            </a:fld>
-            <a:endParaRPr sz="1400"/>
-          </a:p>
-        </p:txBody>
-      </p:sp>
-      <p:sp>
-        <p:nvSpPr>
-          <p:cNvPr id="197" name="Shape 197"/>
+              <a:defRPr sz="2400" b="0" i="0"/>
+            </a:pPr>
+            <a:endParaRPr sz="1400" b="1" i="1" dirty="0"/>
+          </a:p>
+        </p:txBody>
+      </p:sp>
+      <p:sp>
+        <p:nvSpPr>
+          <p:cNvPr id="185" name="Shape 185"/>
           <p:cNvSpPr>
             <a:spLocks noGrp="1"/>
           </p:cNvSpPr>
@@ -5419,8 +5263,8 @@
         </p:nvSpPr>
         <p:spPr>
           <a:xfrm>
-            <a:off x="657225" y="0"/>
-            <a:ext cx="7772400" cy="762000"/>
+            <a:off x="533400" y="228599"/>
+            <a:ext cx="7772400" cy="1143002"/>
           </a:xfrm>
           <a:prstGeom prst="rect">
             <a:avLst/>
@@ -5431,24 +5275,24 @@
             <a:normAutofit/>
           </a:bodyPr>
           <a:lstStyle>
-            <a:lvl1pPr>
-              <a:defRPr sz="4000"/>
+            <a:lvl1pPr defTabSz="740663">
+              <a:defRPr sz="2916"/>
             </a:lvl1pPr>
           </a:lstStyle>
           <a:p>
             <a:pPr>
-              <a:defRPr sz="4400"/>
-            </a:pPr>
-            <a:r>
-              <a:rPr sz="4000"/>
-              <a:t>Impact of Page Size on Page tables</a:t>
-            </a:r>
-          </a:p>
-        </p:txBody>
-      </p:sp>
-      <p:sp>
-        <p:nvSpPr>
-          <p:cNvPr id="198" name="Shape 198"/>
+              <a:defRPr sz="3240"/>
+            </a:pPr>
+            <a:r>
+              <a:rPr sz="2916"/>
+              <a:t>Two types of memory translation architectures</a:t>
+            </a:r>
+          </a:p>
+        </p:txBody>
+      </p:sp>
+      <p:sp>
+        <p:nvSpPr>
+          <p:cNvPr id="186" name="Shape 186"/>
           <p:cNvSpPr>
             <a:spLocks noGrp="1"/>
           </p:cNvSpPr>
@@ -5458,8 +5302,8 @@
         </p:nvSpPr>
         <p:spPr>
           <a:xfrm>
-            <a:off x="381000" y="1295400"/>
-            <a:ext cx="8401050" cy="5105400"/>
+            <a:off x="533400" y="1475730"/>
+            <a:ext cx="7772400" cy="5036841"/>
           </a:xfrm>
           <a:prstGeom prst="rect">
             <a:avLst/>
@@ -5471,102 +5315,145 @@
           </a:bodyPr>
           <a:lstStyle/>
           <a:p>
-            <a:pPr algn="ctr">
-              <a:buSzTx/>
-              <a:buNone/>
-            </a:pPr>
-            <a:r>
-              <a:rPr dirty="0"/>
-              <a:t>Small page size</a:t>
-            </a:r>
-          </a:p>
-          <a:p>
-            <a:pPr>
-              <a:buChar char="•"/>
-            </a:pPr>
-            <a:r>
-              <a:rPr dirty="0"/>
-              <a:t>Advantages</a:t>
-            </a:r>
-          </a:p>
-          <a:p>
-            <a:pPr marL="742950" lvl="1" indent="-285750">
+            <a:pPr marL="264032" indent="-264032" defTabSz="704087">
               <a:spcBef>
-                <a:spcPts val="600"/>
+                <a:spcPts val="500"/>
               </a:spcBef>
-              <a:defRPr sz="2800">
-                <a:solidFill>
-                  <a:srgbClr val="000000"/>
-                </a:solidFill>
-              </a:defRPr>
-            </a:pPr>
-            <a:r>
-              <a:rPr dirty="0"/>
-              <a:t>less internal fragmentation </a:t>
-            </a:r>
-          </a:p>
-          <a:p>
-            <a:pPr marL="742950" lvl="1" indent="-285750">
+              <a:buChar char="❑"/>
+              <a:defRPr sz="2156"/>
+            </a:pPr>
+            <a:r>
+              <a:t>Architected Page Tables</a:t>
+            </a:r>
+          </a:p>
+          <a:p>
+            <a:pPr marL="572071" lvl="1" indent="-220027" defTabSz="704087">
               <a:spcBef>
-                <a:spcPts val="600"/>
+                <a:spcPts val="400"/>
               </a:spcBef>
-              <a:defRPr sz="2800">
-                <a:solidFill>
-                  <a:srgbClr val="000000"/>
-                </a:solidFill>
-              </a:defRPr>
-            </a:pPr>
-            <a:r>
-              <a:rPr dirty="0"/>
-              <a:t>page-in/page-out less expensive</a:t>
-            </a:r>
-          </a:p>
-          <a:p>
-            <a:pPr marL="742950" lvl="1" indent="-285750">
+              <a:buFont typeface="Zapf Dingbats"/>
+              <a:defRPr sz="1848"/>
+            </a:pPr>
+            <a:r>
+              <a:t>Page table interface defined by ISA and understood by memory translation hardware</a:t>
+            </a:r>
+          </a:p>
+          <a:p>
+            <a:pPr marL="572071" lvl="1" indent="-220027" defTabSz="704087">
               <a:spcBef>
-                <a:spcPts val="600"/>
+                <a:spcPts val="400"/>
               </a:spcBef>
-              <a:defRPr sz="2800">
-                <a:solidFill>
-                  <a:srgbClr val="000000"/>
-                </a:solidFill>
-              </a:defRPr>
-            </a:pPr>
-            <a:endParaRPr dirty="0"/>
-          </a:p>
-          <a:p>
-            <a:pPr>
-              <a:buChar char="•"/>
-            </a:pPr>
-            <a:endParaRPr sz="2800" dirty="0">
-              <a:solidFill>
-                <a:srgbClr val="000000"/>
-              </a:solidFill>
-            </a:endParaRPr>
-          </a:p>
-          <a:p>
-            <a:pPr>
-              <a:buChar char="•"/>
-            </a:pPr>
-            <a:r>
-              <a:rPr dirty="0"/>
-              <a:t>Disadvantages</a:t>
-            </a:r>
-          </a:p>
-          <a:p>
-            <a:pPr marL="742950" lvl="1" indent="-285750">
+              <a:buFont typeface="Zapf Dingbats"/>
+              <a:defRPr sz="1848"/>
+            </a:pPr>
+            <a:r>
+              <a:t>E.g. x86 architecture</a:t>
+            </a:r>
+          </a:p>
+          <a:p>
+            <a:pPr marL="572071" lvl="1" indent="-220027" defTabSz="704087">
               <a:spcBef>
-                <a:spcPts val="600"/>
+                <a:spcPts val="400"/>
               </a:spcBef>
-              <a:defRPr sz="2800">
-                <a:solidFill>
-                  <a:srgbClr val="000000"/>
-                </a:solidFill>
-              </a:defRPr>
-            </a:pPr>
-            <a:r>
-              <a:rPr dirty="0"/>
-              <a:t>process that needs more pages has larger page table</a:t>
+              <a:buFont typeface="Zapf Dingbats"/>
+              <a:defRPr sz="1848"/>
+            </a:pPr>
+            <a:r>
+              <a:t>MMU handles TLB miss (in hardware)</a:t>
+            </a:r>
+          </a:p>
+          <a:p>
+            <a:pPr marL="572071" lvl="1" indent="-220027" defTabSz="704087">
+              <a:spcBef>
+                <a:spcPts val="400"/>
+              </a:spcBef>
+              <a:buFont typeface="Zapf Dingbats"/>
+              <a:defRPr sz="1848"/>
+            </a:pPr>
+            <a:r>
+              <a:t>OS handles page faults (in software)</a:t>
+            </a:r>
+          </a:p>
+          <a:p>
+            <a:pPr marL="572071" lvl="1" indent="-220027" defTabSz="704087">
+              <a:spcBef>
+                <a:spcPts val="400"/>
+              </a:spcBef>
+              <a:buFont typeface="Zapf Dingbats"/>
+              <a:defRPr sz="1848"/>
+            </a:pPr>
+            <a:r>
+              <a:t>ISA specifies page table format</a:t>
+            </a:r>
+          </a:p>
+          <a:p>
+            <a:pPr marL="572071" lvl="1" indent="-220027" defTabSz="704087">
+              <a:spcBef>
+                <a:spcPts val="400"/>
+              </a:spcBef>
+              <a:buFont typeface="Zapf Dingbats"/>
+              <a:defRPr sz="1848"/>
+            </a:pPr>
+            <a:endParaRPr/>
+          </a:p>
+          <a:p>
+            <a:pPr marL="264032" indent="-264032" defTabSz="704087">
+              <a:spcBef>
+                <a:spcPts val="500"/>
+              </a:spcBef>
+              <a:buChar char="❑"/>
+              <a:defRPr sz="2156"/>
+            </a:pPr>
+            <a:r>
+              <a:t>Architected TLBs</a:t>
+            </a:r>
+          </a:p>
+          <a:p>
+            <a:pPr marL="572071" lvl="1" indent="-220027" defTabSz="704087">
+              <a:spcBef>
+                <a:spcPts val="400"/>
+              </a:spcBef>
+              <a:buFont typeface="Zapf Dingbats"/>
+              <a:defRPr sz="1848"/>
+            </a:pPr>
+            <a:r>
+              <a:t>TLB interface defined by ISA and understood by MMU</a:t>
+            </a:r>
+          </a:p>
+          <a:p>
+            <a:pPr marL="572071" lvl="1" indent="-220027" defTabSz="704087">
+              <a:spcBef>
+                <a:spcPts val="400"/>
+              </a:spcBef>
+              <a:buFont typeface="Zapf Dingbats"/>
+              <a:defRPr sz="1848"/>
+            </a:pPr>
+            <a:r>
+              <a:t>E.g. alpha architecture</a:t>
+            </a:r>
+          </a:p>
+          <a:p>
+            <a:pPr marL="572071" lvl="1" indent="-220027" defTabSz="704087">
+              <a:spcBef>
+                <a:spcPts val="400"/>
+              </a:spcBef>
+              <a:buFont typeface="Zapf Dingbats"/>
+              <a:defRPr sz="1848"/>
+            </a:pPr>
+            <a:r>
+              <a:t>TLB miss handled by OS (in software)</a:t>
+            </a:r>
+          </a:p>
+          <a:p>
+            <a:pPr marL="572071" lvl="1" indent="-220027" defTabSz="704087">
+              <a:spcBef>
+                <a:spcPts val="400"/>
+              </a:spcBef>
+              <a:buFont typeface="Zapf Dingbats"/>
+              <a:defRPr sz="1848"/>
+            </a:pPr>
+            <a:r>
+              <a:t>ISA does not specify page table format</a:t>
             </a:r>
           </a:p>
         </p:txBody>
@@ -5599,7 +5486,7 @@
       </p:grpSpPr>
       <p:sp>
         <p:nvSpPr>
-          <p:cNvPr id="200" name="Shape 200"/>
+          <p:cNvPr id="196" name="Shape 196"/>
           <p:cNvSpPr>
             <a:spLocks noGrp="1"/>
           </p:cNvSpPr>
@@ -5624,43 +5511,19 @@
           <a:lstStyle/>
           <a:p>
             <a:pPr>
-              <a:defRPr sz="2400" b="0">
-                <a:solidFill>
-                  <a:srgbClr val="EAEAEA"/>
-                </a:solidFill>
-                <a:latin typeface="Times New Roman"/>
-                <a:ea typeface="Times New Roman"/>
-                <a:cs typeface="Times New Roman"/>
-                <a:sym typeface="Times New Roman"/>
-              </a:defRPr>
+              <a:defRPr sz="2400"/>
             </a:pPr>
             <a:fld id="{86CB4B4D-7CA3-9044-876B-883B54F8677D}" type="slidenum">
-              <a:rPr sz="1400" b="1">
-                <a:solidFill>
-                  <a:srgbClr val="5F72D4"/>
-                </a:solidFill>
-                <a:latin typeface="Arial Narrow"/>
-                <a:ea typeface="Arial Narrow"/>
-                <a:cs typeface="Arial Narrow"/>
-                <a:sym typeface="Arial Narrow"/>
-              </a:rPr>
+              <a:rPr sz="1400"/>
               <a:t>19</a:t>
             </a:fld>
-            <a:endParaRPr sz="1400" b="1">
-              <a:solidFill>
-                <a:srgbClr val="5F72D4"/>
-              </a:solidFill>
-              <a:latin typeface="Arial Narrow"/>
-              <a:ea typeface="Arial Narrow"/>
-              <a:cs typeface="Arial Narrow"/>
-              <a:sym typeface="Arial Narrow"/>
-            </a:endParaRPr>
-          </a:p>
-        </p:txBody>
-      </p:sp>
-      <p:sp>
-        <p:nvSpPr>
-          <p:cNvPr id="201" name="Shape 201"/>
+            <a:endParaRPr sz="1400"/>
+          </a:p>
+        </p:txBody>
+      </p:sp>
+      <p:sp>
+        <p:nvSpPr>
+          <p:cNvPr id="197" name="Shape 197"/>
           <p:cNvSpPr>
             <a:spLocks noGrp="1"/>
           </p:cNvSpPr>
@@ -5670,8 +5533,8 @@
         </p:nvSpPr>
         <p:spPr>
           <a:xfrm>
-            <a:off x="-140494" y="12700"/>
-            <a:ext cx="9185276" cy="844550"/>
+            <a:off x="657225" y="0"/>
+            <a:ext cx="7772400" cy="762000"/>
           </a:xfrm>
           <a:prstGeom prst="rect">
             <a:avLst/>
@@ -5682,29 +5545,24 @@
             <a:normAutofit/>
           </a:bodyPr>
           <a:lstStyle>
-            <a:lvl1pPr algn="ctr">
-              <a:defRPr>
-                <a:solidFill>
-                  <a:srgbClr val="FF2600"/>
-                </a:solidFill>
-              </a:defRPr>
+            <a:lvl1pPr>
+              <a:defRPr sz="4000"/>
             </a:lvl1pPr>
           </a:lstStyle>
           <a:p>
-            <a:r>
-              <a:rPr dirty="0">
-                <a:solidFill>
-                  <a:schemeClr val="tx1"/>
-                </a:solidFill>
-              </a:rPr>
-              <a:t>TLB Coverage</a:t>
-            </a:r>
-          </a:p>
-        </p:txBody>
-      </p:sp>
-      <p:sp>
-        <p:nvSpPr>
-          <p:cNvPr id="202" name="Shape 202"/>
+            <a:pPr>
+              <a:defRPr sz="4400"/>
+            </a:pPr>
+            <a:r>
+              <a:rPr sz="4000"/>
+              <a:t>Impact of Page Size on Page tables</a:t>
+            </a:r>
+          </a:p>
+        </p:txBody>
+      </p:sp>
+      <p:sp>
+        <p:nvSpPr>
+          <p:cNvPr id="198" name="Shape 198"/>
           <p:cNvSpPr>
             <a:spLocks noGrp="1"/>
           </p:cNvSpPr>
@@ -5714,8 +5572,8 @@
         </p:nvSpPr>
         <p:spPr>
           <a:xfrm>
-            <a:off x="381000" y="843756"/>
-            <a:ext cx="8382000" cy="5885558"/>
+            <a:off x="381000" y="1295400"/>
+            <a:ext cx="8401050" cy="5105400"/>
           </a:xfrm>
           <a:prstGeom prst="rect">
             <a:avLst/>
@@ -5723,451 +5581,106 @@
         </p:spPr>
         <p:txBody>
           <a:bodyPr>
-            <a:normAutofit lnSpcReduction="10000"/>
+            <a:normAutofit/>
           </a:bodyPr>
           <a:lstStyle/>
           <a:p>
-            <a:pPr defTabSz="457200">
+            <a:pPr algn="ctr">
+              <a:buSzTx/>
+              <a:buNone/>
+            </a:pPr>
+            <a:r>
+              <a:rPr dirty="0"/>
+              <a:t>Small page size</a:t>
+            </a:r>
+          </a:p>
+          <a:p>
+            <a:pPr>
+              <a:buChar char="•"/>
+            </a:pPr>
+            <a:r>
+              <a:rPr dirty="0"/>
+              <a:t>Advantages</a:t>
+            </a:r>
+          </a:p>
+          <a:p>
+            <a:pPr marL="742950" lvl="1" indent="-285750">
               <a:spcBef>
-                <a:spcPts val="300"/>
+                <a:spcPts val="600"/>
               </a:spcBef>
-              <a:buClr>
-                <a:schemeClr val="tx1"/>
-              </a:buClr>
-              <a:defRPr sz="1600">
-                <a:effectLst>
-                  <a:outerShdw blurRad="6350" dist="12700" dir="2700000" rotWithShape="0">
-                    <a:srgbClr val="DDDDDD"/>
-                  </a:outerShdw>
-                </a:effectLst>
+              <a:defRPr sz="2800">
+                <a:solidFill>
+                  <a:srgbClr val="000000"/>
+                </a:solidFill>
               </a:defRPr>
             </a:pPr>
             <a:r>
               <a:rPr dirty="0"/>
-              <a:t>Max amount of memory mapped by TLB</a:t>
-            </a:r>
-            <a:endParaRPr sz="1400" dirty="0"/>
-          </a:p>
-          <a:p>
-            <a:pPr marL="512763" lvl="1" indent="-285750" defTabSz="457200">
+              <a:t>less internal fragmentation </a:t>
+            </a:r>
+          </a:p>
+          <a:p>
+            <a:pPr marL="742950" lvl="1" indent="-285750">
               <a:spcBef>
-                <a:spcPts val="300"/>
+                <a:spcPts val="600"/>
               </a:spcBef>
-              <a:buClr>
-                <a:schemeClr val="tx1"/>
-              </a:buClr>
-              <a:defRPr sz="1400">
-                <a:effectLst>
-                  <a:outerShdw blurRad="6350" dist="12700" dir="2700000" rotWithShape="0">
-                    <a:srgbClr val="DDDDDD"/>
-                  </a:outerShdw>
-                </a:effectLst>
+              <a:defRPr sz="2800">
+                <a:solidFill>
+                  <a:srgbClr val="000000"/>
+                </a:solidFill>
               </a:defRPr>
             </a:pPr>
             <a:r>
               <a:rPr dirty="0"/>
-              <a:t>Max mount of memory that can be accessed without TLB misses</a:t>
-            </a:r>
-          </a:p>
-          <a:p>
-            <a:pPr defTabSz="457200">
+              <a:t>page-in/page-out less expensive</a:t>
+            </a:r>
+          </a:p>
+          <a:p>
+            <a:pPr marL="742950" lvl="1" indent="-285750">
               <a:spcBef>
-                <a:spcPts val="300"/>
+                <a:spcPts val="600"/>
               </a:spcBef>
-              <a:buClr>
-                <a:schemeClr val="tx1"/>
-              </a:buClr>
-              <a:defRPr sz="1600">
-                <a:effectLst>
-                  <a:outerShdw blurRad="6350" dist="12700" dir="2700000" rotWithShape="0">
-                    <a:srgbClr val="DDDDDD"/>
-                  </a:outerShdw>
-                </a:effectLst>
+              <a:defRPr sz="2800">
+                <a:solidFill>
+                  <a:srgbClr val="000000"/>
+                </a:solidFill>
               </a:defRPr>
             </a:pPr>
             <a:endParaRPr dirty="0"/>
           </a:p>
           <a:p>
-            <a:pPr defTabSz="457200">
+            <a:pPr>
+              <a:buChar char="•"/>
+            </a:pPr>
+            <a:endParaRPr sz="2800" dirty="0">
+              <a:solidFill>
+                <a:srgbClr val="000000"/>
+              </a:solidFill>
+            </a:endParaRPr>
+          </a:p>
+          <a:p>
+            <a:pPr>
+              <a:buChar char="•"/>
+            </a:pPr>
+            <a:r>
+              <a:rPr dirty="0"/>
+              <a:t>Disadvantages</a:t>
+            </a:r>
+          </a:p>
+          <a:p>
+            <a:pPr marL="742950" lvl="1" indent="-285750">
               <a:spcBef>
-                <a:spcPts val="300"/>
+                <a:spcPts val="600"/>
               </a:spcBef>
-              <a:buClr>
-                <a:schemeClr val="tx1"/>
-              </a:buClr>
-              <a:defRPr sz="1600">
-                <a:effectLst>
-                  <a:outerShdw blurRad="6350" dist="12700" dir="2700000" rotWithShape="0">
-                    <a:srgbClr val="DDDDDD"/>
-                  </a:outerShdw>
-                </a:effectLst>
+              <a:defRPr sz="2800">
+                <a:solidFill>
+                  <a:srgbClr val="000000"/>
+                </a:solidFill>
               </a:defRPr>
             </a:pPr>
             <a:r>
               <a:rPr dirty="0"/>
-              <a:t>TLB Coverage = N x P bytes</a:t>
-            </a:r>
-          </a:p>
-          <a:p>
-            <a:pPr marL="512763" lvl="1" indent="-285750" defTabSz="457200">
-              <a:spcBef>
-                <a:spcPts val="300"/>
-              </a:spcBef>
-              <a:buClr>
-                <a:schemeClr val="tx1"/>
-              </a:buClr>
-              <a:defRPr sz="1600">
-                <a:effectLst>
-                  <a:outerShdw blurRad="6350" dist="12700" dir="2700000" rotWithShape="0">
-                    <a:srgbClr val="DDDDDD"/>
-                  </a:outerShdw>
-                </a:effectLst>
-              </a:defRPr>
-            </a:pPr>
-            <a:r>
-              <a:rPr dirty="0"/>
-              <a:t>N = Number of entries in TLB</a:t>
-            </a:r>
-          </a:p>
-          <a:p>
-            <a:pPr marL="512763" lvl="1" indent="-285750" defTabSz="457200">
-              <a:spcBef>
-                <a:spcPts val="300"/>
-              </a:spcBef>
-              <a:buClr>
-                <a:schemeClr val="tx1"/>
-              </a:buClr>
-              <a:defRPr sz="1600">
-                <a:effectLst>
-                  <a:outerShdw blurRad="6350" dist="12700" dir="2700000" rotWithShape="0">
-                    <a:srgbClr val="DDDDDD"/>
-                  </a:outerShdw>
-                </a:effectLst>
-              </a:defRPr>
-            </a:pPr>
-            <a:r>
-              <a:rPr dirty="0"/>
-              <a:t>P = Page size in bytes</a:t>
-            </a:r>
-          </a:p>
-          <a:p>
-            <a:pPr marL="512763" lvl="1" indent="-285750" defTabSz="457200">
-              <a:spcBef>
-                <a:spcPts val="300"/>
-              </a:spcBef>
-              <a:buClr>
-                <a:schemeClr val="tx1"/>
-              </a:buClr>
-              <a:defRPr sz="1600">
-                <a:effectLst>
-                  <a:outerShdw blurRad="6350" dist="12700" dir="2700000" rotWithShape="0">
-                    <a:srgbClr val="DDDDDD"/>
-                  </a:outerShdw>
-                </a:effectLst>
-              </a:defRPr>
-            </a:pPr>
-            <a:r>
-              <a:rPr dirty="0"/>
-              <a:t>N is fixed by hardware constraints</a:t>
-            </a:r>
-          </a:p>
-          <a:p>
-            <a:pPr marL="512763" lvl="1" indent="-285750" defTabSz="457200">
-              <a:spcBef>
-                <a:spcPts val="300"/>
-              </a:spcBef>
-              <a:buClr>
-                <a:schemeClr val="tx1"/>
-              </a:buClr>
-              <a:defRPr sz="1600">
-                <a:effectLst>
-                  <a:outerShdw blurRad="6350" dist="12700" dir="2700000" rotWithShape="0">
-                    <a:srgbClr val="DDDDDD"/>
-                  </a:outerShdw>
-                </a:effectLst>
-              </a:defRPr>
-            </a:pPr>
-            <a:r>
-              <a:rPr dirty="0"/>
-              <a:t>So, to increase TLB Coverage, we must increase P.</a:t>
-            </a:r>
-          </a:p>
-          <a:p>
-            <a:pPr marL="512763" lvl="1" indent="-285750" defTabSz="457200">
-              <a:spcBef>
-                <a:spcPts val="300"/>
-              </a:spcBef>
-              <a:buClr>
-                <a:schemeClr val="tx1"/>
-              </a:buClr>
-              <a:defRPr sz="1600">
-                <a:effectLst>
-                  <a:outerShdw blurRad="6350" dist="12700" dir="2700000" rotWithShape="0">
-                    <a:srgbClr val="DDDDDD"/>
-                  </a:outerShdw>
-                </a:effectLst>
-              </a:defRPr>
-            </a:pPr>
-            <a:endParaRPr dirty="0"/>
-          </a:p>
-          <a:p>
-            <a:pPr defTabSz="457200">
-              <a:spcBef>
-                <a:spcPts val="300"/>
-              </a:spcBef>
-              <a:buClr>
-                <a:schemeClr val="tx1"/>
-              </a:buClr>
-              <a:defRPr sz="1600">
-                <a:effectLst>
-                  <a:outerShdw blurRad="6350" dist="12700" dir="2700000" rotWithShape="0">
-                    <a:srgbClr val="DDDDDD"/>
-                  </a:outerShdw>
-                </a:effectLst>
-              </a:defRPr>
-            </a:pPr>
-            <a:r>
-              <a:rPr dirty="0"/>
-              <a:t>Consider these extreme examples</a:t>
-            </a:r>
-          </a:p>
-          <a:p>
-            <a:pPr marL="512763" lvl="1" indent="-285750" defTabSz="457200">
-              <a:spcBef>
-                <a:spcPts val="300"/>
-              </a:spcBef>
-              <a:buClr>
-                <a:schemeClr val="tx1"/>
-              </a:buClr>
-              <a:defRPr sz="1600">
-                <a:effectLst>
-                  <a:outerShdw blurRad="6350" dist="12700" dir="2700000" rotWithShape="0">
-                    <a:srgbClr val="DDDDDD"/>
-                  </a:outerShdw>
-                </a:effectLst>
-              </a:defRPr>
-            </a:pPr>
-            <a:r>
-              <a:rPr dirty="0"/>
-              <a:t>Suppose P = 1 byte</a:t>
-            </a:r>
-          </a:p>
-          <a:p>
-            <a:pPr marL="713581" lvl="2" indent="-285750" defTabSz="457200">
-              <a:spcBef>
-                <a:spcPts val="300"/>
-              </a:spcBef>
-              <a:buClr>
-                <a:schemeClr val="tx1"/>
-              </a:buClr>
-              <a:defRPr sz="1600">
-                <a:effectLst>
-                  <a:outerShdw blurRad="6350" dist="12700" dir="2700000" rotWithShape="0">
-                    <a:srgbClr val="DDDDDD"/>
-                  </a:outerShdw>
-                </a:effectLst>
-              </a:defRPr>
-            </a:pPr>
-            <a:r>
-              <a:rPr dirty="0"/>
-              <a:t>TLB Coverage = N bytes only</a:t>
-            </a:r>
-          </a:p>
-          <a:p>
-            <a:pPr marL="512763" lvl="1" indent="-285750" defTabSz="457200">
-              <a:spcBef>
-                <a:spcPts val="300"/>
-              </a:spcBef>
-              <a:buClr>
-                <a:schemeClr val="tx1"/>
-              </a:buClr>
-              <a:defRPr sz="1600">
-                <a:effectLst>
-                  <a:outerShdw blurRad="6350" dist="12700" dir="2700000" rotWithShape="0">
-                    <a:srgbClr val="DDDDDD"/>
-                  </a:outerShdw>
-                </a:effectLst>
-              </a:defRPr>
-            </a:pPr>
-            <a:r>
-              <a:rPr dirty="0"/>
-              <a:t>Suppose P = 2^64 bytes (on a 64-bit ISA)</a:t>
-            </a:r>
-          </a:p>
-          <a:p>
-            <a:pPr marL="713581" lvl="2" indent="-285750" defTabSz="457200">
-              <a:spcBef>
-                <a:spcPts val="300"/>
-              </a:spcBef>
-              <a:buClr>
-                <a:schemeClr val="tx1"/>
-              </a:buClr>
-              <a:defRPr sz="1600">
-                <a:effectLst>
-                  <a:outerShdw blurRad="6350" dist="12700" dir="2700000" rotWithShape="0">
-                    <a:srgbClr val="DDDDDD"/>
-                  </a:outerShdw>
-                </a:effectLst>
-              </a:defRPr>
-            </a:pPr>
-            <a:r>
-              <a:rPr dirty="0" smtClean="0"/>
-              <a:t>TLB </a:t>
-            </a:r>
-            <a:r>
-              <a:rPr dirty="0"/>
-              <a:t>Coverage = N x2^64bytes</a:t>
-            </a:r>
-          </a:p>
-          <a:p>
-            <a:pPr marL="713581" lvl="2" indent="-285750" defTabSz="457200">
-              <a:spcBef>
-                <a:spcPts val="300"/>
-              </a:spcBef>
-              <a:buClr>
-                <a:schemeClr val="tx1"/>
-              </a:buClr>
-              <a:defRPr sz="1600">
-                <a:effectLst>
-                  <a:outerShdw blurRad="6350" dist="12700" dir="2700000" rotWithShape="0">
-                    <a:srgbClr val="DDDDDD"/>
-                  </a:outerShdw>
-                </a:effectLst>
-              </a:defRPr>
-            </a:pPr>
-            <a:r>
-              <a:rPr dirty="0"/>
-              <a:t>TLB can perform translations for N processes without any TLB misses!</a:t>
-            </a:r>
-          </a:p>
-          <a:p>
-            <a:pPr defTabSz="457200">
-              <a:spcBef>
-                <a:spcPts val="300"/>
-              </a:spcBef>
-              <a:buClr>
-                <a:schemeClr val="tx1"/>
-              </a:buClr>
-              <a:defRPr sz="1600">
-                <a:effectLst>
-                  <a:outerShdw blurRad="6350" dist="12700" dir="2700000" rotWithShape="0">
-                    <a:srgbClr val="DDDDDD"/>
-                  </a:outerShdw>
-                </a:effectLst>
-              </a:defRPr>
-            </a:pPr>
-            <a:endParaRPr dirty="0"/>
-          </a:p>
-          <a:p>
-            <a:pPr defTabSz="457200">
-              <a:spcBef>
-                <a:spcPts val="300"/>
-              </a:spcBef>
-              <a:buClr>
-                <a:schemeClr val="tx1"/>
-              </a:buClr>
-              <a:defRPr sz="1600">
-                <a:effectLst>
-                  <a:outerShdw blurRad="6350" dist="12700" dir="2700000" rotWithShape="0">
-                    <a:srgbClr val="DDDDDD"/>
-                  </a:outerShdw>
-                </a:effectLst>
-              </a:defRPr>
-            </a:pPr>
-            <a:r>
-              <a:rPr dirty="0"/>
-              <a:t>Of course, both examples above are </a:t>
-            </a:r>
-            <a:r>
-              <a:rPr dirty="0" smtClean="0"/>
-              <a:t>impractical</a:t>
-            </a:r>
-            <a:r>
-              <a:rPr lang="en-US" dirty="0"/>
-              <a:t> </a:t>
-            </a:r>
-            <a:r>
-              <a:rPr lang="en-US" dirty="0" smtClean="0"/>
-              <a:t>and meant to illustrate the tradeoffs.</a:t>
-            </a:r>
-            <a:endParaRPr dirty="0"/>
-          </a:p>
-          <a:p>
-            <a:pPr defTabSz="457200">
-              <a:spcBef>
-                <a:spcPts val="300"/>
-              </a:spcBef>
-              <a:buClr>
-                <a:schemeClr val="tx1"/>
-              </a:buClr>
-              <a:defRPr sz="1600">
-                <a:effectLst>
-                  <a:outerShdw blurRad="6350" dist="12700" dir="2700000" rotWithShape="0">
-                    <a:srgbClr val="DDDDDD"/>
-                  </a:outerShdw>
-                </a:effectLst>
-              </a:defRPr>
-            </a:pPr>
-            <a:endParaRPr dirty="0"/>
-          </a:p>
-          <a:p>
-            <a:pPr defTabSz="457200">
-              <a:spcBef>
-                <a:spcPts val="300"/>
-              </a:spcBef>
-              <a:buClr>
-                <a:schemeClr val="tx1"/>
-              </a:buClr>
-              <a:defRPr sz="1600">
-                <a:effectLst>
-                  <a:outerShdw blurRad="6350" dist="12700" dir="2700000" rotWithShape="0">
-                    <a:srgbClr val="DDDDDD"/>
-                  </a:outerShdw>
-                </a:effectLst>
-              </a:defRPr>
-            </a:pPr>
-            <a:r>
-              <a:rPr dirty="0"/>
-              <a:t>But what if P is something reasonable, but greater than than the standard 4KB?</a:t>
-            </a:r>
-          </a:p>
-          <a:p>
-            <a:pPr marL="512763" lvl="1" indent="-285750" defTabSz="457200">
-              <a:spcBef>
-                <a:spcPts val="300"/>
-              </a:spcBef>
-              <a:buClr>
-                <a:schemeClr val="tx1"/>
-              </a:buClr>
-              <a:defRPr sz="1600">
-                <a:effectLst>
-                  <a:outerShdw blurRad="6350" dist="12700" dir="2700000" rotWithShape="0">
-                    <a:srgbClr val="DDDDDD"/>
-                  </a:outerShdw>
-                </a:effectLst>
-              </a:defRPr>
-            </a:pPr>
-            <a:endParaRPr dirty="0"/>
-          </a:p>
-          <a:p>
-            <a:pPr defTabSz="457200">
-              <a:spcBef>
-                <a:spcPts val="300"/>
-              </a:spcBef>
-              <a:buClr>
-                <a:schemeClr val="tx1"/>
-              </a:buClr>
-              <a:defRPr sz="1600">
-                <a:effectLst>
-                  <a:outerShdw blurRad="6350" dist="12700" dir="2700000" rotWithShape="0">
-                    <a:srgbClr val="DDDDDD"/>
-                  </a:outerShdw>
-                </a:effectLst>
-              </a:defRPr>
-            </a:pPr>
-            <a:r>
-              <a:rPr dirty="0"/>
-              <a:t>This brings us next to superpages.</a:t>
+              <a:t>process that needs more pages has larger page table</a:t>
             </a:r>
           </a:p>
         </p:txBody>
@@ -6474,7 +5987,68 @@
       </p:grpSpPr>
       <p:sp>
         <p:nvSpPr>
-          <p:cNvPr id="206" name="Shape 206"/>
+          <p:cNvPr id="200" name="Shape 200"/>
+          <p:cNvSpPr>
+            <a:spLocks noGrp="1"/>
+          </p:cNvSpPr>
+          <p:nvPr>
+            <p:ph type="sldNum" sz="quarter" idx="2"/>
+          </p:nvPr>
+        </p:nvSpPr>
+        <p:spPr>
+          <a:prstGeom prst="rect">
+            <a:avLst/>
+          </a:prstGeom>
+          <a:extLst>
+            <a:ext uri="{C572A759-6A51-4108-AA02-DFA0A04FC94B}">
+              <ma14:wrappingTextBoxFlag xmlns:ma14="http://schemas.microsoft.com/office/mac/drawingml/2011/main" val="1"/>
+            </a:ext>
+          </a:extLst>
+        </p:spPr>
+        <p:txBody>
+          <a:bodyPr>
+            <a:normAutofit lnSpcReduction="10000"/>
+          </a:bodyPr>
+          <a:lstStyle/>
+          <a:p>
+            <a:pPr>
+              <a:defRPr sz="2400" b="0">
+                <a:solidFill>
+                  <a:srgbClr val="EAEAEA"/>
+                </a:solidFill>
+                <a:latin typeface="Times New Roman"/>
+                <a:ea typeface="Times New Roman"/>
+                <a:cs typeface="Times New Roman"/>
+                <a:sym typeface="Times New Roman"/>
+              </a:defRPr>
+            </a:pPr>
+            <a:fld id="{86CB4B4D-7CA3-9044-876B-883B54F8677D}" type="slidenum">
+              <a:rPr sz="1400" b="1">
+                <a:solidFill>
+                  <a:srgbClr val="5F72D4"/>
+                </a:solidFill>
+                <a:latin typeface="Arial Narrow"/>
+                <a:ea typeface="Arial Narrow"/>
+                <a:cs typeface="Arial Narrow"/>
+                <a:sym typeface="Arial Narrow"/>
+              </a:rPr>
+              <a:t>20</a:t>
+            </a:fld>
+            <a:endParaRPr sz="1400" b="1">
+              <a:solidFill>
+                <a:srgbClr val="5F72D4"/>
+              </a:solidFill>
+              <a:latin typeface="Arial Narrow"/>
+              <a:ea typeface="Arial Narrow"/>
+              <a:cs typeface="Arial Narrow"/>
+              <a:sym typeface="Arial Narrow"/>
+            </a:endParaRPr>
+          </a:p>
+        </p:txBody>
+      </p:sp>
+      <p:sp>
+        <p:nvSpPr>
+          <p:cNvPr id="201" name="Shape 201"/>
           <p:cNvSpPr>
             <a:spLocks noGrp="1"/>
           </p:cNvSpPr>
@@ -6484,8 +6058,8 @@
         </p:nvSpPr>
         <p:spPr>
           <a:xfrm>
-            <a:off x="-380206" y="-63500"/>
-            <a:ext cx="10058400" cy="844550"/>
+            <a:off x="-140494" y="12700"/>
+            <a:ext cx="9185276" cy="844550"/>
           </a:xfrm>
           <a:prstGeom prst="rect">
             <a:avLst/>
@@ -6495,17 +6069,30 @@
           <a:bodyPr>
             <a:normAutofit/>
           </a:bodyPr>
-          <a:lstStyle/>
-          <a:p>
-            <a:r>
-              <a:t>Superpages</a:t>
-            </a:r>
-          </a:p>
-        </p:txBody>
-      </p:sp>
-      <p:sp>
-        <p:nvSpPr>
-          <p:cNvPr id="207" name="Shape 207"/>
+          <a:lstStyle>
+            <a:lvl1pPr algn="ctr">
+              <a:defRPr>
+                <a:solidFill>
+                  <a:srgbClr val="FF2600"/>
+                </a:solidFill>
+              </a:defRPr>
+            </a:lvl1pPr>
+          </a:lstStyle>
+          <a:p>
+            <a:r>
+              <a:rPr dirty="0">
+                <a:solidFill>
+                  <a:schemeClr val="tx1"/>
+                </a:solidFill>
+              </a:rPr>
+              <a:t>TLB Coverage</a:t>
+            </a:r>
+          </a:p>
+        </p:txBody>
+      </p:sp>
+      <p:sp>
+        <p:nvSpPr>
+          <p:cNvPr id="202" name="Shape 202"/>
           <p:cNvSpPr>
             <a:spLocks noGrp="1"/>
           </p:cNvSpPr>
@@ -6515,8 +6102,8 @@
         </p:nvSpPr>
         <p:spPr>
           <a:xfrm>
-            <a:off x="389532" y="801836"/>
-            <a:ext cx="8364936" cy="5727701"/>
+            <a:off x="381000" y="843756"/>
+            <a:ext cx="8382000" cy="5885558"/>
           </a:xfrm>
           <a:prstGeom prst="rect">
             <a:avLst/>
@@ -6528,32 +6115,38 @@
           </a:bodyPr>
           <a:lstStyle/>
           <a:p>
-            <a:pPr marL="251396" indent="-251396" defTabSz="676655">
+            <a:pPr defTabSz="457200">
               <a:spcBef>
-                <a:spcPts val="500"/>
+                <a:spcPts val="300"/>
               </a:spcBef>
-              <a:buChar char="⬥"/>
-              <a:defRPr sz="2368">
+              <a:buClr>
+                <a:schemeClr val="tx1"/>
+              </a:buClr>
+              <a:defRPr sz="1600">
                 <a:effectLst>
-                  <a:outerShdw blurRad="9398" dist="18796" dir="2700000" rotWithShape="0">
+                  <a:outerShdw blurRad="6350" dist="12700" dir="2700000" rotWithShape="0">
                     <a:srgbClr val="DDDDDD"/>
                   </a:outerShdw>
                 </a:effectLst>
               </a:defRPr>
             </a:pPr>
             <a:r>
-              <a:t>Memory pages of larger sizes than standard pages</a:t>
-            </a:r>
-          </a:p>
-          <a:p>
-            <a:pPr marL="587375" lvl="1" indent="-251396" defTabSz="676655">
+              <a:rPr dirty="0"/>
+              <a:t>Max amount of memory mapped by TLB</a:t>
+            </a:r>
+            <a:endParaRPr sz="1400" dirty="0"/>
+          </a:p>
+          <a:p>
+            <a:pPr marL="512763" lvl="1" indent="-285750" defTabSz="457200">
               <a:spcBef>
-                <a:spcPts val="500"/>
+                <a:spcPts val="300"/>
               </a:spcBef>
-              <a:buChar char="⬥"/>
-              <a:defRPr sz="2368">
+              <a:buClr>
+                <a:schemeClr val="tx1"/>
+              </a:buClr>
+              <a:defRPr sz="1400">
                 <a:effectLst>
-                  <a:outerShdw blurRad="9398" dist="18796" dir="2700000" rotWithShape="0">
+                  <a:outerShdw blurRad="6350" dist="12700" dir="2700000" rotWithShape="0">
                     <a:srgbClr val="DDDDDD"/>
                   </a:outerShdw>
                 </a:effectLst>
@@ -6561,18 +6154,20 @@
             </a:pPr>
             <a:r>
               <a:rPr dirty="0"/>
-              <a:t>supported by most modern CPUs</a:t>
-            </a:r>
-          </a:p>
-          <a:p>
-            <a:pPr marL="251396" indent="-251396" defTabSz="676655">
+              <a:t>Max mount of memory that can be accessed without TLB misses</a:t>
+            </a:r>
+          </a:p>
+          <a:p>
+            <a:pPr defTabSz="457200">
               <a:spcBef>
-                <a:spcPts val="500"/>
+                <a:spcPts val="300"/>
               </a:spcBef>
-              <a:buChar char="⬥"/>
-              <a:defRPr sz="2368">
+              <a:buClr>
+                <a:schemeClr val="tx1"/>
+              </a:buClr>
+              <a:defRPr sz="1600">
                 <a:effectLst>
-                  <a:outerShdw blurRad="9398" dist="18796" dir="2700000" rotWithShape="0">
+                  <a:outerShdw blurRad="6350" dist="12700" dir="2700000" rotWithShape="0">
                     <a:srgbClr val="DDDDDD"/>
                   </a:outerShdw>
                 </a:effectLst>
@@ -6581,14 +6176,16 @@
             <a:endParaRPr dirty="0"/>
           </a:p>
           <a:p>
-            <a:pPr marL="251396" indent="-251396" defTabSz="676655">
+            <a:pPr defTabSz="457200">
               <a:spcBef>
-                <a:spcPts val="500"/>
+                <a:spcPts val="300"/>
               </a:spcBef>
-              <a:buChar char="⬥"/>
-              <a:defRPr sz="2368">
+              <a:buClr>
+                <a:schemeClr val="tx1"/>
+              </a:buClr>
+              <a:defRPr sz="1600">
                 <a:effectLst>
-                  <a:outerShdw blurRad="9398" dist="18796" dir="2700000" rotWithShape="0">
+                  <a:outerShdw blurRad="6350" dist="12700" dir="2700000" rotWithShape="0">
                     <a:srgbClr val="DDDDDD"/>
                   </a:outerShdw>
                 </a:effectLst>
@@ -6596,35 +6193,41 @@
             </a:pPr>
             <a:r>
               <a:rPr dirty="0"/>
-              <a:t>Superpage size = power of 2 x the base page size</a:t>
-            </a:r>
-            <a:endParaRPr sz="2072" dirty="0"/>
-          </a:p>
-          <a:p>
-            <a:pPr marL="251396" indent="-251396" defTabSz="676655">
+              <a:t>TLB Coverage = N x P bytes</a:t>
+            </a:r>
+          </a:p>
+          <a:p>
+            <a:pPr marL="512763" lvl="1" indent="-285750" defTabSz="457200">
               <a:spcBef>
-                <a:spcPts val="500"/>
+                <a:spcPts val="300"/>
               </a:spcBef>
-              <a:buChar char="⬥"/>
-              <a:defRPr sz="2368">
+              <a:buClr>
+                <a:schemeClr val="tx1"/>
+              </a:buClr>
+              <a:defRPr sz="1600">
                 <a:effectLst>
-                  <a:outerShdw blurRad="9398" dist="18796" dir="2700000" rotWithShape="0">
+                  <a:outerShdw blurRad="6350" dist="12700" dir="2700000" rotWithShape="0">
                     <a:srgbClr val="DDDDDD"/>
                   </a:outerShdw>
                 </a:effectLst>
               </a:defRPr>
             </a:pPr>
-            <a:endParaRPr sz="2072" dirty="0"/>
-          </a:p>
-          <a:p>
-            <a:pPr marL="251396" indent="-251396" defTabSz="676655">
+            <a:r>
+              <a:rPr dirty="0"/>
+              <a:t>N = Number of entries in TLB</a:t>
+            </a:r>
+          </a:p>
+          <a:p>
+            <a:pPr marL="512763" lvl="1" indent="-285750" defTabSz="457200">
               <a:spcBef>
-                <a:spcPts val="500"/>
+                <a:spcPts val="300"/>
               </a:spcBef>
-              <a:buChar char="⬥"/>
-              <a:defRPr sz="2368">
+              <a:buClr>
+                <a:schemeClr val="tx1"/>
+              </a:buClr>
+              <a:defRPr sz="1600">
                 <a:effectLst>
-                  <a:outerShdw blurRad="9398" dist="18796" dir="2700000" rotWithShape="0">
+                  <a:outerShdw blurRad="6350" dist="12700" dir="2700000" rotWithShape="0">
                     <a:srgbClr val="DDDDDD"/>
                   </a:outerShdw>
                 </a:effectLst>
@@ -6632,18 +6235,20 @@
             </a:pPr>
             <a:r>
               <a:rPr dirty="0"/>
-              <a:t>Only one TLB entry per superpage</a:t>
-            </a:r>
-          </a:p>
-          <a:p>
-            <a:pPr marL="587375" lvl="1" indent="-251396" defTabSz="676655">
+              <a:t>P = Page size in bytes</a:t>
+            </a:r>
+          </a:p>
+          <a:p>
+            <a:pPr marL="512763" lvl="1" indent="-285750" defTabSz="457200">
               <a:spcBef>
-                <a:spcPts val="500"/>
+                <a:spcPts val="300"/>
               </a:spcBef>
-              <a:buChar char="⬥"/>
-              <a:defRPr sz="2368">
+              <a:buClr>
+                <a:schemeClr val="tx1"/>
+              </a:buClr>
+              <a:defRPr sz="1600">
                 <a:effectLst>
-                  <a:outerShdw blurRad="9398" dist="18796" dir="2700000" rotWithShape="0">
+                  <a:outerShdw blurRad="6350" dist="12700" dir="2700000" rotWithShape="0">
                     <a:srgbClr val="DDDDDD"/>
                   </a:outerShdw>
                 </a:effectLst>
@@ -6651,54 +6256,59 @@
             </a:pPr>
             <a:r>
               <a:rPr dirty="0"/>
-              <a:t>But multiple (identical) page-table entries, one per base page</a:t>
-            </a:r>
-            <a:endParaRPr sz="2072" dirty="0"/>
-          </a:p>
-          <a:p>
-            <a:pPr marL="251396" indent="-251396" defTabSz="676655">
+              <a:t>N is fixed by hardware constraints</a:t>
+            </a:r>
+          </a:p>
+          <a:p>
+            <a:pPr marL="512763" lvl="1" indent="-285750" defTabSz="457200">
               <a:spcBef>
-                <a:spcPts val="500"/>
+                <a:spcPts val="300"/>
               </a:spcBef>
-              <a:buChar char="⬥"/>
-              <a:defRPr sz="2368">
+              <a:buClr>
+                <a:schemeClr val="tx1"/>
+              </a:buClr>
+              <a:defRPr sz="1600">
                 <a:effectLst>
-                  <a:outerShdw blurRad="9398" dist="18796" dir="2700000" rotWithShape="0">
+                  <a:outerShdw blurRad="6350" dist="12700" dir="2700000" rotWithShape="0">
                     <a:srgbClr val="DDDDDD"/>
                   </a:outerShdw>
                 </a:effectLst>
               </a:defRPr>
             </a:pPr>
-            <a:endParaRPr sz="2072" dirty="0"/>
-          </a:p>
-          <a:p>
-            <a:pPr marL="219971" indent="-219971" defTabSz="676655">
+            <a:r>
+              <a:rPr dirty="0"/>
+              <a:t>So, to increase TLB Coverage, we must increase P.</a:t>
+            </a:r>
+          </a:p>
+          <a:p>
+            <a:pPr marL="512763" lvl="1" indent="-285750" defTabSz="457200">
               <a:spcBef>
-                <a:spcPts val="500"/>
+                <a:spcPts val="300"/>
               </a:spcBef>
-              <a:buChar char="⬥"/>
-              <a:defRPr sz="2368">
+              <a:buClr>
+                <a:schemeClr val="tx1"/>
+              </a:buClr>
+              <a:defRPr sz="1600">
                 <a:effectLst>
-                  <a:outerShdw blurRad="9398" dist="18796" dir="2700000" rotWithShape="0">
+                  <a:outerShdw blurRad="6350" dist="12700" dir="2700000" rotWithShape="0">
                     <a:srgbClr val="DDDDDD"/>
                   </a:outerShdw>
                 </a:effectLst>
               </a:defRPr>
             </a:pPr>
-            <a:r>
-              <a:rPr sz="2072" dirty="0"/>
-              <a:t>Constraints:</a:t>
-            </a:r>
-          </a:p>
-          <a:p>
-            <a:pPr marL="587375" lvl="1" indent="-251396" defTabSz="676655">
+            <a:endParaRPr dirty="0"/>
+          </a:p>
+          <a:p>
+            <a:pPr defTabSz="457200">
               <a:spcBef>
-                <a:spcPts val="500"/>
+                <a:spcPts val="300"/>
               </a:spcBef>
-              <a:buChar char="⬥"/>
-              <a:defRPr sz="2368">
+              <a:buClr>
+                <a:schemeClr val="tx1"/>
+              </a:buClr>
+              <a:defRPr sz="1600">
                 <a:effectLst>
-                  <a:outerShdw blurRad="9398" dist="18796" dir="2700000" rotWithShape="0">
+                  <a:outerShdw blurRad="6350" dist="12700" dir="2700000" rotWithShape="0">
                     <a:srgbClr val="DDDDDD"/>
                   </a:outerShdw>
                 </a:effectLst>
@@ -6706,19 +6316,20 @@
             </a:pPr>
             <a:r>
               <a:rPr dirty="0"/>
-              <a:t>contiguous (physically and virtually)</a:t>
-            </a:r>
-            <a:endParaRPr sz="2072" dirty="0"/>
-          </a:p>
-          <a:p>
-            <a:pPr marL="587375" lvl="1" indent="-251396" defTabSz="676655">
+              <a:t>Consider these extreme examples</a:t>
+            </a:r>
+          </a:p>
+          <a:p>
+            <a:pPr marL="512763" lvl="1" indent="-285750" defTabSz="457200">
               <a:spcBef>
-                <a:spcPts val="500"/>
+                <a:spcPts val="300"/>
               </a:spcBef>
-              <a:buChar char="⬥"/>
-              <a:defRPr sz="2368">
+              <a:buClr>
+                <a:schemeClr val="tx1"/>
+              </a:buClr>
+              <a:defRPr sz="1600">
                 <a:effectLst>
-                  <a:outerShdw blurRad="9398" dist="18796" dir="2700000" rotWithShape="0">
+                  <a:outerShdw blurRad="6350" dist="12700" dir="2700000" rotWithShape="0">
                     <a:srgbClr val="DDDDDD"/>
                   </a:outerShdw>
                 </a:effectLst>
@@ -6726,19 +6337,20 @@
             </a:pPr>
             <a:r>
               <a:rPr dirty="0"/>
-              <a:t>aligned (physically and virtually)</a:t>
-            </a:r>
-            <a:endParaRPr sz="2072" dirty="0"/>
-          </a:p>
-          <a:p>
-            <a:pPr marL="587375" lvl="1" indent="-251396" defTabSz="676655">
+              <a:t>Suppose P = 1 byte</a:t>
+            </a:r>
+          </a:p>
+          <a:p>
+            <a:pPr marL="713581" lvl="2" indent="-285750" defTabSz="457200">
               <a:spcBef>
-                <a:spcPts val="500"/>
+                <a:spcPts val="300"/>
               </a:spcBef>
-              <a:buChar char="⬥"/>
-              <a:defRPr sz="2368">
+              <a:buClr>
+                <a:schemeClr val="tx1"/>
+              </a:buClr>
+              <a:defRPr sz="1600">
                 <a:effectLst>
-                  <a:outerShdw blurRad="9398" dist="18796" dir="2700000" rotWithShape="0">
+                  <a:outerShdw blurRad="6350" dist="12700" dir="2700000" rotWithShape="0">
                     <a:srgbClr val="DDDDDD"/>
                   </a:outerShdw>
                 </a:effectLst>
@@ -6746,19 +6358,20 @@
             </a:pPr>
             <a:r>
               <a:rPr dirty="0"/>
-              <a:t>uniform protection attributes</a:t>
-            </a:r>
-            <a:endParaRPr sz="2072" dirty="0"/>
-          </a:p>
-          <a:p>
-            <a:pPr marL="587375" lvl="1" indent="-251396" defTabSz="676655">
+              <a:t>TLB Coverage = N bytes only</a:t>
+            </a:r>
+          </a:p>
+          <a:p>
+            <a:pPr marL="512763" lvl="1" indent="-285750" defTabSz="457200">
               <a:spcBef>
-                <a:spcPts val="500"/>
+                <a:spcPts val="300"/>
               </a:spcBef>
-              <a:buChar char="⬥"/>
-              <a:defRPr sz="2368">
+              <a:buClr>
+                <a:schemeClr val="tx1"/>
+              </a:buClr>
+              <a:defRPr sz="1600">
                 <a:effectLst>
-                  <a:outerShdw blurRad="9398" dist="18796" dir="2700000" rotWithShape="0">
+                  <a:outerShdw blurRad="6350" dist="12700" dir="2700000" rotWithShape="0">
                     <a:srgbClr val="DDDDDD"/>
                   </a:outerShdw>
                 </a:effectLst>
@@ -6766,7 +6379,183 @@
             </a:pPr>
             <a:r>
               <a:rPr dirty="0"/>
-              <a:t>one reference bit, one dirty bit</a:t>
+              <a:t>Suppose P = 2^64 bytes (on a 64-bit ISA)</a:t>
+            </a:r>
+          </a:p>
+          <a:p>
+            <a:pPr marL="713581" lvl="2" indent="-285750" defTabSz="457200">
+              <a:spcBef>
+                <a:spcPts val="300"/>
+              </a:spcBef>
+              <a:buClr>
+                <a:schemeClr val="tx1"/>
+              </a:buClr>
+              <a:defRPr sz="1600">
+                <a:effectLst>
+                  <a:outerShdw blurRad="6350" dist="12700" dir="2700000" rotWithShape="0">
+                    <a:srgbClr val="DDDDDD"/>
+                  </a:outerShdw>
+                </a:effectLst>
+              </a:defRPr>
+            </a:pPr>
+            <a:r>
+              <a:rPr dirty="0" smtClean="0"/>
+              <a:t>TLB </a:t>
+            </a:r>
+            <a:r>
+              <a:rPr dirty="0"/>
+              <a:t>Coverage = N x2^64bytes</a:t>
+            </a:r>
+          </a:p>
+          <a:p>
+            <a:pPr marL="713581" lvl="2" indent="-285750" defTabSz="457200">
+              <a:spcBef>
+                <a:spcPts val="300"/>
+              </a:spcBef>
+              <a:buClr>
+                <a:schemeClr val="tx1"/>
+              </a:buClr>
+              <a:defRPr sz="1600">
+                <a:effectLst>
+                  <a:outerShdw blurRad="6350" dist="12700" dir="2700000" rotWithShape="0">
+                    <a:srgbClr val="DDDDDD"/>
+                  </a:outerShdw>
+                </a:effectLst>
+              </a:defRPr>
+            </a:pPr>
+            <a:r>
+              <a:rPr dirty="0"/>
+              <a:t>TLB can perform translations for N processes without any TLB misses!</a:t>
+            </a:r>
+          </a:p>
+          <a:p>
+            <a:pPr defTabSz="457200">
+              <a:spcBef>
+                <a:spcPts val="300"/>
+              </a:spcBef>
+              <a:buClr>
+                <a:schemeClr val="tx1"/>
+              </a:buClr>
+              <a:defRPr sz="1600">
+                <a:effectLst>
+                  <a:outerShdw blurRad="6350" dist="12700" dir="2700000" rotWithShape="0">
+                    <a:srgbClr val="DDDDDD"/>
+                  </a:outerShdw>
+                </a:effectLst>
+              </a:defRPr>
+            </a:pPr>
+            <a:endParaRPr dirty="0"/>
+          </a:p>
+          <a:p>
+            <a:pPr defTabSz="457200">
+              <a:spcBef>
+                <a:spcPts val="300"/>
+              </a:spcBef>
+              <a:buClr>
+                <a:schemeClr val="tx1"/>
+              </a:buClr>
+              <a:defRPr sz="1600">
+                <a:effectLst>
+                  <a:outerShdw blurRad="6350" dist="12700" dir="2700000" rotWithShape="0">
+                    <a:srgbClr val="DDDDDD"/>
+                  </a:outerShdw>
+                </a:effectLst>
+              </a:defRPr>
+            </a:pPr>
+            <a:r>
+              <a:rPr dirty="0"/>
+              <a:t>Of course, both examples above are </a:t>
+            </a:r>
+            <a:r>
+              <a:rPr dirty="0" smtClean="0"/>
+              <a:t>impractical</a:t>
+            </a:r>
+            <a:r>
+              <a:rPr lang="en-US" dirty="0"/>
+              <a:t> </a:t>
+            </a:r>
+            <a:r>
+              <a:rPr lang="en-US" dirty="0" smtClean="0"/>
+              <a:t>and meant to illustrate the tradeoffs.</a:t>
+            </a:r>
+            <a:endParaRPr dirty="0"/>
+          </a:p>
+          <a:p>
+            <a:pPr defTabSz="457200">
+              <a:spcBef>
+                <a:spcPts val="300"/>
+              </a:spcBef>
+              <a:buClr>
+                <a:schemeClr val="tx1"/>
+              </a:buClr>
+              <a:defRPr sz="1600">
+                <a:effectLst>
+                  <a:outerShdw blurRad="6350" dist="12700" dir="2700000" rotWithShape="0">
+                    <a:srgbClr val="DDDDDD"/>
+                  </a:outerShdw>
+                </a:effectLst>
+              </a:defRPr>
+            </a:pPr>
+            <a:endParaRPr dirty="0"/>
+          </a:p>
+          <a:p>
+            <a:pPr defTabSz="457200">
+              <a:spcBef>
+                <a:spcPts val="300"/>
+              </a:spcBef>
+              <a:buClr>
+                <a:schemeClr val="tx1"/>
+              </a:buClr>
+              <a:defRPr sz="1600">
+                <a:effectLst>
+                  <a:outerShdw blurRad="6350" dist="12700" dir="2700000" rotWithShape="0">
+                    <a:srgbClr val="DDDDDD"/>
+                  </a:outerShdw>
+                </a:effectLst>
+              </a:defRPr>
+            </a:pPr>
+            <a:r>
+              <a:rPr dirty="0"/>
+              <a:t>But what if P is something reasonable, but greater than than the standard 4KB?</a:t>
+            </a:r>
+          </a:p>
+          <a:p>
+            <a:pPr marL="512763" lvl="1" indent="-285750" defTabSz="457200">
+              <a:spcBef>
+                <a:spcPts val="300"/>
+              </a:spcBef>
+              <a:buClr>
+                <a:schemeClr val="tx1"/>
+              </a:buClr>
+              <a:defRPr sz="1600">
+                <a:effectLst>
+                  <a:outerShdw blurRad="6350" dist="12700" dir="2700000" rotWithShape="0">
+                    <a:srgbClr val="DDDDDD"/>
+                  </a:outerShdw>
+                </a:effectLst>
+              </a:defRPr>
+            </a:pPr>
+            <a:endParaRPr dirty="0"/>
+          </a:p>
+          <a:p>
+            <a:pPr defTabSz="457200">
+              <a:spcBef>
+                <a:spcPts val="300"/>
+              </a:spcBef>
+              <a:buClr>
+                <a:schemeClr val="tx1"/>
+              </a:buClr>
+              <a:defRPr sz="1600">
+                <a:effectLst>
+                  <a:outerShdw blurRad="6350" dist="12700" dir="2700000" rotWithShape="0">
+                    <a:srgbClr val="DDDDDD"/>
+                  </a:outerShdw>
+                </a:effectLst>
+              </a:defRPr>
+            </a:pPr>
+            <a:r>
+              <a:rPr dirty="0"/>
+              <a:t>This brings us next to superpages.</a:t>
             </a:r>
           </a:p>
         </p:txBody>
@@ -6799,6 +6588,331 @@
       </p:grpSpPr>
       <p:sp>
         <p:nvSpPr>
+          <p:cNvPr id="206" name="Shape 206"/>
+          <p:cNvSpPr>
+            <a:spLocks noGrp="1"/>
+          </p:cNvSpPr>
+          <p:nvPr>
+            <p:ph type="title"/>
+          </p:nvPr>
+        </p:nvSpPr>
+        <p:spPr>
+          <a:xfrm>
+            <a:off x="-380206" y="-63500"/>
+            <a:ext cx="10058400" cy="844550"/>
+          </a:xfrm>
+          <a:prstGeom prst="rect">
+            <a:avLst/>
+          </a:prstGeom>
+        </p:spPr>
+        <p:txBody>
+          <a:bodyPr>
+            <a:normAutofit/>
+          </a:bodyPr>
+          <a:lstStyle/>
+          <a:p>
+            <a:r>
+              <a:t>Superpages</a:t>
+            </a:r>
+          </a:p>
+        </p:txBody>
+      </p:sp>
+      <p:sp>
+        <p:nvSpPr>
+          <p:cNvPr id="207" name="Shape 207"/>
+          <p:cNvSpPr>
+            <a:spLocks noGrp="1"/>
+          </p:cNvSpPr>
+          <p:nvPr>
+            <p:ph type="body" idx="1"/>
+          </p:nvPr>
+        </p:nvSpPr>
+        <p:spPr>
+          <a:xfrm>
+            <a:off x="389532" y="801836"/>
+            <a:ext cx="8364936" cy="5727701"/>
+          </a:xfrm>
+          <a:prstGeom prst="rect">
+            <a:avLst/>
+          </a:prstGeom>
+        </p:spPr>
+        <p:txBody>
+          <a:bodyPr>
+            <a:normAutofit lnSpcReduction="10000"/>
+          </a:bodyPr>
+          <a:lstStyle/>
+          <a:p>
+            <a:pPr marL="251396" indent="-251396" defTabSz="676655">
+              <a:spcBef>
+                <a:spcPts val="500"/>
+              </a:spcBef>
+              <a:buChar char="⬥"/>
+              <a:defRPr sz="2368">
+                <a:effectLst>
+                  <a:outerShdw blurRad="9398" dist="18796" dir="2700000" rotWithShape="0">
+                    <a:srgbClr val="DDDDDD"/>
+                  </a:outerShdw>
+                </a:effectLst>
+              </a:defRPr>
+            </a:pPr>
+            <a:r>
+              <a:t>Memory pages of larger sizes than standard pages</a:t>
+            </a:r>
+          </a:p>
+          <a:p>
+            <a:pPr marL="587375" lvl="1" indent="-251396" defTabSz="676655">
+              <a:spcBef>
+                <a:spcPts val="500"/>
+              </a:spcBef>
+              <a:buChar char="⬥"/>
+              <a:defRPr sz="2368">
+                <a:effectLst>
+                  <a:outerShdw blurRad="9398" dist="18796" dir="2700000" rotWithShape="0">
+                    <a:srgbClr val="DDDDDD"/>
+                  </a:outerShdw>
+                </a:effectLst>
+              </a:defRPr>
+            </a:pPr>
+            <a:r>
+              <a:rPr dirty="0"/>
+              <a:t>supported by most modern CPUs</a:t>
+            </a:r>
+          </a:p>
+          <a:p>
+            <a:pPr marL="251396" indent="-251396" defTabSz="676655">
+              <a:spcBef>
+                <a:spcPts val="500"/>
+              </a:spcBef>
+              <a:buChar char="⬥"/>
+              <a:defRPr sz="2368">
+                <a:effectLst>
+                  <a:outerShdw blurRad="9398" dist="18796" dir="2700000" rotWithShape="0">
+                    <a:srgbClr val="DDDDDD"/>
+                  </a:outerShdw>
+                </a:effectLst>
+              </a:defRPr>
+            </a:pPr>
+            <a:endParaRPr dirty="0"/>
+          </a:p>
+          <a:p>
+            <a:pPr marL="251396" indent="-251396" defTabSz="676655">
+              <a:spcBef>
+                <a:spcPts val="500"/>
+              </a:spcBef>
+              <a:buChar char="⬥"/>
+              <a:defRPr sz="2368">
+                <a:effectLst>
+                  <a:outerShdw blurRad="9398" dist="18796" dir="2700000" rotWithShape="0">
+                    <a:srgbClr val="DDDDDD"/>
+                  </a:outerShdw>
+                </a:effectLst>
+              </a:defRPr>
+            </a:pPr>
+            <a:r>
+              <a:rPr dirty="0"/>
+              <a:t>Superpage size = power of 2 x the base page size</a:t>
+            </a:r>
+            <a:endParaRPr sz="2072" dirty="0"/>
+          </a:p>
+          <a:p>
+            <a:pPr marL="251396" indent="-251396" defTabSz="676655">
+              <a:spcBef>
+                <a:spcPts val="500"/>
+              </a:spcBef>
+              <a:buChar char="⬥"/>
+              <a:defRPr sz="2368">
+                <a:effectLst>
+                  <a:outerShdw blurRad="9398" dist="18796" dir="2700000" rotWithShape="0">
+                    <a:srgbClr val="DDDDDD"/>
+                  </a:outerShdw>
+                </a:effectLst>
+              </a:defRPr>
+            </a:pPr>
+            <a:endParaRPr sz="2072" dirty="0"/>
+          </a:p>
+          <a:p>
+            <a:pPr marL="251396" indent="-251396" defTabSz="676655">
+              <a:spcBef>
+                <a:spcPts val="500"/>
+              </a:spcBef>
+              <a:buChar char="⬥"/>
+              <a:defRPr sz="2368">
+                <a:effectLst>
+                  <a:outerShdw blurRad="9398" dist="18796" dir="2700000" rotWithShape="0">
+                    <a:srgbClr val="DDDDDD"/>
+                  </a:outerShdw>
+                </a:effectLst>
+              </a:defRPr>
+            </a:pPr>
+            <a:r>
+              <a:rPr dirty="0"/>
+              <a:t>Only one TLB entry per superpage</a:t>
+            </a:r>
+          </a:p>
+          <a:p>
+            <a:pPr marL="587375" lvl="1" indent="-251396" defTabSz="676655">
+              <a:spcBef>
+                <a:spcPts val="500"/>
+              </a:spcBef>
+              <a:buChar char="⬥"/>
+              <a:defRPr sz="2368">
+                <a:effectLst>
+                  <a:outerShdw blurRad="9398" dist="18796" dir="2700000" rotWithShape="0">
+                    <a:srgbClr val="DDDDDD"/>
+                  </a:outerShdw>
+                </a:effectLst>
+              </a:defRPr>
+            </a:pPr>
+            <a:r>
+              <a:rPr dirty="0"/>
+              <a:t>But multiple (identical) page-table entries, one per base page</a:t>
+            </a:r>
+            <a:endParaRPr sz="2072" dirty="0"/>
+          </a:p>
+          <a:p>
+            <a:pPr marL="251396" indent="-251396" defTabSz="676655">
+              <a:spcBef>
+                <a:spcPts val="500"/>
+              </a:spcBef>
+              <a:buChar char="⬥"/>
+              <a:defRPr sz="2368">
+                <a:effectLst>
+                  <a:outerShdw blurRad="9398" dist="18796" dir="2700000" rotWithShape="0">
+                    <a:srgbClr val="DDDDDD"/>
+                  </a:outerShdw>
+                </a:effectLst>
+              </a:defRPr>
+            </a:pPr>
+            <a:endParaRPr sz="2072" dirty="0"/>
+          </a:p>
+          <a:p>
+            <a:pPr marL="219971" indent="-219971" defTabSz="676655">
+              <a:spcBef>
+                <a:spcPts val="500"/>
+              </a:spcBef>
+              <a:buChar char="⬥"/>
+              <a:defRPr sz="2368">
+                <a:effectLst>
+                  <a:outerShdw blurRad="9398" dist="18796" dir="2700000" rotWithShape="0">
+                    <a:srgbClr val="DDDDDD"/>
+                  </a:outerShdw>
+                </a:effectLst>
+              </a:defRPr>
+            </a:pPr>
+            <a:r>
+              <a:rPr sz="2072" dirty="0"/>
+              <a:t>Constraints:</a:t>
+            </a:r>
+          </a:p>
+          <a:p>
+            <a:pPr marL="587375" lvl="1" indent="-251396" defTabSz="676655">
+              <a:spcBef>
+                <a:spcPts val="500"/>
+              </a:spcBef>
+              <a:buChar char="⬥"/>
+              <a:defRPr sz="2368">
+                <a:effectLst>
+                  <a:outerShdw blurRad="9398" dist="18796" dir="2700000" rotWithShape="0">
+                    <a:srgbClr val="DDDDDD"/>
+                  </a:outerShdw>
+                </a:effectLst>
+              </a:defRPr>
+            </a:pPr>
+            <a:r>
+              <a:rPr dirty="0"/>
+              <a:t>contiguous (physically and virtually)</a:t>
+            </a:r>
+            <a:endParaRPr sz="2072" dirty="0"/>
+          </a:p>
+          <a:p>
+            <a:pPr marL="587375" lvl="1" indent="-251396" defTabSz="676655">
+              <a:spcBef>
+                <a:spcPts val="500"/>
+              </a:spcBef>
+              <a:buChar char="⬥"/>
+              <a:defRPr sz="2368">
+                <a:effectLst>
+                  <a:outerShdw blurRad="9398" dist="18796" dir="2700000" rotWithShape="0">
+                    <a:srgbClr val="DDDDDD"/>
+                  </a:outerShdw>
+                </a:effectLst>
+              </a:defRPr>
+            </a:pPr>
+            <a:r>
+              <a:rPr dirty="0"/>
+              <a:t>aligned (physically and virtually)</a:t>
+            </a:r>
+            <a:endParaRPr sz="2072" dirty="0"/>
+          </a:p>
+          <a:p>
+            <a:pPr marL="587375" lvl="1" indent="-251396" defTabSz="676655">
+              <a:spcBef>
+                <a:spcPts val="500"/>
+              </a:spcBef>
+              <a:buChar char="⬥"/>
+              <a:defRPr sz="2368">
+                <a:effectLst>
+                  <a:outerShdw blurRad="9398" dist="18796" dir="2700000" rotWithShape="0">
+                    <a:srgbClr val="DDDDDD"/>
+                  </a:outerShdw>
+                </a:effectLst>
+              </a:defRPr>
+            </a:pPr>
+            <a:r>
+              <a:rPr dirty="0"/>
+              <a:t>uniform protection attributes</a:t>
+            </a:r>
+            <a:endParaRPr sz="2072" dirty="0"/>
+          </a:p>
+          <a:p>
+            <a:pPr marL="587375" lvl="1" indent="-251396" defTabSz="676655">
+              <a:spcBef>
+                <a:spcPts val="500"/>
+              </a:spcBef>
+              <a:buChar char="⬥"/>
+              <a:defRPr sz="2368">
+                <a:effectLst>
+                  <a:outerShdw blurRad="9398" dist="18796" dir="2700000" rotWithShape="0">
+                    <a:srgbClr val="DDDDDD"/>
+                  </a:outerShdw>
+                </a:effectLst>
+              </a:defRPr>
+            </a:pPr>
+            <a:r>
+              <a:rPr dirty="0"/>
+              <a:t>one reference bit, one dirty bit</a:t>
+            </a:r>
+          </a:p>
+        </p:txBody>
+      </p:sp>
+    </p:spTree>
+  </p:cSld>
+  <p:clrMapOvr>
+    <a:masterClrMapping/>
+  </p:clrMapOvr>
+  <p:transition spd="med"/>
+</p:sld>
+</file>
+
+<file path=ppt/slides/slide22.xml><?xml version="1.0" encoding="utf-8"?>
+<p:sld xmlns:a="http://schemas.openxmlformats.org/drawingml/2006/main" xmlns:r="http://schemas.openxmlformats.org/officeDocument/2006/relationships" xmlns:p="http://schemas.openxmlformats.org/presentationml/2006/main">
+  <p:cSld>
+    <p:spTree>
+      <p:nvGrpSpPr>
+        <p:cNvPr id="1" name=""/>
+        <p:cNvGrpSpPr/>
+        <p:nvPr/>
+      </p:nvGrpSpPr>
+      <p:grpSpPr>
+        <a:xfrm>
+          <a:off x="0" y="0"/>
+          <a:ext cx="0" cy="0"/>
+          <a:chOff x="0" y="0"/>
+          <a:chExt cx="0" cy="0"/>
+        </a:xfrm>
+      </p:grpSpPr>
+      <p:sp>
+        <p:nvSpPr>
           <p:cNvPr id="209" name="Shape 209"/>
           <p:cNvSpPr>
             <a:spLocks noGrp="1"/>
@@ -6844,7 +6958,7 @@
                 <a:cs typeface="Arial Narrow"/>
                 <a:sym typeface="Arial Narrow"/>
               </a:rPr>
-              <a:t>21</a:t>
+              <a:t>22</a:t>
             </a:fld>
             <a:endParaRPr sz="1400" b="1">
               <a:solidFill>
@@ -8938,237 +9052,6 @@
 </p:sld>
 </file>
 
-<file path=ppt/slides/slide22.xml><?xml version="1.0" encoding="utf-8"?>
-<p:sld xmlns:a="http://schemas.openxmlformats.org/drawingml/2006/main" xmlns:r="http://schemas.openxmlformats.org/officeDocument/2006/relationships" xmlns:p="http://schemas.openxmlformats.org/presentationml/2006/main">
-  <p:cSld>
-    <p:spTree>
-      <p:nvGrpSpPr>
-        <p:cNvPr id="1" name=""/>
-        <p:cNvGrpSpPr/>
-        <p:nvPr/>
-      </p:nvGrpSpPr>
-      <p:grpSpPr>
-        <a:xfrm>
-          <a:off x="0" y="0"/>
-          <a:ext cx="0" cy="0"/>
-          <a:chOff x="0" y="0"/>
-          <a:chExt cx="0" cy="0"/>
-        </a:xfrm>
-      </p:grpSpPr>
-      <p:sp>
-        <p:nvSpPr>
-          <p:cNvPr id="254" name="Shape 254"/>
-          <p:cNvSpPr>
-            <a:spLocks noGrp="1"/>
-          </p:cNvSpPr>
-          <p:nvPr>
-            <p:ph type="sldNum" sz="quarter" idx="2"/>
-          </p:nvPr>
-        </p:nvSpPr>
-        <p:spPr>
-          <a:prstGeom prst="rect">
-            <a:avLst/>
-          </a:prstGeom>
-          <a:extLst>
-            <a:ext uri="{C572A759-6A51-4108-AA02-DFA0A04FC94B}">
-              <ma14:wrappingTextBoxFlag xmlns:ma14="http://schemas.microsoft.com/office/mac/drawingml/2011/main" val="1"/>
-            </a:ext>
-          </a:extLst>
-        </p:spPr>
-        <p:txBody>
-          <a:bodyPr>
-            <a:normAutofit lnSpcReduction="10000"/>
-          </a:bodyPr>
-          <a:lstStyle/>
-          <a:p>
-            <a:pPr>
-              <a:defRPr sz="2400"/>
-            </a:pPr>
-            <a:fld id="{86CB4B4D-7CA3-9044-876B-883B54F8677D}" type="slidenum">
-              <a:rPr sz="1400"/>
-              <a:t>22</a:t>
-            </a:fld>
-            <a:endParaRPr sz="1400"/>
-          </a:p>
-        </p:txBody>
-      </p:sp>
-      <p:sp>
-        <p:nvSpPr>
-          <p:cNvPr id="255" name="Shape 255"/>
-          <p:cNvSpPr>
-            <a:spLocks noGrp="1"/>
-          </p:cNvSpPr>
-          <p:nvPr>
-            <p:ph type="title"/>
-          </p:nvPr>
-        </p:nvSpPr>
-        <p:spPr>
-          <a:xfrm>
-            <a:off x="657225" y="-1"/>
-            <a:ext cx="7772400" cy="1143002"/>
-          </a:xfrm>
-          <a:prstGeom prst="rect">
-            <a:avLst/>
-          </a:prstGeom>
-        </p:spPr>
-        <p:txBody>
-          <a:bodyPr>
-            <a:normAutofit/>
-          </a:bodyPr>
-          <a:lstStyle/>
-          <a:p>
-            <a:r>
-              <a:t>Quiz</a:t>
-            </a:r>
-          </a:p>
-        </p:txBody>
-      </p:sp>
-      <p:sp>
-        <p:nvSpPr>
-          <p:cNvPr id="256" name="Shape 256"/>
-          <p:cNvSpPr>
-            <a:spLocks noGrp="1"/>
-          </p:cNvSpPr>
-          <p:nvPr>
-            <p:ph type="body" idx="1"/>
-          </p:nvPr>
-        </p:nvSpPr>
-        <p:spPr>
-          <a:xfrm>
-            <a:off x="685800" y="1155699"/>
-            <a:ext cx="7772400" cy="5422902"/>
-          </a:xfrm>
-          <a:prstGeom prst="rect">
-            <a:avLst/>
-          </a:prstGeom>
-        </p:spPr>
-        <p:txBody>
-          <a:bodyPr>
-            <a:normAutofit/>
-          </a:bodyPr>
-          <a:lstStyle/>
-          <a:p>
-            <a:pPr>
-              <a:lnSpc>
-                <a:spcPct val="90000"/>
-              </a:lnSpc>
-              <a:spcBef>
-                <a:spcPts val="500"/>
-              </a:spcBef>
-              <a:buChar char="•"/>
-            </a:pPr>
-            <a:r>
-              <a:rPr sz="2400"/>
-              <a:t>Consider a machine that has a 32-bit virtual address space and 8KByte page size.</a:t>
-            </a:r>
-          </a:p>
-          <a:p>
-            <a:pPr marL="457200" indent="-457200">
-              <a:lnSpc>
-                <a:spcPct val="90000"/>
-              </a:lnSpc>
-              <a:buChar char="•"/>
-            </a:pPr>
-            <a:endParaRPr sz="2400"/>
-          </a:p>
-          <a:p>
-            <a:pPr>
-              <a:lnSpc>
-                <a:spcPct val="90000"/>
-              </a:lnSpc>
-              <a:spcBef>
-                <a:spcPts val="500"/>
-              </a:spcBef>
-              <a:buAutoNum type="arabicPeriod"/>
-            </a:pPr>
-            <a:r>
-              <a:rPr sz="2400"/>
-              <a:t>What is the total size (in bytes) of the virtual address space for each process? </a:t>
-            </a:r>
-          </a:p>
-          <a:p>
-            <a:pPr marL="457200" indent="-457200">
-              <a:lnSpc>
-                <a:spcPct val="90000"/>
-              </a:lnSpc>
-              <a:buAutoNum type="arabicPeriod"/>
-            </a:pPr>
-            <a:endParaRPr sz="2400"/>
-          </a:p>
-          <a:p>
-            <a:pPr>
-              <a:lnSpc>
-                <a:spcPct val="90000"/>
-              </a:lnSpc>
-              <a:spcBef>
-                <a:spcPts val="500"/>
-              </a:spcBef>
-              <a:buAutoNum type="arabicPeriod" startAt="2"/>
-            </a:pPr>
-            <a:r>
-              <a:rPr sz="2400"/>
-              <a:t>How many bits in a 32-bit address are needed to determine the page number of the address?</a:t>
-            </a:r>
-          </a:p>
-          <a:p>
-            <a:pPr marL="457200" indent="-457200">
-              <a:lnSpc>
-                <a:spcPct val="90000"/>
-              </a:lnSpc>
-              <a:buAutoNum type="arabicPeriod" startAt="2"/>
-            </a:pPr>
-            <a:endParaRPr sz="2400"/>
-          </a:p>
-          <a:p>
-            <a:pPr>
-              <a:lnSpc>
-                <a:spcPct val="90000"/>
-              </a:lnSpc>
-              <a:spcBef>
-                <a:spcPts val="500"/>
-              </a:spcBef>
-              <a:buAutoNum type="arabicPeriod" startAt="3"/>
-            </a:pPr>
-            <a:r>
-              <a:rPr sz="2400"/>
-              <a:t>How many bits in a 32-bit address represent the byte offset into a page?</a:t>
-            </a:r>
-          </a:p>
-          <a:p>
-            <a:pPr marL="457200" indent="-457200">
-              <a:lnSpc>
-                <a:spcPct val="90000"/>
-              </a:lnSpc>
-              <a:buAutoNum type="arabicPeriod" startAt="3"/>
-            </a:pPr>
-            <a:endParaRPr sz="2400"/>
-          </a:p>
-          <a:p>
-            <a:pPr>
-              <a:lnSpc>
-                <a:spcPct val="90000"/>
-              </a:lnSpc>
-              <a:spcBef>
-                <a:spcPts val="500"/>
-              </a:spcBef>
-              <a:buAutoNum type="arabicPeriod" startAt="4"/>
-            </a:pPr>
-            <a:r>
-              <a:rPr sz="2400"/>
-              <a:t>How many page-table entries are present in the page table?</a:t>
-            </a:r>
-          </a:p>
-        </p:txBody>
-      </p:sp>
-    </p:spTree>
-  </p:cSld>
-  <p:clrMapOvr>
-    <a:masterClrMapping/>
-  </p:clrMapOvr>
-  <p:transition spd="med"/>
-</p:sld>
-</file>
-
 <file path=ppt/slides/slide23.xml><?xml version="1.0" encoding="utf-8"?>
 <p:sld xmlns:a="http://schemas.openxmlformats.org/drawingml/2006/main" xmlns:r="http://schemas.openxmlformats.org/officeDocument/2006/relationships" xmlns:p="http://schemas.openxmlformats.org/presentationml/2006/main">
   <p:cSld>
@@ -9188,7 +9071,7 @@
       </p:grpSpPr>
       <p:sp>
         <p:nvSpPr>
-          <p:cNvPr id="258" name="Shape 258"/>
+          <p:cNvPr id="254" name="Shape 254"/>
           <p:cNvSpPr>
             <a:spLocks noGrp="1"/>
           </p:cNvSpPr>
@@ -9225,7 +9108,7 @@
       </p:sp>
       <p:sp>
         <p:nvSpPr>
-          <p:cNvPr id="259" name="Shape 259"/>
+          <p:cNvPr id="255" name="Shape 255"/>
           <p:cNvSpPr>
             <a:spLocks noGrp="1"/>
           </p:cNvSpPr>
@@ -9249,14 +9132,14 @@
           <a:lstStyle/>
           <a:p>
             <a:r>
-              <a:t>Quiz Answers</a:t>
-            </a:r>
-          </a:p>
-        </p:txBody>
-      </p:sp>
-      <p:sp>
-        <p:nvSpPr>
-          <p:cNvPr id="260" name="Shape 260"/>
+              <a:t>Quiz</a:t>
+            </a:r>
+          </a:p>
+        </p:txBody>
+      </p:sp>
+      <p:sp>
+        <p:nvSpPr>
+          <p:cNvPr id="256" name="Shape 256"/>
           <p:cNvSpPr>
             <a:spLocks noGrp="1"/>
           </p:cNvSpPr>
@@ -9279,194 +9162,114 @@
           </a:bodyPr>
           <a:lstStyle/>
           <a:p>
-            <a:pPr marL="285750" indent="-285750">
+            <a:pPr>
               <a:lnSpc>
-                <a:spcPct val="80000"/>
+                <a:spcPct val="90000"/>
               </a:lnSpc>
               <a:spcBef>
-                <a:spcPts val="400"/>
+                <a:spcPts val="500"/>
               </a:spcBef>
               <a:buChar char="•"/>
             </a:pPr>
             <a:r>
-              <a:rPr sz="2000"/>
-              <a:t>Consider a machine that has a 32-bit virtual address space and 4KByte page size.</a:t>
+              <a:rPr sz="2400"/>
+              <a:t>Consider a machine that has a 32-bit virtual address space and 8KByte page size.</a:t>
             </a:r>
           </a:p>
           <a:p>
             <a:pPr marL="457200" indent="-457200">
               <a:lnSpc>
-                <a:spcPct val="80000"/>
+                <a:spcPct val="90000"/>
               </a:lnSpc>
               <a:buChar char="•"/>
             </a:pPr>
-            <a:endParaRPr sz="2000"/>
-          </a:p>
-          <a:p>
-            <a:pPr marL="285750" indent="-285750">
+            <a:endParaRPr sz="2400"/>
+          </a:p>
+          <a:p>
+            <a:pPr>
               <a:lnSpc>
-                <a:spcPct val="80000"/>
+                <a:spcPct val="90000"/>
               </a:lnSpc>
               <a:spcBef>
-                <a:spcPts val="400"/>
+                <a:spcPts val="500"/>
               </a:spcBef>
               <a:buAutoNum type="arabicPeriod"/>
             </a:pPr>
             <a:r>
-              <a:rPr sz="2000"/>
-              <a:t>Total size (in bytes) of the virtual address space for each process = 2^32 = 4 * 1024 * 1024 *1024 bytes = 4 GB</a:t>
+              <a:rPr sz="2400"/>
+              <a:t>What is the total size (in bytes) of the virtual address space for each process? </a:t>
             </a:r>
           </a:p>
           <a:p>
             <a:pPr marL="457200" indent="-457200">
               <a:lnSpc>
-                <a:spcPct val="80000"/>
+                <a:spcPct val="90000"/>
               </a:lnSpc>
               <a:buAutoNum type="arabicPeriod"/>
             </a:pPr>
-            <a:endParaRPr sz="2000"/>
-          </a:p>
-          <a:p>
-            <a:pPr marL="285750" indent="-285750">
+            <a:endParaRPr sz="2400"/>
+          </a:p>
+          <a:p>
+            <a:pPr>
               <a:lnSpc>
-                <a:spcPct val="80000"/>
+                <a:spcPct val="90000"/>
               </a:lnSpc>
               <a:spcBef>
-                <a:spcPts val="400"/>
+                <a:spcPts val="500"/>
               </a:spcBef>
               <a:buAutoNum type="arabicPeriod" startAt="2"/>
             </a:pPr>
             <a:r>
-              <a:rPr sz="2000"/>
-              <a:t>Number of pages in virtual address space = 4GB/8KB = 512*1024 = 2^9*2^10 = 2^19</a:t>
-            </a:r>
-          </a:p>
-          <a:p>
-            <a:pPr marL="702128" lvl="1" indent="-244928">
+              <a:rPr sz="2400"/>
+              <a:t>How many bits in a 32-bit address are needed to determine the page number of the address?</a:t>
+            </a:r>
+          </a:p>
+          <a:p>
+            <a:pPr marL="457200" indent="-457200">
               <a:lnSpc>
-                <a:spcPct val="80000"/>
+                <a:spcPct val="90000"/>
+              </a:lnSpc>
+              <a:buAutoNum type="arabicPeriod" startAt="2"/>
+            </a:pPr>
+            <a:endParaRPr sz="2400"/>
+          </a:p>
+          <a:p>
+            <a:pPr>
+              <a:lnSpc>
+                <a:spcPct val="90000"/>
               </a:lnSpc>
               <a:spcBef>
-                <a:spcPts val="400"/>
+                <a:spcPts val="500"/>
               </a:spcBef>
-              <a:buChar char="•"/>
-              <a:defRPr sz="2800">
-                <a:solidFill>
-                  <a:srgbClr val="000000"/>
-                </a:solidFill>
-              </a:defRPr>
-            </a:pPr>
-            <a:r>
-              <a:rPr sz="1800"/>
-              <a:t>So the number of bits in a 32-bit address are needed to determine the page number of the address = log2(4GB/8KB) = log2(2^19) = 19 bits</a:t>
+              <a:buAutoNum type="arabicPeriod" startAt="3"/>
+            </a:pPr>
+            <a:r>
+              <a:rPr sz="2400"/>
+              <a:t>How many bits in a 32-bit address represent the byte offset into a page?</a:t>
             </a:r>
           </a:p>
           <a:p>
             <a:pPr marL="457200" indent="-457200">
               <a:lnSpc>
-                <a:spcPct val="80000"/>
+                <a:spcPct val="90000"/>
               </a:lnSpc>
-              <a:buAutoNum type="arabicPeriod" startAt="2"/>
-            </a:pPr>
-            <a:endParaRPr sz="2000"/>
-          </a:p>
-          <a:p>
-            <a:pPr marL="285750" indent="-285750">
+              <a:buAutoNum type="arabicPeriod" startAt="3"/>
+            </a:pPr>
+            <a:endParaRPr sz="2400"/>
+          </a:p>
+          <a:p>
+            <a:pPr>
               <a:lnSpc>
-                <a:spcPct val="80000"/>
+                <a:spcPct val="90000"/>
               </a:lnSpc>
               <a:spcBef>
-                <a:spcPts val="400"/>
-              </a:spcBef>
-              <a:buAutoNum type="arabicPeriod" startAt="3"/>
-            </a:pPr>
-            <a:r>
-              <a:rPr sz="2000"/>
-              <a:t>How many bits in a 32-bit address represent the byte offset into a page?</a:t>
-            </a:r>
-          </a:p>
-          <a:p>
-            <a:pPr marL="702128" lvl="1" indent="-244928">
-              <a:lnSpc>
-                <a:spcPct val="80000"/>
-              </a:lnSpc>
-              <a:spcBef>
-                <a:spcPts val="400"/>
-              </a:spcBef>
-              <a:buChar char="•"/>
-              <a:defRPr sz="2800">
-                <a:solidFill>
-                  <a:srgbClr val="000000"/>
-                </a:solidFill>
-              </a:defRPr>
-            </a:pPr>
-            <a:r>
-              <a:rPr sz="1800"/>
-              <a:t>log2(8KB) = log2(2^13) = 13</a:t>
-            </a:r>
-          </a:p>
-          <a:p>
-            <a:pPr marL="702128" lvl="1" indent="-244928">
-              <a:lnSpc>
-                <a:spcPct val="80000"/>
-              </a:lnSpc>
-              <a:spcBef>
-                <a:spcPts val="400"/>
-              </a:spcBef>
-              <a:buChar char="•"/>
-              <a:defRPr sz="2800">
-                <a:solidFill>
-                  <a:srgbClr val="000000"/>
-                </a:solidFill>
-              </a:defRPr>
-            </a:pPr>
-            <a:r>
-              <a:rPr sz="1800"/>
-              <a:t>Also, 32 – 19 = 13 bits</a:t>
-            </a:r>
-          </a:p>
-          <a:p>
-            <a:pPr marL="457200" indent="-457200">
-              <a:lnSpc>
-                <a:spcPct val="80000"/>
-              </a:lnSpc>
-              <a:buAutoNum type="arabicPeriod" startAt="3"/>
-            </a:pPr>
-            <a:endParaRPr sz="2000"/>
-          </a:p>
-          <a:p>
-            <a:pPr marL="285750" indent="-285750">
-              <a:lnSpc>
-                <a:spcPct val="80000"/>
-              </a:lnSpc>
-              <a:spcBef>
-                <a:spcPts val="400"/>
+                <a:spcPts val="500"/>
               </a:spcBef>
               <a:buAutoNum type="arabicPeriod" startAt="4"/>
             </a:pPr>
             <a:r>
-              <a:rPr sz="2000"/>
+              <a:rPr sz="2400"/>
               <a:t>How many page-table entries are present in the page table?</a:t>
-            </a:r>
-          </a:p>
-          <a:p>
-            <a:pPr marL="702128" lvl="1" indent="-244928">
-              <a:lnSpc>
-                <a:spcPct val="80000"/>
-              </a:lnSpc>
-              <a:spcBef>
-                <a:spcPts val="400"/>
-              </a:spcBef>
-              <a:buChar char="•"/>
-              <a:defRPr sz="2800">
-                <a:solidFill>
-                  <a:srgbClr val="000000"/>
-                </a:solidFill>
-              </a:defRPr>
-            </a:pPr>
-            <a:r>
-              <a:rPr sz="1800"/>
-              <a:t>Number of PTEs = Number of pages in virtual address = 4GB/8KB = 2^19 pages</a:t>
             </a:r>
           </a:p>
         </p:txBody>
@@ -9499,6 +9302,317 @@
       </p:grpSpPr>
       <p:sp>
         <p:nvSpPr>
+          <p:cNvPr id="258" name="Shape 258"/>
+          <p:cNvSpPr>
+            <a:spLocks noGrp="1"/>
+          </p:cNvSpPr>
+          <p:nvPr>
+            <p:ph type="sldNum" sz="quarter" idx="2"/>
+          </p:nvPr>
+        </p:nvSpPr>
+        <p:spPr>
+          <a:prstGeom prst="rect">
+            <a:avLst/>
+          </a:prstGeom>
+          <a:extLst>
+            <a:ext uri="{C572A759-6A51-4108-AA02-DFA0A04FC94B}">
+              <ma14:wrappingTextBoxFlag xmlns:ma14="http://schemas.microsoft.com/office/mac/drawingml/2011/main" val="1"/>
+            </a:ext>
+          </a:extLst>
+        </p:spPr>
+        <p:txBody>
+          <a:bodyPr>
+            <a:normAutofit lnSpcReduction="10000"/>
+          </a:bodyPr>
+          <a:lstStyle/>
+          <a:p>
+            <a:pPr>
+              <a:defRPr sz="2400"/>
+            </a:pPr>
+            <a:fld id="{86CB4B4D-7CA3-9044-876B-883B54F8677D}" type="slidenum">
+              <a:rPr sz="1400"/>
+              <a:t>24</a:t>
+            </a:fld>
+            <a:endParaRPr sz="1400"/>
+          </a:p>
+        </p:txBody>
+      </p:sp>
+      <p:sp>
+        <p:nvSpPr>
+          <p:cNvPr id="259" name="Shape 259"/>
+          <p:cNvSpPr>
+            <a:spLocks noGrp="1"/>
+          </p:cNvSpPr>
+          <p:nvPr>
+            <p:ph type="title"/>
+          </p:nvPr>
+        </p:nvSpPr>
+        <p:spPr>
+          <a:xfrm>
+            <a:off x="657225" y="-1"/>
+            <a:ext cx="7772400" cy="1143002"/>
+          </a:xfrm>
+          <a:prstGeom prst="rect">
+            <a:avLst/>
+          </a:prstGeom>
+        </p:spPr>
+        <p:txBody>
+          <a:bodyPr>
+            <a:normAutofit/>
+          </a:bodyPr>
+          <a:lstStyle/>
+          <a:p>
+            <a:r>
+              <a:t>Quiz Answers</a:t>
+            </a:r>
+          </a:p>
+        </p:txBody>
+      </p:sp>
+      <p:sp>
+        <p:nvSpPr>
+          <p:cNvPr id="260" name="Shape 260"/>
+          <p:cNvSpPr>
+            <a:spLocks noGrp="1"/>
+          </p:cNvSpPr>
+          <p:nvPr>
+            <p:ph type="body" idx="1"/>
+          </p:nvPr>
+        </p:nvSpPr>
+        <p:spPr>
+          <a:xfrm>
+            <a:off x="685800" y="1155699"/>
+            <a:ext cx="7772400" cy="5422902"/>
+          </a:xfrm>
+          <a:prstGeom prst="rect">
+            <a:avLst/>
+          </a:prstGeom>
+        </p:spPr>
+        <p:txBody>
+          <a:bodyPr>
+            <a:normAutofit/>
+          </a:bodyPr>
+          <a:lstStyle/>
+          <a:p>
+            <a:pPr marL="285750" indent="-285750">
+              <a:lnSpc>
+                <a:spcPct val="80000"/>
+              </a:lnSpc>
+              <a:spcBef>
+                <a:spcPts val="400"/>
+              </a:spcBef>
+              <a:buChar char="•"/>
+            </a:pPr>
+            <a:r>
+              <a:rPr sz="2000"/>
+              <a:t>Consider a machine that has a 32-bit virtual address space and 4KByte page size.</a:t>
+            </a:r>
+          </a:p>
+          <a:p>
+            <a:pPr marL="457200" indent="-457200">
+              <a:lnSpc>
+                <a:spcPct val="80000"/>
+              </a:lnSpc>
+              <a:buChar char="•"/>
+            </a:pPr>
+            <a:endParaRPr sz="2000"/>
+          </a:p>
+          <a:p>
+            <a:pPr marL="285750" indent="-285750">
+              <a:lnSpc>
+                <a:spcPct val="80000"/>
+              </a:lnSpc>
+              <a:spcBef>
+                <a:spcPts val="400"/>
+              </a:spcBef>
+              <a:buAutoNum type="arabicPeriod"/>
+            </a:pPr>
+            <a:r>
+              <a:rPr sz="2000"/>
+              <a:t>Total size (in bytes) of the virtual address space for each process = 2^32 = 4 * 1024 * 1024 *1024 bytes = 4 GB</a:t>
+            </a:r>
+          </a:p>
+          <a:p>
+            <a:pPr marL="457200" indent="-457200">
+              <a:lnSpc>
+                <a:spcPct val="80000"/>
+              </a:lnSpc>
+              <a:buAutoNum type="arabicPeriod"/>
+            </a:pPr>
+            <a:endParaRPr sz="2000"/>
+          </a:p>
+          <a:p>
+            <a:pPr marL="285750" indent="-285750">
+              <a:lnSpc>
+                <a:spcPct val="80000"/>
+              </a:lnSpc>
+              <a:spcBef>
+                <a:spcPts val="400"/>
+              </a:spcBef>
+              <a:buAutoNum type="arabicPeriod" startAt="2"/>
+            </a:pPr>
+            <a:r>
+              <a:rPr sz="2000"/>
+              <a:t>Number of pages in virtual address space = 4GB/8KB = 512*1024 = 2^9*2^10 = 2^19</a:t>
+            </a:r>
+          </a:p>
+          <a:p>
+            <a:pPr marL="702128" lvl="1" indent="-244928">
+              <a:lnSpc>
+                <a:spcPct val="80000"/>
+              </a:lnSpc>
+              <a:spcBef>
+                <a:spcPts val="400"/>
+              </a:spcBef>
+              <a:buChar char="•"/>
+              <a:defRPr sz="2800">
+                <a:solidFill>
+                  <a:srgbClr val="000000"/>
+                </a:solidFill>
+              </a:defRPr>
+            </a:pPr>
+            <a:r>
+              <a:rPr sz="1800"/>
+              <a:t>So the number of bits in a 32-bit address are needed to determine the page number of the address = log2(4GB/8KB) = log2(2^19) = 19 bits</a:t>
+            </a:r>
+          </a:p>
+          <a:p>
+            <a:pPr marL="457200" indent="-457200">
+              <a:lnSpc>
+                <a:spcPct val="80000"/>
+              </a:lnSpc>
+              <a:buAutoNum type="arabicPeriod" startAt="2"/>
+            </a:pPr>
+            <a:endParaRPr sz="2000"/>
+          </a:p>
+          <a:p>
+            <a:pPr marL="285750" indent="-285750">
+              <a:lnSpc>
+                <a:spcPct val="80000"/>
+              </a:lnSpc>
+              <a:spcBef>
+                <a:spcPts val="400"/>
+              </a:spcBef>
+              <a:buAutoNum type="arabicPeriod" startAt="3"/>
+            </a:pPr>
+            <a:r>
+              <a:rPr sz="2000"/>
+              <a:t>How many bits in a 32-bit address represent the byte offset into a page?</a:t>
+            </a:r>
+          </a:p>
+          <a:p>
+            <a:pPr marL="702128" lvl="1" indent="-244928">
+              <a:lnSpc>
+                <a:spcPct val="80000"/>
+              </a:lnSpc>
+              <a:spcBef>
+                <a:spcPts val="400"/>
+              </a:spcBef>
+              <a:buChar char="•"/>
+              <a:defRPr sz="2800">
+                <a:solidFill>
+                  <a:srgbClr val="000000"/>
+                </a:solidFill>
+              </a:defRPr>
+            </a:pPr>
+            <a:r>
+              <a:rPr sz="1800"/>
+              <a:t>log2(8KB) = log2(2^13) = 13</a:t>
+            </a:r>
+          </a:p>
+          <a:p>
+            <a:pPr marL="702128" lvl="1" indent="-244928">
+              <a:lnSpc>
+                <a:spcPct val="80000"/>
+              </a:lnSpc>
+              <a:spcBef>
+                <a:spcPts val="400"/>
+              </a:spcBef>
+              <a:buChar char="•"/>
+              <a:defRPr sz="2800">
+                <a:solidFill>
+                  <a:srgbClr val="000000"/>
+                </a:solidFill>
+              </a:defRPr>
+            </a:pPr>
+            <a:r>
+              <a:rPr sz="1800"/>
+              <a:t>Also, 32 – 19 = 13 bits</a:t>
+            </a:r>
+          </a:p>
+          <a:p>
+            <a:pPr marL="457200" indent="-457200">
+              <a:lnSpc>
+                <a:spcPct val="80000"/>
+              </a:lnSpc>
+              <a:buAutoNum type="arabicPeriod" startAt="3"/>
+            </a:pPr>
+            <a:endParaRPr sz="2000"/>
+          </a:p>
+          <a:p>
+            <a:pPr marL="285750" indent="-285750">
+              <a:lnSpc>
+                <a:spcPct val="80000"/>
+              </a:lnSpc>
+              <a:spcBef>
+                <a:spcPts val="400"/>
+              </a:spcBef>
+              <a:buAutoNum type="arabicPeriod" startAt="4"/>
+            </a:pPr>
+            <a:r>
+              <a:rPr sz="2000"/>
+              <a:t>How many page-table entries are present in the page table?</a:t>
+            </a:r>
+          </a:p>
+          <a:p>
+            <a:pPr marL="702128" lvl="1" indent="-244928">
+              <a:lnSpc>
+                <a:spcPct val="80000"/>
+              </a:lnSpc>
+              <a:spcBef>
+                <a:spcPts val="400"/>
+              </a:spcBef>
+              <a:buChar char="•"/>
+              <a:defRPr sz="2800">
+                <a:solidFill>
+                  <a:srgbClr val="000000"/>
+                </a:solidFill>
+              </a:defRPr>
+            </a:pPr>
+            <a:r>
+              <a:rPr sz="1800"/>
+              <a:t>Number of PTEs = Number of pages in virtual address = 4GB/8KB = 2^19 pages</a:t>
+            </a:r>
+          </a:p>
+        </p:txBody>
+      </p:sp>
+    </p:spTree>
+  </p:cSld>
+  <p:clrMapOvr>
+    <a:masterClrMapping/>
+  </p:clrMapOvr>
+  <p:transition spd="med"/>
+</p:sld>
+</file>
+
+<file path=ppt/slides/slide25.xml><?xml version="1.0" encoding="utf-8"?>
+<p:sld xmlns:a="http://schemas.openxmlformats.org/drawingml/2006/main" xmlns:r="http://schemas.openxmlformats.org/officeDocument/2006/relationships" xmlns:p="http://schemas.openxmlformats.org/presentationml/2006/main">
+  <p:cSld>
+    <p:spTree>
+      <p:nvGrpSpPr>
+        <p:cNvPr id="1" name=""/>
+        <p:cNvGrpSpPr/>
+        <p:nvPr/>
+      </p:nvGrpSpPr>
+      <p:grpSpPr>
+        <a:xfrm>
+          <a:off x="0" y="0"/>
+          <a:ext cx="0" cy="0"/>
+          <a:chOff x="0" y="0"/>
+          <a:chExt cx="0" cy="0"/>
+        </a:xfrm>
+      </p:grpSpPr>
+      <p:sp>
+        <p:nvSpPr>
           <p:cNvPr id="262" name="Shape 262"/>
           <p:cNvSpPr>
             <a:spLocks noGrp="1"/>
@@ -9528,7 +9642,7 @@
             </a:pPr>
             <a:fld id="{86CB4B4D-7CA3-9044-876B-883B54F8677D}" type="slidenum">
               <a:rPr sz="1400"/>
-              <a:t>24</a:t>
+              <a:t>25</a:t>
             </a:fld>
             <a:endParaRPr sz="1400"/>
           </a:p>

--- a/slides/virtual_memory_intro.pptx
+++ b/slides/virtual_memory_intro.pptx
@@ -5,7 +5,7 @@
     <p:sldMasterId id="2147483648" r:id="rId1"/>
   </p:sldMasterIdLst>
   <p:notesMasterIdLst>
-    <p:notesMasterId r:id="rId27"/>
+    <p:notesMasterId r:id="rId28"/>
   </p:notesMasterIdLst>
   <p:sldIdLst>
     <p:sldId id="256" r:id="rId2"/>
@@ -19,20 +19,21 @@
     <p:sldId id="264" r:id="rId10"/>
     <p:sldId id="283" r:id="rId11"/>
     <p:sldId id="265" r:id="rId12"/>
-    <p:sldId id="266" r:id="rId13"/>
-    <p:sldId id="267" r:id="rId14"/>
-    <p:sldId id="268" r:id="rId15"/>
-    <p:sldId id="281" r:id="rId16"/>
-    <p:sldId id="272" r:id="rId17"/>
-    <p:sldId id="273" r:id="rId18"/>
-    <p:sldId id="271" r:id="rId19"/>
-    <p:sldId id="274" r:id="rId20"/>
-    <p:sldId id="275" r:id="rId21"/>
-    <p:sldId id="276" r:id="rId22"/>
-    <p:sldId id="277" r:id="rId23"/>
-    <p:sldId id="278" r:id="rId24"/>
-    <p:sldId id="279" r:id="rId25"/>
-    <p:sldId id="282" r:id="rId26"/>
+    <p:sldId id="284" r:id="rId13"/>
+    <p:sldId id="266" r:id="rId14"/>
+    <p:sldId id="267" r:id="rId15"/>
+    <p:sldId id="268" r:id="rId16"/>
+    <p:sldId id="281" r:id="rId17"/>
+    <p:sldId id="272" r:id="rId18"/>
+    <p:sldId id="273" r:id="rId19"/>
+    <p:sldId id="271" r:id="rId20"/>
+    <p:sldId id="274" r:id="rId21"/>
+    <p:sldId id="275" r:id="rId22"/>
+    <p:sldId id="276" r:id="rId23"/>
+    <p:sldId id="277" r:id="rId24"/>
+    <p:sldId id="278" r:id="rId25"/>
+    <p:sldId id="279" r:id="rId26"/>
+    <p:sldId id="282" r:id="rId27"/>
   </p:sldIdLst>
   <p:sldSz cx="9144000" cy="6858000" type="screen4x3"/>
   <p:notesSz cx="6858000" cy="9144000"/>
@@ -3034,6 +3035,13 @@
     <a:masterClrMapping/>
   </p:clrMapOvr>
   <p:transition spd="med"/>
+  <p:timing>
+    <p:tnLst>
+      <p:par>
+        <p:cTn id="1" dur="indefinite" restart="never" nodeType="tmRoot"/>
+      </p:par>
+    </p:tnLst>
+  </p:timing>
 </p:sld>
 </file>
 
@@ -3147,6 +3155,13 @@
     <a:masterClrMapping/>
   </p:clrMapOvr>
   <p:transition spd="med"/>
+  <p:timing>
+    <p:tnLst>
+      <p:par>
+        <p:cTn id="1" dur="indefinite" restart="never" nodeType="tmRoot"/>
+      </p:par>
+    </p:tnLst>
+  </p:timing>
 </p:sld>
 </file>
 
@@ -3232,8 +3247,14 @@
           </a:lstStyle>
           <a:p>
             <a:r>
-              <a:t>Page Tables</a:t>
-            </a:r>
+              <a:rPr dirty="0"/>
+              <a:t>Page </a:t>
+            </a:r>
+            <a:r>
+              <a:rPr dirty="0" smtClean="0"/>
+              <a:t>Table</a:t>
+            </a:r>
+            <a:endParaRPr dirty="0"/>
           </a:p>
         </p:txBody>
       </p:sp>
@@ -3274,7 +3295,7 @@
                 </a:solidFill>
               </a:defRPr>
             </a:pPr>
-            <a:endParaRPr/>
+            <a:endParaRPr sz="2000" dirty="0"/>
           </a:p>
           <a:p>
             <a:pPr marL="250657" indent="-250657">
@@ -3290,27 +3311,137 @@
               </a:defRPr>
             </a:pPr>
             <a:r>
-              <a:rPr sz="2500"/>
-              <a:t>Stores the </a:t>
-            </a:r>
-            <a:r>
-              <a:rPr sz="2100"/>
-              <a:t>mapping between</a:t>
+              <a:rPr lang="en-US" sz="2000" dirty="0" smtClean="0"/>
+              <a:t>An array that s</a:t>
+            </a:r>
+            <a:r>
+              <a:rPr sz="2000" dirty="0" smtClean="0"/>
+              <a:t>tores </a:t>
+            </a:r>
+            <a:r>
+              <a:rPr sz="2000" dirty="0"/>
+              <a:t>the mapping </a:t>
+            </a:r>
+            <a:r>
+              <a:rPr lang="en-US" sz="2000" dirty="0" smtClean="0"/>
+              <a:t>from </a:t>
+            </a:r>
+            <a:r>
+              <a:rPr sz="2000" dirty="0" smtClean="0"/>
+              <a:t>virtual </a:t>
+            </a:r>
+            <a:r>
+              <a:rPr lang="en-US" sz="2000" dirty="0" smtClean="0"/>
+              <a:t>page numbers to </a:t>
+            </a:r>
+            <a:r>
+              <a:rPr sz="2000" dirty="0" smtClean="0"/>
+              <a:t>physical </a:t>
+            </a:r>
+            <a:r>
+              <a:rPr sz="2000" dirty="0"/>
+              <a:t/>
             </a:r>
             <a:br>
-              <a:rPr sz="2100"/>
+              <a:rPr sz="2000" dirty="0"/>
             </a:br>
             <a:r>
-              <a:rPr sz="2100"/>
-              <a:t>virtual addresses and physical </a:t>
-            </a:r>
-            <a:br>
-              <a:rPr sz="2100"/>
-            </a:br>
-            <a:r>
-              <a:rPr sz="2100"/>
-              <a:t>addresses </a:t>
-            </a:r>
+              <a:rPr lang="en-US" sz="2000" dirty="0" smtClean="0"/>
+              <a:t>numbers</a:t>
+            </a:r>
+            <a:r>
+              <a:rPr sz="2000" dirty="0" smtClean="0"/>
+              <a:t> </a:t>
+            </a:r>
+            <a:endParaRPr lang="en-US" sz="2000" dirty="0" smtClean="0"/>
+          </a:p>
+          <a:p>
+            <a:pPr marL="250657" indent="-250657">
+              <a:spcBef>
+                <a:spcPts val="600"/>
+              </a:spcBef>
+              <a:buClrTx/>
+              <a:buChar char="•"/>
+              <a:defRPr>
+                <a:solidFill>
+                  <a:srgbClr val="000000"/>
+                </a:solidFill>
+              </a:defRPr>
+            </a:pPr>
+            <a:endParaRPr lang="en-US" sz="2000" dirty="0"/>
+          </a:p>
+          <a:p>
+            <a:pPr marL="250657" indent="-250657">
+              <a:spcBef>
+                <a:spcPts val="600"/>
+              </a:spcBef>
+              <a:buClrTx/>
+              <a:buChar char="•"/>
+              <a:defRPr>
+                <a:solidFill>
+                  <a:srgbClr val="000000"/>
+                </a:solidFill>
+              </a:defRPr>
+            </a:pPr>
+            <a:r>
+              <a:rPr lang="en-US" sz="2000" dirty="0" smtClean="0"/>
+              <a:t>The OS maintains </a:t>
+            </a:r>
+          </a:p>
+          <a:p>
+            <a:pPr marL="707857" lvl="1" indent="-250657">
+              <a:spcBef>
+                <a:spcPts val="600"/>
+              </a:spcBef>
+              <a:buClrTx/>
+              <a:defRPr>
+                <a:solidFill>
+                  <a:srgbClr val="000000"/>
+                </a:solidFill>
+              </a:defRPr>
+            </a:pPr>
+            <a:r>
+              <a:rPr lang="en-US" sz="2000" u="sng" dirty="0"/>
+              <a:t>O</a:t>
+            </a:r>
+            <a:r>
+              <a:rPr lang="en-US" sz="2000" u="sng" dirty="0" smtClean="0"/>
+              <a:t>ne page table per </a:t>
+            </a:r>
+            <a:r>
+              <a:rPr lang="en-US" sz="2000" u="sng" dirty="0" err="1" smtClean="0"/>
+              <a:t>userspace</a:t>
+            </a:r>
+            <a:r>
+              <a:rPr lang="en-US" sz="2000" u="sng" dirty="0" smtClean="0"/>
+              <a:t> process</a:t>
+            </a:r>
+            <a:r>
+              <a:rPr lang="en-US" sz="2000" dirty="0" smtClean="0"/>
+              <a:t>.</a:t>
+            </a:r>
+          </a:p>
+          <a:p>
+            <a:pPr marL="707857" lvl="1" indent="-250657">
+              <a:spcBef>
+                <a:spcPts val="600"/>
+              </a:spcBef>
+              <a:buClrTx/>
+              <a:defRPr>
+                <a:solidFill>
+                  <a:srgbClr val="000000"/>
+                </a:solidFill>
+              </a:defRPr>
+            </a:pPr>
+            <a:r>
+              <a:rPr lang="en-US" sz="2000" dirty="0" smtClean="0"/>
+              <a:t>And usually </a:t>
+            </a:r>
+            <a:r>
+              <a:rPr lang="en-US" sz="2000" dirty="0" smtClean="0"/>
+              <a:t>another page table for kernel memory.</a:t>
+            </a:r>
+            <a:endParaRPr sz="2000" dirty="0"/>
           </a:p>
           <a:p>
             <a:pPr>
@@ -3326,6 +3457,7 @@
               </a:defRPr>
             </a:pPr>
             <a:r>
+              <a:rPr sz="2000" dirty="0"/>
               <a:t>	</a:t>
             </a:r>
           </a:p>
@@ -3366,6 +3498,13 @@
     <a:masterClrMapping/>
   </p:clrMapOvr>
   <p:transition spd="med"/>
+  <p:timing>
+    <p:tnLst>
+      <p:par>
+        <p:cTn id="1" dur="indefinite" restart="never" nodeType="tmRoot"/>
+      </p:par>
+    </p:tnLst>
+  </p:timing>
 </p:sld>
 </file>
 
@@ -3388,44 +3527,7 @@
       </p:grpSpPr>
       <p:sp>
         <p:nvSpPr>
-          <p:cNvPr id="153" name="Shape 153"/>
-          <p:cNvSpPr>
-            <a:spLocks noGrp="1"/>
-          </p:cNvSpPr>
-          <p:nvPr>
-            <p:ph type="sldNum" sz="quarter" idx="2"/>
-          </p:nvPr>
-        </p:nvSpPr>
-        <p:spPr>
-          <a:prstGeom prst="rect">
-            <a:avLst/>
-          </a:prstGeom>
-          <a:extLst>
-            <a:ext uri="{C572A759-6A51-4108-AA02-DFA0A04FC94B}">
-              <ma14:wrappingTextBoxFlag xmlns:ma14="http://schemas.microsoft.com/office/mac/drawingml/2011/main" val="1"/>
-            </a:ext>
-          </a:extLst>
-        </p:spPr>
-        <p:txBody>
-          <a:bodyPr>
-            <a:normAutofit lnSpcReduction="10000"/>
-          </a:bodyPr>
-          <a:lstStyle/>
-          <a:p>
-            <a:pPr>
-              <a:defRPr sz="2400"/>
-            </a:pPr>
-            <a:fld id="{86CB4B4D-7CA3-9044-876B-883B54F8677D}" type="slidenum">
-              <a:rPr sz="1400"/>
-              <a:t>12</a:t>
-            </a:fld>
-            <a:endParaRPr sz="1400"/>
-          </a:p>
-        </p:txBody>
-      </p:sp>
-      <p:sp>
-        <p:nvSpPr>
-          <p:cNvPr id="154" name="Shape 154"/>
+          <p:cNvPr id="2" name="Title 1"/>
           <p:cNvSpPr>
             <a:spLocks noGrp="1"/>
           </p:cNvSpPr>
@@ -3435,92 +3537,472 @@
         </p:nvSpPr>
         <p:spPr>
           <a:xfrm>
-            <a:off x="471642" y="184722"/>
-            <a:ext cx="8458201" cy="1050117"/>
+            <a:off x="584162" y="107632"/>
+            <a:ext cx="7772400" cy="724095"/>
+          </a:xfrm>
+        </p:spPr>
+        <p:txBody>
+          <a:bodyPr/>
+          <a:lstStyle/>
+          <a:p>
+            <a:pPr algn="ctr"/>
+            <a:r>
+              <a:rPr lang="en-US" sz="3200" u="none" dirty="0" smtClean="0"/>
+              <a:t>Translating </a:t>
+            </a:r>
+            <a:br>
+              <a:rPr lang="en-US" sz="3200" u="none" dirty="0" smtClean="0"/>
+            </a:br>
+            <a:r>
+              <a:rPr lang="en-US" sz="3200" u="none" dirty="0" smtClean="0"/>
+              <a:t>Virtual address (VA) to physical address (PA)</a:t>
+            </a:r>
+            <a:endParaRPr lang="en-US" sz="3200" u="none" dirty="0"/>
+          </a:p>
+        </p:txBody>
+      </p:sp>
+      <p:sp>
+        <p:nvSpPr>
+          <p:cNvPr id="4" name="Shape 128"/>
+          <p:cNvSpPr/>
+          <p:nvPr/>
+        </p:nvSpPr>
+        <p:spPr>
+          <a:xfrm>
+            <a:off x="1054100" y="1043940"/>
+            <a:ext cx="1244600" cy="5448300"/>
           </a:xfrm>
           <a:prstGeom prst="rect">
             <a:avLst/>
           </a:prstGeom>
-        </p:spPr>
-        <p:txBody>
-          <a:bodyPr>
-            <a:normAutofit fontScale="90000"/>
+          <a:noFill/>
+          <a:ln>
+            <a:solidFill>
+              <a:srgbClr val="000000"/>
+            </a:solidFill>
+          </a:ln>
+        </p:spPr>
+        <p:txBody>
+          <a:bodyPr lIns="45719" rIns="45719" anchor="ctr"/>
+          <a:lstStyle/>
+          <a:p>
+            <a:endParaRPr/>
+          </a:p>
+        </p:txBody>
+      </p:sp>
+      <p:sp>
+        <p:nvSpPr>
+          <p:cNvPr id="5" name="Shape 129"/>
+          <p:cNvSpPr/>
+          <p:nvPr/>
+        </p:nvSpPr>
+        <p:spPr>
+          <a:xfrm>
+            <a:off x="3093453" y="1249680"/>
+            <a:ext cx="1244600" cy="5242560"/>
+          </a:xfrm>
+          <a:prstGeom prst="rect">
+            <a:avLst/>
+          </a:prstGeom>
+          <a:noFill/>
+          <a:ln>
+            <a:solidFill>
+              <a:srgbClr val="000000"/>
+            </a:solidFill>
+          </a:ln>
+        </p:spPr>
+        <p:txBody>
+          <a:bodyPr lIns="45719" rIns="45719" anchor="ctr"/>
+          <a:lstStyle/>
+          <a:p>
+            <a:endParaRPr/>
+          </a:p>
+        </p:txBody>
+      </p:sp>
+      <p:sp>
+        <p:nvSpPr>
+          <p:cNvPr id="6" name="Shape 130"/>
+          <p:cNvSpPr/>
+          <p:nvPr/>
+        </p:nvSpPr>
+        <p:spPr>
+          <a:xfrm>
+            <a:off x="450486" y="1359852"/>
+            <a:ext cx="2439127" cy="369332"/>
+          </a:xfrm>
+          <a:prstGeom prst="rect">
+            <a:avLst/>
+          </a:prstGeom>
+          <a:ln w="12700">
+            <a:miter lim="400000"/>
+          </a:ln>
+          <a:extLst>
+            <a:ext uri="{C572A759-6A51-4108-AA02-DFA0A04FC94B}">
+              <ma14:wrappingTextBoxFlag xmlns:ma14="http://schemas.microsoft.com/office/mac/drawingml/2011/main" val="1"/>
+            </a:ext>
+          </a:extLst>
+        </p:spPr>
+        <p:txBody>
+          <a:bodyPr wrap="none" lIns="45719" rIns="45719">
+            <a:spAutoFit/>
           </a:bodyPr>
           <a:lstStyle/>
           <a:p>
-            <a:pPr defTabSz="704087">
-              <a:defRPr sz="3387"/>
-            </a:pPr>
-            <a:r>
-              <a:t>Virtual Address Translation</a:t>
-            </a:r>
-          </a:p>
-          <a:p>
-            <a:pPr defTabSz="704087">
-              <a:defRPr sz="3387"/>
-            </a:pPr>
-            <a:r>
-              <a:t>For Small Address Space</a:t>
-            </a:r>
-          </a:p>
-        </p:txBody>
-      </p:sp>
-      <p:sp>
-        <p:nvSpPr>
-          <p:cNvPr id="155" name="Shape 155"/>
-          <p:cNvSpPr>
-            <a:spLocks noGrp="1"/>
-          </p:cNvSpPr>
-          <p:nvPr>
-            <p:ph type="body" sz="quarter" idx="1"/>
-          </p:nvPr>
+            <a:pPr algn="ctr"/>
+            <a:r>
+              <a:rPr sz="1800" i="1" dirty="0">
+                <a:latin typeface="+mj-lt"/>
+                <a:ea typeface="+mj-ea"/>
+                <a:cs typeface="+mj-cs"/>
+                <a:sym typeface="Helvetica"/>
+              </a:rPr>
+              <a:t>Virtual Address Space </a:t>
+            </a:r>
+          </a:p>
+        </p:txBody>
+      </p:sp>
+      <p:sp>
+        <p:nvSpPr>
+          <p:cNvPr id="7" name="Shape 131"/>
+          <p:cNvSpPr/>
+          <p:nvPr/>
         </p:nvSpPr>
         <p:spPr>
           <a:xfrm>
-            <a:off x="685800" y="6172200"/>
-            <a:ext cx="8458200" cy="685800"/>
+            <a:off x="3026291" y="626123"/>
+            <a:ext cx="1528622" cy="646331"/>
           </a:xfrm>
           <a:prstGeom prst="rect">
             <a:avLst/>
           </a:prstGeom>
-        </p:spPr>
-        <p:txBody>
-          <a:bodyPr>
-            <a:normAutofit/>
+          <a:ln w="12700">
+            <a:miter lim="400000"/>
+          </a:ln>
+          <a:extLst>
+            <a:ext uri="{C572A759-6A51-4108-AA02-DFA0A04FC94B}">
+              <ma14:wrappingTextBoxFlag xmlns:ma14="http://schemas.microsoft.com/office/mac/drawingml/2011/main" val="1"/>
+            </a:ext>
+          </a:extLst>
+        </p:spPr>
+        <p:txBody>
+          <a:bodyPr wrap="none" lIns="45719" rIns="45719">
+            <a:spAutoFit/>
           </a:bodyPr>
           <a:lstStyle>
             <a:lvl1pPr>
-              <a:buSzTx/>
-              <a:buNone/>
+              <a:defRPr sz="1800" i="1">
+                <a:latin typeface="+mj-lt"/>
+                <a:ea typeface="+mj-ea"/>
+                <a:cs typeface="+mj-cs"/>
+                <a:sym typeface="Helvetica"/>
+              </a:defRPr>
             </a:lvl1pPr>
           </a:lstStyle>
           <a:p>
-            <a:r>
-              <a:t>Internal operation of MMU with 16 4 KB pages</a:t>
-            </a:r>
-          </a:p>
-        </p:txBody>
-      </p:sp>
-      <p:pic>
-        <p:nvPicPr>
-          <p:cNvPr id="156" name="4-11.jpg"/>
-          <p:cNvPicPr>
-            <a:picLocks noChangeAspect="1"/>
-          </p:cNvPicPr>
+            <a:pPr algn="ctr">
+              <a:defRPr sz="2400" i="0">
+                <a:latin typeface="Times New Roman"/>
+                <a:ea typeface="Times New Roman"/>
+                <a:cs typeface="Times New Roman"/>
+                <a:sym typeface="Times New Roman"/>
+              </a:defRPr>
+            </a:pPr>
+            <a:endParaRPr lang="en-US" sz="1800" i="1" dirty="0" smtClean="0">
+              <a:latin typeface="+mj-lt"/>
+              <a:ea typeface="+mj-ea"/>
+              <a:cs typeface="+mj-cs"/>
+              <a:sym typeface="Helvetica"/>
+            </a:endParaRPr>
+          </a:p>
+          <a:p>
+            <a:pPr algn="ctr">
+              <a:defRPr sz="2400" i="0">
+                <a:latin typeface="Times New Roman"/>
+                <a:ea typeface="Times New Roman"/>
+                <a:cs typeface="Times New Roman"/>
+                <a:sym typeface="Times New Roman"/>
+              </a:defRPr>
+            </a:pPr>
+            <a:r>
+              <a:rPr sz="1800" i="1" dirty="0" smtClean="0">
+                <a:latin typeface="+mj-lt"/>
+                <a:ea typeface="+mj-ea"/>
+                <a:cs typeface="+mj-cs"/>
+                <a:sym typeface="Helvetica"/>
+              </a:rPr>
+              <a:t>Physical RAM</a:t>
+            </a:r>
+            <a:endParaRPr sz="1800" i="1" dirty="0">
+              <a:latin typeface="+mj-lt"/>
+              <a:ea typeface="+mj-ea"/>
+              <a:cs typeface="+mj-cs"/>
+              <a:sym typeface="Helvetica"/>
+            </a:endParaRPr>
+          </a:p>
+        </p:txBody>
+      </p:sp>
+      <p:sp>
+        <p:nvSpPr>
+          <p:cNvPr id="8" name="Shape 132"/>
+          <p:cNvSpPr/>
           <p:nvPr/>
-        </p:nvPicPr>
-        <p:blipFill>
-          <a:blip r:embed="rId2">
-            <a:extLst/>
-          </a:blip>
-          <a:stretch>
-            <a:fillRect/>
-          </a:stretch>
-        </p:blipFill>
+        </p:nvSpPr>
         <p:spPr>
           <a:xfrm>
-            <a:off x="2956272" y="1422163"/>
-            <a:ext cx="4130328" cy="4562712"/>
+            <a:off x="1066800" y="5781040"/>
+            <a:ext cx="1244600" cy="0"/>
+          </a:xfrm>
+          <a:prstGeom prst="line">
+            <a:avLst/>
+          </a:prstGeom>
+          <a:ln>
+            <a:solidFill>
+              <a:srgbClr val="000000"/>
+            </a:solidFill>
+          </a:ln>
+        </p:spPr>
+        <p:txBody>
+          <a:bodyPr lIns="45719" rIns="45719"/>
+          <a:lstStyle/>
+          <a:p>
+            <a:pPr defTabSz="457200">
+              <a:defRPr sz="1200">
+                <a:latin typeface="+mj-lt"/>
+                <a:ea typeface="+mj-ea"/>
+                <a:cs typeface="+mj-cs"/>
+                <a:sym typeface="Helvetica"/>
+              </a:defRPr>
+            </a:pPr>
+            <a:endParaRPr/>
+          </a:p>
+        </p:txBody>
+      </p:sp>
+      <p:sp>
+        <p:nvSpPr>
+          <p:cNvPr id="9" name="Shape 133"/>
+          <p:cNvSpPr/>
+          <p:nvPr/>
+        </p:nvSpPr>
+        <p:spPr>
+          <a:xfrm>
+            <a:off x="1066800" y="4993640"/>
+            <a:ext cx="1244600" cy="0"/>
+          </a:xfrm>
+          <a:prstGeom prst="line">
+            <a:avLst/>
+          </a:prstGeom>
+          <a:ln>
+            <a:solidFill>
+              <a:srgbClr val="000000"/>
+            </a:solidFill>
+          </a:ln>
+        </p:spPr>
+        <p:txBody>
+          <a:bodyPr lIns="45719" rIns="45719"/>
+          <a:lstStyle/>
+          <a:p>
+            <a:pPr defTabSz="457200">
+              <a:defRPr sz="1200">
+                <a:latin typeface="+mj-lt"/>
+                <a:ea typeface="+mj-ea"/>
+                <a:cs typeface="+mj-cs"/>
+                <a:sym typeface="Helvetica"/>
+              </a:defRPr>
+            </a:pPr>
+            <a:endParaRPr/>
+          </a:p>
+        </p:txBody>
+      </p:sp>
+      <p:sp>
+        <p:nvSpPr>
+          <p:cNvPr id="10" name="Shape 134"/>
+          <p:cNvSpPr/>
+          <p:nvPr/>
+        </p:nvSpPr>
+        <p:spPr>
+          <a:xfrm>
+            <a:off x="1066800" y="4244340"/>
+            <a:ext cx="1244600" cy="0"/>
+          </a:xfrm>
+          <a:prstGeom prst="line">
+            <a:avLst/>
+          </a:prstGeom>
+          <a:ln>
+            <a:solidFill>
+              <a:srgbClr val="000000"/>
+            </a:solidFill>
+          </a:ln>
+        </p:spPr>
+        <p:txBody>
+          <a:bodyPr lIns="45719" rIns="45719"/>
+          <a:lstStyle/>
+          <a:p>
+            <a:pPr defTabSz="457200">
+              <a:defRPr sz="1200">
+                <a:latin typeface="+mj-lt"/>
+                <a:ea typeface="+mj-ea"/>
+                <a:cs typeface="+mj-cs"/>
+                <a:sym typeface="Helvetica"/>
+              </a:defRPr>
+            </a:pPr>
+            <a:endParaRPr/>
+          </a:p>
+        </p:txBody>
+      </p:sp>
+      <p:sp>
+        <p:nvSpPr>
+          <p:cNvPr id="11" name="Shape 135"/>
+          <p:cNvSpPr/>
+          <p:nvPr/>
+        </p:nvSpPr>
+        <p:spPr>
+          <a:xfrm>
+            <a:off x="1079500" y="3495040"/>
+            <a:ext cx="1244600" cy="0"/>
+          </a:xfrm>
+          <a:prstGeom prst="line">
+            <a:avLst/>
+          </a:prstGeom>
+          <a:ln>
+            <a:solidFill>
+              <a:srgbClr val="000000"/>
+            </a:solidFill>
+          </a:ln>
+        </p:spPr>
+        <p:txBody>
+          <a:bodyPr lIns="45719" rIns="45719"/>
+          <a:lstStyle/>
+          <a:p>
+            <a:pPr defTabSz="457200">
+              <a:defRPr sz="1200">
+                <a:latin typeface="+mj-lt"/>
+                <a:ea typeface="+mj-ea"/>
+                <a:cs typeface="+mj-cs"/>
+                <a:sym typeface="Helvetica"/>
+              </a:defRPr>
+            </a:pPr>
+            <a:endParaRPr/>
+          </a:p>
+        </p:txBody>
+      </p:sp>
+      <p:sp>
+        <p:nvSpPr>
+          <p:cNvPr id="13" name="Shape 137"/>
+          <p:cNvSpPr/>
+          <p:nvPr/>
+        </p:nvSpPr>
+        <p:spPr>
+          <a:xfrm>
+            <a:off x="3075940" y="4457700"/>
+            <a:ext cx="1244600" cy="0"/>
+          </a:xfrm>
+          <a:prstGeom prst="line">
+            <a:avLst/>
+          </a:prstGeom>
+          <a:ln>
+            <a:solidFill>
+              <a:srgbClr val="000000"/>
+            </a:solidFill>
+          </a:ln>
+        </p:spPr>
+        <p:txBody>
+          <a:bodyPr lIns="45719" rIns="45719"/>
+          <a:lstStyle/>
+          <a:p>
+            <a:pPr defTabSz="457200">
+              <a:defRPr sz="1200">
+                <a:latin typeface="+mj-lt"/>
+                <a:ea typeface="+mj-ea"/>
+                <a:cs typeface="+mj-cs"/>
+                <a:sym typeface="Helvetica"/>
+              </a:defRPr>
+            </a:pPr>
+            <a:endParaRPr/>
+          </a:p>
+        </p:txBody>
+      </p:sp>
+      <p:sp>
+        <p:nvSpPr>
+          <p:cNvPr id="14" name="Shape 138"/>
+          <p:cNvSpPr/>
+          <p:nvPr/>
+        </p:nvSpPr>
+        <p:spPr>
+          <a:xfrm>
+            <a:off x="3075940" y="5156200"/>
+            <a:ext cx="1244600" cy="0"/>
+          </a:xfrm>
+          <a:prstGeom prst="line">
+            <a:avLst/>
+          </a:prstGeom>
+          <a:ln>
+            <a:solidFill>
+              <a:srgbClr val="000000"/>
+            </a:solidFill>
+          </a:ln>
+        </p:spPr>
+        <p:txBody>
+          <a:bodyPr lIns="45719" rIns="45719"/>
+          <a:lstStyle/>
+          <a:p>
+            <a:pPr defTabSz="457200">
+              <a:defRPr sz="1200">
+                <a:latin typeface="+mj-lt"/>
+                <a:ea typeface="+mj-ea"/>
+                <a:cs typeface="+mj-cs"/>
+                <a:sym typeface="Helvetica"/>
+              </a:defRPr>
+            </a:pPr>
+            <a:endParaRPr/>
+          </a:p>
+        </p:txBody>
+      </p:sp>
+      <p:sp>
+        <p:nvSpPr>
+          <p:cNvPr id="15" name="Shape 139"/>
+          <p:cNvSpPr/>
+          <p:nvPr/>
+        </p:nvSpPr>
+        <p:spPr>
+          <a:xfrm>
+            <a:off x="3078480" y="5829300"/>
+            <a:ext cx="1244600" cy="0"/>
+          </a:xfrm>
+          <a:prstGeom prst="line">
+            <a:avLst/>
+          </a:prstGeom>
+          <a:ln>
+            <a:solidFill>
+              <a:srgbClr val="000000"/>
+            </a:solidFill>
+          </a:ln>
+        </p:spPr>
+        <p:txBody>
+          <a:bodyPr lIns="45719" rIns="45719"/>
+          <a:lstStyle/>
+          <a:p>
+            <a:pPr defTabSz="457200">
+              <a:defRPr sz="1200">
+                <a:latin typeface="+mj-lt"/>
+                <a:ea typeface="+mj-ea"/>
+                <a:cs typeface="+mj-cs"/>
+                <a:sym typeface="Helvetica"/>
+              </a:defRPr>
+            </a:pPr>
+            <a:endParaRPr/>
+          </a:p>
+        </p:txBody>
+      </p:sp>
+      <p:sp>
+        <p:nvSpPr>
+          <p:cNvPr id="16" name="Shape 140"/>
+          <p:cNvSpPr/>
+          <p:nvPr/>
+        </p:nvSpPr>
+        <p:spPr>
+          <a:xfrm>
+            <a:off x="2638425" y="2185352"/>
+            <a:ext cx="638024" cy="370841"/>
           </a:xfrm>
           <a:prstGeom prst="rect">
             <a:avLst/>
@@ -3528,14 +4010,1777 @@
           <a:ln w="12700">
             <a:miter lim="400000"/>
           </a:ln>
-        </p:spPr>
-      </p:pic>
+          <a:extLst>
+            <a:ext uri="{C572A759-6A51-4108-AA02-DFA0A04FC94B}">
+              <ma14:wrappingTextBoxFlag xmlns:ma14="http://schemas.microsoft.com/office/mac/drawingml/2011/main" val="1"/>
+            </a:ext>
+          </a:extLst>
+        </p:spPr>
+        <p:txBody>
+          <a:bodyPr wrap="none" lIns="45719" rIns="45719">
+            <a:spAutoFit/>
+          </a:bodyPr>
+          <a:lstStyle>
+            <a:lvl1pPr>
+              <a:defRPr sz="1800">
+                <a:latin typeface="+mj-lt"/>
+                <a:ea typeface="+mj-ea"/>
+                <a:cs typeface="+mj-cs"/>
+                <a:sym typeface="Helvetica"/>
+              </a:defRPr>
+            </a:lvl1pPr>
+          </a:lstStyle>
+          <a:p>
+            <a:pPr>
+              <a:defRPr sz="2400">
+                <a:latin typeface="Times New Roman"/>
+                <a:ea typeface="Times New Roman"/>
+                <a:cs typeface="Times New Roman"/>
+                <a:sym typeface="Times New Roman"/>
+              </a:defRPr>
+            </a:pPr>
+            <a:r>
+              <a:rPr sz="1800">
+                <a:latin typeface="+mj-lt"/>
+                <a:ea typeface="+mj-ea"/>
+                <a:cs typeface="+mj-cs"/>
+                <a:sym typeface="Helvetica"/>
+              </a:rPr>
+              <a:t>Page</a:t>
+            </a:r>
+          </a:p>
+        </p:txBody>
+      </p:sp>
+      <p:sp>
+        <p:nvSpPr>
+          <p:cNvPr id="17" name="Shape 141"/>
+          <p:cNvSpPr/>
+          <p:nvPr/>
+        </p:nvSpPr>
+        <p:spPr>
+          <a:xfrm>
+            <a:off x="2270125" y="1717040"/>
+            <a:ext cx="358637" cy="1005840"/>
+          </a:xfrm>
+          <a:prstGeom prst="rect">
+            <a:avLst/>
+          </a:prstGeom>
+          <a:ln w="12700">
+            <a:miter lim="400000"/>
+          </a:ln>
+          <a:extLst>
+            <a:ext uri="{C572A759-6A51-4108-AA02-DFA0A04FC94B}">
+              <ma14:wrappingTextBoxFlag xmlns:ma14="http://schemas.microsoft.com/office/mac/drawingml/2011/main" val="1"/>
+            </a:ext>
+          </a:extLst>
+        </p:spPr>
+        <p:txBody>
+          <a:bodyPr wrap="none" lIns="45719" rIns="45719">
+            <a:spAutoFit/>
+          </a:bodyPr>
+          <a:lstStyle>
+            <a:lvl1pPr>
+              <a:defRPr sz="6000">
+                <a:latin typeface="+mj-lt"/>
+                <a:ea typeface="+mj-ea"/>
+                <a:cs typeface="+mj-cs"/>
+                <a:sym typeface="Helvetica"/>
+              </a:defRPr>
+            </a:lvl1pPr>
+          </a:lstStyle>
+          <a:p>
+            <a:pPr>
+              <a:defRPr sz="2400">
+                <a:latin typeface="Times New Roman"/>
+                <a:ea typeface="Times New Roman"/>
+                <a:cs typeface="Times New Roman"/>
+                <a:sym typeface="Times New Roman"/>
+              </a:defRPr>
+            </a:pPr>
+            <a:r>
+              <a:rPr sz="6000">
+                <a:latin typeface="+mj-lt"/>
+                <a:ea typeface="+mj-ea"/>
+                <a:cs typeface="+mj-cs"/>
+                <a:sym typeface="Helvetica"/>
+              </a:rPr>
+              <a:t>}</a:t>
+            </a:r>
+          </a:p>
+        </p:txBody>
+      </p:sp>
+      <p:sp>
+        <p:nvSpPr>
+          <p:cNvPr id="18" name="TextBox 17"/>
+          <p:cNvSpPr txBox="1"/>
+          <p:nvPr/>
+        </p:nvSpPr>
+        <p:spPr>
+          <a:xfrm>
+            <a:off x="757058" y="5882640"/>
+            <a:ext cx="246219" cy="461663"/>
+          </a:xfrm>
+          <a:prstGeom prst="rect">
+            <a:avLst/>
+          </a:prstGeom>
+          <a:noFill/>
+          <a:ln w="12700" cap="flat">
+            <a:noFill/>
+            <a:miter lim="400000"/>
+          </a:ln>
+          <a:effectLst/>
+          <a:sp3d/>
+        </p:spPr>
+        <p:style>
+          <a:lnRef idx="0">
+            <a:scrgbClr r="0" g="0" b="0"/>
+          </a:lnRef>
+          <a:fillRef idx="0">
+            <a:scrgbClr r="0" g="0" b="0"/>
+          </a:fillRef>
+          <a:effectRef idx="0">
+            <a:scrgbClr r="0" g="0" b="0"/>
+          </a:effectRef>
+          <a:fontRef idx="none"/>
+        </p:style>
+        <p:txBody>
+          <a:bodyPr rot="0" spcFirstLastPara="1" vertOverflow="overflow" horzOverflow="overflow" vert="horz" wrap="none" lIns="45719" tIns="45719" rIns="45719" bIns="45719" numCol="1" spcCol="38100" rtlCol="0" anchor="t">
+            <a:spAutoFit/>
+          </a:bodyPr>
+          <a:lstStyle/>
+          <a:p>
+            <a:pPr marL="0" marR="0" indent="0" algn="l" defTabSz="914400" rtl="0" fontAlgn="auto" latinLnBrk="0" hangingPunct="0">
+              <a:lnSpc>
+                <a:spcPct val="100000"/>
+              </a:lnSpc>
+              <a:spcBef>
+                <a:spcPts val="0"/>
+              </a:spcBef>
+              <a:spcAft>
+                <a:spcPts val="0"/>
+              </a:spcAft>
+              <a:buClrTx/>
+              <a:buSzTx/>
+              <a:buFontTx/>
+              <a:buNone/>
+              <a:tabLst/>
+            </a:pPr>
+            <a:r>
+              <a:rPr kumimoji="0" lang="en-US" sz="2400" b="0" i="0" u="none" strike="noStrike" cap="none" spc="0" normalizeH="0" baseline="0" dirty="0" smtClean="0">
+                <a:ln>
+                  <a:noFill/>
+                </a:ln>
+                <a:solidFill>
+                  <a:srgbClr val="000000"/>
+                </a:solidFill>
+                <a:effectLst/>
+                <a:uFillTx/>
+                <a:latin typeface="Times New Roman"/>
+                <a:ea typeface="Times New Roman"/>
+                <a:cs typeface="Times New Roman"/>
+                <a:sym typeface="Times New Roman"/>
+              </a:rPr>
+              <a:t>0</a:t>
+            </a:r>
+            <a:endParaRPr kumimoji="0" lang="en-US" sz="2400" b="0" i="0" u="none" strike="noStrike" cap="none" spc="0" normalizeH="0" baseline="0" dirty="0">
+              <a:ln>
+                <a:noFill/>
+              </a:ln>
+              <a:solidFill>
+                <a:srgbClr val="000000"/>
+              </a:solidFill>
+              <a:effectLst/>
+              <a:uFillTx/>
+              <a:latin typeface="Times New Roman"/>
+              <a:ea typeface="Times New Roman"/>
+              <a:cs typeface="Times New Roman"/>
+              <a:sym typeface="Times New Roman"/>
+            </a:endParaRPr>
+          </a:p>
+        </p:txBody>
+      </p:sp>
+      <p:sp>
+        <p:nvSpPr>
+          <p:cNvPr id="19" name="TextBox 18"/>
+          <p:cNvSpPr txBox="1"/>
+          <p:nvPr/>
+        </p:nvSpPr>
+        <p:spPr>
+          <a:xfrm>
+            <a:off x="736875" y="5152390"/>
+            <a:ext cx="246219" cy="461663"/>
+          </a:xfrm>
+          <a:prstGeom prst="rect">
+            <a:avLst/>
+          </a:prstGeom>
+          <a:noFill/>
+          <a:ln w="12700" cap="flat">
+            <a:noFill/>
+            <a:miter lim="400000"/>
+          </a:ln>
+          <a:effectLst/>
+          <a:sp3d/>
+        </p:spPr>
+        <p:style>
+          <a:lnRef idx="0">
+            <a:scrgbClr r="0" g="0" b="0"/>
+          </a:lnRef>
+          <a:fillRef idx="0">
+            <a:scrgbClr r="0" g="0" b="0"/>
+          </a:fillRef>
+          <a:effectRef idx="0">
+            <a:scrgbClr r="0" g="0" b="0"/>
+          </a:effectRef>
+          <a:fontRef idx="none"/>
+        </p:style>
+        <p:txBody>
+          <a:bodyPr rot="0" spcFirstLastPara="1" vertOverflow="overflow" horzOverflow="overflow" vert="horz" wrap="none" lIns="45719" tIns="45719" rIns="45719" bIns="45719" numCol="1" spcCol="38100" rtlCol="0" anchor="t">
+            <a:spAutoFit/>
+          </a:bodyPr>
+          <a:lstStyle/>
+          <a:p>
+            <a:pPr marL="0" marR="0" indent="0" algn="l" defTabSz="914400" rtl="0" fontAlgn="auto" latinLnBrk="0" hangingPunct="0">
+              <a:lnSpc>
+                <a:spcPct val="100000"/>
+              </a:lnSpc>
+              <a:spcBef>
+                <a:spcPts val="0"/>
+              </a:spcBef>
+              <a:spcAft>
+                <a:spcPts val="0"/>
+              </a:spcAft>
+              <a:buClrTx/>
+              <a:buSzTx/>
+              <a:buFontTx/>
+              <a:buNone/>
+              <a:tabLst/>
+            </a:pPr>
+            <a:r>
+              <a:rPr kumimoji="0" lang="en-US" sz="2400" b="0" i="0" u="none" strike="noStrike" cap="none" spc="0" normalizeH="0" baseline="0" smtClean="0">
+                <a:ln>
+                  <a:noFill/>
+                </a:ln>
+                <a:solidFill>
+                  <a:srgbClr val="000000"/>
+                </a:solidFill>
+                <a:effectLst/>
+                <a:uFillTx/>
+                <a:latin typeface="Times New Roman"/>
+                <a:ea typeface="Times New Roman"/>
+                <a:cs typeface="Times New Roman"/>
+                <a:sym typeface="Times New Roman"/>
+              </a:rPr>
+              <a:t>1</a:t>
+            </a:r>
+            <a:endParaRPr kumimoji="0" lang="en-US" sz="2400" b="0" i="0" u="none" strike="noStrike" cap="none" spc="0" normalizeH="0" baseline="0" dirty="0">
+              <a:ln>
+                <a:noFill/>
+              </a:ln>
+              <a:solidFill>
+                <a:srgbClr val="000000"/>
+              </a:solidFill>
+              <a:effectLst/>
+              <a:uFillTx/>
+              <a:latin typeface="Times New Roman"/>
+              <a:ea typeface="Times New Roman"/>
+              <a:cs typeface="Times New Roman"/>
+              <a:sym typeface="Times New Roman"/>
+            </a:endParaRPr>
+          </a:p>
+        </p:txBody>
+      </p:sp>
+      <p:sp>
+        <p:nvSpPr>
+          <p:cNvPr id="20" name="TextBox 19"/>
+          <p:cNvSpPr txBox="1"/>
+          <p:nvPr/>
+        </p:nvSpPr>
+        <p:spPr>
+          <a:xfrm>
+            <a:off x="755857" y="4325602"/>
+            <a:ext cx="246219" cy="461663"/>
+          </a:xfrm>
+          <a:prstGeom prst="rect">
+            <a:avLst/>
+          </a:prstGeom>
+          <a:noFill/>
+          <a:ln w="12700" cap="flat">
+            <a:noFill/>
+            <a:miter lim="400000"/>
+          </a:ln>
+          <a:effectLst/>
+          <a:sp3d/>
+        </p:spPr>
+        <p:style>
+          <a:lnRef idx="0">
+            <a:scrgbClr r="0" g="0" b="0"/>
+          </a:lnRef>
+          <a:fillRef idx="0">
+            <a:scrgbClr r="0" g="0" b="0"/>
+          </a:fillRef>
+          <a:effectRef idx="0">
+            <a:scrgbClr r="0" g="0" b="0"/>
+          </a:effectRef>
+          <a:fontRef idx="none"/>
+        </p:style>
+        <p:txBody>
+          <a:bodyPr rot="0" spcFirstLastPara="1" vertOverflow="overflow" horzOverflow="overflow" vert="horz" wrap="none" lIns="45719" tIns="45719" rIns="45719" bIns="45719" numCol="1" spcCol="38100" rtlCol="0" anchor="t">
+            <a:spAutoFit/>
+          </a:bodyPr>
+          <a:lstStyle/>
+          <a:p>
+            <a:pPr marL="0" marR="0" indent="0" algn="l" defTabSz="914400" rtl="0" fontAlgn="auto" latinLnBrk="0" hangingPunct="0">
+              <a:lnSpc>
+                <a:spcPct val="100000"/>
+              </a:lnSpc>
+              <a:spcBef>
+                <a:spcPts val="0"/>
+              </a:spcBef>
+              <a:spcAft>
+                <a:spcPts val="0"/>
+              </a:spcAft>
+              <a:buClrTx/>
+              <a:buSzTx/>
+              <a:buFontTx/>
+              <a:buNone/>
+              <a:tabLst/>
+            </a:pPr>
+            <a:r>
+              <a:rPr kumimoji="0" lang="en-US" sz="2400" b="0" i="0" u="none" strike="noStrike" cap="none" spc="0" normalizeH="0" baseline="0" dirty="0" smtClean="0">
+                <a:ln>
+                  <a:noFill/>
+                </a:ln>
+                <a:solidFill>
+                  <a:srgbClr val="000000"/>
+                </a:solidFill>
+                <a:effectLst/>
+                <a:uFillTx/>
+                <a:latin typeface="Times New Roman"/>
+                <a:ea typeface="Times New Roman"/>
+                <a:cs typeface="Times New Roman"/>
+                <a:sym typeface="Times New Roman"/>
+              </a:rPr>
+              <a:t>2</a:t>
+            </a:r>
+            <a:endParaRPr kumimoji="0" lang="en-US" sz="2400" b="0" i="0" u="none" strike="noStrike" cap="none" spc="0" normalizeH="0" baseline="0" dirty="0">
+              <a:ln>
+                <a:noFill/>
+              </a:ln>
+              <a:solidFill>
+                <a:srgbClr val="000000"/>
+              </a:solidFill>
+              <a:effectLst/>
+              <a:uFillTx/>
+              <a:latin typeface="Times New Roman"/>
+              <a:ea typeface="Times New Roman"/>
+              <a:cs typeface="Times New Roman"/>
+              <a:sym typeface="Times New Roman"/>
+            </a:endParaRPr>
+          </a:p>
+        </p:txBody>
+      </p:sp>
+      <p:sp>
+        <p:nvSpPr>
+          <p:cNvPr id="22" name="TextBox 21"/>
+          <p:cNvSpPr txBox="1"/>
+          <p:nvPr/>
+        </p:nvSpPr>
+        <p:spPr>
+          <a:xfrm>
+            <a:off x="5260339" y="1390102"/>
+            <a:ext cx="2963310" cy="1015661"/>
+          </a:xfrm>
+          <a:prstGeom prst="rect">
+            <a:avLst/>
+          </a:prstGeom>
+          <a:noFill/>
+          <a:ln w="12700" cap="flat">
+            <a:noFill/>
+            <a:miter lim="400000"/>
+          </a:ln>
+          <a:effectLst/>
+          <a:sp3d/>
+        </p:spPr>
+        <p:style>
+          <a:lnRef idx="0">
+            <a:scrgbClr r="0" g="0" b="0"/>
+          </a:lnRef>
+          <a:fillRef idx="0">
+            <a:scrgbClr r="0" g="0" b="0"/>
+          </a:fillRef>
+          <a:effectRef idx="0">
+            <a:scrgbClr r="0" g="0" b="0"/>
+          </a:effectRef>
+          <a:fontRef idx="none"/>
+        </p:style>
+        <p:txBody>
+          <a:bodyPr rot="0" spcFirstLastPara="1" vertOverflow="overflow" horzOverflow="overflow" vert="horz" wrap="none" lIns="45719" tIns="45719" rIns="45719" bIns="45719" numCol="1" spcCol="38100" rtlCol="0" anchor="t">
+            <a:spAutoFit/>
+          </a:bodyPr>
+          <a:lstStyle/>
+          <a:p>
+            <a:pPr marL="0" marR="0" indent="0" algn="l" defTabSz="914400" rtl="0" fontAlgn="auto" latinLnBrk="0" hangingPunct="0">
+              <a:lnSpc>
+                <a:spcPct val="100000"/>
+              </a:lnSpc>
+              <a:spcBef>
+                <a:spcPts val="0"/>
+              </a:spcBef>
+              <a:spcAft>
+                <a:spcPts val="0"/>
+              </a:spcAft>
+              <a:buClrTx/>
+              <a:buSzTx/>
+              <a:buFontTx/>
+              <a:buNone/>
+              <a:tabLst/>
+            </a:pPr>
+            <a:r>
+              <a:rPr kumimoji="0" lang="en-US" sz="2000" b="0" i="0" u="none" strike="noStrike" cap="none" spc="0" normalizeH="0" baseline="0" dirty="0" smtClean="0">
+                <a:ln>
+                  <a:noFill/>
+                </a:ln>
+                <a:solidFill>
+                  <a:srgbClr val="000000"/>
+                </a:solidFill>
+                <a:effectLst/>
+                <a:uFillTx/>
+                <a:latin typeface="Times New Roman"/>
+                <a:ea typeface="Times New Roman"/>
+                <a:cs typeface="Times New Roman"/>
+                <a:sym typeface="Times New Roman"/>
+              </a:rPr>
+              <a:t>Byte Address = </a:t>
+            </a:r>
+            <a:endParaRPr lang="en-US" sz="2000" dirty="0"/>
+          </a:p>
+          <a:p>
+            <a:pPr marL="0" marR="0" indent="0" algn="l" defTabSz="914400" rtl="0" fontAlgn="auto" latinLnBrk="0" hangingPunct="0">
+              <a:lnSpc>
+                <a:spcPct val="100000"/>
+              </a:lnSpc>
+              <a:spcBef>
+                <a:spcPts val="0"/>
+              </a:spcBef>
+              <a:spcAft>
+                <a:spcPts val="0"/>
+              </a:spcAft>
+              <a:buClrTx/>
+              <a:buSzTx/>
+              <a:buFontTx/>
+              <a:buNone/>
+              <a:tabLst/>
+            </a:pPr>
+            <a:r>
+              <a:rPr kumimoji="0" lang="en-US" sz="2000" b="0" i="0" u="none" strike="noStrike" cap="none" spc="0" normalizeH="0" baseline="0" smtClean="0">
+                <a:ln>
+                  <a:noFill/>
+                </a:ln>
+                <a:solidFill>
+                  <a:srgbClr val="000000"/>
+                </a:solidFill>
+                <a:effectLst/>
+                <a:uFillTx/>
+                <a:latin typeface="Times New Roman"/>
+                <a:ea typeface="Times New Roman"/>
+                <a:cs typeface="Times New Roman"/>
+                <a:sym typeface="Times New Roman"/>
+              </a:rPr>
+              <a:t>Page</a:t>
+            </a:r>
+            <a:r>
+              <a:rPr kumimoji="0" lang="en-US" sz="2000" b="0" i="0" u="none" strike="noStrike" cap="none" spc="0" normalizeH="0" smtClean="0">
+                <a:ln>
+                  <a:noFill/>
+                </a:ln>
+                <a:solidFill>
+                  <a:srgbClr val="000000"/>
+                </a:solidFill>
+                <a:effectLst/>
+                <a:uFillTx/>
+                <a:latin typeface="Times New Roman"/>
+                <a:ea typeface="Times New Roman"/>
+                <a:cs typeface="Times New Roman"/>
+                <a:sym typeface="Times New Roman"/>
+              </a:rPr>
+              <a:t> </a:t>
+            </a:r>
+            <a:r>
+              <a:rPr kumimoji="0" lang="en-US" sz="2000" b="0" i="0" u="none" strike="noStrike" cap="none" spc="0" normalizeH="0" dirty="0" smtClean="0">
+                <a:ln>
+                  <a:noFill/>
+                </a:ln>
+                <a:solidFill>
+                  <a:srgbClr val="000000"/>
+                </a:solidFill>
+                <a:effectLst/>
+                <a:uFillTx/>
+                <a:latin typeface="Times New Roman"/>
+                <a:ea typeface="Times New Roman"/>
+                <a:cs typeface="Times New Roman"/>
+                <a:sym typeface="Times New Roman"/>
+              </a:rPr>
+              <a:t>Number x Page Size +</a:t>
+            </a:r>
+          </a:p>
+          <a:p>
+            <a:pPr marL="0" marR="0" indent="0" algn="l" defTabSz="914400" rtl="0" fontAlgn="auto" latinLnBrk="0" hangingPunct="0">
+              <a:lnSpc>
+                <a:spcPct val="100000"/>
+              </a:lnSpc>
+              <a:spcBef>
+                <a:spcPts val="0"/>
+              </a:spcBef>
+              <a:spcAft>
+                <a:spcPts val="0"/>
+              </a:spcAft>
+              <a:buClrTx/>
+              <a:buSzTx/>
+              <a:buFontTx/>
+              <a:buNone/>
+              <a:tabLst/>
+            </a:pPr>
+            <a:r>
+              <a:rPr lang="en-US" sz="2000" baseline="0" dirty="0" smtClean="0"/>
+              <a:t>Byte</a:t>
+            </a:r>
+            <a:r>
+              <a:rPr lang="en-US" sz="2000" dirty="0" smtClean="0"/>
+              <a:t> Offset in the page</a:t>
+            </a:r>
+            <a:endParaRPr kumimoji="0" lang="en-US" sz="2000" b="0" i="0" u="none" strike="noStrike" cap="none" spc="0" normalizeH="0" baseline="0" dirty="0" smtClean="0">
+              <a:ln>
+                <a:noFill/>
+              </a:ln>
+              <a:solidFill>
+                <a:srgbClr val="000000"/>
+              </a:solidFill>
+              <a:effectLst/>
+              <a:uFillTx/>
+              <a:latin typeface="Times New Roman"/>
+              <a:ea typeface="Times New Roman"/>
+              <a:cs typeface="Times New Roman"/>
+              <a:sym typeface="Times New Roman"/>
+            </a:endParaRPr>
+          </a:p>
+        </p:txBody>
+      </p:sp>
+      <p:sp>
+        <p:nvSpPr>
+          <p:cNvPr id="23" name="Rectangle 22"/>
+          <p:cNvSpPr/>
+          <p:nvPr/>
+        </p:nvSpPr>
+        <p:spPr>
+          <a:xfrm>
+            <a:off x="1044437" y="4535854"/>
+            <a:ext cx="1254263" cy="149053"/>
+          </a:xfrm>
+          <a:prstGeom prst="rect">
+            <a:avLst/>
+          </a:prstGeom>
+          <a:solidFill>
+            <a:schemeClr val="accent2"/>
+          </a:solidFill>
+          <a:ln w="25400" cap="flat">
+            <a:noFill/>
+            <a:prstDash val="solid"/>
+            <a:bevel/>
+          </a:ln>
+          <a:effectLst/>
+          <a:sp3d/>
+        </p:spPr>
+        <p:style>
+          <a:lnRef idx="0">
+            <a:scrgbClr r="0" g="0" b="0"/>
+          </a:lnRef>
+          <a:fillRef idx="0">
+            <a:scrgbClr r="0" g="0" b="0"/>
+          </a:fillRef>
+          <a:effectRef idx="0">
+            <a:scrgbClr r="0" g="0" b="0"/>
+          </a:effectRef>
+          <a:fontRef idx="none"/>
+        </p:style>
+        <p:txBody>
+          <a:bodyPr rot="0" spcFirstLastPara="1" vertOverflow="overflow" horzOverflow="overflow" vert="horz" wrap="square" lIns="45719" tIns="45719" rIns="45719" bIns="45719" numCol="1" spcCol="38100" rtlCol="0" anchor="t">
+            <a:spAutoFit/>
+          </a:bodyPr>
+          <a:lstStyle/>
+          <a:p>
+            <a:pPr marL="0" marR="0" indent="0" algn="l" defTabSz="914400" rtl="0" fontAlgn="auto" latinLnBrk="0" hangingPunct="0">
+              <a:lnSpc>
+                <a:spcPct val="100000"/>
+              </a:lnSpc>
+              <a:spcBef>
+                <a:spcPts val="0"/>
+              </a:spcBef>
+              <a:spcAft>
+                <a:spcPts val="0"/>
+              </a:spcAft>
+              <a:buClrTx/>
+              <a:buSzTx/>
+              <a:buFontTx/>
+              <a:buNone/>
+              <a:tabLst/>
+            </a:pPr>
+            <a:endParaRPr kumimoji="0" lang="en-US" sz="2400" b="0" i="0" u="none" strike="noStrike" cap="none" spc="0" normalizeH="0" baseline="0">
+              <a:ln>
+                <a:noFill/>
+              </a:ln>
+              <a:solidFill>
+                <a:srgbClr val="000000"/>
+              </a:solidFill>
+              <a:effectLst/>
+              <a:uFillTx/>
+              <a:latin typeface="Times New Roman"/>
+              <a:ea typeface="Times New Roman"/>
+              <a:cs typeface="Times New Roman"/>
+              <a:sym typeface="Times New Roman"/>
+            </a:endParaRPr>
+          </a:p>
+        </p:txBody>
+      </p:sp>
+      <p:sp>
+        <p:nvSpPr>
+          <p:cNvPr id="24" name="Rectangle 23"/>
+          <p:cNvSpPr/>
+          <p:nvPr/>
+        </p:nvSpPr>
+        <p:spPr>
+          <a:xfrm>
+            <a:off x="3104642" y="2070504"/>
+            <a:ext cx="1254263" cy="149053"/>
+          </a:xfrm>
+          <a:prstGeom prst="rect">
+            <a:avLst/>
+          </a:prstGeom>
+          <a:solidFill>
+            <a:schemeClr val="accent2"/>
+          </a:solidFill>
+          <a:ln w="25400" cap="flat">
+            <a:noFill/>
+            <a:prstDash val="solid"/>
+            <a:bevel/>
+          </a:ln>
+          <a:effectLst/>
+          <a:sp3d/>
+        </p:spPr>
+        <p:style>
+          <a:lnRef idx="0">
+            <a:scrgbClr r="0" g="0" b="0"/>
+          </a:lnRef>
+          <a:fillRef idx="0">
+            <a:scrgbClr r="0" g="0" b="0"/>
+          </a:fillRef>
+          <a:effectRef idx="0">
+            <a:scrgbClr r="0" g="0" b="0"/>
+          </a:effectRef>
+          <a:fontRef idx="none"/>
+        </p:style>
+        <p:txBody>
+          <a:bodyPr rot="0" spcFirstLastPara="1" vertOverflow="overflow" horzOverflow="overflow" vert="horz" wrap="square" lIns="45719" tIns="45719" rIns="45719" bIns="45719" numCol="1" spcCol="38100" rtlCol="0" anchor="t">
+            <a:spAutoFit/>
+          </a:bodyPr>
+          <a:lstStyle/>
+          <a:p>
+            <a:pPr marL="0" marR="0" indent="0" algn="l" defTabSz="914400" rtl="0" fontAlgn="auto" latinLnBrk="0" hangingPunct="0">
+              <a:lnSpc>
+                <a:spcPct val="100000"/>
+              </a:lnSpc>
+              <a:spcBef>
+                <a:spcPts val="0"/>
+              </a:spcBef>
+              <a:spcAft>
+                <a:spcPts val="0"/>
+              </a:spcAft>
+              <a:buClrTx/>
+              <a:buSzTx/>
+              <a:buFontTx/>
+              <a:buNone/>
+              <a:tabLst/>
+            </a:pPr>
+            <a:endParaRPr kumimoji="0" lang="en-US" sz="2400" b="0" i="0" u="none" strike="noStrike" cap="none" spc="0" normalizeH="0" baseline="0">
+              <a:ln>
+                <a:noFill/>
+              </a:ln>
+              <a:solidFill>
+                <a:srgbClr val="000000"/>
+              </a:solidFill>
+              <a:effectLst/>
+              <a:uFillTx/>
+              <a:latin typeface="Times New Roman"/>
+              <a:ea typeface="Times New Roman"/>
+              <a:cs typeface="Times New Roman"/>
+              <a:sym typeface="Times New Roman"/>
+            </a:endParaRPr>
+          </a:p>
+        </p:txBody>
+      </p:sp>
+      <p:sp>
+        <p:nvSpPr>
+          <p:cNvPr id="25" name="TextBox 24"/>
+          <p:cNvSpPr txBox="1"/>
+          <p:nvPr/>
+        </p:nvSpPr>
+        <p:spPr>
+          <a:xfrm>
+            <a:off x="4451987" y="6113471"/>
+            <a:ext cx="246219" cy="461663"/>
+          </a:xfrm>
+          <a:prstGeom prst="rect">
+            <a:avLst/>
+          </a:prstGeom>
+          <a:noFill/>
+          <a:ln w="12700" cap="flat">
+            <a:noFill/>
+            <a:miter lim="400000"/>
+          </a:ln>
+          <a:effectLst/>
+          <a:sp3d/>
+        </p:spPr>
+        <p:style>
+          <a:lnRef idx="0">
+            <a:scrgbClr r="0" g="0" b="0"/>
+          </a:lnRef>
+          <a:fillRef idx="0">
+            <a:scrgbClr r="0" g="0" b="0"/>
+          </a:fillRef>
+          <a:effectRef idx="0">
+            <a:scrgbClr r="0" g="0" b="0"/>
+          </a:effectRef>
+          <a:fontRef idx="none"/>
+        </p:style>
+        <p:txBody>
+          <a:bodyPr rot="0" spcFirstLastPara="1" vertOverflow="overflow" horzOverflow="overflow" vert="horz" wrap="none" lIns="45719" tIns="45719" rIns="45719" bIns="45719" numCol="1" spcCol="38100" rtlCol="0" anchor="t">
+            <a:spAutoFit/>
+          </a:bodyPr>
+          <a:lstStyle/>
+          <a:p>
+            <a:pPr marL="0" marR="0" indent="0" algn="l" defTabSz="914400" rtl="0" fontAlgn="auto" latinLnBrk="0" hangingPunct="0">
+              <a:lnSpc>
+                <a:spcPct val="100000"/>
+              </a:lnSpc>
+              <a:spcBef>
+                <a:spcPts val="0"/>
+              </a:spcBef>
+              <a:spcAft>
+                <a:spcPts val="0"/>
+              </a:spcAft>
+              <a:buClrTx/>
+              <a:buSzTx/>
+              <a:buFontTx/>
+              <a:buNone/>
+              <a:tabLst/>
+            </a:pPr>
+            <a:r>
+              <a:rPr kumimoji="0" lang="en-US" sz="2400" b="0" i="0" u="none" strike="noStrike" cap="none" spc="0" normalizeH="0" baseline="0" dirty="0" smtClean="0">
+                <a:ln>
+                  <a:noFill/>
+                </a:ln>
+                <a:solidFill>
+                  <a:srgbClr val="000000"/>
+                </a:solidFill>
+                <a:effectLst/>
+                <a:uFillTx/>
+                <a:latin typeface="Times New Roman"/>
+                <a:ea typeface="Times New Roman"/>
+                <a:cs typeface="Times New Roman"/>
+                <a:sym typeface="Times New Roman"/>
+              </a:rPr>
+              <a:t>0</a:t>
+            </a:r>
+            <a:endParaRPr kumimoji="0" lang="en-US" sz="2400" b="0" i="0" u="none" strike="noStrike" cap="none" spc="0" normalizeH="0" baseline="0" dirty="0">
+              <a:ln>
+                <a:noFill/>
+              </a:ln>
+              <a:solidFill>
+                <a:srgbClr val="000000"/>
+              </a:solidFill>
+              <a:effectLst/>
+              <a:uFillTx/>
+              <a:latin typeface="Times New Roman"/>
+              <a:ea typeface="Times New Roman"/>
+              <a:cs typeface="Times New Roman"/>
+              <a:sym typeface="Times New Roman"/>
+            </a:endParaRPr>
+          </a:p>
+        </p:txBody>
+      </p:sp>
+      <p:sp>
+        <p:nvSpPr>
+          <p:cNvPr id="26" name="TextBox 25"/>
+          <p:cNvSpPr txBox="1"/>
+          <p:nvPr/>
+        </p:nvSpPr>
+        <p:spPr>
+          <a:xfrm>
+            <a:off x="4431804" y="5383221"/>
+            <a:ext cx="246219" cy="461663"/>
+          </a:xfrm>
+          <a:prstGeom prst="rect">
+            <a:avLst/>
+          </a:prstGeom>
+          <a:noFill/>
+          <a:ln w="12700" cap="flat">
+            <a:noFill/>
+            <a:miter lim="400000"/>
+          </a:ln>
+          <a:effectLst/>
+          <a:sp3d/>
+        </p:spPr>
+        <p:style>
+          <a:lnRef idx="0">
+            <a:scrgbClr r="0" g="0" b="0"/>
+          </a:lnRef>
+          <a:fillRef idx="0">
+            <a:scrgbClr r="0" g="0" b="0"/>
+          </a:fillRef>
+          <a:effectRef idx="0">
+            <a:scrgbClr r="0" g="0" b="0"/>
+          </a:effectRef>
+          <a:fontRef idx="none"/>
+        </p:style>
+        <p:txBody>
+          <a:bodyPr rot="0" spcFirstLastPara="1" vertOverflow="overflow" horzOverflow="overflow" vert="horz" wrap="none" lIns="45719" tIns="45719" rIns="45719" bIns="45719" numCol="1" spcCol="38100" rtlCol="0" anchor="t">
+            <a:spAutoFit/>
+          </a:bodyPr>
+          <a:lstStyle/>
+          <a:p>
+            <a:pPr marL="0" marR="0" indent="0" algn="l" defTabSz="914400" rtl="0" fontAlgn="auto" latinLnBrk="0" hangingPunct="0">
+              <a:lnSpc>
+                <a:spcPct val="100000"/>
+              </a:lnSpc>
+              <a:spcBef>
+                <a:spcPts val="0"/>
+              </a:spcBef>
+              <a:spcAft>
+                <a:spcPts val="0"/>
+              </a:spcAft>
+              <a:buClrTx/>
+              <a:buSzTx/>
+              <a:buFontTx/>
+              <a:buNone/>
+              <a:tabLst/>
+            </a:pPr>
+            <a:r>
+              <a:rPr kumimoji="0" lang="en-US" sz="2400" b="0" i="0" u="none" strike="noStrike" cap="none" spc="0" normalizeH="0" baseline="0" dirty="0" smtClean="0">
+                <a:ln>
+                  <a:noFill/>
+                </a:ln>
+                <a:solidFill>
+                  <a:srgbClr val="000000"/>
+                </a:solidFill>
+                <a:effectLst/>
+                <a:uFillTx/>
+                <a:latin typeface="Times New Roman"/>
+                <a:ea typeface="Times New Roman"/>
+                <a:cs typeface="Times New Roman"/>
+                <a:sym typeface="Times New Roman"/>
+              </a:rPr>
+              <a:t>1</a:t>
+            </a:r>
+            <a:endParaRPr kumimoji="0" lang="en-US" sz="2400" b="0" i="0" u="none" strike="noStrike" cap="none" spc="0" normalizeH="0" baseline="0" dirty="0">
+              <a:ln>
+                <a:noFill/>
+              </a:ln>
+              <a:solidFill>
+                <a:srgbClr val="000000"/>
+              </a:solidFill>
+              <a:effectLst/>
+              <a:uFillTx/>
+              <a:latin typeface="Times New Roman"/>
+              <a:ea typeface="Times New Roman"/>
+              <a:cs typeface="Times New Roman"/>
+              <a:sym typeface="Times New Roman"/>
+            </a:endParaRPr>
+          </a:p>
+        </p:txBody>
+      </p:sp>
+      <p:sp>
+        <p:nvSpPr>
+          <p:cNvPr id="27" name="TextBox 26"/>
+          <p:cNvSpPr txBox="1"/>
+          <p:nvPr/>
+        </p:nvSpPr>
+        <p:spPr>
+          <a:xfrm>
+            <a:off x="4450786" y="4556433"/>
+            <a:ext cx="246219" cy="461663"/>
+          </a:xfrm>
+          <a:prstGeom prst="rect">
+            <a:avLst/>
+          </a:prstGeom>
+          <a:noFill/>
+          <a:ln w="12700" cap="flat">
+            <a:noFill/>
+            <a:miter lim="400000"/>
+          </a:ln>
+          <a:effectLst/>
+          <a:sp3d/>
+        </p:spPr>
+        <p:style>
+          <a:lnRef idx="0">
+            <a:scrgbClr r="0" g="0" b="0"/>
+          </a:lnRef>
+          <a:fillRef idx="0">
+            <a:scrgbClr r="0" g="0" b="0"/>
+          </a:fillRef>
+          <a:effectRef idx="0">
+            <a:scrgbClr r="0" g="0" b="0"/>
+          </a:effectRef>
+          <a:fontRef idx="none"/>
+        </p:style>
+        <p:txBody>
+          <a:bodyPr rot="0" spcFirstLastPara="1" vertOverflow="overflow" horzOverflow="overflow" vert="horz" wrap="none" lIns="45719" tIns="45719" rIns="45719" bIns="45719" numCol="1" spcCol="38100" rtlCol="0" anchor="t">
+            <a:spAutoFit/>
+          </a:bodyPr>
+          <a:lstStyle/>
+          <a:p>
+            <a:pPr marL="0" marR="0" indent="0" algn="l" defTabSz="914400" rtl="0" fontAlgn="auto" latinLnBrk="0" hangingPunct="0">
+              <a:lnSpc>
+                <a:spcPct val="100000"/>
+              </a:lnSpc>
+              <a:spcBef>
+                <a:spcPts val="0"/>
+              </a:spcBef>
+              <a:spcAft>
+                <a:spcPts val="0"/>
+              </a:spcAft>
+              <a:buClrTx/>
+              <a:buSzTx/>
+              <a:buFontTx/>
+              <a:buNone/>
+              <a:tabLst/>
+            </a:pPr>
+            <a:r>
+              <a:rPr kumimoji="0" lang="en-US" sz="2400" b="0" i="0" u="none" strike="noStrike" cap="none" spc="0" normalizeH="0" baseline="0" dirty="0" smtClean="0">
+                <a:ln>
+                  <a:noFill/>
+                </a:ln>
+                <a:solidFill>
+                  <a:srgbClr val="000000"/>
+                </a:solidFill>
+                <a:effectLst/>
+                <a:uFillTx/>
+                <a:latin typeface="Times New Roman"/>
+                <a:ea typeface="Times New Roman"/>
+                <a:cs typeface="Times New Roman"/>
+                <a:sym typeface="Times New Roman"/>
+              </a:rPr>
+              <a:t>2</a:t>
+            </a:r>
+            <a:endParaRPr kumimoji="0" lang="en-US" sz="2400" b="0" i="0" u="none" strike="noStrike" cap="none" spc="0" normalizeH="0" baseline="0" dirty="0">
+              <a:ln>
+                <a:noFill/>
+              </a:ln>
+              <a:solidFill>
+                <a:srgbClr val="000000"/>
+              </a:solidFill>
+              <a:effectLst/>
+              <a:uFillTx/>
+              <a:latin typeface="Times New Roman"/>
+              <a:ea typeface="Times New Roman"/>
+              <a:cs typeface="Times New Roman"/>
+              <a:sym typeface="Times New Roman"/>
+            </a:endParaRPr>
+          </a:p>
+        </p:txBody>
+      </p:sp>
+      <p:sp>
+        <p:nvSpPr>
+          <p:cNvPr id="28" name="Shape 137"/>
+          <p:cNvSpPr/>
+          <p:nvPr/>
+        </p:nvSpPr>
+        <p:spPr>
+          <a:xfrm>
+            <a:off x="3093453" y="3756660"/>
+            <a:ext cx="1244600" cy="0"/>
+          </a:xfrm>
+          <a:prstGeom prst="line">
+            <a:avLst/>
+          </a:prstGeom>
+          <a:ln>
+            <a:solidFill>
+              <a:srgbClr val="000000"/>
+            </a:solidFill>
+          </a:ln>
+        </p:spPr>
+        <p:txBody>
+          <a:bodyPr lIns="45719" rIns="45719"/>
+          <a:lstStyle/>
+          <a:p>
+            <a:pPr defTabSz="457200">
+              <a:defRPr sz="1200">
+                <a:latin typeface="+mj-lt"/>
+                <a:ea typeface="+mj-ea"/>
+                <a:cs typeface="+mj-cs"/>
+                <a:sym typeface="Helvetica"/>
+              </a:defRPr>
+            </a:pPr>
+            <a:endParaRPr/>
+          </a:p>
+        </p:txBody>
+      </p:sp>
+      <p:sp>
+        <p:nvSpPr>
+          <p:cNvPr id="29" name="Shape 137"/>
+          <p:cNvSpPr/>
+          <p:nvPr/>
+        </p:nvSpPr>
+        <p:spPr>
+          <a:xfrm>
+            <a:off x="3071108" y="3078480"/>
+            <a:ext cx="1244600" cy="0"/>
+          </a:xfrm>
+          <a:prstGeom prst="line">
+            <a:avLst/>
+          </a:prstGeom>
+          <a:ln>
+            <a:solidFill>
+              <a:srgbClr val="000000"/>
+            </a:solidFill>
+          </a:ln>
+        </p:spPr>
+        <p:txBody>
+          <a:bodyPr lIns="45719" rIns="45719"/>
+          <a:lstStyle/>
+          <a:p>
+            <a:pPr defTabSz="457200">
+              <a:defRPr sz="1200">
+                <a:latin typeface="+mj-lt"/>
+                <a:ea typeface="+mj-ea"/>
+                <a:cs typeface="+mj-cs"/>
+                <a:sym typeface="Helvetica"/>
+              </a:defRPr>
+            </a:pPr>
+            <a:endParaRPr/>
+          </a:p>
+        </p:txBody>
+      </p:sp>
+      <p:sp>
+        <p:nvSpPr>
+          <p:cNvPr id="30" name="Shape 137"/>
+          <p:cNvSpPr/>
+          <p:nvPr/>
+        </p:nvSpPr>
+        <p:spPr>
+          <a:xfrm>
+            <a:off x="3093453" y="2484120"/>
+            <a:ext cx="1244600" cy="0"/>
+          </a:xfrm>
+          <a:prstGeom prst="line">
+            <a:avLst/>
+          </a:prstGeom>
+          <a:ln>
+            <a:solidFill>
+              <a:srgbClr val="000000"/>
+            </a:solidFill>
+          </a:ln>
+        </p:spPr>
+        <p:txBody>
+          <a:bodyPr lIns="45719" rIns="45719"/>
+          <a:lstStyle/>
+          <a:p>
+            <a:pPr defTabSz="457200">
+              <a:defRPr sz="1200">
+                <a:latin typeface="+mj-lt"/>
+                <a:ea typeface="+mj-ea"/>
+                <a:cs typeface="+mj-cs"/>
+                <a:sym typeface="Helvetica"/>
+              </a:defRPr>
+            </a:pPr>
+            <a:endParaRPr/>
+          </a:p>
+        </p:txBody>
+      </p:sp>
+      <p:sp>
+        <p:nvSpPr>
+          <p:cNvPr id="31" name="Shape 137"/>
+          <p:cNvSpPr/>
+          <p:nvPr/>
+        </p:nvSpPr>
+        <p:spPr>
+          <a:xfrm>
+            <a:off x="3093453" y="1813560"/>
+            <a:ext cx="1244600" cy="0"/>
+          </a:xfrm>
+          <a:prstGeom prst="line">
+            <a:avLst/>
+          </a:prstGeom>
+          <a:ln>
+            <a:solidFill>
+              <a:srgbClr val="000000"/>
+            </a:solidFill>
+          </a:ln>
+        </p:spPr>
+        <p:txBody>
+          <a:bodyPr lIns="45719" rIns="45719"/>
+          <a:lstStyle/>
+          <a:p>
+            <a:pPr defTabSz="457200">
+              <a:defRPr sz="1200">
+                <a:latin typeface="+mj-lt"/>
+                <a:ea typeface="+mj-ea"/>
+                <a:cs typeface="+mj-cs"/>
+                <a:sym typeface="Helvetica"/>
+              </a:defRPr>
+            </a:pPr>
+            <a:endParaRPr/>
+          </a:p>
+        </p:txBody>
+      </p:sp>
+      <p:sp>
+        <p:nvSpPr>
+          <p:cNvPr id="32" name="TextBox 31"/>
+          <p:cNvSpPr txBox="1"/>
+          <p:nvPr/>
+        </p:nvSpPr>
+        <p:spPr>
+          <a:xfrm>
+            <a:off x="4406101" y="3907463"/>
+            <a:ext cx="246219" cy="461663"/>
+          </a:xfrm>
+          <a:prstGeom prst="rect">
+            <a:avLst/>
+          </a:prstGeom>
+          <a:noFill/>
+          <a:ln w="12700" cap="flat">
+            <a:noFill/>
+            <a:miter lim="400000"/>
+          </a:ln>
+          <a:effectLst/>
+          <a:sp3d/>
+        </p:spPr>
+        <p:style>
+          <a:lnRef idx="0">
+            <a:scrgbClr r="0" g="0" b="0"/>
+          </a:lnRef>
+          <a:fillRef idx="0">
+            <a:scrgbClr r="0" g="0" b="0"/>
+          </a:fillRef>
+          <a:effectRef idx="0">
+            <a:scrgbClr r="0" g="0" b="0"/>
+          </a:effectRef>
+          <a:fontRef idx="none"/>
+        </p:style>
+        <p:txBody>
+          <a:bodyPr rot="0" spcFirstLastPara="1" vertOverflow="overflow" horzOverflow="overflow" vert="horz" wrap="none" lIns="45719" tIns="45719" rIns="45719" bIns="45719" numCol="1" spcCol="38100" rtlCol="0" anchor="t">
+            <a:spAutoFit/>
+          </a:bodyPr>
+          <a:lstStyle/>
+          <a:p>
+            <a:pPr marL="0" marR="0" indent="0" algn="l" defTabSz="914400" rtl="0" fontAlgn="auto" latinLnBrk="0" hangingPunct="0">
+              <a:lnSpc>
+                <a:spcPct val="100000"/>
+              </a:lnSpc>
+              <a:spcBef>
+                <a:spcPts val="0"/>
+              </a:spcBef>
+              <a:spcAft>
+                <a:spcPts val="0"/>
+              </a:spcAft>
+              <a:buClrTx/>
+              <a:buSzTx/>
+              <a:buFontTx/>
+              <a:buNone/>
+              <a:tabLst/>
+            </a:pPr>
+            <a:r>
+              <a:rPr kumimoji="0" lang="en-US" sz="2400" b="0" i="0" u="none" strike="noStrike" cap="none" spc="0" normalizeH="0" baseline="0" smtClean="0">
+                <a:ln>
+                  <a:noFill/>
+                </a:ln>
+                <a:solidFill>
+                  <a:srgbClr val="000000"/>
+                </a:solidFill>
+                <a:effectLst/>
+                <a:uFillTx/>
+                <a:latin typeface="Times New Roman"/>
+                <a:ea typeface="Times New Roman"/>
+                <a:cs typeface="Times New Roman"/>
+                <a:sym typeface="Times New Roman"/>
+              </a:rPr>
+              <a:t>3</a:t>
+            </a:r>
+            <a:endParaRPr kumimoji="0" lang="en-US" sz="2400" b="0" i="0" u="none" strike="noStrike" cap="none" spc="0" normalizeH="0" baseline="0">
+              <a:ln>
+                <a:noFill/>
+              </a:ln>
+              <a:solidFill>
+                <a:srgbClr val="000000"/>
+              </a:solidFill>
+              <a:effectLst/>
+              <a:uFillTx/>
+              <a:latin typeface="Times New Roman"/>
+              <a:ea typeface="Times New Roman"/>
+              <a:cs typeface="Times New Roman"/>
+              <a:sym typeface="Times New Roman"/>
+            </a:endParaRPr>
+          </a:p>
+        </p:txBody>
+      </p:sp>
+      <p:sp>
+        <p:nvSpPr>
+          <p:cNvPr id="33" name="TextBox 32"/>
+          <p:cNvSpPr txBox="1"/>
+          <p:nvPr/>
+        </p:nvSpPr>
+        <p:spPr>
+          <a:xfrm>
+            <a:off x="4406101" y="3107363"/>
+            <a:ext cx="246219" cy="461663"/>
+          </a:xfrm>
+          <a:prstGeom prst="rect">
+            <a:avLst/>
+          </a:prstGeom>
+          <a:noFill/>
+          <a:ln w="12700" cap="flat">
+            <a:noFill/>
+            <a:miter lim="400000"/>
+          </a:ln>
+          <a:effectLst/>
+          <a:sp3d/>
+        </p:spPr>
+        <p:style>
+          <a:lnRef idx="0">
+            <a:scrgbClr r="0" g="0" b="0"/>
+          </a:lnRef>
+          <a:fillRef idx="0">
+            <a:scrgbClr r="0" g="0" b="0"/>
+          </a:fillRef>
+          <a:effectRef idx="0">
+            <a:scrgbClr r="0" g="0" b="0"/>
+          </a:effectRef>
+          <a:fontRef idx="none"/>
+        </p:style>
+        <p:txBody>
+          <a:bodyPr rot="0" spcFirstLastPara="1" vertOverflow="overflow" horzOverflow="overflow" vert="horz" wrap="none" lIns="45719" tIns="45719" rIns="45719" bIns="45719" numCol="1" spcCol="38100" rtlCol="0" anchor="t">
+            <a:spAutoFit/>
+          </a:bodyPr>
+          <a:lstStyle/>
+          <a:p>
+            <a:pPr marL="0" marR="0" indent="0" algn="l" defTabSz="914400" rtl="0" fontAlgn="auto" latinLnBrk="0" hangingPunct="0">
+              <a:lnSpc>
+                <a:spcPct val="100000"/>
+              </a:lnSpc>
+              <a:spcBef>
+                <a:spcPts val="0"/>
+              </a:spcBef>
+              <a:spcAft>
+                <a:spcPts val="0"/>
+              </a:spcAft>
+              <a:buClrTx/>
+              <a:buSzTx/>
+              <a:buFontTx/>
+              <a:buNone/>
+              <a:tabLst/>
+            </a:pPr>
+            <a:r>
+              <a:rPr kumimoji="0" lang="en-US" sz="2400" b="0" i="0" u="none" strike="noStrike" cap="none" spc="0" normalizeH="0" baseline="0" dirty="0" smtClean="0">
+                <a:ln>
+                  <a:noFill/>
+                </a:ln>
+                <a:solidFill>
+                  <a:srgbClr val="000000"/>
+                </a:solidFill>
+                <a:effectLst/>
+                <a:uFillTx/>
+                <a:latin typeface="Times New Roman"/>
+                <a:ea typeface="Times New Roman"/>
+                <a:cs typeface="Times New Roman"/>
+                <a:sym typeface="Times New Roman"/>
+              </a:rPr>
+              <a:t>4</a:t>
+            </a:r>
+            <a:endParaRPr kumimoji="0" lang="en-US" sz="2400" b="0" i="0" u="none" strike="noStrike" cap="none" spc="0" normalizeH="0" baseline="0" dirty="0">
+              <a:ln>
+                <a:noFill/>
+              </a:ln>
+              <a:solidFill>
+                <a:srgbClr val="000000"/>
+              </a:solidFill>
+              <a:effectLst/>
+              <a:uFillTx/>
+              <a:latin typeface="Times New Roman"/>
+              <a:ea typeface="Times New Roman"/>
+              <a:cs typeface="Times New Roman"/>
+              <a:sym typeface="Times New Roman"/>
+            </a:endParaRPr>
+          </a:p>
+        </p:txBody>
+      </p:sp>
+      <p:sp>
+        <p:nvSpPr>
+          <p:cNvPr id="34" name="TextBox 33"/>
+          <p:cNvSpPr txBox="1"/>
+          <p:nvPr/>
+        </p:nvSpPr>
+        <p:spPr>
+          <a:xfrm>
+            <a:off x="4405216" y="2556194"/>
+            <a:ext cx="321564" cy="461663"/>
+          </a:xfrm>
+          <a:prstGeom prst="rect">
+            <a:avLst/>
+          </a:prstGeom>
+          <a:noFill/>
+          <a:ln w="12700" cap="flat">
+            <a:noFill/>
+            <a:miter lim="400000"/>
+          </a:ln>
+          <a:effectLst/>
+          <a:sp3d/>
+        </p:spPr>
+        <p:style>
+          <a:lnRef idx="0">
+            <a:scrgbClr r="0" g="0" b="0"/>
+          </a:lnRef>
+          <a:fillRef idx="0">
+            <a:scrgbClr r="0" g="0" b="0"/>
+          </a:fillRef>
+          <a:effectRef idx="0">
+            <a:scrgbClr r="0" g="0" b="0"/>
+          </a:effectRef>
+          <a:fontRef idx="none"/>
+        </p:style>
+        <p:txBody>
+          <a:bodyPr rot="0" spcFirstLastPara="1" vertOverflow="overflow" horzOverflow="overflow" vert="horz" wrap="square" lIns="45719" tIns="45719" rIns="45719" bIns="45719" numCol="1" spcCol="38100" rtlCol="0" anchor="t">
+            <a:spAutoFit/>
+          </a:bodyPr>
+          <a:lstStyle/>
+          <a:p>
+            <a:pPr marL="0" marR="0" indent="0" algn="l" defTabSz="914400" rtl="0" fontAlgn="auto" latinLnBrk="0" hangingPunct="0">
+              <a:lnSpc>
+                <a:spcPct val="100000"/>
+              </a:lnSpc>
+              <a:spcBef>
+                <a:spcPts val="0"/>
+              </a:spcBef>
+              <a:spcAft>
+                <a:spcPts val="0"/>
+              </a:spcAft>
+              <a:buClrTx/>
+              <a:buSzTx/>
+              <a:buFontTx/>
+              <a:buNone/>
+              <a:tabLst/>
+            </a:pPr>
+            <a:r>
+              <a:rPr kumimoji="0" lang="en-US" sz="2400" b="0" i="0" u="none" strike="noStrike" cap="none" spc="0" normalizeH="0" baseline="0" dirty="0" smtClean="0">
+                <a:ln>
+                  <a:noFill/>
+                </a:ln>
+                <a:solidFill>
+                  <a:srgbClr val="000000"/>
+                </a:solidFill>
+                <a:effectLst/>
+                <a:uFillTx/>
+                <a:latin typeface="Times New Roman"/>
+                <a:ea typeface="Times New Roman"/>
+                <a:cs typeface="Times New Roman"/>
+                <a:sym typeface="Times New Roman"/>
+              </a:rPr>
+              <a:t>5</a:t>
+            </a:r>
+            <a:endParaRPr kumimoji="0" lang="en-US" sz="2400" b="0" i="0" u="none" strike="noStrike" cap="none" spc="0" normalizeH="0" baseline="0" dirty="0">
+              <a:ln>
+                <a:noFill/>
+              </a:ln>
+              <a:solidFill>
+                <a:srgbClr val="000000"/>
+              </a:solidFill>
+              <a:effectLst/>
+              <a:uFillTx/>
+              <a:latin typeface="Times New Roman"/>
+              <a:ea typeface="Times New Roman"/>
+              <a:cs typeface="Times New Roman"/>
+              <a:sym typeface="Times New Roman"/>
+            </a:endParaRPr>
+          </a:p>
+        </p:txBody>
+      </p:sp>
+      <p:sp>
+        <p:nvSpPr>
+          <p:cNvPr id="35" name="TextBox 34"/>
+          <p:cNvSpPr txBox="1"/>
+          <p:nvPr/>
+        </p:nvSpPr>
+        <p:spPr>
+          <a:xfrm>
+            <a:off x="4379758" y="1919846"/>
+            <a:ext cx="246219" cy="461663"/>
+          </a:xfrm>
+          <a:prstGeom prst="rect">
+            <a:avLst/>
+          </a:prstGeom>
+          <a:noFill/>
+          <a:ln w="12700" cap="flat">
+            <a:noFill/>
+            <a:miter lim="400000"/>
+          </a:ln>
+          <a:effectLst/>
+          <a:sp3d/>
+        </p:spPr>
+        <p:style>
+          <a:lnRef idx="0">
+            <a:scrgbClr r="0" g="0" b="0"/>
+          </a:lnRef>
+          <a:fillRef idx="0">
+            <a:scrgbClr r="0" g="0" b="0"/>
+          </a:fillRef>
+          <a:effectRef idx="0">
+            <a:scrgbClr r="0" g="0" b="0"/>
+          </a:effectRef>
+          <a:fontRef idx="none"/>
+        </p:style>
+        <p:txBody>
+          <a:bodyPr rot="0" spcFirstLastPara="1" vertOverflow="overflow" horzOverflow="overflow" vert="horz" wrap="none" lIns="45719" tIns="45719" rIns="45719" bIns="45719" numCol="1" spcCol="38100" rtlCol="0" anchor="t">
+            <a:spAutoFit/>
+          </a:bodyPr>
+          <a:lstStyle/>
+          <a:p>
+            <a:pPr marL="0" marR="0" indent="0" algn="l" defTabSz="914400" rtl="0" fontAlgn="auto" latinLnBrk="0" hangingPunct="0">
+              <a:lnSpc>
+                <a:spcPct val="100000"/>
+              </a:lnSpc>
+              <a:spcBef>
+                <a:spcPts val="0"/>
+              </a:spcBef>
+              <a:spcAft>
+                <a:spcPts val="0"/>
+              </a:spcAft>
+              <a:buClrTx/>
+              <a:buSzTx/>
+              <a:buFontTx/>
+              <a:buNone/>
+              <a:tabLst/>
+            </a:pPr>
+            <a:r>
+              <a:rPr kumimoji="0" lang="en-US" sz="2400" b="0" i="0" u="none" strike="noStrike" cap="none" spc="0" normalizeH="0" baseline="0" smtClean="0">
+                <a:ln>
+                  <a:noFill/>
+                </a:ln>
+                <a:solidFill>
+                  <a:srgbClr val="000000"/>
+                </a:solidFill>
+                <a:effectLst/>
+                <a:uFillTx/>
+                <a:latin typeface="Times New Roman"/>
+                <a:ea typeface="Times New Roman"/>
+                <a:cs typeface="Times New Roman"/>
+                <a:sym typeface="Times New Roman"/>
+              </a:rPr>
+              <a:t>6</a:t>
+            </a:r>
+            <a:endParaRPr kumimoji="0" lang="en-US" sz="2400" b="0" i="0" u="none" strike="noStrike" cap="none" spc="0" normalizeH="0" baseline="0">
+              <a:ln>
+                <a:noFill/>
+              </a:ln>
+              <a:solidFill>
+                <a:srgbClr val="000000"/>
+              </a:solidFill>
+              <a:effectLst/>
+              <a:uFillTx/>
+              <a:latin typeface="Times New Roman"/>
+              <a:ea typeface="Times New Roman"/>
+              <a:cs typeface="Times New Roman"/>
+              <a:sym typeface="Times New Roman"/>
+            </a:endParaRPr>
+          </a:p>
+        </p:txBody>
+      </p:sp>
+      <p:cxnSp>
+        <p:nvCxnSpPr>
+          <p:cNvPr id="37" name="Straight Arrow Connector 36"/>
+          <p:cNvCxnSpPr/>
+          <p:nvPr/>
+        </p:nvCxnSpPr>
+        <p:spPr>
+          <a:xfrm>
+            <a:off x="1670049" y="4714644"/>
+            <a:ext cx="0" cy="278996"/>
+          </a:xfrm>
+          <a:prstGeom prst="straightConnector1">
+            <a:avLst/>
+          </a:prstGeom>
+          <a:noFill/>
+          <a:ln w="25400" cap="flat">
+            <a:solidFill>
+              <a:schemeClr val="tx1"/>
+            </a:solidFill>
+            <a:prstDash val="solid"/>
+            <a:bevel/>
+            <a:headEnd type="triangle"/>
+            <a:tailEnd type="triangle"/>
+          </a:ln>
+          <a:effectLst>
+            <a:outerShdw blurRad="38100" dist="20000" dir="5400000" rotWithShape="0">
+              <a:srgbClr val="000000">
+                <a:alpha val="38000"/>
+              </a:srgbClr>
+            </a:outerShdw>
+          </a:effectLst>
+          <a:sp3d/>
+        </p:spPr>
+        <p:style>
+          <a:lnRef idx="0">
+            <a:scrgbClr r="0" g="0" b="0"/>
+          </a:lnRef>
+          <a:fillRef idx="0">
+            <a:scrgbClr r="0" g="0" b="0"/>
+          </a:fillRef>
+          <a:effectRef idx="0">
+            <a:scrgbClr r="0" g="0" b="0"/>
+          </a:effectRef>
+          <a:fontRef idx="none"/>
+        </p:style>
+      </p:cxnSp>
+      <p:sp>
+        <p:nvSpPr>
+          <p:cNvPr id="38" name="TextBox 37"/>
+          <p:cNvSpPr txBox="1"/>
+          <p:nvPr/>
+        </p:nvSpPr>
+        <p:spPr>
+          <a:xfrm>
+            <a:off x="1828800" y="4762500"/>
+            <a:ext cx="541172" cy="307775"/>
+          </a:xfrm>
+          <a:prstGeom prst="rect">
+            <a:avLst/>
+          </a:prstGeom>
+          <a:noFill/>
+          <a:ln w="12700" cap="flat">
+            <a:noFill/>
+            <a:miter lim="400000"/>
+          </a:ln>
+          <a:effectLst/>
+          <a:sp3d/>
+        </p:spPr>
+        <p:style>
+          <a:lnRef idx="0">
+            <a:scrgbClr r="0" g="0" b="0"/>
+          </a:lnRef>
+          <a:fillRef idx="0">
+            <a:scrgbClr r="0" g="0" b="0"/>
+          </a:fillRef>
+          <a:effectRef idx="0">
+            <a:scrgbClr r="0" g="0" b="0"/>
+          </a:effectRef>
+          <a:fontRef idx="none"/>
+        </p:style>
+        <p:txBody>
+          <a:bodyPr rot="0" spcFirstLastPara="1" vertOverflow="overflow" horzOverflow="overflow" vert="horz" wrap="none" lIns="45719" tIns="45719" rIns="45719" bIns="45719" numCol="1" spcCol="38100" rtlCol="0" anchor="t">
+            <a:spAutoFit/>
+          </a:bodyPr>
+          <a:lstStyle/>
+          <a:p>
+            <a:pPr marL="0" marR="0" indent="0" algn="l" defTabSz="914400" rtl="0" fontAlgn="auto" latinLnBrk="0" hangingPunct="0">
+              <a:lnSpc>
+                <a:spcPct val="100000"/>
+              </a:lnSpc>
+              <a:spcBef>
+                <a:spcPts val="0"/>
+              </a:spcBef>
+              <a:spcAft>
+                <a:spcPts val="0"/>
+              </a:spcAft>
+              <a:buClrTx/>
+              <a:buSzTx/>
+              <a:buFontTx/>
+              <a:buNone/>
+              <a:tabLst/>
+            </a:pPr>
+            <a:r>
+              <a:rPr kumimoji="0" lang="en-US" sz="1400" b="0" i="0" u="none" strike="noStrike" cap="none" spc="0" normalizeH="0" baseline="0" dirty="0" smtClean="0">
+                <a:ln>
+                  <a:noFill/>
+                </a:ln>
+                <a:solidFill>
+                  <a:srgbClr val="000000"/>
+                </a:solidFill>
+                <a:effectLst/>
+                <a:uFillTx/>
+                <a:latin typeface="Times New Roman"/>
+                <a:ea typeface="Times New Roman"/>
+                <a:cs typeface="Times New Roman"/>
+                <a:sym typeface="Times New Roman"/>
+              </a:rPr>
+              <a:t>Offset</a:t>
+            </a:r>
+            <a:endParaRPr kumimoji="0" lang="en-US" sz="1400" b="0" i="0" u="none" strike="noStrike" cap="none" spc="0" normalizeH="0" baseline="0" dirty="0">
+              <a:ln>
+                <a:noFill/>
+              </a:ln>
+              <a:solidFill>
+                <a:srgbClr val="000000"/>
+              </a:solidFill>
+              <a:effectLst/>
+              <a:uFillTx/>
+              <a:latin typeface="Times New Roman"/>
+              <a:ea typeface="Times New Roman"/>
+              <a:cs typeface="Times New Roman"/>
+              <a:sym typeface="Times New Roman"/>
+            </a:endParaRPr>
+          </a:p>
+        </p:txBody>
+      </p:sp>
+      <p:cxnSp>
+        <p:nvCxnSpPr>
+          <p:cNvPr id="39" name="Straight Arrow Connector 38"/>
+          <p:cNvCxnSpPr/>
+          <p:nvPr/>
+        </p:nvCxnSpPr>
+        <p:spPr>
+          <a:xfrm>
+            <a:off x="3544569" y="2222904"/>
+            <a:ext cx="0" cy="278996"/>
+          </a:xfrm>
+          <a:prstGeom prst="straightConnector1">
+            <a:avLst/>
+          </a:prstGeom>
+          <a:noFill/>
+          <a:ln w="25400" cap="flat">
+            <a:solidFill>
+              <a:schemeClr val="tx1"/>
+            </a:solidFill>
+            <a:prstDash val="solid"/>
+            <a:bevel/>
+            <a:headEnd type="triangle"/>
+            <a:tailEnd type="triangle"/>
+          </a:ln>
+          <a:effectLst>
+            <a:outerShdw blurRad="38100" dist="20000" dir="5400000" rotWithShape="0">
+              <a:srgbClr val="000000">
+                <a:alpha val="38000"/>
+              </a:srgbClr>
+            </a:outerShdw>
+          </a:effectLst>
+          <a:sp3d/>
+        </p:spPr>
+        <p:style>
+          <a:lnRef idx="0">
+            <a:scrgbClr r="0" g="0" b="0"/>
+          </a:lnRef>
+          <a:fillRef idx="0">
+            <a:scrgbClr r="0" g="0" b="0"/>
+          </a:fillRef>
+          <a:effectRef idx="0">
+            <a:scrgbClr r="0" g="0" b="0"/>
+          </a:effectRef>
+          <a:fontRef idx="none"/>
+        </p:style>
+      </p:cxnSp>
+      <p:sp>
+        <p:nvSpPr>
+          <p:cNvPr id="40" name="TextBox 39"/>
+          <p:cNvSpPr txBox="1"/>
+          <p:nvPr/>
+        </p:nvSpPr>
+        <p:spPr>
+          <a:xfrm>
+            <a:off x="3703320" y="2270760"/>
+            <a:ext cx="541172" cy="307775"/>
+          </a:xfrm>
+          <a:prstGeom prst="rect">
+            <a:avLst/>
+          </a:prstGeom>
+          <a:noFill/>
+          <a:ln w="12700" cap="flat">
+            <a:noFill/>
+            <a:miter lim="400000"/>
+          </a:ln>
+          <a:effectLst/>
+          <a:sp3d/>
+        </p:spPr>
+        <p:style>
+          <a:lnRef idx="0">
+            <a:scrgbClr r="0" g="0" b="0"/>
+          </a:lnRef>
+          <a:fillRef idx="0">
+            <a:scrgbClr r="0" g="0" b="0"/>
+          </a:fillRef>
+          <a:effectRef idx="0">
+            <a:scrgbClr r="0" g="0" b="0"/>
+          </a:effectRef>
+          <a:fontRef idx="none"/>
+        </p:style>
+        <p:txBody>
+          <a:bodyPr rot="0" spcFirstLastPara="1" vertOverflow="overflow" horzOverflow="overflow" vert="horz" wrap="none" lIns="45719" tIns="45719" rIns="45719" bIns="45719" numCol="1" spcCol="38100" rtlCol="0" anchor="t">
+            <a:spAutoFit/>
+          </a:bodyPr>
+          <a:lstStyle/>
+          <a:p>
+            <a:pPr marL="0" marR="0" indent="0" algn="l" defTabSz="914400" rtl="0" fontAlgn="auto" latinLnBrk="0" hangingPunct="0">
+              <a:lnSpc>
+                <a:spcPct val="100000"/>
+              </a:lnSpc>
+              <a:spcBef>
+                <a:spcPts val="0"/>
+              </a:spcBef>
+              <a:spcAft>
+                <a:spcPts val="0"/>
+              </a:spcAft>
+              <a:buClrTx/>
+              <a:buSzTx/>
+              <a:buFontTx/>
+              <a:buNone/>
+              <a:tabLst/>
+            </a:pPr>
+            <a:r>
+              <a:rPr kumimoji="0" lang="en-US" sz="1400" b="0" i="0" u="none" strike="noStrike" cap="none" spc="0" normalizeH="0" baseline="0" dirty="0" smtClean="0">
+                <a:ln>
+                  <a:noFill/>
+                </a:ln>
+                <a:solidFill>
+                  <a:srgbClr val="000000"/>
+                </a:solidFill>
+                <a:effectLst/>
+                <a:uFillTx/>
+                <a:latin typeface="Times New Roman"/>
+                <a:ea typeface="Times New Roman"/>
+                <a:cs typeface="Times New Roman"/>
+                <a:sym typeface="Times New Roman"/>
+              </a:rPr>
+              <a:t>Offset</a:t>
+            </a:r>
+            <a:endParaRPr kumimoji="0" lang="en-US" sz="1400" b="0" i="0" u="none" strike="noStrike" cap="none" spc="0" normalizeH="0" baseline="0" dirty="0">
+              <a:ln>
+                <a:noFill/>
+              </a:ln>
+              <a:solidFill>
+                <a:srgbClr val="000000"/>
+              </a:solidFill>
+              <a:effectLst/>
+              <a:uFillTx/>
+              <a:latin typeface="Times New Roman"/>
+              <a:ea typeface="Times New Roman"/>
+              <a:cs typeface="Times New Roman"/>
+              <a:sym typeface="Times New Roman"/>
+            </a:endParaRPr>
+          </a:p>
+        </p:txBody>
+      </p:sp>
     </p:spTree>
+    <p:extLst>
+      <p:ext uri="{BB962C8B-B14F-4D97-AF65-F5344CB8AC3E}">
+        <p14:creationId xmlns:p14="http://schemas.microsoft.com/office/powerpoint/2010/main" val="397897407"/>
+      </p:ext>
+    </p:extLst>
   </p:cSld>
   <p:clrMapOvr>
     <a:masterClrMapping/>
   </p:clrMapOvr>
   <p:transition spd="med"/>
+  <p:timing>
+    <p:tnLst>
+      <p:par>
+        <p:cTn id="1" dur="indefinite" restart="never" nodeType="tmRoot"/>
+      </p:par>
+    </p:tnLst>
+  </p:timing>
 </p:sld>
 </file>
 
@@ -3558,7 +5803,7 @@
       </p:grpSpPr>
       <p:sp>
         <p:nvSpPr>
-          <p:cNvPr id="158" name="Shape 158"/>
+          <p:cNvPr id="153" name="Shape 153"/>
           <p:cNvSpPr>
             <a:spLocks noGrp="1"/>
           </p:cNvSpPr>
@@ -3595,7 +5840,7 @@
       </p:sp>
       <p:sp>
         <p:nvSpPr>
-          <p:cNvPr id="159" name="Shape 159"/>
+          <p:cNvPr id="154" name="Shape 154"/>
           <p:cNvSpPr>
             <a:spLocks noGrp="1"/>
           </p:cNvSpPr>
@@ -3605,8 +5850,8 @@
         </p:nvSpPr>
         <p:spPr>
           <a:xfrm>
-            <a:off x="657225" y="-1"/>
-            <a:ext cx="7772400" cy="1143002"/>
+            <a:off x="471642" y="184722"/>
+            <a:ext cx="8458201" cy="1050117"/>
           </a:xfrm>
           <a:prstGeom prst="rect">
             <a:avLst/>
@@ -3618,37 +5863,37 @@
           </a:bodyPr>
           <a:lstStyle/>
           <a:p>
-            <a:pPr defTabSz="749808">
-              <a:defRPr sz="3607"/>
+            <a:pPr defTabSz="704087">
+              <a:defRPr sz="3387"/>
             </a:pPr>
             <a:r>
               <a:t>Virtual Address Translation</a:t>
             </a:r>
           </a:p>
           <a:p>
-            <a:pPr defTabSz="749808">
-              <a:defRPr sz="3607"/>
-            </a:pPr>
-            <a:r>
-              <a:t>For Large Address Space</a:t>
-            </a:r>
-          </a:p>
-        </p:txBody>
-      </p:sp>
-      <p:sp>
-        <p:nvSpPr>
-          <p:cNvPr id="160" name="Shape 160"/>
+            <a:pPr defTabSz="704087">
+              <a:defRPr sz="3387"/>
+            </a:pPr>
+            <a:r>
+              <a:t>For Small Address Space</a:t>
+            </a:r>
+          </a:p>
+        </p:txBody>
+      </p:sp>
+      <p:sp>
+        <p:nvSpPr>
+          <p:cNvPr id="155" name="Shape 155"/>
           <p:cNvSpPr>
             <a:spLocks noGrp="1"/>
           </p:cNvSpPr>
           <p:nvPr>
-            <p:ph type="body" sz="half" idx="1"/>
+            <p:ph type="body" sz="quarter" idx="1"/>
           </p:nvPr>
         </p:nvSpPr>
         <p:spPr>
           <a:xfrm>
-            <a:off x="5173574" y="1425623"/>
-            <a:ext cx="4219576" cy="4505326"/>
+            <a:off x="685800" y="6172200"/>
+            <a:ext cx="8458200" cy="685800"/>
           </a:xfrm>
           <a:prstGeom prst="rect">
             <a:avLst/>
@@ -3656,288 +5901,24 @@
         </p:spPr>
         <p:txBody>
           <a:bodyPr>
-            <a:normAutofit lnSpcReduction="10000"/>
+            <a:normAutofit/>
           </a:bodyPr>
-          <a:lstStyle/>
-          <a:p>
-            <a:pPr marL="308609" indent="-308609" defTabSz="822959">
-              <a:spcBef>
-                <a:spcPts val="600"/>
-              </a:spcBef>
-              <a:buChar char="•"/>
-              <a:defRPr sz="2520">
-                <a:solidFill>
-                  <a:srgbClr val="000000"/>
-                </a:solidFill>
-              </a:defRPr>
-            </a:pPr>
-            <a:r>
-              <a:rPr dirty="0"/>
-              <a:t>32 bit address with 2 page table fields</a:t>
-            </a:r>
-          </a:p>
-          <a:p>
-            <a:pPr marL="308609" indent="-308609" defTabSz="822959">
-              <a:spcBef>
-                <a:spcPts val="600"/>
-              </a:spcBef>
-              <a:buChar char="•"/>
-              <a:defRPr sz="2520">
-                <a:solidFill>
-                  <a:srgbClr val="000000"/>
-                </a:solidFill>
-              </a:defRPr>
-            </a:pPr>
-            <a:endParaRPr dirty="0"/>
-          </a:p>
-          <a:p>
-            <a:pPr marL="308609" indent="-308609" defTabSz="822959">
-              <a:spcBef>
-                <a:spcPts val="600"/>
-              </a:spcBef>
-              <a:buChar char="•"/>
-              <a:defRPr sz="2520">
-                <a:solidFill>
-                  <a:srgbClr val="000000"/>
-                </a:solidFill>
-              </a:defRPr>
-            </a:pPr>
-            <a:r>
-              <a:rPr dirty="0"/>
-              <a:t>Two-level page tables</a:t>
-            </a:r>
-          </a:p>
-          <a:p>
-            <a:pPr marL="308609" indent="-308609" defTabSz="822959">
-              <a:spcBef>
-                <a:spcPts val="600"/>
-              </a:spcBef>
-              <a:buChar char="•"/>
-              <a:defRPr sz="2520">
-                <a:solidFill>
-                  <a:srgbClr val="000000"/>
-                </a:solidFill>
-              </a:defRPr>
-            </a:pPr>
-            <a:endParaRPr dirty="0"/>
-          </a:p>
-          <a:p>
-            <a:pPr marL="308609" indent="-308609" defTabSz="822959">
-              <a:spcBef>
-                <a:spcPts val="600"/>
-              </a:spcBef>
-              <a:buChar char="•"/>
-              <a:defRPr sz="2520">
-                <a:solidFill>
-                  <a:srgbClr val="000000"/>
-                </a:solidFill>
-              </a:defRPr>
-            </a:pPr>
-            <a:r>
-              <a:rPr dirty="0"/>
-              <a:t>PT too Big for MMU</a:t>
-            </a:r>
-          </a:p>
-          <a:p>
-            <a:pPr marL="668654" lvl="1" indent="-257175" defTabSz="822959">
-              <a:spcBef>
-                <a:spcPts val="500"/>
-              </a:spcBef>
-              <a:defRPr sz="2159">
-                <a:solidFill>
-                  <a:srgbClr val="000000"/>
-                </a:solidFill>
-              </a:defRPr>
-            </a:pPr>
-            <a:r>
-              <a:rPr dirty="0"/>
-              <a:t>Keep it in main memory</a:t>
-            </a:r>
-          </a:p>
-          <a:p>
-            <a:pPr marL="308609" indent="-308609" defTabSz="822959">
-              <a:spcBef>
-                <a:spcPts val="600"/>
-              </a:spcBef>
-              <a:buChar char="•"/>
-              <a:defRPr sz="2520">
-                <a:solidFill>
-                  <a:srgbClr val="000000"/>
-                </a:solidFill>
-              </a:defRPr>
-            </a:pPr>
-            <a:endParaRPr dirty="0"/>
-          </a:p>
-          <a:p>
-            <a:pPr marL="308609" indent="-308609" defTabSz="822959">
-              <a:spcBef>
-                <a:spcPts val="600"/>
-              </a:spcBef>
-              <a:buChar char="•"/>
-              <a:defRPr sz="2520">
-                <a:solidFill>
-                  <a:srgbClr val="000000"/>
-                </a:solidFill>
-              </a:defRPr>
-            </a:pPr>
-            <a:r>
-              <a:rPr dirty="0"/>
-              <a:t>But how does MMU know where to find PT?</a:t>
-            </a:r>
-          </a:p>
-          <a:p>
-            <a:pPr marL="668654" lvl="1" indent="-257175" defTabSz="822959">
-              <a:spcBef>
-                <a:spcPts val="500"/>
-              </a:spcBef>
-              <a:defRPr sz="2159">
-                <a:solidFill>
-                  <a:srgbClr val="000000"/>
-                </a:solidFill>
-              </a:defRPr>
-            </a:pPr>
-            <a:r>
-              <a:t>Registers </a:t>
-            </a:r>
-            <a:r>
-              <a:rPr/>
-              <a:t>(</a:t>
-            </a:r>
-            <a:r>
-              <a:rPr smtClean="0"/>
-              <a:t>CR</a:t>
-            </a:r>
-            <a:r>
-              <a:rPr lang="en-US" smtClean="0"/>
-              <a:t>2</a:t>
-            </a:r>
-            <a:r>
-              <a:rPr smtClean="0"/>
-              <a:t> </a:t>
-            </a:r>
-            <a:r>
-              <a:t>on Intel)</a:t>
-            </a:r>
-          </a:p>
-        </p:txBody>
-      </p:sp>
-      <p:sp>
-        <p:nvSpPr>
-          <p:cNvPr id="161" name="Shape 161"/>
-          <p:cNvSpPr/>
-          <p:nvPr/>
-        </p:nvSpPr>
-        <p:spPr>
-          <a:xfrm>
-            <a:off x="4089400" y="4965700"/>
-            <a:ext cx="482600" cy="266700"/>
-          </a:xfrm>
-          <a:prstGeom prst="rect">
-            <a:avLst/>
-          </a:prstGeom>
-          <a:solidFill>
-            <a:schemeClr val="accent3">
-              <a:lumOff val="44000"/>
-            </a:schemeClr>
-          </a:solidFill>
-          <a:ln w="12700">
-            <a:miter lim="400000"/>
-          </a:ln>
-        </p:spPr>
-        <p:txBody>
-          <a:bodyPr lIns="45719" rIns="45719" anchor="ctr"/>
-          <a:lstStyle/>
-          <a:p>
-            <a:endParaRPr/>
-          </a:p>
-        </p:txBody>
-      </p:sp>
-      <p:sp>
-        <p:nvSpPr>
-          <p:cNvPr id="162" name="Shape 162"/>
-          <p:cNvSpPr/>
-          <p:nvPr/>
-        </p:nvSpPr>
-        <p:spPr>
-          <a:xfrm>
-            <a:off x="3695700" y="2565400"/>
-            <a:ext cx="444500" cy="215900"/>
-          </a:xfrm>
-          <a:prstGeom prst="rect">
-            <a:avLst/>
-          </a:prstGeom>
-          <a:solidFill>
-            <a:schemeClr val="accent3">
-              <a:lumOff val="44000"/>
-            </a:schemeClr>
-          </a:solidFill>
-          <a:ln w="12700">
-            <a:miter lim="400000"/>
-          </a:ln>
-        </p:spPr>
-        <p:txBody>
-          <a:bodyPr lIns="45719" rIns="45719" anchor="ctr"/>
-          <a:lstStyle/>
-          <a:p>
-            <a:endParaRPr/>
-          </a:p>
-        </p:txBody>
-      </p:sp>
-      <p:sp>
-        <p:nvSpPr>
-          <p:cNvPr id="163" name="Shape 163"/>
-          <p:cNvSpPr/>
-          <p:nvPr/>
-        </p:nvSpPr>
-        <p:spPr>
-          <a:xfrm>
-            <a:off x="3514725" y="2403475"/>
-            <a:ext cx="697345" cy="396240"/>
-          </a:xfrm>
-          <a:prstGeom prst="rect">
-            <a:avLst/>
-          </a:prstGeom>
-          <a:ln w="12700">
-            <a:miter lim="400000"/>
-          </a:ln>
-          <a:extLst>
-            <a:ext uri="{C572A759-6A51-4108-AA02-DFA0A04FC94B}">
-              <ma14:wrappingTextBoxFlag xmlns:ma14="http://schemas.microsoft.com/office/mac/drawingml/2011/main" val="1"/>
-            </a:ext>
-          </a:extLst>
-        </p:spPr>
-        <p:txBody>
-          <a:bodyPr wrap="none" lIns="45719" rIns="45719">
-            <a:spAutoFit/>
-          </a:bodyPr>
-          <a:lstStyle/>
-          <a:p>
-            <a:r>
-              <a:rPr sz="1000">
-                <a:latin typeface="+mj-lt"/>
-                <a:ea typeface="+mj-ea"/>
-                <a:cs typeface="+mj-cs"/>
-                <a:sym typeface="Helvetica"/>
-              </a:rPr>
-              <a:t>Top-level </a:t>
-            </a:r>
-          </a:p>
-          <a:p>
-            <a:r>
-              <a:rPr sz="1000">
-                <a:latin typeface="+mj-lt"/>
-                <a:ea typeface="+mj-ea"/>
-                <a:cs typeface="+mj-cs"/>
-                <a:sym typeface="Helvetica"/>
-              </a:rPr>
-              <a:t>page table</a:t>
+          <a:lstStyle>
+            <a:lvl1pPr>
+              <a:buSzTx/>
+              <a:buNone/>
+            </a:lvl1pPr>
+          </a:lstStyle>
+          <a:p>
+            <a:r>
+              <a:t>Internal operation of MMU with 16 4 KB pages</a:t>
             </a:r>
           </a:p>
         </p:txBody>
       </p:sp>
       <p:pic>
         <p:nvPicPr>
-          <p:cNvPr id="164" name="4-12.jpg"/>
+          <p:cNvPr id="156" name="4-11.jpg"/>
           <p:cNvPicPr>
             <a:picLocks noChangeAspect="1"/>
           </p:cNvPicPr>
@@ -3953,8 +5934,8 @@
         </p:blipFill>
         <p:spPr>
           <a:xfrm>
-            <a:off x="17462" y="1301750"/>
-            <a:ext cx="5146676" cy="5281613"/>
+            <a:off x="2956272" y="1422163"/>
+            <a:ext cx="4130328" cy="4562712"/>
           </a:xfrm>
           <a:prstGeom prst="rect">
             <a:avLst/>
@@ -3964,108 +5945,19 @@
           </a:ln>
         </p:spPr>
       </p:pic>
-      <p:sp>
-        <p:nvSpPr>
-          <p:cNvPr id="165" name="Shape 165"/>
-          <p:cNvSpPr/>
-          <p:nvPr/>
-        </p:nvSpPr>
-        <p:spPr>
-          <a:xfrm>
-            <a:off x="3105150" y="1266825"/>
-            <a:ext cx="1530348" cy="243840"/>
-          </a:xfrm>
-          <a:prstGeom prst="rect">
-            <a:avLst/>
-          </a:prstGeom>
-          <a:solidFill>
-            <a:schemeClr val="accent3">
-              <a:lumOff val="44000"/>
-            </a:schemeClr>
-          </a:solidFill>
-          <a:ln w="12700">
-            <a:miter lim="400000"/>
-          </a:ln>
-          <a:extLst>
-            <a:ext uri="{C572A759-6A51-4108-AA02-DFA0A04FC94B}">
-              <ma14:wrappingTextBoxFlag xmlns:ma14="http://schemas.microsoft.com/office/mac/drawingml/2011/main" val="1"/>
-            </a:ext>
-          </a:extLst>
-        </p:spPr>
-        <p:txBody>
-          <a:bodyPr wrap="none" lIns="45719" rIns="45719">
-            <a:spAutoFit/>
-          </a:bodyPr>
-          <a:lstStyle>
-            <a:lvl1pPr>
-              <a:defRPr sz="1000">
-                <a:latin typeface="+mj-lt"/>
-                <a:ea typeface="+mj-ea"/>
-                <a:cs typeface="+mj-cs"/>
-                <a:sym typeface="Helvetica"/>
-              </a:defRPr>
-            </a:lvl1pPr>
-          </a:lstStyle>
-          <a:p>
-            <a:pPr>
-              <a:defRPr sz="2400">
-                <a:latin typeface="Times New Roman"/>
-                <a:ea typeface="Times New Roman"/>
-                <a:cs typeface="Times New Roman"/>
-                <a:sym typeface="Times New Roman"/>
-              </a:defRPr>
-            </a:pPr>
-            <a:r>
-              <a:rPr sz="1000">
-                <a:latin typeface="+mj-lt"/>
-                <a:ea typeface="+mj-ea"/>
-                <a:cs typeface="+mj-cs"/>
-                <a:sym typeface="Helvetica"/>
-              </a:rPr>
-              <a:t>Second-level page tables</a:t>
-            </a:r>
-          </a:p>
-        </p:txBody>
-      </p:sp>
-      <p:sp>
-        <p:nvSpPr>
-          <p:cNvPr id="166" name="Shape 166"/>
-          <p:cNvSpPr/>
-          <p:nvPr/>
-        </p:nvSpPr>
-        <p:spPr>
-          <a:xfrm>
-            <a:off x="4660900" y="3759200"/>
-            <a:ext cx="508000" cy="292101"/>
-          </a:xfrm>
-          <a:prstGeom prst="rect">
-            <a:avLst/>
-          </a:prstGeom>
-          <a:solidFill>
-            <a:schemeClr val="accent3">
-              <a:lumOff val="44000"/>
-            </a:schemeClr>
-          </a:solidFill>
-          <a:ln>
-            <a:solidFill>
-              <a:srgbClr val="000000"/>
-            </a:solidFill>
-          </a:ln>
-        </p:spPr>
-        <p:txBody>
-          <a:bodyPr lIns="45719" rIns="45719" anchor="ctr"/>
-          <a:lstStyle/>
-          <a:p>
-            <a:endParaRPr/>
-          </a:p>
-        </p:txBody>
-      </p:sp>
     </p:spTree>
   </p:cSld>
   <p:clrMapOvr>
     <a:masterClrMapping/>
   </p:clrMapOvr>
   <p:transition spd="med"/>
+  <p:timing>
+    <p:tnLst>
+      <p:par>
+        <p:cTn id="1" dur="indefinite" restart="never" nodeType="tmRoot"/>
+      </p:par>
+    </p:tnLst>
+  </p:timing>
 </p:sld>
 </file>
 
@@ -4088,6 +5980,543 @@
       </p:grpSpPr>
       <p:sp>
         <p:nvSpPr>
+          <p:cNvPr id="158" name="Shape 158"/>
+          <p:cNvSpPr>
+            <a:spLocks noGrp="1"/>
+          </p:cNvSpPr>
+          <p:nvPr>
+            <p:ph type="sldNum" sz="quarter" idx="2"/>
+          </p:nvPr>
+        </p:nvSpPr>
+        <p:spPr>
+          <a:prstGeom prst="rect">
+            <a:avLst/>
+          </a:prstGeom>
+          <a:extLst>
+            <a:ext uri="{C572A759-6A51-4108-AA02-DFA0A04FC94B}">
+              <ma14:wrappingTextBoxFlag xmlns:ma14="http://schemas.microsoft.com/office/mac/drawingml/2011/main" val="1"/>
+            </a:ext>
+          </a:extLst>
+        </p:spPr>
+        <p:txBody>
+          <a:bodyPr>
+            <a:normAutofit lnSpcReduction="10000"/>
+          </a:bodyPr>
+          <a:lstStyle/>
+          <a:p>
+            <a:pPr>
+              <a:defRPr sz="2400"/>
+            </a:pPr>
+            <a:fld id="{86CB4B4D-7CA3-9044-876B-883B54F8677D}" type="slidenum">
+              <a:rPr sz="1400"/>
+              <a:t>14</a:t>
+            </a:fld>
+            <a:endParaRPr sz="1400"/>
+          </a:p>
+        </p:txBody>
+      </p:sp>
+      <p:sp>
+        <p:nvSpPr>
+          <p:cNvPr id="159" name="Shape 159"/>
+          <p:cNvSpPr>
+            <a:spLocks noGrp="1"/>
+          </p:cNvSpPr>
+          <p:nvPr>
+            <p:ph type="title"/>
+          </p:nvPr>
+        </p:nvSpPr>
+        <p:spPr>
+          <a:xfrm>
+            <a:off x="657225" y="-1"/>
+            <a:ext cx="7772400" cy="1143002"/>
+          </a:xfrm>
+          <a:prstGeom prst="rect">
+            <a:avLst/>
+          </a:prstGeom>
+        </p:spPr>
+        <p:txBody>
+          <a:bodyPr>
+            <a:normAutofit fontScale="90000"/>
+          </a:bodyPr>
+          <a:lstStyle/>
+          <a:p>
+            <a:pPr defTabSz="749808">
+              <a:defRPr sz="3607"/>
+            </a:pPr>
+            <a:r>
+              <a:t>Virtual Address Translation</a:t>
+            </a:r>
+          </a:p>
+          <a:p>
+            <a:pPr defTabSz="749808">
+              <a:defRPr sz="3607"/>
+            </a:pPr>
+            <a:r>
+              <a:t>For Large Address Space</a:t>
+            </a:r>
+          </a:p>
+        </p:txBody>
+      </p:sp>
+      <p:sp>
+        <p:nvSpPr>
+          <p:cNvPr id="160" name="Shape 160"/>
+          <p:cNvSpPr>
+            <a:spLocks noGrp="1"/>
+          </p:cNvSpPr>
+          <p:nvPr>
+            <p:ph type="body" sz="half" idx="1"/>
+          </p:nvPr>
+        </p:nvSpPr>
+        <p:spPr>
+          <a:xfrm>
+            <a:off x="5173574" y="1425623"/>
+            <a:ext cx="4219576" cy="4505326"/>
+          </a:xfrm>
+          <a:prstGeom prst="rect">
+            <a:avLst/>
+          </a:prstGeom>
+        </p:spPr>
+        <p:txBody>
+          <a:bodyPr>
+            <a:normAutofit lnSpcReduction="10000"/>
+          </a:bodyPr>
+          <a:lstStyle/>
+          <a:p>
+            <a:pPr marL="308609" indent="-308609" defTabSz="822959">
+              <a:spcBef>
+                <a:spcPts val="600"/>
+              </a:spcBef>
+              <a:buChar char="•"/>
+              <a:defRPr sz="2520">
+                <a:solidFill>
+                  <a:srgbClr val="000000"/>
+                </a:solidFill>
+              </a:defRPr>
+            </a:pPr>
+            <a:r>
+              <a:rPr dirty="0"/>
+              <a:t>32 bit address with 2 page table fields</a:t>
+            </a:r>
+          </a:p>
+          <a:p>
+            <a:pPr marL="308609" indent="-308609" defTabSz="822959">
+              <a:spcBef>
+                <a:spcPts val="600"/>
+              </a:spcBef>
+              <a:buChar char="•"/>
+              <a:defRPr sz="2520">
+                <a:solidFill>
+                  <a:srgbClr val="000000"/>
+                </a:solidFill>
+              </a:defRPr>
+            </a:pPr>
+            <a:endParaRPr dirty="0"/>
+          </a:p>
+          <a:p>
+            <a:pPr marL="308609" indent="-308609" defTabSz="822959">
+              <a:spcBef>
+                <a:spcPts val="600"/>
+              </a:spcBef>
+              <a:buChar char="•"/>
+              <a:defRPr sz="2520">
+                <a:solidFill>
+                  <a:srgbClr val="000000"/>
+                </a:solidFill>
+              </a:defRPr>
+            </a:pPr>
+            <a:r>
+              <a:rPr dirty="0"/>
+              <a:t>Two-level page tables</a:t>
+            </a:r>
+          </a:p>
+          <a:p>
+            <a:pPr marL="308609" indent="-308609" defTabSz="822959">
+              <a:spcBef>
+                <a:spcPts val="600"/>
+              </a:spcBef>
+              <a:buChar char="•"/>
+              <a:defRPr sz="2520">
+                <a:solidFill>
+                  <a:srgbClr val="000000"/>
+                </a:solidFill>
+              </a:defRPr>
+            </a:pPr>
+            <a:endParaRPr dirty="0"/>
+          </a:p>
+          <a:p>
+            <a:pPr marL="308609" indent="-308609" defTabSz="822959">
+              <a:spcBef>
+                <a:spcPts val="600"/>
+              </a:spcBef>
+              <a:buChar char="•"/>
+              <a:defRPr sz="2520">
+                <a:solidFill>
+                  <a:srgbClr val="000000"/>
+                </a:solidFill>
+              </a:defRPr>
+            </a:pPr>
+            <a:r>
+              <a:rPr dirty="0"/>
+              <a:t>PT too Big for MMU</a:t>
+            </a:r>
+          </a:p>
+          <a:p>
+            <a:pPr marL="668654" lvl="1" indent="-257175" defTabSz="822959">
+              <a:spcBef>
+                <a:spcPts val="500"/>
+              </a:spcBef>
+              <a:defRPr sz="2159">
+                <a:solidFill>
+                  <a:srgbClr val="000000"/>
+                </a:solidFill>
+              </a:defRPr>
+            </a:pPr>
+            <a:r>
+              <a:rPr dirty="0"/>
+              <a:t>Keep it in main memory</a:t>
+            </a:r>
+          </a:p>
+          <a:p>
+            <a:pPr marL="308609" indent="-308609" defTabSz="822959">
+              <a:spcBef>
+                <a:spcPts val="600"/>
+              </a:spcBef>
+              <a:buChar char="•"/>
+              <a:defRPr sz="2520">
+                <a:solidFill>
+                  <a:srgbClr val="000000"/>
+                </a:solidFill>
+              </a:defRPr>
+            </a:pPr>
+            <a:endParaRPr dirty="0"/>
+          </a:p>
+          <a:p>
+            <a:pPr marL="308609" indent="-308609" defTabSz="822959">
+              <a:spcBef>
+                <a:spcPts val="600"/>
+              </a:spcBef>
+              <a:buChar char="•"/>
+              <a:defRPr sz="2520">
+                <a:solidFill>
+                  <a:srgbClr val="000000"/>
+                </a:solidFill>
+              </a:defRPr>
+            </a:pPr>
+            <a:r>
+              <a:rPr dirty="0"/>
+              <a:t>But how does MMU know where to find PT?</a:t>
+            </a:r>
+          </a:p>
+          <a:p>
+            <a:pPr marL="668654" lvl="1" indent="-257175" defTabSz="822959">
+              <a:spcBef>
+                <a:spcPts val="500"/>
+              </a:spcBef>
+              <a:defRPr sz="2159">
+                <a:solidFill>
+                  <a:srgbClr val="000000"/>
+                </a:solidFill>
+              </a:defRPr>
+            </a:pPr>
+            <a:r>
+              <a:t>Registers </a:t>
+            </a:r>
+            <a:r>
+              <a:rPr/>
+              <a:t>(</a:t>
+            </a:r>
+            <a:r>
+              <a:rPr smtClean="0"/>
+              <a:t>CR</a:t>
+            </a:r>
+            <a:r>
+              <a:rPr lang="en-US" smtClean="0"/>
+              <a:t>2</a:t>
+            </a:r>
+            <a:r>
+              <a:rPr smtClean="0"/>
+              <a:t> </a:t>
+            </a:r>
+            <a:r>
+              <a:t>on Intel)</a:t>
+            </a:r>
+          </a:p>
+        </p:txBody>
+      </p:sp>
+      <p:sp>
+        <p:nvSpPr>
+          <p:cNvPr id="161" name="Shape 161"/>
+          <p:cNvSpPr/>
+          <p:nvPr/>
+        </p:nvSpPr>
+        <p:spPr>
+          <a:xfrm>
+            <a:off x="4089400" y="4965700"/>
+            <a:ext cx="482600" cy="266700"/>
+          </a:xfrm>
+          <a:prstGeom prst="rect">
+            <a:avLst/>
+          </a:prstGeom>
+          <a:solidFill>
+            <a:schemeClr val="accent3">
+              <a:lumOff val="44000"/>
+            </a:schemeClr>
+          </a:solidFill>
+          <a:ln w="12700">
+            <a:miter lim="400000"/>
+          </a:ln>
+        </p:spPr>
+        <p:txBody>
+          <a:bodyPr lIns="45719" rIns="45719" anchor="ctr"/>
+          <a:lstStyle/>
+          <a:p>
+            <a:endParaRPr/>
+          </a:p>
+        </p:txBody>
+      </p:sp>
+      <p:sp>
+        <p:nvSpPr>
+          <p:cNvPr id="162" name="Shape 162"/>
+          <p:cNvSpPr/>
+          <p:nvPr/>
+        </p:nvSpPr>
+        <p:spPr>
+          <a:xfrm>
+            <a:off x="3695700" y="2565400"/>
+            <a:ext cx="444500" cy="215900"/>
+          </a:xfrm>
+          <a:prstGeom prst="rect">
+            <a:avLst/>
+          </a:prstGeom>
+          <a:solidFill>
+            <a:schemeClr val="accent3">
+              <a:lumOff val="44000"/>
+            </a:schemeClr>
+          </a:solidFill>
+          <a:ln w="12700">
+            <a:miter lim="400000"/>
+          </a:ln>
+        </p:spPr>
+        <p:txBody>
+          <a:bodyPr lIns="45719" rIns="45719" anchor="ctr"/>
+          <a:lstStyle/>
+          <a:p>
+            <a:endParaRPr/>
+          </a:p>
+        </p:txBody>
+      </p:sp>
+      <p:sp>
+        <p:nvSpPr>
+          <p:cNvPr id="163" name="Shape 163"/>
+          <p:cNvSpPr/>
+          <p:nvPr/>
+        </p:nvSpPr>
+        <p:spPr>
+          <a:xfrm>
+            <a:off x="3514725" y="2403475"/>
+            <a:ext cx="697345" cy="396240"/>
+          </a:xfrm>
+          <a:prstGeom prst="rect">
+            <a:avLst/>
+          </a:prstGeom>
+          <a:ln w="12700">
+            <a:miter lim="400000"/>
+          </a:ln>
+          <a:extLst>
+            <a:ext uri="{C572A759-6A51-4108-AA02-DFA0A04FC94B}">
+              <ma14:wrappingTextBoxFlag xmlns:ma14="http://schemas.microsoft.com/office/mac/drawingml/2011/main" val="1"/>
+            </a:ext>
+          </a:extLst>
+        </p:spPr>
+        <p:txBody>
+          <a:bodyPr wrap="none" lIns="45719" rIns="45719">
+            <a:spAutoFit/>
+          </a:bodyPr>
+          <a:lstStyle/>
+          <a:p>
+            <a:r>
+              <a:rPr sz="1000">
+                <a:latin typeface="+mj-lt"/>
+                <a:ea typeface="+mj-ea"/>
+                <a:cs typeface="+mj-cs"/>
+                <a:sym typeface="Helvetica"/>
+              </a:rPr>
+              <a:t>Top-level </a:t>
+            </a:r>
+          </a:p>
+          <a:p>
+            <a:r>
+              <a:rPr sz="1000">
+                <a:latin typeface="+mj-lt"/>
+                <a:ea typeface="+mj-ea"/>
+                <a:cs typeface="+mj-cs"/>
+                <a:sym typeface="Helvetica"/>
+              </a:rPr>
+              <a:t>page table</a:t>
+            </a:r>
+          </a:p>
+        </p:txBody>
+      </p:sp>
+      <p:pic>
+        <p:nvPicPr>
+          <p:cNvPr id="164" name="4-12.jpg"/>
+          <p:cNvPicPr>
+            <a:picLocks noChangeAspect="1"/>
+          </p:cNvPicPr>
+          <p:nvPr/>
+        </p:nvPicPr>
+        <p:blipFill>
+          <a:blip r:embed="rId2">
+            <a:extLst/>
+          </a:blip>
+          <a:stretch>
+            <a:fillRect/>
+          </a:stretch>
+        </p:blipFill>
+        <p:spPr>
+          <a:xfrm>
+            <a:off x="17462" y="1301750"/>
+            <a:ext cx="5146676" cy="5281613"/>
+          </a:xfrm>
+          <a:prstGeom prst="rect">
+            <a:avLst/>
+          </a:prstGeom>
+          <a:ln w="12700">
+            <a:miter lim="400000"/>
+          </a:ln>
+        </p:spPr>
+      </p:pic>
+      <p:sp>
+        <p:nvSpPr>
+          <p:cNvPr id="165" name="Shape 165"/>
+          <p:cNvSpPr/>
+          <p:nvPr/>
+        </p:nvSpPr>
+        <p:spPr>
+          <a:xfrm>
+            <a:off x="3105150" y="1266825"/>
+            <a:ext cx="1530348" cy="243840"/>
+          </a:xfrm>
+          <a:prstGeom prst="rect">
+            <a:avLst/>
+          </a:prstGeom>
+          <a:solidFill>
+            <a:schemeClr val="accent3">
+              <a:lumOff val="44000"/>
+            </a:schemeClr>
+          </a:solidFill>
+          <a:ln w="12700">
+            <a:miter lim="400000"/>
+          </a:ln>
+          <a:extLst>
+            <a:ext uri="{C572A759-6A51-4108-AA02-DFA0A04FC94B}">
+              <ma14:wrappingTextBoxFlag xmlns:ma14="http://schemas.microsoft.com/office/mac/drawingml/2011/main" val="1"/>
+            </a:ext>
+          </a:extLst>
+        </p:spPr>
+        <p:txBody>
+          <a:bodyPr wrap="none" lIns="45719" rIns="45719">
+            <a:spAutoFit/>
+          </a:bodyPr>
+          <a:lstStyle>
+            <a:lvl1pPr>
+              <a:defRPr sz="1000">
+                <a:latin typeface="+mj-lt"/>
+                <a:ea typeface="+mj-ea"/>
+                <a:cs typeface="+mj-cs"/>
+                <a:sym typeface="Helvetica"/>
+              </a:defRPr>
+            </a:lvl1pPr>
+          </a:lstStyle>
+          <a:p>
+            <a:pPr>
+              <a:defRPr sz="2400">
+                <a:latin typeface="Times New Roman"/>
+                <a:ea typeface="Times New Roman"/>
+                <a:cs typeface="Times New Roman"/>
+                <a:sym typeface="Times New Roman"/>
+              </a:defRPr>
+            </a:pPr>
+            <a:r>
+              <a:rPr sz="1000">
+                <a:latin typeface="+mj-lt"/>
+                <a:ea typeface="+mj-ea"/>
+                <a:cs typeface="+mj-cs"/>
+                <a:sym typeface="Helvetica"/>
+              </a:rPr>
+              <a:t>Second-level page tables</a:t>
+            </a:r>
+          </a:p>
+        </p:txBody>
+      </p:sp>
+      <p:sp>
+        <p:nvSpPr>
+          <p:cNvPr id="166" name="Shape 166"/>
+          <p:cNvSpPr/>
+          <p:nvPr/>
+        </p:nvSpPr>
+        <p:spPr>
+          <a:xfrm>
+            <a:off x="4660900" y="3759200"/>
+            <a:ext cx="508000" cy="292101"/>
+          </a:xfrm>
+          <a:prstGeom prst="rect">
+            <a:avLst/>
+          </a:prstGeom>
+          <a:solidFill>
+            <a:schemeClr val="accent3">
+              <a:lumOff val="44000"/>
+            </a:schemeClr>
+          </a:solidFill>
+          <a:ln>
+            <a:solidFill>
+              <a:srgbClr val="000000"/>
+            </a:solidFill>
+          </a:ln>
+        </p:spPr>
+        <p:txBody>
+          <a:bodyPr lIns="45719" rIns="45719" anchor="ctr"/>
+          <a:lstStyle/>
+          <a:p>
+            <a:endParaRPr/>
+          </a:p>
+        </p:txBody>
+      </p:sp>
+    </p:spTree>
+  </p:cSld>
+  <p:clrMapOvr>
+    <a:masterClrMapping/>
+  </p:clrMapOvr>
+  <p:transition spd="med"/>
+  <p:timing>
+    <p:tnLst>
+      <p:par>
+        <p:cTn id="1" dur="indefinite" restart="never" nodeType="tmRoot"/>
+      </p:par>
+    </p:tnLst>
+  </p:timing>
+</p:sld>
+</file>
+
+<file path=ppt/slides/slide15.xml><?xml version="1.0" encoding="utf-8"?>
+<p:sld xmlns:a="http://schemas.openxmlformats.org/drawingml/2006/main" xmlns:r="http://schemas.openxmlformats.org/officeDocument/2006/relationships" xmlns:p="http://schemas.openxmlformats.org/presentationml/2006/main">
+  <p:cSld>
+    <p:spTree>
+      <p:nvGrpSpPr>
+        <p:cNvPr id="1" name=""/>
+        <p:cNvGrpSpPr/>
+        <p:nvPr/>
+      </p:nvGrpSpPr>
+      <p:grpSpPr>
+        <a:xfrm>
+          <a:off x="0" y="0"/>
+          <a:ext cx="0" cy="0"/>
+          <a:chOff x="0" y="0"/>
+          <a:chExt cx="0" cy="0"/>
+        </a:xfrm>
+      </p:grpSpPr>
+      <p:sp>
+        <p:nvSpPr>
           <p:cNvPr id="168" name="Shape 168"/>
           <p:cNvSpPr>
             <a:spLocks noGrp="1"/>
@@ -4117,7 +6546,7 @@
             </a:pPr>
             <a:fld id="{86CB4B4D-7CA3-9044-876B-883B54F8677D}" type="slidenum">
               <a:rPr sz="1400"/>
-              <a:t>14</a:t>
+              <a:t>15</a:t>
             </a:fld>
             <a:endParaRPr sz="1400"/>
           </a:p>
@@ -4360,302 +6789,13 @@
     <a:masterClrMapping/>
   </p:clrMapOvr>
   <p:transition spd="med"/>
-</p:sld>
-</file>
-
-<file path=ppt/slides/slide15.xml><?xml version="1.0" encoding="utf-8"?>
-<p:sld xmlns:a="http://schemas.openxmlformats.org/drawingml/2006/main" xmlns:r="http://schemas.openxmlformats.org/officeDocument/2006/relationships" xmlns:p="http://schemas.openxmlformats.org/presentationml/2006/main">
-  <p:cSld>
-    <p:spTree>
-      <p:nvGrpSpPr>
-        <p:cNvPr id="1" name=""/>
-        <p:cNvGrpSpPr/>
-        <p:nvPr/>
-      </p:nvGrpSpPr>
-      <p:grpSpPr>
-        <a:xfrm>
-          <a:off x="0" y="0"/>
-          <a:ext cx="0" cy="0"/>
-          <a:chOff x="0" y="0"/>
-          <a:chExt cx="0" cy="0"/>
-        </a:xfrm>
-      </p:grpSpPr>
-      <p:sp>
-        <p:nvSpPr>
-          <p:cNvPr id="104" name="Shape 104"/>
-          <p:cNvSpPr>
-            <a:spLocks noGrp="1"/>
-          </p:cNvSpPr>
-          <p:nvPr>
-            <p:ph type="sldNum" sz="quarter" idx="2"/>
-          </p:nvPr>
-        </p:nvSpPr>
-        <p:spPr>
-          <a:prstGeom prst="rect">
-            <a:avLst/>
-          </a:prstGeom>
-          <a:extLst>
-            <a:ext uri="{C572A759-6A51-4108-AA02-DFA0A04FC94B}">
-              <ma14:wrappingTextBoxFlag xmlns:ma14="http://schemas.microsoft.com/office/mac/drawingml/2011/main" val="1"/>
-            </a:ext>
-          </a:extLst>
-        </p:spPr>
-        <p:txBody>
-          <a:bodyPr>
-            <a:normAutofit lnSpcReduction="10000"/>
-          </a:bodyPr>
-          <a:lstStyle/>
-          <a:p>
-            <a:pPr>
-              <a:defRPr sz="2400" b="0">
-                <a:solidFill>
-                  <a:srgbClr val="EAEAEA"/>
-                </a:solidFill>
-                <a:latin typeface="Times New Roman"/>
-                <a:ea typeface="Times New Roman"/>
-                <a:cs typeface="Times New Roman"/>
-                <a:sym typeface="Times New Roman"/>
-              </a:defRPr>
-            </a:pPr>
-            <a:fld id="{86CB4B4D-7CA3-9044-876B-883B54F8677D}" type="slidenum">
-              <a:rPr sz="1400" b="1">
-                <a:solidFill>
-                  <a:schemeClr val="accent2"/>
-                </a:solidFill>
-                <a:latin typeface="Arial Narrow"/>
-                <a:ea typeface="Arial Narrow"/>
-                <a:cs typeface="Arial Narrow"/>
-                <a:sym typeface="Arial Narrow"/>
-              </a:rPr>
-              <a:t>15</a:t>
-            </a:fld>
-            <a:endParaRPr sz="1400" b="1">
-              <a:solidFill>
-                <a:schemeClr val="accent2"/>
-              </a:solidFill>
-              <a:latin typeface="Arial Narrow"/>
-              <a:ea typeface="Arial Narrow"/>
-              <a:cs typeface="Arial Narrow"/>
-              <a:sym typeface="Arial Narrow"/>
-            </a:endParaRPr>
-          </a:p>
-        </p:txBody>
-      </p:sp>
-      <p:sp>
-        <p:nvSpPr>
-          <p:cNvPr id="105" name="Shape 105"/>
-          <p:cNvSpPr>
-            <a:spLocks noGrp="1"/>
-          </p:cNvSpPr>
-          <p:nvPr>
-            <p:ph type="title"/>
-          </p:nvPr>
-        </p:nvSpPr>
-        <p:spPr>
-          <a:xfrm>
-            <a:off x="292100" y="0"/>
-            <a:ext cx="8458200" cy="838200"/>
-          </a:xfrm>
-          <a:prstGeom prst="rect">
-            <a:avLst/>
-          </a:prstGeom>
-        </p:spPr>
-        <p:txBody>
-          <a:bodyPr>
-            <a:normAutofit/>
-          </a:bodyPr>
-          <a:lstStyle>
-            <a:lvl1pPr>
-              <a:defRPr sz="3800"/>
-            </a:lvl1pPr>
-          </a:lstStyle>
-          <a:p>
-            <a:pPr>
-              <a:defRPr sz="4200"/>
-            </a:pPr>
-            <a:r>
-              <a:rPr sz="3800"/>
-              <a:t>TLBs – Translation Lookaside Buffers</a:t>
-            </a:r>
-          </a:p>
-        </p:txBody>
-      </p:sp>
-      <p:sp>
-        <p:nvSpPr>
-          <p:cNvPr id="106" name="Shape 106"/>
-          <p:cNvSpPr>
-            <a:spLocks noGrp="1"/>
-          </p:cNvSpPr>
-          <p:nvPr>
-            <p:ph type="body" sz="half" idx="1"/>
-          </p:nvPr>
-        </p:nvSpPr>
-        <p:spPr>
-          <a:xfrm>
-            <a:off x="685800" y="4114800"/>
-            <a:ext cx="7772400" cy="2603500"/>
-          </a:xfrm>
-          <a:prstGeom prst="rect">
-            <a:avLst/>
-          </a:prstGeom>
-        </p:spPr>
-        <p:txBody>
-          <a:bodyPr>
-            <a:normAutofit/>
-          </a:bodyPr>
-          <a:lstStyle/>
-          <a:p>
-            <a:pPr marL="199588" indent="-199588" algn="l" defTabSz="859536">
-              <a:lnSpc>
-                <a:spcPct val="80000"/>
-              </a:lnSpc>
-              <a:spcBef>
-                <a:spcPts val="400"/>
-              </a:spcBef>
-              <a:buChar char="⬥"/>
-              <a:defRPr sz="3008">
-                <a:effectLst>
-                  <a:outerShdw blurRad="11938" dist="23876" dir="2700000" rotWithShape="0">
-                    <a:srgbClr val="DDDDDD"/>
-                  </a:outerShdw>
-                </a:effectLst>
-              </a:defRPr>
-            </a:pPr>
-            <a:r>
-              <a:rPr sz="1879" dirty="0"/>
-              <a:t>TLB is a small cache that speeds up the translation of virtual addresses to physical addresses.</a:t>
-            </a:r>
-          </a:p>
-          <a:p>
-            <a:pPr marL="199588" indent="-199588" algn="l" defTabSz="859536">
-              <a:lnSpc>
-                <a:spcPct val="80000"/>
-              </a:lnSpc>
-              <a:spcBef>
-                <a:spcPts val="400"/>
-              </a:spcBef>
-              <a:buChar char="⬥"/>
-              <a:defRPr sz="3008">
-                <a:effectLst>
-                  <a:outerShdw blurRad="11938" dist="23876" dir="2700000" rotWithShape="0">
-                    <a:srgbClr val="DDDDDD"/>
-                  </a:outerShdw>
-                </a:effectLst>
-              </a:defRPr>
-            </a:pPr>
-            <a:r>
-              <a:rPr sz="1879" dirty="0"/>
-              <a:t>TLB is part of the MMU hardware (comes with CPU)</a:t>
-            </a:r>
-          </a:p>
-          <a:p>
-            <a:pPr marL="199588" indent="-199588" algn="l" defTabSz="859536">
-              <a:lnSpc>
-                <a:spcPct val="80000"/>
-              </a:lnSpc>
-              <a:spcBef>
-                <a:spcPts val="400"/>
-              </a:spcBef>
-              <a:buChar char="⬥"/>
-              <a:defRPr sz="3008">
-                <a:effectLst>
-                  <a:outerShdw blurRad="11938" dist="23876" dir="2700000" rotWithShape="0">
-                    <a:srgbClr val="DDDDDD"/>
-                  </a:outerShdw>
-                </a:effectLst>
-              </a:defRPr>
-            </a:pPr>
-            <a:r>
-              <a:rPr sz="1879" dirty="0"/>
-              <a:t>It is not a Data Cache or Instruction Cache. Those are separate.</a:t>
-            </a:r>
-          </a:p>
-          <a:p>
-            <a:pPr marL="199588" indent="-199588" algn="l" defTabSz="859536">
-              <a:lnSpc>
-                <a:spcPct val="80000"/>
-              </a:lnSpc>
-              <a:spcBef>
-                <a:spcPts val="400"/>
-              </a:spcBef>
-              <a:buChar char="⬥"/>
-              <a:defRPr sz="3008">
-                <a:effectLst>
-                  <a:outerShdw blurRad="11938" dist="23876" dir="2700000" rotWithShape="0">
-                    <a:srgbClr val="DDDDDD"/>
-                  </a:outerShdw>
-                </a:effectLst>
-              </a:defRPr>
-            </a:pPr>
-            <a:r>
-              <a:rPr sz="1879" dirty="0"/>
-              <a:t>TLB simply caches translations from virtual page number to physical page number so that the MMU don’t have to access page-table in memory too often.</a:t>
-            </a:r>
-          </a:p>
-          <a:p>
-            <a:pPr marL="199588" indent="-199588" algn="l" defTabSz="859536">
-              <a:lnSpc>
-                <a:spcPct val="80000"/>
-              </a:lnSpc>
-              <a:spcBef>
-                <a:spcPts val="400"/>
-              </a:spcBef>
-              <a:buChar char="⬥"/>
-              <a:defRPr sz="3008">
-                <a:effectLst>
-                  <a:outerShdw blurRad="11938" dist="23876" dir="2700000" rotWithShape="0">
-                    <a:srgbClr val="DDDDDD"/>
-                  </a:outerShdw>
-                </a:effectLst>
-              </a:defRPr>
-            </a:pPr>
-            <a:r>
-              <a:rPr sz="1879" dirty="0"/>
-              <a:t>On x86 architecture, TLB has to be “flushed” upon every context switch because there is no field in TLB to identify the process context.</a:t>
-            </a:r>
-          </a:p>
-        </p:txBody>
-      </p:sp>
-      <p:pic>
-        <p:nvPicPr>
-          <p:cNvPr id="107" name="image.png"/>
-          <p:cNvPicPr>
-            <a:picLocks noChangeAspect="1"/>
-          </p:cNvPicPr>
-          <p:nvPr/>
-        </p:nvPicPr>
-        <p:blipFill>
-          <a:blip r:embed="rId2">
-            <a:extLst/>
-          </a:blip>
-          <a:stretch>
-            <a:fillRect/>
-          </a:stretch>
-        </p:blipFill>
-        <p:spPr>
-          <a:xfrm>
-            <a:off x="909637" y="893762"/>
-            <a:ext cx="7667626" cy="3149601"/>
-          </a:xfrm>
-          <a:prstGeom prst="rect">
-            <a:avLst/>
-          </a:prstGeom>
-          <a:ln w="12700">
-            <a:miter lim="400000"/>
-          </a:ln>
-        </p:spPr>
-      </p:pic>
-    </p:spTree>
-    <p:extLst>
-      <p:ext uri="{BB962C8B-B14F-4D97-AF65-F5344CB8AC3E}">
-        <p14:creationId xmlns:p14="http://schemas.microsoft.com/office/powerpoint/2010/main" val="411487387"/>
-      </p:ext>
-    </p:extLst>
-  </p:cSld>
-  <p:clrMapOvr>
-    <a:masterClrMapping/>
-  </p:clrMapOvr>
-  <p:transition spd="med"/>
+  <p:timing>
+    <p:tnLst>
+      <p:par>
+        <p:cTn id="1" dur="indefinite" restart="never" nodeType="tmRoot"/>
+      </p:par>
+    </p:tnLst>
+  </p:timing>
 </p:sld>
 </file>
 
@@ -4678,7 +6818,7 @@
       </p:grpSpPr>
       <p:sp>
         <p:nvSpPr>
-          <p:cNvPr id="188" name="Shape 188"/>
+          <p:cNvPr id="104" name="Shape 104"/>
           <p:cNvSpPr>
             <a:spLocks noGrp="1"/>
           </p:cNvSpPr>
@@ -4697,19 +6837,49 @@
           </a:extLst>
         </p:spPr>
         <p:txBody>
-          <a:bodyPr/>
+          <a:bodyPr>
+            <a:normAutofit lnSpcReduction="10000"/>
+          </a:bodyPr>
           <a:lstStyle/>
           <a:p>
+            <a:pPr>
+              <a:defRPr sz="2400" b="0">
+                <a:solidFill>
+                  <a:srgbClr val="EAEAEA"/>
+                </a:solidFill>
+                <a:latin typeface="Times New Roman"/>
+                <a:ea typeface="Times New Roman"/>
+                <a:cs typeface="Times New Roman"/>
+                <a:sym typeface="Times New Roman"/>
+              </a:defRPr>
+            </a:pPr>
             <a:fld id="{86CB4B4D-7CA3-9044-876B-883B54F8677D}" type="slidenum">
+              <a:rPr sz="1400" b="1">
+                <a:solidFill>
+                  <a:schemeClr val="accent2"/>
+                </a:solidFill>
+                <a:latin typeface="Arial Narrow"/>
+                <a:ea typeface="Arial Narrow"/>
+                <a:cs typeface="Arial Narrow"/>
+                <a:sym typeface="Arial Narrow"/>
+              </a:rPr>
               <a:t>16</a:t>
             </a:fld>
-            <a:endParaRPr/>
-          </a:p>
-        </p:txBody>
-      </p:sp>
-      <p:sp>
-        <p:nvSpPr>
-          <p:cNvPr id="189" name="Shape 189"/>
+            <a:endParaRPr sz="1400" b="1">
+              <a:solidFill>
+                <a:schemeClr val="accent2"/>
+              </a:solidFill>
+              <a:latin typeface="Arial Narrow"/>
+              <a:ea typeface="Arial Narrow"/>
+              <a:cs typeface="Arial Narrow"/>
+              <a:sym typeface="Arial Narrow"/>
+            </a:endParaRPr>
+          </a:p>
+        </p:txBody>
+      </p:sp>
+      <p:sp>
+        <p:nvSpPr>
+          <p:cNvPr id="105" name="Shape 105"/>
           <p:cNvSpPr>
             <a:spLocks noGrp="1"/>
           </p:cNvSpPr>
@@ -4718,209 +6888,205 @@
           </p:nvPr>
         </p:nvSpPr>
         <p:spPr>
+          <a:xfrm>
+            <a:off x="292100" y="0"/>
+            <a:ext cx="8458200" cy="838200"/>
+          </a:xfrm>
           <a:prstGeom prst="rect">
             <a:avLst/>
           </a:prstGeom>
         </p:spPr>
         <p:txBody>
-          <a:bodyPr/>
-          <a:lstStyle/>
-          <a:p>
-            <a:r>
-              <a:t>Cold Start Penalty</a:t>
-            </a:r>
-          </a:p>
-        </p:txBody>
-      </p:sp>
-      <p:sp>
-        <p:nvSpPr>
-          <p:cNvPr id="190" name="Shape 190"/>
+          <a:bodyPr>
+            <a:normAutofit/>
+          </a:bodyPr>
+          <a:lstStyle>
+            <a:lvl1pPr>
+              <a:defRPr sz="3800"/>
+            </a:lvl1pPr>
+          </a:lstStyle>
+          <a:p>
+            <a:pPr>
+              <a:defRPr sz="4200"/>
+            </a:pPr>
+            <a:r>
+              <a:rPr sz="3800"/>
+              <a:t>TLBs – Translation Lookaside Buffers</a:t>
+            </a:r>
+          </a:p>
+        </p:txBody>
+      </p:sp>
+      <p:sp>
+        <p:nvSpPr>
+          <p:cNvPr id="106" name="Shape 106"/>
           <p:cNvSpPr>
             <a:spLocks noGrp="1"/>
           </p:cNvSpPr>
           <p:nvPr>
-            <p:ph type="body" idx="1"/>
+            <p:ph type="body" sz="half" idx="1"/>
           </p:nvPr>
         </p:nvSpPr>
         <p:spPr>
           <a:xfrm>
-            <a:off x="468351" y="1037064"/>
-            <a:ext cx="8197663" cy="5661592"/>
+            <a:off x="685800" y="4114800"/>
+            <a:ext cx="7772400" cy="2603500"/>
           </a:xfrm>
           <a:prstGeom prst="rect">
             <a:avLst/>
           </a:prstGeom>
         </p:spPr>
         <p:txBody>
-          <a:bodyPr/>
+          <a:bodyPr>
+            <a:normAutofit/>
+          </a:bodyPr>
           <a:lstStyle/>
           <a:p>
-            <a:pPr marL="285750" indent="-285750">
-              <a:defRPr sz="2500"/>
-            </a:pPr>
-            <a:r>
-              <a:rPr lang="en-US" dirty="0"/>
-              <a:t>Cost of repopulating the TLB (and other caches) upon a context  switch.</a:t>
-            </a:r>
-          </a:p>
-          <a:p>
-            <a:pPr marL="285750" indent="-285750">
-              <a:defRPr sz="2500"/>
-            </a:pPr>
-            <a:endParaRPr lang="en-US" dirty="0" smtClean="0"/>
-          </a:p>
-          <a:p>
-            <a:pPr marL="285750" indent="-285750">
-              <a:defRPr sz="2500"/>
-            </a:pPr>
-            <a:r>
-              <a:rPr dirty="0" smtClean="0"/>
-              <a:t>Immediately </a:t>
-            </a:r>
-            <a:r>
-              <a:rPr dirty="0"/>
-              <a:t>after a context switch, </a:t>
-            </a:r>
-            <a:r>
-              <a:rPr dirty="0" smtClean="0"/>
-              <a:t>all </a:t>
-            </a:r>
-            <a:r>
-              <a:rPr dirty="0"/>
-              <a:t>(or </a:t>
-            </a:r>
-            <a:r>
-              <a:rPr lang="en-US" dirty="0" smtClean="0"/>
-              <a:t>many</a:t>
-            </a:r>
-            <a:r>
-              <a:rPr dirty="0" smtClean="0"/>
-              <a:t>) </a:t>
-            </a:r>
-            <a:r>
-              <a:rPr dirty="0"/>
-              <a:t>of TLB entries are </a:t>
-            </a:r>
-            <a:r>
-              <a:rPr dirty="0" smtClean="0"/>
-              <a:t>invalid</a:t>
-            </a:r>
-            <a:r>
-              <a:rPr lang="en-US" dirty="0" smtClean="0"/>
-              <a:t>ated</a:t>
-            </a:r>
-            <a:r>
-              <a:rPr dirty="0" smtClean="0"/>
-              <a:t>.</a:t>
-            </a:r>
-            <a:endParaRPr dirty="0"/>
-          </a:p>
-          <a:p>
-            <a:pPr marL="682228" lvl="1" indent="-225028">
+            <a:pPr marL="199588" indent="-199588" algn="l" defTabSz="859536">
               <a:lnSpc>
                 <a:spcPct val="80000"/>
               </a:lnSpc>
               <a:spcBef>
                 <a:spcPts val="400"/>
               </a:spcBef>
-              <a:buChar char="•"/>
-              <a:defRPr sz="2100"/>
-            </a:pPr>
-            <a:r>
-              <a:rPr dirty="0"/>
-              <a:t>On some x86 processors, TLB has to be “flushed” upon every context switch because there is no field in TLB to identify the process context</a:t>
-            </a:r>
-            <a:r>
-              <a:rPr dirty="0" smtClean="0"/>
-              <a:t>.</a:t>
-            </a:r>
-            <a:endParaRPr lang="en-US" dirty="0" smtClean="0"/>
-          </a:p>
-          <a:p>
-            <a:pPr marL="285750" indent="-285750">
-              <a:defRPr sz="2500"/>
-            </a:pPr>
-            <a:r>
-              <a:rPr lang="en-US" dirty="0" smtClean="0"/>
-              <a:t>E</a:t>
-            </a:r>
-            <a:r>
-              <a:rPr dirty="0" smtClean="0"/>
-              <a:t>very </a:t>
-            </a:r>
-            <a:r>
-              <a:rPr dirty="0"/>
-              <a:t>memory access </a:t>
-            </a:r>
-            <a:r>
-              <a:rPr lang="en-US" dirty="0" smtClean="0"/>
-              <a:t>by the newly scheduled process may </a:t>
-            </a:r>
-            <a:r>
-              <a:rPr dirty="0" smtClean="0"/>
-              <a:t>results </a:t>
-            </a:r>
-            <a:r>
-              <a:rPr dirty="0"/>
-              <a:t>in a TLB </a:t>
-            </a:r>
-            <a:r>
-              <a:rPr dirty="0" smtClean="0"/>
-              <a:t>miss.</a:t>
-            </a:r>
-            <a:endParaRPr lang="en-US" dirty="0" smtClean="0"/>
-          </a:p>
-          <a:p>
-            <a:pPr marL="285750" indent="-285750">
-              <a:defRPr sz="2500"/>
-            </a:pPr>
-            <a:endParaRPr lang="en-US" dirty="0" smtClean="0"/>
-          </a:p>
-          <a:p>
-            <a:pPr marL="285750" indent="-285750">
-              <a:defRPr sz="2500"/>
-            </a:pPr>
-            <a:r>
-              <a:rPr dirty="0" smtClean="0"/>
-              <a:t>MMU </a:t>
-            </a:r>
-            <a:r>
-              <a:rPr lang="en-US" dirty="0" smtClean="0"/>
-              <a:t>must then </a:t>
-            </a:r>
-            <a:r>
-              <a:rPr dirty="0" smtClean="0"/>
-              <a:t>walk </a:t>
-            </a:r>
-            <a:r>
-              <a:rPr dirty="0"/>
-              <a:t>the page-table </a:t>
-            </a:r>
-            <a:r>
-              <a:rPr lang="en-US" dirty="0" smtClean="0"/>
-              <a:t>in main memory </a:t>
-            </a:r>
-            <a:r>
-              <a:rPr dirty="0" smtClean="0"/>
-              <a:t>to </a:t>
-            </a:r>
-            <a:r>
-              <a:rPr dirty="0"/>
-              <a:t>repopulate the missing TLB </a:t>
-            </a:r>
-            <a:r>
-              <a:rPr dirty="0" smtClean="0"/>
-              <a:t>entry</a:t>
-            </a:r>
-            <a:r>
-              <a:rPr lang="en-US" dirty="0" smtClean="0"/>
-              <a:t>, which takes longer than a cache hit.</a:t>
-            </a:r>
-            <a:endParaRPr dirty="0"/>
-          </a:p>
-        </p:txBody>
-      </p:sp>
+              <a:buChar char="⬥"/>
+              <a:defRPr sz="3008">
+                <a:effectLst>
+                  <a:outerShdw blurRad="11938" dist="23876" dir="2700000" rotWithShape="0">
+                    <a:srgbClr val="DDDDDD"/>
+                  </a:outerShdw>
+                </a:effectLst>
+              </a:defRPr>
+            </a:pPr>
+            <a:r>
+              <a:rPr sz="1879" dirty="0"/>
+              <a:t>TLB is a small cache that speeds up the translation of virtual addresses to physical addresses.</a:t>
+            </a:r>
+          </a:p>
+          <a:p>
+            <a:pPr marL="199588" indent="-199588" algn="l" defTabSz="859536">
+              <a:lnSpc>
+                <a:spcPct val="80000"/>
+              </a:lnSpc>
+              <a:spcBef>
+                <a:spcPts val="400"/>
+              </a:spcBef>
+              <a:buChar char="⬥"/>
+              <a:defRPr sz="3008">
+                <a:effectLst>
+                  <a:outerShdw blurRad="11938" dist="23876" dir="2700000" rotWithShape="0">
+                    <a:srgbClr val="DDDDDD"/>
+                  </a:outerShdw>
+                </a:effectLst>
+              </a:defRPr>
+            </a:pPr>
+            <a:r>
+              <a:rPr sz="1879" dirty="0"/>
+              <a:t>TLB is part of the MMU hardware (comes with CPU)</a:t>
+            </a:r>
+          </a:p>
+          <a:p>
+            <a:pPr marL="199588" indent="-199588" algn="l" defTabSz="859536">
+              <a:lnSpc>
+                <a:spcPct val="80000"/>
+              </a:lnSpc>
+              <a:spcBef>
+                <a:spcPts val="400"/>
+              </a:spcBef>
+              <a:buChar char="⬥"/>
+              <a:defRPr sz="3008">
+                <a:effectLst>
+                  <a:outerShdw blurRad="11938" dist="23876" dir="2700000" rotWithShape="0">
+                    <a:srgbClr val="DDDDDD"/>
+                  </a:outerShdw>
+                </a:effectLst>
+              </a:defRPr>
+            </a:pPr>
+            <a:r>
+              <a:rPr sz="1879" dirty="0"/>
+              <a:t>It is not a Data Cache or Instruction Cache. Those are separate.</a:t>
+            </a:r>
+          </a:p>
+          <a:p>
+            <a:pPr marL="199588" indent="-199588" algn="l" defTabSz="859536">
+              <a:lnSpc>
+                <a:spcPct val="80000"/>
+              </a:lnSpc>
+              <a:spcBef>
+                <a:spcPts val="400"/>
+              </a:spcBef>
+              <a:buChar char="⬥"/>
+              <a:defRPr sz="3008">
+                <a:effectLst>
+                  <a:outerShdw blurRad="11938" dist="23876" dir="2700000" rotWithShape="0">
+                    <a:srgbClr val="DDDDDD"/>
+                  </a:outerShdw>
+                </a:effectLst>
+              </a:defRPr>
+            </a:pPr>
+            <a:r>
+              <a:rPr sz="1879" dirty="0"/>
+              <a:t>TLB simply caches translations from virtual page number to physical page number so that the MMU don’t have to access page-table in memory too often.</a:t>
+            </a:r>
+          </a:p>
+          <a:p>
+            <a:pPr marL="199588" indent="-199588" algn="l" defTabSz="859536">
+              <a:lnSpc>
+                <a:spcPct val="80000"/>
+              </a:lnSpc>
+              <a:spcBef>
+                <a:spcPts val="400"/>
+              </a:spcBef>
+              <a:buChar char="⬥"/>
+              <a:defRPr sz="3008">
+                <a:effectLst>
+                  <a:outerShdw blurRad="11938" dist="23876" dir="2700000" rotWithShape="0">
+                    <a:srgbClr val="DDDDDD"/>
+                  </a:outerShdw>
+                </a:effectLst>
+              </a:defRPr>
+            </a:pPr>
+            <a:r>
+              <a:rPr sz="1879" dirty="0"/>
+              <a:t>On x86 architecture, TLB has to be “flushed” upon every context switch because there is no field in TLB to identify the process context.</a:t>
+            </a:r>
+          </a:p>
+        </p:txBody>
+      </p:sp>
+      <p:pic>
+        <p:nvPicPr>
+          <p:cNvPr id="107" name="image.png"/>
+          <p:cNvPicPr>
+            <a:picLocks noChangeAspect="1"/>
+          </p:cNvPicPr>
+          <p:nvPr/>
+        </p:nvPicPr>
+        <p:blipFill>
+          <a:blip r:embed="rId2">
+            <a:extLst/>
+          </a:blip>
+          <a:stretch>
+            <a:fillRect/>
+          </a:stretch>
+        </p:blipFill>
+        <p:spPr>
+          <a:xfrm>
+            <a:off x="909637" y="893762"/>
+            <a:ext cx="7667626" cy="3149601"/>
+          </a:xfrm>
+          <a:prstGeom prst="rect">
+            <a:avLst/>
+          </a:prstGeom>
+          <a:ln w="12700">
+            <a:miter lim="400000"/>
+          </a:ln>
+        </p:spPr>
+      </p:pic>
     </p:spTree>
+    <p:extLst>
+      <p:ext uri="{BB962C8B-B14F-4D97-AF65-F5344CB8AC3E}">
+        <p14:creationId xmlns:p14="http://schemas.microsoft.com/office/powerpoint/2010/main" val="411487387"/>
+      </p:ext>
+    </p:extLst>
   </p:cSld>
   <p:clrMapOvr>
     <a:masterClrMapping/>
@@ -4948,7 +7114,7 @@
       </p:grpSpPr>
       <p:sp>
         <p:nvSpPr>
-          <p:cNvPr id="192" name="Shape 192"/>
+          <p:cNvPr id="188" name="Shape 188"/>
           <p:cNvSpPr>
             <a:spLocks noGrp="1"/>
           </p:cNvSpPr>
@@ -4979,7 +7145,7 @@
       </p:sp>
       <p:sp>
         <p:nvSpPr>
-          <p:cNvPr id="193" name="Shape 193"/>
+          <p:cNvPr id="189" name="Shape 189"/>
           <p:cNvSpPr>
             <a:spLocks noGrp="1"/>
           </p:cNvSpPr>
@@ -4997,14 +7163,14 @@
           <a:lstStyle/>
           <a:p>
             <a:r>
-              <a:t>Tagged TLB</a:t>
-            </a:r>
-          </a:p>
-        </p:txBody>
-      </p:sp>
-      <p:sp>
-        <p:nvSpPr>
-          <p:cNvPr id="194" name="Shape 194"/>
+              <a:t>Cold Start Penalty</a:t>
+            </a:r>
+          </a:p>
+        </p:txBody>
+      </p:sp>
+      <p:sp>
+        <p:nvSpPr>
+          <p:cNvPr id="190" name="Shape 190"/>
           <p:cNvSpPr>
             <a:spLocks noGrp="1"/>
           </p:cNvSpPr>
@@ -5014,8 +7180,8 @@
         </p:nvSpPr>
         <p:spPr>
           <a:xfrm>
-            <a:off x="323385" y="857250"/>
-            <a:ext cx="8121322" cy="5767636"/>
+            <a:off x="468351" y="1037064"/>
+            <a:ext cx="8197663" cy="5661592"/>
           </a:xfrm>
           <a:prstGeom prst="rect">
             <a:avLst/>
@@ -5025,35 +7191,158 @@
           <a:bodyPr/>
           <a:lstStyle/>
           <a:p>
-            <a:pPr>
-              <a:buClr>
-                <a:schemeClr val="tx1"/>
-              </a:buClr>
-              <a:defRPr sz="2700"/>
-            </a:pPr>
-            <a:r>
-              <a:rPr lang="en-US" dirty="0" err="1" smtClean="0"/>
-              <a:t>A</a:t>
-            </a:r>
-            <a:r>
-              <a:rPr dirty="0" err="1" smtClean="0"/>
-              <a:t>“tag</a:t>
+            <a:pPr marL="285750" indent="-285750">
+              <a:defRPr sz="2500"/>
+            </a:pPr>
+            <a:r>
+              <a:rPr lang="en-US" dirty="0"/>
+              <a:t>Cost of repopulating the TLB (and other caches) upon a context  switch.</a:t>
+            </a:r>
+          </a:p>
+          <a:p>
+            <a:pPr marL="285750" indent="-285750">
+              <a:defRPr sz="2500"/>
+            </a:pPr>
+            <a:endParaRPr lang="en-US" dirty="0" smtClean="0"/>
+          </a:p>
+          <a:p>
+            <a:pPr marL="285750" indent="-285750">
+              <a:defRPr sz="2500"/>
+            </a:pPr>
+            <a:r>
+              <a:rPr dirty="0" smtClean="0"/>
+              <a:t>Immediately </a:t>
             </a:r>
             <a:r>
               <a:rPr dirty="0"/>
-              <a:t>” </a:t>
+              <a:t>after a context switch, </a:t>
+            </a:r>
+            <a:r>
+              <a:rPr dirty="0" smtClean="0"/>
+              <a:t>all </a:t>
+            </a:r>
+            <a:r>
+              <a:rPr dirty="0"/>
+              <a:t>(or </a:t>
             </a:r>
             <a:r>
               <a:rPr lang="en-US" dirty="0" smtClean="0"/>
-              <a:t>in </a:t>
+              <a:t>many</a:t>
             </a:r>
             <a:r>
               <a:rPr dirty="0" smtClean="0"/>
-              <a:t>each </a:t>
+              <a:t>) </a:t>
             </a:r>
             <a:r>
               <a:rPr dirty="0"/>
-              <a:t>TLB </a:t>
+              <a:t>of TLB entries are </a:t>
+            </a:r>
+            <a:r>
+              <a:rPr dirty="0" smtClean="0"/>
+              <a:t>invalid</a:t>
+            </a:r>
+            <a:r>
+              <a:rPr lang="en-US" dirty="0" smtClean="0"/>
+              <a:t>ated</a:t>
+            </a:r>
+            <a:r>
+              <a:rPr dirty="0" smtClean="0"/>
+              <a:t>.</a:t>
+            </a:r>
+            <a:endParaRPr dirty="0"/>
+          </a:p>
+          <a:p>
+            <a:pPr marL="682228" lvl="1" indent="-225028">
+              <a:lnSpc>
+                <a:spcPct val="80000"/>
+              </a:lnSpc>
+              <a:spcBef>
+                <a:spcPts val="400"/>
+              </a:spcBef>
+              <a:buChar char="•"/>
+              <a:defRPr sz="2100"/>
+            </a:pPr>
+            <a:r>
+              <a:rPr dirty="0"/>
+              <a:t>On some x86 processors, TLB has to be “flushed” upon every context switch because there is no field in TLB to identify the process context</a:t>
+            </a:r>
+            <a:r>
+              <a:rPr dirty="0" smtClean="0"/>
+              <a:t>.</a:t>
+            </a:r>
+            <a:endParaRPr lang="en-US" dirty="0" smtClean="0"/>
+          </a:p>
+          <a:p>
+            <a:pPr marL="285750" indent="-285750">
+              <a:defRPr sz="2500"/>
+            </a:pPr>
+            <a:r>
+              <a:rPr lang="en-US" dirty="0" smtClean="0"/>
+              <a:t>E</a:t>
+            </a:r>
+            <a:r>
+              <a:rPr dirty="0" smtClean="0"/>
+              <a:t>very </a:t>
+            </a:r>
+            <a:r>
+              <a:rPr dirty="0"/>
+              <a:t>memory access </a:t>
+            </a:r>
+            <a:r>
+              <a:rPr lang="en-US" dirty="0" smtClean="0"/>
+              <a:t>by the newly scheduled process may </a:t>
+            </a:r>
+            <a:r>
+              <a:rPr dirty="0" smtClean="0"/>
+              <a:t>results </a:t>
+            </a:r>
+            <a:r>
+              <a:rPr dirty="0"/>
+              <a:t>in a TLB </a:t>
+            </a:r>
+            <a:r>
+              <a:rPr dirty="0" smtClean="0"/>
+              <a:t>miss.</a:t>
+            </a:r>
+            <a:endParaRPr lang="en-US" dirty="0" smtClean="0"/>
+          </a:p>
+          <a:p>
+            <a:pPr marL="285750" indent="-285750">
+              <a:defRPr sz="2500"/>
+            </a:pPr>
+            <a:endParaRPr lang="en-US" dirty="0" smtClean="0"/>
+          </a:p>
+          <a:p>
+            <a:pPr marL="285750" indent="-285750">
+              <a:defRPr sz="2500"/>
+            </a:pPr>
+            <a:r>
+              <a:rPr dirty="0" smtClean="0"/>
+              <a:t>MMU </a:t>
+            </a:r>
+            <a:r>
+              <a:rPr lang="en-US" dirty="0" smtClean="0"/>
+              <a:t>must then </a:t>
+            </a:r>
+            <a:r>
+              <a:rPr dirty="0" smtClean="0"/>
+              <a:t>walk </a:t>
+            </a:r>
+            <a:r>
+              <a:rPr dirty="0"/>
+              <a:t>the page-table </a:t>
+            </a:r>
+            <a:r>
+              <a:rPr lang="en-US" dirty="0" smtClean="0"/>
+              <a:t>in main memory </a:t>
+            </a:r>
+            <a:r>
+              <a:rPr dirty="0" smtClean="0"/>
+              <a:t>to </a:t>
+            </a:r>
+            <a:r>
+              <a:rPr dirty="0"/>
+              <a:t>repopulate the missing TLB </a:t>
             </a:r>
             <a:r>
               <a:rPr dirty="0" smtClean="0"/>
@@ -5061,127 +7350,9 @@
             </a:r>
             <a:r>
               <a:rPr lang="en-US" dirty="0" smtClean="0"/>
-              <a:t> </a:t>
-            </a:r>
-            <a:r>
-              <a:rPr dirty="0" smtClean="0"/>
-              <a:t>identifies </a:t>
-            </a:r>
-            <a:r>
-              <a:rPr dirty="0"/>
-              <a:t>the </a:t>
-            </a:r>
-            <a:r>
-              <a:rPr dirty="0" smtClean="0"/>
-              <a:t>process/thread context </a:t>
-            </a:r>
-            <a:r>
-              <a:rPr dirty="0"/>
-              <a:t>to which the TLB entry belongs</a:t>
-            </a:r>
-          </a:p>
-          <a:p>
-            <a:pPr>
-              <a:buClr>
-                <a:schemeClr val="tx1"/>
-              </a:buClr>
-              <a:defRPr sz="2700"/>
-            </a:pPr>
+              <a:t>, which takes longer than a cache hit.</a:t>
+            </a:r>
             <a:endParaRPr dirty="0"/>
-          </a:p>
-          <a:p>
-            <a:pPr>
-              <a:buClr>
-                <a:schemeClr val="tx1"/>
-              </a:buClr>
-              <a:defRPr sz="2700"/>
-            </a:pPr>
-            <a:r>
-              <a:rPr dirty="0"/>
-              <a:t>Thus TLB entries for more than one execution context can be stored simultaneously in the TLB.</a:t>
-            </a:r>
-          </a:p>
-          <a:p>
-            <a:pPr lvl="1">
-              <a:buClr>
-                <a:schemeClr val="tx1"/>
-              </a:buClr>
-              <a:defRPr sz="2700"/>
-            </a:pPr>
-            <a:r>
-              <a:rPr dirty="0"/>
-              <a:t>TLB lookup hardware matches the tag in addition to the virtual </a:t>
-            </a:r>
-            <a:r>
-              <a:rPr dirty="0" smtClean="0"/>
-              <a:t>page</a:t>
-            </a:r>
-            <a:r>
-              <a:rPr lang="en-US" dirty="0" smtClean="0"/>
-              <a:t> number</a:t>
-            </a:r>
-            <a:r>
-              <a:rPr dirty="0" smtClean="0"/>
-              <a:t>.</a:t>
-            </a:r>
-            <a:endParaRPr dirty="0"/>
-          </a:p>
-          <a:p>
-            <a:pPr>
-              <a:buClr>
-                <a:schemeClr val="tx1"/>
-              </a:buClr>
-              <a:defRPr sz="2700"/>
-            </a:pPr>
-            <a:endParaRPr dirty="0"/>
-          </a:p>
-          <a:p>
-            <a:pPr>
-              <a:buClr>
-                <a:schemeClr val="tx1"/>
-              </a:buClr>
-              <a:defRPr sz="2700"/>
-            </a:pPr>
-            <a:r>
-              <a:rPr lang="en-US" dirty="0" smtClean="0"/>
-              <a:t>With tags, c</a:t>
-            </a:r>
-            <a:r>
-              <a:rPr dirty="0" smtClean="0"/>
-              <a:t>ontext </a:t>
-            </a:r>
-            <a:r>
-              <a:rPr dirty="0"/>
-              <a:t>switch </a:t>
-            </a:r>
-            <a:r>
-              <a:rPr dirty="0" smtClean="0"/>
-              <a:t>no </a:t>
-            </a:r>
-            <a:r>
-              <a:rPr dirty="0"/>
-              <a:t>longer requires a complete TLB flush.</a:t>
-            </a:r>
-          </a:p>
-          <a:p>
-            <a:pPr lvl="1">
-              <a:buClr>
-                <a:schemeClr val="tx1"/>
-              </a:buClr>
-              <a:defRPr sz="2700"/>
-            </a:pPr>
-            <a:r>
-              <a:rPr lang="en-US" dirty="0" smtClean="0"/>
-              <a:t>R</a:t>
-            </a:r>
-            <a:r>
-              <a:rPr dirty="0" smtClean="0"/>
-              <a:t>educes </a:t>
-            </a:r>
-            <a:r>
-              <a:rPr dirty="0"/>
-              <a:t>cold-start penalty.</a:t>
-            </a:r>
           </a:p>
         </p:txBody>
       </p:sp>
@@ -5213,21 +7384,18 @@
       </p:grpSpPr>
       <p:sp>
         <p:nvSpPr>
-          <p:cNvPr id="184" name="Shape 184"/>
-          <p:cNvSpPr/>
-          <p:nvPr/>
-        </p:nvSpPr>
-        <p:spPr>
-          <a:xfrm>
-            <a:off x="0" y="6616700"/>
-            <a:ext cx="2895600" cy="307777"/>
-          </a:xfrm>
+          <p:cNvPr id="192" name="Shape 192"/>
+          <p:cNvSpPr>
+            <a:spLocks noGrp="1"/>
+          </p:cNvSpPr>
+          <p:nvPr>
+            <p:ph type="sldNum" sz="quarter" idx="2"/>
+          </p:nvPr>
+        </p:nvSpPr>
+        <p:spPr>
           <a:prstGeom prst="rect">
             <a:avLst/>
           </a:prstGeom>
-          <a:ln w="12700">
-            <a:miter lim="400000"/>
-          </a:ln>
           <a:extLst>
             <a:ext uri="{C572A759-6A51-4108-AA02-DFA0A04FC94B}">
               <ma14:wrappingTextBoxFlag xmlns:ma14="http://schemas.microsoft.com/office/mac/drawingml/2011/main" val="1"/>
@@ -5235,25 +7403,19 @@
           </a:extLst>
         </p:spPr>
         <p:txBody>
-          <a:bodyPr lIns="45719" rIns="45719">
-            <a:spAutoFit/>
-          </a:bodyPr>
-          <a:lstStyle>
-            <a:lvl1pPr>
-              <a:defRPr sz="1400" b="1" i="1"/>
-            </a:lvl1pPr>
-          </a:lstStyle>
-          <a:p>
-            <a:pPr>
-              <a:defRPr sz="2400" b="0" i="0"/>
-            </a:pPr>
-            <a:endParaRPr sz="1400" b="1" i="1" dirty="0"/>
-          </a:p>
-        </p:txBody>
-      </p:sp>
-      <p:sp>
-        <p:nvSpPr>
-          <p:cNvPr id="185" name="Shape 185"/>
+          <a:bodyPr/>
+          <a:lstStyle/>
+          <a:p>
+            <a:fld id="{86CB4B4D-7CA3-9044-876B-883B54F8677D}" type="slidenum">
+              <a:t>18</a:t>
+            </a:fld>
+            <a:endParaRPr/>
+          </a:p>
+        </p:txBody>
+      </p:sp>
+      <p:sp>
+        <p:nvSpPr>
+          <p:cNvPr id="193" name="Shape 193"/>
           <p:cNvSpPr>
             <a:spLocks noGrp="1"/>
           </p:cNvSpPr>
@@ -5262,37 +7424,23 @@
           </p:nvPr>
         </p:nvSpPr>
         <p:spPr>
-          <a:xfrm>
-            <a:off x="533400" y="228599"/>
-            <a:ext cx="7772400" cy="1143002"/>
-          </a:xfrm>
           <a:prstGeom prst="rect">
             <a:avLst/>
           </a:prstGeom>
         </p:spPr>
         <p:txBody>
-          <a:bodyPr>
-            <a:normAutofit/>
-          </a:bodyPr>
-          <a:lstStyle>
-            <a:lvl1pPr defTabSz="740663">
-              <a:defRPr sz="2916"/>
-            </a:lvl1pPr>
-          </a:lstStyle>
-          <a:p>
-            <a:pPr>
-              <a:defRPr sz="3240"/>
-            </a:pPr>
-            <a:r>
-              <a:rPr sz="2916"/>
-              <a:t>Two types of memory translation architectures</a:t>
-            </a:r>
-          </a:p>
-        </p:txBody>
-      </p:sp>
-      <p:sp>
-        <p:nvSpPr>
-          <p:cNvPr id="186" name="Shape 186"/>
+          <a:bodyPr/>
+          <a:lstStyle/>
+          <a:p>
+            <a:r>
+              <a:t>Tagged TLB</a:t>
+            </a:r>
+          </a:p>
+        </p:txBody>
+      </p:sp>
+      <p:sp>
+        <p:nvSpPr>
+          <p:cNvPr id="194" name="Shape 194"/>
           <p:cNvSpPr>
             <a:spLocks noGrp="1"/>
           </p:cNvSpPr>
@@ -5302,158 +7450,173 @@
         </p:nvSpPr>
         <p:spPr>
           <a:xfrm>
-            <a:off x="533400" y="1475730"/>
-            <a:ext cx="7772400" cy="5036841"/>
+            <a:off x="323385" y="857250"/>
+            <a:ext cx="8121322" cy="5767636"/>
           </a:xfrm>
           <a:prstGeom prst="rect">
             <a:avLst/>
           </a:prstGeom>
         </p:spPr>
         <p:txBody>
-          <a:bodyPr>
-            <a:normAutofit/>
-          </a:bodyPr>
+          <a:bodyPr/>
           <a:lstStyle/>
           <a:p>
-            <a:pPr marL="264032" indent="-264032" defTabSz="704087">
-              <a:spcBef>
-                <a:spcPts val="500"/>
-              </a:spcBef>
-              <a:buChar char="❑"/>
-              <a:defRPr sz="2156"/>
-            </a:pPr>
-            <a:r>
-              <a:t>Architected Page Tables</a:t>
-            </a:r>
-          </a:p>
-          <a:p>
-            <a:pPr marL="572071" lvl="1" indent="-220027" defTabSz="704087">
-              <a:spcBef>
-                <a:spcPts val="400"/>
-              </a:spcBef>
-              <a:buFont typeface="Zapf Dingbats"/>
-              <a:defRPr sz="1848"/>
-            </a:pPr>
-            <a:r>
-              <a:t>Page table interface defined by ISA and understood by memory translation hardware</a:t>
-            </a:r>
-          </a:p>
-          <a:p>
-            <a:pPr marL="572071" lvl="1" indent="-220027" defTabSz="704087">
-              <a:spcBef>
-                <a:spcPts val="400"/>
-              </a:spcBef>
-              <a:buFont typeface="Zapf Dingbats"/>
-              <a:defRPr sz="1848"/>
-            </a:pPr>
-            <a:r>
-              <a:t>E.g. x86 architecture</a:t>
-            </a:r>
-          </a:p>
-          <a:p>
-            <a:pPr marL="572071" lvl="1" indent="-220027" defTabSz="704087">
-              <a:spcBef>
-                <a:spcPts val="400"/>
-              </a:spcBef>
-              <a:buFont typeface="Zapf Dingbats"/>
-              <a:defRPr sz="1848"/>
-            </a:pPr>
-            <a:r>
-              <a:t>MMU handles TLB miss (in hardware)</a:t>
-            </a:r>
-          </a:p>
-          <a:p>
-            <a:pPr marL="572071" lvl="1" indent="-220027" defTabSz="704087">
-              <a:spcBef>
-                <a:spcPts val="400"/>
-              </a:spcBef>
-              <a:buFont typeface="Zapf Dingbats"/>
-              <a:defRPr sz="1848"/>
-            </a:pPr>
-            <a:r>
-              <a:t>OS handles page faults (in software)</a:t>
-            </a:r>
-          </a:p>
-          <a:p>
-            <a:pPr marL="572071" lvl="1" indent="-220027" defTabSz="704087">
-              <a:spcBef>
-                <a:spcPts val="400"/>
-              </a:spcBef>
-              <a:buFont typeface="Zapf Dingbats"/>
-              <a:defRPr sz="1848"/>
-            </a:pPr>
-            <a:r>
-              <a:t>ISA specifies page table format</a:t>
-            </a:r>
-          </a:p>
-          <a:p>
-            <a:pPr marL="572071" lvl="1" indent="-220027" defTabSz="704087">
-              <a:spcBef>
-                <a:spcPts val="400"/>
-              </a:spcBef>
-              <a:buFont typeface="Zapf Dingbats"/>
-              <a:defRPr sz="1848"/>
-            </a:pPr>
-            <a:endParaRPr/>
-          </a:p>
-          <a:p>
-            <a:pPr marL="264032" indent="-264032" defTabSz="704087">
-              <a:spcBef>
-                <a:spcPts val="500"/>
-              </a:spcBef>
-              <a:buChar char="❑"/>
-              <a:defRPr sz="2156"/>
-            </a:pPr>
-            <a:r>
-              <a:t>Architected TLBs</a:t>
-            </a:r>
-          </a:p>
-          <a:p>
-            <a:pPr marL="572071" lvl="1" indent="-220027" defTabSz="704087">
-              <a:spcBef>
-                <a:spcPts val="400"/>
-              </a:spcBef>
-              <a:buFont typeface="Zapf Dingbats"/>
-              <a:defRPr sz="1848"/>
-            </a:pPr>
-            <a:r>
-              <a:t>TLB interface defined by ISA and understood by MMU</a:t>
-            </a:r>
-          </a:p>
-          <a:p>
-            <a:pPr marL="572071" lvl="1" indent="-220027" defTabSz="704087">
-              <a:spcBef>
-                <a:spcPts val="400"/>
-              </a:spcBef>
-              <a:buFont typeface="Zapf Dingbats"/>
-              <a:defRPr sz="1848"/>
-            </a:pPr>
-            <a:r>
-              <a:t>E.g. alpha architecture</a:t>
-            </a:r>
-          </a:p>
-          <a:p>
-            <a:pPr marL="572071" lvl="1" indent="-220027" defTabSz="704087">
-              <a:spcBef>
-                <a:spcPts val="400"/>
-              </a:spcBef>
-              <a:buFont typeface="Zapf Dingbats"/>
-              <a:defRPr sz="1848"/>
-            </a:pPr>
-            <a:r>
-              <a:t>TLB miss handled by OS (in software)</a:t>
-            </a:r>
-          </a:p>
-          <a:p>
-            <a:pPr marL="572071" lvl="1" indent="-220027" defTabSz="704087">
-              <a:spcBef>
-                <a:spcPts val="400"/>
-              </a:spcBef>
-              <a:buFont typeface="Zapf Dingbats"/>
-              <a:defRPr sz="1848"/>
-            </a:pPr>
-            <a:r>
-              <a:t>ISA does not specify page table format</a:t>
+            <a:pPr>
+              <a:buClr>
+                <a:schemeClr val="tx1"/>
+              </a:buClr>
+              <a:defRPr sz="2700"/>
+            </a:pPr>
+            <a:r>
+              <a:rPr lang="en-US" dirty="0" err="1" smtClean="0"/>
+              <a:t>A</a:t>
+            </a:r>
+            <a:r>
+              <a:rPr dirty="0" err="1" smtClean="0"/>
+              <a:t>“tag</a:t>
+            </a:r>
+            <a:r>
+              <a:rPr dirty="0"/>
+              <a:t>” </a:t>
+            </a:r>
+            <a:r>
+              <a:rPr lang="en-US" dirty="0" smtClean="0"/>
+              <a:t>in </a:t>
+            </a:r>
+            <a:r>
+              <a:rPr dirty="0" smtClean="0"/>
+              <a:t>each </a:t>
+            </a:r>
+            <a:r>
+              <a:rPr dirty="0"/>
+              <a:t>TLB </a:t>
+            </a:r>
+            <a:r>
+              <a:rPr dirty="0" smtClean="0"/>
+              <a:t>entry</a:t>
+            </a:r>
+            <a:r>
+              <a:rPr lang="en-US" dirty="0" smtClean="0"/>
+              <a:t> </a:t>
+            </a:r>
+            <a:r>
+              <a:rPr dirty="0" smtClean="0"/>
+              <a:t>identifies </a:t>
+            </a:r>
+            <a:r>
+              <a:rPr dirty="0"/>
+              <a:t>the </a:t>
+            </a:r>
+            <a:r>
+              <a:rPr dirty="0" smtClean="0"/>
+              <a:t>process/thread context </a:t>
+            </a:r>
+            <a:r>
+              <a:rPr dirty="0"/>
+              <a:t>to which the TLB entry belongs</a:t>
+            </a:r>
+          </a:p>
+          <a:p>
+            <a:pPr>
+              <a:buClr>
+                <a:schemeClr val="tx1"/>
+              </a:buClr>
+              <a:defRPr sz="2700"/>
+            </a:pPr>
+            <a:endParaRPr dirty="0"/>
+          </a:p>
+          <a:p>
+            <a:pPr>
+              <a:buClr>
+                <a:schemeClr val="tx1"/>
+              </a:buClr>
+              <a:defRPr sz="2700"/>
+            </a:pPr>
+            <a:r>
+              <a:rPr dirty="0"/>
+              <a:t>Thus TLB entries for more than one execution context can be stored simultaneously in the TLB.</a:t>
+            </a:r>
+          </a:p>
+          <a:p>
+            <a:pPr lvl="1">
+              <a:buClr>
+                <a:schemeClr val="tx1"/>
+              </a:buClr>
+              <a:defRPr sz="2700"/>
+            </a:pPr>
+            <a:r>
+              <a:rPr dirty="0"/>
+              <a:t>TLB lookup hardware matches the tag in addition to the virtual </a:t>
+            </a:r>
+            <a:r>
+              <a:rPr dirty="0" smtClean="0"/>
+              <a:t>page</a:t>
+            </a:r>
+            <a:r>
+              <a:rPr lang="en-US" dirty="0" smtClean="0"/>
+              <a:t> number</a:t>
+            </a:r>
+            <a:r>
+              <a:rPr dirty="0" smtClean="0"/>
+              <a:t>.</a:t>
+            </a:r>
+            <a:endParaRPr dirty="0"/>
+          </a:p>
+          <a:p>
+            <a:pPr>
+              <a:buClr>
+                <a:schemeClr val="tx1"/>
+              </a:buClr>
+              <a:defRPr sz="2700"/>
+            </a:pPr>
+            <a:endParaRPr dirty="0"/>
+          </a:p>
+          <a:p>
+            <a:pPr>
+              <a:buClr>
+                <a:schemeClr val="tx1"/>
+              </a:buClr>
+              <a:defRPr sz="2700"/>
+            </a:pPr>
+            <a:r>
+              <a:rPr lang="en-US" dirty="0" smtClean="0"/>
+              <a:t>With tags, c</a:t>
+            </a:r>
+            <a:r>
+              <a:rPr dirty="0" smtClean="0"/>
+              <a:t>ontext </a:t>
+            </a:r>
+            <a:r>
+              <a:rPr dirty="0"/>
+              <a:t>switch </a:t>
+            </a:r>
+            <a:r>
+              <a:rPr dirty="0" smtClean="0"/>
+              <a:t>no </a:t>
+            </a:r>
+            <a:r>
+              <a:rPr dirty="0"/>
+              <a:t>longer requires a complete TLB flush.</a:t>
+            </a:r>
+          </a:p>
+          <a:p>
+            <a:pPr lvl="1">
+              <a:buClr>
+                <a:schemeClr val="tx1"/>
+              </a:buClr>
+              <a:defRPr sz="2700"/>
+            </a:pPr>
+            <a:r>
+              <a:rPr lang="en-US" dirty="0" smtClean="0"/>
+              <a:t>R</a:t>
+            </a:r>
+            <a:r>
+              <a:rPr dirty="0" smtClean="0"/>
+              <a:t>educes </a:t>
+            </a:r>
+            <a:r>
+              <a:rPr dirty="0"/>
+              <a:t>cold-start penalty.</a:t>
             </a:r>
           </a:p>
         </p:txBody>
@@ -5486,18 +7649,21 @@
       </p:grpSpPr>
       <p:sp>
         <p:nvSpPr>
-          <p:cNvPr id="196" name="Shape 196"/>
-          <p:cNvSpPr>
-            <a:spLocks noGrp="1"/>
-          </p:cNvSpPr>
-          <p:nvPr>
-            <p:ph type="sldNum" sz="quarter" idx="2"/>
-          </p:nvPr>
-        </p:nvSpPr>
-        <p:spPr>
+          <p:cNvPr id="184" name="Shape 184"/>
+          <p:cNvSpPr/>
+          <p:nvPr/>
+        </p:nvSpPr>
+        <p:spPr>
+          <a:xfrm>
+            <a:off x="0" y="6616700"/>
+            <a:ext cx="2895600" cy="307777"/>
+          </a:xfrm>
           <a:prstGeom prst="rect">
             <a:avLst/>
           </a:prstGeom>
+          <a:ln w="12700">
+            <a:miter lim="400000"/>
+          </a:ln>
           <a:extLst>
             <a:ext uri="{C572A759-6A51-4108-AA02-DFA0A04FC94B}">
               <ma14:wrappingTextBoxFlag xmlns:ma14="http://schemas.microsoft.com/office/mac/drawingml/2011/main" val="1"/>
@@ -5505,25 +7671,25 @@
           </a:extLst>
         </p:spPr>
         <p:txBody>
-          <a:bodyPr>
-            <a:normAutofit lnSpcReduction="10000"/>
+          <a:bodyPr lIns="45719" rIns="45719">
+            <a:spAutoFit/>
           </a:bodyPr>
-          <a:lstStyle/>
+          <a:lstStyle>
+            <a:lvl1pPr>
+              <a:defRPr sz="1400" b="1" i="1"/>
+            </a:lvl1pPr>
+          </a:lstStyle>
           <a:p>
             <a:pPr>
-              <a:defRPr sz="2400"/>
-            </a:pPr>
-            <a:fld id="{86CB4B4D-7CA3-9044-876B-883B54F8677D}" type="slidenum">
-              <a:rPr sz="1400"/>
-              <a:t>19</a:t>
-            </a:fld>
-            <a:endParaRPr sz="1400"/>
-          </a:p>
-        </p:txBody>
-      </p:sp>
-      <p:sp>
-        <p:nvSpPr>
-          <p:cNvPr id="197" name="Shape 197"/>
+              <a:defRPr sz="2400" b="0" i="0"/>
+            </a:pPr>
+            <a:endParaRPr sz="1400" b="1" i="1" dirty="0"/>
+          </a:p>
+        </p:txBody>
+      </p:sp>
+      <p:sp>
+        <p:nvSpPr>
+          <p:cNvPr id="185" name="Shape 185"/>
           <p:cNvSpPr>
             <a:spLocks noGrp="1"/>
           </p:cNvSpPr>
@@ -5533,8 +7699,8 @@
         </p:nvSpPr>
         <p:spPr>
           <a:xfrm>
-            <a:off x="657225" y="0"/>
-            <a:ext cx="7772400" cy="762000"/>
+            <a:off x="533400" y="228599"/>
+            <a:ext cx="7772400" cy="1143002"/>
           </a:xfrm>
           <a:prstGeom prst="rect">
             <a:avLst/>
@@ -5545,24 +7711,24 @@
             <a:normAutofit/>
           </a:bodyPr>
           <a:lstStyle>
-            <a:lvl1pPr>
-              <a:defRPr sz="4000"/>
+            <a:lvl1pPr defTabSz="740663">
+              <a:defRPr sz="2916"/>
             </a:lvl1pPr>
           </a:lstStyle>
           <a:p>
             <a:pPr>
-              <a:defRPr sz="4400"/>
-            </a:pPr>
-            <a:r>
-              <a:rPr sz="4000"/>
-              <a:t>Impact of Page Size on Page tables</a:t>
-            </a:r>
-          </a:p>
-        </p:txBody>
-      </p:sp>
-      <p:sp>
-        <p:nvSpPr>
-          <p:cNvPr id="198" name="Shape 198"/>
+              <a:defRPr sz="3240"/>
+            </a:pPr>
+            <a:r>
+              <a:rPr sz="2916"/>
+              <a:t>Two types of memory translation architectures</a:t>
+            </a:r>
+          </a:p>
+        </p:txBody>
+      </p:sp>
+      <p:sp>
+        <p:nvSpPr>
+          <p:cNvPr id="186" name="Shape 186"/>
           <p:cNvSpPr>
             <a:spLocks noGrp="1"/>
           </p:cNvSpPr>
@@ -5572,8 +7738,8 @@
         </p:nvSpPr>
         <p:spPr>
           <a:xfrm>
-            <a:off x="381000" y="1295400"/>
-            <a:ext cx="8401050" cy="5105400"/>
+            <a:off x="533400" y="1475730"/>
+            <a:ext cx="7772400" cy="5036841"/>
           </a:xfrm>
           <a:prstGeom prst="rect">
             <a:avLst/>
@@ -5585,102 +7751,145 @@
           </a:bodyPr>
           <a:lstStyle/>
           <a:p>
-            <a:pPr algn="ctr">
-              <a:buSzTx/>
-              <a:buNone/>
-            </a:pPr>
-            <a:r>
-              <a:rPr dirty="0"/>
-              <a:t>Small page size</a:t>
-            </a:r>
-          </a:p>
-          <a:p>
-            <a:pPr>
-              <a:buChar char="•"/>
-            </a:pPr>
-            <a:r>
-              <a:rPr dirty="0"/>
-              <a:t>Advantages</a:t>
-            </a:r>
-          </a:p>
-          <a:p>
-            <a:pPr marL="742950" lvl="1" indent="-285750">
+            <a:pPr marL="264032" indent="-264032" defTabSz="704087">
               <a:spcBef>
-                <a:spcPts val="600"/>
+                <a:spcPts val="500"/>
               </a:spcBef>
-              <a:defRPr sz="2800">
-                <a:solidFill>
-                  <a:srgbClr val="000000"/>
-                </a:solidFill>
-              </a:defRPr>
-            </a:pPr>
-            <a:r>
-              <a:rPr dirty="0"/>
-              <a:t>less internal fragmentation </a:t>
-            </a:r>
-          </a:p>
-          <a:p>
-            <a:pPr marL="742950" lvl="1" indent="-285750">
+              <a:buChar char="❑"/>
+              <a:defRPr sz="2156"/>
+            </a:pPr>
+            <a:r>
+              <a:t>Architected Page Tables</a:t>
+            </a:r>
+          </a:p>
+          <a:p>
+            <a:pPr marL="572071" lvl="1" indent="-220027" defTabSz="704087">
               <a:spcBef>
-                <a:spcPts val="600"/>
+                <a:spcPts val="400"/>
               </a:spcBef>
-              <a:defRPr sz="2800">
-                <a:solidFill>
-                  <a:srgbClr val="000000"/>
-                </a:solidFill>
-              </a:defRPr>
-            </a:pPr>
-            <a:r>
-              <a:rPr dirty="0"/>
-              <a:t>page-in/page-out less expensive</a:t>
-            </a:r>
-          </a:p>
-          <a:p>
-            <a:pPr marL="742950" lvl="1" indent="-285750">
+              <a:buFont typeface="Zapf Dingbats"/>
+              <a:defRPr sz="1848"/>
+            </a:pPr>
+            <a:r>
+              <a:t>Page table interface defined by ISA and understood by memory translation hardware</a:t>
+            </a:r>
+          </a:p>
+          <a:p>
+            <a:pPr marL="572071" lvl="1" indent="-220027" defTabSz="704087">
               <a:spcBef>
-                <a:spcPts val="600"/>
+                <a:spcPts val="400"/>
               </a:spcBef>
-              <a:defRPr sz="2800">
-                <a:solidFill>
-                  <a:srgbClr val="000000"/>
-                </a:solidFill>
-              </a:defRPr>
-            </a:pPr>
-            <a:endParaRPr dirty="0"/>
-          </a:p>
-          <a:p>
-            <a:pPr>
-              <a:buChar char="•"/>
-            </a:pPr>
-            <a:endParaRPr sz="2800" dirty="0">
-              <a:solidFill>
-                <a:srgbClr val="000000"/>
-              </a:solidFill>
-            </a:endParaRPr>
-          </a:p>
-          <a:p>
-            <a:pPr>
-              <a:buChar char="•"/>
-            </a:pPr>
-            <a:r>
-              <a:rPr dirty="0"/>
-              <a:t>Disadvantages</a:t>
-            </a:r>
-          </a:p>
-          <a:p>
-            <a:pPr marL="742950" lvl="1" indent="-285750">
+              <a:buFont typeface="Zapf Dingbats"/>
+              <a:defRPr sz="1848"/>
+            </a:pPr>
+            <a:r>
+              <a:t>E.g. x86 architecture</a:t>
+            </a:r>
+          </a:p>
+          <a:p>
+            <a:pPr marL="572071" lvl="1" indent="-220027" defTabSz="704087">
               <a:spcBef>
-                <a:spcPts val="600"/>
+                <a:spcPts val="400"/>
               </a:spcBef>
-              <a:defRPr sz="2800">
-                <a:solidFill>
-                  <a:srgbClr val="000000"/>
-                </a:solidFill>
-              </a:defRPr>
-            </a:pPr>
-            <a:r>
-              <a:rPr dirty="0"/>
-              <a:t>process that needs more pages has larger page table</a:t>
+              <a:buFont typeface="Zapf Dingbats"/>
+              <a:defRPr sz="1848"/>
+            </a:pPr>
+            <a:r>
+              <a:t>MMU handles TLB miss (in hardware)</a:t>
+            </a:r>
+          </a:p>
+          <a:p>
+            <a:pPr marL="572071" lvl="1" indent="-220027" defTabSz="704087">
+              <a:spcBef>
+                <a:spcPts val="400"/>
+              </a:spcBef>
+              <a:buFont typeface="Zapf Dingbats"/>
+              <a:defRPr sz="1848"/>
+            </a:pPr>
+            <a:r>
+              <a:t>OS handles page faults (in software)</a:t>
+            </a:r>
+          </a:p>
+          <a:p>
+            <a:pPr marL="572071" lvl="1" indent="-220027" defTabSz="704087">
+              <a:spcBef>
+                <a:spcPts val="400"/>
+              </a:spcBef>
+              <a:buFont typeface="Zapf Dingbats"/>
+              <a:defRPr sz="1848"/>
+            </a:pPr>
+            <a:r>
+              <a:t>ISA specifies page table format</a:t>
+            </a:r>
+          </a:p>
+          <a:p>
+            <a:pPr marL="572071" lvl="1" indent="-220027" defTabSz="704087">
+              <a:spcBef>
+                <a:spcPts val="400"/>
+              </a:spcBef>
+              <a:buFont typeface="Zapf Dingbats"/>
+              <a:defRPr sz="1848"/>
+            </a:pPr>
+            <a:endParaRPr/>
+          </a:p>
+          <a:p>
+            <a:pPr marL="264032" indent="-264032" defTabSz="704087">
+              <a:spcBef>
+                <a:spcPts val="500"/>
+              </a:spcBef>
+              <a:buChar char="❑"/>
+              <a:defRPr sz="2156"/>
+            </a:pPr>
+            <a:r>
+              <a:t>Architected TLBs</a:t>
+            </a:r>
+          </a:p>
+          <a:p>
+            <a:pPr marL="572071" lvl="1" indent="-220027" defTabSz="704087">
+              <a:spcBef>
+                <a:spcPts val="400"/>
+              </a:spcBef>
+              <a:buFont typeface="Zapf Dingbats"/>
+              <a:defRPr sz="1848"/>
+            </a:pPr>
+            <a:r>
+              <a:t>TLB interface defined by ISA and understood by MMU</a:t>
+            </a:r>
+          </a:p>
+          <a:p>
+            <a:pPr marL="572071" lvl="1" indent="-220027" defTabSz="704087">
+              <a:spcBef>
+                <a:spcPts val="400"/>
+              </a:spcBef>
+              <a:buFont typeface="Zapf Dingbats"/>
+              <a:defRPr sz="1848"/>
+            </a:pPr>
+            <a:r>
+              <a:t>E.g. alpha architecture</a:t>
+            </a:r>
+          </a:p>
+          <a:p>
+            <a:pPr marL="572071" lvl="1" indent="-220027" defTabSz="704087">
+              <a:spcBef>
+                <a:spcPts val="400"/>
+              </a:spcBef>
+              <a:buFont typeface="Zapf Dingbats"/>
+              <a:defRPr sz="1848"/>
+            </a:pPr>
+            <a:r>
+              <a:t>TLB miss handled by OS (in software)</a:t>
+            </a:r>
+          </a:p>
+          <a:p>
+            <a:pPr marL="572071" lvl="1" indent="-220027" defTabSz="704087">
+              <a:spcBef>
+                <a:spcPts val="400"/>
+              </a:spcBef>
+              <a:buFont typeface="Zapf Dingbats"/>
+              <a:defRPr sz="1848"/>
+            </a:pPr>
+            <a:r>
+              <a:t>ISA does not specify page table format</a:t>
             </a:r>
           </a:p>
         </p:txBody>
@@ -5965,6 +8174,13 @@
     <a:masterClrMapping/>
   </p:clrMapOvr>
   <p:transition spd="med"/>
+  <p:timing>
+    <p:tnLst>
+      <p:par>
+        <p:cTn id="1" dur="indefinite" restart="never" nodeType="tmRoot"/>
+      </p:par>
+    </p:tnLst>
+  </p:timing>
 </p:sld>
 </file>
 
@@ -5987,7 +8203,7 @@
       </p:grpSpPr>
       <p:sp>
         <p:nvSpPr>
-          <p:cNvPr id="200" name="Shape 200"/>
+          <p:cNvPr id="196" name="Shape 196"/>
           <p:cNvSpPr>
             <a:spLocks noGrp="1"/>
           </p:cNvSpPr>
@@ -6012,43 +8228,19 @@
           <a:lstStyle/>
           <a:p>
             <a:pPr>
-              <a:defRPr sz="2400" b="0">
-                <a:solidFill>
-                  <a:srgbClr val="EAEAEA"/>
-                </a:solidFill>
-                <a:latin typeface="Times New Roman"/>
-                <a:ea typeface="Times New Roman"/>
-                <a:cs typeface="Times New Roman"/>
-                <a:sym typeface="Times New Roman"/>
-              </a:defRPr>
+              <a:defRPr sz="2400"/>
             </a:pPr>
             <a:fld id="{86CB4B4D-7CA3-9044-876B-883B54F8677D}" type="slidenum">
-              <a:rPr sz="1400" b="1">
-                <a:solidFill>
-                  <a:srgbClr val="5F72D4"/>
-                </a:solidFill>
-                <a:latin typeface="Arial Narrow"/>
-                <a:ea typeface="Arial Narrow"/>
-                <a:cs typeface="Arial Narrow"/>
-                <a:sym typeface="Arial Narrow"/>
-              </a:rPr>
+              <a:rPr sz="1400"/>
               <a:t>20</a:t>
             </a:fld>
-            <a:endParaRPr sz="1400" b="1">
-              <a:solidFill>
-                <a:srgbClr val="5F72D4"/>
-              </a:solidFill>
-              <a:latin typeface="Arial Narrow"/>
-              <a:ea typeface="Arial Narrow"/>
-              <a:cs typeface="Arial Narrow"/>
-              <a:sym typeface="Arial Narrow"/>
-            </a:endParaRPr>
-          </a:p>
-        </p:txBody>
-      </p:sp>
-      <p:sp>
-        <p:nvSpPr>
-          <p:cNvPr id="201" name="Shape 201"/>
+            <a:endParaRPr sz="1400"/>
+          </a:p>
+        </p:txBody>
+      </p:sp>
+      <p:sp>
+        <p:nvSpPr>
+          <p:cNvPr id="197" name="Shape 197"/>
           <p:cNvSpPr>
             <a:spLocks noGrp="1"/>
           </p:cNvSpPr>
@@ -6058,8 +8250,8 @@
         </p:nvSpPr>
         <p:spPr>
           <a:xfrm>
-            <a:off x="-140494" y="12700"/>
-            <a:ext cx="9185276" cy="844550"/>
+            <a:off x="657225" y="0"/>
+            <a:ext cx="7772400" cy="762000"/>
           </a:xfrm>
           <a:prstGeom prst="rect">
             <a:avLst/>
@@ -6070,29 +8262,24 @@
             <a:normAutofit/>
           </a:bodyPr>
           <a:lstStyle>
-            <a:lvl1pPr algn="ctr">
-              <a:defRPr>
-                <a:solidFill>
-                  <a:srgbClr val="FF2600"/>
-                </a:solidFill>
-              </a:defRPr>
+            <a:lvl1pPr>
+              <a:defRPr sz="4000"/>
             </a:lvl1pPr>
           </a:lstStyle>
           <a:p>
-            <a:r>
-              <a:rPr dirty="0">
-                <a:solidFill>
-                  <a:schemeClr val="tx1"/>
-                </a:solidFill>
-              </a:rPr>
-              <a:t>TLB Coverage</a:t>
-            </a:r>
-          </a:p>
-        </p:txBody>
-      </p:sp>
-      <p:sp>
-        <p:nvSpPr>
-          <p:cNvPr id="202" name="Shape 202"/>
+            <a:pPr>
+              <a:defRPr sz="4400"/>
+            </a:pPr>
+            <a:r>
+              <a:rPr sz="4000"/>
+              <a:t>Impact of Page Size on Page tables</a:t>
+            </a:r>
+          </a:p>
+        </p:txBody>
+      </p:sp>
+      <p:sp>
+        <p:nvSpPr>
+          <p:cNvPr id="198" name="Shape 198"/>
           <p:cNvSpPr>
             <a:spLocks noGrp="1"/>
           </p:cNvSpPr>
@@ -6102,8 +8289,8 @@
         </p:nvSpPr>
         <p:spPr>
           <a:xfrm>
-            <a:off x="381000" y="843756"/>
-            <a:ext cx="8382000" cy="5885558"/>
+            <a:off x="381000" y="1295400"/>
+            <a:ext cx="8401050" cy="5105400"/>
           </a:xfrm>
           <a:prstGeom prst="rect">
             <a:avLst/>
@@ -6111,451 +8298,106 @@
         </p:spPr>
         <p:txBody>
           <a:bodyPr>
-            <a:normAutofit lnSpcReduction="10000"/>
+            <a:normAutofit/>
           </a:bodyPr>
           <a:lstStyle/>
           <a:p>
-            <a:pPr defTabSz="457200">
+            <a:pPr algn="ctr">
+              <a:buSzTx/>
+              <a:buNone/>
+            </a:pPr>
+            <a:r>
+              <a:rPr dirty="0"/>
+              <a:t>Small page size</a:t>
+            </a:r>
+          </a:p>
+          <a:p>
+            <a:pPr>
+              <a:buChar char="•"/>
+            </a:pPr>
+            <a:r>
+              <a:rPr dirty="0"/>
+              <a:t>Advantages</a:t>
+            </a:r>
+          </a:p>
+          <a:p>
+            <a:pPr marL="742950" lvl="1" indent="-285750">
               <a:spcBef>
-                <a:spcPts val="300"/>
+                <a:spcPts val="600"/>
               </a:spcBef>
-              <a:buClr>
-                <a:schemeClr val="tx1"/>
-              </a:buClr>
-              <a:defRPr sz="1600">
-                <a:effectLst>
-                  <a:outerShdw blurRad="6350" dist="12700" dir="2700000" rotWithShape="0">
-                    <a:srgbClr val="DDDDDD"/>
-                  </a:outerShdw>
-                </a:effectLst>
+              <a:defRPr sz="2800">
+                <a:solidFill>
+                  <a:srgbClr val="000000"/>
+                </a:solidFill>
               </a:defRPr>
             </a:pPr>
             <a:r>
               <a:rPr dirty="0"/>
-              <a:t>Max amount of memory mapped by TLB</a:t>
-            </a:r>
-            <a:endParaRPr sz="1400" dirty="0"/>
-          </a:p>
-          <a:p>
-            <a:pPr marL="512763" lvl="1" indent="-285750" defTabSz="457200">
+              <a:t>less internal fragmentation </a:t>
+            </a:r>
+          </a:p>
+          <a:p>
+            <a:pPr marL="742950" lvl="1" indent="-285750">
               <a:spcBef>
-                <a:spcPts val="300"/>
+                <a:spcPts val="600"/>
               </a:spcBef>
-              <a:buClr>
-                <a:schemeClr val="tx1"/>
-              </a:buClr>
-              <a:defRPr sz="1400">
-                <a:effectLst>
-                  <a:outerShdw blurRad="6350" dist="12700" dir="2700000" rotWithShape="0">
-                    <a:srgbClr val="DDDDDD"/>
-                  </a:outerShdw>
-                </a:effectLst>
+              <a:defRPr sz="2800">
+                <a:solidFill>
+                  <a:srgbClr val="000000"/>
+                </a:solidFill>
               </a:defRPr>
             </a:pPr>
             <a:r>
               <a:rPr dirty="0"/>
-              <a:t>Max mount of memory that can be accessed without TLB misses</a:t>
-            </a:r>
-          </a:p>
-          <a:p>
-            <a:pPr defTabSz="457200">
+              <a:t>page-in/page-out less expensive</a:t>
+            </a:r>
+          </a:p>
+          <a:p>
+            <a:pPr marL="742950" lvl="1" indent="-285750">
               <a:spcBef>
-                <a:spcPts val="300"/>
+                <a:spcPts val="600"/>
               </a:spcBef>
-              <a:buClr>
-                <a:schemeClr val="tx1"/>
-              </a:buClr>
-              <a:defRPr sz="1600">
-                <a:effectLst>
-                  <a:outerShdw blurRad="6350" dist="12700" dir="2700000" rotWithShape="0">
-                    <a:srgbClr val="DDDDDD"/>
-                  </a:outerShdw>
-                </a:effectLst>
+              <a:defRPr sz="2800">
+                <a:solidFill>
+                  <a:srgbClr val="000000"/>
+                </a:solidFill>
               </a:defRPr>
             </a:pPr>
             <a:endParaRPr dirty="0"/>
           </a:p>
           <a:p>
-            <a:pPr defTabSz="457200">
+            <a:pPr>
+              <a:buChar char="•"/>
+            </a:pPr>
+            <a:endParaRPr sz="2800" dirty="0">
+              <a:solidFill>
+                <a:srgbClr val="000000"/>
+              </a:solidFill>
+            </a:endParaRPr>
+          </a:p>
+          <a:p>
+            <a:pPr>
+              <a:buChar char="•"/>
+            </a:pPr>
+            <a:r>
+              <a:rPr dirty="0"/>
+              <a:t>Disadvantages</a:t>
+            </a:r>
+          </a:p>
+          <a:p>
+            <a:pPr marL="742950" lvl="1" indent="-285750">
               <a:spcBef>
-                <a:spcPts val="300"/>
+                <a:spcPts val="600"/>
               </a:spcBef>
-              <a:buClr>
-                <a:schemeClr val="tx1"/>
-              </a:buClr>
-              <a:defRPr sz="1600">
-                <a:effectLst>
-                  <a:outerShdw blurRad="6350" dist="12700" dir="2700000" rotWithShape="0">
-                    <a:srgbClr val="DDDDDD"/>
-                  </a:outerShdw>
-                </a:effectLst>
+              <a:defRPr sz="2800">
+                <a:solidFill>
+                  <a:srgbClr val="000000"/>
+                </a:solidFill>
               </a:defRPr>
             </a:pPr>
             <a:r>
               <a:rPr dirty="0"/>
-              <a:t>TLB Coverage = N x P bytes</a:t>
-            </a:r>
-          </a:p>
-          <a:p>
-            <a:pPr marL="512763" lvl="1" indent="-285750" defTabSz="457200">
-              <a:spcBef>
-                <a:spcPts val="300"/>
-              </a:spcBef>
-              <a:buClr>
-                <a:schemeClr val="tx1"/>
-              </a:buClr>
-              <a:defRPr sz="1600">
-                <a:effectLst>
-                  <a:outerShdw blurRad="6350" dist="12700" dir="2700000" rotWithShape="0">
-                    <a:srgbClr val="DDDDDD"/>
-                  </a:outerShdw>
-                </a:effectLst>
-              </a:defRPr>
-            </a:pPr>
-            <a:r>
-              <a:rPr dirty="0"/>
-              <a:t>N = Number of entries in TLB</a:t>
-            </a:r>
-          </a:p>
-          <a:p>
-            <a:pPr marL="512763" lvl="1" indent="-285750" defTabSz="457200">
-              <a:spcBef>
-                <a:spcPts val="300"/>
-              </a:spcBef>
-              <a:buClr>
-                <a:schemeClr val="tx1"/>
-              </a:buClr>
-              <a:defRPr sz="1600">
-                <a:effectLst>
-                  <a:outerShdw blurRad="6350" dist="12700" dir="2700000" rotWithShape="0">
-                    <a:srgbClr val="DDDDDD"/>
-                  </a:outerShdw>
-                </a:effectLst>
-              </a:defRPr>
-            </a:pPr>
-            <a:r>
-              <a:rPr dirty="0"/>
-              <a:t>P = Page size in bytes</a:t>
-            </a:r>
-          </a:p>
-          <a:p>
-            <a:pPr marL="512763" lvl="1" indent="-285750" defTabSz="457200">
-              <a:spcBef>
-                <a:spcPts val="300"/>
-              </a:spcBef>
-              <a:buClr>
-                <a:schemeClr val="tx1"/>
-              </a:buClr>
-              <a:defRPr sz="1600">
-                <a:effectLst>
-                  <a:outerShdw blurRad="6350" dist="12700" dir="2700000" rotWithShape="0">
-                    <a:srgbClr val="DDDDDD"/>
-                  </a:outerShdw>
-                </a:effectLst>
-              </a:defRPr>
-            </a:pPr>
-            <a:r>
-              <a:rPr dirty="0"/>
-              <a:t>N is fixed by hardware constraints</a:t>
-            </a:r>
-          </a:p>
-          <a:p>
-            <a:pPr marL="512763" lvl="1" indent="-285750" defTabSz="457200">
-              <a:spcBef>
-                <a:spcPts val="300"/>
-              </a:spcBef>
-              <a:buClr>
-                <a:schemeClr val="tx1"/>
-              </a:buClr>
-              <a:defRPr sz="1600">
-                <a:effectLst>
-                  <a:outerShdw blurRad="6350" dist="12700" dir="2700000" rotWithShape="0">
-                    <a:srgbClr val="DDDDDD"/>
-                  </a:outerShdw>
-                </a:effectLst>
-              </a:defRPr>
-            </a:pPr>
-            <a:r>
-              <a:rPr dirty="0"/>
-              <a:t>So, to increase TLB Coverage, we must increase P.</a:t>
-            </a:r>
-          </a:p>
-          <a:p>
-            <a:pPr marL="512763" lvl="1" indent="-285750" defTabSz="457200">
-              <a:spcBef>
-                <a:spcPts val="300"/>
-              </a:spcBef>
-              <a:buClr>
-                <a:schemeClr val="tx1"/>
-              </a:buClr>
-              <a:defRPr sz="1600">
-                <a:effectLst>
-                  <a:outerShdw blurRad="6350" dist="12700" dir="2700000" rotWithShape="0">
-                    <a:srgbClr val="DDDDDD"/>
-                  </a:outerShdw>
-                </a:effectLst>
-              </a:defRPr>
-            </a:pPr>
-            <a:endParaRPr dirty="0"/>
-          </a:p>
-          <a:p>
-            <a:pPr defTabSz="457200">
-              <a:spcBef>
-                <a:spcPts val="300"/>
-              </a:spcBef>
-              <a:buClr>
-                <a:schemeClr val="tx1"/>
-              </a:buClr>
-              <a:defRPr sz="1600">
-                <a:effectLst>
-                  <a:outerShdw blurRad="6350" dist="12700" dir="2700000" rotWithShape="0">
-                    <a:srgbClr val="DDDDDD"/>
-                  </a:outerShdw>
-                </a:effectLst>
-              </a:defRPr>
-            </a:pPr>
-            <a:r>
-              <a:rPr dirty="0"/>
-              <a:t>Consider these extreme examples</a:t>
-            </a:r>
-          </a:p>
-          <a:p>
-            <a:pPr marL="512763" lvl="1" indent="-285750" defTabSz="457200">
-              <a:spcBef>
-                <a:spcPts val="300"/>
-              </a:spcBef>
-              <a:buClr>
-                <a:schemeClr val="tx1"/>
-              </a:buClr>
-              <a:defRPr sz="1600">
-                <a:effectLst>
-                  <a:outerShdw blurRad="6350" dist="12700" dir="2700000" rotWithShape="0">
-                    <a:srgbClr val="DDDDDD"/>
-                  </a:outerShdw>
-                </a:effectLst>
-              </a:defRPr>
-            </a:pPr>
-            <a:r>
-              <a:rPr dirty="0"/>
-              <a:t>Suppose P = 1 byte</a:t>
-            </a:r>
-          </a:p>
-          <a:p>
-            <a:pPr marL="713581" lvl="2" indent="-285750" defTabSz="457200">
-              <a:spcBef>
-                <a:spcPts val="300"/>
-              </a:spcBef>
-              <a:buClr>
-                <a:schemeClr val="tx1"/>
-              </a:buClr>
-              <a:defRPr sz="1600">
-                <a:effectLst>
-                  <a:outerShdw blurRad="6350" dist="12700" dir="2700000" rotWithShape="0">
-                    <a:srgbClr val="DDDDDD"/>
-                  </a:outerShdw>
-                </a:effectLst>
-              </a:defRPr>
-            </a:pPr>
-            <a:r>
-              <a:rPr dirty="0"/>
-              <a:t>TLB Coverage = N bytes only</a:t>
-            </a:r>
-          </a:p>
-          <a:p>
-            <a:pPr marL="512763" lvl="1" indent="-285750" defTabSz="457200">
-              <a:spcBef>
-                <a:spcPts val="300"/>
-              </a:spcBef>
-              <a:buClr>
-                <a:schemeClr val="tx1"/>
-              </a:buClr>
-              <a:defRPr sz="1600">
-                <a:effectLst>
-                  <a:outerShdw blurRad="6350" dist="12700" dir="2700000" rotWithShape="0">
-                    <a:srgbClr val="DDDDDD"/>
-                  </a:outerShdw>
-                </a:effectLst>
-              </a:defRPr>
-            </a:pPr>
-            <a:r>
-              <a:rPr dirty="0"/>
-              <a:t>Suppose P = 2^64 bytes (on a 64-bit ISA)</a:t>
-            </a:r>
-          </a:p>
-          <a:p>
-            <a:pPr marL="713581" lvl="2" indent="-285750" defTabSz="457200">
-              <a:spcBef>
-                <a:spcPts val="300"/>
-              </a:spcBef>
-              <a:buClr>
-                <a:schemeClr val="tx1"/>
-              </a:buClr>
-              <a:defRPr sz="1600">
-                <a:effectLst>
-                  <a:outerShdw blurRad="6350" dist="12700" dir="2700000" rotWithShape="0">
-                    <a:srgbClr val="DDDDDD"/>
-                  </a:outerShdw>
-                </a:effectLst>
-              </a:defRPr>
-            </a:pPr>
-            <a:r>
-              <a:rPr dirty="0" smtClean="0"/>
-              <a:t>TLB </a:t>
-            </a:r>
-            <a:r>
-              <a:rPr dirty="0"/>
-              <a:t>Coverage = N x2^64bytes</a:t>
-            </a:r>
-          </a:p>
-          <a:p>
-            <a:pPr marL="713581" lvl="2" indent="-285750" defTabSz="457200">
-              <a:spcBef>
-                <a:spcPts val="300"/>
-              </a:spcBef>
-              <a:buClr>
-                <a:schemeClr val="tx1"/>
-              </a:buClr>
-              <a:defRPr sz="1600">
-                <a:effectLst>
-                  <a:outerShdw blurRad="6350" dist="12700" dir="2700000" rotWithShape="0">
-                    <a:srgbClr val="DDDDDD"/>
-                  </a:outerShdw>
-                </a:effectLst>
-              </a:defRPr>
-            </a:pPr>
-            <a:r>
-              <a:rPr dirty="0"/>
-              <a:t>TLB can perform translations for N processes without any TLB misses!</a:t>
-            </a:r>
-          </a:p>
-          <a:p>
-            <a:pPr defTabSz="457200">
-              <a:spcBef>
-                <a:spcPts val="300"/>
-              </a:spcBef>
-              <a:buClr>
-                <a:schemeClr val="tx1"/>
-              </a:buClr>
-              <a:defRPr sz="1600">
-                <a:effectLst>
-                  <a:outerShdw blurRad="6350" dist="12700" dir="2700000" rotWithShape="0">
-                    <a:srgbClr val="DDDDDD"/>
-                  </a:outerShdw>
-                </a:effectLst>
-              </a:defRPr>
-            </a:pPr>
-            <a:endParaRPr dirty="0"/>
-          </a:p>
-          <a:p>
-            <a:pPr defTabSz="457200">
-              <a:spcBef>
-                <a:spcPts val="300"/>
-              </a:spcBef>
-              <a:buClr>
-                <a:schemeClr val="tx1"/>
-              </a:buClr>
-              <a:defRPr sz="1600">
-                <a:effectLst>
-                  <a:outerShdw blurRad="6350" dist="12700" dir="2700000" rotWithShape="0">
-                    <a:srgbClr val="DDDDDD"/>
-                  </a:outerShdw>
-                </a:effectLst>
-              </a:defRPr>
-            </a:pPr>
-            <a:r>
-              <a:rPr dirty="0"/>
-              <a:t>Of course, both examples above are </a:t>
-            </a:r>
-            <a:r>
-              <a:rPr dirty="0" smtClean="0"/>
-              <a:t>impractical</a:t>
-            </a:r>
-            <a:r>
-              <a:rPr lang="en-US" dirty="0"/>
-              <a:t> </a:t>
-            </a:r>
-            <a:r>
-              <a:rPr lang="en-US" dirty="0" smtClean="0"/>
-              <a:t>and meant to illustrate the tradeoffs.</a:t>
-            </a:r>
-            <a:endParaRPr dirty="0"/>
-          </a:p>
-          <a:p>
-            <a:pPr defTabSz="457200">
-              <a:spcBef>
-                <a:spcPts val="300"/>
-              </a:spcBef>
-              <a:buClr>
-                <a:schemeClr val="tx1"/>
-              </a:buClr>
-              <a:defRPr sz="1600">
-                <a:effectLst>
-                  <a:outerShdw blurRad="6350" dist="12700" dir="2700000" rotWithShape="0">
-                    <a:srgbClr val="DDDDDD"/>
-                  </a:outerShdw>
-                </a:effectLst>
-              </a:defRPr>
-            </a:pPr>
-            <a:endParaRPr dirty="0"/>
-          </a:p>
-          <a:p>
-            <a:pPr defTabSz="457200">
-              <a:spcBef>
-                <a:spcPts val="300"/>
-              </a:spcBef>
-              <a:buClr>
-                <a:schemeClr val="tx1"/>
-              </a:buClr>
-              <a:defRPr sz="1600">
-                <a:effectLst>
-                  <a:outerShdw blurRad="6350" dist="12700" dir="2700000" rotWithShape="0">
-                    <a:srgbClr val="DDDDDD"/>
-                  </a:outerShdw>
-                </a:effectLst>
-              </a:defRPr>
-            </a:pPr>
-            <a:r>
-              <a:rPr dirty="0"/>
-              <a:t>But what if P is something reasonable, but greater than than the standard 4KB?</a:t>
-            </a:r>
-          </a:p>
-          <a:p>
-            <a:pPr marL="512763" lvl="1" indent="-285750" defTabSz="457200">
-              <a:spcBef>
-                <a:spcPts val="300"/>
-              </a:spcBef>
-              <a:buClr>
-                <a:schemeClr val="tx1"/>
-              </a:buClr>
-              <a:defRPr sz="1600">
-                <a:effectLst>
-                  <a:outerShdw blurRad="6350" dist="12700" dir="2700000" rotWithShape="0">
-                    <a:srgbClr val="DDDDDD"/>
-                  </a:outerShdw>
-                </a:effectLst>
-              </a:defRPr>
-            </a:pPr>
-            <a:endParaRPr dirty="0"/>
-          </a:p>
-          <a:p>
-            <a:pPr defTabSz="457200">
-              <a:spcBef>
-                <a:spcPts val="300"/>
-              </a:spcBef>
-              <a:buClr>
-                <a:schemeClr val="tx1"/>
-              </a:buClr>
-              <a:defRPr sz="1600">
-                <a:effectLst>
-                  <a:outerShdw blurRad="6350" dist="12700" dir="2700000" rotWithShape="0">
-                    <a:srgbClr val="DDDDDD"/>
-                  </a:outerShdw>
-                </a:effectLst>
-              </a:defRPr>
-            </a:pPr>
-            <a:r>
-              <a:rPr dirty="0"/>
-              <a:t>This brings us next to superpages.</a:t>
+              <a:t>process that needs more pages has larger page table</a:t>
             </a:r>
           </a:p>
         </p:txBody>
@@ -6588,7 +8430,68 @@
       </p:grpSpPr>
       <p:sp>
         <p:nvSpPr>
-          <p:cNvPr id="206" name="Shape 206"/>
+          <p:cNvPr id="200" name="Shape 200"/>
+          <p:cNvSpPr>
+            <a:spLocks noGrp="1"/>
+          </p:cNvSpPr>
+          <p:nvPr>
+            <p:ph type="sldNum" sz="quarter" idx="2"/>
+          </p:nvPr>
+        </p:nvSpPr>
+        <p:spPr>
+          <a:prstGeom prst="rect">
+            <a:avLst/>
+          </a:prstGeom>
+          <a:extLst>
+            <a:ext uri="{C572A759-6A51-4108-AA02-DFA0A04FC94B}">
+              <ma14:wrappingTextBoxFlag xmlns:ma14="http://schemas.microsoft.com/office/mac/drawingml/2011/main" val="1"/>
+            </a:ext>
+          </a:extLst>
+        </p:spPr>
+        <p:txBody>
+          <a:bodyPr>
+            <a:normAutofit lnSpcReduction="10000"/>
+          </a:bodyPr>
+          <a:lstStyle/>
+          <a:p>
+            <a:pPr>
+              <a:defRPr sz="2400" b="0">
+                <a:solidFill>
+                  <a:srgbClr val="EAEAEA"/>
+                </a:solidFill>
+                <a:latin typeface="Times New Roman"/>
+                <a:ea typeface="Times New Roman"/>
+                <a:cs typeface="Times New Roman"/>
+                <a:sym typeface="Times New Roman"/>
+              </a:defRPr>
+            </a:pPr>
+            <a:fld id="{86CB4B4D-7CA3-9044-876B-883B54F8677D}" type="slidenum">
+              <a:rPr sz="1400" b="1">
+                <a:solidFill>
+                  <a:srgbClr val="5F72D4"/>
+                </a:solidFill>
+                <a:latin typeface="Arial Narrow"/>
+                <a:ea typeface="Arial Narrow"/>
+                <a:cs typeface="Arial Narrow"/>
+                <a:sym typeface="Arial Narrow"/>
+              </a:rPr>
+              <a:t>21</a:t>
+            </a:fld>
+            <a:endParaRPr sz="1400" b="1">
+              <a:solidFill>
+                <a:srgbClr val="5F72D4"/>
+              </a:solidFill>
+              <a:latin typeface="Arial Narrow"/>
+              <a:ea typeface="Arial Narrow"/>
+              <a:cs typeface="Arial Narrow"/>
+              <a:sym typeface="Arial Narrow"/>
+            </a:endParaRPr>
+          </a:p>
+        </p:txBody>
+      </p:sp>
+      <p:sp>
+        <p:nvSpPr>
+          <p:cNvPr id="201" name="Shape 201"/>
           <p:cNvSpPr>
             <a:spLocks noGrp="1"/>
           </p:cNvSpPr>
@@ -6598,8 +8501,8 @@
         </p:nvSpPr>
         <p:spPr>
           <a:xfrm>
-            <a:off x="-380206" y="-63500"/>
-            <a:ext cx="10058400" cy="844550"/>
+            <a:off x="-140494" y="12700"/>
+            <a:ext cx="9185276" cy="844550"/>
           </a:xfrm>
           <a:prstGeom prst="rect">
             <a:avLst/>
@@ -6609,17 +8512,30 @@
           <a:bodyPr>
             <a:normAutofit/>
           </a:bodyPr>
-          <a:lstStyle/>
-          <a:p>
-            <a:r>
-              <a:t>Superpages</a:t>
-            </a:r>
-          </a:p>
-        </p:txBody>
-      </p:sp>
-      <p:sp>
-        <p:nvSpPr>
-          <p:cNvPr id="207" name="Shape 207"/>
+          <a:lstStyle>
+            <a:lvl1pPr algn="ctr">
+              <a:defRPr>
+                <a:solidFill>
+                  <a:srgbClr val="FF2600"/>
+                </a:solidFill>
+              </a:defRPr>
+            </a:lvl1pPr>
+          </a:lstStyle>
+          <a:p>
+            <a:r>
+              <a:rPr dirty="0">
+                <a:solidFill>
+                  <a:schemeClr val="tx1"/>
+                </a:solidFill>
+              </a:rPr>
+              <a:t>TLB Coverage</a:t>
+            </a:r>
+          </a:p>
+        </p:txBody>
+      </p:sp>
+      <p:sp>
+        <p:nvSpPr>
+          <p:cNvPr id="202" name="Shape 202"/>
           <p:cNvSpPr>
             <a:spLocks noGrp="1"/>
           </p:cNvSpPr>
@@ -6629,8 +8545,8 @@
         </p:nvSpPr>
         <p:spPr>
           <a:xfrm>
-            <a:off x="389532" y="801836"/>
-            <a:ext cx="8364936" cy="5727701"/>
+            <a:off x="381000" y="843756"/>
+            <a:ext cx="8382000" cy="5885558"/>
           </a:xfrm>
           <a:prstGeom prst="rect">
             <a:avLst/>
@@ -6642,32 +8558,38 @@
           </a:bodyPr>
           <a:lstStyle/>
           <a:p>
-            <a:pPr marL="251396" indent="-251396" defTabSz="676655">
+            <a:pPr defTabSz="457200">
               <a:spcBef>
-                <a:spcPts val="500"/>
+                <a:spcPts val="300"/>
               </a:spcBef>
-              <a:buChar char="⬥"/>
-              <a:defRPr sz="2368">
+              <a:buClr>
+                <a:schemeClr val="tx1"/>
+              </a:buClr>
+              <a:defRPr sz="1600">
                 <a:effectLst>
-                  <a:outerShdw blurRad="9398" dist="18796" dir="2700000" rotWithShape="0">
+                  <a:outerShdw blurRad="6350" dist="12700" dir="2700000" rotWithShape="0">
                     <a:srgbClr val="DDDDDD"/>
                   </a:outerShdw>
                 </a:effectLst>
               </a:defRPr>
             </a:pPr>
             <a:r>
-              <a:t>Memory pages of larger sizes than standard pages</a:t>
-            </a:r>
-          </a:p>
-          <a:p>
-            <a:pPr marL="587375" lvl="1" indent="-251396" defTabSz="676655">
+              <a:rPr dirty="0"/>
+              <a:t>Max amount of memory mapped by TLB</a:t>
+            </a:r>
+            <a:endParaRPr sz="1400" dirty="0"/>
+          </a:p>
+          <a:p>
+            <a:pPr marL="512763" lvl="1" indent="-285750" defTabSz="457200">
               <a:spcBef>
-                <a:spcPts val="500"/>
+                <a:spcPts val="300"/>
               </a:spcBef>
-              <a:buChar char="⬥"/>
-              <a:defRPr sz="2368">
+              <a:buClr>
+                <a:schemeClr val="tx1"/>
+              </a:buClr>
+              <a:defRPr sz="1400">
                 <a:effectLst>
-                  <a:outerShdw blurRad="9398" dist="18796" dir="2700000" rotWithShape="0">
+                  <a:outerShdw blurRad="6350" dist="12700" dir="2700000" rotWithShape="0">
                     <a:srgbClr val="DDDDDD"/>
                   </a:outerShdw>
                 </a:effectLst>
@@ -6675,18 +8597,20 @@
             </a:pPr>
             <a:r>
               <a:rPr dirty="0"/>
-              <a:t>supported by most modern CPUs</a:t>
-            </a:r>
-          </a:p>
-          <a:p>
-            <a:pPr marL="251396" indent="-251396" defTabSz="676655">
+              <a:t>Max mount of memory that can be accessed without TLB misses</a:t>
+            </a:r>
+          </a:p>
+          <a:p>
+            <a:pPr defTabSz="457200">
               <a:spcBef>
-                <a:spcPts val="500"/>
+                <a:spcPts val="300"/>
               </a:spcBef>
-              <a:buChar char="⬥"/>
-              <a:defRPr sz="2368">
+              <a:buClr>
+                <a:schemeClr val="tx1"/>
+              </a:buClr>
+              <a:defRPr sz="1600">
                 <a:effectLst>
-                  <a:outerShdw blurRad="9398" dist="18796" dir="2700000" rotWithShape="0">
+                  <a:outerShdw blurRad="6350" dist="12700" dir="2700000" rotWithShape="0">
                     <a:srgbClr val="DDDDDD"/>
                   </a:outerShdw>
                 </a:effectLst>
@@ -6695,14 +8619,16 @@
             <a:endParaRPr dirty="0"/>
           </a:p>
           <a:p>
-            <a:pPr marL="251396" indent="-251396" defTabSz="676655">
+            <a:pPr defTabSz="457200">
               <a:spcBef>
-                <a:spcPts val="500"/>
+                <a:spcPts val="300"/>
               </a:spcBef>
-              <a:buChar char="⬥"/>
-              <a:defRPr sz="2368">
+              <a:buClr>
+                <a:schemeClr val="tx1"/>
+              </a:buClr>
+              <a:defRPr sz="1600">
                 <a:effectLst>
-                  <a:outerShdw blurRad="9398" dist="18796" dir="2700000" rotWithShape="0">
+                  <a:outerShdw blurRad="6350" dist="12700" dir="2700000" rotWithShape="0">
                     <a:srgbClr val="DDDDDD"/>
                   </a:outerShdw>
                 </a:effectLst>
@@ -6710,35 +8636,41 @@
             </a:pPr>
             <a:r>
               <a:rPr dirty="0"/>
-              <a:t>Superpage size = power of 2 x the base page size</a:t>
-            </a:r>
-            <a:endParaRPr sz="2072" dirty="0"/>
-          </a:p>
-          <a:p>
-            <a:pPr marL="251396" indent="-251396" defTabSz="676655">
+              <a:t>TLB Coverage = N x P bytes</a:t>
+            </a:r>
+          </a:p>
+          <a:p>
+            <a:pPr marL="512763" lvl="1" indent="-285750" defTabSz="457200">
               <a:spcBef>
-                <a:spcPts val="500"/>
+                <a:spcPts val="300"/>
               </a:spcBef>
-              <a:buChar char="⬥"/>
-              <a:defRPr sz="2368">
+              <a:buClr>
+                <a:schemeClr val="tx1"/>
+              </a:buClr>
+              <a:defRPr sz="1600">
                 <a:effectLst>
-                  <a:outerShdw blurRad="9398" dist="18796" dir="2700000" rotWithShape="0">
+                  <a:outerShdw blurRad="6350" dist="12700" dir="2700000" rotWithShape="0">
                     <a:srgbClr val="DDDDDD"/>
                   </a:outerShdw>
                 </a:effectLst>
               </a:defRPr>
             </a:pPr>
-            <a:endParaRPr sz="2072" dirty="0"/>
-          </a:p>
-          <a:p>
-            <a:pPr marL="251396" indent="-251396" defTabSz="676655">
+            <a:r>
+              <a:rPr dirty="0"/>
+              <a:t>N = Number of entries in TLB</a:t>
+            </a:r>
+          </a:p>
+          <a:p>
+            <a:pPr marL="512763" lvl="1" indent="-285750" defTabSz="457200">
               <a:spcBef>
-                <a:spcPts val="500"/>
+                <a:spcPts val="300"/>
               </a:spcBef>
-              <a:buChar char="⬥"/>
-              <a:defRPr sz="2368">
+              <a:buClr>
+                <a:schemeClr val="tx1"/>
+              </a:buClr>
+              <a:defRPr sz="1600">
                 <a:effectLst>
-                  <a:outerShdw blurRad="9398" dist="18796" dir="2700000" rotWithShape="0">
+                  <a:outerShdw blurRad="6350" dist="12700" dir="2700000" rotWithShape="0">
                     <a:srgbClr val="DDDDDD"/>
                   </a:outerShdw>
                 </a:effectLst>
@@ -6746,18 +8678,20 @@
             </a:pPr>
             <a:r>
               <a:rPr dirty="0"/>
-              <a:t>Only one TLB entry per superpage</a:t>
-            </a:r>
-          </a:p>
-          <a:p>
-            <a:pPr marL="587375" lvl="1" indent="-251396" defTabSz="676655">
+              <a:t>P = Page size in bytes</a:t>
+            </a:r>
+          </a:p>
+          <a:p>
+            <a:pPr marL="512763" lvl="1" indent="-285750" defTabSz="457200">
               <a:spcBef>
-                <a:spcPts val="500"/>
+                <a:spcPts val="300"/>
               </a:spcBef>
-              <a:buChar char="⬥"/>
-              <a:defRPr sz="2368">
+              <a:buClr>
+                <a:schemeClr val="tx1"/>
+              </a:buClr>
+              <a:defRPr sz="1600">
                 <a:effectLst>
-                  <a:outerShdw blurRad="9398" dist="18796" dir="2700000" rotWithShape="0">
+                  <a:outerShdw blurRad="6350" dist="12700" dir="2700000" rotWithShape="0">
                     <a:srgbClr val="DDDDDD"/>
                   </a:outerShdw>
                 </a:effectLst>
@@ -6765,54 +8699,59 @@
             </a:pPr>
             <a:r>
               <a:rPr dirty="0"/>
-              <a:t>But multiple (identical) page-table entries, one per base page</a:t>
-            </a:r>
-            <a:endParaRPr sz="2072" dirty="0"/>
-          </a:p>
-          <a:p>
-            <a:pPr marL="251396" indent="-251396" defTabSz="676655">
+              <a:t>N is fixed by hardware constraints</a:t>
+            </a:r>
+          </a:p>
+          <a:p>
+            <a:pPr marL="512763" lvl="1" indent="-285750" defTabSz="457200">
               <a:spcBef>
-                <a:spcPts val="500"/>
+                <a:spcPts val="300"/>
               </a:spcBef>
-              <a:buChar char="⬥"/>
-              <a:defRPr sz="2368">
+              <a:buClr>
+                <a:schemeClr val="tx1"/>
+              </a:buClr>
+              <a:defRPr sz="1600">
                 <a:effectLst>
-                  <a:outerShdw blurRad="9398" dist="18796" dir="2700000" rotWithShape="0">
+                  <a:outerShdw blurRad="6350" dist="12700" dir="2700000" rotWithShape="0">
                     <a:srgbClr val="DDDDDD"/>
                   </a:outerShdw>
                 </a:effectLst>
               </a:defRPr>
             </a:pPr>
-            <a:endParaRPr sz="2072" dirty="0"/>
-          </a:p>
-          <a:p>
-            <a:pPr marL="219971" indent="-219971" defTabSz="676655">
+            <a:r>
+              <a:rPr dirty="0"/>
+              <a:t>So, to increase TLB Coverage, we must increase P.</a:t>
+            </a:r>
+          </a:p>
+          <a:p>
+            <a:pPr marL="512763" lvl="1" indent="-285750" defTabSz="457200">
               <a:spcBef>
-                <a:spcPts val="500"/>
+                <a:spcPts val="300"/>
               </a:spcBef>
-              <a:buChar char="⬥"/>
-              <a:defRPr sz="2368">
+              <a:buClr>
+                <a:schemeClr val="tx1"/>
+              </a:buClr>
+              <a:defRPr sz="1600">
                 <a:effectLst>
-                  <a:outerShdw blurRad="9398" dist="18796" dir="2700000" rotWithShape="0">
+                  <a:outerShdw blurRad="6350" dist="12700" dir="2700000" rotWithShape="0">
                     <a:srgbClr val="DDDDDD"/>
                   </a:outerShdw>
                 </a:effectLst>
               </a:defRPr>
             </a:pPr>
-            <a:r>
-              <a:rPr sz="2072" dirty="0"/>
-              <a:t>Constraints:</a:t>
-            </a:r>
-          </a:p>
-          <a:p>
-            <a:pPr marL="587375" lvl="1" indent="-251396" defTabSz="676655">
+            <a:endParaRPr dirty="0"/>
+          </a:p>
+          <a:p>
+            <a:pPr defTabSz="457200">
               <a:spcBef>
-                <a:spcPts val="500"/>
+                <a:spcPts val="300"/>
               </a:spcBef>
-              <a:buChar char="⬥"/>
-              <a:defRPr sz="2368">
+              <a:buClr>
+                <a:schemeClr val="tx1"/>
+              </a:buClr>
+              <a:defRPr sz="1600">
                 <a:effectLst>
-                  <a:outerShdw blurRad="9398" dist="18796" dir="2700000" rotWithShape="0">
+                  <a:outerShdw blurRad="6350" dist="12700" dir="2700000" rotWithShape="0">
                     <a:srgbClr val="DDDDDD"/>
                   </a:outerShdw>
                 </a:effectLst>
@@ -6820,19 +8759,20 @@
             </a:pPr>
             <a:r>
               <a:rPr dirty="0"/>
-              <a:t>contiguous (physically and virtually)</a:t>
-            </a:r>
-            <a:endParaRPr sz="2072" dirty="0"/>
-          </a:p>
-          <a:p>
-            <a:pPr marL="587375" lvl="1" indent="-251396" defTabSz="676655">
+              <a:t>Consider these extreme examples</a:t>
+            </a:r>
+          </a:p>
+          <a:p>
+            <a:pPr marL="512763" lvl="1" indent="-285750" defTabSz="457200">
               <a:spcBef>
-                <a:spcPts val="500"/>
+                <a:spcPts val="300"/>
               </a:spcBef>
-              <a:buChar char="⬥"/>
-              <a:defRPr sz="2368">
+              <a:buClr>
+                <a:schemeClr val="tx1"/>
+              </a:buClr>
+              <a:defRPr sz="1600">
                 <a:effectLst>
-                  <a:outerShdw blurRad="9398" dist="18796" dir="2700000" rotWithShape="0">
+                  <a:outerShdw blurRad="6350" dist="12700" dir="2700000" rotWithShape="0">
                     <a:srgbClr val="DDDDDD"/>
                   </a:outerShdw>
                 </a:effectLst>
@@ -6840,19 +8780,20 @@
             </a:pPr>
             <a:r>
               <a:rPr dirty="0"/>
-              <a:t>aligned (physically and virtually)</a:t>
-            </a:r>
-            <a:endParaRPr sz="2072" dirty="0"/>
-          </a:p>
-          <a:p>
-            <a:pPr marL="587375" lvl="1" indent="-251396" defTabSz="676655">
+              <a:t>Suppose P = 1 byte</a:t>
+            </a:r>
+          </a:p>
+          <a:p>
+            <a:pPr marL="713581" lvl="2" indent="-285750" defTabSz="457200">
               <a:spcBef>
-                <a:spcPts val="500"/>
+                <a:spcPts val="300"/>
               </a:spcBef>
-              <a:buChar char="⬥"/>
-              <a:defRPr sz="2368">
+              <a:buClr>
+                <a:schemeClr val="tx1"/>
+              </a:buClr>
+              <a:defRPr sz="1600">
                 <a:effectLst>
-                  <a:outerShdw blurRad="9398" dist="18796" dir="2700000" rotWithShape="0">
+                  <a:outerShdw blurRad="6350" dist="12700" dir="2700000" rotWithShape="0">
                     <a:srgbClr val="DDDDDD"/>
                   </a:outerShdw>
                 </a:effectLst>
@@ -6860,19 +8801,20 @@
             </a:pPr>
             <a:r>
               <a:rPr dirty="0"/>
-              <a:t>uniform protection attributes</a:t>
-            </a:r>
-            <a:endParaRPr sz="2072" dirty="0"/>
-          </a:p>
-          <a:p>
-            <a:pPr marL="587375" lvl="1" indent="-251396" defTabSz="676655">
+              <a:t>TLB Coverage = N bytes only</a:t>
+            </a:r>
+          </a:p>
+          <a:p>
+            <a:pPr marL="512763" lvl="1" indent="-285750" defTabSz="457200">
               <a:spcBef>
-                <a:spcPts val="500"/>
+                <a:spcPts val="300"/>
               </a:spcBef>
-              <a:buChar char="⬥"/>
-              <a:defRPr sz="2368">
+              <a:buClr>
+                <a:schemeClr val="tx1"/>
+              </a:buClr>
+              <a:defRPr sz="1600">
                 <a:effectLst>
-                  <a:outerShdw blurRad="9398" dist="18796" dir="2700000" rotWithShape="0">
+                  <a:outerShdw blurRad="6350" dist="12700" dir="2700000" rotWithShape="0">
                     <a:srgbClr val="DDDDDD"/>
                   </a:outerShdw>
                 </a:effectLst>
@@ -6880,7 +8822,183 @@
             </a:pPr>
             <a:r>
               <a:rPr dirty="0"/>
-              <a:t>one reference bit, one dirty bit</a:t>
+              <a:t>Suppose P = 2^64 bytes (on a 64-bit ISA)</a:t>
+            </a:r>
+          </a:p>
+          <a:p>
+            <a:pPr marL="713581" lvl="2" indent="-285750" defTabSz="457200">
+              <a:spcBef>
+                <a:spcPts val="300"/>
+              </a:spcBef>
+              <a:buClr>
+                <a:schemeClr val="tx1"/>
+              </a:buClr>
+              <a:defRPr sz="1600">
+                <a:effectLst>
+                  <a:outerShdw blurRad="6350" dist="12700" dir="2700000" rotWithShape="0">
+                    <a:srgbClr val="DDDDDD"/>
+                  </a:outerShdw>
+                </a:effectLst>
+              </a:defRPr>
+            </a:pPr>
+            <a:r>
+              <a:rPr dirty="0" smtClean="0"/>
+              <a:t>TLB </a:t>
+            </a:r>
+            <a:r>
+              <a:rPr dirty="0"/>
+              <a:t>Coverage = N x2^64bytes</a:t>
+            </a:r>
+          </a:p>
+          <a:p>
+            <a:pPr marL="713581" lvl="2" indent="-285750" defTabSz="457200">
+              <a:spcBef>
+                <a:spcPts val="300"/>
+              </a:spcBef>
+              <a:buClr>
+                <a:schemeClr val="tx1"/>
+              </a:buClr>
+              <a:defRPr sz="1600">
+                <a:effectLst>
+                  <a:outerShdw blurRad="6350" dist="12700" dir="2700000" rotWithShape="0">
+                    <a:srgbClr val="DDDDDD"/>
+                  </a:outerShdw>
+                </a:effectLst>
+              </a:defRPr>
+            </a:pPr>
+            <a:r>
+              <a:rPr dirty="0"/>
+              <a:t>TLB can perform translations for N processes without any TLB misses!</a:t>
+            </a:r>
+          </a:p>
+          <a:p>
+            <a:pPr defTabSz="457200">
+              <a:spcBef>
+                <a:spcPts val="300"/>
+              </a:spcBef>
+              <a:buClr>
+                <a:schemeClr val="tx1"/>
+              </a:buClr>
+              <a:defRPr sz="1600">
+                <a:effectLst>
+                  <a:outerShdw blurRad="6350" dist="12700" dir="2700000" rotWithShape="0">
+                    <a:srgbClr val="DDDDDD"/>
+                  </a:outerShdw>
+                </a:effectLst>
+              </a:defRPr>
+            </a:pPr>
+            <a:endParaRPr dirty="0"/>
+          </a:p>
+          <a:p>
+            <a:pPr defTabSz="457200">
+              <a:spcBef>
+                <a:spcPts val="300"/>
+              </a:spcBef>
+              <a:buClr>
+                <a:schemeClr val="tx1"/>
+              </a:buClr>
+              <a:defRPr sz="1600">
+                <a:effectLst>
+                  <a:outerShdw blurRad="6350" dist="12700" dir="2700000" rotWithShape="0">
+                    <a:srgbClr val="DDDDDD"/>
+                  </a:outerShdw>
+                </a:effectLst>
+              </a:defRPr>
+            </a:pPr>
+            <a:r>
+              <a:rPr dirty="0"/>
+              <a:t>Of course, both examples above are </a:t>
+            </a:r>
+            <a:r>
+              <a:rPr dirty="0" smtClean="0"/>
+              <a:t>impractical</a:t>
+            </a:r>
+            <a:r>
+              <a:rPr lang="en-US" dirty="0"/>
+              <a:t> </a:t>
+            </a:r>
+            <a:r>
+              <a:rPr lang="en-US" dirty="0" smtClean="0"/>
+              <a:t>and meant to illustrate the tradeoffs.</a:t>
+            </a:r>
+            <a:endParaRPr dirty="0"/>
+          </a:p>
+          <a:p>
+            <a:pPr defTabSz="457200">
+              <a:spcBef>
+                <a:spcPts val="300"/>
+              </a:spcBef>
+              <a:buClr>
+                <a:schemeClr val="tx1"/>
+              </a:buClr>
+              <a:defRPr sz="1600">
+                <a:effectLst>
+                  <a:outerShdw blurRad="6350" dist="12700" dir="2700000" rotWithShape="0">
+                    <a:srgbClr val="DDDDDD"/>
+                  </a:outerShdw>
+                </a:effectLst>
+              </a:defRPr>
+            </a:pPr>
+            <a:endParaRPr dirty="0"/>
+          </a:p>
+          <a:p>
+            <a:pPr defTabSz="457200">
+              <a:spcBef>
+                <a:spcPts val="300"/>
+              </a:spcBef>
+              <a:buClr>
+                <a:schemeClr val="tx1"/>
+              </a:buClr>
+              <a:defRPr sz="1600">
+                <a:effectLst>
+                  <a:outerShdw blurRad="6350" dist="12700" dir="2700000" rotWithShape="0">
+                    <a:srgbClr val="DDDDDD"/>
+                  </a:outerShdw>
+                </a:effectLst>
+              </a:defRPr>
+            </a:pPr>
+            <a:r>
+              <a:rPr dirty="0"/>
+              <a:t>But what if P is something reasonable, but greater than than the standard 4KB?</a:t>
+            </a:r>
+          </a:p>
+          <a:p>
+            <a:pPr marL="512763" lvl="1" indent="-285750" defTabSz="457200">
+              <a:spcBef>
+                <a:spcPts val="300"/>
+              </a:spcBef>
+              <a:buClr>
+                <a:schemeClr val="tx1"/>
+              </a:buClr>
+              <a:defRPr sz="1600">
+                <a:effectLst>
+                  <a:outerShdw blurRad="6350" dist="12700" dir="2700000" rotWithShape="0">
+                    <a:srgbClr val="DDDDDD"/>
+                  </a:outerShdw>
+                </a:effectLst>
+              </a:defRPr>
+            </a:pPr>
+            <a:endParaRPr dirty="0"/>
+          </a:p>
+          <a:p>
+            <a:pPr defTabSz="457200">
+              <a:spcBef>
+                <a:spcPts val="300"/>
+              </a:spcBef>
+              <a:buClr>
+                <a:schemeClr val="tx1"/>
+              </a:buClr>
+              <a:defRPr sz="1600">
+                <a:effectLst>
+                  <a:outerShdw blurRad="6350" dist="12700" dir="2700000" rotWithShape="0">
+                    <a:srgbClr val="DDDDDD"/>
+                  </a:outerShdw>
+                </a:effectLst>
+              </a:defRPr>
+            </a:pPr>
+            <a:r>
+              <a:rPr dirty="0"/>
+              <a:t>This brings us next to superpages.</a:t>
             </a:r>
           </a:p>
         </p:txBody>
@@ -6913,6 +9031,331 @@
       </p:grpSpPr>
       <p:sp>
         <p:nvSpPr>
+          <p:cNvPr id="206" name="Shape 206"/>
+          <p:cNvSpPr>
+            <a:spLocks noGrp="1"/>
+          </p:cNvSpPr>
+          <p:nvPr>
+            <p:ph type="title"/>
+          </p:nvPr>
+        </p:nvSpPr>
+        <p:spPr>
+          <a:xfrm>
+            <a:off x="-380206" y="-63500"/>
+            <a:ext cx="10058400" cy="844550"/>
+          </a:xfrm>
+          <a:prstGeom prst="rect">
+            <a:avLst/>
+          </a:prstGeom>
+        </p:spPr>
+        <p:txBody>
+          <a:bodyPr>
+            <a:normAutofit/>
+          </a:bodyPr>
+          <a:lstStyle/>
+          <a:p>
+            <a:r>
+              <a:t>Superpages</a:t>
+            </a:r>
+          </a:p>
+        </p:txBody>
+      </p:sp>
+      <p:sp>
+        <p:nvSpPr>
+          <p:cNvPr id="207" name="Shape 207"/>
+          <p:cNvSpPr>
+            <a:spLocks noGrp="1"/>
+          </p:cNvSpPr>
+          <p:nvPr>
+            <p:ph type="body" idx="1"/>
+          </p:nvPr>
+        </p:nvSpPr>
+        <p:spPr>
+          <a:xfrm>
+            <a:off x="389532" y="801836"/>
+            <a:ext cx="8364936" cy="5727701"/>
+          </a:xfrm>
+          <a:prstGeom prst="rect">
+            <a:avLst/>
+          </a:prstGeom>
+        </p:spPr>
+        <p:txBody>
+          <a:bodyPr>
+            <a:normAutofit lnSpcReduction="10000"/>
+          </a:bodyPr>
+          <a:lstStyle/>
+          <a:p>
+            <a:pPr marL="251396" indent="-251396" defTabSz="676655">
+              <a:spcBef>
+                <a:spcPts val="500"/>
+              </a:spcBef>
+              <a:buChar char="⬥"/>
+              <a:defRPr sz="2368">
+                <a:effectLst>
+                  <a:outerShdw blurRad="9398" dist="18796" dir="2700000" rotWithShape="0">
+                    <a:srgbClr val="DDDDDD"/>
+                  </a:outerShdw>
+                </a:effectLst>
+              </a:defRPr>
+            </a:pPr>
+            <a:r>
+              <a:t>Memory pages of larger sizes than standard pages</a:t>
+            </a:r>
+          </a:p>
+          <a:p>
+            <a:pPr marL="587375" lvl="1" indent="-251396" defTabSz="676655">
+              <a:spcBef>
+                <a:spcPts val="500"/>
+              </a:spcBef>
+              <a:buChar char="⬥"/>
+              <a:defRPr sz="2368">
+                <a:effectLst>
+                  <a:outerShdw blurRad="9398" dist="18796" dir="2700000" rotWithShape="0">
+                    <a:srgbClr val="DDDDDD"/>
+                  </a:outerShdw>
+                </a:effectLst>
+              </a:defRPr>
+            </a:pPr>
+            <a:r>
+              <a:rPr dirty="0"/>
+              <a:t>supported by most modern CPUs</a:t>
+            </a:r>
+          </a:p>
+          <a:p>
+            <a:pPr marL="251396" indent="-251396" defTabSz="676655">
+              <a:spcBef>
+                <a:spcPts val="500"/>
+              </a:spcBef>
+              <a:buChar char="⬥"/>
+              <a:defRPr sz="2368">
+                <a:effectLst>
+                  <a:outerShdw blurRad="9398" dist="18796" dir="2700000" rotWithShape="0">
+                    <a:srgbClr val="DDDDDD"/>
+                  </a:outerShdw>
+                </a:effectLst>
+              </a:defRPr>
+            </a:pPr>
+            <a:endParaRPr dirty="0"/>
+          </a:p>
+          <a:p>
+            <a:pPr marL="251396" indent="-251396" defTabSz="676655">
+              <a:spcBef>
+                <a:spcPts val="500"/>
+              </a:spcBef>
+              <a:buChar char="⬥"/>
+              <a:defRPr sz="2368">
+                <a:effectLst>
+                  <a:outerShdw blurRad="9398" dist="18796" dir="2700000" rotWithShape="0">
+                    <a:srgbClr val="DDDDDD"/>
+                  </a:outerShdw>
+                </a:effectLst>
+              </a:defRPr>
+            </a:pPr>
+            <a:r>
+              <a:rPr dirty="0"/>
+              <a:t>Superpage size = power of 2 x the base page size</a:t>
+            </a:r>
+            <a:endParaRPr sz="2072" dirty="0"/>
+          </a:p>
+          <a:p>
+            <a:pPr marL="251396" indent="-251396" defTabSz="676655">
+              <a:spcBef>
+                <a:spcPts val="500"/>
+              </a:spcBef>
+              <a:buChar char="⬥"/>
+              <a:defRPr sz="2368">
+                <a:effectLst>
+                  <a:outerShdw blurRad="9398" dist="18796" dir="2700000" rotWithShape="0">
+                    <a:srgbClr val="DDDDDD"/>
+                  </a:outerShdw>
+                </a:effectLst>
+              </a:defRPr>
+            </a:pPr>
+            <a:endParaRPr sz="2072" dirty="0"/>
+          </a:p>
+          <a:p>
+            <a:pPr marL="251396" indent="-251396" defTabSz="676655">
+              <a:spcBef>
+                <a:spcPts val="500"/>
+              </a:spcBef>
+              <a:buChar char="⬥"/>
+              <a:defRPr sz="2368">
+                <a:effectLst>
+                  <a:outerShdw blurRad="9398" dist="18796" dir="2700000" rotWithShape="0">
+                    <a:srgbClr val="DDDDDD"/>
+                  </a:outerShdw>
+                </a:effectLst>
+              </a:defRPr>
+            </a:pPr>
+            <a:r>
+              <a:rPr dirty="0"/>
+              <a:t>Only one TLB entry per superpage</a:t>
+            </a:r>
+          </a:p>
+          <a:p>
+            <a:pPr marL="587375" lvl="1" indent="-251396" defTabSz="676655">
+              <a:spcBef>
+                <a:spcPts val="500"/>
+              </a:spcBef>
+              <a:buChar char="⬥"/>
+              <a:defRPr sz="2368">
+                <a:effectLst>
+                  <a:outerShdw blurRad="9398" dist="18796" dir="2700000" rotWithShape="0">
+                    <a:srgbClr val="DDDDDD"/>
+                  </a:outerShdw>
+                </a:effectLst>
+              </a:defRPr>
+            </a:pPr>
+            <a:r>
+              <a:rPr dirty="0"/>
+              <a:t>But multiple (identical) page-table entries, one per base page</a:t>
+            </a:r>
+            <a:endParaRPr sz="2072" dirty="0"/>
+          </a:p>
+          <a:p>
+            <a:pPr marL="251396" indent="-251396" defTabSz="676655">
+              <a:spcBef>
+                <a:spcPts val="500"/>
+              </a:spcBef>
+              <a:buChar char="⬥"/>
+              <a:defRPr sz="2368">
+                <a:effectLst>
+                  <a:outerShdw blurRad="9398" dist="18796" dir="2700000" rotWithShape="0">
+                    <a:srgbClr val="DDDDDD"/>
+                  </a:outerShdw>
+                </a:effectLst>
+              </a:defRPr>
+            </a:pPr>
+            <a:endParaRPr sz="2072" dirty="0"/>
+          </a:p>
+          <a:p>
+            <a:pPr marL="219971" indent="-219971" defTabSz="676655">
+              <a:spcBef>
+                <a:spcPts val="500"/>
+              </a:spcBef>
+              <a:buChar char="⬥"/>
+              <a:defRPr sz="2368">
+                <a:effectLst>
+                  <a:outerShdw blurRad="9398" dist="18796" dir="2700000" rotWithShape="0">
+                    <a:srgbClr val="DDDDDD"/>
+                  </a:outerShdw>
+                </a:effectLst>
+              </a:defRPr>
+            </a:pPr>
+            <a:r>
+              <a:rPr sz="2072" dirty="0"/>
+              <a:t>Constraints:</a:t>
+            </a:r>
+          </a:p>
+          <a:p>
+            <a:pPr marL="587375" lvl="1" indent="-251396" defTabSz="676655">
+              <a:spcBef>
+                <a:spcPts val="500"/>
+              </a:spcBef>
+              <a:buChar char="⬥"/>
+              <a:defRPr sz="2368">
+                <a:effectLst>
+                  <a:outerShdw blurRad="9398" dist="18796" dir="2700000" rotWithShape="0">
+                    <a:srgbClr val="DDDDDD"/>
+                  </a:outerShdw>
+                </a:effectLst>
+              </a:defRPr>
+            </a:pPr>
+            <a:r>
+              <a:rPr dirty="0"/>
+              <a:t>contiguous (physically and virtually)</a:t>
+            </a:r>
+            <a:endParaRPr sz="2072" dirty="0"/>
+          </a:p>
+          <a:p>
+            <a:pPr marL="587375" lvl="1" indent="-251396" defTabSz="676655">
+              <a:spcBef>
+                <a:spcPts val="500"/>
+              </a:spcBef>
+              <a:buChar char="⬥"/>
+              <a:defRPr sz="2368">
+                <a:effectLst>
+                  <a:outerShdw blurRad="9398" dist="18796" dir="2700000" rotWithShape="0">
+                    <a:srgbClr val="DDDDDD"/>
+                  </a:outerShdw>
+                </a:effectLst>
+              </a:defRPr>
+            </a:pPr>
+            <a:r>
+              <a:rPr dirty="0"/>
+              <a:t>aligned (physically and virtually)</a:t>
+            </a:r>
+            <a:endParaRPr sz="2072" dirty="0"/>
+          </a:p>
+          <a:p>
+            <a:pPr marL="587375" lvl="1" indent="-251396" defTabSz="676655">
+              <a:spcBef>
+                <a:spcPts val="500"/>
+              </a:spcBef>
+              <a:buChar char="⬥"/>
+              <a:defRPr sz="2368">
+                <a:effectLst>
+                  <a:outerShdw blurRad="9398" dist="18796" dir="2700000" rotWithShape="0">
+                    <a:srgbClr val="DDDDDD"/>
+                  </a:outerShdw>
+                </a:effectLst>
+              </a:defRPr>
+            </a:pPr>
+            <a:r>
+              <a:rPr dirty="0"/>
+              <a:t>uniform protection attributes</a:t>
+            </a:r>
+            <a:endParaRPr sz="2072" dirty="0"/>
+          </a:p>
+          <a:p>
+            <a:pPr marL="587375" lvl="1" indent="-251396" defTabSz="676655">
+              <a:spcBef>
+                <a:spcPts val="500"/>
+              </a:spcBef>
+              <a:buChar char="⬥"/>
+              <a:defRPr sz="2368">
+                <a:effectLst>
+                  <a:outerShdw blurRad="9398" dist="18796" dir="2700000" rotWithShape="0">
+                    <a:srgbClr val="DDDDDD"/>
+                  </a:outerShdw>
+                </a:effectLst>
+              </a:defRPr>
+            </a:pPr>
+            <a:r>
+              <a:rPr dirty="0"/>
+              <a:t>one reference bit, one dirty bit</a:t>
+            </a:r>
+          </a:p>
+        </p:txBody>
+      </p:sp>
+    </p:spTree>
+  </p:cSld>
+  <p:clrMapOvr>
+    <a:masterClrMapping/>
+  </p:clrMapOvr>
+  <p:transition spd="med"/>
+</p:sld>
+</file>
+
+<file path=ppt/slides/slide23.xml><?xml version="1.0" encoding="utf-8"?>
+<p:sld xmlns:a="http://schemas.openxmlformats.org/drawingml/2006/main" xmlns:r="http://schemas.openxmlformats.org/officeDocument/2006/relationships" xmlns:p="http://schemas.openxmlformats.org/presentationml/2006/main">
+  <p:cSld>
+    <p:spTree>
+      <p:nvGrpSpPr>
+        <p:cNvPr id="1" name=""/>
+        <p:cNvGrpSpPr/>
+        <p:nvPr/>
+      </p:nvGrpSpPr>
+      <p:grpSpPr>
+        <a:xfrm>
+          <a:off x="0" y="0"/>
+          <a:ext cx="0" cy="0"/>
+          <a:chOff x="0" y="0"/>
+          <a:chExt cx="0" cy="0"/>
+        </a:xfrm>
+      </p:grpSpPr>
+      <p:sp>
+        <p:nvSpPr>
           <p:cNvPr id="209" name="Shape 209"/>
           <p:cNvSpPr>
             <a:spLocks noGrp="1"/>
@@ -6958,7 +9401,7 @@
                 <a:cs typeface="Arial Narrow"/>
                 <a:sym typeface="Arial Narrow"/>
               </a:rPr>
-              <a:t>22</a:t>
+              <a:t>23</a:t>
             </a:fld>
             <a:endParaRPr sz="1400" b="1">
               <a:solidFill>
@@ -9052,237 +11495,6 @@
 </p:sld>
 </file>
 
-<file path=ppt/slides/slide23.xml><?xml version="1.0" encoding="utf-8"?>
-<p:sld xmlns:a="http://schemas.openxmlformats.org/drawingml/2006/main" xmlns:r="http://schemas.openxmlformats.org/officeDocument/2006/relationships" xmlns:p="http://schemas.openxmlformats.org/presentationml/2006/main">
-  <p:cSld>
-    <p:spTree>
-      <p:nvGrpSpPr>
-        <p:cNvPr id="1" name=""/>
-        <p:cNvGrpSpPr/>
-        <p:nvPr/>
-      </p:nvGrpSpPr>
-      <p:grpSpPr>
-        <a:xfrm>
-          <a:off x="0" y="0"/>
-          <a:ext cx="0" cy="0"/>
-          <a:chOff x="0" y="0"/>
-          <a:chExt cx="0" cy="0"/>
-        </a:xfrm>
-      </p:grpSpPr>
-      <p:sp>
-        <p:nvSpPr>
-          <p:cNvPr id="254" name="Shape 254"/>
-          <p:cNvSpPr>
-            <a:spLocks noGrp="1"/>
-          </p:cNvSpPr>
-          <p:nvPr>
-            <p:ph type="sldNum" sz="quarter" idx="2"/>
-          </p:nvPr>
-        </p:nvSpPr>
-        <p:spPr>
-          <a:prstGeom prst="rect">
-            <a:avLst/>
-          </a:prstGeom>
-          <a:extLst>
-            <a:ext uri="{C572A759-6A51-4108-AA02-DFA0A04FC94B}">
-              <ma14:wrappingTextBoxFlag xmlns:ma14="http://schemas.microsoft.com/office/mac/drawingml/2011/main" val="1"/>
-            </a:ext>
-          </a:extLst>
-        </p:spPr>
-        <p:txBody>
-          <a:bodyPr>
-            <a:normAutofit lnSpcReduction="10000"/>
-          </a:bodyPr>
-          <a:lstStyle/>
-          <a:p>
-            <a:pPr>
-              <a:defRPr sz="2400"/>
-            </a:pPr>
-            <a:fld id="{86CB4B4D-7CA3-9044-876B-883B54F8677D}" type="slidenum">
-              <a:rPr sz="1400"/>
-              <a:t>23</a:t>
-            </a:fld>
-            <a:endParaRPr sz="1400"/>
-          </a:p>
-        </p:txBody>
-      </p:sp>
-      <p:sp>
-        <p:nvSpPr>
-          <p:cNvPr id="255" name="Shape 255"/>
-          <p:cNvSpPr>
-            <a:spLocks noGrp="1"/>
-          </p:cNvSpPr>
-          <p:nvPr>
-            <p:ph type="title"/>
-          </p:nvPr>
-        </p:nvSpPr>
-        <p:spPr>
-          <a:xfrm>
-            <a:off x="657225" y="-1"/>
-            <a:ext cx="7772400" cy="1143002"/>
-          </a:xfrm>
-          <a:prstGeom prst="rect">
-            <a:avLst/>
-          </a:prstGeom>
-        </p:spPr>
-        <p:txBody>
-          <a:bodyPr>
-            <a:normAutofit/>
-          </a:bodyPr>
-          <a:lstStyle/>
-          <a:p>
-            <a:r>
-              <a:t>Quiz</a:t>
-            </a:r>
-          </a:p>
-        </p:txBody>
-      </p:sp>
-      <p:sp>
-        <p:nvSpPr>
-          <p:cNvPr id="256" name="Shape 256"/>
-          <p:cNvSpPr>
-            <a:spLocks noGrp="1"/>
-          </p:cNvSpPr>
-          <p:nvPr>
-            <p:ph type="body" idx="1"/>
-          </p:nvPr>
-        </p:nvSpPr>
-        <p:spPr>
-          <a:xfrm>
-            <a:off x="685800" y="1155699"/>
-            <a:ext cx="7772400" cy="5422902"/>
-          </a:xfrm>
-          <a:prstGeom prst="rect">
-            <a:avLst/>
-          </a:prstGeom>
-        </p:spPr>
-        <p:txBody>
-          <a:bodyPr>
-            <a:normAutofit/>
-          </a:bodyPr>
-          <a:lstStyle/>
-          <a:p>
-            <a:pPr>
-              <a:lnSpc>
-                <a:spcPct val="90000"/>
-              </a:lnSpc>
-              <a:spcBef>
-                <a:spcPts val="500"/>
-              </a:spcBef>
-              <a:buChar char="•"/>
-            </a:pPr>
-            <a:r>
-              <a:rPr sz="2400"/>
-              <a:t>Consider a machine that has a 32-bit virtual address space and 8KByte page size.</a:t>
-            </a:r>
-          </a:p>
-          <a:p>
-            <a:pPr marL="457200" indent="-457200">
-              <a:lnSpc>
-                <a:spcPct val="90000"/>
-              </a:lnSpc>
-              <a:buChar char="•"/>
-            </a:pPr>
-            <a:endParaRPr sz="2400"/>
-          </a:p>
-          <a:p>
-            <a:pPr>
-              <a:lnSpc>
-                <a:spcPct val="90000"/>
-              </a:lnSpc>
-              <a:spcBef>
-                <a:spcPts val="500"/>
-              </a:spcBef>
-              <a:buAutoNum type="arabicPeriod"/>
-            </a:pPr>
-            <a:r>
-              <a:rPr sz="2400"/>
-              <a:t>What is the total size (in bytes) of the virtual address space for each process? </a:t>
-            </a:r>
-          </a:p>
-          <a:p>
-            <a:pPr marL="457200" indent="-457200">
-              <a:lnSpc>
-                <a:spcPct val="90000"/>
-              </a:lnSpc>
-              <a:buAutoNum type="arabicPeriod"/>
-            </a:pPr>
-            <a:endParaRPr sz="2400"/>
-          </a:p>
-          <a:p>
-            <a:pPr>
-              <a:lnSpc>
-                <a:spcPct val="90000"/>
-              </a:lnSpc>
-              <a:spcBef>
-                <a:spcPts val="500"/>
-              </a:spcBef>
-              <a:buAutoNum type="arabicPeriod" startAt="2"/>
-            </a:pPr>
-            <a:r>
-              <a:rPr sz="2400"/>
-              <a:t>How many bits in a 32-bit address are needed to determine the page number of the address?</a:t>
-            </a:r>
-          </a:p>
-          <a:p>
-            <a:pPr marL="457200" indent="-457200">
-              <a:lnSpc>
-                <a:spcPct val="90000"/>
-              </a:lnSpc>
-              <a:buAutoNum type="arabicPeriod" startAt="2"/>
-            </a:pPr>
-            <a:endParaRPr sz="2400"/>
-          </a:p>
-          <a:p>
-            <a:pPr>
-              <a:lnSpc>
-                <a:spcPct val="90000"/>
-              </a:lnSpc>
-              <a:spcBef>
-                <a:spcPts val="500"/>
-              </a:spcBef>
-              <a:buAutoNum type="arabicPeriod" startAt="3"/>
-            </a:pPr>
-            <a:r>
-              <a:rPr sz="2400"/>
-              <a:t>How many bits in a 32-bit address represent the byte offset into a page?</a:t>
-            </a:r>
-          </a:p>
-          <a:p>
-            <a:pPr marL="457200" indent="-457200">
-              <a:lnSpc>
-                <a:spcPct val="90000"/>
-              </a:lnSpc>
-              <a:buAutoNum type="arabicPeriod" startAt="3"/>
-            </a:pPr>
-            <a:endParaRPr sz="2400"/>
-          </a:p>
-          <a:p>
-            <a:pPr>
-              <a:lnSpc>
-                <a:spcPct val="90000"/>
-              </a:lnSpc>
-              <a:spcBef>
-                <a:spcPts val="500"/>
-              </a:spcBef>
-              <a:buAutoNum type="arabicPeriod" startAt="4"/>
-            </a:pPr>
-            <a:r>
-              <a:rPr sz="2400"/>
-              <a:t>How many page-table entries are present in the page table?</a:t>
-            </a:r>
-          </a:p>
-        </p:txBody>
-      </p:sp>
-    </p:spTree>
-  </p:cSld>
-  <p:clrMapOvr>
-    <a:masterClrMapping/>
-  </p:clrMapOvr>
-  <p:transition spd="med"/>
-</p:sld>
-</file>
-
 <file path=ppt/slides/slide24.xml><?xml version="1.0" encoding="utf-8"?>
 <p:sld xmlns:a="http://schemas.openxmlformats.org/drawingml/2006/main" xmlns:r="http://schemas.openxmlformats.org/officeDocument/2006/relationships" xmlns:p="http://schemas.openxmlformats.org/presentationml/2006/main">
   <p:cSld>
@@ -9302,7 +11514,7 @@
       </p:grpSpPr>
       <p:sp>
         <p:nvSpPr>
-          <p:cNvPr id="258" name="Shape 258"/>
+          <p:cNvPr id="254" name="Shape 254"/>
           <p:cNvSpPr>
             <a:spLocks noGrp="1"/>
           </p:cNvSpPr>
@@ -9339,7 +11551,7 @@
       </p:sp>
       <p:sp>
         <p:nvSpPr>
-          <p:cNvPr id="259" name="Shape 259"/>
+          <p:cNvPr id="255" name="Shape 255"/>
           <p:cNvSpPr>
             <a:spLocks noGrp="1"/>
           </p:cNvSpPr>
@@ -9363,14 +11575,14 @@
           <a:lstStyle/>
           <a:p>
             <a:r>
-              <a:t>Quiz Answers</a:t>
-            </a:r>
-          </a:p>
-        </p:txBody>
-      </p:sp>
-      <p:sp>
-        <p:nvSpPr>
-          <p:cNvPr id="260" name="Shape 260"/>
+              <a:t>Quiz</a:t>
+            </a:r>
+          </a:p>
+        </p:txBody>
+      </p:sp>
+      <p:sp>
+        <p:nvSpPr>
+          <p:cNvPr id="256" name="Shape 256"/>
           <p:cNvSpPr>
             <a:spLocks noGrp="1"/>
           </p:cNvSpPr>
@@ -9393,194 +11605,114 @@
           </a:bodyPr>
           <a:lstStyle/>
           <a:p>
-            <a:pPr marL="285750" indent="-285750">
+            <a:pPr>
               <a:lnSpc>
-                <a:spcPct val="80000"/>
+                <a:spcPct val="90000"/>
               </a:lnSpc>
               <a:spcBef>
-                <a:spcPts val="400"/>
+                <a:spcPts val="500"/>
               </a:spcBef>
               <a:buChar char="•"/>
             </a:pPr>
             <a:r>
-              <a:rPr sz="2000"/>
-              <a:t>Consider a machine that has a 32-bit virtual address space and 4KByte page size.</a:t>
+              <a:rPr sz="2400"/>
+              <a:t>Consider a machine that has a 32-bit virtual address space and 8KByte page size.</a:t>
             </a:r>
           </a:p>
           <a:p>
             <a:pPr marL="457200" indent="-457200">
               <a:lnSpc>
-                <a:spcPct val="80000"/>
+                <a:spcPct val="90000"/>
               </a:lnSpc>
               <a:buChar char="•"/>
             </a:pPr>
-            <a:endParaRPr sz="2000"/>
-          </a:p>
-          <a:p>
-            <a:pPr marL="285750" indent="-285750">
+            <a:endParaRPr sz="2400"/>
+          </a:p>
+          <a:p>
+            <a:pPr>
               <a:lnSpc>
-                <a:spcPct val="80000"/>
+                <a:spcPct val="90000"/>
               </a:lnSpc>
               <a:spcBef>
-                <a:spcPts val="400"/>
+                <a:spcPts val="500"/>
               </a:spcBef>
               <a:buAutoNum type="arabicPeriod"/>
             </a:pPr>
             <a:r>
-              <a:rPr sz="2000"/>
-              <a:t>Total size (in bytes) of the virtual address space for each process = 2^32 = 4 * 1024 * 1024 *1024 bytes = 4 GB</a:t>
+              <a:rPr sz="2400"/>
+              <a:t>What is the total size (in bytes) of the virtual address space for each process? </a:t>
             </a:r>
           </a:p>
           <a:p>
             <a:pPr marL="457200" indent="-457200">
               <a:lnSpc>
-                <a:spcPct val="80000"/>
+                <a:spcPct val="90000"/>
               </a:lnSpc>
               <a:buAutoNum type="arabicPeriod"/>
             </a:pPr>
-            <a:endParaRPr sz="2000"/>
-          </a:p>
-          <a:p>
-            <a:pPr marL="285750" indent="-285750">
+            <a:endParaRPr sz="2400"/>
+          </a:p>
+          <a:p>
+            <a:pPr>
               <a:lnSpc>
-                <a:spcPct val="80000"/>
+                <a:spcPct val="90000"/>
               </a:lnSpc>
               <a:spcBef>
-                <a:spcPts val="400"/>
+                <a:spcPts val="500"/>
               </a:spcBef>
               <a:buAutoNum type="arabicPeriod" startAt="2"/>
             </a:pPr>
             <a:r>
-              <a:rPr sz="2000"/>
-              <a:t>Number of pages in virtual address space = 4GB/8KB = 512*1024 = 2^9*2^10 = 2^19</a:t>
-            </a:r>
-          </a:p>
-          <a:p>
-            <a:pPr marL="702128" lvl="1" indent="-244928">
+              <a:rPr sz="2400"/>
+              <a:t>How many bits in a 32-bit address are needed to determine the page number of the address?</a:t>
+            </a:r>
+          </a:p>
+          <a:p>
+            <a:pPr marL="457200" indent="-457200">
               <a:lnSpc>
-                <a:spcPct val="80000"/>
+                <a:spcPct val="90000"/>
+              </a:lnSpc>
+              <a:buAutoNum type="arabicPeriod" startAt="2"/>
+            </a:pPr>
+            <a:endParaRPr sz="2400"/>
+          </a:p>
+          <a:p>
+            <a:pPr>
+              <a:lnSpc>
+                <a:spcPct val="90000"/>
               </a:lnSpc>
               <a:spcBef>
-                <a:spcPts val="400"/>
+                <a:spcPts val="500"/>
               </a:spcBef>
-              <a:buChar char="•"/>
-              <a:defRPr sz="2800">
-                <a:solidFill>
-                  <a:srgbClr val="000000"/>
-                </a:solidFill>
-              </a:defRPr>
-            </a:pPr>
-            <a:r>
-              <a:rPr sz="1800"/>
-              <a:t>So the number of bits in a 32-bit address are needed to determine the page number of the address = log2(4GB/8KB) = log2(2^19) = 19 bits</a:t>
+              <a:buAutoNum type="arabicPeriod" startAt="3"/>
+            </a:pPr>
+            <a:r>
+              <a:rPr sz="2400"/>
+              <a:t>How many bits in a 32-bit address represent the byte offset into a page?</a:t>
             </a:r>
           </a:p>
           <a:p>
             <a:pPr marL="457200" indent="-457200">
               <a:lnSpc>
-                <a:spcPct val="80000"/>
+                <a:spcPct val="90000"/>
               </a:lnSpc>
-              <a:buAutoNum type="arabicPeriod" startAt="2"/>
-            </a:pPr>
-            <a:endParaRPr sz="2000"/>
-          </a:p>
-          <a:p>
-            <a:pPr marL="285750" indent="-285750">
+              <a:buAutoNum type="arabicPeriod" startAt="3"/>
+            </a:pPr>
+            <a:endParaRPr sz="2400"/>
+          </a:p>
+          <a:p>
+            <a:pPr>
               <a:lnSpc>
-                <a:spcPct val="80000"/>
+                <a:spcPct val="90000"/>
               </a:lnSpc>
               <a:spcBef>
-                <a:spcPts val="400"/>
-              </a:spcBef>
-              <a:buAutoNum type="arabicPeriod" startAt="3"/>
-            </a:pPr>
-            <a:r>
-              <a:rPr sz="2000"/>
-              <a:t>How many bits in a 32-bit address represent the byte offset into a page?</a:t>
-            </a:r>
-          </a:p>
-          <a:p>
-            <a:pPr marL="702128" lvl="1" indent="-244928">
-              <a:lnSpc>
-                <a:spcPct val="80000"/>
-              </a:lnSpc>
-              <a:spcBef>
-                <a:spcPts val="400"/>
-              </a:spcBef>
-              <a:buChar char="•"/>
-              <a:defRPr sz="2800">
-                <a:solidFill>
-                  <a:srgbClr val="000000"/>
-                </a:solidFill>
-              </a:defRPr>
-            </a:pPr>
-            <a:r>
-              <a:rPr sz="1800"/>
-              <a:t>log2(8KB) = log2(2^13) = 13</a:t>
-            </a:r>
-          </a:p>
-          <a:p>
-            <a:pPr marL="702128" lvl="1" indent="-244928">
-              <a:lnSpc>
-                <a:spcPct val="80000"/>
-              </a:lnSpc>
-              <a:spcBef>
-                <a:spcPts val="400"/>
-              </a:spcBef>
-              <a:buChar char="•"/>
-              <a:defRPr sz="2800">
-                <a:solidFill>
-                  <a:srgbClr val="000000"/>
-                </a:solidFill>
-              </a:defRPr>
-            </a:pPr>
-            <a:r>
-              <a:rPr sz="1800"/>
-              <a:t>Also, 32 – 19 = 13 bits</a:t>
-            </a:r>
-          </a:p>
-          <a:p>
-            <a:pPr marL="457200" indent="-457200">
-              <a:lnSpc>
-                <a:spcPct val="80000"/>
-              </a:lnSpc>
-              <a:buAutoNum type="arabicPeriod" startAt="3"/>
-            </a:pPr>
-            <a:endParaRPr sz="2000"/>
-          </a:p>
-          <a:p>
-            <a:pPr marL="285750" indent="-285750">
-              <a:lnSpc>
-                <a:spcPct val="80000"/>
-              </a:lnSpc>
-              <a:spcBef>
-                <a:spcPts val="400"/>
+                <a:spcPts val="500"/>
               </a:spcBef>
               <a:buAutoNum type="arabicPeriod" startAt="4"/>
             </a:pPr>
             <a:r>
-              <a:rPr sz="2000"/>
+              <a:rPr sz="2400"/>
               <a:t>How many page-table entries are present in the page table?</a:t>
-            </a:r>
-          </a:p>
-          <a:p>
-            <a:pPr marL="702128" lvl="1" indent="-244928">
-              <a:lnSpc>
-                <a:spcPct val="80000"/>
-              </a:lnSpc>
-              <a:spcBef>
-                <a:spcPts val="400"/>
-              </a:spcBef>
-              <a:buChar char="•"/>
-              <a:defRPr sz="2800">
-                <a:solidFill>
-                  <a:srgbClr val="000000"/>
-                </a:solidFill>
-              </a:defRPr>
-            </a:pPr>
-            <a:r>
-              <a:rPr sz="1800"/>
-              <a:t>Number of PTEs = Number of pages in virtual address = 4GB/8KB = 2^19 pages</a:t>
             </a:r>
           </a:p>
         </p:txBody>
@@ -9613,6 +11745,317 @@
       </p:grpSpPr>
       <p:sp>
         <p:nvSpPr>
+          <p:cNvPr id="258" name="Shape 258"/>
+          <p:cNvSpPr>
+            <a:spLocks noGrp="1"/>
+          </p:cNvSpPr>
+          <p:nvPr>
+            <p:ph type="sldNum" sz="quarter" idx="2"/>
+          </p:nvPr>
+        </p:nvSpPr>
+        <p:spPr>
+          <a:prstGeom prst="rect">
+            <a:avLst/>
+          </a:prstGeom>
+          <a:extLst>
+            <a:ext uri="{C572A759-6A51-4108-AA02-DFA0A04FC94B}">
+              <ma14:wrappingTextBoxFlag xmlns:ma14="http://schemas.microsoft.com/office/mac/drawingml/2011/main" val="1"/>
+            </a:ext>
+          </a:extLst>
+        </p:spPr>
+        <p:txBody>
+          <a:bodyPr>
+            <a:normAutofit lnSpcReduction="10000"/>
+          </a:bodyPr>
+          <a:lstStyle/>
+          <a:p>
+            <a:pPr>
+              <a:defRPr sz="2400"/>
+            </a:pPr>
+            <a:fld id="{86CB4B4D-7CA3-9044-876B-883B54F8677D}" type="slidenum">
+              <a:rPr sz="1400"/>
+              <a:t>25</a:t>
+            </a:fld>
+            <a:endParaRPr sz="1400"/>
+          </a:p>
+        </p:txBody>
+      </p:sp>
+      <p:sp>
+        <p:nvSpPr>
+          <p:cNvPr id="259" name="Shape 259"/>
+          <p:cNvSpPr>
+            <a:spLocks noGrp="1"/>
+          </p:cNvSpPr>
+          <p:nvPr>
+            <p:ph type="title"/>
+          </p:nvPr>
+        </p:nvSpPr>
+        <p:spPr>
+          <a:xfrm>
+            <a:off x="657225" y="-1"/>
+            <a:ext cx="7772400" cy="1143002"/>
+          </a:xfrm>
+          <a:prstGeom prst="rect">
+            <a:avLst/>
+          </a:prstGeom>
+        </p:spPr>
+        <p:txBody>
+          <a:bodyPr>
+            <a:normAutofit/>
+          </a:bodyPr>
+          <a:lstStyle/>
+          <a:p>
+            <a:r>
+              <a:t>Quiz Answers</a:t>
+            </a:r>
+          </a:p>
+        </p:txBody>
+      </p:sp>
+      <p:sp>
+        <p:nvSpPr>
+          <p:cNvPr id="260" name="Shape 260"/>
+          <p:cNvSpPr>
+            <a:spLocks noGrp="1"/>
+          </p:cNvSpPr>
+          <p:nvPr>
+            <p:ph type="body" idx="1"/>
+          </p:nvPr>
+        </p:nvSpPr>
+        <p:spPr>
+          <a:xfrm>
+            <a:off x="685800" y="1155699"/>
+            <a:ext cx="7772400" cy="5422902"/>
+          </a:xfrm>
+          <a:prstGeom prst="rect">
+            <a:avLst/>
+          </a:prstGeom>
+        </p:spPr>
+        <p:txBody>
+          <a:bodyPr>
+            <a:normAutofit/>
+          </a:bodyPr>
+          <a:lstStyle/>
+          <a:p>
+            <a:pPr marL="285750" indent="-285750">
+              <a:lnSpc>
+                <a:spcPct val="80000"/>
+              </a:lnSpc>
+              <a:spcBef>
+                <a:spcPts val="400"/>
+              </a:spcBef>
+              <a:buChar char="•"/>
+            </a:pPr>
+            <a:r>
+              <a:rPr sz="2000"/>
+              <a:t>Consider a machine that has a 32-bit virtual address space and 4KByte page size.</a:t>
+            </a:r>
+          </a:p>
+          <a:p>
+            <a:pPr marL="457200" indent="-457200">
+              <a:lnSpc>
+                <a:spcPct val="80000"/>
+              </a:lnSpc>
+              <a:buChar char="•"/>
+            </a:pPr>
+            <a:endParaRPr sz="2000"/>
+          </a:p>
+          <a:p>
+            <a:pPr marL="285750" indent="-285750">
+              <a:lnSpc>
+                <a:spcPct val="80000"/>
+              </a:lnSpc>
+              <a:spcBef>
+                <a:spcPts val="400"/>
+              </a:spcBef>
+              <a:buAutoNum type="arabicPeriod"/>
+            </a:pPr>
+            <a:r>
+              <a:rPr sz="2000"/>
+              <a:t>Total size (in bytes) of the virtual address space for each process = 2^32 = 4 * 1024 * 1024 *1024 bytes = 4 GB</a:t>
+            </a:r>
+          </a:p>
+          <a:p>
+            <a:pPr marL="457200" indent="-457200">
+              <a:lnSpc>
+                <a:spcPct val="80000"/>
+              </a:lnSpc>
+              <a:buAutoNum type="arabicPeriod"/>
+            </a:pPr>
+            <a:endParaRPr sz="2000"/>
+          </a:p>
+          <a:p>
+            <a:pPr marL="285750" indent="-285750">
+              <a:lnSpc>
+                <a:spcPct val="80000"/>
+              </a:lnSpc>
+              <a:spcBef>
+                <a:spcPts val="400"/>
+              </a:spcBef>
+              <a:buAutoNum type="arabicPeriod" startAt="2"/>
+            </a:pPr>
+            <a:r>
+              <a:rPr sz="2000"/>
+              <a:t>Number of pages in virtual address space = 4GB/8KB = 512*1024 = 2^9*2^10 = 2^19</a:t>
+            </a:r>
+          </a:p>
+          <a:p>
+            <a:pPr marL="702128" lvl="1" indent="-244928">
+              <a:lnSpc>
+                <a:spcPct val="80000"/>
+              </a:lnSpc>
+              <a:spcBef>
+                <a:spcPts val="400"/>
+              </a:spcBef>
+              <a:buChar char="•"/>
+              <a:defRPr sz="2800">
+                <a:solidFill>
+                  <a:srgbClr val="000000"/>
+                </a:solidFill>
+              </a:defRPr>
+            </a:pPr>
+            <a:r>
+              <a:rPr sz="1800"/>
+              <a:t>So the number of bits in a 32-bit address are needed to determine the page number of the address = log2(4GB/8KB) = log2(2^19) = 19 bits</a:t>
+            </a:r>
+          </a:p>
+          <a:p>
+            <a:pPr marL="457200" indent="-457200">
+              <a:lnSpc>
+                <a:spcPct val="80000"/>
+              </a:lnSpc>
+              <a:buAutoNum type="arabicPeriod" startAt="2"/>
+            </a:pPr>
+            <a:endParaRPr sz="2000"/>
+          </a:p>
+          <a:p>
+            <a:pPr marL="285750" indent="-285750">
+              <a:lnSpc>
+                <a:spcPct val="80000"/>
+              </a:lnSpc>
+              <a:spcBef>
+                <a:spcPts val="400"/>
+              </a:spcBef>
+              <a:buAutoNum type="arabicPeriod" startAt="3"/>
+            </a:pPr>
+            <a:r>
+              <a:rPr sz="2000"/>
+              <a:t>How many bits in a 32-bit address represent the byte offset into a page?</a:t>
+            </a:r>
+          </a:p>
+          <a:p>
+            <a:pPr marL="702128" lvl="1" indent="-244928">
+              <a:lnSpc>
+                <a:spcPct val="80000"/>
+              </a:lnSpc>
+              <a:spcBef>
+                <a:spcPts val="400"/>
+              </a:spcBef>
+              <a:buChar char="•"/>
+              <a:defRPr sz="2800">
+                <a:solidFill>
+                  <a:srgbClr val="000000"/>
+                </a:solidFill>
+              </a:defRPr>
+            </a:pPr>
+            <a:r>
+              <a:rPr sz="1800"/>
+              <a:t>log2(8KB) = log2(2^13) = 13</a:t>
+            </a:r>
+          </a:p>
+          <a:p>
+            <a:pPr marL="702128" lvl="1" indent="-244928">
+              <a:lnSpc>
+                <a:spcPct val="80000"/>
+              </a:lnSpc>
+              <a:spcBef>
+                <a:spcPts val="400"/>
+              </a:spcBef>
+              <a:buChar char="•"/>
+              <a:defRPr sz="2800">
+                <a:solidFill>
+                  <a:srgbClr val="000000"/>
+                </a:solidFill>
+              </a:defRPr>
+            </a:pPr>
+            <a:r>
+              <a:rPr sz="1800"/>
+              <a:t>Also, 32 – 19 = 13 bits</a:t>
+            </a:r>
+          </a:p>
+          <a:p>
+            <a:pPr marL="457200" indent="-457200">
+              <a:lnSpc>
+                <a:spcPct val="80000"/>
+              </a:lnSpc>
+              <a:buAutoNum type="arabicPeriod" startAt="3"/>
+            </a:pPr>
+            <a:endParaRPr sz="2000"/>
+          </a:p>
+          <a:p>
+            <a:pPr marL="285750" indent="-285750">
+              <a:lnSpc>
+                <a:spcPct val="80000"/>
+              </a:lnSpc>
+              <a:spcBef>
+                <a:spcPts val="400"/>
+              </a:spcBef>
+              <a:buAutoNum type="arabicPeriod" startAt="4"/>
+            </a:pPr>
+            <a:r>
+              <a:rPr sz="2000"/>
+              <a:t>How many page-table entries are present in the page table?</a:t>
+            </a:r>
+          </a:p>
+          <a:p>
+            <a:pPr marL="702128" lvl="1" indent="-244928">
+              <a:lnSpc>
+                <a:spcPct val="80000"/>
+              </a:lnSpc>
+              <a:spcBef>
+                <a:spcPts val="400"/>
+              </a:spcBef>
+              <a:buChar char="•"/>
+              <a:defRPr sz="2800">
+                <a:solidFill>
+                  <a:srgbClr val="000000"/>
+                </a:solidFill>
+              </a:defRPr>
+            </a:pPr>
+            <a:r>
+              <a:rPr sz="1800"/>
+              <a:t>Number of PTEs = Number of pages in virtual address = 4GB/8KB = 2^19 pages</a:t>
+            </a:r>
+          </a:p>
+        </p:txBody>
+      </p:sp>
+    </p:spTree>
+  </p:cSld>
+  <p:clrMapOvr>
+    <a:masterClrMapping/>
+  </p:clrMapOvr>
+  <p:transition spd="med"/>
+</p:sld>
+</file>
+
+<file path=ppt/slides/slide26.xml><?xml version="1.0" encoding="utf-8"?>
+<p:sld xmlns:a="http://schemas.openxmlformats.org/drawingml/2006/main" xmlns:r="http://schemas.openxmlformats.org/officeDocument/2006/relationships" xmlns:p="http://schemas.openxmlformats.org/presentationml/2006/main">
+  <p:cSld>
+    <p:spTree>
+      <p:nvGrpSpPr>
+        <p:cNvPr id="1" name=""/>
+        <p:cNvGrpSpPr/>
+        <p:nvPr/>
+      </p:nvGrpSpPr>
+      <p:grpSpPr>
+        <a:xfrm>
+          <a:off x="0" y="0"/>
+          <a:ext cx="0" cy="0"/>
+          <a:chOff x="0" y="0"/>
+          <a:chExt cx="0" cy="0"/>
+        </a:xfrm>
+      </p:grpSpPr>
+      <p:sp>
+        <p:nvSpPr>
           <p:cNvPr id="262" name="Shape 262"/>
           <p:cNvSpPr>
             <a:spLocks noGrp="1"/>
@@ -9642,7 +12085,7 @@
             </a:pPr>
             <a:fld id="{86CB4B4D-7CA3-9044-876B-883B54F8677D}" type="slidenum">
               <a:rPr sz="1400"/>
-              <a:t>25</a:t>
+              <a:t>26</a:t>
             </a:fld>
             <a:endParaRPr sz="1400"/>
           </a:p>
@@ -10375,6 +12818,13 @@
     <a:masterClrMapping/>
   </p:clrMapOvr>
   <p:transition spd="med"/>
+  <p:timing>
+    <p:tnLst>
+      <p:par>
+        <p:cTn id="1" dur="indefinite" restart="never" nodeType="tmRoot"/>
+      </p:par>
+    </p:tnLst>
+  </p:timing>
 </p:sld>
 </file>
 
@@ -10595,6 +13045,13 @@
     <a:masterClrMapping/>
   </p:clrMapOvr>
   <p:transition spd="med"/>
+  <p:timing>
+    <p:tnLst>
+      <p:par>
+        <p:cTn id="1" dur="indefinite" restart="never" nodeType="tmRoot"/>
+      </p:par>
+    </p:tnLst>
+  </p:timing>
 </p:sld>
 </file>
 
@@ -10808,6 +13265,13 @@
     <a:masterClrMapping/>
   </p:clrMapOvr>
   <p:transition spd="med"/>
+  <p:timing>
+    <p:tnLst>
+      <p:par>
+        <p:cTn id="1" dur="indefinite" restart="never" nodeType="tmRoot"/>
+      </p:par>
+    </p:tnLst>
+  </p:timing>
 </p:sld>
 </file>
 
@@ -11614,6 +14078,13 @@
     <a:masterClrMapping/>
   </p:clrMapOvr>
   <p:transition spd="med"/>
+  <p:timing>
+    <p:tnLst>
+      <p:par>
+        <p:cTn id="1" dur="indefinite" restart="never" nodeType="tmRoot"/>
+      </p:par>
+    </p:tnLst>
+  </p:timing>
 </p:sld>
 </file>
 
@@ -11893,6 +14364,13 @@
     <a:masterClrMapping/>
   </p:clrMapOvr>
   <p:transition spd="med"/>
+  <p:timing>
+    <p:tnLst>
+      <p:par>
+        <p:cTn id="1" dur="indefinite" restart="never" nodeType="tmRoot"/>
+      </p:par>
+    </p:tnLst>
+  </p:timing>
 </p:sld>
 </file>
 
@@ -11924,6 +14402,10 @@
           </p:nvPr>
         </p:nvSpPr>
         <p:spPr>
+          <a:xfrm>
+            <a:off x="8548648" y="6504872"/>
+            <a:ext cx="419100" cy="287087"/>
+          </a:xfrm>
           <a:prstGeom prst="rect">
             <a:avLst/>
           </a:prstGeom>
@@ -11971,7 +14453,7 @@
         </p:spPr>
         <p:txBody>
           <a:bodyPr>
-            <a:normAutofit fontScale="90000"/>
+            <a:normAutofit/>
           </a:bodyPr>
           <a:lstStyle/>
           <a:p>
@@ -11979,16 +14461,10 @@
               <a:defRPr sz="2508"/>
             </a:pPr>
             <a:r>
-              <a:t>What if physical memory is not enough for a single process?</a:t>
-            </a:r>
-          </a:p>
-          <a:p>
-            <a:pPr defTabSz="521208">
-              <a:defRPr sz="2508"/>
-            </a:pPr>
-            <a:r>
-              <a:t>— Virtual Memory</a:t>
-            </a:r>
+              <a:rPr lang="en-US" sz="4000" dirty="0" smtClean="0"/>
+              <a:t>Virtual Memory</a:t>
+            </a:r>
+            <a:endParaRPr sz="4000" dirty="0"/>
           </a:p>
         </p:txBody>
       </p:sp>
@@ -12013,7 +14489,7 @@
         </p:spPr>
         <p:txBody>
           <a:bodyPr>
-            <a:normAutofit/>
+            <a:normAutofit lnSpcReduction="10000"/>
           </a:bodyPr>
           <a:lstStyle/>
           <a:p>
@@ -12032,8 +14508,56 @@
               </a:defRPr>
             </a:pPr>
             <a:r>
-              <a:rPr sz="2000"/>
-              <a:t>Swapping is useful when the sum total of memory requirements of all processes is greater than DRAM available in the system.</a:t>
+              <a:rPr sz="2000" dirty="0"/>
+              <a:t>Swapping </a:t>
+            </a:r>
+            <a:r>
+              <a:rPr lang="en-US" sz="2000" dirty="0" smtClean="0"/>
+              <a:t>the memory of an entire process </a:t>
+            </a:r>
+            <a:r>
+              <a:rPr sz="2000" dirty="0" smtClean="0"/>
+              <a:t>is </a:t>
+            </a:r>
+            <a:r>
+              <a:rPr sz="2000" dirty="0"/>
+              <a:t>useful when the sum </a:t>
+            </a:r>
+            <a:r>
+              <a:rPr sz="2000" dirty="0" smtClean="0"/>
+              <a:t>of </a:t>
+            </a:r>
+            <a:r>
+              <a:rPr sz="2000" dirty="0"/>
+              <a:t>memory </a:t>
+            </a:r>
+            <a:r>
+              <a:rPr lang="en-US" sz="2000" dirty="0" smtClean="0"/>
+              <a:t>needed by </a:t>
+            </a:r>
+            <a:r>
+              <a:rPr sz="2000" dirty="0" smtClean="0"/>
+              <a:t>all </a:t>
+            </a:r>
+            <a:r>
+              <a:rPr sz="2000" dirty="0"/>
+              <a:t>processes is greater </a:t>
+            </a:r>
+            <a:r>
+              <a:rPr sz="2000" dirty="0" smtClean="0"/>
+              <a:t>than</a:t>
+            </a:r>
+            <a:r>
+              <a:rPr lang="en-US" sz="2000" dirty="0" smtClean="0"/>
+              <a:t> the total</a:t>
+            </a:r>
+            <a:r>
+              <a:rPr sz="2000" dirty="0" smtClean="0"/>
+              <a:t> RAM </a:t>
+            </a:r>
+            <a:r>
+              <a:rPr sz="2000" dirty="0"/>
+              <a:t>available in the system.</a:t>
             </a:r>
           </a:p>
           <a:p>
@@ -12048,7 +14572,7 @@
                 </a:solidFill>
               </a:defRPr>
             </a:pPr>
-            <a:endParaRPr sz="1200"/>
+            <a:endParaRPr sz="1200" dirty="0"/>
           </a:p>
           <a:p>
             <a:pPr marL="214312" indent="-214312">
@@ -12066,8 +14590,20 @@
               </a:defRPr>
             </a:pPr>
             <a:r>
-              <a:rPr sz="2000"/>
-              <a:t>But sometimes, a  single process might require more memory than the available DRAM in the system.</a:t>
+              <a:rPr sz="2000" dirty="0"/>
+              <a:t>But sometimes, a  single process might require more memory than the </a:t>
+            </a:r>
+            <a:r>
+              <a:rPr lang="en-US" sz="2000" dirty="0" smtClean="0"/>
+              <a:t>total </a:t>
+            </a:r>
+            <a:r>
+              <a:rPr sz="2000" dirty="0" smtClean="0"/>
+              <a:t>RAM </a:t>
+            </a:r>
+            <a:r>
+              <a:rPr sz="2000" dirty="0"/>
+              <a:t>in the system.</a:t>
             </a:r>
           </a:p>
           <a:p>
@@ -12082,7 +14618,7 @@
                 </a:solidFill>
               </a:defRPr>
             </a:pPr>
-            <a:endParaRPr sz="1600"/>
+            <a:endParaRPr sz="1600" dirty="0"/>
           </a:p>
           <a:p>
             <a:pPr marL="214312" indent="-214312">
@@ -12100,23 +14636,26 @@
               </a:defRPr>
             </a:pPr>
             <a:r>
-              <a:rPr sz="2000"/>
-              <a:t>In such cases swapping is not enough. Rather, we need to break up the memory space of a process into smaller equal-sized pieces (called pages).</a:t>
-            </a:r>
-          </a:p>
-          <a:p>
-            <a:pPr>
-              <a:lnSpc>
-                <a:spcPct val="80000"/>
-              </a:lnSpc>
-              <a:buChar char="•"/>
-              <a:defRPr>
-                <a:solidFill>
-                  <a:srgbClr val="000000"/>
-                </a:solidFill>
-              </a:defRPr>
-            </a:pPr>
-            <a:endParaRPr sz="1400"/>
+              <a:rPr sz="2000" dirty="0"/>
+              <a:t>In such cases </a:t>
+            </a:r>
+            <a:r>
+              <a:rPr sz="2000" dirty="0" smtClean="0"/>
+              <a:t>swapping</a:t>
+            </a:r>
+            <a:r>
+              <a:rPr lang="en-US" sz="2000" dirty="0" smtClean="0"/>
+              <a:t> an entire process</a:t>
+            </a:r>
+            <a:r>
+              <a:rPr sz="2000" dirty="0" smtClean="0"/>
+              <a:t> </a:t>
+            </a:r>
+            <a:r>
+              <a:rPr sz="2000" dirty="0"/>
+              <a:t>is not enough. </a:t>
+            </a:r>
+            <a:endParaRPr lang="en-US" sz="2000" dirty="0" smtClean="0"/>
           </a:p>
           <a:p>
             <a:pPr marL="214312" indent="-214312">
@@ -12133,23 +14672,7 @@
                 </a:solidFill>
               </a:defRPr>
             </a:pPr>
-            <a:r>
-              <a:rPr sz="2000"/>
-              <a:t>Operating system then decides which pages stay in memory and which get moved to disk.</a:t>
-            </a:r>
-          </a:p>
-          <a:p>
-            <a:pPr>
-              <a:lnSpc>
-                <a:spcPct val="80000"/>
-              </a:lnSpc>
-              <a:buChar char="•"/>
-            </a:pPr>
-            <a:endParaRPr sz="2000">
-              <a:solidFill>
-                <a:srgbClr val="FF0000"/>
-              </a:solidFill>
-            </a:endParaRPr>
+            <a:endParaRPr lang="en-US" sz="2000" dirty="0"/>
           </a:p>
           <a:p>
             <a:pPr marL="214312" indent="-214312">
@@ -12160,9 +14683,109 @@
                 <a:spcPts val="400"/>
               </a:spcBef>
               <a:buChar char="•"/>
-            </a:pPr>
-            <a:r>
-              <a:rPr sz="2000">
+              <a:defRPr>
+                <a:solidFill>
+                  <a:srgbClr val="000000"/>
+                </a:solidFill>
+              </a:defRPr>
+            </a:pPr>
+            <a:r>
+              <a:rPr sz="2000" dirty="0" smtClean="0"/>
+              <a:t>Rather</a:t>
+            </a:r>
+            <a:r>
+              <a:rPr sz="2000" dirty="0"/>
+              <a:t>, we need to break up the memory space of a process into smaller equal-sized </a:t>
+            </a:r>
+            <a:r>
+              <a:rPr sz="2000" dirty="0" smtClean="0"/>
+              <a:t>pieces</a:t>
+            </a:r>
+            <a:r>
+              <a:rPr lang="en-US" sz="2000" dirty="0" smtClean="0"/>
+              <a:t>, </a:t>
+            </a:r>
+            <a:r>
+              <a:rPr sz="2000" dirty="0" smtClean="0"/>
+              <a:t>called </a:t>
+            </a:r>
+            <a:r>
+              <a:rPr lang="en-US" sz="2000" u="sng" dirty="0" smtClean="0"/>
+              <a:t>PAGES</a:t>
+            </a:r>
+            <a:r>
+              <a:rPr sz="2000" dirty="0" smtClean="0"/>
+              <a:t>.</a:t>
+            </a:r>
+            <a:endParaRPr sz="2000" dirty="0"/>
+          </a:p>
+          <a:p>
+            <a:pPr>
+              <a:lnSpc>
+                <a:spcPct val="80000"/>
+              </a:lnSpc>
+              <a:buChar char="•"/>
+              <a:defRPr>
+                <a:solidFill>
+                  <a:srgbClr val="000000"/>
+                </a:solidFill>
+              </a:defRPr>
+            </a:pPr>
+            <a:endParaRPr sz="1400" dirty="0"/>
+          </a:p>
+          <a:p>
+            <a:pPr marL="214312" indent="-214312">
+              <a:lnSpc>
+                <a:spcPct val="80000"/>
+              </a:lnSpc>
+              <a:spcBef>
+                <a:spcPts val="400"/>
+              </a:spcBef>
+              <a:buChar char="•"/>
+              <a:defRPr>
+                <a:solidFill>
+                  <a:srgbClr val="000000"/>
+                </a:solidFill>
+              </a:defRPr>
+            </a:pPr>
+            <a:r>
+              <a:rPr lang="en-US" sz="2000" dirty="0" smtClean="0"/>
+              <a:t>OS</a:t>
+            </a:r>
+            <a:r>
+              <a:rPr sz="2000" dirty="0" smtClean="0"/>
+              <a:t> </a:t>
+            </a:r>
+            <a:r>
+              <a:rPr sz="2000" dirty="0"/>
+              <a:t>then decides which pages stay in memory and which get moved to disk.</a:t>
+            </a:r>
+          </a:p>
+          <a:p>
+            <a:pPr>
+              <a:lnSpc>
+                <a:spcPct val="80000"/>
+              </a:lnSpc>
+              <a:buChar char="•"/>
+            </a:pPr>
+            <a:endParaRPr sz="2000" dirty="0">
+              <a:solidFill>
+                <a:srgbClr val="FF0000"/>
+              </a:solidFill>
+            </a:endParaRPr>
+          </a:p>
+          <a:p>
+            <a:pPr marL="214312" indent="-214312">
+              <a:lnSpc>
+                <a:spcPct val="80000"/>
+              </a:lnSpc>
+              <a:spcBef>
+                <a:spcPts val="400"/>
+              </a:spcBef>
+              <a:buChar char="•"/>
+            </a:pPr>
+            <a:r>
+              <a:rPr sz="2000" dirty="0">
                 <a:solidFill>
                   <a:srgbClr val="FF0000"/>
                 </a:solidFill>
@@ -12170,12 +14793,52 @@
               <a:t>Virtual memory</a:t>
             </a:r>
             <a:r>
-              <a:rPr sz="2000">
+              <a:rPr sz="2000" dirty="0">
                 <a:solidFill>
                   <a:srgbClr val="000000"/>
                 </a:solidFill>
               </a:rPr>
-              <a:t>: means that each process gets an illusion that it has more memory than the physical DRAM in the system.</a:t>
+              <a:t>: means that </a:t>
+            </a:r>
+            <a:r>
+              <a:rPr sz="2000" u="sng" dirty="0">
+                <a:solidFill>
+                  <a:srgbClr val="000000"/>
+                </a:solidFill>
+              </a:rPr>
+              <a:t>each process gets an illusion that it has more memory than the physical </a:t>
+            </a:r>
+            <a:r>
+              <a:rPr lang="en-US" sz="2000" u="sng" dirty="0" smtClean="0">
+                <a:solidFill>
+                  <a:srgbClr val="000000"/>
+                </a:solidFill>
+              </a:rPr>
+              <a:t>RAM </a:t>
+            </a:r>
+            <a:r>
+              <a:rPr sz="2000" u="sng" dirty="0" smtClean="0">
+                <a:solidFill>
+                  <a:srgbClr val="000000"/>
+                </a:solidFill>
+              </a:rPr>
+              <a:t>in </a:t>
+            </a:r>
+            <a:r>
+              <a:rPr sz="2000" u="sng" dirty="0">
+                <a:solidFill>
+                  <a:srgbClr val="000000"/>
+                </a:solidFill>
+              </a:rPr>
+              <a:t>the system</a:t>
+            </a:r>
+            <a:r>
+              <a:rPr sz="2000" dirty="0">
+                <a:solidFill>
+                  <a:srgbClr val="000000"/>
+                </a:solidFill>
+              </a:rPr>
+              <a:t>.</a:t>
             </a:r>
           </a:p>
         </p:txBody>
@@ -12219,14 +14882,17 @@
         </p:nvSpPr>
         <p:spPr>
           <a:xfrm>
-            <a:off x="7505700" y="2819400"/>
+            <a:off x="7589253" y="3568700"/>
             <a:ext cx="1244600" cy="2679700"/>
           </a:xfrm>
           <a:prstGeom prst="rect">
             <a:avLst/>
           </a:prstGeom>
           <a:solidFill>
-            <a:schemeClr val="accent1"/>
+            <a:schemeClr val="accent3">
+              <a:lumMod val="60000"/>
+              <a:lumOff val="40000"/>
+            </a:schemeClr>
           </a:solidFill>
           <a:ln>
             <a:solidFill>
@@ -12273,7 +14939,7 @@
           <a:p>
             <a:pPr algn="ctr"/>
             <a:r>
-              <a:rPr sz="1800" i="1">
+              <a:rPr sz="1800" i="1" dirty="0">
                 <a:latin typeface="+mj-lt"/>
                 <a:ea typeface="+mj-ea"/>
                 <a:cs typeface="+mj-cs"/>
@@ -12285,14 +14951,38 @@
           <a:p>
             <a:pPr algn="ctr"/>
             <a:r>
-              <a:rPr sz="1800" i="1">
+              <a:rPr sz="1800" i="1" dirty="0">
                 <a:latin typeface="+mj-lt"/>
                 <a:ea typeface="+mj-ea"/>
                 <a:cs typeface="+mj-cs"/>
                 <a:sym typeface="Helvetica"/>
               </a:rPr>
-              <a:t>of a Process</a:t>
-            </a:r>
+              <a:t>of a </a:t>
+            </a:r>
+            <a:r>
+              <a:rPr lang="en-US" sz="1800" i="1" dirty="0" smtClean="0">
+                <a:latin typeface="+mj-lt"/>
+                <a:ea typeface="+mj-ea"/>
+                <a:cs typeface="+mj-cs"/>
+                <a:sym typeface="Helvetica"/>
+              </a:rPr>
+              <a:t>single </a:t>
+            </a:r>
+            <a:r>
+              <a:rPr sz="1800" i="1" dirty="0" smtClean="0">
+                <a:latin typeface="+mj-lt"/>
+                <a:ea typeface="+mj-ea"/>
+                <a:cs typeface="+mj-cs"/>
+                <a:sym typeface="Helvetica"/>
+              </a:rPr>
+              <a:t>Process</a:t>
+            </a:r>
+            <a:endParaRPr sz="1800" i="1" dirty="0">
+              <a:latin typeface="+mj-lt"/>
+              <a:ea typeface="+mj-ea"/>
+              <a:cs typeface="+mj-cs"/>
+              <a:sym typeface="Helvetica"/>
+            </a:endParaRPr>
           </a:p>
         </p:txBody>
       </p:sp>
@@ -12304,8 +14994,8 @@
         </p:nvSpPr>
         <p:spPr>
           <a:xfrm>
-            <a:off x="7232650" y="2474912"/>
-            <a:ext cx="1691951" cy="370841"/>
+            <a:off x="7447242" y="2942104"/>
+            <a:ext cx="1528622" cy="646331"/>
           </a:xfrm>
           <a:prstGeom prst="rect">
             <a:avLst/>
@@ -12334,7 +15024,7 @@
             </a:lvl1pPr>
           </a:lstStyle>
           <a:p>
-            <a:pPr>
+            <a:pPr algn="ctr">
               <a:defRPr sz="2400" i="0">
                 <a:latin typeface="Times New Roman"/>
                 <a:ea typeface="Times New Roman"/>
@@ -12343,14 +15033,39 @@
               </a:defRPr>
             </a:pPr>
             <a:r>
-              <a:rPr sz="1800" i="1">
+              <a:rPr lang="en-US" sz="1800" i="1" dirty="0" smtClean="0">
                 <a:latin typeface="+mj-lt"/>
                 <a:ea typeface="+mj-ea"/>
                 <a:cs typeface="+mj-cs"/>
                 <a:sym typeface="Helvetica"/>
               </a:rPr>
-              <a:t>Physical DRAM</a:t>
-            </a:r>
+              <a:t>Entire</a:t>
+            </a:r>
+          </a:p>
+          <a:p>
+            <a:pPr algn="ctr">
+              <a:defRPr sz="2400" i="0">
+                <a:latin typeface="Times New Roman"/>
+                <a:ea typeface="Times New Roman"/>
+                <a:cs typeface="Times New Roman"/>
+                <a:sym typeface="Times New Roman"/>
+              </a:defRPr>
+            </a:pPr>
+            <a:r>
+              <a:rPr sz="1800" i="1" dirty="0" smtClean="0">
+                <a:latin typeface="+mj-lt"/>
+                <a:ea typeface="+mj-ea"/>
+                <a:cs typeface="+mj-cs"/>
+                <a:sym typeface="Helvetica"/>
+              </a:rPr>
+              <a:t>Physical RAM</a:t>
+            </a:r>
+            <a:endParaRPr sz="1800" i="1" dirty="0">
+              <a:latin typeface="+mj-lt"/>
+              <a:ea typeface="+mj-ea"/>
+              <a:cs typeface="+mj-cs"/>
+              <a:sym typeface="Helvetica"/>
+            </a:endParaRPr>
           </a:p>
         </p:txBody>
       </p:sp>
@@ -12542,7 +15257,7 @@
         </p:nvSpPr>
         <p:spPr>
           <a:xfrm>
-            <a:off x="7518400" y="3505200"/>
+            <a:off x="7571740" y="4213860"/>
             <a:ext cx="1244600" cy="0"/>
           </a:xfrm>
           <a:prstGeom prst="line">
@@ -12578,7 +15293,7 @@
         </p:nvSpPr>
         <p:spPr>
           <a:xfrm>
-            <a:off x="7518400" y="4203700"/>
+            <a:off x="7571740" y="4912360"/>
             <a:ext cx="1244600" cy="0"/>
           </a:xfrm>
           <a:prstGeom prst="line">
@@ -12614,7 +15329,7 @@
         </p:nvSpPr>
         <p:spPr>
           <a:xfrm>
-            <a:off x="7505700" y="4876800"/>
+            <a:off x="7574280" y="5585460"/>
             <a:ext cx="1244600" cy="0"/>
           </a:xfrm>
           <a:prstGeom prst="line">
@@ -12764,6 +15479,13 @@
     <a:masterClrMapping/>
   </p:clrMapOvr>
   <p:transition spd="med"/>
+  <p:timing>
+    <p:tnLst>
+      <p:par>
+        <p:cTn id="1" dur="indefinite" restart="never" nodeType="tmRoot"/>
+      </p:par>
+    </p:tnLst>
+  </p:timing>
 </p:sld>
 </file>
 
@@ -12842,13 +15564,15 @@
         </p:spPr>
         <p:txBody>
           <a:bodyPr>
-            <a:normAutofit/>
+            <a:normAutofit fontScale="90000"/>
           </a:bodyPr>
           <a:lstStyle/>
           <a:p>
             <a:r>
-              <a:t>Virtual Memory and MMU</a:t>
-            </a:r>
+              <a:rPr lang="en-US" dirty="0" smtClean="0"/>
+              <a:t>Memory Management Unit (MMU)</a:t>
+            </a:r>
+            <a:endParaRPr dirty="0"/>
           </a:p>
         </p:txBody>
       </p:sp>
@@ -12887,8 +15611,16 @@
               <a:buChar char="•"/>
             </a:pPr>
             <a:r>
-              <a:rPr sz="2400"/>
-              <a:t>MMU = Memory Management Unit</a:t>
+              <a:rPr lang="en-US" sz="2400" dirty="0" smtClean="0"/>
+              <a:t>MMU is a hardware module</a:t>
+            </a:r>
+            <a:r>
+              <a:rPr sz="2400" dirty="0" smtClean="0"/>
+              <a:t> </a:t>
+            </a:r>
+            <a:r>
+              <a:rPr sz="2400" dirty="0"/>
+              <a:t>that accompanies the CPU</a:t>
             </a:r>
           </a:p>
           <a:p>
@@ -12902,24 +15634,34 @@
               <a:buChar char="•"/>
             </a:pPr>
             <a:r>
-              <a:rPr sz="2400"/>
-              <a:t>Part of Hardware that accompanies the CPU</a:t>
-            </a:r>
-          </a:p>
-          <a:p>
-            <a:pPr marL="257175" indent="-257175">
-              <a:lnSpc>
-                <a:spcPct val="90000"/>
-              </a:lnSpc>
-              <a:spcBef>
-                <a:spcPts val="500"/>
-              </a:spcBef>
-              <a:buChar char="•"/>
-            </a:pPr>
-            <a:r>
-              <a:rPr sz="2400"/>
-              <a:t>Converts Virtual Addresses to Physical Addresses</a:t>
-            </a:r>
+              <a:rPr lang="en-US" sz="2400" dirty="0" smtClean="0"/>
+              <a:t>It translates the </a:t>
+            </a:r>
+            <a:r>
+              <a:rPr sz="2400" dirty="0" smtClean="0"/>
+              <a:t>Virtual Addres</a:t>
+            </a:r>
+            <a:r>
+              <a:rPr lang="en-US" sz="2400" dirty="0" smtClean="0"/>
+              <a:t>s used by executing instructions</a:t>
+            </a:r>
+            <a:r>
+              <a:rPr sz="2400" dirty="0" smtClean="0"/>
+              <a:t> </a:t>
+            </a:r>
+            <a:r>
+              <a:rPr sz="2400" dirty="0"/>
+              <a:t>to Physical </a:t>
+            </a:r>
+            <a:r>
+              <a:rPr sz="2400" dirty="0" smtClean="0"/>
+              <a:t>Addresses</a:t>
+            </a:r>
+            <a:r>
+              <a:rPr lang="en-US" sz="2400" dirty="0" smtClean="0"/>
+              <a:t> in the main memory.</a:t>
+            </a:r>
+            <a:endParaRPr sz="2400" dirty="0"/>
           </a:p>
         </p:txBody>
       </p:sp>
@@ -12958,6 +15700,13 @@
     <a:masterClrMapping/>
   </p:clrMapOvr>
   <p:transition spd="med"/>
+  <p:timing>
+    <p:tnLst>
+      <p:par>
+        <p:cTn id="1" dur="indefinite" restart="never" nodeType="tmRoot"/>
+      </p:par>
+    </p:tnLst>
+  </p:timing>
 </p:sld>
 </file>
 

--- a/slides/virtual_memory_intro.pptx
+++ b/slides/virtual_memory_intro.pptx
@@ -3072,78 +3072,555 @@
             <p:ph type="title"/>
           </p:nvPr>
         </p:nvSpPr>
-        <p:spPr/>
+        <p:spPr>
+          <a:xfrm>
+            <a:off x="657225" y="776832"/>
+            <a:ext cx="7772400" cy="1143000"/>
+          </a:xfrm>
+        </p:spPr>
         <p:txBody>
           <a:bodyPr/>
           <a:lstStyle/>
           <a:p>
             <a:r>
               <a:rPr lang="en-US" dirty="0" smtClean="0"/>
-              <a:t>Recap: Powers of 2 !</a:t>
+              <a:t>Size of address space (in bytes) as a function of address size (in bits)</a:t>
             </a:r>
             <a:endParaRPr lang="en-US" dirty="0"/>
           </a:p>
         </p:txBody>
       </p:sp>
-      <p:sp>
-        <p:nvSpPr>
-          <p:cNvPr id="3" name="Text Placeholder 2"/>
-          <p:cNvSpPr>
-            <a:spLocks noGrp="1"/>
-          </p:cNvSpPr>
+      <p:graphicFrame>
+        <p:nvGraphicFramePr>
+          <p:cNvPr id="4" name="Table 3"/>
+          <p:cNvGraphicFramePr>
+            <a:graphicFrameLocks noGrp="1"/>
+          </p:cNvGraphicFramePr>
           <p:nvPr>
-            <p:ph type="body" idx="1"/>
+            <p:extLst>
+              <p:ext uri="{D42A27DB-BD31-4B8C-83A1-F6EECF244321}">
+                <p14:modId xmlns:p14="http://schemas.microsoft.com/office/powerpoint/2010/main" val="515687523"/>
+              </p:ext>
+            </p:extLst>
           </p:nvPr>
-        </p:nvSpPr>
-        <p:spPr/>
-        <p:txBody>
-          <a:bodyPr/>
-          <a:lstStyle/>
-          <a:p>
-            <a:r>
-              <a:rPr lang="en-US" dirty="0" smtClean="0"/>
-              <a:t>2^0 = 1</a:t>
-            </a:r>
-          </a:p>
-          <a:p>
-            <a:r>
-              <a:rPr lang="en-US" dirty="0" smtClean="0"/>
-              <a:t>2^10 = 1024</a:t>
-            </a:r>
-          </a:p>
-          <a:p>
-            <a:r>
-              <a:rPr lang="en-US" dirty="0" smtClean="0"/>
-              <a:t>2^12 = 4096</a:t>
-            </a:r>
-          </a:p>
-          <a:p>
-            <a:r>
-              <a:rPr lang="en-US" dirty="0" smtClean="0"/>
-              <a:t>2^13 = 8192</a:t>
-            </a:r>
-          </a:p>
-          <a:p>
-            <a:r>
-              <a:rPr lang="en-US" dirty="0" smtClean="0"/>
-              <a:t>2^20 = 1024x1024 = 1M</a:t>
-            </a:r>
-          </a:p>
-          <a:p>
-            <a:r>
-              <a:rPr lang="en-US" dirty="0" smtClean="0"/>
-              <a:t>2^30 </a:t>
-            </a:r>
-            <a:r>
-              <a:rPr lang="en-US" smtClean="0"/>
-              <a:t>= 1G</a:t>
-            </a:r>
-          </a:p>
-          <a:p>
-            <a:endParaRPr lang="en-US" dirty="0"/>
-          </a:p>
-        </p:txBody>
-      </p:sp>
+        </p:nvGraphicFramePr>
+        <p:xfrm>
+          <a:off x="1523998" y="2173832"/>
+          <a:ext cx="6398104" cy="3484880"/>
+        </p:xfrm>
+        <a:graphic>
+          <a:graphicData uri="http://schemas.openxmlformats.org/drawingml/2006/table">
+            <a:tbl>
+              <a:tblPr firstRow="1" bandRow="1">
+                <a:tableStyleId>{5940675A-B579-460E-94D1-54222C63F5DA}</a:tableStyleId>
+              </a:tblPr>
+              <a:tblGrid>
+                <a:gridCol w="3199052"/>
+                <a:gridCol w="3199052"/>
+              </a:tblGrid>
+              <a:tr h="370840">
+                <a:tc>
+                  <a:txBody>
+                    <a:bodyPr/>
+                    <a:lstStyle/>
+                    <a:p>
+                      <a:pPr algn="ctr"/>
+                      <a:r>
+                        <a:rPr lang="en-US" b="1" dirty="0" smtClean="0"/>
+                        <a:t>Number</a:t>
+                      </a:r>
+                      <a:r>
+                        <a:rPr lang="en-US" b="1" baseline="0" dirty="0" smtClean="0"/>
+                        <a:t> of bits in address</a:t>
+                      </a:r>
+                      <a:endParaRPr lang="en-US" b="1" dirty="0"/>
+                    </a:p>
+                  </a:txBody>
+                  <a:tcPr/>
+                </a:tc>
+                <a:tc>
+                  <a:txBody>
+                    <a:bodyPr/>
+                    <a:lstStyle/>
+                    <a:p>
+                      <a:pPr algn="ctr"/>
+                      <a:r>
+                        <a:rPr lang="en-US" b="1" dirty="0" smtClean="0"/>
+                        <a:t>Maximum address space size (bytes)</a:t>
+                      </a:r>
+                      <a:endParaRPr lang="en-US" b="1" dirty="0"/>
+                    </a:p>
+                  </a:txBody>
+                  <a:tcPr/>
+                </a:tc>
+              </a:tr>
+              <a:tr h="370840">
+                <a:tc>
+                  <a:txBody>
+                    <a:bodyPr/>
+                    <a:lstStyle/>
+                    <a:p>
+                      <a:pPr algn="ctr"/>
+                      <a:r>
+                        <a:rPr lang="en-US" dirty="0" smtClean="0"/>
+                        <a:t>0</a:t>
+                      </a:r>
+                      <a:endParaRPr lang="en-US" dirty="0"/>
+                    </a:p>
+                  </a:txBody>
+                  <a:tcPr/>
+                </a:tc>
+                <a:tc>
+                  <a:txBody>
+                    <a:bodyPr/>
+                    <a:lstStyle/>
+                    <a:p>
+                      <a:pPr algn="l"/>
+                      <a:r>
+                        <a:rPr lang="en-US" dirty="0" smtClean="0"/>
+                        <a:t>2</a:t>
+                      </a:r>
+                      <a:r>
+                        <a:rPr lang="en-US" baseline="30000" dirty="0" smtClean="0"/>
+                        <a:t>0 </a:t>
+                      </a:r>
+                      <a:r>
+                        <a:rPr lang="en-US" baseline="0" dirty="0" smtClean="0"/>
+                        <a:t> = 1 byte</a:t>
+                      </a:r>
+                      <a:endParaRPr lang="en-US" baseline="0" dirty="0"/>
+                    </a:p>
+                  </a:txBody>
+                  <a:tcPr/>
+                </a:tc>
+              </a:tr>
+              <a:tr h="370840">
+                <a:tc>
+                  <a:txBody>
+                    <a:bodyPr/>
+                    <a:lstStyle/>
+                    <a:p>
+                      <a:pPr algn="ctr"/>
+                      <a:r>
+                        <a:rPr lang="en-US" dirty="0" smtClean="0"/>
+                        <a:t>1</a:t>
+                      </a:r>
+                      <a:endParaRPr lang="en-US" dirty="0"/>
+                    </a:p>
+                  </a:txBody>
+                  <a:tcPr/>
+                </a:tc>
+                <a:tc>
+                  <a:txBody>
+                    <a:bodyPr/>
+                    <a:lstStyle/>
+                    <a:p>
+                      <a:pPr marL="0" marR="0" indent="0" algn="l" defTabSz="914400" rtl="0" eaLnBrk="1" fontAlgn="auto" latinLnBrk="0" hangingPunct="1">
+                        <a:lnSpc>
+                          <a:spcPct val="100000"/>
+                        </a:lnSpc>
+                        <a:spcBef>
+                          <a:spcPts val="0"/>
+                        </a:spcBef>
+                        <a:spcAft>
+                          <a:spcPts val="0"/>
+                        </a:spcAft>
+                        <a:buClrTx/>
+                        <a:buSzTx/>
+                        <a:buFontTx/>
+                        <a:buNone/>
+                        <a:tabLst/>
+                        <a:defRPr/>
+                      </a:pPr>
+                      <a:r>
+                        <a:rPr lang="en-US" dirty="0" smtClean="0"/>
+                        <a:t>2</a:t>
+                      </a:r>
+                      <a:r>
+                        <a:rPr lang="en-US" baseline="30000" dirty="0" smtClean="0"/>
+                        <a:t>1 </a:t>
+                      </a:r>
+                      <a:r>
+                        <a:rPr lang="en-US" baseline="0" dirty="0" smtClean="0"/>
+                        <a:t> = 2 bytes</a:t>
+                      </a:r>
+                    </a:p>
+                  </a:txBody>
+                  <a:tcPr/>
+                </a:tc>
+              </a:tr>
+              <a:tr h="370840">
+                <a:tc>
+                  <a:txBody>
+                    <a:bodyPr/>
+                    <a:lstStyle/>
+                    <a:p>
+                      <a:pPr algn="ctr"/>
+                      <a:r>
+                        <a:rPr lang="en-US" dirty="0" smtClean="0"/>
+                        <a:t>2</a:t>
+                      </a:r>
+                      <a:endParaRPr lang="en-US" dirty="0"/>
+                    </a:p>
+                  </a:txBody>
+                  <a:tcPr/>
+                </a:tc>
+                <a:tc>
+                  <a:txBody>
+                    <a:bodyPr/>
+                    <a:lstStyle/>
+                    <a:p>
+                      <a:pPr marL="0" marR="0" indent="0" algn="l" defTabSz="914400" rtl="0" eaLnBrk="1" fontAlgn="auto" latinLnBrk="0" hangingPunct="1">
+                        <a:lnSpc>
+                          <a:spcPct val="100000"/>
+                        </a:lnSpc>
+                        <a:spcBef>
+                          <a:spcPts val="0"/>
+                        </a:spcBef>
+                        <a:spcAft>
+                          <a:spcPts val="0"/>
+                        </a:spcAft>
+                        <a:buClrTx/>
+                        <a:buSzTx/>
+                        <a:buFontTx/>
+                        <a:buNone/>
+                        <a:tabLst/>
+                        <a:defRPr/>
+                      </a:pPr>
+                      <a:r>
+                        <a:rPr lang="en-US" dirty="0" smtClean="0"/>
+                        <a:t>2</a:t>
+                      </a:r>
+                      <a:r>
+                        <a:rPr lang="en-US" baseline="30000" dirty="0" smtClean="0"/>
+                        <a:t>2 </a:t>
+                      </a:r>
+                      <a:r>
+                        <a:rPr lang="en-US" baseline="0" dirty="0" smtClean="0"/>
+                        <a:t> = 4 bytes</a:t>
+                      </a:r>
+                    </a:p>
+                  </a:txBody>
+                  <a:tcPr/>
+                </a:tc>
+              </a:tr>
+              <a:tr h="370840">
+                <a:tc>
+                  <a:txBody>
+                    <a:bodyPr/>
+                    <a:lstStyle/>
+                    <a:p>
+                      <a:pPr algn="ctr"/>
+                      <a:r>
+                        <a:rPr lang="en-US" dirty="0" smtClean="0"/>
+                        <a:t>10</a:t>
+                      </a:r>
+                      <a:endParaRPr lang="en-US" dirty="0"/>
+                    </a:p>
+                  </a:txBody>
+                  <a:tcPr/>
+                </a:tc>
+                <a:tc>
+                  <a:txBody>
+                    <a:bodyPr/>
+                    <a:lstStyle/>
+                    <a:p>
+                      <a:pPr marL="0" marR="0" indent="0" algn="l" defTabSz="914400" rtl="0" eaLnBrk="1" fontAlgn="auto" latinLnBrk="0" hangingPunct="1">
+                        <a:lnSpc>
+                          <a:spcPct val="100000"/>
+                        </a:lnSpc>
+                        <a:spcBef>
+                          <a:spcPts val="0"/>
+                        </a:spcBef>
+                        <a:spcAft>
+                          <a:spcPts val="0"/>
+                        </a:spcAft>
+                        <a:buClrTx/>
+                        <a:buSzTx/>
+                        <a:buFontTx/>
+                        <a:buNone/>
+                        <a:tabLst/>
+                        <a:defRPr/>
+                      </a:pPr>
+                      <a:r>
+                        <a:rPr lang="en-US" smtClean="0"/>
+                        <a:t>2</a:t>
+                      </a:r>
+                      <a:r>
+                        <a:rPr lang="en-US" baseline="30000" smtClean="0"/>
+                        <a:t>10 </a:t>
+                      </a:r>
+                      <a:r>
+                        <a:rPr lang="en-US" baseline="0" smtClean="0"/>
+                        <a:t> = 1024 = 1KiB</a:t>
+                      </a:r>
+                    </a:p>
+                  </a:txBody>
+                  <a:tcPr/>
+                </a:tc>
+              </a:tr>
+              <a:tr h="370840">
+                <a:tc>
+                  <a:txBody>
+                    <a:bodyPr/>
+                    <a:lstStyle/>
+                    <a:p>
+                      <a:pPr algn="ctr"/>
+                      <a:r>
+                        <a:rPr lang="en-US" dirty="0" smtClean="0"/>
+                        <a:t>12</a:t>
+                      </a:r>
+                      <a:endParaRPr lang="en-US" dirty="0"/>
+                    </a:p>
+                  </a:txBody>
+                  <a:tcPr/>
+                </a:tc>
+                <a:tc>
+                  <a:txBody>
+                    <a:bodyPr/>
+                    <a:lstStyle/>
+                    <a:p>
+                      <a:pPr marL="0" marR="0" indent="0" algn="l" defTabSz="914400" rtl="0" eaLnBrk="1" fontAlgn="auto" latinLnBrk="0" hangingPunct="1">
+                        <a:lnSpc>
+                          <a:spcPct val="100000"/>
+                        </a:lnSpc>
+                        <a:spcBef>
+                          <a:spcPts val="0"/>
+                        </a:spcBef>
+                        <a:spcAft>
+                          <a:spcPts val="0"/>
+                        </a:spcAft>
+                        <a:buClrTx/>
+                        <a:buSzTx/>
+                        <a:buFontTx/>
+                        <a:buNone/>
+                        <a:tabLst/>
+                        <a:defRPr/>
+                      </a:pPr>
+                      <a:r>
+                        <a:rPr lang="en-US" dirty="0" smtClean="0"/>
+                        <a:t>2</a:t>
+                      </a:r>
+                      <a:r>
+                        <a:rPr lang="en-US" baseline="30000" dirty="0" smtClean="0"/>
+                        <a:t>12 </a:t>
+                      </a:r>
+                      <a:r>
+                        <a:rPr lang="en-US" baseline="0" dirty="0" smtClean="0"/>
+                        <a:t> </a:t>
+                      </a:r>
+                      <a:r>
+                        <a:rPr lang="en-US" baseline="0" dirty="0" smtClean="0"/>
+                        <a:t>= </a:t>
+                      </a:r>
+                      <a:r>
+                        <a:rPr lang="en-US" baseline="0" dirty="0" smtClean="0"/>
+                        <a:t>4KiB</a:t>
+                      </a:r>
+                      <a:endParaRPr lang="en-US" baseline="0" dirty="0" smtClean="0"/>
+                    </a:p>
+                  </a:txBody>
+                  <a:tcPr/>
+                </a:tc>
+              </a:tr>
+              <a:tr h="370840">
+                <a:tc>
+                  <a:txBody>
+                    <a:bodyPr/>
+                    <a:lstStyle/>
+                    <a:p>
+                      <a:pPr algn="ctr"/>
+                      <a:r>
+                        <a:rPr lang="en-US" dirty="0" smtClean="0"/>
+                        <a:t>16</a:t>
+                      </a:r>
+                      <a:endParaRPr lang="en-US" dirty="0"/>
+                    </a:p>
+                  </a:txBody>
+                  <a:tcPr/>
+                </a:tc>
+                <a:tc>
+                  <a:txBody>
+                    <a:bodyPr/>
+                    <a:lstStyle/>
+                    <a:p>
+                      <a:pPr marL="0" marR="0" indent="0" algn="l" defTabSz="914400" rtl="0" eaLnBrk="1" fontAlgn="auto" latinLnBrk="0" hangingPunct="1">
+                        <a:lnSpc>
+                          <a:spcPct val="100000"/>
+                        </a:lnSpc>
+                        <a:spcBef>
+                          <a:spcPts val="0"/>
+                        </a:spcBef>
+                        <a:spcAft>
+                          <a:spcPts val="0"/>
+                        </a:spcAft>
+                        <a:buClrTx/>
+                        <a:buSzTx/>
+                        <a:buFontTx/>
+                        <a:buNone/>
+                        <a:tabLst/>
+                        <a:defRPr/>
+                      </a:pPr>
+                      <a:r>
+                        <a:rPr lang="en-US" dirty="0" smtClean="0"/>
+                        <a:t>2</a:t>
+                      </a:r>
+                      <a:r>
+                        <a:rPr lang="en-US" baseline="30000" dirty="0" smtClean="0"/>
+                        <a:t>16 </a:t>
+                      </a:r>
+                      <a:r>
+                        <a:rPr lang="en-US" baseline="0" dirty="0" smtClean="0"/>
+                        <a:t> = 64 </a:t>
+                      </a:r>
+                      <a:r>
+                        <a:rPr lang="en-US" baseline="0" dirty="0" smtClean="0"/>
+                        <a:t>KiB</a:t>
+                      </a:r>
+                      <a:endParaRPr lang="en-US" baseline="0" dirty="0" smtClean="0"/>
+                    </a:p>
+                  </a:txBody>
+                  <a:tcPr/>
+                </a:tc>
+              </a:tr>
+              <a:tr h="370840">
+                <a:tc>
+                  <a:txBody>
+                    <a:bodyPr/>
+                    <a:lstStyle/>
+                    <a:p>
+                      <a:pPr algn="ctr"/>
+                      <a:r>
+                        <a:rPr lang="en-US" dirty="0" smtClean="0"/>
+                        <a:t>32</a:t>
+                      </a:r>
+                      <a:endParaRPr lang="en-US" dirty="0"/>
+                    </a:p>
+                  </a:txBody>
+                  <a:tcPr/>
+                </a:tc>
+                <a:tc>
+                  <a:txBody>
+                    <a:bodyPr/>
+                    <a:lstStyle/>
+                    <a:p>
+                      <a:pPr marL="0" marR="0" indent="0" algn="l" defTabSz="914400" rtl="0" eaLnBrk="1" fontAlgn="auto" latinLnBrk="0" hangingPunct="1">
+                        <a:lnSpc>
+                          <a:spcPct val="100000"/>
+                        </a:lnSpc>
+                        <a:spcBef>
+                          <a:spcPts val="0"/>
+                        </a:spcBef>
+                        <a:spcAft>
+                          <a:spcPts val="0"/>
+                        </a:spcAft>
+                        <a:buClrTx/>
+                        <a:buSzTx/>
+                        <a:buFontTx/>
+                        <a:buNone/>
+                        <a:tabLst/>
+                        <a:defRPr/>
+                      </a:pPr>
+                      <a:r>
+                        <a:rPr lang="en-US" dirty="0" smtClean="0"/>
+                        <a:t>2</a:t>
+                      </a:r>
+                      <a:r>
+                        <a:rPr lang="en-US" baseline="30000" dirty="0" smtClean="0"/>
+                        <a:t>32 </a:t>
+                      </a:r>
+                      <a:r>
+                        <a:rPr lang="en-US" baseline="0" dirty="0" smtClean="0"/>
+                        <a:t> = 4GiB (</a:t>
+                      </a:r>
+                      <a:r>
+                        <a:rPr lang="en-US" baseline="0" dirty="0" err="1" smtClean="0"/>
+                        <a:t>Gibibytes</a:t>
+                      </a:r>
+                      <a:r>
+                        <a:rPr lang="en-US" baseline="0" dirty="0" smtClean="0"/>
+                        <a:t>)</a:t>
+                      </a:r>
+                    </a:p>
+                  </a:txBody>
+                  <a:tcPr/>
+                </a:tc>
+              </a:tr>
+              <a:tr h="370840">
+                <a:tc>
+                  <a:txBody>
+                    <a:bodyPr/>
+                    <a:lstStyle/>
+                    <a:p>
+                      <a:pPr algn="ctr"/>
+                      <a:r>
+                        <a:rPr lang="en-US" dirty="0" smtClean="0"/>
+                        <a:t>64</a:t>
+                      </a:r>
+                      <a:endParaRPr lang="en-US" dirty="0"/>
+                    </a:p>
+                  </a:txBody>
+                  <a:tcPr/>
+                </a:tc>
+                <a:tc>
+                  <a:txBody>
+                    <a:bodyPr/>
+                    <a:lstStyle/>
+                    <a:p>
+                      <a:pPr marL="0" marR="0" indent="0" algn="l" defTabSz="914400" rtl="0" eaLnBrk="1" fontAlgn="auto" latinLnBrk="0" hangingPunct="1">
+                        <a:lnSpc>
+                          <a:spcPct val="100000"/>
+                        </a:lnSpc>
+                        <a:spcBef>
+                          <a:spcPts val="0"/>
+                        </a:spcBef>
+                        <a:spcAft>
+                          <a:spcPts val="0"/>
+                        </a:spcAft>
+                        <a:buClrTx/>
+                        <a:buSzTx/>
+                        <a:buFontTx/>
+                        <a:buNone/>
+                        <a:tabLst/>
+                        <a:defRPr/>
+                      </a:pPr>
+                      <a:r>
+                        <a:rPr lang="en-US" dirty="0" smtClean="0"/>
+                        <a:t>2</a:t>
+                      </a:r>
+                      <a:r>
+                        <a:rPr lang="en-US" baseline="30000" dirty="0" smtClean="0"/>
+                        <a:t>64 </a:t>
+                      </a:r>
+                      <a:r>
+                        <a:rPr lang="en-US" baseline="0" dirty="0" smtClean="0"/>
+                        <a:t> = 16 </a:t>
+                      </a:r>
+                      <a:r>
+                        <a:rPr lang="en-US" baseline="0" dirty="0" err="1" smtClean="0"/>
+                        <a:t>EiB</a:t>
+                      </a:r>
+                      <a:r>
+                        <a:rPr lang="en-US" baseline="0" dirty="0" smtClean="0"/>
+                        <a:t> (</a:t>
+                      </a:r>
+                      <a:r>
+                        <a:rPr lang="en-US" baseline="0" dirty="0" err="1" smtClean="0"/>
+                        <a:t>Exbibytes</a:t>
+                      </a:r>
+                      <a:r>
+                        <a:rPr lang="en-US" baseline="0" dirty="0" smtClean="0"/>
+                        <a:t>)</a:t>
+                      </a:r>
+                    </a:p>
+                  </a:txBody>
+                  <a:tcPr/>
+                </a:tc>
+              </a:tr>
+            </a:tbl>
+          </a:graphicData>
+        </a:graphic>
+      </p:graphicFrame>
     </p:spTree>
     <p:extLst>
       <p:ext uri="{BB962C8B-B14F-4D97-AF65-F5344CB8AC3E}">
@@ -3435,11 +3912,7 @@
             </a:pPr>
             <a:r>
               <a:rPr lang="en-US" sz="2000" dirty="0" smtClean="0"/>
-              <a:t>And usually </a:t>
-            </a:r>
-            <a:r>
-              <a:rPr lang="en-US" sz="2000" dirty="0" smtClean="0"/>
-              <a:t>another page table for kernel memory.</a:t>
+              <a:t>And usually another page table for kernel memory.</a:t>
             </a:r>
             <a:endParaRPr sz="2000" dirty="0"/>
           </a:p>
@@ -3627,12 +4100,15 @@
         </p:nvSpPr>
         <p:spPr>
           <a:xfrm>
-            <a:off x="450486" y="1359852"/>
+            <a:off x="437466" y="954541"/>
             <a:ext cx="2439127" cy="369332"/>
           </a:xfrm>
           <a:prstGeom prst="rect">
             <a:avLst/>
           </a:prstGeom>
+          <a:solidFill>
+            <a:schemeClr val="bg1"/>
+          </a:solidFill>
           <a:ln w="12700">
             <a:miter lim="400000"/>
           </a:ln>
@@ -3669,12 +4145,15 @@
         </p:nvSpPr>
         <p:spPr>
           <a:xfrm>
-            <a:off x="3026291" y="626123"/>
-            <a:ext cx="1528622" cy="646331"/>
+            <a:off x="2915334" y="964367"/>
+            <a:ext cx="1528622" cy="369332"/>
           </a:xfrm>
           <a:prstGeom prst="rect">
             <a:avLst/>
           </a:prstGeom>
+          <a:solidFill>
+            <a:schemeClr val="bg1"/>
+          </a:solidFill>
           <a:ln w="12700">
             <a:miter lim="400000"/>
           </a:ln>
@@ -3707,22 +4186,15 @@
                 <a:sym typeface="Times New Roman"/>
               </a:defRPr>
             </a:pPr>
-            <a:endParaRPr lang="en-US" sz="1800" i="1" dirty="0" smtClean="0">
-              <a:latin typeface="+mj-lt"/>
-              <a:ea typeface="+mj-ea"/>
-              <a:cs typeface="+mj-cs"/>
-              <a:sym typeface="Helvetica"/>
-            </a:endParaRPr>
-          </a:p>
-          <a:p>
-            <a:pPr algn="ctr">
-              <a:defRPr sz="2400" i="0">
-                <a:latin typeface="Times New Roman"/>
-                <a:ea typeface="Times New Roman"/>
-                <a:cs typeface="Times New Roman"/>
-                <a:sym typeface="Times New Roman"/>
-              </a:defRPr>
-            </a:pPr>
+            <a:r>
+              <a:rPr sz="1800" i="1" smtClean="0">
+                <a:latin typeface="+mj-lt"/>
+                <a:ea typeface="+mj-ea"/>
+                <a:cs typeface="+mj-cs"/>
+                <a:sym typeface="Helvetica"/>
+              </a:rPr>
+              <a:t>Physical </a:t>
+            </a:r>
             <a:r>
               <a:rPr sz="1800" i="1" dirty="0" smtClean="0">
                 <a:latin typeface="+mj-lt"/>
@@ -3730,7 +4202,7 @@
                 <a:cs typeface="+mj-cs"/>
                 <a:sym typeface="Helvetica"/>
               </a:rPr>
-              <a:t>Physical RAM</a:t>
+              <a:t>RAM</a:t>
             </a:r>
             <a:endParaRPr sz="1800" i="1" dirty="0">
               <a:latin typeface="+mj-lt"/>
@@ -3995,129 +4467,13 @@
       </p:sp>
       <p:sp>
         <p:nvSpPr>
-          <p:cNvPr id="16" name="Shape 140"/>
-          <p:cNvSpPr/>
-          <p:nvPr/>
-        </p:nvSpPr>
-        <p:spPr>
-          <a:xfrm>
-            <a:off x="2638425" y="2185352"/>
-            <a:ext cx="638024" cy="370841"/>
-          </a:xfrm>
-          <a:prstGeom prst="rect">
-            <a:avLst/>
-          </a:prstGeom>
-          <a:ln w="12700">
-            <a:miter lim="400000"/>
-          </a:ln>
-          <a:extLst>
-            <a:ext uri="{C572A759-6A51-4108-AA02-DFA0A04FC94B}">
-              <ma14:wrappingTextBoxFlag xmlns:ma14="http://schemas.microsoft.com/office/mac/drawingml/2011/main" val="1"/>
-            </a:ext>
-          </a:extLst>
-        </p:spPr>
-        <p:txBody>
-          <a:bodyPr wrap="none" lIns="45719" rIns="45719">
-            <a:spAutoFit/>
-          </a:bodyPr>
-          <a:lstStyle>
-            <a:lvl1pPr>
-              <a:defRPr sz="1800">
-                <a:latin typeface="+mj-lt"/>
-                <a:ea typeface="+mj-ea"/>
-                <a:cs typeface="+mj-cs"/>
-                <a:sym typeface="Helvetica"/>
-              </a:defRPr>
-            </a:lvl1pPr>
-          </a:lstStyle>
-          <a:p>
-            <a:pPr>
-              <a:defRPr sz="2400">
-                <a:latin typeface="Times New Roman"/>
-                <a:ea typeface="Times New Roman"/>
-                <a:cs typeface="Times New Roman"/>
-                <a:sym typeface="Times New Roman"/>
-              </a:defRPr>
-            </a:pPr>
-            <a:r>
-              <a:rPr sz="1800">
-                <a:latin typeface="+mj-lt"/>
-                <a:ea typeface="+mj-ea"/>
-                <a:cs typeface="+mj-cs"/>
-                <a:sym typeface="Helvetica"/>
-              </a:rPr>
-              <a:t>Page</a:t>
-            </a:r>
-          </a:p>
-        </p:txBody>
-      </p:sp>
-      <p:sp>
-        <p:nvSpPr>
-          <p:cNvPr id="17" name="Shape 141"/>
-          <p:cNvSpPr/>
-          <p:nvPr/>
-        </p:nvSpPr>
-        <p:spPr>
-          <a:xfrm>
-            <a:off x="2270125" y="1717040"/>
-            <a:ext cx="358637" cy="1005840"/>
-          </a:xfrm>
-          <a:prstGeom prst="rect">
-            <a:avLst/>
-          </a:prstGeom>
-          <a:ln w="12700">
-            <a:miter lim="400000"/>
-          </a:ln>
-          <a:extLst>
-            <a:ext uri="{C572A759-6A51-4108-AA02-DFA0A04FC94B}">
-              <ma14:wrappingTextBoxFlag xmlns:ma14="http://schemas.microsoft.com/office/mac/drawingml/2011/main" val="1"/>
-            </a:ext>
-          </a:extLst>
-        </p:spPr>
-        <p:txBody>
-          <a:bodyPr wrap="none" lIns="45719" rIns="45719">
-            <a:spAutoFit/>
-          </a:bodyPr>
-          <a:lstStyle>
-            <a:lvl1pPr>
-              <a:defRPr sz="6000">
-                <a:latin typeface="+mj-lt"/>
-                <a:ea typeface="+mj-ea"/>
-                <a:cs typeface="+mj-cs"/>
-                <a:sym typeface="Helvetica"/>
-              </a:defRPr>
-            </a:lvl1pPr>
-          </a:lstStyle>
-          <a:p>
-            <a:pPr>
-              <a:defRPr sz="2400">
-                <a:latin typeface="Times New Roman"/>
-                <a:ea typeface="Times New Roman"/>
-                <a:cs typeface="Times New Roman"/>
-                <a:sym typeface="Times New Roman"/>
-              </a:defRPr>
-            </a:pPr>
-            <a:r>
-              <a:rPr sz="6000">
-                <a:latin typeface="+mj-lt"/>
-                <a:ea typeface="+mj-ea"/>
-                <a:cs typeface="+mj-cs"/>
-                <a:sym typeface="Helvetica"/>
-              </a:rPr>
-              <a:t>}</a:t>
-            </a:r>
-          </a:p>
-        </p:txBody>
-      </p:sp>
-      <p:sp>
-        <p:nvSpPr>
           <p:cNvPr id="18" name="TextBox 17"/>
           <p:cNvSpPr txBox="1"/>
           <p:nvPr/>
         </p:nvSpPr>
         <p:spPr>
           <a:xfrm>
-            <a:off x="757058" y="5882640"/>
+            <a:off x="805610" y="5882640"/>
             <a:ext cx="246219" cy="461663"/>
           </a:xfrm>
           <a:prstGeom prst="rect">
@@ -4207,7 +4563,7 @@
         </p:nvSpPr>
         <p:spPr>
           <a:xfrm>
-            <a:off x="736875" y="5152390"/>
+            <a:off x="785427" y="5152390"/>
             <a:ext cx="246219" cy="461663"/>
           </a:xfrm>
           <a:prstGeom prst="rect">
@@ -4297,7 +4653,7 @@
         </p:nvSpPr>
         <p:spPr>
           <a:xfrm>
-            <a:off x="755857" y="4325602"/>
+            <a:off x="804409" y="4325602"/>
             <a:ext cx="246219" cy="461663"/>
           </a:xfrm>
           <a:prstGeom prst="rect">
@@ -4387,8 +4743,8 @@
         </p:nvSpPr>
         <p:spPr>
           <a:xfrm>
-            <a:off x="5260339" y="1390102"/>
-            <a:ext cx="2963310" cy="1015661"/>
+            <a:off x="5009487" y="1390102"/>
+            <a:ext cx="3729912" cy="2308322"/>
           </a:xfrm>
           <a:prstGeom prst="rect">
             <a:avLst/>
@@ -4414,7 +4770,7 @@
           <a:fontRef idx="none"/>
         </p:style>
         <p:txBody>
-          <a:bodyPr rot="0" spcFirstLastPara="1" vertOverflow="overflow" horzOverflow="overflow" vert="horz" wrap="none" lIns="45719" tIns="45719" rIns="45719" bIns="45719" numCol="1" spcCol="38100" rtlCol="0" anchor="t">
+          <a:bodyPr rot="0" spcFirstLastPara="1" vertOverflow="overflow" horzOverflow="overflow" vert="horz" wrap="square" lIns="45719" tIns="45719" rIns="45719" bIns="45719" numCol="1" spcCol="38100" rtlCol="0" anchor="t">
             <a:spAutoFit/>
           </a:bodyPr>
           <a:lstStyle/>
@@ -4436,7 +4792,7 @@
               <a:tabLst/>
             </a:pPr>
             <a:r>
-              <a:rPr kumimoji="0" lang="en-US" sz="2000" b="0" i="0" u="none" strike="noStrike" cap="none" spc="0" normalizeH="0" baseline="0" dirty="0" smtClean="0">
+              <a:rPr kumimoji="0" lang="en-US" sz="1600" b="0" i="0" u="none" strike="noStrike" cap="none" spc="0" normalizeH="0" baseline="0" dirty="0" smtClean="0">
                 <a:ln>
                   <a:noFill/>
                 </a:ln>
@@ -4445,14 +4801,11 @@
                 </a:solidFill>
                 <a:effectLst/>
                 <a:uFillTx/>
-                <a:latin typeface="Times New Roman"/>
-                <a:ea typeface="Times New Roman"/>
-                <a:cs typeface="Times New Roman"/>
                 <a:sym typeface="Times New Roman"/>
               </a:rPr>
               <a:t>Byte Address = </a:t>
             </a:r>
-            <a:endParaRPr lang="en-US" sz="2000" dirty="0"/>
+            <a:endParaRPr lang="en-US" sz="1600" dirty="0"/>
           </a:p>
           <a:p>
             <a:pPr marL="0" marR="0" indent="0" algn="l" defTabSz="914400" rtl="0" fontAlgn="auto" latinLnBrk="0" hangingPunct="0">
@@ -4472,7 +4825,7 @@
               <a:tabLst/>
             </a:pPr>
             <a:r>
-              <a:rPr kumimoji="0" lang="en-US" sz="2000" b="0" i="0" u="none" strike="noStrike" cap="none" spc="0" normalizeH="0" baseline="0" smtClean="0">
+              <a:rPr kumimoji="0" lang="en-US" sz="1600" b="0" i="0" u="none" strike="noStrike" cap="none" spc="0" normalizeH="0" baseline="0" dirty="0" smtClean="0">
                 <a:ln>
                   <a:noFill/>
                 </a:ln>
@@ -4481,15 +4834,12 @@
                 </a:solidFill>
                 <a:effectLst/>
                 <a:uFillTx/>
-                <a:latin typeface="Times New Roman"/>
-                <a:ea typeface="Times New Roman"/>
-                <a:cs typeface="Times New Roman"/>
                 <a:sym typeface="Times New Roman"/>
               </a:rPr>
               <a:t>Page</a:t>
             </a:r>
             <a:r>
-              <a:rPr kumimoji="0" lang="en-US" sz="2000" b="0" i="0" u="none" strike="noStrike" cap="none" spc="0" normalizeH="0" smtClean="0">
+              <a:rPr kumimoji="0" lang="en-US" sz="1600" b="0" i="0" u="none" strike="noStrike" cap="none" spc="0" normalizeH="0" dirty="0" smtClean="0">
                 <a:ln>
                   <a:noFill/>
                 </a:ln>
@@ -4498,29 +4848,9 @@
                 </a:solidFill>
                 <a:effectLst/>
                 <a:uFillTx/>
-                <a:latin typeface="Times New Roman"/>
-                <a:ea typeface="Times New Roman"/>
-                <a:cs typeface="Times New Roman"/>
                 <a:sym typeface="Times New Roman"/>
               </a:rPr>
-              <a:t> </a:t>
-            </a:r>
-            <a:r>
-              <a:rPr kumimoji="0" lang="en-US" sz="2000" b="0" i="0" u="none" strike="noStrike" cap="none" spc="0" normalizeH="0" dirty="0" smtClean="0">
-                <a:ln>
-                  <a:noFill/>
-                </a:ln>
-                <a:solidFill>
-                  <a:srgbClr val="000000"/>
-                </a:solidFill>
-                <a:effectLst/>
-                <a:uFillTx/>
-                <a:latin typeface="Times New Roman"/>
-                <a:ea typeface="Times New Roman"/>
-                <a:cs typeface="Times New Roman"/>
-                <a:sym typeface="Times New Roman"/>
-              </a:rPr>
-              <a:t>Number x Page Size +</a:t>
+              <a:t> Number x Page Size +</a:t>
             </a:r>
           </a:p>
           <a:p>
@@ -4541,72 +4871,26 @@
               <a:tabLst/>
             </a:pPr>
             <a:r>
-              <a:rPr lang="en-US" sz="2000" baseline="0" dirty="0" smtClean="0"/>
+              <a:rPr lang="en-US" sz="1600" baseline="0" dirty="0" smtClean="0"/>
               <a:t>Byte</a:t>
             </a:r>
             <a:r>
-              <a:rPr lang="en-US" sz="2000" dirty="0" smtClean="0"/>
-              <a:t> Offset in the page</a:t>
-            </a:r>
-            <a:endParaRPr kumimoji="0" lang="en-US" sz="2000" b="0" i="0" u="none" strike="noStrike" cap="none" spc="0" normalizeH="0" baseline="0" dirty="0" smtClean="0">
-              <a:ln>
-                <a:noFill/>
-              </a:ln>
-              <a:solidFill>
-                <a:srgbClr val="000000"/>
-              </a:solidFill>
-              <a:effectLst/>
-              <a:uFillTx/>
-              <a:latin typeface="Times New Roman"/>
-              <a:ea typeface="Times New Roman"/>
-              <a:cs typeface="Times New Roman"/>
-              <a:sym typeface="Times New Roman"/>
-            </a:endParaRPr>
-          </a:p>
-        </p:txBody>
-      </p:sp>
-      <p:sp>
-        <p:nvSpPr>
-          <p:cNvPr id="23" name="Rectangle 22"/>
-          <p:cNvSpPr/>
-          <p:nvPr/>
-        </p:nvSpPr>
-        <p:spPr>
-          <a:xfrm>
-            <a:off x="1044437" y="4535854"/>
-            <a:ext cx="1254263" cy="149053"/>
-          </a:xfrm>
-          <a:prstGeom prst="rect">
-            <a:avLst/>
-          </a:prstGeom>
-          <a:solidFill>
-            <a:schemeClr val="accent2"/>
-          </a:solidFill>
-          <a:ln w="25400" cap="flat">
-            <a:noFill/>
-            <a:prstDash val="solid"/>
-            <a:bevel/>
-          </a:ln>
-          <a:effectLst/>
-          <a:sp3d/>
-        </p:spPr>
-        <p:style>
-          <a:lnRef idx="0">
-            <a:scrgbClr r="0" g="0" b="0"/>
-          </a:lnRef>
-          <a:fillRef idx="0">
-            <a:scrgbClr r="0" g="0" b="0"/>
-          </a:fillRef>
-          <a:effectRef idx="0">
-            <a:scrgbClr r="0" g="0" b="0"/>
-          </a:effectRef>
-          <a:fontRef idx="none"/>
-        </p:style>
-        <p:txBody>
-          <a:bodyPr rot="0" spcFirstLastPara="1" vertOverflow="overflow" horzOverflow="overflow" vert="horz" wrap="square" lIns="45719" tIns="45719" rIns="45719" bIns="45719" numCol="1" spcCol="38100" rtlCol="0" anchor="t">
-            <a:spAutoFit/>
-          </a:bodyPr>
-          <a:lstStyle/>
+              <a:rPr lang="en-US" sz="1600" dirty="0" smtClean="0"/>
+              <a:t> </a:t>
+            </a:r>
+            <a:r>
+              <a:rPr lang="en-US" sz="1600" dirty="0" smtClean="0"/>
+              <a:t>Offset in </a:t>
+            </a:r>
+            <a:r>
+              <a:rPr lang="en-US" sz="1600" dirty="0" smtClean="0"/>
+              <a:t>the </a:t>
+            </a:r>
+            <a:r>
+              <a:rPr lang="en-US" sz="1600" dirty="0" smtClean="0"/>
+              <a:t>page</a:t>
+            </a:r>
+          </a:p>
           <a:p>
             <a:pPr marL="0" marR="0" indent="0" algn="l" defTabSz="914400" rtl="0" fontAlgn="auto" latinLnBrk="0" hangingPunct="0">
               <a:lnSpc>
@@ -4624,7 +4908,7 @@
               <a:buNone/>
               <a:tabLst/>
             </a:pPr>
-            <a:endParaRPr kumimoji="0" lang="en-US" sz="2400" b="0" i="0" u="none" strike="noStrike" cap="none" spc="0" normalizeH="0" baseline="0">
+            <a:endParaRPr kumimoji="0" lang="en-US" sz="1600" b="0" i="0" u="none" strike="noStrike" cap="none" spc="0" normalizeH="0" baseline="0" dirty="0" smtClean="0">
               <a:ln>
                 <a:noFill/>
               </a:ln>
@@ -4633,56 +4917,9 @@
               </a:solidFill>
               <a:effectLst/>
               <a:uFillTx/>
-              <a:latin typeface="Times New Roman"/>
-              <a:ea typeface="Times New Roman"/>
-              <a:cs typeface="Times New Roman"/>
               <a:sym typeface="Times New Roman"/>
             </a:endParaRPr>
           </a:p>
-        </p:txBody>
-      </p:sp>
-      <p:sp>
-        <p:nvSpPr>
-          <p:cNvPr id="24" name="Rectangle 23"/>
-          <p:cNvSpPr/>
-          <p:nvPr/>
-        </p:nvSpPr>
-        <p:spPr>
-          <a:xfrm>
-            <a:off x="3104642" y="2070504"/>
-            <a:ext cx="1254263" cy="149053"/>
-          </a:xfrm>
-          <a:prstGeom prst="rect">
-            <a:avLst/>
-          </a:prstGeom>
-          <a:solidFill>
-            <a:schemeClr val="accent2"/>
-          </a:solidFill>
-          <a:ln w="25400" cap="flat">
-            <a:noFill/>
-            <a:prstDash val="solid"/>
-            <a:bevel/>
-          </a:ln>
-          <a:effectLst/>
-          <a:sp3d/>
-        </p:spPr>
-        <p:style>
-          <a:lnRef idx="0">
-            <a:scrgbClr r="0" g="0" b="0"/>
-          </a:lnRef>
-          <a:fillRef idx="0">
-            <a:scrgbClr r="0" g="0" b="0"/>
-          </a:fillRef>
-          <a:effectRef idx="0">
-            <a:scrgbClr r="0" g="0" b="0"/>
-          </a:effectRef>
-          <a:fontRef idx="none"/>
-        </p:style>
-        <p:txBody>
-          <a:bodyPr rot="0" spcFirstLastPara="1" vertOverflow="overflow" horzOverflow="overflow" vert="horz" wrap="square" lIns="45719" tIns="45719" rIns="45719" bIns="45719" numCol="1" spcCol="38100" rtlCol="0" anchor="t">
-            <a:spAutoFit/>
-          </a:bodyPr>
-          <a:lstStyle/>
           <a:p>
             <a:pPr marL="0" marR="0" indent="0" algn="l" defTabSz="914400" rtl="0" fontAlgn="auto" latinLnBrk="0" hangingPunct="0">
               <a:lnSpc>
@@ -4700,62 +4937,11 @@
               <a:buNone/>
               <a:tabLst/>
             </a:pPr>
-            <a:endParaRPr kumimoji="0" lang="en-US" sz="2400" b="0" i="0" u="none" strike="noStrike" cap="none" spc="0" normalizeH="0" baseline="0">
-              <a:ln>
-                <a:noFill/>
-              </a:ln>
-              <a:solidFill>
-                <a:srgbClr val="000000"/>
-              </a:solidFill>
-              <a:effectLst/>
-              <a:uFillTx/>
-              <a:latin typeface="Times New Roman"/>
-              <a:ea typeface="Times New Roman"/>
-              <a:cs typeface="Times New Roman"/>
-              <a:sym typeface="Times New Roman"/>
-            </a:endParaRPr>
-          </a:p>
-        </p:txBody>
-      </p:sp>
-      <p:sp>
-        <p:nvSpPr>
-          <p:cNvPr id="25" name="TextBox 24"/>
-          <p:cNvSpPr txBox="1"/>
-          <p:nvPr/>
-        </p:nvSpPr>
-        <p:spPr>
-          <a:xfrm>
-            <a:off x="4451987" y="6113471"/>
-            <a:ext cx="246219" cy="461663"/>
-          </a:xfrm>
-          <a:prstGeom prst="rect">
-            <a:avLst/>
-          </a:prstGeom>
-          <a:noFill/>
-          <a:ln w="12700" cap="flat">
-            <a:noFill/>
-            <a:miter lim="400000"/>
-          </a:ln>
-          <a:effectLst/>
-          <a:sp3d/>
-        </p:spPr>
-        <p:style>
-          <a:lnRef idx="0">
-            <a:scrgbClr r="0" g="0" b="0"/>
-          </a:lnRef>
-          <a:fillRef idx="0">
-            <a:scrgbClr r="0" g="0" b="0"/>
-          </a:fillRef>
-          <a:effectRef idx="0">
-            <a:scrgbClr r="0" g="0" b="0"/>
-          </a:effectRef>
-          <a:fontRef idx="none"/>
-        </p:style>
-        <p:txBody>
-          <a:bodyPr rot="0" spcFirstLastPara="1" vertOverflow="overflow" horzOverflow="overflow" vert="horz" wrap="none" lIns="45719" tIns="45719" rIns="45719" bIns="45719" numCol="1" spcCol="38100" rtlCol="0" anchor="t">
-            <a:spAutoFit/>
-          </a:bodyPr>
-          <a:lstStyle/>
+            <a:r>
+              <a:rPr lang="en-US" sz="1600" dirty="0" smtClean="0"/>
+              <a:t>VA = VPN x Page Size + Byte Offset</a:t>
+            </a:r>
+          </a:p>
           <a:p>
             <a:pPr marL="0" marR="0" indent="0" algn="l" defTabSz="914400" rtl="0" fontAlgn="auto" latinLnBrk="0" hangingPunct="0">
               <a:lnSpc>
@@ -4773,6 +4959,309 @@
               <a:buNone/>
               <a:tabLst/>
             </a:pPr>
+            <a:endParaRPr kumimoji="0" lang="en-US" sz="1600" b="0" i="0" u="none" strike="noStrike" cap="none" spc="0" normalizeH="0" baseline="0" dirty="0">
+              <a:ln>
+                <a:noFill/>
+              </a:ln>
+              <a:solidFill>
+                <a:srgbClr val="000000"/>
+              </a:solidFill>
+              <a:effectLst/>
+              <a:uFillTx/>
+              <a:sym typeface="Times New Roman"/>
+            </a:endParaRPr>
+          </a:p>
+          <a:p>
+            <a:pPr marL="0" marR="0" indent="0" algn="l" defTabSz="914400" rtl="0" fontAlgn="auto" latinLnBrk="0" hangingPunct="0">
+              <a:lnSpc>
+                <a:spcPct val="100000"/>
+              </a:lnSpc>
+              <a:spcBef>
+                <a:spcPts val="0"/>
+              </a:spcBef>
+              <a:spcAft>
+                <a:spcPts val="0"/>
+              </a:spcAft>
+              <a:buClrTx/>
+              <a:buSzTx/>
+              <a:buFontTx/>
+              <a:buNone/>
+              <a:tabLst/>
+            </a:pPr>
+            <a:r>
+              <a:rPr lang="en-US" sz="1600" dirty="0" smtClean="0"/>
+              <a:t>PA = PPN x Page Size + Byte Offset</a:t>
+            </a:r>
+            <a:endParaRPr kumimoji="0" lang="en-US" sz="1600" b="0" i="0" u="none" strike="noStrike" cap="none" spc="0" normalizeH="0" baseline="0" dirty="0">
+              <a:ln>
+                <a:noFill/>
+              </a:ln>
+              <a:solidFill>
+                <a:srgbClr val="000000"/>
+              </a:solidFill>
+              <a:effectLst/>
+              <a:uFillTx/>
+              <a:sym typeface="Times New Roman"/>
+            </a:endParaRPr>
+          </a:p>
+          <a:p>
+            <a:pPr marL="0" marR="0" indent="0" algn="l" defTabSz="914400" rtl="0" fontAlgn="auto" latinLnBrk="0" hangingPunct="0">
+              <a:lnSpc>
+                <a:spcPct val="100000"/>
+              </a:lnSpc>
+              <a:spcBef>
+                <a:spcPts val="0"/>
+              </a:spcBef>
+              <a:spcAft>
+                <a:spcPts val="0"/>
+              </a:spcAft>
+              <a:buClrTx/>
+              <a:buSzTx/>
+              <a:buFontTx/>
+              <a:buNone/>
+              <a:tabLst/>
+            </a:pPr>
+            <a:endParaRPr lang="en-US" sz="1600" dirty="0" smtClean="0"/>
+          </a:p>
+          <a:p>
+            <a:pPr marL="0" marR="0" indent="0" algn="l" defTabSz="914400" rtl="0" fontAlgn="auto" latinLnBrk="0" hangingPunct="0">
+              <a:lnSpc>
+                <a:spcPct val="100000"/>
+              </a:lnSpc>
+              <a:spcBef>
+                <a:spcPts val="0"/>
+              </a:spcBef>
+              <a:spcAft>
+                <a:spcPts val="0"/>
+              </a:spcAft>
+              <a:buClrTx/>
+              <a:buSzTx/>
+              <a:buFontTx/>
+              <a:buNone/>
+              <a:tabLst/>
+            </a:pPr>
+            <a:endParaRPr kumimoji="0" lang="en-US" sz="1600" b="0" i="0" u="none" strike="noStrike" cap="none" spc="0" normalizeH="0" baseline="0" dirty="0" smtClean="0">
+              <a:ln>
+                <a:noFill/>
+              </a:ln>
+              <a:solidFill>
+                <a:srgbClr val="000000"/>
+              </a:solidFill>
+              <a:effectLst/>
+              <a:uFillTx/>
+              <a:sym typeface="Times New Roman"/>
+            </a:endParaRPr>
+          </a:p>
+        </p:txBody>
+      </p:sp>
+      <p:sp>
+        <p:nvSpPr>
+          <p:cNvPr id="23" name="Rectangle 22"/>
+          <p:cNvSpPr/>
+          <p:nvPr/>
+        </p:nvSpPr>
+        <p:spPr>
+          <a:xfrm>
+            <a:off x="1044437" y="4535854"/>
+            <a:ext cx="1254263" cy="149053"/>
+          </a:xfrm>
+          <a:prstGeom prst="rect">
+            <a:avLst/>
+          </a:prstGeom>
+          <a:solidFill>
+            <a:schemeClr val="accent2"/>
+          </a:solidFill>
+          <a:ln w="25400" cap="flat">
+            <a:noFill/>
+            <a:prstDash val="solid"/>
+            <a:bevel/>
+          </a:ln>
+          <a:effectLst/>
+          <a:sp3d/>
+        </p:spPr>
+        <p:style>
+          <a:lnRef idx="0">
+            <a:scrgbClr r="0" g="0" b="0"/>
+          </a:lnRef>
+          <a:fillRef idx="0">
+            <a:scrgbClr r="0" g="0" b="0"/>
+          </a:fillRef>
+          <a:effectRef idx="0">
+            <a:scrgbClr r="0" g="0" b="0"/>
+          </a:effectRef>
+          <a:fontRef idx="none"/>
+        </p:style>
+        <p:txBody>
+          <a:bodyPr rot="0" spcFirstLastPara="1" vertOverflow="overflow" horzOverflow="overflow" vert="horz" wrap="square" lIns="45719" tIns="45719" rIns="45719" bIns="45719" numCol="1" spcCol="38100" rtlCol="0" anchor="t">
+            <a:spAutoFit/>
+          </a:bodyPr>
+          <a:lstStyle/>
+          <a:p>
+            <a:pPr marL="0" marR="0" indent="0" algn="l" defTabSz="914400" rtl="0" fontAlgn="auto" latinLnBrk="0" hangingPunct="0">
+              <a:lnSpc>
+                <a:spcPct val="100000"/>
+              </a:lnSpc>
+              <a:spcBef>
+                <a:spcPts val="0"/>
+              </a:spcBef>
+              <a:spcAft>
+                <a:spcPts val="0"/>
+              </a:spcAft>
+              <a:buClrTx/>
+              <a:buSzTx/>
+              <a:buFontTx/>
+              <a:buNone/>
+              <a:tabLst/>
+            </a:pPr>
+            <a:endParaRPr kumimoji="0" lang="en-US" sz="2400" b="0" i="0" u="none" strike="noStrike" cap="none" spc="0" normalizeH="0" baseline="0">
+              <a:ln>
+                <a:noFill/>
+              </a:ln>
+              <a:solidFill>
+                <a:srgbClr val="000000"/>
+              </a:solidFill>
+              <a:effectLst/>
+              <a:uFillTx/>
+              <a:latin typeface="Times New Roman"/>
+              <a:ea typeface="Times New Roman"/>
+              <a:cs typeface="Times New Roman"/>
+              <a:sym typeface="Times New Roman"/>
+            </a:endParaRPr>
+          </a:p>
+        </p:txBody>
+      </p:sp>
+      <p:sp>
+        <p:nvSpPr>
+          <p:cNvPr id="24" name="Rectangle 23"/>
+          <p:cNvSpPr/>
+          <p:nvPr/>
+        </p:nvSpPr>
+        <p:spPr>
+          <a:xfrm>
+            <a:off x="3104642" y="2070504"/>
+            <a:ext cx="1254263" cy="149053"/>
+          </a:xfrm>
+          <a:prstGeom prst="rect">
+            <a:avLst/>
+          </a:prstGeom>
+          <a:solidFill>
+            <a:schemeClr val="accent2"/>
+          </a:solidFill>
+          <a:ln w="25400" cap="flat">
+            <a:noFill/>
+            <a:prstDash val="solid"/>
+            <a:bevel/>
+          </a:ln>
+          <a:effectLst/>
+          <a:sp3d/>
+        </p:spPr>
+        <p:style>
+          <a:lnRef idx="0">
+            <a:scrgbClr r="0" g="0" b="0"/>
+          </a:lnRef>
+          <a:fillRef idx="0">
+            <a:scrgbClr r="0" g="0" b="0"/>
+          </a:fillRef>
+          <a:effectRef idx="0">
+            <a:scrgbClr r="0" g="0" b="0"/>
+          </a:effectRef>
+          <a:fontRef idx="none"/>
+        </p:style>
+        <p:txBody>
+          <a:bodyPr rot="0" spcFirstLastPara="1" vertOverflow="overflow" horzOverflow="overflow" vert="horz" wrap="square" lIns="45719" tIns="45719" rIns="45719" bIns="45719" numCol="1" spcCol="38100" rtlCol="0" anchor="t">
+            <a:spAutoFit/>
+          </a:bodyPr>
+          <a:lstStyle/>
+          <a:p>
+            <a:pPr marL="0" marR="0" indent="0" algn="l" defTabSz="914400" rtl="0" fontAlgn="auto" latinLnBrk="0" hangingPunct="0">
+              <a:lnSpc>
+                <a:spcPct val="100000"/>
+              </a:lnSpc>
+              <a:spcBef>
+                <a:spcPts val="0"/>
+              </a:spcBef>
+              <a:spcAft>
+                <a:spcPts val="0"/>
+              </a:spcAft>
+              <a:buClrTx/>
+              <a:buSzTx/>
+              <a:buFontTx/>
+              <a:buNone/>
+              <a:tabLst/>
+            </a:pPr>
+            <a:endParaRPr kumimoji="0" lang="en-US" sz="2400" b="0" i="0" u="none" strike="noStrike" cap="none" spc="0" normalizeH="0" baseline="0">
+              <a:ln>
+                <a:noFill/>
+              </a:ln>
+              <a:solidFill>
+                <a:srgbClr val="000000"/>
+              </a:solidFill>
+              <a:effectLst/>
+              <a:uFillTx/>
+              <a:latin typeface="Times New Roman"/>
+              <a:ea typeface="Times New Roman"/>
+              <a:cs typeface="Times New Roman"/>
+              <a:sym typeface="Times New Roman"/>
+            </a:endParaRPr>
+          </a:p>
+        </p:txBody>
+      </p:sp>
+      <p:sp>
+        <p:nvSpPr>
+          <p:cNvPr id="25" name="TextBox 24"/>
+          <p:cNvSpPr txBox="1"/>
+          <p:nvPr/>
+        </p:nvSpPr>
+        <p:spPr>
+          <a:xfrm>
+            <a:off x="4451987" y="6113471"/>
+            <a:ext cx="246219" cy="461663"/>
+          </a:xfrm>
+          <a:prstGeom prst="rect">
+            <a:avLst/>
+          </a:prstGeom>
+          <a:noFill/>
+          <a:ln w="12700" cap="flat">
+            <a:noFill/>
+            <a:miter lim="400000"/>
+          </a:ln>
+          <a:effectLst/>
+          <a:sp3d/>
+        </p:spPr>
+        <p:style>
+          <a:lnRef idx="0">
+            <a:scrgbClr r="0" g="0" b="0"/>
+          </a:lnRef>
+          <a:fillRef idx="0">
+            <a:scrgbClr r="0" g="0" b="0"/>
+          </a:fillRef>
+          <a:effectRef idx="0">
+            <a:scrgbClr r="0" g="0" b="0"/>
+          </a:effectRef>
+          <a:fontRef idx="none"/>
+        </p:style>
+        <p:txBody>
+          <a:bodyPr rot="0" spcFirstLastPara="1" vertOverflow="overflow" horzOverflow="overflow" vert="horz" wrap="none" lIns="45719" tIns="45719" rIns="45719" bIns="45719" numCol="1" spcCol="38100" rtlCol="0" anchor="t">
+            <a:spAutoFit/>
+          </a:bodyPr>
+          <a:lstStyle/>
+          <a:p>
+            <a:pPr marL="0" marR="0" indent="0" algn="l" defTabSz="914400" rtl="0" fontAlgn="auto" latinLnBrk="0" hangingPunct="0">
+              <a:lnSpc>
+                <a:spcPct val="100000"/>
+              </a:lnSpc>
+              <a:spcBef>
+                <a:spcPts val="0"/>
+              </a:spcBef>
+              <a:spcAft>
+                <a:spcPts val="0"/>
+              </a:spcAft>
+              <a:buClrTx/>
+              <a:buSzTx/>
+              <a:buFontTx/>
+              <a:buNone/>
+              <a:tabLst/>
+            </a:pPr>
             <a:r>
               <a:rPr kumimoji="0" lang="en-US" sz="2400" b="0" i="0" u="none" strike="noStrike" cap="none" spc="0" normalizeH="0" baseline="0" dirty="0" smtClean="0">
                 <a:ln>
@@ -5499,7 +5988,7 @@
         </p:nvCxnSpPr>
         <p:spPr>
           <a:xfrm>
-            <a:off x="1670049" y="4714644"/>
+            <a:off x="1322093" y="4714644"/>
             <a:ext cx="0" cy="278996"/>
           </a:xfrm>
           <a:prstGeom prst="straightConnector1">
@@ -5545,8 +6034,8 @@
         </p:nvSpPr>
         <p:spPr>
           <a:xfrm>
-            <a:off x="1828800" y="4762500"/>
-            <a:ext cx="541172" cy="307775"/>
+            <a:off x="1371160" y="4723965"/>
+            <a:ext cx="925892" cy="307775"/>
           </a:xfrm>
           <a:prstGeom prst="rect">
             <a:avLst/>
@@ -5608,7 +6097,7 @@
                 <a:cs typeface="Times New Roman"/>
                 <a:sym typeface="Times New Roman"/>
               </a:rPr>
-              <a:t>Offset</a:t>
+              <a:t>Byte Offset</a:t>
             </a:r>
             <a:endParaRPr kumimoji="0" lang="en-US" sz="1400" b="0" i="0" u="none" strike="noStrike" cap="none" spc="0" normalizeH="0" baseline="0" dirty="0">
               <a:ln>
@@ -5635,7 +6124,7 @@
         </p:nvCxnSpPr>
         <p:spPr>
           <a:xfrm>
-            <a:off x="3544569" y="2222904"/>
+            <a:off x="3293717" y="2222904"/>
             <a:ext cx="0" cy="278996"/>
           </a:xfrm>
           <a:prstGeom prst="straightConnector1">
@@ -5681,8 +6170,8 @@
         </p:nvSpPr>
         <p:spPr>
           <a:xfrm>
-            <a:off x="3703320" y="2270760"/>
-            <a:ext cx="541172" cy="307775"/>
+            <a:off x="3347146" y="2221550"/>
+            <a:ext cx="1014244" cy="307775"/>
           </a:xfrm>
           <a:prstGeom prst="rect">
             <a:avLst/>
@@ -5708,7 +6197,7 @@
           <a:fontRef idx="none"/>
         </p:style>
         <p:txBody>
-          <a:bodyPr rot="0" spcFirstLastPara="1" vertOverflow="overflow" horzOverflow="overflow" vert="horz" wrap="none" lIns="45719" tIns="45719" rIns="45719" bIns="45719" numCol="1" spcCol="38100" rtlCol="0" anchor="t">
+          <a:bodyPr rot="0" spcFirstLastPara="1" vertOverflow="overflow" horzOverflow="overflow" vert="horz" wrap="square" lIns="45719" tIns="45719" rIns="45719" bIns="45719" numCol="1" spcCol="38100" rtlCol="0" anchor="t">
             <a:spAutoFit/>
           </a:bodyPr>
           <a:lstStyle/>
@@ -5730,7 +6219,41 @@
               <a:tabLst/>
             </a:pPr>
             <a:r>
-              <a:rPr kumimoji="0" lang="en-US" sz="1400" b="0" i="0" u="none" strike="noStrike" cap="none" spc="0" normalizeH="0" baseline="0" dirty="0" smtClean="0">
+              <a:rPr kumimoji="0" lang="en-US" sz="1400" b="0" i="0" u="none" strike="noStrike" cap="none" spc="0" normalizeH="0" baseline="0" smtClean="0">
+                <a:ln>
+                  <a:noFill/>
+                </a:ln>
+                <a:solidFill>
+                  <a:srgbClr val="000000"/>
+                </a:solidFill>
+                <a:effectLst/>
+                <a:uFillTx/>
+                <a:latin typeface="Times New Roman"/>
+                <a:ea typeface="Times New Roman"/>
+                <a:cs typeface="Times New Roman"/>
+                <a:sym typeface="Times New Roman"/>
+              </a:rPr>
+              <a:t>Byte</a:t>
+            </a:r>
+            <a:r>
+              <a:rPr kumimoji="0" lang="en-US" sz="1400" b="0" i="0" u="none" strike="noStrike" cap="none" spc="0" normalizeH="0" smtClean="0">
+                <a:ln>
+                  <a:noFill/>
+                </a:ln>
+                <a:solidFill>
+                  <a:srgbClr val="000000"/>
+                </a:solidFill>
+                <a:effectLst/>
+                <a:uFillTx/>
+                <a:latin typeface="Times New Roman"/>
+                <a:ea typeface="Times New Roman"/>
+                <a:cs typeface="Times New Roman"/>
+                <a:sym typeface="Times New Roman"/>
+              </a:rPr>
+              <a:t> </a:t>
+            </a:r>
+            <a:r>
+              <a:rPr kumimoji="0" lang="en-US" sz="1400" b="0" i="0" u="none" strike="noStrike" cap="none" spc="0" normalizeH="0" baseline="0" smtClean="0">
                 <a:ln>
                   <a:noFill/>
                 </a:ln>
@@ -5758,6 +6281,370 @@
               <a:latin typeface="Times New Roman"/>
               <a:ea typeface="Times New Roman"/>
               <a:cs typeface="Times New Roman"/>
+              <a:sym typeface="Times New Roman"/>
+            </a:endParaRPr>
+          </a:p>
+        </p:txBody>
+      </p:sp>
+      <p:cxnSp>
+        <p:nvCxnSpPr>
+          <p:cNvPr id="12" name="Straight Connector 11"/>
+          <p:cNvCxnSpPr/>
+          <p:nvPr/>
+        </p:nvCxnSpPr>
+        <p:spPr>
+          <a:xfrm flipV="1">
+            <a:off x="1670049" y="1537487"/>
+            <a:ext cx="0" cy="1569876"/>
+          </a:xfrm>
+          <a:prstGeom prst="line">
+            <a:avLst/>
+          </a:prstGeom>
+          <a:noFill/>
+          <a:ln w="76200" cap="flat">
+            <a:solidFill>
+              <a:schemeClr val="tx1"/>
+            </a:solidFill>
+            <a:prstDash val="sysDot"/>
+            <a:bevel/>
+          </a:ln>
+          <a:effectLst>
+            <a:outerShdw blurRad="38100" dist="20000" dir="5400000" rotWithShape="0">
+              <a:srgbClr val="000000">
+                <a:alpha val="38000"/>
+              </a:srgbClr>
+            </a:outerShdw>
+          </a:effectLst>
+          <a:sp3d/>
+        </p:spPr>
+        <p:style>
+          <a:lnRef idx="0">
+            <a:scrgbClr r="0" g="0" b="0"/>
+          </a:lnRef>
+          <a:fillRef idx="0">
+            <a:scrgbClr r="0" g="0" b="0"/>
+          </a:fillRef>
+          <a:effectRef idx="0">
+            <a:scrgbClr r="0" g="0" b="0"/>
+          </a:effectRef>
+          <a:fontRef idx="none"/>
+        </p:style>
+      </p:cxnSp>
+      <p:sp>
+        <p:nvSpPr>
+          <p:cNvPr id="21" name="TextBox 20"/>
+          <p:cNvSpPr txBox="1"/>
+          <p:nvPr/>
+        </p:nvSpPr>
+        <p:spPr>
+          <a:xfrm>
+            <a:off x="-32368" y="4117843"/>
+            <a:ext cx="938716" cy="1200327"/>
+          </a:xfrm>
+          <a:prstGeom prst="rect">
+            <a:avLst/>
+          </a:prstGeom>
+          <a:noFill/>
+          <a:ln w="12700" cap="flat">
+            <a:noFill/>
+            <a:miter lim="400000"/>
+          </a:ln>
+          <a:effectLst/>
+          <a:sp3d/>
+        </p:spPr>
+        <p:style>
+          <a:lnRef idx="0">
+            <a:scrgbClr r="0" g="0" b="0"/>
+          </a:lnRef>
+          <a:fillRef idx="0">
+            <a:scrgbClr r="0" g="0" b="0"/>
+          </a:fillRef>
+          <a:effectRef idx="0">
+            <a:scrgbClr r="0" g="0" b="0"/>
+          </a:effectRef>
+          <a:fontRef idx="none"/>
+        </p:style>
+        <p:txBody>
+          <a:bodyPr rot="0" spcFirstLastPara="1" vertOverflow="overflow" horzOverflow="overflow" vert="horz" wrap="none" lIns="45719" tIns="45719" rIns="45719" bIns="45719" numCol="1" spcCol="38100" rtlCol="0" anchor="t">
+            <a:spAutoFit/>
+          </a:bodyPr>
+          <a:lstStyle/>
+          <a:p>
+            <a:pPr marL="0" marR="0" indent="0" algn="ctr" defTabSz="914400" rtl="0" fontAlgn="auto" latinLnBrk="0" hangingPunct="0">
+              <a:lnSpc>
+                <a:spcPct val="100000"/>
+              </a:lnSpc>
+              <a:spcBef>
+                <a:spcPts val="0"/>
+              </a:spcBef>
+              <a:spcAft>
+                <a:spcPts val="0"/>
+              </a:spcAft>
+              <a:buClrTx/>
+              <a:buSzTx/>
+              <a:buFontTx/>
+              <a:buNone/>
+              <a:tabLst/>
+            </a:pPr>
+            <a:r>
+              <a:rPr kumimoji="0" lang="en-US" sz="1800" b="0" i="0" u="none" strike="noStrike" cap="none" spc="0" normalizeH="0" baseline="0" dirty="0" smtClean="0">
+                <a:ln>
+                  <a:noFill/>
+                </a:ln>
+                <a:solidFill>
+                  <a:srgbClr val="000000"/>
+                </a:solidFill>
+                <a:effectLst/>
+                <a:uFillTx/>
+                <a:sym typeface="Times New Roman"/>
+              </a:rPr>
+              <a:t>Virtual</a:t>
+            </a:r>
+          </a:p>
+          <a:p>
+            <a:pPr marL="0" marR="0" indent="0" algn="ctr" defTabSz="914400" rtl="0" fontAlgn="auto" latinLnBrk="0" hangingPunct="0">
+              <a:lnSpc>
+                <a:spcPct val="100000"/>
+              </a:lnSpc>
+              <a:spcBef>
+                <a:spcPts val="0"/>
+              </a:spcBef>
+              <a:spcAft>
+                <a:spcPts val="0"/>
+              </a:spcAft>
+              <a:buClrTx/>
+              <a:buSzTx/>
+              <a:buFontTx/>
+              <a:buNone/>
+              <a:tabLst/>
+            </a:pPr>
+            <a:r>
+              <a:rPr lang="en-US" sz="1800" dirty="0" smtClean="0"/>
+              <a:t>Page </a:t>
+            </a:r>
+          </a:p>
+          <a:p>
+            <a:pPr marL="0" marR="0" indent="0" algn="ctr" defTabSz="914400" rtl="0" fontAlgn="auto" latinLnBrk="0" hangingPunct="0">
+              <a:lnSpc>
+                <a:spcPct val="100000"/>
+              </a:lnSpc>
+              <a:spcBef>
+                <a:spcPts val="0"/>
+              </a:spcBef>
+              <a:spcAft>
+                <a:spcPts val="0"/>
+              </a:spcAft>
+              <a:buClrTx/>
+              <a:buSzTx/>
+              <a:buFontTx/>
+              <a:buNone/>
+              <a:tabLst/>
+            </a:pPr>
+            <a:r>
+              <a:rPr lang="en-US" sz="1800" dirty="0" smtClean="0"/>
+              <a:t>Numbers</a:t>
+            </a:r>
+          </a:p>
+          <a:p>
+            <a:pPr marL="0" marR="0" indent="0" algn="ctr" defTabSz="914400" rtl="0" fontAlgn="auto" latinLnBrk="0" hangingPunct="0">
+              <a:lnSpc>
+                <a:spcPct val="100000"/>
+              </a:lnSpc>
+              <a:spcBef>
+                <a:spcPts val="0"/>
+              </a:spcBef>
+              <a:spcAft>
+                <a:spcPts val="0"/>
+              </a:spcAft>
+              <a:buClrTx/>
+              <a:buSzTx/>
+              <a:buFontTx/>
+              <a:buNone/>
+              <a:tabLst/>
+            </a:pPr>
+            <a:r>
+              <a:rPr kumimoji="0" lang="en-US" sz="1800" b="0" i="0" u="none" strike="noStrike" cap="none" spc="0" normalizeH="0" baseline="0" dirty="0" smtClean="0">
+                <a:ln>
+                  <a:noFill/>
+                </a:ln>
+                <a:solidFill>
+                  <a:srgbClr val="000000"/>
+                </a:solidFill>
+                <a:effectLst/>
+                <a:uFillTx/>
+                <a:sym typeface="Times New Roman"/>
+              </a:rPr>
+              <a:t>(VPN)</a:t>
+            </a:r>
+            <a:endParaRPr kumimoji="0" lang="en-US" sz="1800" b="0" i="0" u="none" strike="noStrike" cap="none" spc="0" normalizeH="0" baseline="0" dirty="0">
+              <a:ln>
+                <a:noFill/>
+              </a:ln>
+              <a:solidFill>
+                <a:srgbClr val="000000"/>
+              </a:solidFill>
+              <a:effectLst/>
+              <a:uFillTx/>
+              <a:sym typeface="Times New Roman"/>
+            </a:endParaRPr>
+          </a:p>
+        </p:txBody>
+      </p:sp>
+      <p:sp>
+        <p:nvSpPr>
+          <p:cNvPr id="41" name="TextBox 40"/>
+          <p:cNvSpPr txBox="1"/>
+          <p:nvPr/>
+        </p:nvSpPr>
+        <p:spPr>
+          <a:xfrm>
+            <a:off x="4746071" y="4256799"/>
+            <a:ext cx="1349085" cy="1200327"/>
+          </a:xfrm>
+          <a:prstGeom prst="rect">
+            <a:avLst/>
+          </a:prstGeom>
+          <a:noFill/>
+          <a:ln w="12700" cap="flat">
+            <a:noFill/>
+            <a:miter lim="400000"/>
+          </a:ln>
+          <a:effectLst/>
+          <a:sp3d/>
+        </p:spPr>
+        <p:style>
+          <a:lnRef idx="0">
+            <a:scrgbClr r="0" g="0" b="0"/>
+          </a:lnRef>
+          <a:fillRef idx="0">
+            <a:scrgbClr r="0" g="0" b="0"/>
+          </a:fillRef>
+          <a:effectRef idx="0">
+            <a:scrgbClr r="0" g="0" b="0"/>
+          </a:effectRef>
+          <a:fontRef idx="none"/>
+        </p:style>
+        <p:txBody>
+          <a:bodyPr rot="0" spcFirstLastPara="1" vertOverflow="overflow" horzOverflow="overflow" vert="horz" wrap="none" lIns="45719" tIns="45719" rIns="45719" bIns="45719" numCol="1" spcCol="38100" rtlCol="0" anchor="t">
+            <a:spAutoFit/>
+          </a:bodyPr>
+          <a:lstStyle/>
+          <a:p>
+            <a:pPr marL="0" marR="0" indent="0" algn="ctr" defTabSz="914400" rtl="0" fontAlgn="auto" latinLnBrk="0" hangingPunct="0">
+              <a:lnSpc>
+                <a:spcPct val="100000"/>
+              </a:lnSpc>
+              <a:spcBef>
+                <a:spcPts val="0"/>
+              </a:spcBef>
+              <a:spcAft>
+                <a:spcPts val="0"/>
+              </a:spcAft>
+              <a:buClrTx/>
+              <a:buSzTx/>
+              <a:buFontTx/>
+              <a:buNone/>
+              <a:tabLst/>
+            </a:pPr>
+            <a:r>
+              <a:rPr kumimoji="0" lang="en-US" sz="1800" b="0" i="0" u="none" strike="noStrike" cap="none" spc="0" normalizeH="0" baseline="0" dirty="0" smtClean="0">
+                <a:ln>
+                  <a:noFill/>
+                </a:ln>
+                <a:solidFill>
+                  <a:srgbClr val="000000"/>
+                </a:solidFill>
+                <a:effectLst/>
+                <a:uFillTx/>
+                <a:sym typeface="Times New Roman"/>
+              </a:rPr>
+              <a:t>Physical</a:t>
+            </a:r>
+          </a:p>
+          <a:p>
+            <a:pPr marL="0" marR="0" indent="0" algn="ctr" defTabSz="914400" rtl="0" fontAlgn="auto" latinLnBrk="0" hangingPunct="0">
+              <a:lnSpc>
+                <a:spcPct val="100000"/>
+              </a:lnSpc>
+              <a:spcBef>
+                <a:spcPts val="0"/>
+              </a:spcBef>
+              <a:spcAft>
+                <a:spcPts val="0"/>
+              </a:spcAft>
+              <a:buClrTx/>
+              <a:buSzTx/>
+              <a:buFontTx/>
+              <a:buNone/>
+              <a:tabLst/>
+            </a:pPr>
+            <a:r>
+              <a:rPr lang="en-US" sz="1800" dirty="0" smtClean="0"/>
+              <a:t>Page (frame) </a:t>
+            </a:r>
+          </a:p>
+          <a:p>
+            <a:pPr marL="0" marR="0" indent="0" algn="ctr" defTabSz="914400" rtl="0" fontAlgn="auto" latinLnBrk="0" hangingPunct="0">
+              <a:lnSpc>
+                <a:spcPct val="100000"/>
+              </a:lnSpc>
+              <a:spcBef>
+                <a:spcPts val="0"/>
+              </a:spcBef>
+              <a:spcAft>
+                <a:spcPts val="0"/>
+              </a:spcAft>
+              <a:buClrTx/>
+              <a:buSzTx/>
+              <a:buFontTx/>
+              <a:buNone/>
+              <a:tabLst/>
+            </a:pPr>
+            <a:r>
+              <a:rPr lang="en-US" sz="1800" dirty="0" smtClean="0"/>
+              <a:t>Numbers</a:t>
+            </a:r>
+          </a:p>
+          <a:p>
+            <a:pPr marL="0" marR="0" indent="0" algn="ctr" defTabSz="914400" rtl="0" fontAlgn="auto" latinLnBrk="0" hangingPunct="0">
+              <a:lnSpc>
+                <a:spcPct val="100000"/>
+              </a:lnSpc>
+              <a:spcBef>
+                <a:spcPts val="0"/>
+              </a:spcBef>
+              <a:spcAft>
+                <a:spcPts val="0"/>
+              </a:spcAft>
+              <a:buClrTx/>
+              <a:buSzTx/>
+              <a:buFontTx/>
+              <a:buNone/>
+              <a:tabLst/>
+            </a:pPr>
+            <a:r>
+              <a:rPr kumimoji="0" lang="en-US" sz="1800" b="0" i="0" u="none" strike="noStrike" cap="none" spc="0" normalizeH="0" baseline="0" dirty="0" smtClean="0">
+                <a:ln>
+                  <a:noFill/>
+                </a:ln>
+                <a:solidFill>
+                  <a:srgbClr val="000000"/>
+                </a:solidFill>
+                <a:effectLst/>
+                <a:uFillTx/>
+                <a:sym typeface="Times New Roman"/>
+              </a:rPr>
+              <a:t>(PPN)</a:t>
+            </a:r>
+            <a:endParaRPr kumimoji="0" lang="en-US" sz="1800" b="0" i="0" u="none" strike="noStrike" cap="none" spc="0" normalizeH="0" baseline="0" dirty="0">
+              <a:ln>
+                <a:noFill/>
+              </a:ln>
+              <a:solidFill>
+                <a:srgbClr val="000000"/>
+              </a:solidFill>
+              <a:effectLst/>
+              <a:uFillTx/>
               <a:sym typeface="Times New Roman"/>
             </a:endParaRPr>
           </a:p>
